--- a/MENTAL WEALTH PROFESSIONAL LIFE 3 (PROJECT) (CN6000)/Research_Thesis_Main/Μητροπολιτικό Κολλέγιο_ΣΕΚΦ[Μιχαηλ Μαρκου] Advanced multiplayer game mechanics.pptx
+++ b/MENTAL WEALTH PROFESSIONAL LIFE 3 (PROJECT) (CN6000)/Research_Thesis_Main/Μητροπολιτικό Κολλέγιο_ΣΕΚΦ[Μιχαηλ Μαρκου] Advanced multiplayer game mechanics.pptx
@@ -6,10 +6,10 @@
     <p:sldMasterId id="2147483672" r:id="rId2"/>
   </p:sldMasterIdLst>
   <p:notesMasterIdLst>
-    <p:notesMasterId r:id="rId33"/>
+    <p:notesMasterId r:id="rId34"/>
   </p:notesMasterIdLst>
   <p:handoutMasterIdLst>
-    <p:handoutMasterId r:id="rId34"/>
+    <p:handoutMasterId r:id="rId35"/>
   </p:handoutMasterIdLst>
   <p:sldIdLst>
     <p:sldId id="302" r:id="rId3"/>
@@ -23,25 +23,26 @@
     <p:sldId id="413" r:id="rId11"/>
     <p:sldId id="414" r:id="rId12"/>
     <p:sldId id="433" r:id="rId13"/>
-    <p:sldId id="415" r:id="rId14"/>
-    <p:sldId id="418" r:id="rId15"/>
-    <p:sldId id="420" r:id="rId16"/>
-    <p:sldId id="421" r:id="rId17"/>
-    <p:sldId id="422" r:id="rId18"/>
-    <p:sldId id="423" r:id="rId19"/>
-    <p:sldId id="424" r:id="rId20"/>
-    <p:sldId id="416" r:id="rId21"/>
-    <p:sldId id="419" r:id="rId22"/>
-    <p:sldId id="425" r:id="rId23"/>
-    <p:sldId id="417" r:id="rId24"/>
-    <p:sldId id="427" r:id="rId25"/>
-    <p:sldId id="428" r:id="rId26"/>
-    <p:sldId id="429" r:id="rId27"/>
-    <p:sldId id="430" r:id="rId28"/>
-    <p:sldId id="431" r:id="rId29"/>
-    <p:sldId id="434" r:id="rId30"/>
-    <p:sldId id="435" r:id="rId31"/>
-    <p:sldId id="426" r:id="rId32"/>
+    <p:sldId id="436" r:id="rId14"/>
+    <p:sldId id="415" r:id="rId15"/>
+    <p:sldId id="418" r:id="rId16"/>
+    <p:sldId id="420" r:id="rId17"/>
+    <p:sldId id="421" r:id="rId18"/>
+    <p:sldId id="422" r:id="rId19"/>
+    <p:sldId id="423" r:id="rId20"/>
+    <p:sldId id="424" r:id="rId21"/>
+    <p:sldId id="416" r:id="rId22"/>
+    <p:sldId id="419" r:id="rId23"/>
+    <p:sldId id="425" r:id="rId24"/>
+    <p:sldId id="417" r:id="rId25"/>
+    <p:sldId id="427" r:id="rId26"/>
+    <p:sldId id="428" r:id="rId27"/>
+    <p:sldId id="429" r:id="rId28"/>
+    <p:sldId id="430" r:id="rId29"/>
+    <p:sldId id="431" r:id="rId30"/>
+    <p:sldId id="434" r:id="rId31"/>
+    <p:sldId id="435" r:id="rId32"/>
+    <p:sldId id="426" r:id="rId33"/>
   </p:sldIdLst>
   <p:sldSz cx="9144000" cy="6858000" type="screen4x3"/>
   <p:notesSz cx="6864350" cy="9996488"/>
@@ -17683,7 +17684,7 @@
             <a:fld id="{8196BD0F-C7DE-4148-B4AF-E3709382BF27}" type="datetimeFigureOut">
               <a:rPr lang="en-US" smtClean="0"/>
               <a:pPr/>
-              <a:t>5/10/2022</a:t>
+              <a:t>5/12/2022</a:t>
             </a:fld>
             <a:endParaRPr lang="en-US" dirty="0"/>
           </a:p>
@@ -17850,7 +17851,7 @@
             <a:fld id="{FEE8B350-5958-0E41-A6C5-C2C83FBF1FAC}" type="datetimeFigureOut">
               <a:rPr lang="en-US" smtClean="0"/>
               <a:pPr/>
-              <a:t>5/10/2022</a:t>
+              <a:t>5/12/2022</a:t>
             </a:fld>
             <a:endParaRPr lang="en-US" dirty="0"/>
           </a:p>
@@ -19484,753 +19485,157 @@
           <a:bodyPr/>
           <a:lstStyle/>
           <a:p>
-            <a:pPr marL="0" marR="0" lvl="0" indent="0" algn="l" defTabSz="457200" rtl="0" eaLnBrk="1" fontAlgn="auto" latinLnBrk="0" hangingPunct="1">
-              <a:lnSpc>
-                <a:spcPct val="100000"/>
-              </a:lnSpc>
-              <a:spcBef>
-                <a:spcPts val="0"/>
-              </a:spcBef>
-              <a:spcAft>
-                <a:spcPts val="0"/>
-              </a:spcAft>
-              <a:buClrTx/>
-              <a:buSzTx/>
-              <a:buFontTx/>
+            <a:pPr marL="0" indent="0">
+              <a:buFont typeface="Arial" panose="020B0604020202020204" pitchFamily="34" charset="0"/>
               <a:buNone/>
-              <a:tabLst/>
-              <a:defRPr/>
             </a:pPr>
             <a:r>
-              <a:rPr kumimoji="0" lang="el-GR" sz="1200" b="0" i="0" u="none" strike="noStrike" kern="0" cap="none" spc="0" normalizeH="0" baseline="0" noProof="0" dirty="0">
-                <a:ln>
-                  <a:noFill/>
-                </a:ln>
-                <a:solidFill>
-                  <a:srgbClr val="FFFFFF"/>
-                </a:solidFill>
-                <a:effectLst/>
-                <a:uLnTx/>
-                <a:uFillTx/>
-                <a:latin typeface="Arial" panose="020B0604020202020204" pitchFamily="34" charset="0"/>
-                <a:cs typeface="Arial" panose="020B0604020202020204" pitchFamily="34" charset="0"/>
-                <a:sym typeface="Sora"/>
-              </a:rPr>
-              <a:t>Τι εξετάζει το </a:t>
-            </a:r>
-            <a:r>
-              <a:rPr kumimoji="0" lang="en-US" sz="1200" b="0" i="0" u="none" strike="noStrike" kern="0" cap="none" spc="0" normalizeH="0" baseline="0" noProof="0" dirty="0">
-                <a:ln>
-                  <a:noFill/>
-                </a:ln>
-                <a:solidFill>
-                  <a:srgbClr val="FFFFFF"/>
-                </a:solidFill>
-                <a:effectLst/>
-                <a:uLnTx/>
-                <a:uFillTx/>
-                <a:latin typeface="Arial" panose="020B0604020202020204" pitchFamily="34" charset="0"/>
-                <a:cs typeface="Arial" panose="020B0604020202020204" pitchFamily="34" charset="0"/>
-                <a:sym typeface="Sora"/>
-              </a:rPr>
-              <a:t>project </a:t>
-            </a:r>
-            <a:r>
-              <a:rPr kumimoji="0" lang="el-GR" sz="1200" b="0" i="0" u="none" strike="noStrike" kern="0" cap="none" spc="0" normalizeH="0" baseline="0" noProof="0" dirty="0">
-                <a:ln>
-                  <a:noFill/>
-                </a:ln>
-                <a:solidFill>
-                  <a:srgbClr val="FFFFFF"/>
-                </a:solidFill>
-                <a:effectLst/>
-                <a:uLnTx/>
-                <a:uFillTx/>
-                <a:latin typeface="Arial" panose="020B0604020202020204" pitchFamily="34" charset="0"/>
-                <a:cs typeface="Arial" panose="020B0604020202020204" pitchFamily="34" charset="0"/>
-                <a:sym typeface="Sora"/>
-              </a:rPr>
-              <a:t>για σωστή διεκπεραίωση των απαιτήσεων προδιαγραφών?</a:t>
-            </a:r>
-            <a:endParaRPr kumimoji="0" lang="en-US" sz="1200" b="0" i="0" u="none" strike="noStrike" kern="0" cap="none" spc="0" normalizeH="0" baseline="0" noProof="0" dirty="0">
-              <a:ln>
-                <a:noFill/>
-              </a:ln>
-              <a:solidFill>
-                <a:srgbClr val="FFFFFF"/>
-              </a:solidFill>
-              <a:effectLst/>
-              <a:uLnTx/>
-              <a:uFillTx/>
-              <a:latin typeface="Arial" panose="020B0604020202020204" pitchFamily="34" charset="0"/>
-              <a:cs typeface="Arial" panose="020B0604020202020204" pitchFamily="34" charset="0"/>
-              <a:sym typeface="Sora"/>
-            </a:endParaRPr>
-          </a:p>
-          <a:p>
-            <a:pPr marL="0" marR="0" lvl="0" indent="0" algn="l" defTabSz="457200" rtl="0" eaLnBrk="1" fontAlgn="auto" latinLnBrk="0" hangingPunct="1">
-              <a:lnSpc>
-                <a:spcPct val="100000"/>
-              </a:lnSpc>
-              <a:spcBef>
-                <a:spcPts val="0"/>
-              </a:spcBef>
-              <a:spcAft>
-                <a:spcPts val="0"/>
-              </a:spcAft>
-              <a:buClrTx/>
-              <a:buSzTx/>
-              <a:buFontTx/>
-              <a:buNone/>
-              <a:tabLst/>
-              <a:defRPr/>
-            </a:pPr>
-            <a:endParaRPr kumimoji="0" lang="en-US" sz="1200" b="0" i="0" u="none" strike="noStrike" kern="0" cap="none" spc="0" normalizeH="0" baseline="0" noProof="0" dirty="0">
-              <a:ln>
-                <a:noFill/>
-              </a:ln>
-              <a:solidFill>
-                <a:srgbClr val="FFFFFF"/>
-              </a:solidFill>
-              <a:effectLst/>
-              <a:uLnTx/>
-              <a:uFillTx/>
-              <a:latin typeface="Arial" panose="020B0604020202020204" pitchFamily="34" charset="0"/>
-              <a:cs typeface="Arial" panose="020B0604020202020204" pitchFamily="34" charset="0"/>
-              <a:sym typeface="Sora"/>
-            </a:endParaRPr>
-          </a:p>
-          <a:p>
-            <a:pPr marL="0" marR="0" lvl="0" indent="0" algn="l" defTabSz="457200" rtl="0" eaLnBrk="1" fontAlgn="auto" latinLnBrk="0" hangingPunct="1">
-              <a:lnSpc>
-                <a:spcPct val="100000"/>
-              </a:lnSpc>
-              <a:spcBef>
-                <a:spcPts val="0"/>
-              </a:spcBef>
-              <a:spcAft>
-                <a:spcPts val="0"/>
-              </a:spcAft>
-              <a:buClrTx/>
-              <a:buSzTx/>
-              <a:buFontTx/>
-              <a:buNone/>
-              <a:tabLst/>
-              <a:defRPr/>
-            </a:pPr>
-            <a:r>
-              <a:rPr kumimoji="0" lang="en-US" sz="1200" b="0" i="0" u="none" strike="noStrike" kern="0" cap="none" spc="0" normalizeH="0" baseline="0" noProof="0" dirty="0">
-                <a:ln>
-                  <a:noFill/>
-                </a:ln>
-                <a:solidFill>
-                  <a:srgbClr val="FFFFFF"/>
-                </a:solidFill>
-                <a:effectLst/>
-                <a:uLnTx/>
-                <a:uFillTx/>
-                <a:latin typeface="Arial" panose="020B0604020202020204" pitchFamily="34" charset="0"/>
-                <a:cs typeface="Arial" panose="020B0604020202020204" pitchFamily="34" charset="0"/>
-                <a:sym typeface="Sora"/>
-              </a:rPr>
-              <a:t>Metaverse: </a:t>
-            </a:r>
-            <a:r>
-              <a:rPr kumimoji="0" lang="el-GR" sz="1200" b="0" i="0" u="none" strike="noStrike" kern="0" cap="none" spc="0" normalizeH="0" baseline="0" noProof="0" dirty="0">
-                <a:ln>
-                  <a:noFill/>
-                </a:ln>
-                <a:solidFill>
-                  <a:srgbClr val="FFFFFF"/>
-                </a:solidFill>
-                <a:effectLst/>
-                <a:uLnTx/>
-                <a:uFillTx/>
-                <a:latin typeface="Arial" panose="020B0604020202020204" pitchFamily="34" charset="0"/>
-                <a:cs typeface="Arial" panose="020B0604020202020204" pitchFamily="34" charset="0"/>
-                <a:sym typeface="Sora"/>
-              </a:rPr>
-              <a:t>Το μέλλον της εξέλιξης του Διαδικτύου, γνωστό ως δεύτερη ζωή, επεκτείνεται σε προσομοιώσεις λογισμικού πολλαπλών ζωών σε φυσικό και εικονικό κόσμο</a:t>
-            </a:r>
-          </a:p>
-          <a:p>
-            <a:pPr marL="0" marR="0" lvl="0" indent="0" algn="l" defTabSz="457200" rtl="0" eaLnBrk="1" fontAlgn="auto" latinLnBrk="0" hangingPunct="1">
-              <a:lnSpc>
-                <a:spcPct val="100000"/>
-              </a:lnSpc>
-              <a:spcBef>
-                <a:spcPts val="0"/>
-              </a:spcBef>
-              <a:spcAft>
-                <a:spcPts val="0"/>
-              </a:spcAft>
-              <a:buClrTx/>
-              <a:buSzTx/>
-              <a:buFontTx/>
-              <a:buNone/>
-              <a:tabLst/>
-              <a:defRPr/>
-            </a:pPr>
-            <a:r>
-              <a:rPr kumimoji="0" lang="el-GR" sz="1200" b="0" i="0" u="none" strike="noStrike" kern="0" cap="none" spc="0" normalizeH="0" baseline="0" noProof="0" dirty="0">
-                <a:ln>
-                  <a:noFill/>
-                </a:ln>
-                <a:solidFill>
-                  <a:srgbClr val="FFFFFF"/>
-                </a:solidFill>
-                <a:effectLst/>
-                <a:uLnTx/>
-                <a:uFillTx/>
-                <a:latin typeface="Arial" panose="020B0604020202020204" pitchFamily="34" charset="0"/>
-                <a:cs typeface="Arial" panose="020B0604020202020204" pitchFamily="34" charset="0"/>
-                <a:sym typeface="Sora"/>
-              </a:rPr>
-              <a:t>Δεν είναι εντελώς υλοποιήσιμη λόγο έλλειψη τεχνολογιών όμως η ιδέα του ήταν πάντα εδώ και ιδίως ξεκίνησε σιωπηρά το 1970 με τα πρώτα </a:t>
-            </a:r>
-            <a:r>
-              <a:rPr kumimoji="0" lang="en-US" sz="1200" b="0" i="0" u="none" strike="noStrike" kern="0" cap="none" spc="0" normalizeH="0" baseline="0" noProof="0" dirty="0">
-                <a:ln>
-                  <a:noFill/>
-                </a:ln>
-                <a:solidFill>
-                  <a:srgbClr val="FFFFFF"/>
-                </a:solidFill>
-                <a:effectLst/>
-                <a:uLnTx/>
-                <a:uFillTx/>
-                <a:latin typeface="Arial" panose="020B0604020202020204" pitchFamily="34" charset="0"/>
-                <a:cs typeface="Arial" panose="020B0604020202020204" pitchFamily="34" charset="0"/>
-                <a:sym typeface="Sora"/>
-              </a:rPr>
-              <a:t>arcade games</a:t>
-            </a:r>
-            <a:endParaRPr kumimoji="0" lang="el-GR" sz="1200" b="0" i="0" u="none" strike="noStrike" kern="0" cap="none" spc="0" normalizeH="0" baseline="0" noProof="0" dirty="0">
-              <a:ln>
-                <a:noFill/>
-              </a:ln>
-              <a:solidFill>
-                <a:srgbClr val="FFFFFF"/>
-              </a:solidFill>
-              <a:effectLst/>
-              <a:uLnTx/>
-              <a:uFillTx/>
-              <a:latin typeface="Arial" panose="020B0604020202020204" pitchFamily="34" charset="0"/>
-              <a:cs typeface="Arial" panose="020B0604020202020204" pitchFamily="34" charset="0"/>
-              <a:sym typeface="Sora"/>
-            </a:endParaRPr>
-          </a:p>
-          <a:p>
-            <a:pPr marL="0" marR="0" lvl="0" indent="0" algn="l" defTabSz="457200" rtl="0" eaLnBrk="1" fontAlgn="auto" latinLnBrk="0" hangingPunct="1">
-              <a:lnSpc>
-                <a:spcPct val="100000"/>
-              </a:lnSpc>
-              <a:spcBef>
-                <a:spcPts val="0"/>
-              </a:spcBef>
-              <a:spcAft>
-                <a:spcPts val="0"/>
-              </a:spcAft>
-              <a:buClrTx/>
-              <a:buSzTx/>
-              <a:buFontTx/>
-              <a:buNone/>
-              <a:tabLst/>
-              <a:defRPr/>
-            </a:pPr>
-            <a:r>
-              <a:rPr kumimoji="0" lang="el-GR" sz="1200" b="0" i="0" u="none" strike="noStrike" kern="0" cap="none" spc="0" normalizeH="0" baseline="0" noProof="0" dirty="0">
-                <a:ln>
-                  <a:noFill/>
-                </a:ln>
-                <a:solidFill>
-                  <a:srgbClr val="FFFFFF"/>
-                </a:solidFill>
-                <a:effectLst/>
-                <a:uLnTx/>
-                <a:uFillTx/>
-                <a:latin typeface="Arial" panose="020B0604020202020204" pitchFamily="34" charset="0"/>
-                <a:cs typeface="Arial" panose="020B0604020202020204" pitchFamily="34" charset="0"/>
-                <a:sym typeface="Sora"/>
-              </a:rPr>
-              <a:t>Ένα μέρος για συγκέντρωση ανθρώπων και δια-δραστικότητα  φυσικού και εικονικού κόσμου.</a:t>
-            </a:r>
-            <a:endParaRPr kumimoji="0" lang="en-US" sz="1200" b="0" i="0" u="none" strike="noStrike" kern="0" cap="none" spc="0" normalizeH="0" baseline="0" noProof="0" dirty="0">
-              <a:ln>
-                <a:noFill/>
-              </a:ln>
-              <a:solidFill>
-                <a:srgbClr val="FFFFFF"/>
-              </a:solidFill>
-              <a:effectLst/>
-              <a:uLnTx/>
-              <a:uFillTx/>
-              <a:latin typeface="Arial" panose="020B0604020202020204" pitchFamily="34" charset="0"/>
-              <a:cs typeface="Arial" panose="020B0604020202020204" pitchFamily="34" charset="0"/>
-              <a:sym typeface="Sora"/>
-            </a:endParaRPr>
-          </a:p>
-          <a:p>
-            <a:endParaRPr lang="en-US" dirty="0"/>
-          </a:p>
-          <a:p>
-            <a:pPr marL="0" marR="0" lvl="0" indent="0" algn="l" defTabSz="457200" rtl="0" eaLnBrk="1" fontAlgn="auto" latinLnBrk="0" hangingPunct="1">
-              <a:lnSpc>
-                <a:spcPct val="100000"/>
-              </a:lnSpc>
-              <a:spcBef>
-                <a:spcPts val="0"/>
-              </a:spcBef>
-              <a:spcAft>
-                <a:spcPts val="0"/>
-              </a:spcAft>
-              <a:buClrTx/>
-              <a:buSzTx/>
-              <a:buFontTx/>
-              <a:buNone/>
-              <a:tabLst/>
-              <a:defRPr/>
-            </a:pPr>
-            <a:r>
-              <a:rPr lang="en-US" dirty="0"/>
-              <a:t>AR/VR: </a:t>
-            </a:r>
-            <a:r>
-              <a:rPr lang="el-GR" sz="1200" kern="0" dirty="0" err="1">
-                <a:solidFill>
-                  <a:srgbClr val="FFFFFF"/>
-                </a:solidFill>
+              <a:rPr lang="el-GR" sz="7200" b="1" dirty="0">
                 <a:latin typeface="Arial" panose="020B0604020202020204" pitchFamily="34" charset="0"/>
                 <a:cs typeface="Arial" panose="020B0604020202020204" pitchFamily="34" charset="0"/>
               </a:rPr>
-              <a:t>Διεπαφές</a:t>
-            </a:r>
-            <a:r>
-              <a:rPr lang="el-GR" sz="1200" kern="0" dirty="0">
-                <a:solidFill>
-                  <a:srgbClr val="FFFFFF"/>
-                </a:solidFill>
+              <a:t>Τι προσφέρει η έρευνα?</a:t>
+            </a:r>
+            <a:endParaRPr lang="en-US" sz="7200" b="1" dirty="0">
+              <a:latin typeface="Arial" panose="020B0604020202020204" pitchFamily="34" charset="0"/>
+              <a:cs typeface="Arial" panose="020B0604020202020204" pitchFamily="34" charset="0"/>
+            </a:endParaRPr>
+          </a:p>
+          <a:p>
+            <a:pPr marL="0" indent="0">
+              <a:buFont typeface="Arial" panose="020B0604020202020204" pitchFamily="34" charset="0"/>
+              <a:buNone/>
+            </a:pPr>
+            <a:endParaRPr lang="en-US" sz="2400" dirty="0">
+              <a:latin typeface="Arial" panose="020B0604020202020204" pitchFamily="34" charset="0"/>
+              <a:cs typeface="Arial" panose="020B0604020202020204" pitchFamily="34" charset="0"/>
+            </a:endParaRPr>
+          </a:p>
+          <a:p>
+            <a:pPr marL="342900" indent="-342900">
+              <a:buFont typeface="Arial" panose="020B0604020202020204" pitchFamily="34" charset="0"/>
+              <a:buChar char="•"/>
+            </a:pPr>
+            <a:r>
+              <a:rPr lang="el-GR" sz="2400" dirty="0">
                 <a:latin typeface="Arial" panose="020B0604020202020204" pitchFamily="34" charset="0"/>
                 <a:cs typeface="Arial" panose="020B0604020202020204" pitchFamily="34" charset="0"/>
               </a:rPr>
-              <a:t> υλικού για αλληλεπίδραση με τους καθηλωτικούς κόσμους που προσομοιώνουν την καθημερινή ζωή</a:t>
-            </a:r>
-            <a:endParaRPr kumimoji="0" lang="en-US" sz="1200" b="0" i="0" u="none" strike="noStrike" kern="0" cap="none" spc="0" normalizeH="0" baseline="0" noProof="0" dirty="0">
-              <a:ln>
-                <a:noFill/>
-              </a:ln>
-              <a:solidFill>
-                <a:srgbClr val="FFFFFF"/>
-              </a:solidFill>
-              <a:effectLst/>
-              <a:uLnTx/>
-              <a:uFillTx/>
-              <a:latin typeface="Arial" panose="020B0604020202020204" pitchFamily="34" charset="0"/>
-              <a:cs typeface="Arial" panose="020B0604020202020204" pitchFamily="34" charset="0"/>
-              <a:sym typeface="Sora"/>
-            </a:endParaRPr>
-          </a:p>
-          <a:p>
-            <a:endParaRPr lang="en-US" dirty="0"/>
-          </a:p>
-          <a:p>
-            <a:pPr marL="0" marR="0" lvl="0" indent="0" algn="l" defTabSz="457200" rtl="0" eaLnBrk="1" fontAlgn="auto" latinLnBrk="0" hangingPunct="1">
-              <a:lnSpc>
-                <a:spcPct val="100000"/>
-              </a:lnSpc>
-              <a:spcBef>
-                <a:spcPts val="0"/>
-              </a:spcBef>
-              <a:spcAft>
-                <a:spcPts val="0"/>
-              </a:spcAft>
-              <a:buClrTx/>
-              <a:buSzTx/>
-              <a:buFontTx/>
-              <a:buNone/>
-              <a:tabLst/>
-              <a:defRPr/>
-            </a:pPr>
-            <a:r>
-              <a:rPr lang="el-GR" dirty="0"/>
-              <a:t>Πως σχετίζονται με τα </a:t>
-            </a:r>
-            <a:r>
-              <a:rPr lang="en-US" dirty="0"/>
-              <a:t>Gameplay Mechanics: </a:t>
-            </a:r>
-            <a:r>
-              <a:rPr kumimoji="0" lang="el-GR" sz="1200" b="0" i="0" u="none" strike="noStrike" kern="0" cap="none" spc="0" normalizeH="0" baseline="0" noProof="0" dirty="0">
-                <a:ln>
-                  <a:noFill/>
-                </a:ln>
-                <a:solidFill>
-                  <a:srgbClr val="FFFFFF"/>
-                </a:solidFill>
-                <a:effectLst/>
-                <a:uLnTx/>
-                <a:uFillTx/>
+              <a:t>Καινοτομία πραγματικού χρόνου επικοινωνίας </a:t>
+            </a:r>
+            <a:r>
+              <a:rPr lang="en-US" sz="2400" dirty="0">
                 <a:latin typeface="Arial" panose="020B0604020202020204" pitchFamily="34" charset="0"/>
                 <a:cs typeface="Arial" panose="020B0604020202020204" pitchFamily="34" charset="0"/>
-                <a:sym typeface="Sora"/>
               </a:rPr>
-              <a:t>Τα API λογισμικού του AR/VR</a:t>
-            </a:r>
-            <a:r>
-              <a:rPr kumimoji="0" lang="en-US" sz="1200" b="0" i="0" u="none" strike="noStrike" kern="0" cap="none" spc="0" normalizeH="0" baseline="0" noProof="0" dirty="0">
-                <a:ln>
-                  <a:noFill/>
-                </a:ln>
-                <a:solidFill>
-                  <a:srgbClr val="FFFFFF"/>
-                </a:solidFill>
-                <a:effectLst/>
-                <a:uLnTx/>
-                <a:uFillTx/>
+              <a:t>VoIP </a:t>
+            </a:r>
+            <a:r>
+              <a:rPr lang="el-GR" sz="2400" dirty="0">
                 <a:latin typeface="Arial" panose="020B0604020202020204" pitchFamily="34" charset="0"/>
                 <a:cs typeface="Arial" panose="020B0604020202020204" pitchFamily="34" charset="0"/>
-                <a:sym typeface="Sora"/>
               </a:rPr>
-              <a:t>/classic</a:t>
-            </a:r>
-            <a:r>
-              <a:rPr kumimoji="0" lang="el-GR" sz="1200" b="0" i="0" u="none" strike="noStrike" kern="0" cap="none" spc="0" normalizeH="0" baseline="0" noProof="0" dirty="0">
-                <a:ln>
-                  <a:noFill/>
-                </a:ln>
-                <a:solidFill>
-                  <a:srgbClr val="FFFFFF"/>
-                </a:solidFill>
-                <a:effectLst/>
-                <a:uLnTx/>
-                <a:uFillTx/>
+              <a:t>στην </a:t>
+            </a:r>
+            <a:r>
+              <a:rPr lang="en-US" sz="2400" dirty="0">
                 <a:latin typeface="Arial" panose="020B0604020202020204" pitchFamily="34" charset="0"/>
                 <a:cs typeface="Arial" panose="020B0604020202020204" pitchFamily="34" charset="0"/>
-                <a:sym typeface="Sora"/>
               </a:rPr>
-              <a:t> για τη γεφύρωση του υλικού με την αλληλεπίδραση χρήστη λογισμικού μέσα στο </a:t>
-            </a:r>
-            <a:r>
-              <a:rPr kumimoji="0" lang="el-GR" sz="1200" b="0" i="0" u="none" strike="noStrike" kern="0" cap="none" spc="0" normalizeH="0" baseline="0" noProof="0" dirty="0" err="1">
-                <a:ln>
-                  <a:noFill/>
-                </a:ln>
-                <a:solidFill>
-                  <a:srgbClr val="FFFFFF"/>
-                </a:solidFill>
-                <a:effectLst/>
-                <a:uLnTx/>
-                <a:uFillTx/>
+              <a:t>Unreal Engine</a:t>
+            </a:r>
+          </a:p>
+          <a:p>
+            <a:pPr marL="342900" indent="-342900">
+              <a:buFont typeface="Arial" panose="020B0604020202020204" pitchFamily="34" charset="0"/>
+              <a:buChar char="•"/>
+            </a:pPr>
+            <a:r>
+              <a:rPr lang="el-GR" sz="2400" dirty="0">
                 <a:latin typeface="Arial" panose="020B0604020202020204" pitchFamily="34" charset="0"/>
                 <a:cs typeface="Arial" panose="020B0604020202020204" pitchFamily="34" charset="0"/>
-                <a:sym typeface="Sora"/>
               </a:rPr>
-              <a:t>metaverse</a:t>
-            </a:r>
-            <a:r>
-              <a:rPr kumimoji="0" lang="el-GR" sz="1200" b="0" i="0" u="none" strike="noStrike" kern="0" cap="none" spc="0" normalizeH="0" baseline="0" noProof="0" dirty="0">
-                <a:ln>
-                  <a:noFill/>
-                </a:ln>
-                <a:solidFill>
-                  <a:srgbClr val="FFFFFF"/>
-                </a:solidFill>
-                <a:effectLst/>
-                <a:uLnTx/>
-                <a:uFillTx/>
+              <a:t>Στάδια δημιουργίας Μηχανισμών εικονικών κόσμων</a:t>
+            </a:r>
+          </a:p>
+          <a:p>
+            <a:pPr marL="342900" indent="-342900">
+              <a:buFont typeface="Arial" panose="020B0604020202020204" pitchFamily="34" charset="0"/>
+              <a:buChar char="•"/>
+            </a:pPr>
+            <a:r>
+              <a:rPr lang="el-GR" sz="2400" dirty="0">
                 <a:latin typeface="Arial" panose="020B0604020202020204" pitchFamily="34" charset="0"/>
                 <a:cs typeface="Arial" panose="020B0604020202020204" pitchFamily="34" charset="0"/>
-                <a:sym typeface="Sora"/>
               </a:rPr>
-              <a:t> </a:t>
-            </a:r>
-            <a:r>
-              <a:rPr kumimoji="0" lang="el-GR" sz="1200" b="0" i="0" u="none" strike="noStrike" kern="0" cap="none" spc="0" normalizeH="0" baseline="0" noProof="0" dirty="0">
-                <a:ln>
-                  <a:noFill/>
-                </a:ln>
-                <a:solidFill>
-                  <a:srgbClr val="FFC000"/>
-                </a:solidFill>
-                <a:effectLst/>
-                <a:uLnTx/>
-                <a:uFillTx/>
+              <a:t>Σχέση διεπιστημονικότητας και τα στάδια τους</a:t>
+            </a:r>
+          </a:p>
+          <a:p>
+            <a:pPr marL="800100" lvl="1" indent="-342900">
+              <a:buFont typeface="Arial" panose="020B0604020202020204" pitchFamily="34" charset="0"/>
+              <a:buChar char="•"/>
+            </a:pPr>
+            <a:r>
+              <a:rPr lang="en-US" sz="2400" dirty="0">
                 <a:latin typeface="Arial" panose="020B0604020202020204" pitchFamily="34" charset="0"/>
                 <a:cs typeface="Arial" panose="020B0604020202020204" pitchFamily="34" charset="0"/>
-                <a:sym typeface="Sora"/>
               </a:rPr>
-              <a:t>καθώς και πολλά περισσότερο από αυτό.</a:t>
-            </a:r>
-          </a:p>
-          <a:p>
-            <a:pPr marL="0" marR="0" lvl="0" indent="0" algn="l" defTabSz="457200" rtl="0" eaLnBrk="1" fontAlgn="auto" latinLnBrk="0" hangingPunct="1">
-              <a:lnSpc>
-                <a:spcPct val="100000"/>
-              </a:lnSpc>
-              <a:spcBef>
-                <a:spcPts val="0"/>
-              </a:spcBef>
-              <a:spcAft>
-                <a:spcPts val="0"/>
-              </a:spcAft>
-              <a:buClrTx/>
-              <a:buSzTx/>
-              <a:buFontTx/>
-              <a:buNone/>
-              <a:tabLst/>
-              <a:defRPr/>
+              <a:t>Sound</a:t>
+            </a:r>
+          </a:p>
+          <a:p>
+            <a:pPr marL="800100" lvl="1" indent="-342900">
+              <a:buFont typeface="Arial" panose="020B0604020202020204" pitchFamily="34" charset="0"/>
+              <a:buChar char="•"/>
             </a:pPr>
-            <a:endParaRPr kumimoji="0" lang="el-GR" sz="1200" b="0" i="0" u="none" strike="noStrike" kern="0" cap="none" spc="0" normalizeH="0" baseline="0" noProof="0" dirty="0">
-              <a:ln>
-                <a:noFill/>
-              </a:ln>
-              <a:solidFill>
-                <a:srgbClr val="FFC000"/>
-              </a:solidFill>
-              <a:effectLst/>
-              <a:uLnTx/>
-              <a:uFillTx/>
-              <a:latin typeface="Arial" panose="020B0604020202020204" pitchFamily="34" charset="0"/>
-              <a:cs typeface="Arial" panose="020B0604020202020204" pitchFamily="34" charset="0"/>
-              <a:sym typeface="Sora"/>
-            </a:endParaRPr>
-          </a:p>
-          <a:p>
-            <a:pPr marL="0" marR="0" lvl="0" indent="0" algn="l" defTabSz="457200" rtl="0" eaLnBrk="1" fontAlgn="auto" latinLnBrk="0" hangingPunct="1">
-              <a:lnSpc>
-                <a:spcPct val="100000"/>
-              </a:lnSpc>
-              <a:spcBef>
-                <a:spcPts val="0"/>
-              </a:spcBef>
-              <a:spcAft>
-                <a:spcPts val="0"/>
-              </a:spcAft>
-              <a:buClrTx/>
-              <a:buSzTx/>
-              <a:buFontTx/>
-              <a:buNone/>
-              <a:tabLst/>
-              <a:defRPr/>
-            </a:pPr>
-            <a:r>
-              <a:rPr kumimoji="0" lang="el-GR" sz="1200" b="0" i="0" u="none" strike="noStrike" kern="0" cap="none" spc="0" normalizeH="0" baseline="0" noProof="0" dirty="0">
-                <a:ln>
-                  <a:noFill/>
-                </a:ln>
-                <a:solidFill>
-                  <a:srgbClr val="FFFFFF"/>
-                </a:solidFill>
-                <a:effectLst/>
-                <a:uLnTx/>
-                <a:uFillTx/>
+            <a:r>
+              <a:rPr lang="en-US" sz="2400" dirty="0">
                 <a:latin typeface="Arial" panose="020B0604020202020204" pitchFamily="34" charset="0"/>
                 <a:cs typeface="Arial" panose="020B0604020202020204" pitchFamily="34" charset="0"/>
-                <a:sym typeface="Sora"/>
               </a:rPr>
-              <a:t>Εταιρείες μεγάλης τεχνολογίας κολοσσοί</a:t>
-            </a:r>
-            <a:r>
-              <a:rPr kumimoji="0" lang="en-US" sz="1200" b="0" i="0" u="none" strike="noStrike" kern="0" cap="none" spc="0" normalizeH="0" baseline="0" noProof="0" dirty="0">
-                <a:ln>
-                  <a:noFill/>
-                </a:ln>
-                <a:solidFill>
-                  <a:srgbClr val="FFFFFF"/>
-                </a:solidFill>
-                <a:effectLst/>
-                <a:uLnTx/>
-                <a:uFillTx/>
+              <a:t>3D Architectural Visualization &amp; Art</a:t>
+            </a:r>
+          </a:p>
+          <a:p>
+            <a:pPr marL="342900" indent="-342900">
+              <a:buFont typeface="Arial" panose="020B0604020202020204" pitchFamily="34" charset="0"/>
+              <a:buChar char="•"/>
+            </a:pPr>
+            <a:r>
+              <a:rPr lang="el-GR" sz="2400" dirty="0">
                 <a:latin typeface="Arial" panose="020B0604020202020204" pitchFamily="34" charset="0"/>
                 <a:cs typeface="Arial" panose="020B0604020202020204" pitchFamily="34" charset="0"/>
-                <a:sym typeface="Sora"/>
               </a:rPr>
-              <a:t> </a:t>
-            </a:r>
-            <a:r>
-              <a:rPr kumimoji="0" lang="el-GR" sz="1200" b="0" i="0" u="none" strike="noStrike" kern="0" cap="none" spc="0" normalizeH="0" baseline="0" noProof="0" dirty="0">
-                <a:ln>
-                  <a:noFill/>
-                </a:ln>
-                <a:solidFill>
-                  <a:srgbClr val="FFFFFF"/>
-                </a:solidFill>
-                <a:effectLst/>
-                <a:uLnTx/>
-                <a:uFillTx/>
+              <a:t>Χρήση των τεχνικών αυτών για </a:t>
+            </a:r>
+            <a:r>
+              <a:rPr lang="en-US" sz="2400" dirty="0">
                 <a:latin typeface="Arial" panose="020B0604020202020204" pitchFamily="34" charset="0"/>
                 <a:cs typeface="Arial" panose="020B0604020202020204" pitchFamily="34" charset="0"/>
-                <a:sym typeface="Sora"/>
               </a:rPr>
-              <a:t>και όραμα ενιαίας ανάπτυξης (κοινά πρότυπα λογισμικού)</a:t>
-            </a:r>
-            <a:r>
-              <a:rPr kumimoji="0" lang="en-US" sz="1200" b="0" i="0" u="none" strike="noStrike" kern="0" cap="none" spc="0" normalizeH="0" baseline="0" noProof="0" dirty="0">
-                <a:ln>
-                  <a:noFill/>
-                </a:ln>
-                <a:solidFill>
-                  <a:srgbClr val="FFFFFF"/>
-                </a:solidFill>
-                <a:effectLst/>
-                <a:uLnTx/>
-                <a:uFillTx/>
+              <a:t>simulation </a:t>
+            </a:r>
+            <a:r>
+              <a:rPr lang="el-GR" sz="2400" dirty="0">
                 <a:latin typeface="Arial" panose="020B0604020202020204" pitchFamily="34" charset="0"/>
                 <a:cs typeface="Arial" panose="020B0604020202020204" pitchFamily="34" charset="0"/>
-                <a:sym typeface="Sora"/>
               </a:rPr>
-              <a:t> = </a:t>
-            </a:r>
-            <a:r>
-              <a:rPr lang="el-GR" dirty="0"/>
-              <a:t>Κοινά πρότυπα </a:t>
-            </a:r>
-            <a:r>
-              <a:rPr lang="en-US" dirty="0"/>
-              <a:t>business processes </a:t>
-            </a:r>
-            <a:r>
-              <a:rPr lang="el-GR" dirty="0"/>
-              <a:t>δηλαδή</a:t>
-            </a:r>
-            <a:r>
-              <a:rPr lang="en-US" dirty="0"/>
-              <a:t> </a:t>
-            </a:r>
-            <a:r>
-              <a:rPr lang="el-GR" dirty="0"/>
-              <a:t>δεν</a:t>
-            </a:r>
-            <a:r>
-              <a:rPr lang="en-US" dirty="0"/>
-              <a:t> </a:t>
-            </a:r>
-            <a:r>
-              <a:rPr lang="el-GR" dirty="0"/>
-              <a:t>χρειάζεσαι</a:t>
-            </a:r>
-            <a:r>
-              <a:rPr lang="en-US" dirty="0"/>
-              <a:t> </a:t>
-            </a:r>
-            <a:r>
-              <a:rPr lang="el-GR" dirty="0"/>
-              <a:t>μόνο</a:t>
-            </a:r>
-            <a:r>
-              <a:rPr lang="en-US" dirty="0"/>
-              <a:t> </a:t>
-            </a:r>
-            <a:r>
-              <a:rPr lang="el-GR" dirty="0"/>
-              <a:t>κάποια</a:t>
-            </a:r>
-            <a:r>
-              <a:rPr lang="en-US" dirty="0"/>
-              <a:t> </a:t>
-            </a:r>
-            <a:r>
-              <a:rPr lang="el-GR" dirty="0"/>
-              <a:t>εταιρεία</a:t>
-            </a:r>
-            <a:r>
-              <a:rPr lang="en-US" dirty="0"/>
-              <a:t> </a:t>
-            </a:r>
-            <a:r>
-              <a:rPr lang="el-GR" dirty="0"/>
-              <a:t>αλλά</a:t>
-            </a:r>
-            <a:r>
-              <a:rPr lang="en-US" dirty="0"/>
-              <a:t> </a:t>
-            </a:r>
-            <a:r>
-              <a:rPr lang="el-GR" dirty="0"/>
-              <a:t>και όλα τα κομμάτια τις</a:t>
-            </a:r>
-            <a:r>
-              <a:rPr lang="en-US" dirty="0"/>
-              <a:t> </a:t>
-            </a:r>
-            <a:r>
-              <a:rPr lang="el-GR" dirty="0"/>
-              <a:t>σε διοικητικό και</a:t>
-            </a:r>
-            <a:r>
-              <a:rPr lang="en-US" dirty="0"/>
-              <a:t> development </a:t>
-            </a:r>
-            <a:r>
-              <a:rPr lang="el-GR" dirty="0"/>
-              <a:t>να</a:t>
-            </a:r>
-            <a:r>
-              <a:rPr lang="en-US" dirty="0"/>
-              <a:t> </a:t>
-            </a:r>
-            <a:r>
-              <a:rPr lang="el-GR" dirty="0"/>
-              <a:t>επικοινωνούν</a:t>
-            </a:r>
-            <a:r>
-              <a:rPr lang="en-US" dirty="0"/>
-              <a:t> </a:t>
-            </a:r>
-            <a:r>
-              <a:rPr lang="el-GR" dirty="0"/>
-              <a:t>μεταξύ τους προχωρούν μεταξύ τους γνωρίζοντας</a:t>
-            </a:r>
-            <a:r>
-              <a:rPr lang="en-US" dirty="0"/>
-              <a:t> </a:t>
-            </a:r>
-            <a:r>
-              <a:rPr lang="el-GR" dirty="0"/>
-              <a:t>τα</a:t>
-            </a:r>
-            <a:r>
-              <a:rPr lang="en-US" dirty="0"/>
-              <a:t> impediments (</a:t>
-            </a:r>
-            <a:r>
-              <a:rPr lang="el-GR" dirty="0"/>
-              <a:t>τα</a:t>
-            </a:r>
-            <a:r>
-              <a:rPr lang="en-US" dirty="0"/>
-              <a:t> </a:t>
-            </a:r>
-            <a:r>
-              <a:rPr lang="el-GR" dirty="0"/>
-              <a:t>εμπόδια</a:t>
-            </a:r>
-            <a:r>
-              <a:rPr lang="en-US" dirty="0"/>
-              <a:t>) </a:t>
-            </a:r>
-            <a:r>
-              <a:rPr lang="el-GR" dirty="0"/>
-              <a:t>και πώς να τα ξεπεράσουν χρησιμοποιώντας τεχνικές πχ, </a:t>
-            </a:r>
-            <a:r>
-              <a:rPr lang="en-US" dirty="0"/>
-              <a:t>agile-scrum, GitHub, Jira, tickets etc.</a:t>
-            </a:r>
-            <a:endParaRPr kumimoji="0" lang="en-US" sz="1200" b="0" i="0" u="none" strike="noStrike" kern="0" cap="none" spc="0" normalizeH="0" baseline="0" noProof="0" dirty="0">
-              <a:ln>
-                <a:noFill/>
-              </a:ln>
-              <a:solidFill>
-                <a:srgbClr val="D5FA68"/>
-              </a:solidFill>
-              <a:effectLst/>
-              <a:uLnTx/>
-              <a:uFillTx/>
-              <a:latin typeface="Arial" panose="020B0604020202020204" pitchFamily="34" charset="0"/>
-              <a:cs typeface="Arial" panose="020B0604020202020204" pitchFamily="34" charset="0"/>
-              <a:sym typeface="Sora"/>
-            </a:endParaRPr>
+              <a:t>οποιαδήποτε έρευνας σε οποιαδήποτε τομέα</a:t>
+            </a:r>
+          </a:p>
+          <a:p>
+            <a:pPr marL="342900" indent="-342900">
+              <a:buFont typeface="Arial" panose="020B0604020202020204" pitchFamily="34" charset="0"/>
+              <a:buChar char="•"/>
+            </a:pPr>
+            <a:r>
+              <a:rPr lang="en-US" sz="2400" dirty="0">
+                <a:latin typeface="Arial" panose="020B0604020202020204" pitchFamily="34" charset="0"/>
+                <a:cs typeface="Arial" panose="020B0604020202020204" pitchFamily="34" charset="0"/>
+              </a:rPr>
+              <a:t>Project Management approach</a:t>
+            </a:r>
           </a:p>
           <a:p>
             <a:endParaRPr lang="en-US" dirty="0"/>
@@ -20264,7 +19669,7 @@
     </p:spTree>
     <p:extLst>
       <p:ext uri="{BB962C8B-B14F-4D97-AF65-F5344CB8AC3E}">
-        <p14:creationId xmlns:p14="http://schemas.microsoft.com/office/powerpoint/2010/main" val="1192721217"/>
+        <p14:creationId xmlns:p14="http://schemas.microsoft.com/office/powerpoint/2010/main" val="426869911"/>
       </p:ext>
     </p:extLst>
   </p:cSld>
@@ -20318,68 +19723,756 @@
           <a:bodyPr/>
           <a:lstStyle/>
           <a:p>
+            <a:pPr marL="0" marR="0" lvl="0" indent="0" algn="l" defTabSz="457200" rtl="0" eaLnBrk="1" fontAlgn="auto" latinLnBrk="0" hangingPunct="1">
+              <a:lnSpc>
+                <a:spcPct val="100000"/>
+              </a:lnSpc>
+              <a:spcBef>
+                <a:spcPts val="0"/>
+              </a:spcBef>
+              <a:spcAft>
+                <a:spcPts val="0"/>
+              </a:spcAft>
+              <a:buClrTx/>
+              <a:buSzTx/>
+              <a:buFontTx/>
+              <a:buNone/>
+              <a:tabLst/>
+              <a:defRPr/>
+            </a:pPr>
+            <a:r>
+              <a:rPr kumimoji="0" lang="el-GR" sz="1200" b="0" i="0" u="none" strike="noStrike" kern="0" cap="none" spc="0" normalizeH="0" baseline="0" noProof="0" dirty="0">
+                <a:ln>
+                  <a:noFill/>
+                </a:ln>
+                <a:solidFill>
+                  <a:srgbClr val="FFFFFF"/>
+                </a:solidFill>
+                <a:effectLst/>
+                <a:uLnTx/>
+                <a:uFillTx/>
+                <a:latin typeface="Arial" panose="020B0604020202020204" pitchFamily="34" charset="0"/>
+                <a:cs typeface="Arial" panose="020B0604020202020204" pitchFamily="34" charset="0"/>
+                <a:sym typeface="Sora"/>
+              </a:rPr>
+              <a:t>Τι εξετάζει το </a:t>
+            </a:r>
+            <a:r>
+              <a:rPr kumimoji="0" lang="en-US" sz="1200" b="0" i="0" u="none" strike="noStrike" kern="0" cap="none" spc="0" normalizeH="0" baseline="0" noProof="0" dirty="0">
+                <a:ln>
+                  <a:noFill/>
+                </a:ln>
+                <a:solidFill>
+                  <a:srgbClr val="FFFFFF"/>
+                </a:solidFill>
+                <a:effectLst/>
+                <a:uLnTx/>
+                <a:uFillTx/>
+                <a:latin typeface="Arial" panose="020B0604020202020204" pitchFamily="34" charset="0"/>
+                <a:cs typeface="Arial" panose="020B0604020202020204" pitchFamily="34" charset="0"/>
+                <a:sym typeface="Sora"/>
+              </a:rPr>
+              <a:t>project </a:t>
+            </a:r>
+            <a:r>
+              <a:rPr kumimoji="0" lang="el-GR" sz="1200" b="0" i="0" u="none" strike="noStrike" kern="0" cap="none" spc="0" normalizeH="0" baseline="0" noProof="0" dirty="0">
+                <a:ln>
+                  <a:noFill/>
+                </a:ln>
+                <a:solidFill>
+                  <a:srgbClr val="FFFFFF"/>
+                </a:solidFill>
+                <a:effectLst/>
+                <a:uLnTx/>
+                <a:uFillTx/>
+                <a:latin typeface="Arial" panose="020B0604020202020204" pitchFamily="34" charset="0"/>
+                <a:cs typeface="Arial" panose="020B0604020202020204" pitchFamily="34" charset="0"/>
+                <a:sym typeface="Sora"/>
+              </a:rPr>
+              <a:t>για σωστή διεκπεραίωση των απαιτήσεων προδιαγραφών?</a:t>
+            </a:r>
+            <a:endParaRPr kumimoji="0" lang="en-US" sz="1200" b="0" i="0" u="none" strike="noStrike" kern="0" cap="none" spc="0" normalizeH="0" baseline="0" noProof="0" dirty="0">
+              <a:ln>
+                <a:noFill/>
+              </a:ln>
+              <a:solidFill>
+                <a:srgbClr val="FFFFFF"/>
+              </a:solidFill>
+              <a:effectLst/>
+              <a:uLnTx/>
+              <a:uFillTx/>
+              <a:latin typeface="Arial" panose="020B0604020202020204" pitchFamily="34" charset="0"/>
+              <a:cs typeface="Arial" panose="020B0604020202020204" pitchFamily="34" charset="0"/>
+              <a:sym typeface="Sora"/>
+            </a:endParaRPr>
+          </a:p>
+          <a:p>
+            <a:pPr marL="0" marR="0" lvl="0" indent="0" algn="l" defTabSz="457200" rtl="0" eaLnBrk="1" fontAlgn="auto" latinLnBrk="0" hangingPunct="1">
+              <a:lnSpc>
+                <a:spcPct val="100000"/>
+              </a:lnSpc>
+              <a:spcBef>
+                <a:spcPts val="0"/>
+              </a:spcBef>
+              <a:spcAft>
+                <a:spcPts val="0"/>
+              </a:spcAft>
+              <a:buClrTx/>
+              <a:buSzTx/>
+              <a:buFontTx/>
+              <a:buNone/>
+              <a:tabLst/>
+              <a:defRPr/>
+            </a:pPr>
+            <a:endParaRPr kumimoji="0" lang="en-US" sz="1200" b="0" i="0" u="none" strike="noStrike" kern="0" cap="none" spc="0" normalizeH="0" baseline="0" noProof="0" dirty="0">
+              <a:ln>
+                <a:noFill/>
+              </a:ln>
+              <a:solidFill>
+                <a:srgbClr val="FFFFFF"/>
+              </a:solidFill>
+              <a:effectLst/>
+              <a:uLnTx/>
+              <a:uFillTx/>
+              <a:latin typeface="Arial" panose="020B0604020202020204" pitchFamily="34" charset="0"/>
+              <a:cs typeface="Arial" panose="020B0604020202020204" pitchFamily="34" charset="0"/>
+              <a:sym typeface="Sora"/>
+            </a:endParaRPr>
+          </a:p>
+          <a:p>
+            <a:pPr marL="0" marR="0" lvl="0" indent="0" algn="l" defTabSz="457200" rtl="0" eaLnBrk="1" fontAlgn="auto" latinLnBrk="0" hangingPunct="1">
+              <a:lnSpc>
+                <a:spcPct val="100000"/>
+              </a:lnSpc>
+              <a:spcBef>
+                <a:spcPts val="0"/>
+              </a:spcBef>
+              <a:spcAft>
+                <a:spcPts val="0"/>
+              </a:spcAft>
+              <a:buClrTx/>
+              <a:buSzTx/>
+              <a:buFontTx/>
+              <a:buNone/>
+              <a:tabLst/>
+              <a:defRPr/>
+            </a:pPr>
+            <a:r>
+              <a:rPr kumimoji="0" lang="en-US" sz="1200" b="0" i="0" u="none" strike="noStrike" kern="0" cap="none" spc="0" normalizeH="0" baseline="0" noProof="0" dirty="0">
+                <a:ln>
+                  <a:noFill/>
+                </a:ln>
+                <a:solidFill>
+                  <a:srgbClr val="FFFFFF"/>
+                </a:solidFill>
+                <a:effectLst/>
+                <a:uLnTx/>
+                <a:uFillTx/>
+                <a:latin typeface="Arial" panose="020B0604020202020204" pitchFamily="34" charset="0"/>
+                <a:cs typeface="Arial" panose="020B0604020202020204" pitchFamily="34" charset="0"/>
+                <a:sym typeface="Sora"/>
+              </a:rPr>
+              <a:t>Metaverse: </a:t>
+            </a:r>
+            <a:r>
+              <a:rPr kumimoji="0" lang="el-GR" sz="1200" b="0" i="0" u="none" strike="noStrike" kern="0" cap="none" spc="0" normalizeH="0" baseline="0" noProof="0" dirty="0">
+                <a:ln>
+                  <a:noFill/>
+                </a:ln>
+                <a:solidFill>
+                  <a:srgbClr val="FFFFFF"/>
+                </a:solidFill>
+                <a:effectLst/>
+                <a:uLnTx/>
+                <a:uFillTx/>
+                <a:latin typeface="Arial" panose="020B0604020202020204" pitchFamily="34" charset="0"/>
+                <a:cs typeface="Arial" panose="020B0604020202020204" pitchFamily="34" charset="0"/>
+                <a:sym typeface="Sora"/>
+              </a:rPr>
+              <a:t>Το μέλλον της εξέλιξης του Διαδικτύου, γνωστό ως δεύτερη ζωή, επεκτείνεται σε προσομοιώσεις λογισμικού πολλαπλών ζωών σε φυσικό και εικονικό κόσμο</a:t>
+            </a:r>
+          </a:p>
+          <a:p>
+            <a:pPr marL="0" marR="0" lvl="0" indent="0" algn="l" defTabSz="457200" rtl="0" eaLnBrk="1" fontAlgn="auto" latinLnBrk="0" hangingPunct="1">
+              <a:lnSpc>
+                <a:spcPct val="100000"/>
+              </a:lnSpc>
+              <a:spcBef>
+                <a:spcPts val="0"/>
+              </a:spcBef>
+              <a:spcAft>
+                <a:spcPts val="0"/>
+              </a:spcAft>
+              <a:buClrTx/>
+              <a:buSzTx/>
+              <a:buFontTx/>
+              <a:buNone/>
+              <a:tabLst/>
+              <a:defRPr/>
+            </a:pPr>
+            <a:r>
+              <a:rPr kumimoji="0" lang="el-GR" sz="1200" b="0" i="0" u="none" strike="noStrike" kern="0" cap="none" spc="0" normalizeH="0" baseline="0" noProof="0" dirty="0">
+                <a:ln>
+                  <a:noFill/>
+                </a:ln>
+                <a:solidFill>
+                  <a:srgbClr val="FFFFFF"/>
+                </a:solidFill>
+                <a:effectLst/>
+                <a:uLnTx/>
+                <a:uFillTx/>
+                <a:latin typeface="Arial" panose="020B0604020202020204" pitchFamily="34" charset="0"/>
+                <a:cs typeface="Arial" panose="020B0604020202020204" pitchFamily="34" charset="0"/>
+                <a:sym typeface="Sora"/>
+              </a:rPr>
+              <a:t>Δεν είναι εντελώς υλοποιήσιμη λόγο έλλειψη τεχνολογιών όμως η ιδέα του ήταν πάντα εδώ και ιδίως ξεκίνησε σιωπηρά το 1970 με τα πρώτα </a:t>
+            </a:r>
+            <a:r>
+              <a:rPr kumimoji="0" lang="en-US" sz="1200" b="0" i="0" u="none" strike="noStrike" kern="0" cap="none" spc="0" normalizeH="0" baseline="0" noProof="0" dirty="0">
+                <a:ln>
+                  <a:noFill/>
+                </a:ln>
+                <a:solidFill>
+                  <a:srgbClr val="FFFFFF"/>
+                </a:solidFill>
+                <a:effectLst/>
+                <a:uLnTx/>
+                <a:uFillTx/>
+                <a:latin typeface="Arial" panose="020B0604020202020204" pitchFamily="34" charset="0"/>
+                <a:cs typeface="Arial" panose="020B0604020202020204" pitchFamily="34" charset="0"/>
+                <a:sym typeface="Sora"/>
+              </a:rPr>
+              <a:t>arcade games</a:t>
+            </a:r>
+            <a:endParaRPr kumimoji="0" lang="el-GR" sz="1200" b="0" i="0" u="none" strike="noStrike" kern="0" cap="none" spc="0" normalizeH="0" baseline="0" noProof="0" dirty="0">
+              <a:ln>
+                <a:noFill/>
+              </a:ln>
+              <a:solidFill>
+                <a:srgbClr val="FFFFFF"/>
+              </a:solidFill>
+              <a:effectLst/>
+              <a:uLnTx/>
+              <a:uFillTx/>
+              <a:latin typeface="Arial" panose="020B0604020202020204" pitchFamily="34" charset="0"/>
+              <a:cs typeface="Arial" panose="020B0604020202020204" pitchFamily="34" charset="0"/>
+              <a:sym typeface="Sora"/>
+            </a:endParaRPr>
+          </a:p>
+          <a:p>
+            <a:pPr marL="0" marR="0" lvl="0" indent="0" algn="l" defTabSz="457200" rtl="0" eaLnBrk="1" fontAlgn="auto" latinLnBrk="0" hangingPunct="1">
+              <a:lnSpc>
+                <a:spcPct val="100000"/>
+              </a:lnSpc>
+              <a:spcBef>
+                <a:spcPts val="0"/>
+              </a:spcBef>
+              <a:spcAft>
+                <a:spcPts val="0"/>
+              </a:spcAft>
+              <a:buClrTx/>
+              <a:buSzTx/>
+              <a:buFontTx/>
+              <a:buNone/>
+              <a:tabLst/>
+              <a:defRPr/>
+            </a:pPr>
+            <a:r>
+              <a:rPr kumimoji="0" lang="el-GR" sz="1200" b="0" i="0" u="none" strike="noStrike" kern="0" cap="none" spc="0" normalizeH="0" baseline="0" noProof="0" dirty="0">
+                <a:ln>
+                  <a:noFill/>
+                </a:ln>
+                <a:solidFill>
+                  <a:srgbClr val="FFFFFF"/>
+                </a:solidFill>
+                <a:effectLst/>
+                <a:uLnTx/>
+                <a:uFillTx/>
+                <a:latin typeface="Arial" panose="020B0604020202020204" pitchFamily="34" charset="0"/>
+                <a:cs typeface="Arial" panose="020B0604020202020204" pitchFamily="34" charset="0"/>
+                <a:sym typeface="Sora"/>
+              </a:rPr>
+              <a:t>Ένα μέρος για συγκέντρωση ανθρώπων και δια-δραστικότητα  φυσικού και εικονικού κόσμου.</a:t>
+            </a:r>
+            <a:endParaRPr kumimoji="0" lang="en-US" sz="1200" b="0" i="0" u="none" strike="noStrike" kern="0" cap="none" spc="0" normalizeH="0" baseline="0" noProof="0" dirty="0">
+              <a:ln>
+                <a:noFill/>
+              </a:ln>
+              <a:solidFill>
+                <a:srgbClr val="FFFFFF"/>
+              </a:solidFill>
+              <a:effectLst/>
+              <a:uLnTx/>
+              <a:uFillTx/>
+              <a:latin typeface="Arial" panose="020B0604020202020204" pitchFamily="34" charset="0"/>
+              <a:cs typeface="Arial" panose="020B0604020202020204" pitchFamily="34" charset="0"/>
+              <a:sym typeface="Sora"/>
+            </a:endParaRPr>
+          </a:p>
+          <a:p>
+            <a:endParaRPr lang="en-US" dirty="0"/>
+          </a:p>
+          <a:p>
+            <a:pPr marL="0" marR="0" lvl="0" indent="0" algn="l" defTabSz="457200" rtl="0" eaLnBrk="1" fontAlgn="auto" latinLnBrk="0" hangingPunct="1">
+              <a:lnSpc>
+                <a:spcPct val="100000"/>
+              </a:lnSpc>
+              <a:spcBef>
+                <a:spcPts val="0"/>
+              </a:spcBef>
+              <a:spcAft>
+                <a:spcPts val="0"/>
+              </a:spcAft>
+              <a:buClrTx/>
+              <a:buSzTx/>
+              <a:buFontTx/>
+              <a:buNone/>
+              <a:tabLst/>
+              <a:defRPr/>
+            </a:pPr>
+            <a:r>
+              <a:rPr lang="en-US" dirty="0"/>
+              <a:t>AR/VR: </a:t>
+            </a:r>
+            <a:r>
+              <a:rPr lang="el-GR" sz="1200" kern="0" dirty="0" err="1">
+                <a:solidFill>
+                  <a:srgbClr val="FFFFFF"/>
+                </a:solidFill>
+                <a:latin typeface="Arial" panose="020B0604020202020204" pitchFamily="34" charset="0"/>
+                <a:cs typeface="Arial" panose="020B0604020202020204" pitchFamily="34" charset="0"/>
+              </a:rPr>
+              <a:t>Διεπαφές</a:t>
+            </a:r>
+            <a:r>
+              <a:rPr lang="el-GR" sz="1200" kern="0" dirty="0">
+                <a:solidFill>
+                  <a:srgbClr val="FFFFFF"/>
+                </a:solidFill>
+                <a:latin typeface="Arial" panose="020B0604020202020204" pitchFamily="34" charset="0"/>
+                <a:cs typeface="Arial" panose="020B0604020202020204" pitchFamily="34" charset="0"/>
+              </a:rPr>
+              <a:t> υλικού για αλληλεπίδραση με τους καθηλωτικούς κόσμους που προσομοιώνουν την καθημερινή ζωή</a:t>
+            </a:r>
+            <a:endParaRPr kumimoji="0" lang="en-US" sz="1200" b="0" i="0" u="none" strike="noStrike" kern="0" cap="none" spc="0" normalizeH="0" baseline="0" noProof="0" dirty="0">
+              <a:ln>
+                <a:noFill/>
+              </a:ln>
+              <a:solidFill>
+                <a:srgbClr val="FFFFFF"/>
+              </a:solidFill>
+              <a:effectLst/>
+              <a:uLnTx/>
+              <a:uFillTx/>
+              <a:latin typeface="Arial" panose="020B0604020202020204" pitchFamily="34" charset="0"/>
+              <a:cs typeface="Arial" panose="020B0604020202020204" pitchFamily="34" charset="0"/>
+              <a:sym typeface="Sora"/>
+            </a:endParaRPr>
+          </a:p>
+          <a:p>
+            <a:endParaRPr lang="en-US" dirty="0"/>
+          </a:p>
+          <a:p>
+            <a:pPr marL="0" marR="0" lvl="0" indent="0" algn="l" defTabSz="457200" rtl="0" eaLnBrk="1" fontAlgn="auto" latinLnBrk="0" hangingPunct="1">
+              <a:lnSpc>
+                <a:spcPct val="100000"/>
+              </a:lnSpc>
+              <a:spcBef>
+                <a:spcPts val="0"/>
+              </a:spcBef>
+              <a:spcAft>
+                <a:spcPts val="0"/>
+              </a:spcAft>
+              <a:buClrTx/>
+              <a:buSzTx/>
+              <a:buFontTx/>
+              <a:buNone/>
+              <a:tabLst/>
+              <a:defRPr/>
+            </a:pPr>
             <a:r>
               <a:rPr lang="el-GR" dirty="0"/>
-              <a:t>Στο </a:t>
+              <a:t>Πως σχετίζονται με τα </a:t>
             </a:r>
             <a:r>
               <a:rPr lang="en-US" dirty="0"/>
-              <a:t>flow of gaming simulation evolution </a:t>
+              <a:t>Gameplay Mechanics: </a:t>
+            </a:r>
+            <a:r>
+              <a:rPr kumimoji="0" lang="el-GR" sz="1200" b="0" i="0" u="none" strike="noStrike" kern="0" cap="none" spc="0" normalizeH="0" baseline="0" noProof="0" dirty="0">
+                <a:ln>
+                  <a:noFill/>
+                </a:ln>
+                <a:solidFill>
+                  <a:srgbClr val="FFFFFF"/>
+                </a:solidFill>
+                <a:effectLst/>
+                <a:uLnTx/>
+                <a:uFillTx/>
+                <a:latin typeface="Arial" panose="020B0604020202020204" pitchFamily="34" charset="0"/>
+                <a:cs typeface="Arial" panose="020B0604020202020204" pitchFamily="34" charset="0"/>
+                <a:sym typeface="Sora"/>
+              </a:rPr>
+              <a:t>Τα API λογισμικού του AR/VR</a:t>
+            </a:r>
+            <a:r>
+              <a:rPr kumimoji="0" lang="en-US" sz="1200" b="0" i="0" u="none" strike="noStrike" kern="0" cap="none" spc="0" normalizeH="0" baseline="0" noProof="0" dirty="0">
+                <a:ln>
+                  <a:noFill/>
+                </a:ln>
+                <a:solidFill>
+                  <a:srgbClr val="FFFFFF"/>
+                </a:solidFill>
+                <a:effectLst/>
+                <a:uLnTx/>
+                <a:uFillTx/>
+                <a:latin typeface="Arial" panose="020B0604020202020204" pitchFamily="34" charset="0"/>
+                <a:cs typeface="Arial" panose="020B0604020202020204" pitchFamily="34" charset="0"/>
+                <a:sym typeface="Sora"/>
+              </a:rPr>
+              <a:t>/classic</a:t>
+            </a:r>
+            <a:r>
+              <a:rPr kumimoji="0" lang="el-GR" sz="1200" b="0" i="0" u="none" strike="noStrike" kern="0" cap="none" spc="0" normalizeH="0" baseline="0" noProof="0" dirty="0">
+                <a:ln>
+                  <a:noFill/>
+                </a:ln>
+                <a:solidFill>
+                  <a:srgbClr val="FFFFFF"/>
+                </a:solidFill>
+                <a:effectLst/>
+                <a:uLnTx/>
+                <a:uFillTx/>
+                <a:latin typeface="Arial" panose="020B0604020202020204" pitchFamily="34" charset="0"/>
+                <a:cs typeface="Arial" panose="020B0604020202020204" pitchFamily="34" charset="0"/>
+                <a:sym typeface="Sora"/>
+              </a:rPr>
+              <a:t> για τη γεφύρωση του υλικού με την αλληλεπίδραση χρήστη λογισμικού μέσα στο </a:t>
+            </a:r>
+            <a:r>
+              <a:rPr kumimoji="0" lang="el-GR" sz="1200" b="0" i="0" u="none" strike="noStrike" kern="0" cap="none" spc="0" normalizeH="0" baseline="0" noProof="0" dirty="0" err="1">
+                <a:ln>
+                  <a:noFill/>
+                </a:ln>
+                <a:solidFill>
+                  <a:srgbClr val="FFFFFF"/>
+                </a:solidFill>
+                <a:effectLst/>
+                <a:uLnTx/>
+                <a:uFillTx/>
+                <a:latin typeface="Arial" panose="020B0604020202020204" pitchFamily="34" charset="0"/>
+                <a:cs typeface="Arial" panose="020B0604020202020204" pitchFamily="34" charset="0"/>
+                <a:sym typeface="Sora"/>
+              </a:rPr>
+              <a:t>metaverse</a:t>
+            </a:r>
+            <a:r>
+              <a:rPr kumimoji="0" lang="el-GR" sz="1200" b="0" i="0" u="none" strike="noStrike" kern="0" cap="none" spc="0" normalizeH="0" baseline="0" noProof="0" dirty="0">
+                <a:ln>
+                  <a:noFill/>
+                </a:ln>
+                <a:solidFill>
+                  <a:srgbClr val="FFFFFF"/>
+                </a:solidFill>
+                <a:effectLst/>
+                <a:uLnTx/>
+                <a:uFillTx/>
+                <a:latin typeface="Arial" panose="020B0604020202020204" pitchFamily="34" charset="0"/>
+                <a:cs typeface="Arial" panose="020B0604020202020204" pitchFamily="34" charset="0"/>
+                <a:sym typeface="Sora"/>
+              </a:rPr>
+              <a:t> </a:t>
+            </a:r>
+            <a:r>
+              <a:rPr kumimoji="0" lang="el-GR" sz="1200" b="0" i="0" u="none" strike="noStrike" kern="0" cap="none" spc="0" normalizeH="0" baseline="0" noProof="0" dirty="0">
+                <a:ln>
+                  <a:noFill/>
+                </a:ln>
+                <a:solidFill>
+                  <a:srgbClr val="FFC000"/>
+                </a:solidFill>
+                <a:effectLst/>
+                <a:uLnTx/>
+                <a:uFillTx/>
+                <a:latin typeface="Arial" panose="020B0604020202020204" pitchFamily="34" charset="0"/>
+                <a:cs typeface="Arial" panose="020B0604020202020204" pitchFamily="34" charset="0"/>
+                <a:sym typeface="Sora"/>
+              </a:rPr>
+              <a:t>καθώς και πολλά περισσότερο από αυτό.</a:t>
+            </a:r>
+          </a:p>
+          <a:p>
+            <a:pPr marL="0" marR="0" lvl="0" indent="0" algn="l" defTabSz="457200" rtl="0" eaLnBrk="1" fontAlgn="auto" latinLnBrk="0" hangingPunct="1">
+              <a:lnSpc>
+                <a:spcPct val="100000"/>
+              </a:lnSpc>
+              <a:spcBef>
+                <a:spcPts val="0"/>
+              </a:spcBef>
+              <a:spcAft>
+                <a:spcPts val="0"/>
+              </a:spcAft>
+              <a:buClrTx/>
+              <a:buSzTx/>
+              <a:buFontTx/>
+              <a:buNone/>
+              <a:tabLst/>
+              <a:defRPr/>
+            </a:pPr>
+            <a:endParaRPr kumimoji="0" lang="el-GR" sz="1200" b="0" i="0" u="none" strike="noStrike" kern="0" cap="none" spc="0" normalizeH="0" baseline="0" noProof="0" dirty="0">
+              <a:ln>
+                <a:noFill/>
+              </a:ln>
+              <a:solidFill>
+                <a:srgbClr val="FFC000"/>
+              </a:solidFill>
+              <a:effectLst/>
+              <a:uLnTx/>
+              <a:uFillTx/>
+              <a:latin typeface="Arial" panose="020B0604020202020204" pitchFamily="34" charset="0"/>
+              <a:cs typeface="Arial" panose="020B0604020202020204" pitchFamily="34" charset="0"/>
+              <a:sym typeface="Sora"/>
+            </a:endParaRPr>
+          </a:p>
+          <a:p>
+            <a:pPr marL="0" marR="0" lvl="0" indent="0" algn="l" defTabSz="457200" rtl="0" eaLnBrk="1" fontAlgn="auto" latinLnBrk="0" hangingPunct="1">
+              <a:lnSpc>
+                <a:spcPct val="100000"/>
+              </a:lnSpc>
+              <a:spcBef>
+                <a:spcPts val="0"/>
+              </a:spcBef>
+              <a:spcAft>
+                <a:spcPts val="0"/>
+              </a:spcAft>
+              <a:buClrTx/>
+              <a:buSzTx/>
+              <a:buFontTx/>
+              <a:buNone/>
+              <a:tabLst/>
+              <a:defRPr/>
+            </a:pPr>
+            <a:r>
+              <a:rPr kumimoji="0" lang="el-GR" sz="1200" b="0" i="0" u="none" strike="noStrike" kern="0" cap="none" spc="0" normalizeH="0" baseline="0" noProof="0" dirty="0">
+                <a:ln>
+                  <a:noFill/>
+                </a:ln>
+                <a:solidFill>
+                  <a:srgbClr val="FFFFFF"/>
+                </a:solidFill>
+                <a:effectLst/>
+                <a:uLnTx/>
+                <a:uFillTx/>
+                <a:latin typeface="Arial" panose="020B0604020202020204" pitchFamily="34" charset="0"/>
+                <a:cs typeface="Arial" panose="020B0604020202020204" pitchFamily="34" charset="0"/>
+                <a:sym typeface="Sora"/>
+              </a:rPr>
+              <a:t>Εταιρείες μεγάλης τεχνολογίας κολοσσοί</a:t>
+            </a:r>
+            <a:r>
+              <a:rPr kumimoji="0" lang="en-US" sz="1200" b="0" i="0" u="none" strike="noStrike" kern="0" cap="none" spc="0" normalizeH="0" baseline="0" noProof="0" dirty="0">
+                <a:ln>
+                  <a:noFill/>
+                </a:ln>
+                <a:solidFill>
+                  <a:srgbClr val="FFFFFF"/>
+                </a:solidFill>
+                <a:effectLst/>
+                <a:uLnTx/>
+                <a:uFillTx/>
+                <a:latin typeface="Arial" panose="020B0604020202020204" pitchFamily="34" charset="0"/>
+                <a:cs typeface="Arial" panose="020B0604020202020204" pitchFamily="34" charset="0"/>
+                <a:sym typeface="Sora"/>
+              </a:rPr>
+              <a:t> </a:t>
+            </a:r>
+            <a:r>
+              <a:rPr kumimoji="0" lang="el-GR" sz="1200" b="0" i="0" u="none" strike="noStrike" kern="0" cap="none" spc="0" normalizeH="0" baseline="0" noProof="0" dirty="0">
+                <a:ln>
+                  <a:noFill/>
+                </a:ln>
+                <a:solidFill>
+                  <a:srgbClr val="FFFFFF"/>
+                </a:solidFill>
+                <a:effectLst/>
+                <a:uLnTx/>
+                <a:uFillTx/>
+                <a:latin typeface="Arial" panose="020B0604020202020204" pitchFamily="34" charset="0"/>
+                <a:cs typeface="Arial" panose="020B0604020202020204" pitchFamily="34" charset="0"/>
+                <a:sym typeface="Sora"/>
+              </a:rPr>
+              <a:t>και όραμα ενιαίας ανάπτυξης (κοινά πρότυπα λογισμικού)</a:t>
+            </a:r>
+            <a:r>
+              <a:rPr kumimoji="0" lang="en-US" sz="1200" b="0" i="0" u="none" strike="noStrike" kern="0" cap="none" spc="0" normalizeH="0" baseline="0" noProof="0" dirty="0">
+                <a:ln>
+                  <a:noFill/>
+                </a:ln>
+                <a:solidFill>
+                  <a:srgbClr val="FFFFFF"/>
+                </a:solidFill>
+                <a:effectLst/>
+                <a:uLnTx/>
+                <a:uFillTx/>
+                <a:latin typeface="Arial" panose="020B0604020202020204" pitchFamily="34" charset="0"/>
+                <a:cs typeface="Arial" panose="020B0604020202020204" pitchFamily="34" charset="0"/>
+                <a:sym typeface="Sora"/>
+              </a:rPr>
+              <a:t> = </a:t>
             </a:r>
             <a:r>
               <a:rPr lang="el-GR" dirty="0"/>
-              <a:t>υπάρχει η ακολουθία </a:t>
+              <a:t>Κοινά πρότυπα </a:t>
             </a:r>
             <a:r>
               <a:rPr lang="en-US" dirty="0"/>
-              <a:t>hardware </a:t>
+              <a:t>business processes </a:t>
             </a:r>
             <a:r>
               <a:rPr lang="el-GR" dirty="0"/>
-              <a:t>με τα αντίστοιχα </a:t>
+              <a:t>δηλαδή</a:t>
             </a:r>
             <a:r>
               <a:rPr lang="en-US" dirty="0"/>
-              <a:t>software’s</a:t>
-            </a:r>
+              <a:t> </a:t>
+            </a:r>
+            <a:r>
+              <a:rPr lang="el-GR" dirty="0"/>
+              <a:t>δεν</a:t>
+            </a:r>
+            <a:r>
+              <a:rPr lang="en-US" dirty="0"/>
+              <a:t> </a:t>
+            </a:r>
+            <a:r>
+              <a:rPr lang="el-GR" dirty="0"/>
+              <a:t>χρειάζεσαι</a:t>
+            </a:r>
+            <a:r>
+              <a:rPr lang="en-US" dirty="0"/>
+              <a:t> </a:t>
+            </a:r>
+            <a:r>
+              <a:rPr lang="el-GR" dirty="0"/>
+              <a:t>μόνο</a:t>
+            </a:r>
+            <a:r>
+              <a:rPr lang="en-US" dirty="0"/>
+              <a:t> </a:t>
+            </a:r>
+            <a:r>
+              <a:rPr lang="el-GR" dirty="0"/>
+              <a:t>κάποια</a:t>
+            </a:r>
+            <a:r>
+              <a:rPr lang="en-US" dirty="0"/>
+              <a:t> </a:t>
+            </a:r>
+            <a:r>
+              <a:rPr lang="el-GR" dirty="0"/>
+              <a:t>εταιρεία</a:t>
+            </a:r>
+            <a:r>
+              <a:rPr lang="en-US" dirty="0"/>
+              <a:t> </a:t>
+            </a:r>
+            <a:r>
+              <a:rPr lang="el-GR" dirty="0"/>
+              <a:t>αλλά</a:t>
+            </a:r>
+            <a:r>
+              <a:rPr lang="en-US" dirty="0"/>
+              <a:t> </a:t>
+            </a:r>
+            <a:r>
+              <a:rPr lang="el-GR" dirty="0"/>
+              <a:t>και όλα τα κομμάτια τις</a:t>
+            </a:r>
+            <a:r>
+              <a:rPr lang="en-US" dirty="0"/>
+              <a:t> </a:t>
+            </a:r>
+            <a:r>
+              <a:rPr lang="el-GR" dirty="0"/>
+              <a:t>σε διοικητικό και</a:t>
+            </a:r>
+            <a:r>
+              <a:rPr lang="en-US" dirty="0"/>
+              <a:t> development </a:t>
+            </a:r>
+            <a:r>
+              <a:rPr lang="el-GR" dirty="0"/>
+              <a:t>να</a:t>
+            </a:r>
+            <a:r>
+              <a:rPr lang="en-US" dirty="0"/>
+              <a:t> </a:t>
+            </a:r>
+            <a:r>
+              <a:rPr lang="el-GR" dirty="0"/>
+              <a:t>επικοινωνούν</a:t>
+            </a:r>
+            <a:r>
+              <a:rPr lang="en-US" dirty="0"/>
+              <a:t> </a:t>
+            </a:r>
+            <a:r>
+              <a:rPr lang="el-GR" dirty="0"/>
+              <a:t>μεταξύ τους προχωρούν μεταξύ τους γνωρίζοντας</a:t>
+            </a:r>
+            <a:r>
+              <a:rPr lang="en-US" dirty="0"/>
+              <a:t> </a:t>
+            </a:r>
+            <a:r>
+              <a:rPr lang="el-GR" dirty="0"/>
+              <a:t>τα</a:t>
+            </a:r>
+            <a:r>
+              <a:rPr lang="en-US" dirty="0"/>
+              <a:t> impediments (</a:t>
+            </a:r>
+            <a:r>
+              <a:rPr lang="el-GR" dirty="0"/>
+              <a:t>τα</a:t>
+            </a:r>
+            <a:r>
+              <a:rPr lang="en-US" dirty="0"/>
+              <a:t> </a:t>
+            </a:r>
+            <a:r>
+              <a:rPr lang="el-GR" dirty="0"/>
+              <a:t>εμπόδια</a:t>
+            </a:r>
+            <a:r>
+              <a:rPr lang="en-US" dirty="0"/>
+              <a:t>) </a:t>
+            </a:r>
+            <a:r>
+              <a:rPr lang="el-GR" dirty="0"/>
+              <a:t>και πώς να τα ξεπεράσουν χρησιμοποιώντας τεχνικές πχ, </a:t>
+            </a:r>
+            <a:r>
+              <a:rPr lang="en-US" dirty="0"/>
+              <a:t>agile-scrum, GitHub, Jira, tickets etc.</a:t>
+            </a:r>
+            <a:endParaRPr kumimoji="0" lang="en-US" sz="1200" b="0" i="0" u="none" strike="noStrike" kern="0" cap="none" spc="0" normalizeH="0" baseline="0" noProof="0" dirty="0">
+              <a:ln>
+                <a:noFill/>
+              </a:ln>
+              <a:solidFill>
+                <a:srgbClr val="D5FA68"/>
+              </a:solidFill>
+              <a:effectLst/>
+              <a:uLnTx/>
+              <a:uFillTx/>
+              <a:latin typeface="Arial" panose="020B0604020202020204" pitchFamily="34" charset="0"/>
+              <a:cs typeface="Arial" panose="020B0604020202020204" pitchFamily="34" charset="0"/>
+              <a:sym typeface="Sora"/>
+            </a:endParaRPr>
           </a:p>
           <a:p>
             <a:endParaRPr lang="en-US" dirty="0"/>
-          </a:p>
-          <a:p>
-            <a:r>
-              <a:rPr lang="el-GR" dirty="0"/>
-              <a:t>Στο </a:t>
-            </a:r>
-            <a:r>
-              <a:rPr lang="en-US" dirty="0"/>
-              <a:t>mobile </a:t>
-            </a:r>
-            <a:r>
-              <a:rPr lang="el-GR" dirty="0"/>
-              <a:t>παρουσιάστηκαν οι πιο μεγάλες αλλαγές του </a:t>
-            </a:r>
-            <a:r>
-              <a:rPr lang="en-US" dirty="0"/>
-              <a:t>gaming industry </a:t>
-            </a:r>
-            <a:r>
-              <a:rPr lang="el-GR" dirty="0"/>
-              <a:t>λόγο </a:t>
-            </a:r>
-            <a:r>
-              <a:rPr lang="el-GR" dirty="0" err="1"/>
-              <a:t>φορητότητας</a:t>
-            </a:r>
-            <a:r>
-              <a:rPr lang="el-GR" dirty="0"/>
-              <a:t> αλλά και δυνατότητες επαυξημένης πραγματικότητας σε βιντεοπαιχνίδια είτε </a:t>
-            </a:r>
-            <a:r>
-              <a:rPr lang="en-US" dirty="0"/>
-              <a:t>social media camera filters</a:t>
-            </a:r>
-            <a:endParaRPr lang="el-GR" dirty="0"/>
           </a:p>
         </p:txBody>
       </p:sp>
@@ -20410,7 +20503,7 @@
     </p:spTree>
     <p:extLst>
       <p:ext uri="{BB962C8B-B14F-4D97-AF65-F5344CB8AC3E}">
-        <p14:creationId xmlns:p14="http://schemas.microsoft.com/office/powerpoint/2010/main" val="1120880429"/>
+        <p14:creationId xmlns:p14="http://schemas.microsoft.com/office/powerpoint/2010/main" val="1192721217"/>
       </p:ext>
     </p:extLst>
   </p:cSld>
@@ -20466,25 +20559,66 @@
           <a:p>
             <a:r>
               <a:rPr lang="el-GR" dirty="0"/>
-              <a:t>Η επιχείρηση υλοποιήσεις </a:t>
+              <a:t>Στο </a:t>
             </a:r>
             <a:r>
               <a:rPr lang="en-US" dirty="0"/>
-              <a:t>VR </a:t>
+              <a:t>flow of gaming simulation evolution </a:t>
             </a:r>
             <a:r>
               <a:rPr lang="el-GR" dirty="0"/>
-              <a:t>και </a:t>
+              <a:t>υπάρχει η ακολουθία </a:t>
             </a:r>
             <a:r>
               <a:rPr lang="en-US" dirty="0"/>
-              <a:t>metaverse </a:t>
+              <a:t>hardware </a:t>
             </a:r>
             <a:r>
               <a:rPr lang="el-GR" dirty="0"/>
-              <a:t>είναι πρόσφατη λόγο μεγέθους επεξεργαστικού ισχύος σε περιορισμένο χώρο αλλά και οικοσυστημάτων υποδομής.</a:t>
-            </a:r>
+              <a:t>με τα αντίστοιχα </a:t>
+            </a:r>
+            <a:r>
+              <a:rPr lang="en-US" dirty="0"/>
+              <a:t>software’s</a:t>
+            </a:r>
+          </a:p>
+          <a:p>
             <a:endParaRPr lang="en-US" dirty="0"/>
+          </a:p>
+          <a:p>
+            <a:r>
+              <a:rPr lang="el-GR" dirty="0"/>
+              <a:t>Στο </a:t>
+            </a:r>
+            <a:r>
+              <a:rPr lang="en-US" dirty="0"/>
+              <a:t>mobile </a:t>
+            </a:r>
+            <a:r>
+              <a:rPr lang="el-GR" dirty="0"/>
+              <a:t>παρουσιάστηκαν οι πιο μεγάλες αλλαγές του </a:t>
+            </a:r>
+            <a:r>
+              <a:rPr lang="en-US" dirty="0"/>
+              <a:t>gaming industry </a:t>
+            </a:r>
+            <a:r>
+              <a:rPr lang="el-GR" dirty="0"/>
+              <a:t>λόγο </a:t>
+            </a:r>
+            <a:r>
+              <a:rPr lang="el-GR" dirty="0" err="1"/>
+              <a:t>φορητότητας</a:t>
+            </a:r>
+            <a:r>
+              <a:rPr lang="el-GR" dirty="0"/>
+              <a:t> αλλά και δυνατότητες επαυξημένης πραγματικότητας σε βιντεοπαιχνίδια είτε </a:t>
+            </a:r>
+            <a:r>
+              <a:rPr lang="en-US" dirty="0"/>
+              <a:t>social media camera filters</a:t>
+            </a:r>
+            <a:endParaRPr lang="el-GR" dirty="0"/>
           </a:p>
         </p:txBody>
       </p:sp>
@@ -20515,7 +20649,7 @@
     </p:spTree>
     <p:extLst>
       <p:ext uri="{BB962C8B-B14F-4D97-AF65-F5344CB8AC3E}">
-        <p14:creationId xmlns:p14="http://schemas.microsoft.com/office/powerpoint/2010/main" val="4228776886"/>
+        <p14:creationId xmlns:p14="http://schemas.microsoft.com/office/powerpoint/2010/main" val="1120880429"/>
       </p:ext>
     </p:extLst>
   </p:cSld>
@@ -20571,24 +20705,23 @@
           <a:p>
             <a:r>
               <a:rPr lang="el-GR" dirty="0"/>
-              <a:t>Το </a:t>
+              <a:t>Η επιχείρηση υλοποιήσεις </a:t>
             </a:r>
             <a:r>
               <a:rPr lang="en-US" dirty="0"/>
-              <a:t>roadmap </a:t>
+              <a:t>VR </a:t>
             </a:r>
             <a:r>
               <a:rPr lang="el-GR" dirty="0"/>
-              <a:t>της τεχνολογίας</a:t>
-            </a:r>
-          </a:p>
-          <a:p>
-            <a:endParaRPr lang="el-GR" dirty="0"/>
-          </a:p>
-          <a:p>
+              <a:t>και </a:t>
+            </a:r>
+            <a:r>
+              <a:rPr lang="en-US" dirty="0"/>
+              <a:t>metaverse </a:t>
+            </a:r>
             <a:r>
               <a:rPr lang="el-GR" dirty="0"/>
-              <a:t>Για να γίνει αυτό πραγματικότητα πρέπει να υπάρξει και η αντίστοιχη υποδομή και τεχνολογίες από οικοσυστήματα</a:t>
+              <a:t>είναι πρόσφατη λόγο μεγέθους επεξεργαστικού ισχύος σε περιορισμένο χώρο αλλά και οικοσυστημάτων υποδομής.</a:t>
             </a:r>
             <a:endParaRPr lang="en-US" dirty="0"/>
           </a:p>
@@ -20621,7 +20754,7 @@
     </p:spTree>
     <p:extLst>
       <p:ext uri="{BB962C8B-B14F-4D97-AF65-F5344CB8AC3E}">
-        <p14:creationId xmlns:p14="http://schemas.microsoft.com/office/powerpoint/2010/main" val="437758119"/>
+        <p14:creationId xmlns:p14="http://schemas.microsoft.com/office/powerpoint/2010/main" val="4228776886"/>
       </p:ext>
     </p:extLst>
   </p:cSld>
@@ -20677,147 +20810,26 @@
           <a:p>
             <a:r>
               <a:rPr lang="el-GR" dirty="0"/>
-              <a:t>Το συνολικό </a:t>
-            </a:r>
-            <a:r>
-              <a:rPr lang="el-GR" dirty="0" err="1"/>
-              <a:t>υπερσύνολο</a:t>
+              <a:t>Το </a:t>
+            </a:r>
+            <a:r>
+              <a:rPr lang="en-US" dirty="0"/>
+              <a:t>roadmap </a:t>
             </a:r>
             <a:r>
               <a:rPr lang="el-GR" dirty="0"/>
-              <a:t> που αποτελεί το </a:t>
-            </a:r>
-            <a:r>
-              <a:rPr lang="en-US" dirty="0"/>
-              <a:t>metaverse </a:t>
-            </a:r>
+              <a:t>της τεχνολογίας</a:t>
+            </a:r>
+          </a:p>
+          <a:p>
+            <a:endParaRPr lang="el-GR" dirty="0"/>
+          </a:p>
+          <a:p>
             <a:r>
               <a:rPr lang="el-GR" dirty="0"/>
-              <a:t>και ποια κομμάτια πρέπει να συνυπάρξουν ώστε να λειτουργήσει. Βλέπουμε την ένωση όλων των υποδομών</a:t>
-            </a:r>
-            <a:r>
-              <a:rPr lang="en-US" dirty="0"/>
-              <a:t>(infrastructures)</a:t>
-            </a:r>
-            <a:r>
-              <a:rPr lang="el-GR" dirty="0"/>
-              <a:t> σε δράση</a:t>
-            </a:r>
-            <a:r>
-              <a:rPr lang="en-US" dirty="0"/>
-              <a:t> </a:t>
-            </a:r>
-            <a:r>
-              <a:rPr lang="el-GR" dirty="0"/>
-              <a:t>μεταξύ τους τόσο σε </a:t>
-            </a:r>
-            <a:r>
-              <a:rPr lang="en-US" dirty="0"/>
-              <a:t>proactive </a:t>
-            </a:r>
-            <a:r>
-              <a:rPr lang="el-GR" dirty="0"/>
-              <a:t>όσο και </a:t>
-            </a:r>
-            <a:r>
-              <a:rPr lang="en-US" dirty="0"/>
-              <a:t>reactive </a:t>
-            </a:r>
-            <a:r>
-              <a:rPr lang="el-GR" dirty="0"/>
-              <a:t>κατάσταση.</a:t>
-            </a:r>
-          </a:p>
-          <a:p>
-            <a:endParaRPr lang="el-GR" dirty="0"/>
-          </a:p>
-          <a:p>
-            <a:r>
-              <a:rPr lang="el-GR" dirty="0"/>
-              <a:t>Επίσης στις ασύρματες και </a:t>
-            </a:r>
-            <a:r>
-              <a:rPr lang="en-US" dirty="0"/>
-              <a:t>Fixed </a:t>
-            </a:r>
-            <a:r>
-              <a:rPr lang="el-GR" dirty="0"/>
-              <a:t>τεχνολογίες παροχών υπηρεσιών </a:t>
-            </a:r>
-            <a:r>
-              <a:rPr lang="en-US" dirty="0"/>
-              <a:t>(SP) </a:t>
-            </a:r>
-            <a:r>
-              <a:rPr lang="el-GR" dirty="0"/>
-              <a:t>με </a:t>
-            </a:r>
-            <a:r>
-              <a:rPr lang="en-US" dirty="0"/>
-              <a:t>5G </a:t>
-            </a:r>
-            <a:r>
-              <a:rPr lang="el-GR" dirty="0"/>
-              <a:t>και</a:t>
-            </a:r>
-            <a:r>
-              <a:rPr lang="en-US" dirty="0"/>
-              <a:t> FTTH (fiber to the home)</a:t>
-            </a:r>
-            <a:r>
-              <a:rPr lang="el-GR" dirty="0"/>
-              <a:t> δίκτυα τα χρειαζόμαστε για </a:t>
-            </a:r>
-            <a:r>
-              <a:rPr lang="en-US" dirty="0"/>
-              <a:t>Low latency </a:t>
-            </a:r>
-            <a:r>
-              <a:rPr lang="el-GR" dirty="0"/>
-              <a:t>ώστε τα </a:t>
-            </a:r>
-            <a:r>
-              <a:rPr lang="en-US" dirty="0"/>
-              <a:t>mission critical </a:t>
-            </a:r>
-            <a:r>
-              <a:rPr lang="el-GR" dirty="0"/>
-              <a:t>να έχουν απόλυτη ακεραιότητα. </a:t>
-            </a:r>
-          </a:p>
-          <a:p>
-            <a:r>
-              <a:rPr lang="el-GR" dirty="0"/>
-              <a:t>Επίσης σε </a:t>
-            </a:r>
-            <a:r>
-              <a:rPr lang="en-US" dirty="0"/>
-              <a:t>Mounted headset device (HMD) </a:t>
-            </a:r>
-            <a:r>
-              <a:rPr lang="el-GR" dirty="0"/>
-              <a:t>για </a:t>
-            </a:r>
-            <a:r>
-              <a:rPr lang="en-US" dirty="0"/>
-              <a:t>VR</a:t>
-            </a:r>
-            <a:r>
-              <a:rPr lang="el-GR" dirty="0"/>
-              <a:t>/</a:t>
-            </a:r>
-            <a:r>
-              <a:rPr lang="en-US" dirty="0"/>
-              <a:t>MR </a:t>
-            </a:r>
-            <a:r>
-              <a:rPr lang="el-GR" dirty="0"/>
-              <a:t>αποφεύγουμε το </a:t>
-            </a:r>
-            <a:r>
-              <a:rPr lang="en-US" dirty="0"/>
-              <a:t>motion sickness</a:t>
-            </a:r>
+              <a:t>Για να γίνει αυτό πραγματικότητα πρέπει να υπάρξει και η αντίστοιχη υποδομή και τεχνολογίες από οικοσυστήματα</a:t>
+            </a:r>
+            <a:endParaRPr lang="en-US" dirty="0"/>
           </a:p>
         </p:txBody>
       </p:sp>
@@ -20848,7 +20860,7 @@
     </p:spTree>
     <p:extLst>
       <p:ext uri="{BB962C8B-B14F-4D97-AF65-F5344CB8AC3E}">
-        <p14:creationId xmlns:p14="http://schemas.microsoft.com/office/powerpoint/2010/main" val="547921947"/>
+        <p14:creationId xmlns:p14="http://schemas.microsoft.com/office/powerpoint/2010/main" val="437758119"/>
       </p:ext>
     </p:extLst>
   </p:cSld>
@@ -20904,11 +20916,122 @@
           <a:p>
             <a:r>
               <a:rPr lang="el-GR" dirty="0"/>
-              <a:t>Υποδομή από αρχιτεκτονικές προδιαγραφές πληροφοριών πχ., </a:t>
+              <a:t>Το συνολικό </a:t>
+            </a:r>
+            <a:r>
+              <a:rPr lang="el-GR" dirty="0" err="1"/>
+              <a:t>υπερσύνολο</a:t>
+            </a:r>
+            <a:r>
+              <a:rPr lang="el-GR" dirty="0"/>
+              <a:t> που αποτελεί το </a:t>
             </a:r>
             <a:r>
               <a:rPr lang="en-US" dirty="0"/>
-              <a:t>TOGAF (enterprise architecture framework) &amp; ITIL library </a:t>
+              <a:t>metaverse </a:t>
+            </a:r>
+            <a:r>
+              <a:rPr lang="el-GR" dirty="0"/>
+              <a:t>και ποια κομμάτια πρέπει να συνυπάρξουν ώστε να λειτουργήσει. Βλέπουμε την ένωση όλων των υποδομών</a:t>
+            </a:r>
+            <a:r>
+              <a:rPr lang="en-US" dirty="0"/>
+              <a:t>(infrastructures)</a:t>
+            </a:r>
+            <a:r>
+              <a:rPr lang="el-GR" dirty="0"/>
+              <a:t> σε δράση</a:t>
+            </a:r>
+            <a:r>
+              <a:rPr lang="en-US" dirty="0"/>
+              <a:t> </a:t>
+            </a:r>
+            <a:r>
+              <a:rPr lang="el-GR" dirty="0"/>
+              <a:t>μεταξύ τους τόσο σε </a:t>
+            </a:r>
+            <a:r>
+              <a:rPr lang="en-US" dirty="0"/>
+              <a:t>proactive </a:t>
+            </a:r>
+            <a:r>
+              <a:rPr lang="el-GR" dirty="0"/>
+              <a:t>όσο και </a:t>
+            </a:r>
+            <a:r>
+              <a:rPr lang="en-US" dirty="0"/>
+              <a:t>reactive </a:t>
+            </a:r>
+            <a:r>
+              <a:rPr lang="el-GR" dirty="0"/>
+              <a:t>κατάσταση.</a:t>
+            </a:r>
+          </a:p>
+          <a:p>
+            <a:endParaRPr lang="el-GR" dirty="0"/>
+          </a:p>
+          <a:p>
+            <a:r>
+              <a:rPr lang="el-GR" dirty="0"/>
+              <a:t>Επίσης στις ασύρματες και </a:t>
+            </a:r>
+            <a:r>
+              <a:rPr lang="en-US" dirty="0"/>
+              <a:t>Fixed </a:t>
+            </a:r>
+            <a:r>
+              <a:rPr lang="el-GR" dirty="0"/>
+              <a:t>τεχνολογίες παροχών υπηρεσιών </a:t>
+            </a:r>
+            <a:r>
+              <a:rPr lang="en-US" dirty="0"/>
+              <a:t>(SP) </a:t>
+            </a:r>
+            <a:r>
+              <a:rPr lang="el-GR" dirty="0"/>
+              <a:t>με </a:t>
+            </a:r>
+            <a:r>
+              <a:rPr lang="en-US" dirty="0"/>
+              <a:t>5G </a:t>
+            </a:r>
+            <a:r>
+              <a:rPr lang="el-GR" dirty="0"/>
+              <a:t>και</a:t>
+            </a:r>
+            <a:r>
+              <a:rPr lang="en-US" dirty="0"/>
+              <a:t> FTTH (fiber to the home)</a:t>
+            </a:r>
+            <a:r>
+              <a:rPr lang="el-GR" dirty="0"/>
+              <a:t> δίκτυα τα χρειαζόμαστε για </a:t>
+            </a:r>
+            <a:r>
+              <a:rPr lang="en-US" dirty="0"/>
+              <a:t>Low latency </a:t>
+            </a:r>
+            <a:r>
+              <a:rPr lang="el-GR" dirty="0"/>
+              <a:t>ώστε τα </a:t>
+            </a:r>
+            <a:r>
+              <a:rPr lang="en-US" dirty="0"/>
+              <a:t>mission critical </a:t>
+            </a:r>
+            <a:r>
+              <a:rPr lang="el-GR" dirty="0"/>
+              <a:t>να έχουν απόλυτη ακεραιότητα. </a:t>
+            </a:r>
+          </a:p>
+          <a:p>
+            <a:r>
+              <a:rPr lang="el-GR" dirty="0"/>
+              <a:t>Επίσης σε </a:t>
+            </a:r>
+            <a:r>
+              <a:rPr lang="en-US" dirty="0"/>
+              <a:t>Mounted headset device (HMD) </a:t>
             </a:r>
             <a:r>
               <a:rPr lang="el-GR" dirty="0"/>
@@ -20916,79 +21039,24 @@
             </a:r>
             <a:r>
               <a:rPr lang="en-US" dirty="0"/>
-              <a:t>best practices </a:t>
+              <a:t>VR</a:t>
             </a:r>
             <a:r>
               <a:rPr lang="el-GR" dirty="0"/>
-              <a:t>στο </a:t>
+              <a:t>/</a:t>
             </a:r>
             <a:r>
               <a:rPr lang="en-US" dirty="0"/>
-              <a:t>Information Technology </a:t>
+              <a:t>MR </a:t>
             </a:r>
             <a:r>
               <a:rPr lang="el-GR" dirty="0"/>
-              <a:t>ώστε να υπάρξουν τα </a:t>
+              <a:t>αποφεύγουμε το </a:t>
             </a:r>
             <a:r>
               <a:rPr lang="en-US" dirty="0"/>
-              <a:t>Information Technology service management</a:t>
-            </a:r>
-            <a:r>
-              <a:rPr lang="el-GR" dirty="0"/>
-              <a:t> </a:t>
-            </a:r>
-            <a:r>
-              <a:rPr lang="en-US" dirty="0"/>
-              <a:t>services (ITSM services) </a:t>
-            </a:r>
-            <a:r>
-              <a:rPr lang="el-GR" dirty="0"/>
-              <a:t>για ένα </a:t>
-            </a:r>
-            <a:r>
-              <a:rPr lang="en-US" dirty="0"/>
-              <a:t>business.</a:t>
-            </a:r>
-          </a:p>
-          <a:p>
-            <a:r>
-              <a:rPr lang="el-GR" dirty="0"/>
-              <a:t>Σε τεχνολογικό τομέα αλλά και οικοσυστήματα που το περιβάλουν ώστε να υπάρξουν </a:t>
-            </a:r>
-            <a:r>
-              <a:rPr lang="el-GR" dirty="0" err="1"/>
-              <a:t>διεπαφές</a:t>
-            </a:r>
-            <a:r>
-              <a:rPr lang="el-GR" dirty="0"/>
-              <a:t> επικοινωνίας μεταξύ τους αλλά και </a:t>
-            </a:r>
-            <a:r>
-              <a:rPr lang="en-US" dirty="0"/>
-              <a:t>streamlined workflows </a:t>
-            </a:r>
-            <a:r>
-              <a:rPr lang="el-GR" dirty="0"/>
-              <a:t>λειτουργείας τους από χρήστες και αυτοματισμοί διεργασιών (</a:t>
-            </a:r>
-            <a:r>
-              <a:rPr lang="en-US" dirty="0"/>
-              <a:t>automation processes). </a:t>
-            </a:r>
-            <a:r>
-              <a:rPr lang="el-GR" dirty="0"/>
-              <a:t>Δηλαδή να υπάρχει έλεγχος </a:t>
-            </a:r>
-            <a:r>
-              <a:rPr lang="en-US" dirty="0"/>
-              <a:t>proactive </a:t>
-            </a:r>
-            <a:r>
-              <a:rPr lang="el-GR" dirty="0"/>
-              <a:t>κατάσταση</a:t>
-            </a:r>
-            <a:endParaRPr lang="en-US" dirty="0"/>
+              <a:t>motion sickness</a:t>
+            </a:r>
           </a:p>
         </p:txBody>
       </p:sp>
@@ -21019,7 +21087,7 @@
     </p:spTree>
     <p:extLst>
       <p:ext uri="{BB962C8B-B14F-4D97-AF65-F5344CB8AC3E}">
-        <p14:creationId xmlns:p14="http://schemas.microsoft.com/office/powerpoint/2010/main" val="2729025747"/>
+        <p14:creationId xmlns:p14="http://schemas.microsoft.com/office/powerpoint/2010/main" val="547921947"/>
       </p:ext>
     </p:extLst>
   </p:cSld>
@@ -21075,71 +21143,89 @@
           <a:p>
             <a:r>
               <a:rPr lang="el-GR" dirty="0"/>
-              <a:t>Για την υλοποίηση </a:t>
+              <a:t>Υποδομή από αρχιτεκτονικές προδιαγραφές πληροφοριών πχ., </a:t>
             </a:r>
             <a:r>
               <a:rPr lang="en-US" dirty="0"/>
-              <a:t>gameplay mechanics </a:t>
+              <a:t>TOGAF (enterprise architecture framework) &amp; ITIL library </a:t>
             </a:r>
             <a:r>
               <a:rPr lang="el-GR" dirty="0"/>
-              <a:t>και </a:t>
+              <a:t>για </a:t>
             </a:r>
             <a:r>
               <a:rPr lang="en-US" dirty="0"/>
-              <a:t>deploy </a:t>
+              <a:t>best practices </a:t>
             </a:r>
             <a:r>
               <a:rPr lang="el-GR" dirty="0"/>
-              <a:t>στο</a:t>
+              <a:t>στο </a:t>
             </a:r>
             <a:r>
               <a:rPr lang="en-US" dirty="0"/>
-              <a:t> public cloud </a:t>
+              <a:t>Information Technology </a:t>
             </a:r>
             <a:r>
               <a:rPr lang="el-GR" dirty="0"/>
-              <a:t>θα χρειαστεί προφανώς να γίνει </a:t>
+              <a:t>ώστε να υπάρξουν τα </a:t>
             </a:r>
             <a:r>
               <a:rPr lang="en-US" dirty="0"/>
-              <a:t>host </a:t>
+              <a:t>Information Technology service management</a:t>
             </a:r>
             <a:r>
               <a:rPr lang="el-GR" dirty="0"/>
-              <a:t>σε διακομιστή με δυναμική απαιτήσει πόρων σύμφωνα με τις απαιτήσεις χρηστών. Επιπλέον θα χρειαστούν βάσεις δεδομένων για αποθηκεύσει δεδομένων και εξόρυξή τους ώστε να φτιαχτούν μοντέλα πρόβλεψης και </a:t>
+              <a:t> </a:t>
             </a:r>
             <a:r>
               <a:rPr lang="en-US" dirty="0"/>
-              <a:t>analytics</a:t>
+              <a:t>services (ITSM services) </a:t>
             </a:r>
             <a:r>
               <a:rPr lang="el-GR" dirty="0"/>
-              <a:t> άρα θα πρέπει να υπάρχει Εμπιστευτικότητα Ακεραιότητα και Διαθεσιμότητα </a:t>
+              <a:t>για ένα </a:t>
             </a:r>
             <a:r>
               <a:rPr lang="en-US" dirty="0"/>
-              <a:t>(CIA triad). </a:t>
-            </a:r>
+              <a:t>business.</a:t>
+            </a:r>
+          </a:p>
+          <a:p>
             <a:r>
               <a:rPr lang="el-GR" dirty="0"/>
-              <a:t>Επίσης όλα αυτά θα λαμβάνουν χώρο σε </a:t>
+              <a:t>Σε τεχνολογικό τομέα αλλά και οικοσυστήματα που το περιβάλουν ώστε να υπάρξουν </a:t>
+            </a:r>
+            <a:r>
+              <a:rPr lang="el-GR" dirty="0" err="1"/>
+              <a:t>διεπαφές</a:t>
+            </a:r>
+            <a:r>
+              <a:rPr lang="el-GR" dirty="0"/>
+              <a:t> επικοινωνίας μεταξύ τους αλλά και </a:t>
             </a:r>
             <a:r>
               <a:rPr lang="en-US" dirty="0"/>
-              <a:t>Data center </a:t>
+              <a:t>streamlined workflows </a:t>
             </a:r>
             <a:r>
               <a:rPr lang="el-GR" dirty="0"/>
-              <a:t>και κατά πάσα πιθανότητα όχι </a:t>
+              <a:t>λειτουργείας τους από χρήστες και αυτοματισμοί διεργασιών (</a:t>
             </a:r>
             <a:r>
               <a:rPr lang="en-US" dirty="0"/>
-              <a:t>on-premises </a:t>
+              <a:t>automation processes). </a:t>
             </a:r>
             <a:r>
               <a:rPr lang="el-GR" dirty="0"/>
-              <a:t>πλέον.</a:t>
+              <a:t>Δηλαδή να υπάρχει έλεγχος </a:t>
+            </a:r>
+            <a:r>
+              <a:rPr lang="en-US" dirty="0"/>
+              <a:t>proactive </a:t>
+            </a:r>
+            <a:r>
+              <a:rPr lang="el-GR" dirty="0"/>
+              <a:t>κατάσταση</a:t>
             </a:r>
             <a:endParaRPr lang="en-US" dirty="0"/>
           </a:p>
@@ -21172,7 +21258,7 @@
     </p:spTree>
     <p:extLst>
       <p:ext uri="{BB962C8B-B14F-4D97-AF65-F5344CB8AC3E}">
-        <p14:creationId xmlns:p14="http://schemas.microsoft.com/office/powerpoint/2010/main" val="3511860544"/>
+        <p14:creationId xmlns:p14="http://schemas.microsoft.com/office/powerpoint/2010/main" val="2729025747"/>
       </p:ext>
     </p:extLst>
   </p:cSld>
@@ -21228,40 +21314,7 @@
           <a:p>
             <a:r>
               <a:rPr lang="el-GR" dirty="0"/>
-              <a:t>Ένα </a:t>
-            </a:r>
-            <a:r>
-              <a:rPr lang="en-US" dirty="0"/>
-              <a:t>Venn diagram </a:t>
-            </a:r>
-            <a:r>
-              <a:rPr lang="el-GR" dirty="0"/>
-              <a:t>για σχέση μεταξύ </a:t>
-            </a:r>
-            <a:r>
-              <a:rPr lang="en-US" dirty="0"/>
-              <a:t>Extended Reality </a:t>
-            </a:r>
-            <a:r>
-              <a:rPr lang="el-GR" dirty="0"/>
-              <a:t>και το </a:t>
-            </a:r>
-            <a:r>
-              <a:rPr lang="el-GR" dirty="0" err="1"/>
-              <a:t>υπερσύνολο</a:t>
-            </a:r>
-            <a:r>
-              <a:rPr lang="en-US" dirty="0"/>
-              <a:t> metaverse</a:t>
-            </a:r>
-          </a:p>
-          <a:p>
-            <a:endParaRPr lang="en-US" dirty="0"/>
-          </a:p>
-          <a:p>
-            <a:r>
-              <a:rPr lang="el-GR" dirty="0"/>
-              <a:t>Παρατηρούμε ότι τα </a:t>
+              <a:t>Για την υλοποίηση </a:t>
             </a:r>
             <a:r>
               <a:rPr lang="en-US" dirty="0"/>
@@ -21269,16 +21322,65 @@
             </a:r>
             <a:r>
               <a:rPr lang="el-GR" dirty="0"/>
-              <a:t>είναι το </a:t>
+              <a:t>και </a:t>
             </a:r>
             <a:r>
               <a:rPr lang="en-US" dirty="0"/>
-              <a:t>core </a:t>
+              <a:t>deploy </a:t>
             </a:r>
             <a:r>
               <a:rPr lang="el-GR" dirty="0"/>
-              <a:t>κομμάτι παντού</a:t>
-            </a:r>
+              <a:t>στο</a:t>
+            </a:r>
+            <a:r>
+              <a:rPr lang="en-US" dirty="0"/>
+              <a:t> public cloud </a:t>
+            </a:r>
+            <a:r>
+              <a:rPr lang="el-GR" dirty="0"/>
+              <a:t>θα χρειαστεί προφανώς να γίνει </a:t>
+            </a:r>
+            <a:r>
+              <a:rPr lang="en-US" dirty="0"/>
+              <a:t>host </a:t>
+            </a:r>
+            <a:r>
+              <a:rPr lang="el-GR" dirty="0"/>
+              <a:t>σε διακομιστή με δυναμική απαιτήσει πόρων σύμφωνα με τις απαιτήσεις χρηστών. Επιπλέον θα χρειαστούν βάσεις δεδομένων για αποθηκεύσει δεδομένων και εξόρυξή τους ώστε να φτιαχτούν μοντέλα πρόβλεψης και </a:t>
+            </a:r>
+            <a:r>
+              <a:rPr lang="en-US" dirty="0"/>
+              <a:t>analytics</a:t>
+            </a:r>
+            <a:r>
+              <a:rPr lang="el-GR" dirty="0"/>
+              <a:t> άρα θα πρέπει να υπάρχει Εμπιστευτικότητα Ακεραιότητα και Διαθεσιμότητα </a:t>
+            </a:r>
+            <a:r>
+              <a:rPr lang="en-US" dirty="0"/>
+              <a:t>(CIA triad). </a:t>
+            </a:r>
+            <a:r>
+              <a:rPr lang="el-GR" dirty="0"/>
+              <a:t>Επίσης όλα αυτά θα λαμβάνουν χώρο σε </a:t>
+            </a:r>
+            <a:r>
+              <a:rPr lang="en-US" dirty="0"/>
+              <a:t>Data center </a:t>
+            </a:r>
+            <a:r>
+              <a:rPr lang="el-GR" dirty="0"/>
+              <a:t>και κατά πάσα πιθανότητα όχι </a:t>
+            </a:r>
+            <a:r>
+              <a:rPr lang="en-US" dirty="0"/>
+              <a:t>on-premises </a:t>
+            </a:r>
+            <a:r>
+              <a:rPr lang="el-GR" dirty="0"/>
+              <a:t>πλέον.</a:t>
+            </a:r>
+            <a:endParaRPr lang="en-US" dirty="0"/>
           </a:p>
         </p:txBody>
       </p:sp>
@@ -21309,7 +21411,7 @@
     </p:spTree>
     <p:extLst>
       <p:ext uri="{BB962C8B-B14F-4D97-AF65-F5344CB8AC3E}">
-        <p14:creationId xmlns:p14="http://schemas.microsoft.com/office/powerpoint/2010/main" val="239941111"/>
+        <p14:creationId xmlns:p14="http://schemas.microsoft.com/office/powerpoint/2010/main" val="3511860544"/>
       </p:ext>
     </p:extLst>
   </p:cSld>
@@ -21540,17 +21642,57 @@
           <a:p>
             <a:r>
               <a:rPr lang="el-GR" dirty="0"/>
-              <a:t>Παρατηρούμε τα δεδομένα από την </a:t>
+              <a:t>Ένα </a:t>
             </a:r>
             <a:r>
               <a:rPr lang="en-US" dirty="0"/>
-              <a:t>ISFE (Europe's video game industry)</a:t>
+              <a:t>Venn diagram </a:t>
             </a:r>
             <a:r>
               <a:rPr lang="el-GR" dirty="0"/>
-              <a:t> για την γραμμική αύξηση των τελευταίων ετών ιδίως λόγο την πανδημίας</a:t>
-            </a:r>
+              <a:t>για σχέση μεταξύ </a:t>
+            </a:r>
+            <a:r>
+              <a:rPr lang="en-US" dirty="0"/>
+              <a:t>Extended Reality </a:t>
+            </a:r>
+            <a:r>
+              <a:rPr lang="el-GR" dirty="0"/>
+              <a:t>και το </a:t>
+            </a:r>
+            <a:r>
+              <a:rPr lang="el-GR" dirty="0" err="1"/>
+              <a:t>υπερσύνολο</a:t>
+            </a:r>
+            <a:r>
+              <a:rPr lang="en-US" dirty="0"/>
+              <a:t> metaverse</a:t>
+            </a:r>
+          </a:p>
+          <a:p>
             <a:endParaRPr lang="en-US" dirty="0"/>
+          </a:p>
+          <a:p>
+            <a:r>
+              <a:rPr lang="el-GR" dirty="0"/>
+              <a:t>Παρατηρούμε ότι τα </a:t>
+            </a:r>
+            <a:r>
+              <a:rPr lang="en-US" dirty="0"/>
+              <a:t>gameplay mechanics </a:t>
+            </a:r>
+            <a:r>
+              <a:rPr lang="el-GR" dirty="0"/>
+              <a:t>είναι το </a:t>
+            </a:r>
+            <a:r>
+              <a:rPr lang="en-US" dirty="0"/>
+              <a:t>core </a:t>
+            </a:r>
+            <a:r>
+              <a:rPr lang="el-GR" dirty="0"/>
+              <a:t>κομμάτι παντού</a:t>
+            </a:r>
           </a:p>
         </p:txBody>
       </p:sp>
@@ -21581,7 +21723,7 @@
     </p:spTree>
     <p:extLst>
       <p:ext uri="{BB962C8B-B14F-4D97-AF65-F5344CB8AC3E}">
-        <p14:creationId xmlns:p14="http://schemas.microsoft.com/office/powerpoint/2010/main" val="2583888266"/>
+        <p14:creationId xmlns:p14="http://schemas.microsoft.com/office/powerpoint/2010/main" val="239941111"/>
       </p:ext>
     </p:extLst>
   </p:cSld>
@@ -21637,74 +21779,16 @@
           <a:p>
             <a:r>
               <a:rPr lang="el-GR" dirty="0"/>
-              <a:t>Ο κύκλος της εξελίξεις που η κάθε ενότητα είναι προϊόν τις προηγούμενης που σημαίνει δεν είναι </a:t>
+              <a:t>Παρατηρούμε τα δεδομένα από την </a:t>
             </a:r>
             <a:r>
               <a:rPr lang="en-US" dirty="0"/>
-              <a:t>standalone </a:t>
+              <a:t>ISFE (Europe's video game industry)</a:t>
             </a:r>
             <a:r>
               <a:rPr lang="el-GR" dirty="0"/>
-              <a:t>αλλά όλα συνδέονται μεταξύ τους όπως και τα </a:t>
-            </a:r>
-            <a:r>
-              <a:rPr lang="en-US" dirty="0"/>
-              <a:t>API.</a:t>
-            </a:r>
-          </a:p>
-          <a:p>
-            <a:endParaRPr lang="en-US" dirty="0"/>
-          </a:p>
-          <a:p>
-            <a:pPr marL="0" marR="0" lvl="0" indent="0" algn="l" defTabSz="457200" rtl="0" eaLnBrk="1" fontAlgn="auto" latinLnBrk="0" hangingPunct="1">
-              <a:lnSpc>
-                <a:spcPct val="100000"/>
-              </a:lnSpc>
-              <a:spcBef>
-                <a:spcPts val="0"/>
-              </a:spcBef>
-              <a:spcAft>
-                <a:spcPts val="0"/>
-              </a:spcAft>
-              <a:buClrTx/>
-              <a:buSzTx/>
-              <a:buFontTx/>
-              <a:buNone/>
-              <a:tabLst/>
-              <a:defRPr/>
-            </a:pPr>
-            <a:r>
-              <a:rPr lang="en-US" dirty="0"/>
-              <a:t>Observation!! </a:t>
-            </a:r>
-            <a:r>
-              <a:rPr lang="el-GR" dirty="0"/>
-              <a:t>όπως είπε και ο μαθηματικός αλλά και παίχτης σκάκι </a:t>
-            </a:r>
-            <a:r>
-              <a:rPr lang="en-US" dirty="0"/>
-              <a:t>MAX EUWE </a:t>
-            </a:r>
-            <a:r>
-              <a:rPr lang="el-GR" dirty="0"/>
-              <a:t>Η στρατηγική θέλει σκέψη, η τακτική θέλει παρατήρηση.</a:t>
-            </a:r>
-            <a:r>
-              <a:rPr lang="en-US" dirty="0"/>
-              <a:t> - </a:t>
-            </a:r>
-            <a:r>
-              <a:rPr lang="en-US" sz="1800" b="0" i="0" u="none" strike="sngStrike" dirty="0">
-                <a:solidFill>
-                  <a:srgbClr val="101010"/>
-                </a:solidFill>
-                <a:effectLst/>
-                <a:latin typeface="Arial" panose="020B0604020202020204" pitchFamily="34" charset="0"/>
-              </a:rPr>
-              <a:t>Strategy requires thought, tactics require observation.</a:t>
-            </a:r>
-          </a:p>
-          <a:p>
+              <a:t> για την γραμμική αύξηση των τελευταίων ετών ιδίως λόγο την πανδημίας</a:t>
+            </a:r>
             <a:endParaRPr lang="en-US" dirty="0"/>
           </a:p>
         </p:txBody>
@@ -21736,7 +21820,7 @@
     </p:spTree>
     <p:extLst>
       <p:ext uri="{BB962C8B-B14F-4D97-AF65-F5344CB8AC3E}">
-        <p14:creationId xmlns:p14="http://schemas.microsoft.com/office/powerpoint/2010/main" val="3952626509"/>
+        <p14:creationId xmlns:p14="http://schemas.microsoft.com/office/powerpoint/2010/main" val="2583888266"/>
       </p:ext>
     </p:extLst>
   </p:cSld>
@@ -21792,50 +21876,74 @@
           <a:p>
             <a:r>
               <a:rPr lang="el-GR" dirty="0"/>
-              <a:t>Κατανόηση απαιτήσεων με έρευνα διαθέσιμων εργαλείων</a:t>
-            </a:r>
-          </a:p>
-          <a:p>
-            <a:endParaRPr lang="el-GR" dirty="0"/>
-          </a:p>
-          <a:p>
+              <a:t>Ο κύκλος της εξελίξεις που η κάθε ενότητα είναι προϊόν τις προηγούμενης που σημαίνει δεν είναι </a:t>
+            </a:r>
+            <a:r>
+              <a:rPr lang="en-US" dirty="0"/>
+              <a:t>standalone </a:t>
+            </a:r>
             <a:r>
               <a:rPr lang="el-GR" dirty="0"/>
-              <a:t>Ποιες είναι οι βασικές απαιτήσεις διεκπεραιώσεις ενός </a:t>
+              <a:t>αλλά όλα συνδέονται μεταξύ τους όπως και τα </a:t>
             </a:r>
             <a:r>
               <a:rPr lang="en-US" dirty="0"/>
-              <a:t>project? </a:t>
-            </a:r>
-          </a:p>
-          <a:p>
+              <a:t>API.</a:t>
+            </a:r>
+          </a:p>
+          <a:p>
+            <a:endParaRPr lang="en-US" dirty="0"/>
+          </a:p>
+          <a:p>
+            <a:pPr marL="0" marR="0" lvl="0" indent="0" algn="l" defTabSz="457200" rtl="0" eaLnBrk="1" fontAlgn="auto" latinLnBrk="0" hangingPunct="1">
+              <a:lnSpc>
+                <a:spcPct val="100000"/>
+              </a:lnSpc>
+              <a:spcBef>
+                <a:spcPts val="0"/>
+              </a:spcBef>
+              <a:spcAft>
+                <a:spcPts val="0"/>
+              </a:spcAft>
+              <a:buClrTx/>
+              <a:buSzTx/>
+              <a:buFontTx/>
+              <a:buNone/>
+              <a:tabLst/>
+              <a:defRPr/>
+            </a:pPr>
+            <a:r>
+              <a:rPr lang="en-US" dirty="0"/>
+              <a:t>Observation!! </a:t>
+            </a:r>
             <a:r>
               <a:rPr lang="el-GR" dirty="0"/>
-              <a:t>Ξεκινώντας κάνοντας έρευνα στα εργαλεία που υπάρχουν και ποιο οφέλη περισσότερο την συγκεκριμένη δουλειά? </a:t>
-            </a:r>
-            <a:endParaRPr lang="en-US" dirty="0"/>
-          </a:p>
-          <a:p>
+              <a:t>όπως είπε και ο μαθηματικός αλλά και παίχτης σκάκι </a:t>
+            </a:r>
+            <a:r>
+              <a:rPr lang="en-US" dirty="0"/>
+              <a:t>MAX EUWE </a:t>
+            </a:r>
             <a:r>
               <a:rPr lang="el-GR" dirty="0"/>
-              <a:t>Σύμφωνα με τις δυνατότητες </a:t>
+              <a:t>Η στρατηγική θέλει σκέψη, η τακτική θέλει παρατήρηση.</a:t>
             </a:r>
             <a:r>
               <a:rPr lang="en-US" dirty="0"/>
-              <a:t>stability</a:t>
-            </a:r>
-            <a:r>
-              <a:rPr lang="el-GR" dirty="0"/>
-              <a:t> του εργαλείου, </a:t>
-            </a:r>
-            <a:r>
-              <a:rPr lang="en-US" dirty="0"/>
-              <a:t>community (help, tutorials), streamlined workflow </a:t>
-            </a:r>
-            <a:r>
-              <a:rPr lang="el-GR" dirty="0"/>
-              <a:t>και οικοσύστημα για τον χρήστη.</a:t>
-            </a:r>
+              <a:t> - </a:t>
+            </a:r>
+            <a:r>
+              <a:rPr lang="en-US" sz="1800" b="0" i="0" u="none" strike="sngStrike" dirty="0">
+                <a:solidFill>
+                  <a:srgbClr val="101010"/>
+                </a:solidFill>
+                <a:effectLst/>
+                <a:latin typeface="Arial" panose="020B0604020202020204" pitchFamily="34" charset="0"/>
+              </a:rPr>
+              <a:t>Strategy requires thought, tactics require observation.</a:t>
+            </a:r>
+          </a:p>
+          <a:p>
             <a:endParaRPr lang="en-US" dirty="0"/>
           </a:p>
         </p:txBody>
@@ -21867,7 +21975,7 @@
     </p:spTree>
     <p:extLst>
       <p:ext uri="{BB962C8B-B14F-4D97-AF65-F5344CB8AC3E}">
-        <p14:creationId xmlns:p14="http://schemas.microsoft.com/office/powerpoint/2010/main" val="1497768080"/>
+        <p14:creationId xmlns:p14="http://schemas.microsoft.com/office/powerpoint/2010/main" val="3952626509"/>
       </p:ext>
     </p:extLst>
   </p:cSld>
@@ -21923,71 +22031,51 @@
           <a:p>
             <a:r>
               <a:rPr lang="el-GR" dirty="0"/>
-              <a:t>Στο παρελθόν ο παραδοσιακός τρόπος </a:t>
+              <a:t>Κατανόηση απαιτήσεων με έρευνα διαθέσιμων εργαλείων</a:t>
+            </a:r>
+          </a:p>
+          <a:p>
+            <a:endParaRPr lang="el-GR" dirty="0"/>
+          </a:p>
+          <a:p>
+            <a:r>
+              <a:rPr lang="el-GR" dirty="0"/>
+              <a:t>Ποιες είναι οι βασικές απαιτήσεις διεκπεραιώσεις ενός </a:t>
             </a:r>
             <a:r>
               <a:rPr lang="en-US" dirty="0"/>
-              <a:t>rendering </a:t>
-            </a:r>
+              <a:t>project? </a:t>
+            </a:r>
+          </a:p>
+          <a:p>
             <a:r>
               <a:rPr lang="el-GR" dirty="0"/>
-              <a:t>σε εποχές 1990 γινόταν με </a:t>
+              <a:t>Ξεκινώντας κάνοντας έρευνα στα εργαλεία που υπάρχουν και ποιο οφέλη περισσότερο την συγκεκριμένη δουλειά? </a:t>
+            </a:r>
+            <a:endParaRPr lang="en-US" dirty="0"/>
+          </a:p>
+          <a:p>
+            <a:r>
+              <a:rPr lang="el-GR" dirty="0"/>
+              <a:t>Σύμφωνα με τις δυνατότητες </a:t>
             </a:r>
             <a:r>
               <a:rPr lang="en-US" dirty="0"/>
-              <a:t>ray-cast</a:t>
-            </a:r>
-            <a:endParaRPr lang="el-GR" dirty="0"/>
-          </a:p>
-          <a:p>
-            <a:endParaRPr lang="el-GR" dirty="0"/>
-          </a:p>
-          <a:p>
+              <a:t>stability</a:t>
+            </a:r>
             <a:r>
               <a:rPr lang="el-GR" dirty="0"/>
-              <a:t>Τα παιχνίδια ήταν 90 μοιρών γωνίες του εδάφους με το τοίχο και δημιουργούνταν από </a:t>
+              <a:t> του εργαλείου, </a:t>
             </a:r>
             <a:r>
               <a:rPr lang="en-US" dirty="0"/>
-              <a:t>2D Plane Projection </a:t>
+              <a:t>community (help, tutorials), streamlined workflow </a:t>
             </a:r>
             <a:r>
               <a:rPr lang="el-GR" dirty="0"/>
-              <a:t>ένα </a:t>
-            </a:r>
-            <a:r>
-              <a:rPr lang="en-US" dirty="0"/>
-              <a:t>3D</a:t>
-            </a:r>
-            <a:r>
-              <a:rPr lang="el-GR" dirty="0"/>
-              <a:t> </a:t>
-            </a:r>
-            <a:r>
-              <a:rPr lang="en-US" dirty="0"/>
-              <a:t>environment</a:t>
-            </a:r>
-          </a:p>
-          <a:p>
+              <a:t>και οικοσύστημα για τον χρήστη.</a:t>
+            </a:r>
             <a:endParaRPr lang="en-US" dirty="0"/>
-          </a:p>
-          <a:p>
-            <a:r>
-              <a:rPr lang="el-GR" dirty="0"/>
-              <a:t>Πλέον λόγο ισχυρότερου υλικού αλλά και αλγορίθμων έχουμε το </a:t>
-            </a:r>
-            <a:r>
-              <a:rPr lang="en-US" dirty="0"/>
-              <a:t>ray trace </a:t>
-            </a:r>
-            <a:r>
-              <a:rPr lang="el-GR" dirty="0"/>
-              <a:t>με περισσότερα </a:t>
-            </a:r>
-            <a:r>
-              <a:rPr lang="en-US" dirty="0"/>
-              <a:t>rays.</a:t>
-            </a:r>
           </a:p>
         </p:txBody>
       </p:sp>
@@ -22018,7 +22106,7 @@
     </p:spTree>
     <p:extLst>
       <p:ext uri="{BB962C8B-B14F-4D97-AF65-F5344CB8AC3E}">
-        <p14:creationId xmlns:p14="http://schemas.microsoft.com/office/powerpoint/2010/main" val="2216904772"/>
+        <p14:creationId xmlns:p14="http://schemas.microsoft.com/office/powerpoint/2010/main" val="1497768080"/>
       </p:ext>
     </p:extLst>
   </p:cSld>
@@ -22074,77 +22162,71 @@
           <a:p>
             <a:r>
               <a:rPr lang="el-GR" dirty="0"/>
-              <a:t>Στο συγκεκριμένο </a:t>
+              <a:t>Στο παρελθόν ο παραδοσιακός τρόπος </a:t>
             </a:r>
             <a:r>
               <a:rPr lang="en-US" dirty="0"/>
-              <a:t>project</a:t>
+              <a:t>rendering </a:t>
             </a:r>
             <a:r>
               <a:rPr lang="el-GR" dirty="0"/>
-              <a:t> επιλέχτηκε η </a:t>
+              <a:t>σε εποχές 1990 γινόταν με </a:t>
             </a:r>
             <a:r>
               <a:rPr lang="en-US" dirty="0"/>
-              <a:t>Unreal Engine 5 </a:t>
-            </a:r>
+              <a:t>ray-cast</a:t>
+            </a:r>
+            <a:endParaRPr lang="el-GR" dirty="0"/>
+          </a:p>
+          <a:p>
+            <a:endParaRPr lang="el-GR" dirty="0"/>
+          </a:p>
+          <a:p>
             <a:r>
               <a:rPr lang="el-GR" dirty="0"/>
-              <a:t>και είναι </a:t>
+              <a:t>Τα παιχνίδια ήταν 90 μοιρών γωνίες του εδάφους με το τοίχο και δημιουργούνταν από </a:t>
             </a:r>
             <a:r>
               <a:rPr lang="en-US" dirty="0"/>
-              <a:t>source available </a:t>
+              <a:t>2D Plane Projection </a:t>
             </a:r>
             <a:r>
               <a:rPr lang="el-GR" dirty="0"/>
-              <a:t>αλλά όχι </a:t>
+              <a:t>ένα </a:t>
             </a:r>
             <a:r>
               <a:rPr lang="en-US" dirty="0"/>
-              <a:t>open-source </a:t>
+              <a:t>3D</a:t>
             </a:r>
             <a:r>
               <a:rPr lang="el-GR" dirty="0"/>
-              <a:t>αυτό φέρνει πολλά πλεονεκτήματα και για τους </a:t>
+              <a:t> </a:t>
             </a:r>
             <a:r>
               <a:rPr lang="en-US" dirty="0"/>
-              <a:t>contributors </a:t>
-            </a:r>
+              <a:t>environment</a:t>
+            </a:r>
+          </a:p>
+          <a:p>
+            <a:endParaRPr lang="en-US" dirty="0"/>
+          </a:p>
+          <a:p>
             <a:r>
               <a:rPr lang="el-GR" dirty="0"/>
-              <a:t>αλλά και για το μέλλον της.</a:t>
-            </a:r>
-          </a:p>
-          <a:p>
-            <a:endParaRPr lang="el-GR" dirty="0"/>
-          </a:p>
-          <a:p>
+              <a:t>Πλέον λόγο ισχυρότερου υλικού αλλά και αλγορίθμων έχουμε το </a:t>
+            </a:r>
+            <a:r>
+              <a:rPr lang="en-US" dirty="0"/>
+              <a:t>ray trace </a:t>
+            </a:r>
             <a:r>
               <a:rPr lang="el-GR" dirty="0"/>
-              <a:t>Καθώς η δυνατότητες της έχουν ξεχωρίσει τα τελευταία χρόνια ιδίως με την έλευση της έκδοσης 5 πριν λίγους μήνες, όλοι οι κολοσσοί της ΑΑΑ </a:t>
+              <a:t>με περισσότερα </a:t>
             </a:r>
             <a:r>
               <a:rPr lang="en-US" dirty="0"/>
-              <a:t>gaming </a:t>
-            </a:r>
-            <a:r>
-              <a:rPr lang="el-GR" dirty="0"/>
-              <a:t>βιομηχανίας πλέον άρχισαν να την χρησιμοποιούν.</a:t>
-            </a:r>
-          </a:p>
-          <a:p>
-            <a:endParaRPr lang="el-GR" dirty="0"/>
-          </a:p>
-          <a:p>
-            <a:endParaRPr lang="el-GR" dirty="0"/>
-          </a:p>
-          <a:p>
-            <a:endParaRPr lang="el-GR" dirty="0"/>
-          </a:p>
-          <a:p>
-            <a:endParaRPr lang="en-US" dirty="0"/>
+              <a:t>rays.</a:t>
+            </a:r>
           </a:p>
         </p:txBody>
       </p:sp>
@@ -22175,7 +22257,7 @@
     </p:spTree>
     <p:extLst>
       <p:ext uri="{BB962C8B-B14F-4D97-AF65-F5344CB8AC3E}">
-        <p14:creationId xmlns:p14="http://schemas.microsoft.com/office/powerpoint/2010/main" val="2623692385"/>
+        <p14:creationId xmlns:p14="http://schemas.microsoft.com/office/powerpoint/2010/main" val="2216904772"/>
       </p:ext>
     </p:extLst>
   </p:cSld>
@@ -22231,72 +22313,77 @@
           <a:p>
             <a:r>
               <a:rPr lang="el-GR" dirty="0"/>
-              <a:t>Παρατηρούμε κάποια </a:t>
+              <a:t>Στο συγκεκριμένο </a:t>
             </a:r>
             <a:r>
               <a:rPr lang="en-US" dirty="0"/>
-              <a:t>gameplay mechanics </a:t>
+              <a:t>project</a:t>
             </a:r>
             <a:r>
               <a:rPr lang="el-GR" dirty="0"/>
-              <a:t>από τίτλους παιχνιδιού που κουβαλούν την έννοια του </a:t>
+              <a:t> επιλέχτηκε η </a:t>
             </a:r>
             <a:r>
               <a:rPr lang="en-US" dirty="0"/>
-              <a:t>metaverse</a:t>
+              <a:t>Unreal Engine 5 </a:t>
             </a:r>
             <a:r>
               <a:rPr lang="el-GR" dirty="0"/>
-              <a:t> εν μέρη.</a:t>
-            </a:r>
+              <a:t>και είναι </a:t>
+            </a:r>
+            <a:r>
+              <a:rPr lang="en-US" dirty="0"/>
+              <a:t>source available </a:t>
+            </a:r>
+            <a:r>
+              <a:rPr lang="el-GR" dirty="0"/>
+              <a:t>αλλά όχι </a:t>
+            </a:r>
+            <a:r>
+              <a:rPr lang="en-US" dirty="0"/>
+              <a:t>open-source </a:t>
+            </a:r>
+            <a:r>
+              <a:rPr lang="el-GR" dirty="0"/>
+              <a:t>αυτό φέρνει πολλά πλεονεκτήματα και για τους </a:t>
+            </a:r>
+            <a:r>
+              <a:rPr lang="en-US" dirty="0"/>
+              <a:t>contributors </a:t>
+            </a:r>
+            <a:r>
+              <a:rPr lang="el-GR" dirty="0"/>
+              <a:t>αλλά και για το μέλλον της.</a:t>
+            </a:r>
+          </a:p>
+          <a:p>
+            <a:endParaRPr lang="el-GR" dirty="0"/>
+          </a:p>
+          <a:p>
+            <a:r>
+              <a:rPr lang="el-GR" dirty="0"/>
+              <a:t>Καθώς η δυνατότητες της έχουν ξεχωρίσει τα τελευταία χρόνια ιδίως με την έλευση της έκδοσης 5 πριν λίγους μήνες, όλοι οι κολοσσοί της ΑΑΑ </a:t>
+            </a:r>
+            <a:r>
+              <a:rPr lang="en-US" dirty="0"/>
+              <a:t>gaming </a:t>
+            </a:r>
+            <a:r>
+              <a:rPr lang="el-GR" dirty="0"/>
+              <a:t>βιομηχανίας πλέον άρχισαν να την χρησιμοποιούν.</a:t>
+            </a:r>
+          </a:p>
+          <a:p>
+            <a:endParaRPr lang="el-GR" dirty="0"/>
+          </a:p>
+          <a:p>
+            <a:endParaRPr lang="el-GR" dirty="0"/>
+          </a:p>
+          <a:p>
+            <a:endParaRPr lang="el-GR" dirty="0"/>
+          </a:p>
+          <a:p>
             <a:endParaRPr lang="en-US" dirty="0"/>
-          </a:p>
-          <a:p>
-            <a:endParaRPr lang="en-US" dirty="0"/>
-          </a:p>
-          <a:p>
-            <a:pPr marL="0" marR="0" lvl="0" indent="0" algn="l" defTabSz="457200" rtl="0" eaLnBrk="1" fontAlgn="auto" latinLnBrk="0" hangingPunct="1">
-              <a:lnSpc>
-                <a:spcPct val="100000"/>
-              </a:lnSpc>
-              <a:spcBef>
-                <a:spcPts val="0"/>
-              </a:spcBef>
-              <a:spcAft>
-                <a:spcPts val="0"/>
-              </a:spcAft>
-              <a:buClrTx/>
-              <a:buSzTx/>
-              <a:buFontTx/>
-              <a:buNone/>
-              <a:tabLst/>
-              <a:defRPr/>
-            </a:pPr>
-            <a:r>
-              <a:rPr lang="el-GR" sz="1200" strike="sngStrike" dirty="0">
-                <a:latin typeface="Arial" panose="020B0604020202020204" pitchFamily="34" charset="0"/>
-                <a:cs typeface="Arial" panose="020B0604020202020204" pitchFamily="34" charset="0"/>
-              </a:rPr>
-              <a:t>Ένα </a:t>
-            </a:r>
-            <a:r>
-              <a:rPr lang="en-US" sz="1200" strike="sngStrike" dirty="0">
-                <a:latin typeface="Arial" panose="020B0604020202020204" pitchFamily="34" charset="0"/>
-                <a:cs typeface="Arial" panose="020B0604020202020204" pitchFamily="34" charset="0"/>
-              </a:rPr>
-              <a:t>multi-platform</a:t>
-            </a:r>
-            <a:r>
-              <a:rPr lang="el-GR" sz="1200" strike="sngStrike" dirty="0">
-                <a:latin typeface="Arial" panose="020B0604020202020204" pitchFamily="34" charset="0"/>
-                <a:cs typeface="Arial" panose="020B0604020202020204" pitchFamily="34" charset="0"/>
-              </a:rPr>
-              <a:t> κεντρικό μέρος για παρέα με φίλους/οικογένειες, εξερεύνηση, ψυχαγωγία, μάθηση και το πιο σημαντικό είναι συνεπές με την τεράστια εξέλιξη και ανάπτυξη για τα επόμενα χρόνια. Δεν είναι απλώς ένα παιχνίδι, είναι ένα μέρος. Ένα εικονικό σύμπαν.</a:t>
-            </a:r>
-            <a:endParaRPr lang="en-US" sz="1200" strike="sngStrike" dirty="0">
-              <a:latin typeface="Arial" panose="020B0604020202020204" pitchFamily="34" charset="0"/>
-              <a:cs typeface="Arial" panose="020B0604020202020204" pitchFamily="34" charset="0"/>
-            </a:endParaRPr>
           </a:p>
         </p:txBody>
       </p:sp>
@@ -22327,7 +22414,7 @@
     </p:spTree>
     <p:extLst>
       <p:ext uri="{BB962C8B-B14F-4D97-AF65-F5344CB8AC3E}">
-        <p14:creationId xmlns:p14="http://schemas.microsoft.com/office/powerpoint/2010/main" val="2196702233"/>
+        <p14:creationId xmlns:p14="http://schemas.microsoft.com/office/powerpoint/2010/main" val="2623692385"/>
       </p:ext>
     </p:extLst>
   </p:cSld>
@@ -22382,76 +22469,73 @@
           <a:lstStyle/>
           <a:p>
             <a:r>
-              <a:rPr lang="en-US" strike="sngStrike" dirty="0"/>
-              <a:t>Game population Charts</a:t>
-            </a:r>
-          </a:p>
-          <a:p>
+              <a:rPr lang="el-GR" dirty="0"/>
+              <a:t>Παρατηρούμε κάποια </a:t>
+            </a:r>
+            <a:r>
+              <a:rPr lang="en-US" dirty="0"/>
+              <a:t>gameplay mechanics </a:t>
+            </a:r>
+            <a:r>
+              <a:rPr lang="el-GR" dirty="0"/>
+              <a:t>από τίτλους παιχνιδιού που κουβαλούν την έννοια του </a:t>
+            </a:r>
+            <a:r>
+              <a:rPr lang="en-US" dirty="0"/>
+              <a:t>metaverse</a:t>
+            </a:r>
+            <a:r>
+              <a:rPr lang="el-GR" dirty="0"/>
+              <a:t> εν μέρη.</a:t>
+            </a:r>
             <a:endParaRPr lang="en-US" dirty="0"/>
           </a:p>
           <a:p>
-            <a:r>
-              <a:rPr lang="el-GR" dirty="0"/>
-              <a:t>Όταν αναφερόμαστε ότι οι αριθμοί δεν πολλοί μετράν είναι διότι υπάρχουν πολλοί παράγοντας επιτυχίας ενός προϊόντος πέρα από την μηχανική. Για να πετύχει πρέπει σε επίπεδο </a:t>
-            </a:r>
-            <a:r>
-              <a:rPr lang="en-US" dirty="0"/>
-              <a:t>Product, Engineer, Market </a:t>
-            </a:r>
-            <a:r>
-              <a:rPr lang="el-GR" dirty="0"/>
-              <a:t>να είναι άριστο</a:t>
-            </a:r>
-          </a:p>
-          <a:p>
-            <a:endParaRPr lang="el-GR" dirty="0"/>
-          </a:p>
-          <a:p>
-            <a:r>
-              <a:rPr lang="el-GR" dirty="0"/>
-              <a:t>Δηλαδή το προϊόν να είναι χρήσιμο να έχει καλή προσεγγίσει στην λύση του προβλήματος αλγοριθμικά και αρχιτεκτονικά, συνδυάζοντας το με το </a:t>
-            </a:r>
-            <a:r>
-              <a:rPr lang="en-US" dirty="0"/>
-              <a:t>user experience </a:t>
-            </a:r>
-            <a:r>
-              <a:rPr lang="el-GR" dirty="0"/>
-              <a:t>για μια θετική </a:t>
-            </a:r>
-            <a:r>
-              <a:rPr lang="en-US" dirty="0"/>
-              <a:t>streamlined</a:t>
-            </a:r>
-            <a:r>
-              <a:rPr lang="el-GR" dirty="0"/>
-              <a:t> εμπειρία από τον χρήστη και </a:t>
-            </a:r>
-            <a:r>
-              <a:rPr lang="en-US" dirty="0"/>
-              <a:t>marketing target </a:t>
-            </a:r>
-            <a:r>
-              <a:rPr lang="el-GR" dirty="0"/>
-              <a:t>ως προς την προώθηση &amp; </a:t>
-            </a:r>
-            <a:r>
-              <a:rPr lang="en-US" dirty="0"/>
-              <a:t>Feedback </a:t>
-            </a:r>
-            <a:r>
-              <a:rPr lang="el-GR" dirty="0"/>
-              <a:t>αλλά και μέσα από αυτό</a:t>
-            </a:r>
-            <a:r>
-              <a:rPr lang="en-US" dirty="0"/>
-              <a:t> continual improvement</a:t>
-            </a:r>
-            <a:r>
-              <a:rPr lang="el-GR" dirty="0"/>
-              <a:t>.</a:t>
-            </a:r>
             <a:endParaRPr lang="en-US" dirty="0"/>
+          </a:p>
+          <a:p>
+            <a:pPr marL="0" marR="0" lvl="0" indent="0" algn="l" defTabSz="457200" rtl="0" eaLnBrk="1" fontAlgn="auto" latinLnBrk="0" hangingPunct="1">
+              <a:lnSpc>
+                <a:spcPct val="100000"/>
+              </a:lnSpc>
+              <a:spcBef>
+                <a:spcPts val="0"/>
+              </a:spcBef>
+              <a:spcAft>
+                <a:spcPts val="0"/>
+              </a:spcAft>
+              <a:buClrTx/>
+              <a:buSzTx/>
+              <a:buFontTx/>
+              <a:buNone/>
+              <a:tabLst/>
+              <a:defRPr/>
+            </a:pPr>
+            <a:r>
+              <a:rPr lang="el-GR" sz="1200" strike="sngStrike" dirty="0">
+                <a:latin typeface="Arial" panose="020B0604020202020204" pitchFamily="34" charset="0"/>
+                <a:cs typeface="Arial" panose="020B0604020202020204" pitchFamily="34" charset="0"/>
+              </a:rPr>
+              <a:t>Ένα </a:t>
+            </a:r>
+            <a:r>
+              <a:rPr lang="en-US" sz="1200" strike="sngStrike" dirty="0">
+                <a:latin typeface="Arial" panose="020B0604020202020204" pitchFamily="34" charset="0"/>
+                <a:cs typeface="Arial" panose="020B0604020202020204" pitchFamily="34" charset="0"/>
+              </a:rPr>
+              <a:t>multi-platform</a:t>
+            </a:r>
+            <a:r>
+              <a:rPr lang="el-GR" sz="1200" strike="sngStrike" dirty="0">
+                <a:latin typeface="Arial" panose="020B0604020202020204" pitchFamily="34" charset="0"/>
+                <a:cs typeface="Arial" panose="020B0604020202020204" pitchFamily="34" charset="0"/>
+              </a:rPr>
+              <a:t> κεντρικό μέρος για παρέα με φίλους/οικογένειες, εξερεύνηση, ψυχαγωγία, μάθηση και το πιο σημαντικό είναι συνεπές με την τεράστια εξέλιξη και ανάπτυξη για τα επόμενα χρόνια. Δεν είναι απλώς ένα παιχνίδι, είναι ένα μέρος. Ένα εικονικό σύμπαν.</a:t>
+            </a:r>
+            <a:endParaRPr lang="en-US" sz="1200" strike="sngStrike" dirty="0">
+              <a:latin typeface="Arial" panose="020B0604020202020204" pitchFamily="34" charset="0"/>
+              <a:cs typeface="Arial" panose="020B0604020202020204" pitchFamily="34" charset="0"/>
+            </a:endParaRPr>
           </a:p>
         </p:txBody>
       </p:sp>
@@ -22482,7 +22566,7 @@
     </p:spTree>
     <p:extLst>
       <p:ext uri="{BB962C8B-B14F-4D97-AF65-F5344CB8AC3E}">
-        <p14:creationId xmlns:p14="http://schemas.microsoft.com/office/powerpoint/2010/main" val="701762417"/>
+        <p14:creationId xmlns:p14="http://schemas.microsoft.com/office/powerpoint/2010/main" val="2196702233"/>
       </p:ext>
     </p:extLst>
   </p:cSld>
@@ -22537,26 +22621,74 @@
           <a:lstStyle/>
           <a:p>
             <a:r>
+              <a:rPr lang="en-US" strike="sngStrike" dirty="0"/>
+              <a:t>Game population Charts</a:t>
+            </a:r>
+          </a:p>
+          <a:p>
+            <a:endParaRPr lang="en-US" dirty="0"/>
+          </a:p>
+          <a:p>
+            <a:r>
               <a:rPr lang="el-GR" dirty="0"/>
-              <a:t>Όπως είχαμε αναφέρει κάνοντας «παρατήρηση» των επιτυχημένων παιχνιδιών και μηχανισμών μπορούμε να αποσυνθέσουμε και να προβούμε σε καινοτομίες ακολουθώντας δοκιμές μέσο χρήσης </a:t>
+              <a:t>Όταν αναφερόμαστε ότι οι αριθμοί δεν πολλοί μετράν είναι διότι υπάρχουν πολλοί παράγοντας επιτυχίας ενός προϊόντος πέρα από την μηχανική. Για να πετύχει πρέπει σε επίπεδο </a:t>
             </a:r>
             <a:r>
               <a:rPr lang="en-US" dirty="0"/>
-              <a:t>product reverse engineering.</a:t>
-            </a:r>
-          </a:p>
-          <a:p>
+              <a:t>Product, Engineer, Market </a:t>
+            </a:r>
             <a:r>
               <a:rPr lang="el-GR" dirty="0"/>
-              <a:t>Εύρεση </a:t>
+              <a:t>να είναι άριστο</a:t>
+            </a:r>
+          </a:p>
+          <a:p>
+            <a:endParaRPr lang="el-GR" dirty="0"/>
+          </a:p>
+          <a:p>
+            <a:r>
+              <a:rPr lang="el-GR" dirty="0"/>
+              <a:t>Δηλαδή το προϊόν να είναι χρήσιμο να έχει καλή προσεγγίσει στην λύση του προβλήματος αλγοριθμικά και αρχιτεκτονικά, συνδυάζοντας το με το </a:t>
             </a:r>
             <a:r>
               <a:rPr lang="en-US" dirty="0"/>
-              <a:t>formulas = </a:t>
+              <a:t>user experience </a:t>
             </a:r>
             <a:r>
               <a:rPr lang="el-GR" dirty="0"/>
-              <a:t>τροποποίηση</a:t>
+              <a:t>για μια θετική </a:t>
+            </a:r>
+            <a:r>
+              <a:rPr lang="en-US" dirty="0"/>
+              <a:t>streamlined</a:t>
+            </a:r>
+            <a:r>
+              <a:rPr lang="el-GR" dirty="0"/>
+              <a:t> εμπειρία από τον χρήστη και </a:t>
+            </a:r>
+            <a:r>
+              <a:rPr lang="en-US" dirty="0"/>
+              <a:t>marketing target </a:t>
+            </a:r>
+            <a:r>
+              <a:rPr lang="el-GR" dirty="0"/>
+              <a:t>ως προς την προώθηση &amp; </a:t>
+            </a:r>
+            <a:r>
+              <a:rPr lang="en-US" dirty="0"/>
+              <a:t>Feedback </a:t>
+            </a:r>
+            <a:r>
+              <a:rPr lang="el-GR" dirty="0"/>
+              <a:t>αλλά και μέσα από αυτό</a:t>
+            </a:r>
+            <a:r>
+              <a:rPr lang="en-US" dirty="0"/>
+              <a:t> continual improvement</a:t>
+            </a:r>
+            <a:r>
+              <a:rPr lang="el-GR" dirty="0"/>
+              <a:t>.</a:t>
             </a:r>
             <a:endParaRPr lang="en-US" dirty="0"/>
           </a:p>
@@ -22589,7 +22721,7 @@
     </p:spTree>
     <p:extLst>
       <p:ext uri="{BB962C8B-B14F-4D97-AF65-F5344CB8AC3E}">
-        <p14:creationId xmlns:p14="http://schemas.microsoft.com/office/powerpoint/2010/main" val="2031345537"/>
+        <p14:creationId xmlns:p14="http://schemas.microsoft.com/office/powerpoint/2010/main" val="701762417"/>
       </p:ext>
     </p:extLst>
   </p:cSld>
@@ -22645,74 +22777,26 @@
           <a:p>
             <a:r>
               <a:rPr lang="el-GR" dirty="0"/>
-              <a:t>«Στην εποχή της ψηφιακής τεχνολογίας, κάθε επιχείρηση είναι μια επιχείρηση λογισμικού.</a:t>
+              <a:t>Όπως είχαμε αναφέρει κάνοντας «παρατήρηση» των επιτυχημένων παιχνιδιών και μηχανισμών μπορούμε να αποσυνθέσουμε και να προβούμε σε καινοτομίες ακολουθώντας δοκιμές μέσο χρήσης </a:t>
+            </a:r>
+            <a:r>
+              <a:rPr lang="en-US" dirty="0"/>
+              <a:t>product reverse engineering.</a:t>
             </a:r>
           </a:p>
           <a:p>
             <a:r>
               <a:rPr lang="el-GR" dirty="0"/>
-              <a:t>Η ευελιξία δεν είναι επιλογή ή κάτι μόνο για τεχνικές ομάδες, είναι </a:t>
+              <a:t>Εύρεση </a:t>
             </a:r>
             <a:r>
               <a:rPr lang="en-US" dirty="0"/>
-              <a:t>business imperative</a:t>
+              <a:t>formulas = </a:t>
             </a:r>
             <a:r>
               <a:rPr lang="el-GR" dirty="0"/>
-              <a:t>».</a:t>
-            </a:r>
-            <a:endParaRPr lang="en-US" dirty="0"/>
-          </a:p>
-          <a:p>
-            <a:endParaRPr lang="en-US" dirty="0"/>
-          </a:p>
-          <a:p>
-            <a:r>
-              <a:rPr lang="el-GR" dirty="0" err="1"/>
-              <a:t>Δηλαδη</a:t>
-            </a:r>
-            <a:r>
-              <a:rPr lang="el-GR" dirty="0"/>
-              <a:t> πρέπει να υπάρξει </a:t>
-            </a:r>
-            <a:r>
-              <a:rPr lang="en-US" dirty="0"/>
-              <a:t>agility </a:t>
-            </a:r>
-            <a:r>
-              <a:rPr lang="el-GR" dirty="0"/>
-              <a:t>και το να </a:t>
-            </a:r>
-            <a:r>
-              <a:rPr lang="el-GR" dirty="0" err="1"/>
-              <a:t>υπαρξει</a:t>
-            </a:r>
-            <a:r>
-              <a:rPr lang="el-GR" dirty="0"/>
-              <a:t> </a:t>
-            </a:r>
-            <a:r>
-              <a:rPr lang="el-GR" dirty="0" err="1"/>
-              <a:t>εννούμε</a:t>
-            </a:r>
-            <a:r>
-              <a:rPr lang="el-GR" dirty="0"/>
-              <a:t> </a:t>
-            </a:r>
-            <a:r>
-              <a:rPr lang="el-GR" dirty="0" err="1"/>
-              <a:t>ριζικα</a:t>
-            </a:r>
-            <a:r>
-              <a:rPr lang="el-GR" dirty="0"/>
-              <a:t> λειτουργική ώστε να προχωρήσει από </a:t>
-            </a:r>
-            <a:r>
-              <a:rPr lang="en-US" dirty="0"/>
-              <a:t>idea -&gt; reality to project vision.</a:t>
-            </a:r>
-          </a:p>
-          <a:p>
+              <a:t>τροποποίηση</a:t>
+            </a:r>
             <a:endParaRPr lang="en-US" dirty="0"/>
           </a:p>
         </p:txBody>
@@ -22744,7 +22828,7 @@
     </p:spTree>
     <p:extLst>
       <p:ext uri="{BB962C8B-B14F-4D97-AF65-F5344CB8AC3E}">
-        <p14:creationId xmlns:p14="http://schemas.microsoft.com/office/powerpoint/2010/main" val="2778896229"/>
+        <p14:creationId xmlns:p14="http://schemas.microsoft.com/office/powerpoint/2010/main" val="2031345537"/>
       </p:ext>
     </p:extLst>
   </p:cSld>
@@ -22800,8 +22884,74 @@
           <a:p>
             <a:r>
               <a:rPr lang="el-GR" dirty="0"/>
-              <a:t>Ευχαριστούμε!</a:t>
-            </a:r>
+              <a:t>«Στην εποχή της ψηφιακής τεχνολογίας, κάθε επιχείρηση είναι μια επιχείρηση λογισμικού.</a:t>
+            </a:r>
+          </a:p>
+          <a:p>
+            <a:r>
+              <a:rPr lang="el-GR" dirty="0"/>
+              <a:t>Η ευελιξία δεν είναι επιλογή ή κάτι μόνο για τεχνικές ομάδες, είναι </a:t>
+            </a:r>
+            <a:r>
+              <a:rPr lang="en-US" dirty="0"/>
+              <a:t>business imperative</a:t>
+            </a:r>
+            <a:r>
+              <a:rPr lang="el-GR" dirty="0"/>
+              <a:t>».</a:t>
+            </a:r>
+            <a:endParaRPr lang="en-US" dirty="0"/>
+          </a:p>
+          <a:p>
+            <a:endParaRPr lang="en-US" dirty="0"/>
+          </a:p>
+          <a:p>
+            <a:r>
+              <a:rPr lang="el-GR" dirty="0" err="1"/>
+              <a:t>Δηλαδη</a:t>
+            </a:r>
+            <a:r>
+              <a:rPr lang="el-GR" dirty="0"/>
+              <a:t> πρέπει να υπάρξει </a:t>
+            </a:r>
+            <a:r>
+              <a:rPr lang="en-US" dirty="0"/>
+              <a:t>agility </a:t>
+            </a:r>
+            <a:r>
+              <a:rPr lang="el-GR" dirty="0"/>
+              <a:t>και το να </a:t>
+            </a:r>
+            <a:r>
+              <a:rPr lang="el-GR" dirty="0" err="1"/>
+              <a:t>υπαρξει</a:t>
+            </a:r>
+            <a:r>
+              <a:rPr lang="el-GR" dirty="0"/>
+              <a:t> </a:t>
+            </a:r>
+            <a:r>
+              <a:rPr lang="el-GR" dirty="0" err="1"/>
+              <a:t>εννούμε</a:t>
+            </a:r>
+            <a:r>
+              <a:rPr lang="el-GR" dirty="0"/>
+              <a:t> </a:t>
+            </a:r>
+            <a:r>
+              <a:rPr lang="el-GR" dirty="0" err="1"/>
+              <a:t>ριζικα</a:t>
+            </a:r>
+            <a:r>
+              <a:rPr lang="el-GR" dirty="0"/>
+              <a:t> λειτουργική ώστε να προχωρήσει από </a:t>
+            </a:r>
+            <a:r>
+              <a:rPr lang="en-US" dirty="0"/>
+              <a:t>idea -&gt; reality to project vision.</a:t>
+            </a:r>
+          </a:p>
+          <a:p>
             <a:endParaRPr lang="en-US" dirty="0"/>
           </a:p>
         </p:txBody>
@@ -22833,7 +22983,7 @@
     </p:spTree>
     <p:extLst>
       <p:ext uri="{BB962C8B-B14F-4D97-AF65-F5344CB8AC3E}">
-        <p14:creationId xmlns:p14="http://schemas.microsoft.com/office/powerpoint/2010/main" val="507736403"/>
+        <p14:creationId xmlns:p14="http://schemas.microsoft.com/office/powerpoint/2010/main" val="2778896229"/>
       </p:ext>
     </p:extLst>
   </p:cSld>
@@ -22931,6 +23081,95 @@
     <p:extLst>
       <p:ext uri="{BB962C8B-B14F-4D97-AF65-F5344CB8AC3E}">
         <p14:creationId xmlns:p14="http://schemas.microsoft.com/office/powerpoint/2010/main" val="3646212148"/>
+      </p:ext>
+    </p:extLst>
+  </p:cSld>
+  <p:clrMapOvr>
+    <a:masterClrMapping/>
+  </p:clrMapOvr>
+</p:notes>
+</file>
+
+<file path=ppt/notesSlides/notesSlide30.xml><?xml version="1.0" encoding="utf-8"?>
+<p:notes xmlns:a="http://schemas.openxmlformats.org/drawingml/2006/main" xmlns:r="http://schemas.openxmlformats.org/officeDocument/2006/relationships" xmlns:p="http://schemas.openxmlformats.org/presentationml/2006/main">
+  <p:cSld>
+    <p:spTree>
+      <p:nvGrpSpPr>
+        <p:cNvPr id="1" name=""/>
+        <p:cNvGrpSpPr/>
+        <p:nvPr/>
+      </p:nvGrpSpPr>
+      <p:grpSpPr>
+        <a:xfrm>
+          <a:off x="0" y="0"/>
+          <a:ext cx="0" cy="0"/>
+          <a:chOff x="0" y="0"/>
+          <a:chExt cx="0" cy="0"/>
+        </a:xfrm>
+      </p:grpSpPr>
+      <p:sp>
+        <p:nvSpPr>
+          <p:cNvPr id="2" name="Slide Image Placeholder 1"/>
+          <p:cNvSpPr>
+            <a:spLocks noGrp="1" noRot="1" noChangeAspect="1"/>
+          </p:cNvSpPr>
+          <p:nvPr>
+            <p:ph type="sldImg"/>
+          </p:nvPr>
+        </p:nvSpPr>
+        <p:spPr/>
+      </p:sp>
+      <p:sp>
+        <p:nvSpPr>
+          <p:cNvPr id="3" name="Notes Placeholder 2"/>
+          <p:cNvSpPr>
+            <a:spLocks noGrp="1"/>
+          </p:cNvSpPr>
+          <p:nvPr>
+            <p:ph type="body" idx="1"/>
+          </p:nvPr>
+        </p:nvSpPr>
+        <p:spPr/>
+        <p:txBody>
+          <a:bodyPr/>
+          <a:lstStyle/>
+          <a:p>
+            <a:r>
+              <a:rPr lang="el-GR" dirty="0"/>
+              <a:t>Ευχαριστούμε!</a:t>
+            </a:r>
+            <a:endParaRPr lang="en-US" dirty="0"/>
+          </a:p>
+        </p:txBody>
+      </p:sp>
+      <p:sp>
+        <p:nvSpPr>
+          <p:cNvPr id="4" name="Slide Number Placeholder 3"/>
+          <p:cNvSpPr>
+            <a:spLocks noGrp="1"/>
+          </p:cNvSpPr>
+          <p:nvPr>
+            <p:ph type="sldNum" sz="quarter" idx="5"/>
+          </p:nvPr>
+        </p:nvSpPr>
+        <p:spPr/>
+        <p:txBody>
+          <a:bodyPr/>
+          <a:lstStyle/>
+          <a:p>
+            <a:fld id="{93322314-975C-554B-8A12-FD962E3F8AC7}" type="slidenum">
+              <a:rPr lang="en-US" smtClean="0"/>
+              <a:pPr/>
+              <a:t>30</a:t>
+            </a:fld>
+            <a:endParaRPr lang="en-US" dirty="0"/>
+          </a:p>
+        </p:txBody>
+      </p:sp>
+    </p:spTree>
+    <p:extLst>
+      <p:ext uri="{BB962C8B-B14F-4D97-AF65-F5344CB8AC3E}">
+        <p14:creationId xmlns:p14="http://schemas.microsoft.com/office/powerpoint/2010/main" val="507736403"/>
       </p:ext>
     </p:extLst>
   </p:cSld>
@@ -24573,7 +24812,7 @@
             <a:fld id="{623BE99D-5132-394D-8DE2-2FD77049DBCC}" type="datetimeFigureOut">
               <a:rPr lang="en-US" smtClean="0"/>
               <a:pPr/>
-              <a:t>5/10/2022</a:t>
+              <a:t>5/12/2022</a:t>
             </a:fld>
             <a:endParaRPr lang="en-US" dirty="0"/>
           </a:p>
@@ -24778,7 +25017,7 @@
             <a:fld id="{623BE99D-5132-394D-8DE2-2FD77049DBCC}" type="datetimeFigureOut">
               <a:rPr lang="en-US" smtClean="0"/>
               <a:pPr/>
-              <a:t>5/10/2022</a:t>
+              <a:t>5/12/2022</a:t>
             </a:fld>
             <a:endParaRPr lang="en-US" dirty="0"/>
           </a:p>
@@ -24983,7 +25222,7 @@
             <a:fld id="{623BE99D-5132-394D-8DE2-2FD77049DBCC}" type="datetimeFigureOut">
               <a:rPr lang="en-US" smtClean="0"/>
               <a:pPr/>
-              <a:t>5/10/2022</a:t>
+              <a:t>5/12/2022</a:t>
             </a:fld>
             <a:endParaRPr lang="en-US" dirty="0"/>
           </a:p>
@@ -25250,7 +25489,7 @@
             <a:fld id="{623BE99D-5132-394D-8DE2-2FD77049DBCC}" type="datetimeFigureOut">
               <a:rPr lang="en-US" smtClean="0"/>
               <a:pPr/>
-              <a:t>5/10/2022</a:t>
+              <a:t>5/12/2022</a:t>
             </a:fld>
             <a:endParaRPr lang="en-US" dirty="0"/>
           </a:p>
@@ -25460,7 +25699,7 @@
             <a:fld id="{623BE99D-5132-394D-8DE2-2FD77049DBCC}" type="datetimeFigureOut">
               <a:rPr lang="en-US" smtClean="0"/>
               <a:pPr/>
-              <a:t>5/10/2022</a:t>
+              <a:t>5/12/2022</a:t>
             </a:fld>
             <a:endParaRPr lang="en-US" dirty="0"/>
           </a:p>
@@ -25737,7 +25976,7 @@
             <a:fld id="{623BE99D-5132-394D-8DE2-2FD77049DBCC}" type="datetimeFigureOut">
               <a:rPr lang="en-US" smtClean="0"/>
               <a:pPr/>
-              <a:t>5/10/2022</a:t>
+              <a:t>5/12/2022</a:t>
             </a:fld>
             <a:endParaRPr lang="en-US" dirty="0"/>
           </a:p>
@@ -26062,7 +26301,7 @@
             <a:fld id="{623BE99D-5132-394D-8DE2-2FD77049DBCC}" type="datetimeFigureOut">
               <a:rPr lang="en-US" smtClean="0"/>
               <a:pPr/>
-              <a:t>5/10/2022</a:t>
+              <a:t>5/12/2022</a:t>
             </a:fld>
             <a:endParaRPr lang="en-US" dirty="0"/>
           </a:p>
@@ -26527,7 +26766,7 @@
             <a:fld id="{623BE99D-5132-394D-8DE2-2FD77049DBCC}" type="datetimeFigureOut">
               <a:rPr lang="en-US" smtClean="0"/>
               <a:pPr/>
-              <a:t>5/10/2022</a:t>
+              <a:t>5/12/2022</a:t>
             </a:fld>
             <a:endParaRPr lang="en-US" dirty="0"/>
           </a:p>
@@ -26678,7 +26917,7 @@
             <a:fld id="{623BE99D-5132-394D-8DE2-2FD77049DBCC}" type="datetimeFigureOut">
               <a:rPr lang="en-US" smtClean="0"/>
               <a:pPr/>
-              <a:t>5/10/2022</a:t>
+              <a:t>5/12/2022</a:t>
             </a:fld>
             <a:endParaRPr lang="en-US" dirty="0"/>
           </a:p>
@@ -26799,7 +27038,7 @@
             <a:fld id="{623BE99D-5132-394D-8DE2-2FD77049DBCC}" type="datetimeFigureOut">
               <a:rPr lang="en-US" smtClean="0"/>
               <a:pPr/>
-              <a:t>5/10/2022</a:t>
+              <a:t>5/12/2022</a:t>
             </a:fld>
             <a:endParaRPr lang="en-US" dirty="0"/>
           </a:p>
@@ -27109,7 +27348,7 @@
             <a:fld id="{623BE99D-5132-394D-8DE2-2FD77049DBCC}" type="datetimeFigureOut">
               <a:rPr lang="en-US" smtClean="0"/>
               <a:pPr/>
-              <a:t>5/10/2022</a:t>
+              <a:t>5/12/2022</a:t>
             </a:fld>
             <a:endParaRPr lang="en-US" dirty="0"/>
           </a:p>
@@ -27319,7 +27558,7 @@
             <a:fld id="{623BE99D-5132-394D-8DE2-2FD77049DBCC}" type="datetimeFigureOut">
               <a:rPr lang="en-US" smtClean="0"/>
               <a:pPr/>
-              <a:t>5/10/2022</a:t>
+              <a:t>5/12/2022</a:t>
             </a:fld>
             <a:endParaRPr lang="en-US" dirty="0"/>
           </a:p>
@@ -27601,7 +27840,7 @@
             <a:fld id="{623BE99D-5132-394D-8DE2-2FD77049DBCC}" type="datetimeFigureOut">
               <a:rPr lang="en-US" smtClean="0"/>
               <a:pPr/>
-              <a:t>5/10/2022</a:t>
+              <a:t>5/12/2022</a:t>
             </a:fld>
             <a:endParaRPr lang="en-US" dirty="0"/>
           </a:p>
@@ -27811,7 +28050,7 @@
             <a:fld id="{623BE99D-5132-394D-8DE2-2FD77049DBCC}" type="datetimeFigureOut">
               <a:rPr lang="en-US" smtClean="0"/>
               <a:pPr/>
-              <a:t>5/10/2022</a:t>
+              <a:t>5/12/2022</a:t>
             </a:fld>
             <a:endParaRPr lang="en-US" dirty="0"/>
           </a:p>
@@ -28021,7 +28260,7 @@
             <a:fld id="{623BE99D-5132-394D-8DE2-2FD77049DBCC}" type="datetimeFigureOut">
               <a:rPr lang="en-US" smtClean="0"/>
               <a:pPr/>
-              <a:t>5/10/2022</a:t>
+              <a:t>5/12/2022</a:t>
             </a:fld>
             <a:endParaRPr lang="en-US" dirty="0"/>
           </a:p>
@@ -28298,7 +28537,7 @@
             <a:fld id="{623BE99D-5132-394D-8DE2-2FD77049DBCC}" type="datetimeFigureOut">
               <a:rPr lang="en-US" smtClean="0"/>
               <a:pPr/>
-              <a:t>5/10/2022</a:t>
+              <a:t>5/12/2022</a:t>
             </a:fld>
             <a:endParaRPr lang="en-US" dirty="0"/>
           </a:p>
@@ -28618,7 +28857,7 @@
             <a:fld id="{623BE99D-5132-394D-8DE2-2FD77049DBCC}" type="datetimeFigureOut">
               <a:rPr lang="en-US" smtClean="0"/>
               <a:pPr/>
-              <a:t>5/10/2022</a:t>
+              <a:t>5/12/2022</a:t>
             </a:fld>
             <a:endParaRPr lang="en-US" dirty="0"/>
           </a:p>
@@ -29078,7 +29317,7 @@
             <a:fld id="{623BE99D-5132-394D-8DE2-2FD77049DBCC}" type="datetimeFigureOut">
               <a:rPr lang="en-US" smtClean="0"/>
               <a:pPr/>
-              <a:t>5/10/2022</a:t>
+              <a:t>5/12/2022</a:t>
             </a:fld>
             <a:endParaRPr lang="en-US" dirty="0"/>
           </a:p>
@@ -29224,7 +29463,7 @@
             <a:fld id="{623BE99D-5132-394D-8DE2-2FD77049DBCC}" type="datetimeFigureOut">
               <a:rPr lang="en-US" smtClean="0"/>
               <a:pPr/>
-              <a:t>5/10/2022</a:t>
+              <a:t>5/12/2022</a:t>
             </a:fld>
             <a:endParaRPr lang="en-US" dirty="0"/>
           </a:p>
@@ -29340,7 +29579,7 @@
             <a:fld id="{623BE99D-5132-394D-8DE2-2FD77049DBCC}" type="datetimeFigureOut">
               <a:rPr lang="en-US" smtClean="0"/>
               <a:pPr/>
-              <a:t>5/10/2022</a:t>
+              <a:t>5/12/2022</a:t>
             </a:fld>
             <a:endParaRPr lang="en-US" dirty="0"/>
           </a:p>
@@ -29645,7 +29884,7 @@
             <a:fld id="{623BE99D-5132-394D-8DE2-2FD77049DBCC}" type="datetimeFigureOut">
               <a:rPr lang="en-US" smtClean="0"/>
               <a:pPr/>
-              <a:t>5/10/2022</a:t>
+              <a:t>5/12/2022</a:t>
             </a:fld>
             <a:endParaRPr lang="en-US" dirty="0"/>
           </a:p>
@@ -29927,7 +30166,7 @@
             <a:fld id="{623BE99D-5132-394D-8DE2-2FD77049DBCC}" type="datetimeFigureOut">
               <a:rPr lang="en-US" smtClean="0"/>
               <a:pPr/>
-              <a:t>5/10/2022</a:t>
+              <a:t>5/12/2022</a:t>
             </a:fld>
             <a:endParaRPr lang="en-US" dirty="0"/>
           </a:p>
@@ -32292,6 +32531,232 @@
           <p:cNvPr id="2" name="Title 1">
             <a:extLst>
               <a:ext uri="{FF2B5EF4-FFF2-40B4-BE49-F238E27FC236}">
+                <a16:creationId xmlns:a16="http://schemas.microsoft.com/office/drawing/2014/main" id="{2D8B2B53-E528-4401-A6D8-886062DE43B9}"/>
+              </a:ext>
+            </a:extLst>
+          </p:cNvPr>
+          <p:cNvSpPr>
+            <a:spLocks noGrp="1"/>
+          </p:cNvSpPr>
+          <p:nvPr>
+            <p:ph type="title"/>
+          </p:nvPr>
+        </p:nvSpPr>
+        <p:spPr>
+          <a:xfrm>
+            <a:off x="366889" y="274638"/>
+            <a:ext cx="8229600" cy="1143000"/>
+          </a:xfrm>
+        </p:spPr>
+        <p:txBody>
+          <a:bodyPr/>
+          <a:lstStyle/>
+          <a:p>
+            <a:pPr algn="l"/>
+            <a:r>
+              <a:rPr lang="el-GR" b="1" dirty="0">
+                <a:latin typeface="Arial" panose="020B0604020202020204" pitchFamily="34" charset="0"/>
+                <a:cs typeface="Arial" panose="020B0604020202020204" pitchFamily="34" charset="0"/>
+              </a:rPr>
+              <a:t>Τι προσφέρει η έρευνα?</a:t>
+            </a:r>
+            <a:endParaRPr lang="en-US" b="1" dirty="0">
+              <a:latin typeface="Arial" panose="020B0604020202020204" pitchFamily="34" charset="0"/>
+              <a:cs typeface="Arial" panose="020B0604020202020204" pitchFamily="34" charset="0"/>
+            </a:endParaRPr>
+          </a:p>
+        </p:txBody>
+      </p:sp>
+      <p:sp>
+        <p:nvSpPr>
+          <p:cNvPr id="3" name="TextBox 2">
+            <a:extLst>
+              <a:ext uri="{FF2B5EF4-FFF2-40B4-BE49-F238E27FC236}">
+                <a16:creationId xmlns:a16="http://schemas.microsoft.com/office/drawing/2014/main" id="{639C1FC4-F030-42CD-AD95-38092314F3F9}"/>
+              </a:ext>
+            </a:extLst>
+          </p:cNvPr>
+          <p:cNvSpPr txBox="1"/>
+          <p:nvPr/>
+        </p:nvSpPr>
+        <p:spPr>
+          <a:xfrm>
+            <a:off x="366889" y="1393881"/>
+            <a:ext cx="8325555" cy="3416320"/>
+          </a:xfrm>
+          <a:prstGeom prst="rect">
+            <a:avLst/>
+          </a:prstGeom>
+          <a:noFill/>
+        </p:spPr>
+        <p:txBody>
+          <a:bodyPr wrap="square" rtlCol="0">
+            <a:spAutoFit/>
+          </a:bodyPr>
+          <a:lstStyle/>
+          <a:p>
+            <a:pPr marL="342900" indent="-342900">
+              <a:buFont typeface="Arial" panose="020B0604020202020204" pitchFamily="34" charset="0"/>
+              <a:buChar char="•"/>
+            </a:pPr>
+            <a:r>
+              <a:rPr lang="el-GR" sz="2400" dirty="0">
+                <a:latin typeface="Arial" panose="020B0604020202020204" pitchFamily="34" charset="0"/>
+                <a:cs typeface="Arial" panose="020B0604020202020204" pitchFamily="34" charset="0"/>
+              </a:rPr>
+              <a:t>Καινοτομία πραγματικού χρόνου επικοινωνίας </a:t>
+            </a:r>
+            <a:r>
+              <a:rPr lang="en-US" sz="2400" dirty="0">
+                <a:latin typeface="Arial" panose="020B0604020202020204" pitchFamily="34" charset="0"/>
+                <a:cs typeface="Arial" panose="020B0604020202020204" pitchFamily="34" charset="0"/>
+              </a:rPr>
+              <a:t>VoIP </a:t>
+            </a:r>
+            <a:r>
+              <a:rPr lang="el-GR" sz="2400" dirty="0">
+                <a:latin typeface="Arial" panose="020B0604020202020204" pitchFamily="34" charset="0"/>
+                <a:cs typeface="Arial" panose="020B0604020202020204" pitchFamily="34" charset="0"/>
+              </a:rPr>
+              <a:t>στην </a:t>
+            </a:r>
+            <a:r>
+              <a:rPr lang="en-US" sz="2400" dirty="0">
+                <a:latin typeface="Arial" panose="020B0604020202020204" pitchFamily="34" charset="0"/>
+                <a:cs typeface="Arial" panose="020B0604020202020204" pitchFamily="34" charset="0"/>
+              </a:rPr>
+              <a:t>Unreal Engine (Walkie-talkie radio &amp; Cellphone)</a:t>
+            </a:r>
+          </a:p>
+          <a:p>
+            <a:pPr marL="342900" indent="-342900">
+              <a:buFont typeface="Arial" panose="020B0604020202020204" pitchFamily="34" charset="0"/>
+              <a:buChar char="•"/>
+            </a:pPr>
+            <a:r>
+              <a:rPr lang="el-GR" sz="2400" dirty="0">
+                <a:latin typeface="Arial" panose="020B0604020202020204" pitchFamily="34" charset="0"/>
+                <a:cs typeface="Arial" panose="020B0604020202020204" pitchFamily="34" charset="0"/>
+              </a:rPr>
+              <a:t>Στάδια δημιουργίας Μηχανισμών εικονικών κόσμων</a:t>
+            </a:r>
+          </a:p>
+          <a:p>
+            <a:pPr marL="342900" indent="-342900">
+              <a:buFont typeface="Arial" panose="020B0604020202020204" pitchFamily="34" charset="0"/>
+              <a:buChar char="•"/>
+            </a:pPr>
+            <a:r>
+              <a:rPr lang="el-GR" sz="2400" dirty="0">
+                <a:latin typeface="Arial" panose="020B0604020202020204" pitchFamily="34" charset="0"/>
+                <a:cs typeface="Arial" panose="020B0604020202020204" pitchFamily="34" charset="0"/>
+              </a:rPr>
+              <a:t>Σχέση διεπιστημονικότητας και τα στάδια τους</a:t>
+            </a:r>
+          </a:p>
+          <a:p>
+            <a:pPr marL="800100" lvl="1" indent="-342900">
+              <a:buFont typeface="Arial" panose="020B0604020202020204" pitchFamily="34" charset="0"/>
+              <a:buChar char="•"/>
+            </a:pPr>
+            <a:r>
+              <a:rPr lang="en-US" sz="2400" dirty="0">
+                <a:latin typeface="Arial" panose="020B0604020202020204" pitchFamily="34" charset="0"/>
+                <a:cs typeface="Arial" panose="020B0604020202020204" pitchFamily="34" charset="0"/>
+              </a:rPr>
+              <a:t>Sound</a:t>
+            </a:r>
+          </a:p>
+          <a:p>
+            <a:pPr marL="800100" lvl="1" indent="-342900">
+              <a:buFont typeface="Arial" panose="020B0604020202020204" pitchFamily="34" charset="0"/>
+              <a:buChar char="•"/>
+            </a:pPr>
+            <a:r>
+              <a:rPr lang="en-US" sz="2400" dirty="0">
+                <a:latin typeface="Arial" panose="020B0604020202020204" pitchFamily="34" charset="0"/>
+                <a:cs typeface="Arial" panose="020B0604020202020204" pitchFamily="34" charset="0"/>
+              </a:rPr>
+              <a:t>3D Architectural Visualization &amp; Art</a:t>
+            </a:r>
+          </a:p>
+          <a:p>
+            <a:pPr marL="342900" indent="-342900">
+              <a:buFont typeface="Arial" panose="020B0604020202020204" pitchFamily="34" charset="0"/>
+              <a:buChar char="•"/>
+            </a:pPr>
+            <a:r>
+              <a:rPr lang="el-GR" sz="2400" dirty="0">
+                <a:latin typeface="Arial" panose="020B0604020202020204" pitchFamily="34" charset="0"/>
+                <a:cs typeface="Arial" panose="020B0604020202020204" pitchFamily="34" charset="0"/>
+              </a:rPr>
+              <a:t>Χρήση των τεχνικών αυτών για </a:t>
+            </a:r>
+            <a:r>
+              <a:rPr lang="en-US" sz="2400" dirty="0">
+                <a:latin typeface="Arial" panose="020B0604020202020204" pitchFamily="34" charset="0"/>
+                <a:cs typeface="Arial" panose="020B0604020202020204" pitchFamily="34" charset="0"/>
+              </a:rPr>
+              <a:t>simulation </a:t>
+            </a:r>
+            <a:r>
+              <a:rPr lang="el-GR" sz="2400" dirty="0">
+                <a:latin typeface="Arial" panose="020B0604020202020204" pitchFamily="34" charset="0"/>
+                <a:cs typeface="Arial" panose="020B0604020202020204" pitchFamily="34" charset="0"/>
+              </a:rPr>
+              <a:t>οποιαδήποτε έρευνας σε οποιαδήποτε τομέα</a:t>
+            </a:r>
+          </a:p>
+          <a:p>
+            <a:pPr marL="342900" indent="-342900">
+              <a:buFont typeface="Arial" panose="020B0604020202020204" pitchFamily="34" charset="0"/>
+              <a:buChar char="•"/>
+            </a:pPr>
+            <a:r>
+              <a:rPr lang="en-US" sz="2400" dirty="0">
+                <a:latin typeface="Arial" panose="020B0604020202020204" pitchFamily="34" charset="0"/>
+                <a:cs typeface="Arial" panose="020B0604020202020204" pitchFamily="34" charset="0"/>
+              </a:rPr>
+              <a:t>Project Management approach</a:t>
+            </a:r>
+          </a:p>
+        </p:txBody>
+      </p:sp>
+    </p:spTree>
+    <p:extLst>
+      <p:ext uri="{BB962C8B-B14F-4D97-AF65-F5344CB8AC3E}">
+        <p14:creationId xmlns:p14="http://schemas.microsoft.com/office/powerpoint/2010/main" val="2846458392"/>
+      </p:ext>
+    </p:extLst>
+  </p:cSld>
+  <p:clrMapOvr>
+    <a:masterClrMapping/>
+  </p:clrMapOvr>
+</p:sld>
+</file>
+
+<file path=ppt/slides/slide13.xml><?xml version="1.0" encoding="utf-8"?>
+<p:sld xmlns:a="http://schemas.openxmlformats.org/drawingml/2006/main" xmlns:r="http://schemas.openxmlformats.org/officeDocument/2006/relationships" xmlns:p="http://schemas.openxmlformats.org/presentationml/2006/main">
+  <p:cSld>
+    <p:spTree>
+      <p:nvGrpSpPr>
+        <p:cNvPr id="1" name=""/>
+        <p:cNvGrpSpPr/>
+        <p:nvPr/>
+      </p:nvGrpSpPr>
+      <p:grpSpPr>
+        <a:xfrm>
+          <a:off x="0" y="0"/>
+          <a:ext cx="0" cy="0"/>
+          <a:chOff x="0" y="0"/>
+          <a:chExt cx="0" cy="0"/>
+        </a:xfrm>
+      </p:grpSpPr>
+      <p:sp>
+        <p:nvSpPr>
+          <p:cNvPr id="2" name="Title 1">
+            <a:extLst>
+              <a:ext uri="{FF2B5EF4-FFF2-40B4-BE49-F238E27FC236}">
                 <a16:creationId xmlns:a16="http://schemas.microsoft.com/office/drawing/2014/main" id="{28AC6551-167A-4520-84D6-B2017E4F99A0}"/>
               </a:ext>
             </a:extLst>
@@ -32557,7 +33022,7 @@
 </p:sld>
 </file>
 
-<file path=ppt/slides/slide13.xml><?xml version="1.0" encoding="utf-8"?>
+<file path=ppt/slides/slide14.xml><?xml version="1.0" encoding="utf-8"?>
 <p:sld xmlns:a="http://schemas.openxmlformats.org/drawingml/2006/main" xmlns:r="http://schemas.openxmlformats.org/officeDocument/2006/relationships" xmlns:p="http://schemas.openxmlformats.org/presentationml/2006/main">
   <p:cSld>
     <p:spTree>
@@ -33504,7 +33969,7 @@
 </p:sld>
 </file>
 
-<file path=ppt/slides/slide14.xml><?xml version="1.0" encoding="utf-8"?>
+<file path=ppt/slides/slide15.xml><?xml version="1.0" encoding="utf-8"?>
 <p:sld xmlns:a="http://schemas.openxmlformats.org/drawingml/2006/main" xmlns:r="http://schemas.openxmlformats.org/officeDocument/2006/relationships" xmlns:p="http://schemas.openxmlformats.org/presentationml/2006/main">
   <p:cSld>
     <p:spTree>
@@ -34451,7 +34916,7 @@
 </p:sld>
 </file>
 
-<file path=ppt/slides/slide15.xml><?xml version="1.0" encoding="utf-8"?>
+<file path=ppt/slides/slide16.xml><?xml version="1.0" encoding="utf-8"?>
 <p:sld xmlns:a="http://schemas.openxmlformats.org/drawingml/2006/main" xmlns:r="http://schemas.openxmlformats.org/officeDocument/2006/relationships" xmlns:p="http://schemas.openxmlformats.org/presentationml/2006/main">
   <p:cSld>
     <p:spTree>
@@ -34811,7 +35276,7 @@
 </p:sld>
 </file>
 
-<file path=ppt/slides/slide16.xml><?xml version="1.0" encoding="utf-8"?>
+<file path=ppt/slides/slide17.xml><?xml version="1.0" encoding="utf-8"?>
 <p:sld xmlns:a="http://schemas.openxmlformats.org/drawingml/2006/main" xmlns:r="http://schemas.openxmlformats.org/officeDocument/2006/relationships" xmlns:p="http://schemas.openxmlformats.org/presentationml/2006/main">
   <p:cSld>
     <p:spTree>
@@ -34956,7 +35421,7 @@
 </p:sld>
 </file>
 
-<file path=ppt/slides/slide17.xml><?xml version="1.0" encoding="utf-8"?>
+<file path=ppt/slides/slide18.xml><?xml version="1.0" encoding="utf-8"?>
 <p:sld xmlns:a="http://schemas.openxmlformats.org/drawingml/2006/main" xmlns:r="http://schemas.openxmlformats.org/officeDocument/2006/relationships" xmlns:p="http://schemas.openxmlformats.org/presentationml/2006/main">
   <p:cSld>
     <p:spTree>
@@ -35119,7 +35584,7 @@
 </p:sld>
 </file>
 
-<file path=ppt/slides/slide18.xml><?xml version="1.0" encoding="utf-8"?>
+<file path=ppt/slides/slide19.xml><?xml version="1.0" encoding="utf-8"?>
 <p:sld xmlns:a="http://schemas.openxmlformats.org/drawingml/2006/main" xmlns:r="http://schemas.openxmlformats.org/officeDocument/2006/relationships" xmlns:p="http://schemas.openxmlformats.org/presentationml/2006/main">
   <p:cSld>
     <p:spTree>
@@ -35377,7 +35842,401 @@
 </p:sld>
 </file>
 
-<file path=ppt/slides/slide19.xml><?xml version="1.0" encoding="utf-8"?>
+<file path=ppt/slides/slide2.xml><?xml version="1.0" encoding="utf-8"?>
+<p:sld xmlns:a="http://schemas.openxmlformats.org/drawingml/2006/main" xmlns:r="http://schemas.openxmlformats.org/officeDocument/2006/relationships" xmlns:p="http://schemas.openxmlformats.org/presentationml/2006/main">
+  <p:cSld>
+    <p:spTree>
+      <p:nvGrpSpPr>
+        <p:cNvPr id="1" name=""/>
+        <p:cNvGrpSpPr/>
+        <p:nvPr/>
+      </p:nvGrpSpPr>
+      <p:grpSpPr>
+        <a:xfrm>
+          <a:off x="0" y="0"/>
+          <a:ext cx="0" cy="0"/>
+          <a:chOff x="0" y="0"/>
+          <a:chExt cx="0" cy="0"/>
+        </a:xfrm>
+      </p:grpSpPr>
+      <p:sp>
+        <p:nvSpPr>
+          <p:cNvPr id="2" name="Title 1">
+            <a:extLst>
+              <a:ext uri="{FF2B5EF4-FFF2-40B4-BE49-F238E27FC236}">
+                <a16:creationId xmlns:a16="http://schemas.microsoft.com/office/drawing/2014/main" id="{097E51FA-115A-4C6B-A05D-3A8EC2DF1D8F}"/>
+              </a:ext>
+            </a:extLst>
+          </p:cNvPr>
+          <p:cNvSpPr>
+            <a:spLocks noGrp="1"/>
+          </p:cNvSpPr>
+          <p:nvPr>
+            <p:ph type="title"/>
+          </p:nvPr>
+        </p:nvSpPr>
+        <p:spPr/>
+        <p:txBody>
+          <a:bodyPr/>
+          <a:lstStyle/>
+          <a:p>
+            <a:pPr algn="l"/>
+            <a:r>
+              <a:rPr lang="el-GR" sz="4400" b="1" dirty="0">
+                <a:latin typeface="Arial" panose="020B0604020202020204" pitchFamily="34" charset="0"/>
+                <a:cs typeface="Arial" panose="020B0604020202020204" pitchFamily="34" charset="0"/>
+              </a:rPr>
+              <a:t>Σχετικά με εμένα:</a:t>
+            </a:r>
+            <a:br>
+              <a:rPr lang="en-US" sz="4400" b="1" dirty="0">
+                <a:latin typeface="Arial" panose="020B0604020202020204" pitchFamily="34" charset="0"/>
+                <a:cs typeface="Arial" panose="020B0604020202020204" pitchFamily="34" charset="0"/>
+              </a:rPr>
+            </a:br>
+            <a:endParaRPr lang="en-US" dirty="0"/>
+          </a:p>
+        </p:txBody>
+      </p:sp>
+      <p:sp>
+        <p:nvSpPr>
+          <p:cNvPr id="3" name="TextBox 2">
+            <a:extLst>
+              <a:ext uri="{FF2B5EF4-FFF2-40B4-BE49-F238E27FC236}">
+                <a16:creationId xmlns:a16="http://schemas.microsoft.com/office/drawing/2014/main" id="{5CF12085-6FAE-4E43-9418-A1962A245D9F}"/>
+              </a:ext>
+            </a:extLst>
+          </p:cNvPr>
+          <p:cNvSpPr txBox="1"/>
+          <p:nvPr/>
+        </p:nvSpPr>
+        <p:spPr>
+          <a:xfrm>
+            <a:off x="457200" y="5460898"/>
+            <a:ext cx="7073537" cy="1200329"/>
+          </a:xfrm>
+          <a:prstGeom prst="rect">
+            <a:avLst/>
+          </a:prstGeom>
+          <a:noFill/>
+        </p:spPr>
+        <p:txBody>
+          <a:bodyPr wrap="square">
+            <a:spAutoFit/>
+          </a:bodyPr>
+          <a:lstStyle/>
+          <a:p>
+            <a:r>
+              <a:rPr lang="en-US" sz="2400" dirty="0">
+                <a:latin typeface="Arial" panose="020B0604020202020204" pitchFamily="34" charset="0"/>
+                <a:cs typeface="Arial" panose="020B0604020202020204" pitchFamily="34" charset="0"/>
+              </a:rPr>
+              <a:t>Portfolio: </a:t>
+            </a:r>
+            <a:r>
+              <a:rPr lang="en-US" sz="2400" dirty="0">
+                <a:latin typeface="Arial" panose="020B0604020202020204" pitchFamily="34" charset="0"/>
+                <a:cs typeface="Arial" panose="020B0604020202020204" pitchFamily="34" charset="0"/>
+                <a:hlinkClick r:id="rId3"/>
+              </a:rPr>
+              <a:t>https://github.com/michailmarkou1995</a:t>
+            </a:r>
+            <a:endParaRPr lang="en-US" sz="2400" dirty="0">
+              <a:latin typeface="Arial" panose="020B0604020202020204" pitchFamily="34" charset="0"/>
+              <a:cs typeface="Arial" panose="020B0604020202020204" pitchFamily="34" charset="0"/>
+            </a:endParaRPr>
+          </a:p>
+          <a:p>
+            <a:r>
+              <a:rPr lang="en-US" sz="2400" dirty="0">
+                <a:latin typeface="Arial" panose="020B0604020202020204" pitchFamily="34" charset="0"/>
+                <a:cs typeface="Arial" panose="020B0604020202020204" pitchFamily="34" charset="0"/>
+              </a:rPr>
+              <a:t>E-mail: </a:t>
+            </a:r>
+            <a:r>
+              <a:rPr lang="en-US" sz="2400" dirty="0">
+                <a:latin typeface="Arial" panose="020B0604020202020204" pitchFamily="34" charset="0"/>
+                <a:cs typeface="Arial" panose="020B0604020202020204" pitchFamily="34" charset="0"/>
+                <a:hlinkClick r:id="rId4"/>
+              </a:rPr>
+              <a:t>mmarkou19b@amcstudent.edu.gr</a:t>
+            </a:r>
+            <a:endParaRPr lang="en-US" sz="2400" dirty="0">
+              <a:latin typeface="Arial" panose="020B0604020202020204" pitchFamily="34" charset="0"/>
+              <a:cs typeface="Arial" panose="020B0604020202020204" pitchFamily="34" charset="0"/>
+            </a:endParaRPr>
+          </a:p>
+          <a:p>
+            <a:endParaRPr lang="en-US" sz="2400" dirty="0">
+              <a:latin typeface="Arial" panose="020B0604020202020204" pitchFamily="34" charset="0"/>
+              <a:cs typeface="Arial" panose="020B0604020202020204" pitchFamily="34" charset="0"/>
+            </a:endParaRPr>
+          </a:p>
+        </p:txBody>
+      </p:sp>
+      <p:sp>
+        <p:nvSpPr>
+          <p:cNvPr id="4" name="TextBox 3">
+            <a:extLst>
+              <a:ext uri="{FF2B5EF4-FFF2-40B4-BE49-F238E27FC236}">
+                <a16:creationId xmlns:a16="http://schemas.microsoft.com/office/drawing/2014/main" id="{E5C26AE8-FCA4-42D6-96C7-AC583D28A14B}"/>
+              </a:ext>
+            </a:extLst>
+          </p:cNvPr>
+          <p:cNvSpPr txBox="1"/>
+          <p:nvPr/>
+        </p:nvSpPr>
+        <p:spPr>
+          <a:xfrm>
+            <a:off x="279400" y="1305914"/>
+            <a:ext cx="8585200" cy="4154984"/>
+          </a:xfrm>
+          <a:prstGeom prst="rect">
+            <a:avLst/>
+          </a:prstGeom>
+          <a:noFill/>
+        </p:spPr>
+        <p:txBody>
+          <a:bodyPr wrap="square" rtlCol="0">
+            <a:spAutoFit/>
+          </a:bodyPr>
+          <a:lstStyle/>
+          <a:p>
+            <a:pPr marL="342900" indent="-342900">
+              <a:buFont typeface="Arial" panose="020B0604020202020204" pitchFamily="34" charset="0"/>
+              <a:buChar char="•"/>
+            </a:pPr>
+            <a:r>
+              <a:rPr lang="en-US" sz="2400" dirty="0">
+                <a:latin typeface="Arial" panose="020B0604020202020204" pitchFamily="34" charset="0"/>
+                <a:cs typeface="Arial" panose="020B0604020202020204" pitchFamily="34" charset="0"/>
+              </a:rPr>
+              <a:t>3</a:t>
+            </a:r>
+            <a:r>
+              <a:rPr lang="el-GR" sz="2400" baseline="30000" dirty="0">
+                <a:latin typeface="Arial" panose="020B0604020202020204" pitchFamily="34" charset="0"/>
+                <a:cs typeface="Arial" panose="020B0604020202020204" pitchFamily="34" charset="0"/>
+              </a:rPr>
+              <a:t>ο</a:t>
+            </a:r>
+            <a:r>
+              <a:rPr lang="el-GR" sz="2400" dirty="0">
+                <a:latin typeface="Arial" panose="020B0604020202020204" pitchFamily="34" charset="0"/>
+                <a:cs typeface="Arial" panose="020B0604020202020204" pitchFamily="34" charset="0"/>
+              </a:rPr>
+              <a:t> έτος</a:t>
+            </a:r>
+            <a:r>
+              <a:rPr lang="en-US" sz="2400" dirty="0">
+                <a:latin typeface="Arial" panose="020B0604020202020204" pitchFamily="34" charset="0"/>
+                <a:cs typeface="Arial" panose="020B0604020202020204" pitchFamily="34" charset="0"/>
+              </a:rPr>
+              <a:t> BSc Computer Science </a:t>
+            </a:r>
+            <a:r>
+              <a:rPr lang="el-GR" sz="2400" dirty="0">
+                <a:latin typeface="Arial" panose="020B0604020202020204" pitchFamily="34" charset="0"/>
+                <a:cs typeface="Arial" panose="020B0604020202020204" pitchFamily="34" charset="0"/>
+              </a:rPr>
+              <a:t>στο Μητροπολιτικό κολλέγιο</a:t>
+            </a:r>
+            <a:endParaRPr lang="en-US" sz="2400" dirty="0">
+              <a:latin typeface="Arial" panose="020B0604020202020204" pitchFamily="34" charset="0"/>
+              <a:cs typeface="Arial" panose="020B0604020202020204" pitchFamily="34" charset="0"/>
+            </a:endParaRPr>
+          </a:p>
+          <a:p>
+            <a:pPr marL="342900" indent="-342900">
+              <a:buFont typeface="Arial" panose="020B0604020202020204" pitchFamily="34" charset="0"/>
+              <a:buChar char="•"/>
+            </a:pPr>
+            <a:r>
+              <a:rPr lang="en-US" sz="2400" dirty="0">
+                <a:latin typeface="Arial" panose="020B0604020202020204" pitchFamily="34" charset="0"/>
+                <a:cs typeface="Arial" panose="020B0604020202020204" pitchFamily="34" charset="0"/>
+              </a:rPr>
+              <a:t>Internship </a:t>
+            </a:r>
+            <a:r>
+              <a:rPr lang="el-GR" sz="2400" dirty="0">
+                <a:latin typeface="Arial" panose="020B0604020202020204" pitchFamily="34" charset="0"/>
+                <a:cs typeface="Arial" panose="020B0604020202020204" pitchFamily="34" charset="0"/>
+              </a:rPr>
+              <a:t>«</a:t>
+            </a:r>
+            <a:r>
+              <a:rPr lang="en-US" sz="2400" dirty="0">
+                <a:latin typeface="Arial" panose="020B0604020202020204" pitchFamily="34" charset="0"/>
+                <a:cs typeface="Arial" panose="020B0604020202020204" pitchFamily="34" charset="0"/>
+              </a:rPr>
+              <a:t>Internet Service Provider Network Engineer</a:t>
+            </a:r>
+            <a:r>
+              <a:rPr lang="el-GR" sz="2400" dirty="0">
+                <a:latin typeface="Arial" panose="020B0604020202020204" pitchFamily="34" charset="0"/>
+                <a:cs typeface="Arial" panose="020B0604020202020204" pitchFamily="34" charset="0"/>
+              </a:rPr>
+              <a:t>»</a:t>
+            </a:r>
+            <a:endParaRPr lang="en-US" sz="2400" dirty="0">
+              <a:latin typeface="Arial" panose="020B0604020202020204" pitchFamily="34" charset="0"/>
+              <a:cs typeface="Arial" panose="020B0604020202020204" pitchFamily="34" charset="0"/>
+            </a:endParaRPr>
+          </a:p>
+          <a:p>
+            <a:pPr marL="342900" indent="-342900">
+              <a:buFont typeface="Arial" panose="020B0604020202020204" pitchFamily="34" charset="0"/>
+              <a:buChar char="•"/>
+            </a:pPr>
+            <a:r>
+              <a:rPr lang="en-US" sz="2400" dirty="0">
+                <a:latin typeface="Arial" panose="020B0604020202020204" pitchFamily="34" charset="0"/>
+                <a:cs typeface="Arial" panose="020B0604020202020204" pitchFamily="34" charset="0"/>
+              </a:rPr>
+              <a:t>Unreal Engine Game Developer</a:t>
+            </a:r>
+          </a:p>
+          <a:p>
+            <a:pPr marL="342900" indent="-342900">
+              <a:buFont typeface="Arial" panose="020B0604020202020204" pitchFamily="34" charset="0"/>
+              <a:buChar char="•"/>
+            </a:pPr>
+            <a:r>
+              <a:rPr lang="en-US" sz="2400" dirty="0">
+                <a:latin typeface="Arial" panose="020B0604020202020204" pitchFamily="34" charset="0"/>
+                <a:cs typeface="Arial" panose="020B0604020202020204" pitchFamily="34" charset="0"/>
+              </a:rPr>
+              <a:t>VR/AR</a:t>
+            </a:r>
+          </a:p>
+          <a:p>
+            <a:pPr marL="342900" indent="-342900">
+              <a:buFont typeface="Arial" panose="020B0604020202020204" pitchFamily="34" charset="0"/>
+              <a:buChar char="•"/>
+            </a:pPr>
+            <a:r>
+              <a:rPr lang="en-US" sz="2400" dirty="0">
+                <a:latin typeface="Arial" panose="020B0604020202020204" pitchFamily="34" charset="0"/>
+                <a:cs typeface="Arial" panose="020B0604020202020204" pitchFamily="34" charset="0"/>
+              </a:rPr>
+              <a:t>Multiplayer driven</a:t>
+            </a:r>
+          </a:p>
+          <a:p>
+            <a:pPr marL="342900" indent="-342900">
+              <a:buFont typeface="Arial" panose="020B0604020202020204" pitchFamily="34" charset="0"/>
+              <a:buChar char="•"/>
+            </a:pPr>
+            <a:r>
+              <a:rPr lang="en-US" sz="2400" dirty="0">
+                <a:latin typeface="Arial" panose="020B0604020202020204" pitchFamily="34" charset="0"/>
+                <a:cs typeface="Arial" panose="020B0604020202020204" pitchFamily="34" charset="0"/>
+              </a:rPr>
+              <a:t>Gameplay Mechanics</a:t>
+            </a:r>
+          </a:p>
+          <a:p>
+            <a:pPr marL="342900" indent="-342900">
+              <a:buFont typeface="Arial" panose="020B0604020202020204" pitchFamily="34" charset="0"/>
+              <a:buChar char="•"/>
+            </a:pPr>
+            <a:r>
+              <a:rPr lang="en-US" sz="2400" dirty="0">
+                <a:latin typeface="Arial" panose="020B0604020202020204" pitchFamily="34" charset="0"/>
+                <a:cs typeface="Arial" panose="020B0604020202020204" pitchFamily="34" charset="0"/>
+              </a:rPr>
+              <a:t>Sound Effect Artist</a:t>
+            </a:r>
+          </a:p>
+          <a:p>
+            <a:pPr marL="342900" indent="-342900">
+              <a:buFont typeface="Arial" panose="020B0604020202020204" pitchFamily="34" charset="0"/>
+              <a:buChar char="•"/>
+            </a:pPr>
+            <a:r>
+              <a:rPr lang="en-US" sz="2400" dirty="0">
+                <a:latin typeface="Arial" panose="020B0604020202020204" pitchFamily="34" charset="0"/>
+                <a:cs typeface="Arial" panose="020B0604020202020204" pitchFamily="34" charset="0"/>
+              </a:rPr>
+              <a:t>Visual Effect Artist</a:t>
+            </a:r>
+          </a:p>
+          <a:p>
+            <a:pPr marL="342900" indent="-342900">
+              <a:buFont typeface="Arial" panose="020B0604020202020204" pitchFamily="34" charset="0"/>
+              <a:buChar char="•"/>
+            </a:pPr>
+            <a:r>
+              <a:rPr lang="en-US" sz="2400" dirty="0">
+                <a:latin typeface="Arial" panose="020B0604020202020204" pitchFamily="34" charset="0"/>
+                <a:cs typeface="Arial" panose="020B0604020202020204" pitchFamily="34" charset="0"/>
+              </a:rPr>
+              <a:t>3D Architectural Visualization &amp; modeling</a:t>
+            </a:r>
+          </a:p>
+          <a:p>
+            <a:pPr marL="342900" indent="-342900">
+              <a:buFont typeface="Arial" panose="020B0604020202020204" pitchFamily="34" charset="0"/>
+              <a:buChar char="•"/>
+            </a:pPr>
+            <a:r>
+              <a:rPr lang="en-US" sz="2400" dirty="0">
+                <a:latin typeface="Arial" panose="020B0604020202020204" pitchFamily="34" charset="0"/>
+                <a:cs typeface="Arial" panose="020B0604020202020204" pitchFamily="34" charset="0"/>
+              </a:rPr>
+              <a:t>Producer &amp; Digital Content Creator</a:t>
+            </a:r>
+            <a:r>
+              <a:rPr lang="el-GR" sz="2400" dirty="0">
+                <a:latin typeface="Arial" panose="020B0604020202020204" pitchFamily="34" charset="0"/>
+                <a:cs typeface="Arial" panose="020B0604020202020204" pitchFamily="34" charset="0"/>
+              </a:rPr>
+              <a:t> </a:t>
+            </a:r>
+            <a:r>
+              <a:rPr lang="el-GR" sz="2000" dirty="0">
+                <a:latin typeface="Arial" panose="020B0604020202020204" pitchFamily="34" charset="0"/>
+                <a:cs typeface="Arial" panose="020B0604020202020204" pitchFamily="34" charset="0"/>
+              </a:rPr>
+              <a:t>(</a:t>
+            </a:r>
+            <a:r>
+              <a:rPr lang="en-US" sz="2000" i="1" dirty="0">
+                <a:latin typeface="Arial" panose="020B0604020202020204" pitchFamily="34" charset="0"/>
+                <a:cs typeface="Arial" panose="020B0604020202020204" pitchFamily="34" charset="0"/>
+              </a:rPr>
+              <a:t>Unreal Engine &amp; Google Play marketplace</a:t>
+            </a:r>
+            <a:r>
+              <a:rPr lang="el-GR" sz="2000" i="1" dirty="0">
+                <a:latin typeface="Arial" panose="020B0604020202020204" pitchFamily="34" charset="0"/>
+                <a:cs typeface="Arial" panose="020B0604020202020204" pitchFamily="34" charset="0"/>
+              </a:rPr>
+              <a:t>)</a:t>
+            </a:r>
+            <a:endParaRPr lang="en-US" sz="2400" dirty="0">
+              <a:latin typeface="Arial" panose="020B0604020202020204" pitchFamily="34" charset="0"/>
+              <a:cs typeface="Arial" panose="020B0604020202020204" pitchFamily="34" charset="0"/>
+            </a:endParaRPr>
+          </a:p>
+        </p:txBody>
+      </p:sp>
+    </p:spTree>
+    <p:extLst>
+      <p:ext uri="{BB962C8B-B14F-4D97-AF65-F5344CB8AC3E}">
+        <p14:creationId xmlns:p14="http://schemas.microsoft.com/office/powerpoint/2010/main" val="1217886583"/>
+      </p:ext>
+    </p:extLst>
+  </p:cSld>
+  <p:clrMapOvr>
+    <a:masterClrMapping/>
+  </p:clrMapOvr>
+</p:sld>
+</file>
+
+<file path=ppt/slides/slide20.xml><?xml version="1.0" encoding="utf-8"?>
 <p:sld xmlns:a="http://schemas.openxmlformats.org/drawingml/2006/main" xmlns:r="http://schemas.openxmlformats.org/officeDocument/2006/relationships" xmlns:p="http://schemas.openxmlformats.org/presentationml/2006/main">
   <p:cSld>
     <p:spTree>
@@ -37685,401 +38544,7 @@
 </p:sld>
 </file>
 
-<file path=ppt/slides/slide2.xml><?xml version="1.0" encoding="utf-8"?>
-<p:sld xmlns:a="http://schemas.openxmlformats.org/drawingml/2006/main" xmlns:r="http://schemas.openxmlformats.org/officeDocument/2006/relationships" xmlns:p="http://schemas.openxmlformats.org/presentationml/2006/main">
-  <p:cSld>
-    <p:spTree>
-      <p:nvGrpSpPr>
-        <p:cNvPr id="1" name=""/>
-        <p:cNvGrpSpPr/>
-        <p:nvPr/>
-      </p:nvGrpSpPr>
-      <p:grpSpPr>
-        <a:xfrm>
-          <a:off x="0" y="0"/>
-          <a:ext cx="0" cy="0"/>
-          <a:chOff x="0" y="0"/>
-          <a:chExt cx="0" cy="0"/>
-        </a:xfrm>
-      </p:grpSpPr>
-      <p:sp>
-        <p:nvSpPr>
-          <p:cNvPr id="2" name="Title 1">
-            <a:extLst>
-              <a:ext uri="{FF2B5EF4-FFF2-40B4-BE49-F238E27FC236}">
-                <a16:creationId xmlns:a16="http://schemas.microsoft.com/office/drawing/2014/main" id="{097E51FA-115A-4C6B-A05D-3A8EC2DF1D8F}"/>
-              </a:ext>
-            </a:extLst>
-          </p:cNvPr>
-          <p:cNvSpPr>
-            <a:spLocks noGrp="1"/>
-          </p:cNvSpPr>
-          <p:nvPr>
-            <p:ph type="title"/>
-          </p:nvPr>
-        </p:nvSpPr>
-        <p:spPr/>
-        <p:txBody>
-          <a:bodyPr/>
-          <a:lstStyle/>
-          <a:p>
-            <a:pPr algn="l"/>
-            <a:r>
-              <a:rPr lang="el-GR" sz="4400" b="1" dirty="0">
-                <a:latin typeface="Arial" panose="020B0604020202020204" pitchFamily="34" charset="0"/>
-                <a:cs typeface="Arial" panose="020B0604020202020204" pitchFamily="34" charset="0"/>
-              </a:rPr>
-              <a:t>Σχετικά με εμένα:</a:t>
-            </a:r>
-            <a:br>
-              <a:rPr lang="en-US" sz="4400" b="1" dirty="0">
-                <a:latin typeface="Arial" panose="020B0604020202020204" pitchFamily="34" charset="0"/>
-                <a:cs typeface="Arial" panose="020B0604020202020204" pitchFamily="34" charset="0"/>
-              </a:rPr>
-            </a:br>
-            <a:endParaRPr lang="en-US" dirty="0"/>
-          </a:p>
-        </p:txBody>
-      </p:sp>
-      <p:sp>
-        <p:nvSpPr>
-          <p:cNvPr id="3" name="TextBox 2">
-            <a:extLst>
-              <a:ext uri="{FF2B5EF4-FFF2-40B4-BE49-F238E27FC236}">
-                <a16:creationId xmlns:a16="http://schemas.microsoft.com/office/drawing/2014/main" id="{5CF12085-6FAE-4E43-9418-A1962A245D9F}"/>
-              </a:ext>
-            </a:extLst>
-          </p:cNvPr>
-          <p:cNvSpPr txBox="1"/>
-          <p:nvPr/>
-        </p:nvSpPr>
-        <p:spPr>
-          <a:xfrm>
-            <a:off x="457200" y="5460898"/>
-            <a:ext cx="7073537" cy="1200329"/>
-          </a:xfrm>
-          <a:prstGeom prst="rect">
-            <a:avLst/>
-          </a:prstGeom>
-          <a:noFill/>
-        </p:spPr>
-        <p:txBody>
-          <a:bodyPr wrap="square">
-            <a:spAutoFit/>
-          </a:bodyPr>
-          <a:lstStyle/>
-          <a:p>
-            <a:r>
-              <a:rPr lang="en-US" sz="2400" dirty="0">
-                <a:latin typeface="Arial" panose="020B0604020202020204" pitchFamily="34" charset="0"/>
-                <a:cs typeface="Arial" panose="020B0604020202020204" pitchFamily="34" charset="0"/>
-              </a:rPr>
-              <a:t>Portfolio: </a:t>
-            </a:r>
-            <a:r>
-              <a:rPr lang="en-US" sz="2400" dirty="0">
-                <a:latin typeface="Arial" panose="020B0604020202020204" pitchFamily="34" charset="0"/>
-                <a:cs typeface="Arial" panose="020B0604020202020204" pitchFamily="34" charset="0"/>
-                <a:hlinkClick r:id="rId3"/>
-              </a:rPr>
-              <a:t>https://github.com/michailmarkou1995</a:t>
-            </a:r>
-            <a:endParaRPr lang="en-US" sz="2400" dirty="0">
-              <a:latin typeface="Arial" panose="020B0604020202020204" pitchFamily="34" charset="0"/>
-              <a:cs typeface="Arial" panose="020B0604020202020204" pitchFamily="34" charset="0"/>
-            </a:endParaRPr>
-          </a:p>
-          <a:p>
-            <a:r>
-              <a:rPr lang="en-US" sz="2400" dirty="0">
-                <a:latin typeface="Arial" panose="020B0604020202020204" pitchFamily="34" charset="0"/>
-                <a:cs typeface="Arial" panose="020B0604020202020204" pitchFamily="34" charset="0"/>
-              </a:rPr>
-              <a:t>E-mail: </a:t>
-            </a:r>
-            <a:r>
-              <a:rPr lang="en-US" sz="2400" dirty="0">
-                <a:latin typeface="Arial" panose="020B0604020202020204" pitchFamily="34" charset="0"/>
-                <a:cs typeface="Arial" panose="020B0604020202020204" pitchFamily="34" charset="0"/>
-                <a:hlinkClick r:id="rId4"/>
-              </a:rPr>
-              <a:t>mmarkou19b@amcstudent.edu.gr</a:t>
-            </a:r>
-            <a:endParaRPr lang="en-US" sz="2400" dirty="0">
-              <a:latin typeface="Arial" panose="020B0604020202020204" pitchFamily="34" charset="0"/>
-              <a:cs typeface="Arial" panose="020B0604020202020204" pitchFamily="34" charset="0"/>
-            </a:endParaRPr>
-          </a:p>
-          <a:p>
-            <a:endParaRPr lang="en-US" sz="2400" dirty="0">
-              <a:latin typeface="Arial" panose="020B0604020202020204" pitchFamily="34" charset="0"/>
-              <a:cs typeface="Arial" panose="020B0604020202020204" pitchFamily="34" charset="0"/>
-            </a:endParaRPr>
-          </a:p>
-        </p:txBody>
-      </p:sp>
-      <p:sp>
-        <p:nvSpPr>
-          <p:cNvPr id="4" name="TextBox 3">
-            <a:extLst>
-              <a:ext uri="{FF2B5EF4-FFF2-40B4-BE49-F238E27FC236}">
-                <a16:creationId xmlns:a16="http://schemas.microsoft.com/office/drawing/2014/main" id="{E5C26AE8-FCA4-42D6-96C7-AC583D28A14B}"/>
-              </a:ext>
-            </a:extLst>
-          </p:cNvPr>
-          <p:cNvSpPr txBox="1"/>
-          <p:nvPr/>
-        </p:nvSpPr>
-        <p:spPr>
-          <a:xfrm>
-            <a:off x="279400" y="1305914"/>
-            <a:ext cx="8585200" cy="4154984"/>
-          </a:xfrm>
-          <a:prstGeom prst="rect">
-            <a:avLst/>
-          </a:prstGeom>
-          <a:noFill/>
-        </p:spPr>
-        <p:txBody>
-          <a:bodyPr wrap="square" rtlCol="0">
-            <a:spAutoFit/>
-          </a:bodyPr>
-          <a:lstStyle/>
-          <a:p>
-            <a:pPr marL="342900" indent="-342900">
-              <a:buFont typeface="Arial" panose="020B0604020202020204" pitchFamily="34" charset="0"/>
-              <a:buChar char="•"/>
-            </a:pPr>
-            <a:r>
-              <a:rPr lang="en-US" sz="2400" dirty="0">
-                <a:latin typeface="Arial" panose="020B0604020202020204" pitchFamily="34" charset="0"/>
-                <a:cs typeface="Arial" panose="020B0604020202020204" pitchFamily="34" charset="0"/>
-              </a:rPr>
-              <a:t>3</a:t>
-            </a:r>
-            <a:r>
-              <a:rPr lang="el-GR" sz="2400" baseline="30000" dirty="0">
-                <a:latin typeface="Arial" panose="020B0604020202020204" pitchFamily="34" charset="0"/>
-                <a:cs typeface="Arial" panose="020B0604020202020204" pitchFamily="34" charset="0"/>
-              </a:rPr>
-              <a:t>ο</a:t>
-            </a:r>
-            <a:r>
-              <a:rPr lang="el-GR" sz="2400" dirty="0">
-                <a:latin typeface="Arial" panose="020B0604020202020204" pitchFamily="34" charset="0"/>
-                <a:cs typeface="Arial" panose="020B0604020202020204" pitchFamily="34" charset="0"/>
-              </a:rPr>
-              <a:t> έτος</a:t>
-            </a:r>
-            <a:r>
-              <a:rPr lang="en-US" sz="2400" dirty="0">
-                <a:latin typeface="Arial" panose="020B0604020202020204" pitchFamily="34" charset="0"/>
-                <a:cs typeface="Arial" panose="020B0604020202020204" pitchFamily="34" charset="0"/>
-              </a:rPr>
-              <a:t> BSc Computer Science </a:t>
-            </a:r>
-            <a:r>
-              <a:rPr lang="el-GR" sz="2400" dirty="0">
-                <a:latin typeface="Arial" panose="020B0604020202020204" pitchFamily="34" charset="0"/>
-                <a:cs typeface="Arial" panose="020B0604020202020204" pitchFamily="34" charset="0"/>
-              </a:rPr>
-              <a:t>στο Μητροπολιτικό κολλέγιο</a:t>
-            </a:r>
-            <a:endParaRPr lang="en-US" sz="2400" dirty="0">
-              <a:latin typeface="Arial" panose="020B0604020202020204" pitchFamily="34" charset="0"/>
-              <a:cs typeface="Arial" panose="020B0604020202020204" pitchFamily="34" charset="0"/>
-            </a:endParaRPr>
-          </a:p>
-          <a:p>
-            <a:pPr marL="342900" indent="-342900">
-              <a:buFont typeface="Arial" panose="020B0604020202020204" pitchFamily="34" charset="0"/>
-              <a:buChar char="•"/>
-            </a:pPr>
-            <a:r>
-              <a:rPr lang="en-US" sz="2400" dirty="0">
-                <a:latin typeface="Arial" panose="020B0604020202020204" pitchFamily="34" charset="0"/>
-                <a:cs typeface="Arial" panose="020B0604020202020204" pitchFamily="34" charset="0"/>
-              </a:rPr>
-              <a:t>Internship </a:t>
-            </a:r>
-            <a:r>
-              <a:rPr lang="el-GR" sz="2400" dirty="0">
-                <a:latin typeface="Arial" panose="020B0604020202020204" pitchFamily="34" charset="0"/>
-                <a:cs typeface="Arial" panose="020B0604020202020204" pitchFamily="34" charset="0"/>
-              </a:rPr>
-              <a:t>«</a:t>
-            </a:r>
-            <a:r>
-              <a:rPr lang="en-US" sz="2400" dirty="0">
-                <a:latin typeface="Arial" panose="020B0604020202020204" pitchFamily="34" charset="0"/>
-                <a:cs typeface="Arial" panose="020B0604020202020204" pitchFamily="34" charset="0"/>
-              </a:rPr>
-              <a:t>Internet Service Provider Network Engineer</a:t>
-            </a:r>
-            <a:r>
-              <a:rPr lang="el-GR" sz="2400" dirty="0">
-                <a:latin typeface="Arial" panose="020B0604020202020204" pitchFamily="34" charset="0"/>
-                <a:cs typeface="Arial" panose="020B0604020202020204" pitchFamily="34" charset="0"/>
-              </a:rPr>
-              <a:t>»</a:t>
-            </a:r>
-            <a:endParaRPr lang="en-US" sz="2400" dirty="0">
-              <a:latin typeface="Arial" panose="020B0604020202020204" pitchFamily="34" charset="0"/>
-              <a:cs typeface="Arial" panose="020B0604020202020204" pitchFamily="34" charset="0"/>
-            </a:endParaRPr>
-          </a:p>
-          <a:p>
-            <a:pPr marL="342900" indent="-342900">
-              <a:buFont typeface="Arial" panose="020B0604020202020204" pitchFamily="34" charset="0"/>
-              <a:buChar char="•"/>
-            </a:pPr>
-            <a:r>
-              <a:rPr lang="en-US" sz="2400" dirty="0">
-                <a:latin typeface="Arial" panose="020B0604020202020204" pitchFamily="34" charset="0"/>
-                <a:cs typeface="Arial" panose="020B0604020202020204" pitchFamily="34" charset="0"/>
-              </a:rPr>
-              <a:t>Unreal Engine Game Developer</a:t>
-            </a:r>
-          </a:p>
-          <a:p>
-            <a:pPr marL="342900" indent="-342900">
-              <a:buFont typeface="Arial" panose="020B0604020202020204" pitchFamily="34" charset="0"/>
-              <a:buChar char="•"/>
-            </a:pPr>
-            <a:r>
-              <a:rPr lang="en-US" sz="2400" dirty="0">
-                <a:latin typeface="Arial" panose="020B0604020202020204" pitchFamily="34" charset="0"/>
-                <a:cs typeface="Arial" panose="020B0604020202020204" pitchFamily="34" charset="0"/>
-              </a:rPr>
-              <a:t>VR/AR</a:t>
-            </a:r>
-          </a:p>
-          <a:p>
-            <a:pPr marL="342900" indent="-342900">
-              <a:buFont typeface="Arial" panose="020B0604020202020204" pitchFamily="34" charset="0"/>
-              <a:buChar char="•"/>
-            </a:pPr>
-            <a:r>
-              <a:rPr lang="en-US" sz="2400" dirty="0">
-                <a:latin typeface="Arial" panose="020B0604020202020204" pitchFamily="34" charset="0"/>
-                <a:cs typeface="Arial" panose="020B0604020202020204" pitchFamily="34" charset="0"/>
-              </a:rPr>
-              <a:t>Multiplayer driven</a:t>
-            </a:r>
-          </a:p>
-          <a:p>
-            <a:pPr marL="342900" indent="-342900">
-              <a:buFont typeface="Arial" panose="020B0604020202020204" pitchFamily="34" charset="0"/>
-              <a:buChar char="•"/>
-            </a:pPr>
-            <a:r>
-              <a:rPr lang="en-US" sz="2400" dirty="0">
-                <a:latin typeface="Arial" panose="020B0604020202020204" pitchFamily="34" charset="0"/>
-                <a:cs typeface="Arial" panose="020B0604020202020204" pitchFamily="34" charset="0"/>
-              </a:rPr>
-              <a:t>Gameplay Mechanics</a:t>
-            </a:r>
-          </a:p>
-          <a:p>
-            <a:pPr marL="342900" indent="-342900">
-              <a:buFont typeface="Arial" panose="020B0604020202020204" pitchFamily="34" charset="0"/>
-              <a:buChar char="•"/>
-            </a:pPr>
-            <a:r>
-              <a:rPr lang="en-US" sz="2400" dirty="0">
-                <a:latin typeface="Arial" panose="020B0604020202020204" pitchFamily="34" charset="0"/>
-                <a:cs typeface="Arial" panose="020B0604020202020204" pitchFamily="34" charset="0"/>
-              </a:rPr>
-              <a:t>Sound Effect Artist</a:t>
-            </a:r>
-          </a:p>
-          <a:p>
-            <a:pPr marL="342900" indent="-342900">
-              <a:buFont typeface="Arial" panose="020B0604020202020204" pitchFamily="34" charset="0"/>
-              <a:buChar char="•"/>
-            </a:pPr>
-            <a:r>
-              <a:rPr lang="en-US" sz="2400" dirty="0">
-                <a:latin typeface="Arial" panose="020B0604020202020204" pitchFamily="34" charset="0"/>
-                <a:cs typeface="Arial" panose="020B0604020202020204" pitchFamily="34" charset="0"/>
-              </a:rPr>
-              <a:t>Visual Effect Artist</a:t>
-            </a:r>
-          </a:p>
-          <a:p>
-            <a:pPr marL="342900" indent="-342900">
-              <a:buFont typeface="Arial" panose="020B0604020202020204" pitchFamily="34" charset="0"/>
-              <a:buChar char="•"/>
-            </a:pPr>
-            <a:r>
-              <a:rPr lang="en-US" sz="2400" dirty="0">
-                <a:latin typeface="Arial" panose="020B0604020202020204" pitchFamily="34" charset="0"/>
-                <a:cs typeface="Arial" panose="020B0604020202020204" pitchFamily="34" charset="0"/>
-              </a:rPr>
-              <a:t>3D Architectural Visualization &amp; modeling</a:t>
-            </a:r>
-          </a:p>
-          <a:p>
-            <a:pPr marL="342900" indent="-342900">
-              <a:buFont typeface="Arial" panose="020B0604020202020204" pitchFamily="34" charset="0"/>
-              <a:buChar char="•"/>
-            </a:pPr>
-            <a:r>
-              <a:rPr lang="en-US" sz="2400" dirty="0">
-                <a:latin typeface="Arial" panose="020B0604020202020204" pitchFamily="34" charset="0"/>
-                <a:cs typeface="Arial" panose="020B0604020202020204" pitchFamily="34" charset="0"/>
-              </a:rPr>
-              <a:t>Producer &amp; Digital Content Creator</a:t>
-            </a:r>
-            <a:r>
-              <a:rPr lang="el-GR" sz="2400" dirty="0">
-                <a:latin typeface="Arial" panose="020B0604020202020204" pitchFamily="34" charset="0"/>
-                <a:cs typeface="Arial" panose="020B0604020202020204" pitchFamily="34" charset="0"/>
-              </a:rPr>
-              <a:t> </a:t>
-            </a:r>
-            <a:r>
-              <a:rPr lang="el-GR" sz="2000" dirty="0">
-                <a:latin typeface="Arial" panose="020B0604020202020204" pitchFamily="34" charset="0"/>
-                <a:cs typeface="Arial" panose="020B0604020202020204" pitchFamily="34" charset="0"/>
-              </a:rPr>
-              <a:t>(</a:t>
-            </a:r>
-            <a:r>
-              <a:rPr lang="en-US" sz="2000" i="1" dirty="0">
-                <a:latin typeface="Arial" panose="020B0604020202020204" pitchFamily="34" charset="0"/>
-                <a:cs typeface="Arial" panose="020B0604020202020204" pitchFamily="34" charset="0"/>
-              </a:rPr>
-              <a:t>Unreal Engine &amp; Google Play marketplace</a:t>
-            </a:r>
-            <a:r>
-              <a:rPr lang="el-GR" sz="2000" i="1" dirty="0">
-                <a:latin typeface="Arial" panose="020B0604020202020204" pitchFamily="34" charset="0"/>
-                <a:cs typeface="Arial" panose="020B0604020202020204" pitchFamily="34" charset="0"/>
-              </a:rPr>
-              <a:t>)</a:t>
-            </a:r>
-            <a:endParaRPr lang="en-US" sz="2400" dirty="0">
-              <a:latin typeface="Arial" panose="020B0604020202020204" pitchFamily="34" charset="0"/>
-              <a:cs typeface="Arial" panose="020B0604020202020204" pitchFamily="34" charset="0"/>
-            </a:endParaRPr>
-          </a:p>
-        </p:txBody>
-      </p:sp>
-    </p:spTree>
-    <p:extLst>
-      <p:ext uri="{BB962C8B-B14F-4D97-AF65-F5344CB8AC3E}">
-        <p14:creationId xmlns:p14="http://schemas.microsoft.com/office/powerpoint/2010/main" val="1217886583"/>
-      </p:ext>
-    </p:extLst>
-  </p:cSld>
-  <p:clrMapOvr>
-    <a:masterClrMapping/>
-  </p:clrMapOvr>
-</p:sld>
-</file>
-
-<file path=ppt/slides/slide20.xml><?xml version="1.0" encoding="utf-8"?>
+<file path=ppt/slides/slide21.xml><?xml version="1.0" encoding="utf-8"?>
 <p:sld xmlns:a="http://schemas.openxmlformats.org/drawingml/2006/main" xmlns:r="http://schemas.openxmlformats.org/officeDocument/2006/relationships" xmlns:p="http://schemas.openxmlformats.org/presentationml/2006/main">
   <p:cSld>
     <p:spTree>
@@ -38171,7 +38636,7 @@
 </p:sld>
 </file>
 
-<file path=ppt/slides/slide21.xml><?xml version="1.0" encoding="utf-8"?>
+<file path=ppt/slides/slide22.xml><?xml version="1.0" encoding="utf-8"?>
 <p:sld xmlns:a="http://schemas.openxmlformats.org/drawingml/2006/main" xmlns:r="http://schemas.openxmlformats.org/officeDocument/2006/relationships" xmlns:p="http://schemas.openxmlformats.org/presentationml/2006/main">
   <p:cSld>
     <p:spTree>
@@ -39573,7 +40038,7 @@
 </p:sld>
 </file>
 
-<file path=ppt/slides/slide22.xml><?xml version="1.0" encoding="utf-8"?>
+<file path=ppt/slides/slide23.xml><?xml version="1.0" encoding="utf-8"?>
 <p:sld xmlns:a="http://schemas.openxmlformats.org/drawingml/2006/main" xmlns:r="http://schemas.openxmlformats.org/officeDocument/2006/relationships" xmlns:p="http://schemas.openxmlformats.org/presentationml/2006/main">
   <p:cSld>
     <p:spTree>
@@ -39690,7 +40155,7 @@
                 <a:cs typeface="Arial" panose="020B0604020202020204" pitchFamily="34" charset="0"/>
                 <a:sym typeface="Sora"/>
               </a:rPr>
-              <a:t>προϊόντων</a:t>
+              <a:t>προϊόντων (βιντεοπαιχνιδιών)</a:t>
             </a:r>
           </a:p>
           <a:p>
@@ -39809,7 +40274,7 @@
 </p:sld>
 </file>
 
-<file path=ppt/slides/slide23.xml><?xml version="1.0" encoding="utf-8"?>
+<file path=ppt/slides/slide24.xml><?xml version="1.0" encoding="utf-8"?>
 <p:sld xmlns:a="http://schemas.openxmlformats.org/drawingml/2006/main" xmlns:r="http://schemas.openxmlformats.org/officeDocument/2006/relationships" xmlns:p="http://schemas.openxmlformats.org/presentationml/2006/main">
   <p:cSld>
     <p:spTree>
@@ -39918,8 +40383,8 @@
           </a:ln>
         </p:spPr>
       </p:pic>
-      <mc:AlternateContent xmlns:mc="http://schemas.openxmlformats.org/markup-compatibility/2006">
-        <mc:Choice xmlns:a14="http://schemas.microsoft.com/office/drawing/2010/main" Requires="a14">
+      <mc:AlternateContent xmlns:mc="http://schemas.openxmlformats.org/markup-compatibility/2006" xmlns:a14="http://schemas.microsoft.com/office/drawing/2010/main">
+        <mc:Choice Requires="a14">
           <p:sp>
             <p:nvSpPr>
               <p:cNvPr id="4" name="TextBox 3">
@@ -40038,7 +40503,7 @@
             </p:txBody>
           </p:sp>
         </mc:Choice>
-        <mc:Fallback>
+        <mc:Fallback xmlns="">
           <p:sp>
             <p:nvSpPr>
               <p:cNvPr id="4" name="TextBox 3">
@@ -40083,8 +40548,8 @@
           </p:sp>
         </mc:Fallback>
       </mc:AlternateContent>
-      <mc:AlternateContent xmlns:mc="http://schemas.openxmlformats.org/markup-compatibility/2006">
-        <mc:Choice xmlns:a14="http://schemas.microsoft.com/office/drawing/2010/main" Requires="a14">
+      <mc:AlternateContent xmlns:mc="http://schemas.openxmlformats.org/markup-compatibility/2006" xmlns:a14="http://schemas.microsoft.com/office/drawing/2010/main">
+        <mc:Choice Requires="a14">
           <p:sp>
             <p:nvSpPr>
               <p:cNvPr id="5" name="TextBox 4">
@@ -40299,7 +40764,7 @@
             </p:txBody>
           </p:sp>
         </mc:Choice>
-        <mc:Fallback>
+        <mc:Fallback xmlns="">
           <p:sp>
             <p:nvSpPr>
               <p:cNvPr id="5" name="TextBox 4">
@@ -40344,8 +40809,8 @@
           </p:sp>
         </mc:Fallback>
       </mc:AlternateContent>
-      <mc:AlternateContent xmlns:mc="http://schemas.openxmlformats.org/markup-compatibility/2006">
-        <mc:Choice xmlns:a14="http://schemas.microsoft.com/office/drawing/2010/main" Requires="a14">
+      <mc:AlternateContent xmlns:mc="http://schemas.openxmlformats.org/markup-compatibility/2006" xmlns:a14="http://schemas.microsoft.com/office/drawing/2010/main">
+        <mc:Choice Requires="a14">
           <p:sp>
             <p:nvSpPr>
               <p:cNvPr id="6" name="TextBox 5">
@@ -40708,7 +41173,7 @@
             </p:txBody>
           </p:sp>
         </mc:Choice>
-        <mc:Fallback>
+        <mc:Fallback xmlns="">
           <p:sp>
             <p:nvSpPr>
               <p:cNvPr id="6" name="TextBox 5">
@@ -40766,7 +41231,7 @@
 </p:sld>
 </file>
 
-<file path=ppt/slides/slide24.xml><?xml version="1.0" encoding="utf-8"?>
+<file path=ppt/slides/slide25.xml><?xml version="1.0" encoding="utf-8"?>
 <p:sld xmlns:a="http://schemas.openxmlformats.org/drawingml/2006/main" xmlns:r="http://schemas.openxmlformats.org/officeDocument/2006/relationships" xmlns:p="http://schemas.openxmlformats.org/presentationml/2006/main">
   <p:cSld>
     <p:spTree>
@@ -41530,7 +41995,7 @@
 </p:sld>
 </file>
 
-<file path=ppt/slides/slide25.xml><?xml version="1.0" encoding="utf-8"?>
+<file path=ppt/slides/slide26.xml><?xml version="1.0" encoding="utf-8"?>
 <p:sld xmlns:a="http://schemas.openxmlformats.org/drawingml/2006/main" xmlns:r="http://schemas.openxmlformats.org/officeDocument/2006/relationships" xmlns:p="http://schemas.openxmlformats.org/presentationml/2006/main">
   <p:cSld>
     <p:spTree>
@@ -42371,7 +42836,7 @@
 </p:sld>
 </file>
 
-<file path=ppt/slides/slide26.xml><?xml version="1.0" encoding="utf-8"?>
+<file path=ppt/slides/slide27.xml><?xml version="1.0" encoding="utf-8"?>
 <p:sld xmlns:a="http://schemas.openxmlformats.org/drawingml/2006/main" xmlns:r="http://schemas.openxmlformats.org/officeDocument/2006/relationships" xmlns:p="http://schemas.openxmlformats.org/presentationml/2006/main">
   <p:cSld>
     <p:spTree>
@@ -42794,7 +43259,7 @@
 </p:sld>
 </file>
 
-<file path=ppt/slides/slide27.xml><?xml version="1.0" encoding="utf-8"?>
+<file path=ppt/slides/slide28.xml><?xml version="1.0" encoding="utf-8"?>
 <p:sld xmlns:a="http://schemas.openxmlformats.org/drawingml/2006/main" xmlns:r="http://schemas.openxmlformats.org/officeDocument/2006/relationships" xmlns:p="http://schemas.openxmlformats.org/presentationml/2006/main">
   <p:cSld>
     <p:spTree>
@@ -42944,7 +43409,7 @@
 </p:sld>
 </file>
 
-<file path=ppt/slides/slide28.xml><?xml version="1.0" encoding="utf-8"?>
+<file path=ppt/slides/slide29.xml><?xml version="1.0" encoding="utf-8"?>
 <p:sld xmlns:a="http://schemas.openxmlformats.org/drawingml/2006/main" xmlns:r="http://schemas.openxmlformats.org/officeDocument/2006/relationships" xmlns:p="http://schemas.openxmlformats.org/presentationml/2006/main">
   <p:cSld>
     <p:spTree>
@@ -45967,7 +46432,225 @@
 </p:sld>
 </file>
 
-<file path=ppt/slides/slide29.xml><?xml version="1.0" encoding="utf-8"?>
+<file path=ppt/slides/slide3.xml><?xml version="1.0" encoding="utf-8"?>
+<p:sld xmlns:a="http://schemas.openxmlformats.org/drawingml/2006/main" xmlns:r="http://schemas.openxmlformats.org/officeDocument/2006/relationships" xmlns:p="http://schemas.openxmlformats.org/presentationml/2006/main">
+  <p:cSld>
+    <p:spTree>
+      <p:nvGrpSpPr>
+        <p:cNvPr id="1" name=""/>
+        <p:cNvGrpSpPr/>
+        <p:nvPr/>
+      </p:nvGrpSpPr>
+      <p:grpSpPr>
+        <a:xfrm>
+          <a:off x="0" y="0"/>
+          <a:ext cx="0" cy="0"/>
+          <a:chOff x="0" y="0"/>
+          <a:chExt cx="0" cy="0"/>
+        </a:xfrm>
+      </p:grpSpPr>
+      <p:sp>
+        <p:nvSpPr>
+          <p:cNvPr id="2" name="Title 1">
+            <a:extLst>
+              <a:ext uri="{FF2B5EF4-FFF2-40B4-BE49-F238E27FC236}">
+                <a16:creationId xmlns:a16="http://schemas.microsoft.com/office/drawing/2014/main" id="{D342396B-938A-4C1B-AD28-0DF94337EC48}"/>
+              </a:ext>
+            </a:extLst>
+          </p:cNvPr>
+          <p:cNvSpPr>
+            <a:spLocks noGrp="1"/>
+          </p:cNvSpPr>
+          <p:nvPr>
+            <p:ph type="title"/>
+          </p:nvPr>
+        </p:nvSpPr>
+        <p:spPr/>
+        <p:txBody>
+          <a:bodyPr/>
+          <a:lstStyle/>
+          <a:p>
+            <a:r>
+              <a:rPr lang="el-GR" sz="4400" b="1" dirty="0">
+                <a:latin typeface="Arial" panose="020B0604020202020204" pitchFamily="34" charset="0"/>
+                <a:cs typeface="Arial" panose="020B0604020202020204" pitchFamily="34" charset="0"/>
+              </a:rPr>
+              <a:t>ΕΥΧΑΡΙΣΤΙΕΣ</a:t>
+            </a:r>
+            <a:endParaRPr lang="en-US" dirty="0"/>
+          </a:p>
+        </p:txBody>
+      </p:sp>
+      <p:sp>
+        <p:nvSpPr>
+          <p:cNvPr id="3" name="TextBox 2">
+            <a:extLst>
+              <a:ext uri="{FF2B5EF4-FFF2-40B4-BE49-F238E27FC236}">
+                <a16:creationId xmlns:a16="http://schemas.microsoft.com/office/drawing/2014/main" id="{A3F75271-3A63-47C3-B8C4-9AB9E2F6C368}"/>
+              </a:ext>
+            </a:extLst>
+          </p:cNvPr>
+          <p:cNvSpPr txBox="1"/>
+          <p:nvPr/>
+        </p:nvSpPr>
+        <p:spPr>
+          <a:xfrm>
+            <a:off x="0" y="1024917"/>
+            <a:ext cx="8229600" cy="5027017"/>
+          </a:xfrm>
+          <a:prstGeom prst="rect">
+            <a:avLst/>
+          </a:prstGeom>
+          <a:noFill/>
+        </p:spPr>
+        <p:txBody>
+          <a:bodyPr wrap="square">
+            <a:spAutoFit/>
+          </a:bodyPr>
+          <a:lstStyle/>
+          <a:p>
+            <a:pPr marL="0" marR="0" algn="just">
+              <a:lnSpc>
+                <a:spcPct val="150000"/>
+              </a:lnSpc>
+              <a:spcBef>
+                <a:spcPts val="0"/>
+              </a:spcBef>
+              <a:spcAft>
+                <a:spcPts val="800"/>
+              </a:spcAft>
+            </a:pPr>
+            <a:r>
+              <a:rPr lang="el-GR" sz="1800" dirty="0">
+                <a:effectLst/>
+                <a:latin typeface="Arial" panose="020B0604020202020204" pitchFamily="34" charset="0"/>
+                <a:ea typeface="Calibri" panose="020F0502020204030204" pitchFamily="34" charset="0"/>
+                <a:cs typeface="Arial" panose="020B0604020202020204" pitchFamily="34" charset="0"/>
+              </a:rPr>
+              <a:t>Θα ήθελα να ευχαριστήσω θερμά όλους όσους συνέβαλαν με τον τρόπο τους στην επιτυχή εκπόνηση της διπλωματικής μου εργασίας, και ιδιαιτέρως τον υπεύθυνο καθηγητή για την διπλωματική μου εργασία Δρ.</a:t>
+            </a:r>
+            <a:r>
+              <a:rPr lang="en-US" sz="1800" dirty="0">
+                <a:effectLst/>
+                <a:latin typeface="Arial" panose="020B0604020202020204" pitchFamily="34" charset="0"/>
+                <a:ea typeface="Calibri" panose="020F0502020204030204" pitchFamily="34" charset="0"/>
+                <a:cs typeface="Arial" panose="020B0604020202020204" pitchFamily="34" charset="0"/>
+              </a:rPr>
+              <a:t> </a:t>
+            </a:r>
+            <a:r>
+              <a:rPr lang="el-GR" sz="1800" dirty="0" err="1">
+                <a:effectLst/>
+                <a:latin typeface="Arial" panose="020B0604020202020204" pitchFamily="34" charset="0"/>
+                <a:ea typeface="Calibri" panose="020F0502020204030204" pitchFamily="34" charset="0"/>
+                <a:cs typeface="Arial" panose="020B0604020202020204" pitchFamily="34" charset="0"/>
+              </a:rPr>
+              <a:t>Φραντζίδη</a:t>
+            </a:r>
+            <a:r>
+              <a:rPr lang="el-GR" sz="1800" dirty="0">
+                <a:effectLst/>
+                <a:latin typeface="Arial" panose="020B0604020202020204" pitchFamily="34" charset="0"/>
+                <a:ea typeface="Calibri" panose="020F0502020204030204" pitchFamily="34" charset="0"/>
+                <a:cs typeface="Arial" panose="020B0604020202020204" pitchFamily="34" charset="0"/>
+              </a:rPr>
+              <a:t> Χρήστο ήταν πάντοτε πρόθυμος και διαθέσιμος να μου λύσει οποιαδήποτε απορία, ενώ παράλληλα με καθοδήγησε με τις πολύτιμες συμβουλές του στην σωστή συγγραφή της εργασίας αλλά και άλλους καθηγητές/υπεύθυνους του προγράμματος της σχολής μου με παροχή σεμιναρίων/</a:t>
+            </a:r>
+            <a:r>
+              <a:rPr lang="en-US" sz="1800" dirty="0">
+                <a:effectLst/>
+                <a:latin typeface="Arial" panose="020B0604020202020204" pitchFamily="34" charset="0"/>
+                <a:ea typeface="Calibri" panose="020F0502020204030204" pitchFamily="34" charset="0"/>
+                <a:cs typeface="Arial" panose="020B0604020202020204" pitchFamily="34" charset="0"/>
+              </a:rPr>
+              <a:t>workshops</a:t>
+            </a:r>
+            <a:r>
+              <a:rPr lang="el-GR" sz="1800" dirty="0">
+                <a:effectLst/>
+                <a:latin typeface="Arial" panose="020B0604020202020204" pitchFamily="34" charset="0"/>
+                <a:ea typeface="Calibri" panose="020F0502020204030204" pitchFamily="34" charset="0"/>
+                <a:cs typeface="Arial" panose="020B0604020202020204" pitchFamily="34" charset="0"/>
+              </a:rPr>
+              <a:t> ενημερώσεων δεξιοτήτων και νέας γνώσεις αλλά και υποστήριξη διαδικτυακών </a:t>
+            </a:r>
+            <a:r>
+              <a:rPr lang="el-GR" sz="1800" dirty="0" err="1">
+                <a:effectLst/>
+                <a:latin typeface="Arial" panose="020B0604020202020204" pitchFamily="34" charset="0"/>
+                <a:ea typeface="Calibri" panose="020F0502020204030204" pitchFamily="34" charset="0"/>
+                <a:cs typeface="Arial" panose="020B0604020202020204" pitchFamily="34" charset="0"/>
+              </a:rPr>
+              <a:t>πλατφόρμων</a:t>
+            </a:r>
+            <a:r>
+              <a:rPr lang="el-GR" sz="1800" dirty="0">
+                <a:effectLst/>
+                <a:latin typeface="Arial" panose="020B0604020202020204" pitchFamily="34" charset="0"/>
+                <a:ea typeface="Calibri" panose="020F0502020204030204" pitchFamily="34" charset="0"/>
+                <a:cs typeface="Arial" panose="020B0604020202020204" pitchFamily="34" charset="0"/>
+              </a:rPr>
+              <a:t> του κολλεγίου και πληθώρα υλικού της βιβλιοθήκη του </a:t>
+            </a:r>
+            <a:r>
+              <a:rPr lang="en-US" sz="1800" dirty="0">
+                <a:effectLst/>
+                <a:latin typeface="Arial" panose="020B0604020202020204" pitchFamily="34" charset="0"/>
+                <a:ea typeface="Calibri" panose="020F0502020204030204" pitchFamily="34" charset="0"/>
+                <a:cs typeface="Arial" panose="020B0604020202020204" pitchFamily="34" charset="0"/>
+              </a:rPr>
+              <a:t>AMC</a:t>
+            </a:r>
+            <a:r>
+              <a:rPr lang="el-GR" sz="1800" dirty="0">
+                <a:effectLst/>
+                <a:latin typeface="Arial" panose="020B0604020202020204" pitchFamily="34" charset="0"/>
+                <a:ea typeface="Calibri" panose="020F0502020204030204" pitchFamily="34" charset="0"/>
+                <a:cs typeface="Arial" panose="020B0604020202020204" pitchFamily="34" charset="0"/>
+              </a:rPr>
+              <a:t> Μητροπολιτικού για την διεκπεραίωση της εργασίας αυτής. Επιπλέον, θα ήθελα να πω και ένα μεγάλο ευχαριστώ στην οικογένεια μου και τα ζωάκια μου (</a:t>
+            </a:r>
+            <a:r>
+              <a:rPr lang="en-US" sz="1800" i="1" dirty="0">
+                <a:effectLst/>
+                <a:latin typeface="Arial" panose="020B0604020202020204" pitchFamily="34" charset="0"/>
+                <a:ea typeface="Calibri" panose="020F0502020204030204" pitchFamily="34" charset="0"/>
+                <a:cs typeface="Arial" panose="020B0604020202020204" pitchFamily="34" charset="0"/>
+              </a:rPr>
+              <a:t>dogs</a:t>
+            </a:r>
+            <a:r>
+              <a:rPr lang="el-GR" sz="1800" dirty="0">
+                <a:effectLst/>
+                <a:latin typeface="Arial" panose="020B0604020202020204" pitchFamily="34" charset="0"/>
+                <a:ea typeface="Calibri" panose="020F0502020204030204" pitchFamily="34" charset="0"/>
+                <a:cs typeface="Arial" panose="020B0604020202020204" pitchFamily="34" charset="0"/>
+              </a:rPr>
+              <a:t>), οι οποίοι με στήριξαν και με ενθάρρυναν καθ’ όλη τη διάρκεια.</a:t>
+            </a:r>
+            <a:endParaRPr lang="en-US" sz="1800" dirty="0">
+              <a:effectLst/>
+              <a:latin typeface="Arial" panose="020B0604020202020204" pitchFamily="34" charset="0"/>
+              <a:ea typeface="Calibri" panose="020F0502020204030204" pitchFamily="34" charset="0"/>
+              <a:cs typeface="Times New Roman" panose="02020603050405020304" pitchFamily="18" charset="0"/>
+            </a:endParaRPr>
+          </a:p>
+        </p:txBody>
+      </p:sp>
+    </p:spTree>
+    <p:extLst>
+      <p:ext uri="{BB962C8B-B14F-4D97-AF65-F5344CB8AC3E}">
+        <p14:creationId xmlns:p14="http://schemas.microsoft.com/office/powerpoint/2010/main" val="3509470717"/>
+      </p:ext>
+    </p:extLst>
+  </p:cSld>
+  <p:clrMapOvr>
+    <a:masterClrMapping/>
+  </p:clrMapOvr>
+</p:sld>
+</file>
+
+<file path=ppt/slides/slide30.xml><?xml version="1.0" encoding="utf-8"?>
 <p:sld xmlns:a="http://schemas.openxmlformats.org/drawingml/2006/main" xmlns:r="http://schemas.openxmlformats.org/officeDocument/2006/relationships" xmlns:p="http://schemas.openxmlformats.org/presentationml/2006/main">
   <p:cSld>
     <p:spTree>
@@ -46033,225 +46716,7 @@
 </p:sld>
 </file>
 
-<file path=ppt/slides/slide3.xml><?xml version="1.0" encoding="utf-8"?>
-<p:sld xmlns:a="http://schemas.openxmlformats.org/drawingml/2006/main" xmlns:r="http://schemas.openxmlformats.org/officeDocument/2006/relationships" xmlns:p="http://schemas.openxmlformats.org/presentationml/2006/main">
-  <p:cSld>
-    <p:spTree>
-      <p:nvGrpSpPr>
-        <p:cNvPr id="1" name=""/>
-        <p:cNvGrpSpPr/>
-        <p:nvPr/>
-      </p:nvGrpSpPr>
-      <p:grpSpPr>
-        <a:xfrm>
-          <a:off x="0" y="0"/>
-          <a:ext cx="0" cy="0"/>
-          <a:chOff x="0" y="0"/>
-          <a:chExt cx="0" cy="0"/>
-        </a:xfrm>
-      </p:grpSpPr>
-      <p:sp>
-        <p:nvSpPr>
-          <p:cNvPr id="2" name="Title 1">
-            <a:extLst>
-              <a:ext uri="{FF2B5EF4-FFF2-40B4-BE49-F238E27FC236}">
-                <a16:creationId xmlns:a16="http://schemas.microsoft.com/office/drawing/2014/main" id="{D342396B-938A-4C1B-AD28-0DF94337EC48}"/>
-              </a:ext>
-            </a:extLst>
-          </p:cNvPr>
-          <p:cNvSpPr>
-            <a:spLocks noGrp="1"/>
-          </p:cNvSpPr>
-          <p:nvPr>
-            <p:ph type="title"/>
-          </p:nvPr>
-        </p:nvSpPr>
-        <p:spPr/>
-        <p:txBody>
-          <a:bodyPr/>
-          <a:lstStyle/>
-          <a:p>
-            <a:r>
-              <a:rPr lang="el-GR" sz="4400" b="1" dirty="0">
-                <a:latin typeface="Arial" panose="020B0604020202020204" pitchFamily="34" charset="0"/>
-                <a:cs typeface="Arial" panose="020B0604020202020204" pitchFamily="34" charset="0"/>
-              </a:rPr>
-              <a:t>ΕΥΧΑΡΙΣΤΙΕΣ</a:t>
-            </a:r>
-            <a:endParaRPr lang="en-US" dirty="0"/>
-          </a:p>
-        </p:txBody>
-      </p:sp>
-      <p:sp>
-        <p:nvSpPr>
-          <p:cNvPr id="3" name="TextBox 2">
-            <a:extLst>
-              <a:ext uri="{FF2B5EF4-FFF2-40B4-BE49-F238E27FC236}">
-                <a16:creationId xmlns:a16="http://schemas.microsoft.com/office/drawing/2014/main" id="{A3F75271-3A63-47C3-B8C4-9AB9E2F6C368}"/>
-              </a:ext>
-            </a:extLst>
-          </p:cNvPr>
-          <p:cNvSpPr txBox="1"/>
-          <p:nvPr/>
-        </p:nvSpPr>
-        <p:spPr>
-          <a:xfrm>
-            <a:off x="0" y="1024917"/>
-            <a:ext cx="8229600" cy="5027017"/>
-          </a:xfrm>
-          <a:prstGeom prst="rect">
-            <a:avLst/>
-          </a:prstGeom>
-          <a:noFill/>
-        </p:spPr>
-        <p:txBody>
-          <a:bodyPr wrap="square">
-            <a:spAutoFit/>
-          </a:bodyPr>
-          <a:lstStyle/>
-          <a:p>
-            <a:pPr marL="0" marR="0" algn="just">
-              <a:lnSpc>
-                <a:spcPct val="150000"/>
-              </a:lnSpc>
-              <a:spcBef>
-                <a:spcPts val="0"/>
-              </a:spcBef>
-              <a:spcAft>
-                <a:spcPts val="800"/>
-              </a:spcAft>
-            </a:pPr>
-            <a:r>
-              <a:rPr lang="el-GR" sz="1800" dirty="0">
-                <a:effectLst/>
-                <a:latin typeface="Arial" panose="020B0604020202020204" pitchFamily="34" charset="0"/>
-                <a:ea typeface="Calibri" panose="020F0502020204030204" pitchFamily="34" charset="0"/>
-                <a:cs typeface="Arial" panose="020B0604020202020204" pitchFamily="34" charset="0"/>
-              </a:rPr>
-              <a:t>Θα ήθελα να ευχαριστήσω θερμά όλους όσους συνέβαλαν με τον τρόπο τους στην επιτυχή εκπόνηση της διπλωματικής μου εργασίας, και ιδιαιτέρως τον υπεύθυνο καθηγητή για την διπλωματική μου εργασία Δρ.</a:t>
-            </a:r>
-            <a:r>
-              <a:rPr lang="en-US" sz="1800" dirty="0">
-                <a:effectLst/>
-                <a:latin typeface="Arial" panose="020B0604020202020204" pitchFamily="34" charset="0"/>
-                <a:ea typeface="Calibri" panose="020F0502020204030204" pitchFamily="34" charset="0"/>
-                <a:cs typeface="Arial" panose="020B0604020202020204" pitchFamily="34" charset="0"/>
-              </a:rPr>
-              <a:t> </a:t>
-            </a:r>
-            <a:r>
-              <a:rPr lang="el-GR" sz="1800" dirty="0" err="1">
-                <a:effectLst/>
-                <a:latin typeface="Arial" panose="020B0604020202020204" pitchFamily="34" charset="0"/>
-                <a:ea typeface="Calibri" panose="020F0502020204030204" pitchFamily="34" charset="0"/>
-                <a:cs typeface="Arial" panose="020B0604020202020204" pitchFamily="34" charset="0"/>
-              </a:rPr>
-              <a:t>Φραντζίδη</a:t>
-            </a:r>
-            <a:r>
-              <a:rPr lang="el-GR" sz="1800" dirty="0">
-                <a:effectLst/>
-                <a:latin typeface="Arial" panose="020B0604020202020204" pitchFamily="34" charset="0"/>
-                <a:ea typeface="Calibri" panose="020F0502020204030204" pitchFamily="34" charset="0"/>
-                <a:cs typeface="Arial" panose="020B0604020202020204" pitchFamily="34" charset="0"/>
-              </a:rPr>
-              <a:t> Χρήστο ήταν πάντοτε πρόθυμος και διαθέσιμος να μου λύσει οποιαδήποτε απορία, ενώ παράλληλα με καθοδήγησε με τις πολύτιμες συμβουλές του στην σωστή συγγραφή της εργασίας αλλά και άλλους καθηγητές/υπεύθυνους του προγράμματος της σχολής μου με παροχή σεμιναρίων/</a:t>
-            </a:r>
-            <a:r>
-              <a:rPr lang="en-US" sz="1800" dirty="0">
-                <a:effectLst/>
-                <a:latin typeface="Arial" panose="020B0604020202020204" pitchFamily="34" charset="0"/>
-                <a:ea typeface="Calibri" panose="020F0502020204030204" pitchFamily="34" charset="0"/>
-                <a:cs typeface="Arial" panose="020B0604020202020204" pitchFamily="34" charset="0"/>
-              </a:rPr>
-              <a:t>workshops</a:t>
-            </a:r>
-            <a:r>
-              <a:rPr lang="el-GR" sz="1800" dirty="0">
-                <a:effectLst/>
-                <a:latin typeface="Arial" panose="020B0604020202020204" pitchFamily="34" charset="0"/>
-                <a:ea typeface="Calibri" panose="020F0502020204030204" pitchFamily="34" charset="0"/>
-                <a:cs typeface="Arial" panose="020B0604020202020204" pitchFamily="34" charset="0"/>
-              </a:rPr>
-              <a:t> ενημερώσεων δεξιοτήτων και νέας γνώσεις αλλά και υποστήριξη διαδικτυακών </a:t>
-            </a:r>
-            <a:r>
-              <a:rPr lang="el-GR" sz="1800" dirty="0" err="1">
-                <a:effectLst/>
-                <a:latin typeface="Arial" panose="020B0604020202020204" pitchFamily="34" charset="0"/>
-                <a:ea typeface="Calibri" panose="020F0502020204030204" pitchFamily="34" charset="0"/>
-                <a:cs typeface="Arial" panose="020B0604020202020204" pitchFamily="34" charset="0"/>
-              </a:rPr>
-              <a:t>πλατφόρμων</a:t>
-            </a:r>
-            <a:r>
-              <a:rPr lang="el-GR" sz="1800" dirty="0">
-                <a:effectLst/>
-                <a:latin typeface="Arial" panose="020B0604020202020204" pitchFamily="34" charset="0"/>
-                <a:ea typeface="Calibri" panose="020F0502020204030204" pitchFamily="34" charset="0"/>
-                <a:cs typeface="Arial" panose="020B0604020202020204" pitchFamily="34" charset="0"/>
-              </a:rPr>
-              <a:t> του κολλεγίου και πληθώρα υλικού της βιβλιοθήκη του </a:t>
-            </a:r>
-            <a:r>
-              <a:rPr lang="en-US" sz="1800" dirty="0">
-                <a:effectLst/>
-                <a:latin typeface="Arial" panose="020B0604020202020204" pitchFamily="34" charset="0"/>
-                <a:ea typeface="Calibri" panose="020F0502020204030204" pitchFamily="34" charset="0"/>
-                <a:cs typeface="Arial" panose="020B0604020202020204" pitchFamily="34" charset="0"/>
-              </a:rPr>
-              <a:t>AMC</a:t>
-            </a:r>
-            <a:r>
-              <a:rPr lang="el-GR" sz="1800" dirty="0">
-                <a:effectLst/>
-                <a:latin typeface="Arial" panose="020B0604020202020204" pitchFamily="34" charset="0"/>
-                <a:ea typeface="Calibri" panose="020F0502020204030204" pitchFamily="34" charset="0"/>
-                <a:cs typeface="Arial" panose="020B0604020202020204" pitchFamily="34" charset="0"/>
-              </a:rPr>
-              <a:t> Μητροπολιτικού για την διεκπεραίωση της εργασίας αυτής. Επιπλέον, θα ήθελα να πω και ένα μεγάλο ευχαριστώ στην οικογένεια μου και τα ζωάκια μου (</a:t>
-            </a:r>
-            <a:r>
-              <a:rPr lang="en-US" sz="1800" i="1" dirty="0">
-                <a:effectLst/>
-                <a:latin typeface="Arial" panose="020B0604020202020204" pitchFamily="34" charset="0"/>
-                <a:ea typeface="Calibri" panose="020F0502020204030204" pitchFamily="34" charset="0"/>
-                <a:cs typeface="Arial" panose="020B0604020202020204" pitchFamily="34" charset="0"/>
-              </a:rPr>
-              <a:t>dogs</a:t>
-            </a:r>
-            <a:r>
-              <a:rPr lang="el-GR" sz="1800" dirty="0">
-                <a:effectLst/>
-                <a:latin typeface="Arial" panose="020B0604020202020204" pitchFamily="34" charset="0"/>
-                <a:ea typeface="Calibri" panose="020F0502020204030204" pitchFamily="34" charset="0"/>
-                <a:cs typeface="Arial" panose="020B0604020202020204" pitchFamily="34" charset="0"/>
-              </a:rPr>
-              <a:t>), οι οποίοι με στήριξαν και με ενθάρρυναν καθ’ όλη τη διάρκεια.</a:t>
-            </a:r>
-            <a:endParaRPr lang="en-US" sz="1800" dirty="0">
-              <a:effectLst/>
-              <a:latin typeface="Arial" panose="020B0604020202020204" pitchFamily="34" charset="0"/>
-              <a:ea typeface="Calibri" panose="020F0502020204030204" pitchFamily="34" charset="0"/>
-              <a:cs typeface="Times New Roman" panose="02020603050405020304" pitchFamily="18" charset="0"/>
-            </a:endParaRPr>
-          </a:p>
-        </p:txBody>
-      </p:sp>
-    </p:spTree>
-    <p:extLst>
-      <p:ext uri="{BB962C8B-B14F-4D97-AF65-F5344CB8AC3E}">
-        <p14:creationId xmlns:p14="http://schemas.microsoft.com/office/powerpoint/2010/main" val="3509470717"/>
-      </p:ext>
-    </p:extLst>
-  </p:cSld>
-  <p:clrMapOvr>
-    <a:masterClrMapping/>
-  </p:clrMapOvr>
-</p:sld>
-</file>
-
-<file path=ppt/slides/slide30.xml><?xml version="1.0" encoding="utf-8"?>
+<file path=ppt/slides/slide31.xml><?xml version="1.0" encoding="utf-8"?>
 <p:sld xmlns:a="http://schemas.openxmlformats.org/drawingml/2006/main" xmlns:r="http://schemas.openxmlformats.org/officeDocument/2006/relationships" xmlns:p="http://schemas.openxmlformats.org/presentationml/2006/main">
   <p:cSld>
     <p:spTree>

--- a/MENTAL WEALTH PROFESSIONAL LIFE 3 (PROJECT) (CN6000)/Research_Thesis_Main/Μητροπολιτικό Κολλέγιο_ΣΕΚΦ[Μιχαηλ Μαρκου] Advanced multiplayer game mechanics.pptx
+++ b/MENTAL WEALTH PROFESSIONAL LIFE 3 (PROJECT) (CN6000)/Research_Thesis_Main/Μητροπολιτικό Κολλέγιο_ΣΕΚΦ[Μιχαηλ Μαρκου] Advanced multiplayer game mechanics.pptx
@@ -32582,7 +32582,7 @@
         <p:spPr>
           <a:xfrm>
             <a:off x="366889" y="1393881"/>
-            <a:ext cx="8325555" cy="3416320"/>
+            <a:ext cx="8325555" cy="4154984"/>
           </a:xfrm>
           <a:prstGeom prst="rect">
             <a:avLst/>
@@ -32627,6 +32627,23 @@
               </a:rPr>
               <a:t>Unreal Engine (Walkie-talkie radio &amp; Cellphone)</a:t>
             </a:r>
+          </a:p>
+          <a:p>
+            <a:pPr marL="342900" indent="-342900">
+              <a:buFont typeface="Arial" panose="020B0604020202020204" pitchFamily="34" charset="0"/>
+              <a:buChar char="•"/>
+            </a:pPr>
+            <a:r>
+              <a:rPr lang="el-GR" sz="2400" dirty="0">
+                <a:latin typeface="Arial" panose="020B0604020202020204" pitchFamily="34" charset="0"/>
+                <a:cs typeface="Arial" panose="020B0604020202020204" pitchFamily="34" charset="0"/>
+              </a:rPr>
+              <a:t>Εξαγωγή πληροφοριών μέσα από ερωτηματολόγιο προτιμήσεις χρηστών</a:t>
+            </a:r>
+            <a:endParaRPr lang="en-US" sz="2400" dirty="0">
+              <a:latin typeface="Arial" panose="020B0604020202020204" pitchFamily="34" charset="0"/>
+              <a:cs typeface="Arial" panose="020B0604020202020204" pitchFamily="34" charset="0"/>
+            </a:endParaRPr>
           </a:p>
           <a:p>
             <a:pPr marL="342900" indent="-342900">
@@ -32818,8 +32835,8 @@
         </p:nvSpPr>
         <p:spPr>
           <a:xfrm>
-            <a:off x="1127171" y="1112838"/>
-            <a:ext cx="6889657" cy="5139869"/>
+            <a:off x="1127171" y="1166842"/>
+            <a:ext cx="6889657" cy="4524315"/>
           </a:xfrm>
           <a:prstGeom prst="rect">
             <a:avLst/>
@@ -32837,7 +32854,7 @@
               <a:buChar char="•"/>
             </a:pPr>
             <a:r>
-              <a:rPr lang="en-US" sz="2800" dirty="0">
+              <a:rPr lang="en-US" sz="2400" dirty="0">
                 <a:latin typeface="Arial" panose="020B0604020202020204" pitchFamily="34" charset="0"/>
                 <a:cs typeface="Arial" panose="020B0604020202020204" pitchFamily="34" charset="0"/>
               </a:rPr>
@@ -32850,7 +32867,7 @@
               <a:buChar char="•"/>
             </a:pPr>
             <a:r>
-              <a:rPr lang="en-US" sz="2800" dirty="0">
+              <a:rPr lang="en-US" sz="2400" dirty="0">
                 <a:latin typeface="Arial" panose="020B0604020202020204" pitchFamily="34" charset="0"/>
                 <a:cs typeface="Arial" panose="020B0604020202020204" pitchFamily="34" charset="0"/>
               </a:rPr>
@@ -32863,7 +32880,7 @@
               <a:buChar char="•"/>
             </a:pPr>
             <a:r>
-              <a:rPr lang="en-US" sz="2800" dirty="0">
+              <a:rPr lang="en-US" sz="2400" dirty="0">
                 <a:latin typeface="Arial" panose="020B0604020202020204" pitchFamily="34" charset="0"/>
                 <a:cs typeface="Arial" panose="020B0604020202020204" pitchFamily="34" charset="0"/>
               </a:rPr>
@@ -32876,7 +32893,7 @@
               <a:buChar char="•"/>
             </a:pPr>
             <a:r>
-              <a:rPr lang="en-US" sz="2800" dirty="0">
+              <a:rPr lang="en-US" sz="2400" dirty="0">
                 <a:latin typeface="Arial" panose="020B0604020202020204" pitchFamily="34" charset="0"/>
                 <a:cs typeface="Arial" panose="020B0604020202020204" pitchFamily="34" charset="0"/>
               </a:rPr>
@@ -32889,13 +32906,13 @@
               <a:buChar char="•"/>
             </a:pPr>
             <a:r>
-              <a:rPr lang="el-GR" sz="2800" dirty="0">
+              <a:rPr lang="el-GR" sz="2400" dirty="0">
                 <a:latin typeface="Arial" panose="020B0604020202020204" pitchFamily="34" charset="0"/>
                 <a:cs typeface="Arial" panose="020B0604020202020204" pitchFamily="34" charset="0"/>
               </a:rPr>
               <a:t>Στάδια</a:t>
             </a:r>
-            <a:endParaRPr lang="en-US" sz="2800" dirty="0">
+            <a:endParaRPr lang="en-US" sz="2400" dirty="0">
               <a:latin typeface="Arial" panose="020B0604020202020204" pitchFamily="34" charset="0"/>
               <a:cs typeface="Arial" panose="020B0604020202020204" pitchFamily="34" charset="0"/>
             </a:endParaRPr>
@@ -32906,13 +32923,13 @@
               <a:buChar char="•"/>
             </a:pPr>
             <a:r>
-              <a:rPr lang="en-US" sz="2800" dirty="0">
+              <a:rPr lang="en-US" sz="2400" dirty="0">
                 <a:latin typeface="Arial" panose="020B0604020202020204" pitchFamily="34" charset="0"/>
                 <a:cs typeface="Arial" panose="020B0604020202020204" pitchFamily="34" charset="0"/>
               </a:rPr>
               <a:t>AR/VR</a:t>
             </a:r>
-            <a:endParaRPr lang="el-GR" sz="2800" dirty="0">
+            <a:endParaRPr lang="el-GR" sz="2400" dirty="0">
               <a:latin typeface="Arial" panose="020B0604020202020204" pitchFamily="34" charset="0"/>
               <a:cs typeface="Arial" panose="020B0604020202020204" pitchFamily="34" charset="0"/>
             </a:endParaRPr>
@@ -32923,7 +32940,7 @@
               <a:buChar char="•"/>
             </a:pPr>
             <a:r>
-              <a:rPr lang="en-US" sz="2800" dirty="0">
+              <a:rPr lang="en-US" sz="2400" dirty="0">
                 <a:latin typeface="Arial" panose="020B0604020202020204" pitchFamily="34" charset="0"/>
                 <a:cs typeface="Arial" panose="020B0604020202020204" pitchFamily="34" charset="0"/>
               </a:rPr>
@@ -32936,20 +32953,20 @@
               <a:buChar char="•"/>
             </a:pPr>
             <a:r>
-              <a:rPr lang="el-GR" sz="2800" dirty="0">
+              <a:rPr lang="el-GR" sz="2400" dirty="0">
                 <a:latin typeface="Arial" panose="020B0604020202020204" pitchFamily="34" charset="0"/>
                 <a:cs typeface="Arial" panose="020B0604020202020204" pitchFamily="34" charset="0"/>
               </a:rPr>
               <a:t>Συσχετίσει με τα </a:t>
             </a:r>
             <a:r>
-              <a:rPr lang="en-US" sz="2800" dirty="0">
+              <a:rPr lang="en-US" sz="2400" dirty="0">
                 <a:latin typeface="Arial" panose="020B0604020202020204" pitchFamily="34" charset="0"/>
                 <a:cs typeface="Arial" panose="020B0604020202020204" pitchFamily="34" charset="0"/>
               </a:rPr>
               <a:t>Gameplay Mechanics</a:t>
             </a:r>
-            <a:endParaRPr lang="el-GR" sz="2800" dirty="0">
+            <a:endParaRPr lang="el-GR" sz="2400" dirty="0">
               <a:latin typeface="Arial" panose="020B0604020202020204" pitchFamily="34" charset="0"/>
               <a:cs typeface="Arial" panose="020B0604020202020204" pitchFamily="34" charset="0"/>
             </a:endParaRPr>
@@ -32960,7 +32977,7 @@
               <a:buChar char="•"/>
             </a:pPr>
             <a:r>
-              <a:rPr lang="el-GR" sz="2800" dirty="0">
+              <a:rPr lang="el-GR" sz="2400" dirty="0">
                 <a:latin typeface="Arial" panose="020B0604020202020204" pitchFamily="34" charset="0"/>
                 <a:cs typeface="Arial" panose="020B0604020202020204" pitchFamily="34" charset="0"/>
               </a:rPr>

--- a/MENTAL WEALTH PROFESSIONAL LIFE 3 (PROJECT) (CN6000)/Research_Thesis_Main/Μητροπολιτικό Κολλέγιο_ΣΕΚΦ[Μιχαηλ Μαρκου] Advanced multiplayer game mechanics.pptx
+++ b/MENTAL WEALTH PROFESSIONAL LIFE 3 (PROJECT) (CN6000)/Research_Thesis_Main/Μητροπολιτικό Κολλέγιο_ΣΕΚΦ[Μιχαηλ Μαρκου] Advanced multiplayer game mechanics.pptx
@@ -17684,7 +17684,7 @@
             <a:fld id="{8196BD0F-C7DE-4148-B4AF-E3709382BF27}" type="datetimeFigureOut">
               <a:rPr lang="en-US" smtClean="0"/>
               <a:pPr/>
-              <a:t>5/12/2022</a:t>
+              <a:t>5/13/2022</a:t>
             </a:fld>
             <a:endParaRPr lang="en-US" dirty="0"/>
           </a:p>
@@ -17851,7 +17851,7 @@
             <a:fld id="{FEE8B350-5958-0E41-A6C5-C2C83FBF1FAC}" type="datetimeFigureOut">
               <a:rPr lang="en-US" smtClean="0"/>
               <a:pPr/>
-              <a:t>5/12/2022</a:t>
+              <a:t>5/13/2022</a:t>
             </a:fld>
             <a:endParaRPr lang="en-US" dirty="0"/>
           </a:p>
@@ -18718,562 +18718,7 @@
             </a:endParaRPr>
           </a:p>
           <a:p>
-            <a:pPr marL="342900" marR="0" lvl="0" indent="-342900" algn="just">
-              <a:lnSpc>
-                <a:spcPct val="150000"/>
-              </a:lnSpc>
-              <a:spcBef>
-                <a:spcPts val="0"/>
-              </a:spcBef>
-              <a:spcAft>
-                <a:spcPts val="0"/>
-              </a:spcAft>
-              <a:buFont typeface="+mj-lt"/>
-              <a:buAutoNum type="arabicPeriod"/>
-            </a:pPr>
-            <a:r>
-              <a:rPr lang="el-GR" sz="1200" strike="sngStrike" dirty="0">
-                <a:effectLst/>
-                <a:latin typeface="Arial" panose="020B0604020202020204" pitchFamily="34" charset="0"/>
-                <a:ea typeface="Calibri" panose="020F0502020204030204" pitchFamily="34" charset="0"/>
-                <a:cs typeface="Arial" panose="020B0604020202020204" pitchFamily="34" charset="0"/>
-              </a:rPr>
-              <a:t>Εύρεση και ικανοποίηση απαιτήσεων των </a:t>
-            </a:r>
-            <a:r>
-              <a:rPr lang="en-US" sz="1200" strike="sngStrike" dirty="0">
-                <a:effectLst/>
-                <a:latin typeface="Arial" panose="020B0604020202020204" pitchFamily="34" charset="0"/>
-                <a:ea typeface="Calibri" panose="020F0502020204030204" pitchFamily="34" charset="0"/>
-                <a:cs typeface="Arial" panose="020B0604020202020204" pitchFamily="34" charset="0"/>
-              </a:rPr>
-              <a:t>top trend</a:t>
-            </a:r>
-            <a:r>
-              <a:rPr lang="el-GR" sz="1200" strike="sngStrike" dirty="0">
-                <a:effectLst/>
-                <a:latin typeface="Arial" panose="020B0604020202020204" pitchFamily="34" charset="0"/>
-                <a:ea typeface="Calibri" panose="020F0502020204030204" pitchFamily="34" charset="0"/>
-                <a:cs typeface="Arial" panose="020B0604020202020204" pitchFamily="34" charset="0"/>
-              </a:rPr>
-              <a:t> </a:t>
-            </a:r>
-            <a:r>
-              <a:rPr lang="en-US" sz="1200" strike="sngStrike" dirty="0">
-                <a:effectLst/>
-                <a:latin typeface="Arial" panose="020B0604020202020204" pitchFamily="34" charset="0"/>
-                <a:ea typeface="Calibri" panose="020F0502020204030204" pitchFamily="34" charset="0"/>
-                <a:cs typeface="Arial" panose="020B0604020202020204" pitchFamily="34" charset="0"/>
-              </a:rPr>
-              <a:t>Feature </a:t>
-            </a:r>
-            <a:r>
-              <a:rPr lang="el-GR" sz="1200" strike="sngStrike" dirty="0">
-                <a:effectLst/>
-                <a:latin typeface="Arial" panose="020B0604020202020204" pitchFamily="34" charset="0"/>
-                <a:ea typeface="Calibri" panose="020F0502020204030204" pitchFamily="34" charset="0"/>
-                <a:cs typeface="Arial" panose="020B0604020202020204" pitchFamily="34" charset="0"/>
-              </a:rPr>
-              <a:t>σύμφωνα με τα δημογραφικά αποτελέσματα αλλά  και τις δυνατότητες υλοποιήσεις τις από τις υπάρχουσες τεχνολογίες. Αυτό το βήμα είχε ως στόχο να αύξηση την ζήτηση και χρήση συστημάτων παιχνιδιού συγκεκριμένου τύπου. Καθώς στόχος μπορεί να μην είναι πάντοτε ο ρεαλισμός αλλά η διασκέδαση.</a:t>
-            </a:r>
-            <a:endParaRPr lang="en-US" sz="1200" strike="sngStrike" dirty="0">
-              <a:effectLst/>
-              <a:latin typeface="Arial" panose="020B0604020202020204" pitchFamily="34" charset="0"/>
-              <a:ea typeface="Calibri" panose="020F0502020204030204" pitchFamily="34" charset="0"/>
-              <a:cs typeface="Times New Roman" panose="02020603050405020304" pitchFamily="18" charset="0"/>
-            </a:endParaRPr>
-          </a:p>
-          <a:p>
-            <a:pPr marL="342900" marR="0" lvl="0" indent="-342900" algn="just">
-              <a:lnSpc>
-                <a:spcPct val="150000"/>
-              </a:lnSpc>
-              <a:spcBef>
-                <a:spcPts val="0"/>
-              </a:spcBef>
-              <a:spcAft>
-                <a:spcPts val="0"/>
-              </a:spcAft>
-              <a:buFont typeface="+mj-lt"/>
-              <a:buAutoNum type="arabicPeriod"/>
-            </a:pPr>
-            <a:r>
-              <a:rPr lang="el-GR" sz="1200" strike="sngStrike" dirty="0">
-                <a:effectLst/>
-                <a:latin typeface="Arial" panose="020B0604020202020204" pitchFamily="34" charset="0"/>
-                <a:ea typeface="Calibri" panose="020F0502020204030204" pitchFamily="34" charset="0"/>
-                <a:cs typeface="Arial" panose="020B0604020202020204" pitchFamily="34" charset="0"/>
-              </a:rPr>
-              <a:t>Επιλογή εργαλείων/τεχνολογιών υλοποιήσεις των απαιτήσεων καθώς στο κόσμο του προγραμματισμού και </a:t>
-            </a:r>
-            <a:r>
-              <a:rPr lang="en-US" sz="1200" strike="sngStrike" dirty="0">
-                <a:effectLst/>
-                <a:latin typeface="Arial" panose="020B0604020202020204" pitchFamily="34" charset="0"/>
-                <a:ea typeface="Calibri" panose="020F0502020204030204" pitchFamily="34" charset="0"/>
-                <a:cs typeface="Arial" panose="020B0604020202020204" pitchFamily="34" charset="0"/>
-              </a:rPr>
-              <a:t>engineering</a:t>
-            </a:r>
-            <a:r>
-              <a:rPr lang="el-GR" sz="1200" strike="sngStrike" dirty="0">
-                <a:effectLst/>
-                <a:latin typeface="Arial" panose="020B0604020202020204" pitchFamily="34" charset="0"/>
-                <a:ea typeface="Calibri" panose="020F0502020204030204" pitchFamily="34" charset="0"/>
-                <a:cs typeface="Arial" panose="020B0604020202020204" pitchFamily="34" charset="0"/>
-              </a:rPr>
-              <a:t> τίποτα δεν είναι απόλυτο και πρέπει να λαμβάνονται αποφάσεις σχετικά με ποιο εργαλείο θα μας παρέχει επιθυμητά αποτελέσματα καθώς προσφέρει </a:t>
-            </a:r>
-            <a:r>
-              <a:rPr lang="en-US" sz="1200" strike="sngStrike" dirty="0">
-                <a:effectLst/>
-                <a:latin typeface="Arial" panose="020B0604020202020204" pitchFamily="34" charset="0"/>
-                <a:ea typeface="Calibri" panose="020F0502020204030204" pitchFamily="34" charset="0"/>
-                <a:cs typeface="Arial" panose="020B0604020202020204" pitchFamily="34" charset="0"/>
-              </a:rPr>
-              <a:t>top features</a:t>
-            </a:r>
-            <a:r>
-              <a:rPr lang="el-GR" sz="1200" strike="sngStrike" dirty="0">
-                <a:effectLst/>
-                <a:latin typeface="Arial" panose="020B0604020202020204" pitchFamily="34" charset="0"/>
-                <a:ea typeface="Calibri" panose="020F0502020204030204" pitchFamily="34" charset="0"/>
-                <a:cs typeface="Arial" panose="020B0604020202020204" pitchFamily="34" charset="0"/>
-              </a:rPr>
-              <a:t> και </a:t>
-            </a:r>
-            <a:r>
-              <a:rPr lang="en-US" sz="1200" strike="sngStrike" dirty="0">
-                <a:effectLst/>
-                <a:latin typeface="Arial" panose="020B0604020202020204" pitchFamily="34" charset="0"/>
-                <a:ea typeface="Calibri" panose="020F0502020204030204" pitchFamily="34" charset="0"/>
-                <a:cs typeface="Arial" panose="020B0604020202020204" pitchFamily="34" charset="0"/>
-              </a:rPr>
-              <a:t>streamlined workflow</a:t>
-            </a:r>
-            <a:r>
-              <a:rPr lang="el-GR" sz="1200" strike="sngStrike" dirty="0">
-                <a:effectLst/>
-                <a:latin typeface="Arial" panose="020B0604020202020204" pitchFamily="34" charset="0"/>
-                <a:ea typeface="Calibri" panose="020F0502020204030204" pitchFamily="34" charset="0"/>
-                <a:cs typeface="Arial" panose="020B0604020202020204" pitchFamily="34" charset="0"/>
-              </a:rPr>
-              <a:t> για την επίτευξη των αποτελεσμάτων.</a:t>
-            </a:r>
-            <a:endParaRPr lang="en-US" sz="1200" strike="sngStrike" dirty="0">
-              <a:effectLst/>
-              <a:latin typeface="Arial" panose="020B0604020202020204" pitchFamily="34" charset="0"/>
-              <a:ea typeface="Calibri" panose="020F0502020204030204" pitchFamily="34" charset="0"/>
-              <a:cs typeface="Times New Roman" panose="02020603050405020304" pitchFamily="18" charset="0"/>
-            </a:endParaRPr>
-          </a:p>
-          <a:p>
-            <a:pPr marL="342900" marR="0" lvl="0" indent="-342900" algn="just">
-              <a:lnSpc>
-                <a:spcPct val="150000"/>
-              </a:lnSpc>
-              <a:spcBef>
-                <a:spcPts val="0"/>
-              </a:spcBef>
-              <a:spcAft>
-                <a:spcPts val="0"/>
-              </a:spcAft>
-              <a:buFont typeface="+mj-lt"/>
-              <a:buAutoNum type="arabicPeriod"/>
-            </a:pPr>
-            <a:r>
-              <a:rPr lang="el-GR" sz="1200" strike="sngStrike" dirty="0">
-                <a:effectLst/>
-                <a:latin typeface="Arial" panose="020B0604020202020204" pitchFamily="34" charset="0"/>
-                <a:ea typeface="Calibri" panose="020F0502020204030204" pitchFamily="34" charset="0"/>
-                <a:cs typeface="Arial" panose="020B0604020202020204" pitchFamily="34" charset="0"/>
-              </a:rPr>
-              <a:t>Επιλογή</a:t>
-            </a:r>
-            <a:r>
-              <a:rPr lang="en-US" sz="1200" strike="sngStrike" dirty="0">
-                <a:effectLst/>
-                <a:latin typeface="Arial" panose="020B0604020202020204" pitchFamily="34" charset="0"/>
-                <a:ea typeface="Calibri" panose="020F0502020204030204" pitchFamily="34" charset="0"/>
-                <a:cs typeface="Arial" panose="020B0604020202020204" pitchFamily="34" charset="0"/>
-              </a:rPr>
-              <a:t> Project Management &amp; software development methodologies (</a:t>
-            </a:r>
-            <a:r>
-              <a:rPr lang="el-GR" sz="1200" strike="sngStrike" dirty="0">
-                <a:effectLst/>
-                <a:latin typeface="Arial" panose="020B0604020202020204" pitchFamily="34" charset="0"/>
-                <a:ea typeface="Calibri" panose="020F0502020204030204" pitchFamily="34" charset="0"/>
-                <a:cs typeface="Arial" panose="020B0604020202020204" pitchFamily="34" charset="0"/>
-              </a:rPr>
-              <a:t>Πληθυντικό διότι</a:t>
-            </a:r>
-            <a:r>
-              <a:rPr lang="en-US" sz="1200" strike="sngStrike" dirty="0">
-                <a:effectLst/>
-                <a:latin typeface="Arial" panose="020B0604020202020204" pitchFamily="34" charset="0"/>
-                <a:ea typeface="Calibri" panose="020F0502020204030204" pitchFamily="34" charset="0"/>
-                <a:cs typeface="Arial" panose="020B0604020202020204" pitchFamily="34" charset="0"/>
-              </a:rPr>
-              <a:t> i.e., </a:t>
-            </a:r>
-            <a:r>
-              <a:rPr lang="el-GR" sz="1200" strike="sngStrike" dirty="0">
-                <a:effectLst/>
-                <a:latin typeface="Arial" panose="020B0604020202020204" pitchFamily="34" charset="0"/>
-                <a:ea typeface="Calibri" panose="020F0502020204030204" pitchFamily="34" charset="0"/>
-                <a:cs typeface="Arial" panose="020B0604020202020204" pitchFamily="34" charset="0"/>
-              </a:rPr>
-              <a:t>ή</a:t>
-            </a:r>
-            <a:r>
-              <a:rPr lang="en-US" sz="1200" strike="sngStrike" dirty="0">
-                <a:effectLst/>
-                <a:latin typeface="Arial" panose="020B0604020202020204" pitchFamily="34" charset="0"/>
-                <a:ea typeface="Calibri" panose="020F0502020204030204" pitchFamily="34" charset="0"/>
-                <a:cs typeface="Arial" panose="020B0604020202020204" pitchFamily="34" charset="0"/>
-              </a:rPr>
-              <a:t>/</a:t>
-            </a:r>
-            <a:r>
-              <a:rPr lang="el-GR" sz="1200" strike="sngStrike" dirty="0">
-                <a:effectLst/>
-                <a:latin typeface="Arial" panose="020B0604020202020204" pitchFamily="34" charset="0"/>
-                <a:ea typeface="Calibri" panose="020F0502020204030204" pitchFamily="34" charset="0"/>
-                <a:cs typeface="Arial" panose="020B0604020202020204" pitchFamily="34" charset="0"/>
-              </a:rPr>
-              <a:t>και</a:t>
-            </a:r>
-            <a:r>
-              <a:rPr lang="en-US" sz="1200" strike="sngStrike" dirty="0">
-                <a:effectLst/>
-                <a:latin typeface="Arial" panose="020B0604020202020204" pitchFamily="34" charset="0"/>
-                <a:ea typeface="Calibri" panose="020F0502020204030204" pitchFamily="34" charset="0"/>
-                <a:cs typeface="Arial" panose="020B0604020202020204" pitchFamily="34" charset="0"/>
-              </a:rPr>
-              <a:t> agile + DevOps)</a:t>
-            </a:r>
-            <a:endParaRPr lang="en-US" sz="1200" strike="sngStrike" dirty="0">
-              <a:effectLst/>
-              <a:latin typeface="Arial" panose="020B0604020202020204" pitchFamily="34" charset="0"/>
-              <a:ea typeface="Calibri" panose="020F0502020204030204" pitchFamily="34" charset="0"/>
-              <a:cs typeface="Times New Roman" panose="02020603050405020304" pitchFamily="18" charset="0"/>
-            </a:endParaRPr>
-          </a:p>
-          <a:p>
-            <a:pPr marL="342900" marR="0" lvl="0" indent="-342900" algn="just">
-              <a:lnSpc>
-                <a:spcPct val="150000"/>
-              </a:lnSpc>
-              <a:spcBef>
-                <a:spcPts val="0"/>
-              </a:spcBef>
-              <a:spcAft>
-                <a:spcPts val="0"/>
-              </a:spcAft>
-              <a:buFont typeface="+mj-lt"/>
-              <a:buAutoNum type="arabicPeriod"/>
-            </a:pPr>
-            <a:r>
-              <a:rPr lang="en-US" sz="1200" strike="sngStrike" dirty="0">
-                <a:effectLst/>
-                <a:latin typeface="Arial" panose="020B0604020202020204" pitchFamily="34" charset="0"/>
-                <a:ea typeface="Calibri" panose="020F0502020204030204" pitchFamily="34" charset="0"/>
-                <a:cs typeface="Arial" panose="020B0604020202020204" pitchFamily="34" charset="0"/>
-              </a:rPr>
-              <a:t>UML &amp; Class Design</a:t>
-            </a:r>
-            <a:endParaRPr lang="en-US" sz="1200" strike="sngStrike" dirty="0">
-              <a:effectLst/>
-              <a:latin typeface="Arial" panose="020B0604020202020204" pitchFamily="34" charset="0"/>
-              <a:ea typeface="Calibri" panose="020F0502020204030204" pitchFamily="34" charset="0"/>
-              <a:cs typeface="Times New Roman" panose="02020603050405020304" pitchFamily="18" charset="0"/>
-            </a:endParaRPr>
-          </a:p>
-          <a:p>
-            <a:pPr marL="342900" marR="0" lvl="0" indent="-342900" algn="just">
-              <a:lnSpc>
-                <a:spcPct val="150000"/>
-              </a:lnSpc>
-              <a:spcBef>
-                <a:spcPts val="0"/>
-              </a:spcBef>
-              <a:spcAft>
-                <a:spcPts val="0"/>
-              </a:spcAft>
-              <a:buFont typeface="+mj-lt"/>
-              <a:buAutoNum type="arabicPeriod"/>
-            </a:pPr>
-            <a:r>
-              <a:rPr lang="en-US" sz="1200" strike="sngStrike" dirty="0">
-                <a:effectLst/>
-                <a:latin typeface="Arial" panose="020B0604020202020204" pitchFamily="34" charset="0"/>
-                <a:ea typeface="Calibri" panose="020F0502020204030204" pitchFamily="34" charset="0"/>
-                <a:cs typeface="Arial" panose="020B0604020202020204" pitchFamily="34" charset="0"/>
-              </a:rPr>
-              <a:t>Level Blocking out/</a:t>
-            </a:r>
-            <a:r>
-              <a:rPr lang="en-US" sz="1200" strike="sngStrike" dirty="0" err="1">
-                <a:effectLst/>
-                <a:latin typeface="Arial" panose="020B0604020202020204" pitchFamily="34" charset="0"/>
-                <a:ea typeface="Calibri" panose="020F0502020204030204" pitchFamily="34" charset="0"/>
-                <a:cs typeface="Arial" panose="020B0604020202020204" pitchFamily="34" charset="0"/>
-              </a:rPr>
-              <a:t>whiteBoxing</a:t>
-            </a:r>
-            <a:endParaRPr lang="en-US" sz="1200" strike="sngStrike" dirty="0">
-              <a:effectLst/>
-              <a:latin typeface="Arial" panose="020B0604020202020204" pitchFamily="34" charset="0"/>
-              <a:ea typeface="Calibri" panose="020F0502020204030204" pitchFamily="34" charset="0"/>
-              <a:cs typeface="Times New Roman" panose="02020603050405020304" pitchFamily="18" charset="0"/>
-            </a:endParaRPr>
-          </a:p>
-          <a:p>
-            <a:pPr marL="342900" marR="0" lvl="0" indent="-342900" algn="just">
-              <a:lnSpc>
-                <a:spcPct val="150000"/>
-              </a:lnSpc>
-              <a:spcBef>
-                <a:spcPts val="0"/>
-              </a:spcBef>
-              <a:spcAft>
-                <a:spcPts val="0"/>
-              </a:spcAft>
-              <a:buFont typeface="+mj-lt"/>
-              <a:buAutoNum type="arabicPeriod"/>
-            </a:pPr>
-            <a:r>
-              <a:rPr lang="en-US" sz="1200" strike="sngStrike" dirty="0">
-                <a:effectLst/>
-                <a:latin typeface="Arial" panose="020B0604020202020204" pitchFamily="34" charset="0"/>
-                <a:ea typeface="Calibri" panose="020F0502020204030204" pitchFamily="34" charset="0"/>
-                <a:cs typeface="Arial" panose="020B0604020202020204" pitchFamily="34" charset="0"/>
-              </a:rPr>
-              <a:t>Class implementation</a:t>
-            </a:r>
-            <a:endParaRPr lang="en-US" sz="1200" strike="sngStrike" dirty="0">
-              <a:effectLst/>
-              <a:latin typeface="Arial" panose="020B0604020202020204" pitchFamily="34" charset="0"/>
-              <a:ea typeface="Calibri" panose="020F0502020204030204" pitchFamily="34" charset="0"/>
-              <a:cs typeface="Times New Roman" panose="02020603050405020304" pitchFamily="18" charset="0"/>
-            </a:endParaRPr>
-          </a:p>
-          <a:p>
-            <a:pPr marL="342900" marR="0" lvl="0" indent="-342900" algn="just">
-              <a:lnSpc>
-                <a:spcPct val="150000"/>
-              </a:lnSpc>
-              <a:spcBef>
-                <a:spcPts val="0"/>
-              </a:spcBef>
-              <a:spcAft>
-                <a:spcPts val="0"/>
-              </a:spcAft>
-              <a:buFont typeface="+mj-lt"/>
-              <a:buAutoNum type="arabicPeriod"/>
-            </a:pPr>
-            <a:r>
-              <a:rPr lang="en-US" sz="1200" strike="sngStrike" dirty="0">
-                <a:effectLst/>
-                <a:latin typeface="Arial" panose="020B0604020202020204" pitchFamily="34" charset="0"/>
-                <a:ea typeface="Calibri" panose="020F0502020204030204" pitchFamily="34" charset="0"/>
-                <a:cs typeface="Arial" panose="020B0604020202020204" pitchFamily="34" charset="0"/>
-              </a:rPr>
-              <a:t>Testing</a:t>
-            </a:r>
-            <a:endParaRPr lang="en-US" sz="1200" strike="sngStrike" dirty="0">
-              <a:effectLst/>
-              <a:latin typeface="Arial" panose="020B0604020202020204" pitchFamily="34" charset="0"/>
-              <a:ea typeface="Calibri" panose="020F0502020204030204" pitchFamily="34" charset="0"/>
-              <a:cs typeface="Times New Roman" panose="02020603050405020304" pitchFamily="18" charset="0"/>
-            </a:endParaRPr>
-          </a:p>
-          <a:p>
-            <a:pPr marL="342900" marR="0" lvl="0" indent="-342900" algn="just">
-              <a:lnSpc>
-                <a:spcPct val="150000"/>
-              </a:lnSpc>
-              <a:spcBef>
-                <a:spcPts val="0"/>
-              </a:spcBef>
-              <a:spcAft>
-                <a:spcPts val="0"/>
-              </a:spcAft>
-              <a:buFont typeface="+mj-lt"/>
-              <a:buAutoNum type="arabicPeriod"/>
-            </a:pPr>
-            <a:r>
-              <a:rPr lang="en-US" sz="1200" strike="sngStrike" dirty="0">
-                <a:effectLst/>
-                <a:latin typeface="Arial" panose="020B0604020202020204" pitchFamily="34" charset="0"/>
-                <a:ea typeface="Calibri" panose="020F0502020204030204" pitchFamily="34" charset="0"/>
-                <a:cs typeface="Arial" panose="020B0604020202020204" pitchFamily="34" charset="0"/>
-              </a:rPr>
-              <a:t>3D modeling, Animation &amp; material authoring</a:t>
-            </a:r>
-            <a:endParaRPr lang="en-US" sz="1200" strike="sngStrike" dirty="0">
-              <a:effectLst/>
-              <a:latin typeface="Arial" panose="020B0604020202020204" pitchFamily="34" charset="0"/>
-              <a:ea typeface="Calibri" panose="020F0502020204030204" pitchFamily="34" charset="0"/>
-              <a:cs typeface="Times New Roman" panose="02020603050405020304" pitchFamily="18" charset="0"/>
-            </a:endParaRPr>
-          </a:p>
-          <a:p>
-            <a:pPr marL="342900" marR="0" lvl="0" indent="-342900" algn="just">
-              <a:lnSpc>
-                <a:spcPct val="150000"/>
-              </a:lnSpc>
-              <a:spcBef>
-                <a:spcPts val="0"/>
-              </a:spcBef>
-              <a:spcAft>
-                <a:spcPts val="0"/>
-              </a:spcAft>
-              <a:buFont typeface="+mj-lt"/>
-              <a:buAutoNum type="arabicPeriod"/>
-            </a:pPr>
-            <a:r>
-              <a:rPr lang="en-US" sz="1200" strike="sngStrike" dirty="0">
-                <a:effectLst/>
-                <a:latin typeface="Arial" panose="020B0604020202020204" pitchFamily="34" charset="0"/>
-                <a:ea typeface="Calibri" panose="020F0502020204030204" pitchFamily="34" charset="0"/>
-                <a:cs typeface="Arial" panose="020B0604020202020204" pitchFamily="34" charset="0"/>
-              </a:rPr>
-              <a:t>Finalize results</a:t>
-            </a:r>
-            <a:endParaRPr lang="en-US" sz="1200" strike="sngStrike" dirty="0">
-              <a:effectLst/>
-              <a:latin typeface="Arial" panose="020B0604020202020204" pitchFamily="34" charset="0"/>
-              <a:ea typeface="Calibri" panose="020F0502020204030204" pitchFamily="34" charset="0"/>
-              <a:cs typeface="Times New Roman" panose="02020603050405020304" pitchFamily="18" charset="0"/>
-            </a:endParaRPr>
-          </a:p>
-          <a:p>
-            <a:pPr marL="342900" marR="0" lvl="0" indent="-342900" algn="just">
-              <a:lnSpc>
-                <a:spcPct val="150000"/>
-              </a:lnSpc>
-              <a:spcBef>
-                <a:spcPts val="0"/>
-              </a:spcBef>
-              <a:spcAft>
-                <a:spcPts val="0"/>
-              </a:spcAft>
-              <a:buFont typeface="+mj-lt"/>
-              <a:buAutoNum type="arabicPeriod"/>
-            </a:pPr>
-            <a:r>
-              <a:rPr lang="en-US" sz="1200" strike="sngStrike" dirty="0">
-                <a:effectLst/>
-                <a:latin typeface="Arial" panose="020B0604020202020204" pitchFamily="34" charset="0"/>
-                <a:ea typeface="Calibri" panose="020F0502020204030204" pitchFamily="34" charset="0"/>
-                <a:cs typeface="Arial" panose="020B0604020202020204" pitchFamily="34" charset="0"/>
-              </a:rPr>
-              <a:t>Testing</a:t>
-            </a:r>
-            <a:endParaRPr lang="en-US" sz="1200" strike="sngStrike" dirty="0">
-              <a:effectLst/>
-              <a:latin typeface="Arial" panose="020B0604020202020204" pitchFamily="34" charset="0"/>
-              <a:ea typeface="Calibri" panose="020F0502020204030204" pitchFamily="34" charset="0"/>
-              <a:cs typeface="Times New Roman" panose="02020603050405020304" pitchFamily="18" charset="0"/>
-            </a:endParaRPr>
-          </a:p>
-          <a:p>
-            <a:pPr marL="342900" marR="0" lvl="0" indent="-342900" algn="just">
-              <a:lnSpc>
-                <a:spcPct val="150000"/>
-              </a:lnSpc>
-              <a:spcBef>
-                <a:spcPts val="0"/>
-              </a:spcBef>
-              <a:spcAft>
-                <a:spcPts val="0"/>
-              </a:spcAft>
-              <a:buFont typeface="+mj-lt"/>
-              <a:buAutoNum type="arabicPeriod"/>
-            </a:pPr>
-            <a:r>
-              <a:rPr lang="en-US" sz="1200" strike="sngStrike" dirty="0">
-                <a:effectLst/>
-                <a:latin typeface="Arial" panose="020B0604020202020204" pitchFamily="34" charset="0"/>
-                <a:ea typeface="Calibri" panose="020F0502020204030204" pitchFamily="34" charset="0"/>
-                <a:cs typeface="Arial" panose="020B0604020202020204" pitchFamily="34" charset="0"/>
-              </a:rPr>
-              <a:t>Deploy</a:t>
-            </a:r>
-            <a:r>
-              <a:rPr lang="el-GR" sz="1200" strike="sngStrike" dirty="0">
-                <a:effectLst/>
-                <a:latin typeface="Arial" panose="020B0604020202020204" pitchFamily="34" charset="0"/>
-                <a:ea typeface="Calibri" panose="020F0502020204030204" pitchFamily="34" charset="0"/>
-                <a:cs typeface="Arial" panose="020B0604020202020204" pitchFamily="34" charset="0"/>
-              </a:rPr>
-              <a:t> &amp; </a:t>
-            </a:r>
-            <a:r>
-              <a:rPr lang="en-US" sz="1200" strike="sngStrike" dirty="0">
-                <a:effectLst/>
-                <a:latin typeface="Arial" panose="020B0604020202020204" pitchFamily="34" charset="0"/>
-                <a:ea typeface="Calibri" panose="020F0502020204030204" pitchFamily="34" charset="0"/>
-                <a:cs typeface="Arial" panose="020B0604020202020204" pitchFamily="34" charset="0"/>
-              </a:rPr>
-              <a:t>Production</a:t>
-            </a:r>
-            <a:r>
-              <a:rPr lang="el-GR" sz="1200" strike="sngStrike" dirty="0">
-                <a:effectLst/>
-                <a:latin typeface="Arial" panose="020B0604020202020204" pitchFamily="34" charset="0"/>
-                <a:ea typeface="Calibri" panose="020F0502020204030204" pitchFamily="34" charset="0"/>
-                <a:cs typeface="Arial" panose="020B0604020202020204" pitchFamily="34" charset="0"/>
-              </a:rPr>
-              <a:t> (</a:t>
-            </a:r>
-            <a:r>
-              <a:rPr lang="el-GR" sz="1200" i="1" strike="sngStrike" dirty="0">
-                <a:effectLst/>
-                <a:latin typeface="Arial" panose="020B0604020202020204" pitchFamily="34" charset="0"/>
-                <a:ea typeface="Calibri" panose="020F0502020204030204" pitchFamily="34" charset="0"/>
-                <a:cs typeface="Arial" panose="020B0604020202020204" pitchFamily="34" charset="0"/>
-              </a:rPr>
-              <a:t>ακολουθία </a:t>
-            </a:r>
-            <a:r>
-              <a:rPr lang="en-US" sz="1200" i="1" strike="sngStrike" dirty="0">
-                <a:effectLst/>
-                <a:latin typeface="Arial" panose="020B0604020202020204" pitchFamily="34" charset="0"/>
-                <a:ea typeface="Calibri" panose="020F0502020204030204" pitchFamily="34" charset="0"/>
-                <a:cs typeface="Arial" panose="020B0604020202020204" pitchFamily="34" charset="0"/>
-              </a:rPr>
-              <a:t>Guidelines</a:t>
-            </a:r>
-            <a:r>
-              <a:rPr lang="el-GR" sz="1200" i="1" strike="sngStrike" dirty="0">
-                <a:effectLst/>
-                <a:latin typeface="Arial" panose="020B0604020202020204" pitchFamily="34" charset="0"/>
-                <a:ea typeface="Calibri" panose="020F0502020204030204" pitchFamily="34" charset="0"/>
-                <a:cs typeface="Arial" panose="020B0604020202020204" pitchFamily="34" charset="0"/>
-              </a:rPr>
-              <a:t> για δημοσίευση στην εκάστοτε πλατφόρμα</a:t>
-            </a:r>
-            <a:r>
-              <a:rPr lang="el-GR" sz="1200" strike="sngStrike" dirty="0">
-                <a:effectLst/>
-                <a:latin typeface="Arial" panose="020B0604020202020204" pitchFamily="34" charset="0"/>
-                <a:ea typeface="Calibri" panose="020F0502020204030204" pitchFamily="34" charset="0"/>
-                <a:cs typeface="Arial" panose="020B0604020202020204" pitchFamily="34" charset="0"/>
-              </a:rPr>
-              <a:t>)</a:t>
-            </a:r>
-            <a:endParaRPr lang="en-US" sz="1200" strike="sngStrike" dirty="0">
-              <a:effectLst/>
-              <a:latin typeface="Arial" panose="020B0604020202020204" pitchFamily="34" charset="0"/>
-              <a:ea typeface="Calibri" panose="020F0502020204030204" pitchFamily="34" charset="0"/>
-              <a:cs typeface="Times New Roman" panose="02020603050405020304" pitchFamily="18" charset="0"/>
-            </a:endParaRPr>
-          </a:p>
-          <a:p>
-            <a:pPr marL="342900" marR="0" lvl="0" indent="-342900" algn="just">
+            <a:pPr marL="0" marR="0" algn="just">
               <a:lnSpc>
                 <a:spcPct val="150000"/>
               </a:lnSpc>
@@ -19283,23 +18728,12 @@
               <a:spcAft>
                 <a:spcPts val="800"/>
               </a:spcAft>
-              <a:buFont typeface="+mj-lt"/>
-              <a:buAutoNum type="arabicPeriod"/>
             </a:pPr>
-            <a:r>
-              <a:rPr lang="en-US" sz="1200" strike="sngStrike" dirty="0">
-                <a:effectLst/>
-                <a:latin typeface="Arial" panose="020B0604020202020204" pitchFamily="34" charset="0"/>
-                <a:ea typeface="Calibri" panose="020F0502020204030204" pitchFamily="34" charset="0"/>
-                <a:cs typeface="Arial" panose="020B0604020202020204" pitchFamily="34" charset="0"/>
-              </a:rPr>
-              <a:t>Support &amp; Q&amp;A</a:t>
-            </a:r>
-            <a:endParaRPr lang="en-US" sz="1200" strike="sngStrike" dirty="0">
+            <a:endParaRPr lang="en-US" sz="1200" dirty="0">
               <a:effectLst/>
               <a:latin typeface="Arial" panose="020B0604020202020204" pitchFamily="34" charset="0"/>
               <a:ea typeface="Calibri" panose="020F0502020204030204" pitchFamily="34" charset="0"/>
-              <a:cs typeface="Times New Roman" panose="02020603050405020304" pitchFamily="18" charset="0"/>
+              <a:cs typeface="Arial" panose="020B0604020202020204" pitchFamily="34" charset="0"/>
             </a:endParaRPr>
           </a:p>
           <a:p>
@@ -23262,11 +22696,11 @@
             </a:r>
             <a:r>
               <a:rPr lang="en-US" dirty="0"/>
-              <a:t>Multiplayer</a:t>
+              <a:t>Multiplayer(client server </a:t>
             </a:r>
             <a:r>
               <a:rPr lang="el-GR" dirty="0"/>
-              <a:t>, μια πλατφόρμα δηλαδή που είναι</a:t>
+              <a:t>επικοινωνία), μια πλατφόρμα δηλαδή που είναι</a:t>
             </a:r>
             <a:r>
               <a:rPr lang="en-US" dirty="0"/>
@@ -23319,7 +22753,55 @@
             </a:r>
             <a:r>
               <a:rPr lang="en-US" dirty="0"/>
-              <a:t>Local Area Network.</a:t>
+              <a:t>Local Area Network. </a:t>
+            </a:r>
+            <a:r>
+              <a:rPr lang="el-GR" dirty="0"/>
+              <a:t>Το Κάθε </a:t>
+            </a:r>
+            <a:r>
+              <a:rPr lang="en-US" dirty="0"/>
+              <a:t>Action </a:t>
+            </a:r>
+            <a:r>
+              <a:rPr lang="el-GR" dirty="0"/>
+              <a:t>πρέπει να γίνει σωστά </a:t>
+            </a:r>
+            <a:r>
+              <a:rPr lang="en-US" dirty="0"/>
+              <a:t>replicate </a:t>
+            </a:r>
+            <a:r>
+              <a:rPr lang="el-GR" dirty="0"/>
+              <a:t>διότι είναι </a:t>
+            </a:r>
+            <a:r>
+              <a:rPr lang="en-US" dirty="0"/>
+              <a:t>Multiplayer </a:t>
+            </a:r>
+            <a:r>
+              <a:rPr lang="el-GR" dirty="0"/>
+              <a:t>δηλαδή και τα </a:t>
+            </a:r>
+            <a:r>
+              <a:rPr lang="en-US" dirty="0"/>
+              <a:t>visual </a:t>
+            </a:r>
+            <a:r>
+              <a:rPr lang="el-GR" dirty="0"/>
+              <a:t>και </a:t>
+            </a:r>
+            <a:r>
+              <a:rPr lang="en-US" dirty="0"/>
+              <a:t>audio </a:t>
+            </a:r>
+            <a:r>
+              <a:rPr lang="el-GR" dirty="0"/>
+              <a:t>πρέπει να διαδοθούν σε όλους κάτι που δεν ισχύει σε </a:t>
+            </a:r>
+            <a:r>
+              <a:rPr lang="en-US" dirty="0"/>
+              <a:t>solo/SinglePlayer games.</a:t>
             </a:r>
           </a:p>
           <a:p>
@@ -23444,15 +22926,7 @@
             </a:r>
             <a:r>
               <a:rPr lang="el-GR" dirty="0"/>
-              <a:t>ώστε να τον </a:t>
-            </a:r>
-            <a:r>
-              <a:rPr lang="el-GR" dirty="0" err="1"/>
-              <a:t>βρούν</a:t>
-            </a:r>
-            <a:r>
-              <a:rPr lang="el-GR" dirty="0"/>
-              <a:t> οι υπόλοιποι παίχτες.</a:t>
+              <a:t>ώστε να τον βρούνε οι υπόλοιποι παίχτες.</a:t>
             </a:r>
           </a:p>
           <a:p>
@@ -24812,7 +24286,7 @@
             <a:fld id="{623BE99D-5132-394D-8DE2-2FD77049DBCC}" type="datetimeFigureOut">
               <a:rPr lang="en-US" smtClean="0"/>
               <a:pPr/>
-              <a:t>5/12/2022</a:t>
+              <a:t>5/13/2022</a:t>
             </a:fld>
             <a:endParaRPr lang="en-US" dirty="0"/>
           </a:p>
@@ -25017,7 +24491,7 @@
             <a:fld id="{623BE99D-5132-394D-8DE2-2FD77049DBCC}" type="datetimeFigureOut">
               <a:rPr lang="en-US" smtClean="0"/>
               <a:pPr/>
-              <a:t>5/12/2022</a:t>
+              <a:t>5/13/2022</a:t>
             </a:fld>
             <a:endParaRPr lang="en-US" dirty="0"/>
           </a:p>
@@ -25222,7 +24696,7 @@
             <a:fld id="{623BE99D-5132-394D-8DE2-2FD77049DBCC}" type="datetimeFigureOut">
               <a:rPr lang="en-US" smtClean="0"/>
               <a:pPr/>
-              <a:t>5/12/2022</a:t>
+              <a:t>5/13/2022</a:t>
             </a:fld>
             <a:endParaRPr lang="en-US" dirty="0"/>
           </a:p>
@@ -25489,7 +24963,7 @@
             <a:fld id="{623BE99D-5132-394D-8DE2-2FD77049DBCC}" type="datetimeFigureOut">
               <a:rPr lang="en-US" smtClean="0"/>
               <a:pPr/>
-              <a:t>5/12/2022</a:t>
+              <a:t>5/13/2022</a:t>
             </a:fld>
             <a:endParaRPr lang="en-US" dirty="0"/>
           </a:p>
@@ -25699,7 +25173,7 @@
             <a:fld id="{623BE99D-5132-394D-8DE2-2FD77049DBCC}" type="datetimeFigureOut">
               <a:rPr lang="en-US" smtClean="0"/>
               <a:pPr/>
-              <a:t>5/12/2022</a:t>
+              <a:t>5/13/2022</a:t>
             </a:fld>
             <a:endParaRPr lang="en-US" dirty="0"/>
           </a:p>
@@ -25976,7 +25450,7 @@
             <a:fld id="{623BE99D-5132-394D-8DE2-2FD77049DBCC}" type="datetimeFigureOut">
               <a:rPr lang="en-US" smtClean="0"/>
               <a:pPr/>
-              <a:t>5/12/2022</a:t>
+              <a:t>5/13/2022</a:t>
             </a:fld>
             <a:endParaRPr lang="en-US" dirty="0"/>
           </a:p>
@@ -26301,7 +25775,7 @@
             <a:fld id="{623BE99D-5132-394D-8DE2-2FD77049DBCC}" type="datetimeFigureOut">
               <a:rPr lang="en-US" smtClean="0"/>
               <a:pPr/>
-              <a:t>5/12/2022</a:t>
+              <a:t>5/13/2022</a:t>
             </a:fld>
             <a:endParaRPr lang="en-US" dirty="0"/>
           </a:p>
@@ -26766,7 +26240,7 @@
             <a:fld id="{623BE99D-5132-394D-8DE2-2FD77049DBCC}" type="datetimeFigureOut">
               <a:rPr lang="en-US" smtClean="0"/>
               <a:pPr/>
-              <a:t>5/12/2022</a:t>
+              <a:t>5/13/2022</a:t>
             </a:fld>
             <a:endParaRPr lang="en-US" dirty="0"/>
           </a:p>
@@ -26917,7 +26391,7 @@
             <a:fld id="{623BE99D-5132-394D-8DE2-2FD77049DBCC}" type="datetimeFigureOut">
               <a:rPr lang="en-US" smtClean="0"/>
               <a:pPr/>
-              <a:t>5/12/2022</a:t>
+              <a:t>5/13/2022</a:t>
             </a:fld>
             <a:endParaRPr lang="en-US" dirty="0"/>
           </a:p>
@@ -27038,7 +26512,7 @@
             <a:fld id="{623BE99D-5132-394D-8DE2-2FD77049DBCC}" type="datetimeFigureOut">
               <a:rPr lang="en-US" smtClean="0"/>
               <a:pPr/>
-              <a:t>5/12/2022</a:t>
+              <a:t>5/13/2022</a:t>
             </a:fld>
             <a:endParaRPr lang="en-US" dirty="0"/>
           </a:p>
@@ -27348,7 +26822,7 @@
             <a:fld id="{623BE99D-5132-394D-8DE2-2FD77049DBCC}" type="datetimeFigureOut">
               <a:rPr lang="en-US" smtClean="0"/>
               <a:pPr/>
-              <a:t>5/12/2022</a:t>
+              <a:t>5/13/2022</a:t>
             </a:fld>
             <a:endParaRPr lang="en-US" dirty="0"/>
           </a:p>
@@ -27558,7 +27032,7 @@
             <a:fld id="{623BE99D-5132-394D-8DE2-2FD77049DBCC}" type="datetimeFigureOut">
               <a:rPr lang="en-US" smtClean="0"/>
               <a:pPr/>
-              <a:t>5/12/2022</a:t>
+              <a:t>5/13/2022</a:t>
             </a:fld>
             <a:endParaRPr lang="en-US" dirty="0"/>
           </a:p>
@@ -27840,7 +27314,7 @@
             <a:fld id="{623BE99D-5132-394D-8DE2-2FD77049DBCC}" type="datetimeFigureOut">
               <a:rPr lang="en-US" smtClean="0"/>
               <a:pPr/>
-              <a:t>5/12/2022</a:t>
+              <a:t>5/13/2022</a:t>
             </a:fld>
             <a:endParaRPr lang="en-US" dirty="0"/>
           </a:p>
@@ -28050,7 +27524,7 @@
             <a:fld id="{623BE99D-5132-394D-8DE2-2FD77049DBCC}" type="datetimeFigureOut">
               <a:rPr lang="en-US" smtClean="0"/>
               <a:pPr/>
-              <a:t>5/12/2022</a:t>
+              <a:t>5/13/2022</a:t>
             </a:fld>
             <a:endParaRPr lang="en-US" dirty="0"/>
           </a:p>
@@ -28260,7 +27734,7 @@
             <a:fld id="{623BE99D-5132-394D-8DE2-2FD77049DBCC}" type="datetimeFigureOut">
               <a:rPr lang="en-US" smtClean="0"/>
               <a:pPr/>
-              <a:t>5/12/2022</a:t>
+              <a:t>5/13/2022</a:t>
             </a:fld>
             <a:endParaRPr lang="en-US" dirty="0"/>
           </a:p>
@@ -28537,7 +28011,7 @@
             <a:fld id="{623BE99D-5132-394D-8DE2-2FD77049DBCC}" type="datetimeFigureOut">
               <a:rPr lang="en-US" smtClean="0"/>
               <a:pPr/>
-              <a:t>5/12/2022</a:t>
+              <a:t>5/13/2022</a:t>
             </a:fld>
             <a:endParaRPr lang="en-US" dirty="0"/>
           </a:p>
@@ -28857,7 +28331,7 @@
             <a:fld id="{623BE99D-5132-394D-8DE2-2FD77049DBCC}" type="datetimeFigureOut">
               <a:rPr lang="en-US" smtClean="0"/>
               <a:pPr/>
-              <a:t>5/12/2022</a:t>
+              <a:t>5/13/2022</a:t>
             </a:fld>
             <a:endParaRPr lang="en-US" dirty="0"/>
           </a:p>
@@ -29317,7 +28791,7 @@
             <a:fld id="{623BE99D-5132-394D-8DE2-2FD77049DBCC}" type="datetimeFigureOut">
               <a:rPr lang="en-US" smtClean="0"/>
               <a:pPr/>
-              <a:t>5/12/2022</a:t>
+              <a:t>5/13/2022</a:t>
             </a:fld>
             <a:endParaRPr lang="en-US" dirty="0"/>
           </a:p>
@@ -29463,7 +28937,7 @@
             <a:fld id="{623BE99D-5132-394D-8DE2-2FD77049DBCC}" type="datetimeFigureOut">
               <a:rPr lang="en-US" smtClean="0"/>
               <a:pPr/>
-              <a:t>5/12/2022</a:t>
+              <a:t>5/13/2022</a:t>
             </a:fld>
             <a:endParaRPr lang="en-US" dirty="0"/>
           </a:p>
@@ -29579,7 +29053,7 @@
             <a:fld id="{623BE99D-5132-394D-8DE2-2FD77049DBCC}" type="datetimeFigureOut">
               <a:rPr lang="en-US" smtClean="0"/>
               <a:pPr/>
-              <a:t>5/12/2022</a:t>
+              <a:t>5/13/2022</a:t>
             </a:fld>
             <a:endParaRPr lang="en-US" dirty="0"/>
           </a:p>
@@ -29884,7 +29358,7 @@
             <a:fld id="{623BE99D-5132-394D-8DE2-2FD77049DBCC}" type="datetimeFigureOut">
               <a:rPr lang="en-US" smtClean="0"/>
               <a:pPr/>
-              <a:t>5/12/2022</a:t>
+              <a:t>5/13/2022</a:t>
             </a:fld>
             <a:endParaRPr lang="en-US" dirty="0"/>
           </a:p>
@@ -30166,7 +29640,7 @@
             <a:fld id="{623BE99D-5132-394D-8DE2-2FD77049DBCC}" type="datetimeFigureOut">
               <a:rPr lang="en-US" smtClean="0"/>
               <a:pPr/>
-              <a:t>5/12/2022</a:t>
+              <a:t>5/13/2022</a:t>
             </a:fld>
             <a:endParaRPr lang="en-US" dirty="0"/>
           </a:p>

--- a/MENTAL WEALTH PROFESSIONAL LIFE 3 (PROJECT) (CN6000)/Research_Thesis_Main/Μητροπολιτικό Κολλέγιο_ΣΕΚΦ[Μιχαηλ Μαρκου] Advanced multiplayer game mechanics.pptx
+++ b/MENTAL WEALTH PROFESSIONAL LIFE 3 (PROJECT) (CN6000)/Research_Thesis_Main/Μητροπολιτικό Κολλέγιο_ΣΕΚΦ[Μιχαηλ Μαρκου] Advanced multiplayer game mechanics.pptx
@@ -6,10 +6,10 @@
     <p:sldMasterId id="2147483672" r:id="rId2"/>
   </p:sldMasterIdLst>
   <p:notesMasterIdLst>
-    <p:notesMasterId r:id="rId34"/>
+    <p:notesMasterId r:id="rId32"/>
   </p:notesMasterIdLst>
   <p:handoutMasterIdLst>
-    <p:handoutMasterId r:id="rId35"/>
+    <p:handoutMasterId r:id="rId33"/>
   </p:handoutMasterIdLst>
   <p:sldIdLst>
     <p:sldId id="302" r:id="rId3"/>
@@ -20,29 +20,27 @@
     <p:sldId id="432" r:id="rId8"/>
     <p:sldId id="409" r:id="rId9"/>
     <p:sldId id="412" r:id="rId10"/>
-    <p:sldId id="413" r:id="rId11"/>
-    <p:sldId id="414" r:id="rId12"/>
-    <p:sldId id="433" r:id="rId13"/>
-    <p:sldId id="436" r:id="rId14"/>
-    <p:sldId id="415" r:id="rId15"/>
-    <p:sldId id="418" r:id="rId16"/>
-    <p:sldId id="420" r:id="rId17"/>
-    <p:sldId id="421" r:id="rId18"/>
-    <p:sldId id="422" r:id="rId19"/>
-    <p:sldId id="423" r:id="rId20"/>
-    <p:sldId id="424" r:id="rId21"/>
-    <p:sldId id="416" r:id="rId22"/>
-    <p:sldId id="419" r:id="rId23"/>
-    <p:sldId id="425" r:id="rId24"/>
-    <p:sldId id="417" r:id="rId25"/>
-    <p:sldId id="427" r:id="rId26"/>
-    <p:sldId id="428" r:id="rId27"/>
-    <p:sldId id="429" r:id="rId28"/>
-    <p:sldId id="430" r:id="rId29"/>
-    <p:sldId id="431" r:id="rId30"/>
-    <p:sldId id="434" r:id="rId31"/>
-    <p:sldId id="435" r:id="rId32"/>
-    <p:sldId id="426" r:id="rId33"/>
+    <p:sldId id="414" r:id="rId11"/>
+    <p:sldId id="433" r:id="rId12"/>
+    <p:sldId id="415" r:id="rId13"/>
+    <p:sldId id="418" r:id="rId14"/>
+    <p:sldId id="420" r:id="rId15"/>
+    <p:sldId id="421" r:id="rId16"/>
+    <p:sldId id="422" r:id="rId17"/>
+    <p:sldId id="423" r:id="rId18"/>
+    <p:sldId id="424" r:id="rId19"/>
+    <p:sldId id="416" r:id="rId20"/>
+    <p:sldId id="419" r:id="rId21"/>
+    <p:sldId id="425" r:id="rId22"/>
+    <p:sldId id="417" r:id="rId23"/>
+    <p:sldId id="427" r:id="rId24"/>
+    <p:sldId id="428" r:id="rId25"/>
+    <p:sldId id="429" r:id="rId26"/>
+    <p:sldId id="430" r:id="rId27"/>
+    <p:sldId id="431" r:id="rId28"/>
+    <p:sldId id="434" r:id="rId29"/>
+    <p:sldId id="435" r:id="rId30"/>
+    <p:sldId id="426" r:id="rId31"/>
   </p:sldIdLst>
   <p:sldSz cx="9144000" cy="6858000" type="screen4x3"/>
   <p:notesSz cx="6864350" cy="9996488"/>
@@ -17684,7 +17682,7 @@
             <a:fld id="{8196BD0F-C7DE-4148-B4AF-E3709382BF27}" type="datetimeFigureOut">
               <a:rPr lang="en-US" smtClean="0"/>
               <a:pPr/>
-              <a:t>5/13/2022</a:t>
+              <a:t>5/14/2022</a:t>
             </a:fld>
             <a:endParaRPr lang="en-US" dirty="0"/>
           </a:p>
@@ -17851,7 +17849,7 @@
             <a:fld id="{FEE8B350-5958-0E41-A6C5-C2C83FBF1FAC}" type="datetimeFigureOut">
               <a:rPr lang="en-US" smtClean="0"/>
               <a:pPr/>
-              <a:t>5/13/2022</a:t>
+              <a:t>5/14/2022</a:t>
             </a:fld>
             <a:endParaRPr lang="en-US" dirty="0"/>
           </a:p>
@@ -18254,7 +18252,7 @@
                 <a:ea typeface="Calibri" panose="020F0502020204030204" pitchFamily="34" charset="0"/>
                 <a:cs typeface="Arial" panose="020B0604020202020204" pitchFamily="34" charset="0"/>
               </a:rPr>
-              <a:t>VR </a:t>
+              <a:t>Virtual Reality (VR) </a:t>
             </a:r>
             <a:r>
               <a:rPr lang="el-GR" sz="1200" b="1" dirty="0">
@@ -18411,6 +18409,17 @@
           <a:bodyPr/>
           <a:lstStyle/>
           <a:p>
+            <a:pPr marL="0" marR="0" algn="just">
+              <a:lnSpc>
+                <a:spcPct val="150000"/>
+              </a:lnSpc>
+              <a:spcBef>
+                <a:spcPts val="0"/>
+              </a:spcBef>
+              <a:spcAft>
+                <a:spcPts val="800"/>
+              </a:spcAft>
+            </a:pPr>
             <a:r>
               <a:rPr lang="el-GR" sz="1200" dirty="0">
                 <a:effectLst/>
@@ -18418,7 +18427,7 @@
                 <a:ea typeface="Calibri" panose="020F0502020204030204" pitchFamily="34" charset="0"/>
                 <a:cs typeface="Arial" panose="020B0604020202020204" pitchFamily="34" charset="0"/>
               </a:rPr>
-              <a:t>Η παρούσα εργασία συστημάτων παιχνιδιού</a:t>
+              <a:t>Τα βήματα στην δημιουργία συστημάτων εικονικού κόσμου πριν από την διαδικασία έναρξης δόμησης </a:t>
             </a:r>
             <a:r>
               <a:rPr lang="en-US" sz="1200" dirty="0">
@@ -18427,7 +18436,7 @@
                 <a:ea typeface="Calibri" panose="020F0502020204030204" pitchFamily="34" charset="0"/>
                 <a:cs typeface="Arial" panose="020B0604020202020204" pitchFamily="34" charset="0"/>
               </a:rPr>
-              <a:t> </a:t>
+              <a:t>business model</a:t>
             </a:r>
             <a:r>
               <a:rPr lang="el-GR" sz="1200" dirty="0">
@@ -18436,7 +18445,7 @@
                 <a:ea typeface="Calibri" panose="020F0502020204030204" pitchFamily="34" charset="0"/>
                 <a:cs typeface="Arial" panose="020B0604020202020204" pitchFamily="34" charset="0"/>
               </a:rPr>
-              <a:t>δεν είναι </a:t>
+              <a:t> &amp; </a:t>
             </a:r>
             <a:r>
               <a:rPr lang="en-US" sz="1200" dirty="0">
@@ -18445,7 +18454,7 @@
                 <a:ea typeface="Calibri" panose="020F0502020204030204" pitchFamily="34" charset="0"/>
                 <a:cs typeface="Arial" panose="020B0604020202020204" pitchFamily="34" charset="0"/>
               </a:rPr>
-              <a:t>prototype </a:t>
+              <a:t>logic</a:t>
             </a:r>
             <a:r>
               <a:rPr lang="el-GR" sz="1200" dirty="0">
@@ -18454,21 +18463,46 @@
                 <a:ea typeface="Calibri" panose="020F0502020204030204" pitchFamily="34" charset="0"/>
                 <a:cs typeface="Arial" panose="020B0604020202020204" pitchFamily="34" charset="0"/>
               </a:rPr>
-              <a:t>μοντέλο αλλά τελικό καθώς εγκρίθηκε και δημοσιεύτηκε στην επίσημη πλατφόρμα της </a:t>
-            </a:r>
-            <a:r>
-              <a:rPr lang="en-US" sz="1200" u="sng" dirty="0">
-                <a:solidFill>
-                  <a:srgbClr val="0563C1"/>
-                </a:solidFill>
-                <a:effectLst/>
-                <a:latin typeface="Arial" panose="020B0604020202020204" pitchFamily="34" charset="0"/>
-                <a:ea typeface="Calibri" panose="020F0502020204030204" pitchFamily="34" charset="0"/>
-                <a:cs typeface="Arial" panose="020B0604020202020204" pitchFamily="34" charset="0"/>
-                <a:hlinkClick r:id="rId3"/>
-              </a:rPr>
-              <a:t>Unreal Engine Marketplace</a:t>
-            </a:r>
+              <a:t> είναι αλγοριθμικά προσεγμένα, τα εξής: </a:t>
+            </a:r>
+            <a:endParaRPr lang="en-US" sz="1200" dirty="0">
+              <a:effectLst/>
+              <a:latin typeface="Arial" panose="020B0604020202020204" pitchFamily="34" charset="0"/>
+              <a:ea typeface="Calibri" panose="020F0502020204030204" pitchFamily="34" charset="0"/>
+              <a:cs typeface="Times New Roman" panose="02020603050405020304" pitchFamily="18" charset="0"/>
+            </a:endParaRPr>
+          </a:p>
+          <a:p>
+            <a:pPr marL="0" marR="0" algn="just">
+              <a:lnSpc>
+                <a:spcPct val="150000"/>
+              </a:lnSpc>
+              <a:spcBef>
+                <a:spcPts val="0"/>
+              </a:spcBef>
+              <a:spcAft>
+                <a:spcPts val="800"/>
+              </a:spcAft>
+            </a:pPr>
+            <a:endParaRPr lang="en-US" sz="1200" dirty="0">
+              <a:effectLst/>
+              <a:latin typeface="Arial" panose="020B0604020202020204" pitchFamily="34" charset="0"/>
+              <a:ea typeface="Calibri" panose="020F0502020204030204" pitchFamily="34" charset="0"/>
+              <a:cs typeface="Arial" panose="020B0604020202020204" pitchFamily="34" charset="0"/>
+            </a:endParaRPr>
+          </a:p>
+          <a:p>
+            <a:pPr marL="0" marR="0" algn="just">
+              <a:lnSpc>
+                <a:spcPct val="150000"/>
+              </a:lnSpc>
+              <a:spcBef>
+                <a:spcPts val="0"/>
+              </a:spcBef>
+              <a:spcAft>
+                <a:spcPts val="800"/>
+              </a:spcAft>
+            </a:pPr>
             <a:r>
               <a:rPr lang="el-GR" sz="1200" dirty="0">
                 <a:effectLst/>
@@ -18476,10 +18510,17 @@
                 <a:ea typeface="Calibri" panose="020F0502020204030204" pitchFamily="34" charset="0"/>
                 <a:cs typeface="Arial" panose="020B0604020202020204" pitchFamily="34" charset="0"/>
               </a:rPr>
-              <a:t> ώστε </a:t>
-            </a:r>
-          </a:p>
-          <a:p>
+              <a:t>Εν τέλη τα παραπάνω βήματα επικεντρώνονται σε έναν </a:t>
+            </a:r>
+            <a:r>
+              <a:rPr lang="en-US" sz="1200" dirty="0">
+                <a:effectLst/>
+                <a:latin typeface="Arial" panose="020B0604020202020204" pitchFamily="34" charset="0"/>
+                <a:ea typeface="Calibri" panose="020F0502020204030204" pitchFamily="34" charset="0"/>
+                <a:cs typeface="Arial" panose="020B0604020202020204" pitchFamily="34" charset="0"/>
+              </a:rPr>
+              <a:t>fast paced marketing</a:t>
+            </a:r>
             <a:r>
               <a:rPr lang="el-GR" sz="1200" dirty="0">
                 <a:effectLst/>
@@ -18487,7 +18528,43 @@
                 <a:ea typeface="Calibri" panose="020F0502020204030204" pitchFamily="34" charset="0"/>
                 <a:cs typeface="Arial" panose="020B0604020202020204" pitchFamily="34" charset="0"/>
               </a:rPr>
-              <a:t>Λαμβάνοντας τα σωστά βήματα/</a:t>
+              <a:t> ρυθμό ανάπτυξης καθώς χρησιμοποιούνται ήδη υπάρχουσες έτοιμες τεχνολογίες για την δόμηση συστημάτων καθώς αυτό δεν είναι προκαθορισμένο διότι μπορεί για να γίνει η επιθυμία “</a:t>
+            </a:r>
+            <a:r>
+              <a:rPr lang="en-US" sz="1200" i="1" dirty="0">
+                <a:effectLst/>
+                <a:latin typeface="Arial" panose="020B0604020202020204" pitchFamily="34" charset="0"/>
+                <a:ea typeface="Calibri" panose="020F0502020204030204" pitchFamily="34" charset="0"/>
+                <a:cs typeface="Arial" panose="020B0604020202020204" pitchFamily="34" charset="0"/>
+              </a:rPr>
+              <a:t>re</a:t>
+            </a:r>
+            <a:r>
+              <a:rPr lang="el-GR" sz="1200" i="1" dirty="0">
+                <a:effectLst/>
+                <a:latin typeface="Arial" panose="020B0604020202020204" pitchFamily="34" charset="0"/>
+                <a:ea typeface="Calibri" panose="020F0502020204030204" pitchFamily="34" charset="0"/>
+                <a:cs typeface="Arial" panose="020B0604020202020204" pitchFamily="34" charset="0"/>
+              </a:rPr>
+              <a:t>-</a:t>
+            </a:r>
+            <a:r>
+              <a:rPr lang="en-US" sz="1200" i="1" dirty="0">
+                <a:effectLst/>
+                <a:latin typeface="Arial" panose="020B0604020202020204" pitchFamily="34" charset="0"/>
+                <a:ea typeface="Calibri" panose="020F0502020204030204" pitchFamily="34" charset="0"/>
+                <a:cs typeface="Arial" panose="020B0604020202020204" pitchFamily="34" charset="0"/>
+              </a:rPr>
+              <a:t>invent the wheel</a:t>
+            </a:r>
+            <a:r>
+              <a:rPr lang="el-GR" sz="1200" dirty="0">
+                <a:effectLst/>
+                <a:latin typeface="Arial" panose="020B0604020202020204" pitchFamily="34" charset="0"/>
+                <a:ea typeface="Calibri" panose="020F0502020204030204" pitchFamily="34" charset="0"/>
+                <a:cs typeface="Arial" panose="020B0604020202020204" pitchFamily="34" charset="0"/>
+              </a:rPr>
+              <a:t>” με την δημιουργία από την αρχή των τεχνολογιών από </a:t>
             </a:r>
             <a:r>
               <a:rPr lang="en-US" sz="1200" dirty="0">
@@ -18496,7 +18573,7 @@
                 <a:ea typeface="Calibri" panose="020F0502020204030204" pitchFamily="34" charset="0"/>
                 <a:cs typeface="Arial" panose="020B0604020202020204" pitchFamily="34" charset="0"/>
               </a:rPr>
-              <a:t>Guidelines</a:t>
+              <a:t>Low level</a:t>
             </a:r>
             <a:r>
               <a:rPr lang="el-GR" sz="1200" dirty="0">
@@ -18505,61 +18582,7 @@
                 <a:ea typeface="Calibri" panose="020F0502020204030204" pitchFamily="34" charset="0"/>
                 <a:cs typeface="Arial" panose="020B0604020202020204" pitchFamily="34" charset="0"/>
               </a:rPr>
-              <a:t> που θα συνοψίσουμε παρακάτω για να έρθει εις πέρας ένα </a:t>
-            </a:r>
-            <a:r>
-              <a:rPr lang="en-US" sz="1200" dirty="0">
-                <a:effectLst/>
-                <a:latin typeface="Arial" panose="020B0604020202020204" pitchFamily="34" charset="0"/>
-                <a:ea typeface="Calibri" panose="020F0502020204030204" pitchFamily="34" charset="0"/>
-                <a:cs typeface="Arial" panose="020B0604020202020204" pitchFamily="34" charset="0"/>
-              </a:rPr>
-              <a:t>project </a:t>
-            </a:r>
-            <a:r>
-              <a:rPr lang="el-GR" sz="1200" dirty="0">
-                <a:effectLst/>
-                <a:latin typeface="Arial" panose="020B0604020202020204" pitchFamily="34" charset="0"/>
-                <a:ea typeface="Calibri" panose="020F0502020204030204" pitchFamily="34" charset="0"/>
-                <a:cs typeface="Arial" panose="020B0604020202020204" pitchFamily="34" charset="0"/>
-              </a:rPr>
-              <a:t>κομμάτι </a:t>
-            </a:r>
-            <a:r>
-              <a:rPr lang="en-US" sz="1200" dirty="0">
-                <a:effectLst/>
-                <a:latin typeface="Arial" panose="020B0604020202020204" pitchFamily="34" charset="0"/>
-                <a:ea typeface="Calibri" panose="020F0502020204030204" pitchFamily="34" charset="0"/>
-                <a:cs typeface="Arial" panose="020B0604020202020204" pitchFamily="34" charset="0"/>
-              </a:rPr>
-              <a:t>video</a:t>
-            </a:r>
-            <a:r>
-              <a:rPr lang="el-GR" sz="1200" dirty="0">
-                <a:effectLst/>
-                <a:latin typeface="Arial" panose="020B0604020202020204" pitchFamily="34" charset="0"/>
-                <a:ea typeface="Calibri" panose="020F0502020204030204" pitchFamily="34" charset="0"/>
-                <a:cs typeface="Arial" panose="020B0604020202020204" pitchFamily="34" charset="0"/>
-              </a:rPr>
-              <a:t>-</a:t>
-            </a:r>
-            <a:r>
-              <a:rPr lang="en-US" sz="1200" dirty="0">
-                <a:effectLst/>
-                <a:latin typeface="Arial" panose="020B0604020202020204" pitchFamily="34" charset="0"/>
-                <a:ea typeface="Calibri" panose="020F0502020204030204" pitchFamily="34" charset="0"/>
-                <a:cs typeface="Arial" panose="020B0604020202020204" pitchFamily="34" charset="0"/>
-              </a:rPr>
-              <a:t>game</a:t>
-            </a:r>
-            <a:r>
-              <a:rPr lang="el-GR" sz="1200" dirty="0">
-                <a:effectLst/>
-                <a:latin typeface="Arial" panose="020B0604020202020204" pitchFamily="34" charset="0"/>
-                <a:ea typeface="Calibri" panose="020F0502020204030204" pitchFamily="34" charset="0"/>
-                <a:cs typeface="Arial" panose="020B0604020202020204" pitchFamily="34" charset="0"/>
-              </a:rPr>
-              <a:t> με σωστή ροή από ιδέα -&gt; υλοποίηση.</a:t>
+              <a:t>.</a:t>
             </a:r>
             <a:endParaRPr lang="en-US" sz="1200" dirty="0">
               <a:effectLst/>
@@ -18567,9 +18590,6 @@
               <a:ea typeface="Calibri" panose="020F0502020204030204" pitchFamily="34" charset="0"/>
               <a:cs typeface="Times New Roman" panose="02020603050405020304" pitchFamily="18" charset="0"/>
             </a:endParaRPr>
-          </a:p>
-          <a:p>
-            <a:endParaRPr lang="en-US" dirty="0"/>
           </a:p>
         </p:txBody>
       </p:sp>
@@ -18600,7 +18620,7 @@
     </p:spTree>
     <p:extLst>
       <p:ext uri="{BB962C8B-B14F-4D97-AF65-F5344CB8AC3E}">
-        <p14:creationId xmlns:p14="http://schemas.microsoft.com/office/powerpoint/2010/main" val="347017491"/>
+        <p14:creationId xmlns:p14="http://schemas.microsoft.com/office/powerpoint/2010/main" val="903801522"/>
       </p:ext>
     </p:extLst>
   </p:cSld>
@@ -18654,187 +18674,795 @@
           <a:bodyPr/>
           <a:lstStyle/>
           <a:p>
-            <a:pPr marL="0" marR="0" algn="just">
+            <a:pPr marL="0" marR="0" lvl="0" indent="0" algn="l" defTabSz="457200" rtl="0" eaLnBrk="1" fontAlgn="auto" latinLnBrk="0" hangingPunct="1">
               <a:lnSpc>
-                <a:spcPct val="150000"/>
+                <a:spcPct val="100000"/>
               </a:lnSpc>
               <a:spcBef>
                 <a:spcPts val="0"/>
               </a:spcBef>
               <a:spcAft>
-                <a:spcPts val="800"/>
+                <a:spcPts val="0"/>
               </a:spcAft>
+              <a:buClrTx/>
+              <a:buSzTx/>
+              <a:buFontTx/>
+              <a:buNone/>
+              <a:tabLst/>
+              <a:defRPr/>
             </a:pPr>
             <a:r>
-              <a:rPr lang="el-GR" sz="1200" dirty="0">
+              <a:rPr kumimoji="0" lang="el-GR" sz="1200" b="0" i="0" u="none" strike="noStrike" kern="0" cap="none" spc="0" normalizeH="0" baseline="0" noProof="0" dirty="0">
+                <a:ln>
+                  <a:noFill/>
+                </a:ln>
+                <a:solidFill>
+                  <a:srgbClr val="FFFFFF"/>
+                </a:solidFill>
                 <a:effectLst/>
+                <a:uLnTx/>
+                <a:uFillTx/>
                 <a:latin typeface="Arial" panose="020B0604020202020204" pitchFamily="34" charset="0"/>
-                <a:ea typeface="Calibri" panose="020F0502020204030204" pitchFamily="34" charset="0"/>
                 <a:cs typeface="Arial" panose="020B0604020202020204" pitchFamily="34" charset="0"/>
+                <a:sym typeface="Sora"/>
               </a:rPr>
-              <a:t>Τα βήματα στην δημιουργία συστημάτων εικονικού κόσμου πριν από την διαδικασία έναρξης δόμησης </a:t>
-            </a:r>
-            <a:r>
-              <a:rPr lang="en-US" sz="1200" dirty="0">
+              <a:t>Τι εξετάζει το </a:t>
+            </a:r>
+            <a:r>
+              <a:rPr kumimoji="0" lang="en-US" sz="1200" b="0" i="0" u="none" strike="noStrike" kern="0" cap="none" spc="0" normalizeH="0" baseline="0" noProof="0" dirty="0">
+                <a:ln>
+                  <a:noFill/>
+                </a:ln>
+                <a:solidFill>
+                  <a:srgbClr val="FFFFFF"/>
+                </a:solidFill>
                 <a:effectLst/>
+                <a:uLnTx/>
+                <a:uFillTx/>
                 <a:latin typeface="Arial" panose="020B0604020202020204" pitchFamily="34" charset="0"/>
-                <a:ea typeface="Calibri" panose="020F0502020204030204" pitchFamily="34" charset="0"/>
                 <a:cs typeface="Arial" panose="020B0604020202020204" pitchFamily="34" charset="0"/>
+                <a:sym typeface="Sora"/>
               </a:rPr>
-              <a:t>business model</a:t>
-            </a:r>
-            <a:r>
-              <a:rPr lang="el-GR" sz="1200" dirty="0">
+              <a:t>project </a:t>
+            </a:r>
+            <a:r>
+              <a:rPr kumimoji="0" lang="el-GR" sz="1200" b="0" i="0" u="none" strike="noStrike" kern="0" cap="none" spc="0" normalizeH="0" baseline="0" noProof="0" dirty="0">
+                <a:ln>
+                  <a:noFill/>
+                </a:ln>
+                <a:solidFill>
+                  <a:srgbClr val="FFFFFF"/>
+                </a:solidFill>
                 <a:effectLst/>
+                <a:uLnTx/>
+                <a:uFillTx/>
                 <a:latin typeface="Arial" panose="020B0604020202020204" pitchFamily="34" charset="0"/>
-                <a:ea typeface="Calibri" panose="020F0502020204030204" pitchFamily="34" charset="0"/>
                 <a:cs typeface="Arial" panose="020B0604020202020204" pitchFamily="34" charset="0"/>
+                <a:sym typeface="Sora"/>
               </a:rPr>
-              <a:t> &amp; </a:t>
-            </a:r>
-            <a:r>
-              <a:rPr lang="en-US" sz="1200" dirty="0">
-                <a:effectLst/>
-                <a:latin typeface="Arial" panose="020B0604020202020204" pitchFamily="34" charset="0"/>
-                <a:ea typeface="Calibri" panose="020F0502020204030204" pitchFamily="34" charset="0"/>
-                <a:cs typeface="Arial" panose="020B0604020202020204" pitchFamily="34" charset="0"/>
-              </a:rPr>
-              <a:t>logic</a:t>
-            </a:r>
-            <a:r>
-              <a:rPr lang="el-GR" sz="1200" dirty="0">
-                <a:effectLst/>
-                <a:latin typeface="Arial" panose="020B0604020202020204" pitchFamily="34" charset="0"/>
-                <a:ea typeface="Calibri" panose="020F0502020204030204" pitchFamily="34" charset="0"/>
-                <a:cs typeface="Arial" panose="020B0604020202020204" pitchFamily="34" charset="0"/>
-              </a:rPr>
-              <a:t> είναι αλγοριθμικά προσεγμένα, τα εξής: </a:t>
-            </a:r>
-            <a:endParaRPr lang="en-US" sz="1200" dirty="0">
-              <a:effectLst/>
-              <a:latin typeface="Arial" panose="020B0604020202020204" pitchFamily="34" charset="0"/>
-              <a:ea typeface="Calibri" panose="020F0502020204030204" pitchFamily="34" charset="0"/>
-              <a:cs typeface="Times New Roman" panose="02020603050405020304" pitchFamily="18" charset="0"/>
-            </a:endParaRPr>
-          </a:p>
-          <a:p>
-            <a:pPr marL="0" marR="0" algn="just">
+              <a:t>για σωστή διεκπεραίωση των απαιτήσεων προδιαγραφών?</a:t>
+            </a:r>
+          </a:p>
+          <a:p>
+            <a:pPr marL="0" marR="0" lvl="0" indent="0" algn="l" defTabSz="457200" rtl="0" eaLnBrk="1" fontAlgn="auto" latinLnBrk="0" hangingPunct="1">
               <a:lnSpc>
-                <a:spcPct val="150000"/>
+                <a:spcPct val="100000"/>
               </a:lnSpc>
               <a:spcBef>
                 <a:spcPts val="0"/>
               </a:spcBef>
               <a:spcAft>
-                <a:spcPts val="800"/>
+                <a:spcPts val="0"/>
               </a:spcAft>
+              <a:buClrTx/>
+              <a:buSzTx/>
+              <a:buFontTx/>
+              <a:buNone/>
+              <a:tabLst/>
+              <a:defRPr/>
             </a:pPr>
-            <a:endParaRPr lang="en-US" sz="1200" dirty="0">
+            <a:endParaRPr kumimoji="0" lang="en-US" sz="1200" b="0" i="0" u="none" strike="noStrike" kern="0" cap="none" spc="0" normalizeH="0" baseline="0" noProof="0" dirty="0">
+              <a:ln>
+                <a:noFill/>
+              </a:ln>
+              <a:solidFill>
+                <a:srgbClr val="FFFFFF"/>
+              </a:solidFill>
               <a:effectLst/>
+              <a:uLnTx/>
+              <a:uFillTx/>
               <a:latin typeface="Arial" panose="020B0604020202020204" pitchFamily="34" charset="0"/>
-              <a:ea typeface="Calibri" panose="020F0502020204030204" pitchFamily="34" charset="0"/>
               <a:cs typeface="Arial" panose="020B0604020202020204" pitchFamily="34" charset="0"/>
+              <a:sym typeface="Sora"/>
             </a:endParaRPr>
           </a:p>
           <a:p>
-            <a:pPr marL="0" marR="0" algn="just">
+            <a:pPr marL="0" marR="0" lvl="0" indent="0" algn="l" defTabSz="457200" rtl="0" eaLnBrk="1" fontAlgn="auto" latinLnBrk="0" hangingPunct="1">
               <a:lnSpc>
-                <a:spcPct val="150000"/>
+                <a:spcPct val="100000"/>
               </a:lnSpc>
               <a:spcBef>
                 <a:spcPts val="0"/>
               </a:spcBef>
               <a:spcAft>
-                <a:spcPts val="800"/>
+                <a:spcPts val="0"/>
               </a:spcAft>
+              <a:buClrTx/>
+              <a:buSzTx/>
+              <a:buFontTx/>
+              <a:buNone/>
+              <a:tabLst/>
+              <a:defRPr/>
             </a:pPr>
             <a:r>
-              <a:rPr lang="el-GR" sz="1200" dirty="0">
+              <a:rPr kumimoji="0" lang="en-US" sz="1200" b="0" i="0" u="none" strike="noStrike" kern="0" cap="none" spc="0" normalizeH="0" baseline="0" noProof="0" dirty="0">
+                <a:ln>
+                  <a:noFill/>
+                </a:ln>
+                <a:solidFill>
+                  <a:srgbClr val="FFFFFF"/>
+                </a:solidFill>
                 <a:effectLst/>
+                <a:uLnTx/>
+                <a:uFillTx/>
                 <a:latin typeface="Arial" panose="020B0604020202020204" pitchFamily="34" charset="0"/>
-                <a:ea typeface="Calibri" panose="020F0502020204030204" pitchFamily="34" charset="0"/>
+                <a:cs typeface="Arial" panose="020B0604020202020204" pitchFamily="34" charset="0"/>
+                <a:sym typeface="Sora"/>
+              </a:rPr>
+              <a:t>Metaverse: </a:t>
+            </a:r>
+            <a:r>
+              <a:rPr kumimoji="0" lang="el-GR" sz="1200" b="0" i="0" u="none" strike="noStrike" kern="0" cap="none" spc="0" normalizeH="0" baseline="0" noProof="0" dirty="0">
+                <a:ln>
+                  <a:noFill/>
+                </a:ln>
+                <a:solidFill>
+                  <a:srgbClr val="FFFFFF"/>
+                </a:solidFill>
+                <a:effectLst/>
+                <a:uLnTx/>
+                <a:uFillTx/>
+                <a:latin typeface="Arial" panose="020B0604020202020204" pitchFamily="34" charset="0"/>
+                <a:cs typeface="Arial" panose="020B0604020202020204" pitchFamily="34" charset="0"/>
+                <a:sym typeface="Sora"/>
+              </a:rPr>
+              <a:t>Το μέλλον της εξέλιξης του Διαδικτύου, γνωστό ως δεύτερη ζωή, επεκτείνεται σε προσομοιώσεις λογισμικού πολλαπλών ζωών σε φυσικό και εικονικό κόσμο</a:t>
+            </a:r>
+          </a:p>
+          <a:p>
+            <a:pPr marL="0" marR="0" lvl="0" indent="0" algn="l" defTabSz="457200" rtl="0" eaLnBrk="1" fontAlgn="auto" latinLnBrk="0" hangingPunct="1">
+              <a:lnSpc>
+                <a:spcPct val="100000"/>
+              </a:lnSpc>
+              <a:spcBef>
+                <a:spcPts val="0"/>
+              </a:spcBef>
+              <a:spcAft>
+                <a:spcPts val="0"/>
+              </a:spcAft>
+              <a:buClrTx/>
+              <a:buSzTx/>
+              <a:buFontTx/>
+              <a:buNone/>
+              <a:tabLst/>
+              <a:defRPr/>
+            </a:pPr>
+            <a:r>
+              <a:rPr kumimoji="0" lang="el-GR" sz="1200" b="0" i="0" u="none" strike="noStrike" kern="0" cap="none" spc="0" normalizeH="0" baseline="0" noProof="0" dirty="0">
+                <a:ln>
+                  <a:noFill/>
+                </a:ln>
+                <a:solidFill>
+                  <a:srgbClr val="FFFFFF"/>
+                </a:solidFill>
+                <a:effectLst/>
+                <a:uLnTx/>
+                <a:uFillTx/>
+                <a:latin typeface="Arial" panose="020B0604020202020204" pitchFamily="34" charset="0"/>
+                <a:cs typeface="Arial" panose="020B0604020202020204" pitchFamily="34" charset="0"/>
+                <a:sym typeface="Sora"/>
+              </a:rPr>
+              <a:t>Δεν είναι εντελώς υλοποιήσιμη λόγο έλλειψη τεχνολογιών όμως η ιδέα του ήταν πάντα εδώ και ιδίως ξεκίνησε σιωπηρά το 1970 με τα πρώτα </a:t>
+            </a:r>
+            <a:r>
+              <a:rPr kumimoji="0" lang="en-US" sz="1200" b="0" i="0" u="none" strike="noStrike" kern="0" cap="none" spc="0" normalizeH="0" baseline="0" noProof="0" dirty="0">
+                <a:ln>
+                  <a:noFill/>
+                </a:ln>
+                <a:solidFill>
+                  <a:srgbClr val="FFFFFF"/>
+                </a:solidFill>
+                <a:effectLst/>
+                <a:uLnTx/>
+                <a:uFillTx/>
+                <a:latin typeface="Arial" panose="020B0604020202020204" pitchFamily="34" charset="0"/>
+                <a:cs typeface="Arial" panose="020B0604020202020204" pitchFamily="34" charset="0"/>
+                <a:sym typeface="Sora"/>
+              </a:rPr>
+              <a:t>arcade games</a:t>
+            </a:r>
+            <a:endParaRPr kumimoji="0" lang="el-GR" sz="1200" b="0" i="0" u="none" strike="noStrike" kern="0" cap="none" spc="0" normalizeH="0" baseline="0" noProof="0" dirty="0">
+              <a:ln>
+                <a:noFill/>
+              </a:ln>
+              <a:solidFill>
+                <a:srgbClr val="FFFFFF"/>
+              </a:solidFill>
+              <a:effectLst/>
+              <a:uLnTx/>
+              <a:uFillTx/>
+              <a:latin typeface="Arial" panose="020B0604020202020204" pitchFamily="34" charset="0"/>
+              <a:cs typeface="Arial" panose="020B0604020202020204" pitchFamily="34" charset="0"/>
+              <a:sym typeface="Sora"/>
+            </a:endParaRPr>
+          </a:p>
+          <a:p>
+            <a:pPr marL="0" marR="0" lvl="0" indent="0" algn="l" defTabSz="457200" rtl="0" eaLnBrk="1" fontAlgn="auto" latinLnBrk="0" hangingPunct="1">
+              <a:lnSpc>
+                <a:spcPct val="100000"/>
+              </a:lnSpc>
+              <a:spcBef>
+                <a:spcPts val="0"/>
+              </a:spcBef>
+              <a:spcAft>
+                <a:spcPts val="0"/>
+              </a:spcAft>
+              <a:buClrTx/>
+              <a:buSzTx/>
+              <a:buFontTx/>
+              <a:buNone/>
+              <a:tabLst/>
+              <a:defRPr/>
+            </a:pPr>
+            <a:r>
+              <a:rPr kumimoji="0" lang="el-GR" sz="1200" b="0" i="0" u="none" strike="noStrike" kern="0" cap="none" spc="0" normalizeH="0" baseline="0" noProof="0" dirty="0">
+                <a:ln>
+                  <a:noFill/>
+                </a:ln>
+                <a:solidFill>
+                  <a:srgbClr val="FFFFFF"/>
+                </a:solidFill>
+                <a:effectLst/>
+                <a:uLnTx/>
+                <a:uFillTx/>
+                <a:latin typeface="Arial" panose="020B0604020202020204" pitchFamily="34" charset="0"/>
+                <a:cs typeface="Arial" panose="020B0604020202020204" pitchFamily="34" charset="0"/>
+                <a:sym typeface="Sora"/>
+              </a:rPr>
+              <a:t>Ένα μέρος για συγκέντρωση ανθρώπων και δια-δραστικότητα  φυσικού και εικονικού κόσμου.</a:t>
+            </a:r>
+          </a:p>
+          <a:p>
+            <a:pPr marL="0" marR="0" lvl="0" indent="0" algn="l" defTabSz="457200" rtl="0" eaLnBrk="1" fontAlgn="auto" latinLnBrk="0" hangingPunct="1">
+              <a:lnSpc>
+                <a:spcPct val="100000"/>
+              </a:lnSpc>
+              <a:spcBef>
+                <a:spcPts val="0"/>
+              </a:spcBef>
+              <a:spcAft>
+                <a:spcPts val="0"/>
+              </a:spcAft>
+              <a:buClrTx/>
+              <a:buSzTx/>
+              <a:buFontTx/>
+              <a:buNone/>
+              <a:tabLst/>
+              <a:defRPr/>
+            </a:pPr>
+            <a:r>
+              <a:rPr kumimoji="0" lang="en-US" sz="1200" b="0" i="0" u="none" strike="noStrike" kern="0" cap="none" spc="0" normalizeH="0" baseline="0" noProof="0" dirty="0">
+                <a:ln>
+                  <a:noFill/>
+                </a:ln>
+                <a:solidFill>
+                  <a:srgbClr val="FFFFFF"/>
+                </a:solidFill>
+                <a:effectLst/>
+                <a:uLnTx/>
+                <a:uFillTx/>
+                <a:latin typeface="Arial" panose="020B0604020202020204" pitchFamily="34" charset="0"/>
+                <a:cs typeface="Arial" panose="020B0604020202020204" pitchFamily="34" charset="0"/>
+                <a:sym typeface="Sora"/>
+              </a:rPr>
+              <a:t>(o </a:t>
+            </a:r>
+            <a:r>
+              <a:rPr kumimoji="0" lang="el-GR" sz="1200" b="0" i="0" u="none" strike="noStrike" kern="0" cap="none" spc="0" normalizeH="0" baseline="0" noProof="0" dirty="0">
+                <a:ln>
+                  <a:noFill/>
+                </a:ln>
+                <a:solidFill>
+                  <a:srgbClr val="FFFFFF"/>
+                </a:solidFill>
+                <a:effectLst/>
+                <a:uLnTx/>
+                <a:uFillTx/>
+                <a:latin typeface="Arial" panose="020B0604020202020204" pitchFamily="34" charset="0"/>
+                <a:cs typeface="Arial" panose="020B0604020202020204" pitchFamily="34" charset="0"/>
+                <a:sym typeface="Sora"/>
+              </a:rPr>
+              <a:t>άνθρωπος στο επίκεντρο)</a:t>
+            </a:r>
+            <a:endParaRPr kumimoji="0" lang="en-US" sz="1200" b="0" i="0" u="none" strike="noStrike" kern="0" cap="none" spc="0" normalizeH="0" baseline="0" noProof="0" dirty="0">
+              <a:ln>
+                <a:noFill/>
+              </a:ln>
+              <a:solidFill>
+                <a:srgbClr val="FFFFFF"/>
+              </a:solidFill>
+              <a:effectLst/>
+              <a:uLnTx/>
+              <a:uFillTx/>
+              <a:latin typeface="Arial" panose="020B0604020202020204" pitchFamily="34" charset="0"/>
+              <a:cs typeface="Arial" panose="020B0604020202020204" pitchFamily="34" charset="0"/>
+              <a:sym typeface="Sora"/>
+            </a:endParaRPr>
+          </a:p>
+          <a:p>
+            <a:endParaRPr lang="en-US" dirty="0"/>
+          </a:p>
+          <a:p>
+            <a:pPr marL="0" marR="0" lvl="0" indent="0" algn="l" defTabSz="457200" rtl="0" eaLnBrk="1" fontAlgn="auto" latinLnBrk="0" hangingPunct="1">
+              <a:lnSpc>
+                <a:spcPct val="100000"/>
+              </a:lnSpc>
+              <a:spcBef>
+                <a:spcPts val="0"/>
+              </a:spcBef>
+              <a:spcAft>
+                <a:spcPts val="0"/>
+              </a:spcAft>
+              <a:buClrTx/>
+              <a:buSzTx/>
+              <a:buFontTx/>
+              <a:buNone/>
+              <a:tabLst/>
+              <a:defRPr/>
+            </a:pPr>
+            <a:r>
+              <a:rPr lang="en-US" dirty="0"/>
+              <a:t>AR/VR: </a:t>
+            </a:r>
+            <a:r>
+              <a:rPr lang="el-GR" sz="1200" kern="0" dirty="0" err="1">
+                <a:solidFill>
+                  <a:srgbClr val="FFFFFF"/>
+                </a:solidFill>
+                <a:latin typeface="Arial" panose="020B0604020202020204" pitchFamily="34" charset="0"/>
                 <a:cs typeface="Arial" panose="020B0604020202020204" pitchFamily="34" charset="0"/>
               </a:rPr>
-              <a:t>Εν τέλη τα παραπάνω βήματα επικεντρώνονται σε έναν </a:t>
-            </a:r>
-            <a:r>
-              <a:rPr lang="en-US" sz="1200" dirty="0">
-                <a:effectLst/>
+              <a:t>Διεπαφές</a:t>
+            </a:r>
+            <a:r>
+              <a:rPr lang="el-GR" sz="1200" kern="0" dirty="0">
+                <a:solidFill>
+                  <a:srgbClr val="FFFFFF"/>
+                </a:solidFill>
                 <a:latin typeface="Arial" panose="020B0604020202020204" pitchFamily="34" charset="0"/>
-                <a:ea typeface="Calibri" panose="020F0502020204030204" pitchFamily="34" charset="0"/>
                 <a:cs typeface="Arial" panose="020B0604020202020204" pitchFamily="34" charset="0"/>
               </a:rPr>
-              <a:t>fast paced marketing</a:t>
-            </a:r>
-            <a:r>
-              <a:rPr lang="el-GR" sz="1200" dirty="0">
+              <a:t> υλικού για αλληλεπίδραση με τους καθηλωτικούς κόσμους που προσομοιώνουν την καθημερινή ζωή</a:t>
+            </a:r>
+            <a:endParaRPr kumimoji="0" lang="en-US" sz="1200" b="0" i="0" u="none" strike="noStrike" kern="0" cap="none" spc="0" normalizeH="0" baseline="0" noProof="0" dirty="0">
+              <a:ln>
+                <a:noFill/>
+              </a:ln>
+              <a:solidFill>
+                <a:srgbClr val="FFFFFF"/>
+              </a:solidFill>
+              <a:effectLst/>
+              <a:uLnTx/>
+              <a:uFillTx/>
+              <a:latin typeface="Arial" panose="020B0604020202020204" pitchFamily="34" charset="0"/>
+              <a:cs typeface="Arial" panose="020B0604020202020204" pitchFamily="34" charset="0"/>
+              <a:sym typeface="Sora"/>
+            </a:endParaRPr>
+          </a:p>
+          <a:p>
+            <a:endParaRPr lang="en-US" dirty="0"/>
+          </a:p>
+          <a:p>
+            <a:pPr marL="0" marR="0" lvl="0" indent="0" algn="l" defTabSz="457200" rtl="0" eaLnBrk="1" fontAlgn="auto" latinLnBrk="0" hangingPunct="1">
+              <a:lnSpc>
+                <a:spcPct val="100000"/>
+              </a:lnSpc>
+              <a:spcBef>
+                <a:spcPts val="0"/>
+              </a:spcBef>
+              <a:spcAft>
+                <a:spcPts val="0"/>
+              </a:spcAft>
+              <a:buClrTx/>
+              <a:buSzTx/>
+              <a:buFontTx/>
+              <a:buNone/>
+              <a:tabLst/>
+              <a:defRPr/>
+            </a:pPr>
+            <a:r>
+              <a:rPr lang="el-GR" dirty="0"/>
+              <a:t>Πως σχετίζονται με τα </a:t>
+            </a:r>
+            <a:r>
+              <a:rPr lang="en-US" dirty="0"/>
+              <a:t>Gameplay Mechanics: </a:t>
+            </a:r>
+            <a:r>
+              <a:rPr kumimoji="0" lang="el-GR" sz="1200" b="0" i="0" u="none" strike="noStrike" kern="0" cap="none" spc="0" normalizeH="0" baseline="0" noProof="0" dirty="0">
+                <a:ln>
+                  <a:noFill/>
+                </a:ln>
+                <a:solidFill>
+                  <a:srgbClr val="FFFFFF"/>
+                </a:solidFill>
                 <a:effectLst/>
+                <a:uLnTx/>
+                <a:uFillTx/>
                 <a:latin typeface="Arial" panose="020B0604020202020204" pitchFamily="34" charset="0"/>
-                <a:ea typeface="Calibri" panose="020F0502020204030204" pitchFamily="34" charset="0"/>
                 <a:cs typeface="Arial" panose="020B0604020202020204" pitchFamily="34" charset="0"/>
+                <a:sym typeface="Sora"/>
               </a:rPr>
-              <a:t> ρυθμό ανάπτυξης καθώς χρησιμοποιούνται ήδη υπάρχουσες έτοιμες τεχνολογίες για την δόμηση συστημάτων καθώς αυτό δεν είναι προκαθορισμένο διότι μπορεί για να γίνει η επιθυμία “</a:t>
-            </a:r>
-            <a:r>
-              <a:rPr lang="en-US" sz="1200" i="1" dirty="0">
+              <a:t>Τα API λογισμικού του AR/VR</a:t>
+            </a:r>
+            <a:r>
+              <a:rPr kumimoji="0" lang="en-US" sz="1200" b="0" i="0" u="none" strike="noStrike" kern="0" cap="none" spc="0" normalizeH="0" baseline="0" noProof="0" dirty="0">
+                <a:ln>
+                  <a:noFill/>
+                </a:ln>
+                <a:solidFill>
+                  <a:srgbClr val="FFFFFF"/>
+                </a:solidFill>
                 <a:effectLst/>
+                <a:uLnTx/>
+                <a:uFillTx/>
                 <a:latin typeface="Arial" panose="020B0604020202020204" pitchFamily="34" charset="0"/>
-                <a:ea typeface="Calibri" panose="020F0502020204030204" pitchFamily="34" charset="0"/>
                 <a:cs typeface="Arial" panose="020B0604020202020204" pitchFamily="34" charset="0"/>
+                <a:sym typeface="Sora"/>
               </a:rPr>
-              <a:t>re</a:t>
-            </a:r>
-            <a:r>
-              <a:rPr lang="el-GR" sz="1200" i="1" dirty="0">
+              <a:t>/classic</a:t>
+            </a:r>
+            <a:r>
+              <a:rPr kumimoji="0" lang="el-GR" sz="1200" b="0" i="0" u="none" strike="noStrike" kern="0" cap="none" spc="0" normalizeH="0" baseline="0" noProof="0" dirty="0">
+                <a:ln>
+                  <a:noFill/>
+                </a:ln>
+                <a:solidFill>
+                  <a:srgbClr val="FFFFFF"/>
+                </a:solidFill>
                 <a:effectLst/>
+                <a:uLnTx/>
+                <a:uFillTx/>
                 <a:latin typeface="Arial" panose="020B0604020202020204" pitchFamily="34" charset="0"/>
-                <a:ea typeface="Calibri" panose="020F0502020204030204" pitchFamily="34" charset="0"/>
                 <a:cs typeface="Arial" panose="020B0604020202020204" pitchFamily="34" charset="0"/>
+                <a:sym typeface="Sora"/>
               </a:rPr>
-              <a:t>-</a:t>
-            </a:r>
-            <a:r>
-              <a:rPr lang="en-US" sz="1200" i="1" dirty="0">
+              <a:t> για τη γεφύρωση του υλικού με την αλληλεπίδραση χρήστη λογισμικού μέσα στο </a:t>
+            </a:r>
+            <a:r>
+              <a:rPr kumimoji="0" lang="el-GR" sz="1200" b="0" i="0" u="none" strike="noStrike" kern="0" cap="none" spc="0" normalizeH="0" baseline="0" noProof="0" dirty="0" err="1">
+                <a:ln>
+                  <a:noFill/>
+                </a:ln>
+                <a:solidFill>
+                  <a:srgbClr val="FFFFFF"/>
+                </a:solidFill>
                 <a:effectLst/>
+                <a:uLnTx/>
+                <a:uFillTx/>
                 <a:latin typeface="Arial" panose="020B0604020202020204" pitchFamily="34" charset="0"/>
-                <a:ea typeface="Calibri" panose="020F0502020204030204" pitchFamily="34" charset="0"/>
                 <a:cs typeface="Arial" panose="020B0604020202020204" pitchFamily="34" charset="0"/>
+                <a:sym typeface="Sora"/>
               </a:rPr>
-              <a:t>invent the wheel</a:t>
-            </a:r>
-            <a:r>
-              <a:rPr lang="el-GR" sz="1200" dirty="0">
+              <a:t>metaverse</a:t>
+            </a:r>
+            <a:r>
+              <a:rPr kumimoji="0" lang="el-GR" sz="1200" b="0" i="0" u="none" strike="noStrike" kern="0" cap="none" spc="0" normalizeH="0" baseline="0" noProof="0" dirty="0">
+                <a:ln>
+                  <a:noFill/>
+                </a:ln>
+                <a:solidFill>
+                  <a:srgbClr val="FFFFFF"/>
+                </a:solidFill>
                 <a:effectLst/>
+                <a:uLnTx/>
+                <a:uFillTx/>
                 <a:latin typeface="Arial" panose="020B0604020202020204" pitchFamily="34" charset="0"/>
-                <a:ea typeface="Calibri" panose="020F0502020204030204" pitchFamily="34" charset="0"/>
                 <a:cs typeface="Arial" panose="020B0604020202020204" pitchFamily="34" charset="0"/>
+                <a:sym typeface="Sora"/>
               </a:rPr>
-              <a:t>” με την δημιουργία από την αρχή των τεχνολογιών από </a:t>
-            </a:r>
-            <a:r>
-              <a:rPr lang="en-US" sz="1200" dirty="0">
+              <a:t> </a:t>
+            </a:r>
+            <a:r>
+              <a:rPr kumimoji="0" lang="el-GR" sz="1200" b="0" i="0" u="none" strike="noStrike" kern="0" cap="none" spc="0" normalizeH="0" baseline="0" noProof="0" dirty="0">
+                <a:ln>
+                  <a:noFill/>
+                </a:ln>
+                <a:solidFill>
+                  <a:srgbClr val="FFC000"/>
+                </a:solidFill>
                 <a:effectLst/>
+                <a:uLnTx/>
+                <a:uFillTx/>
                 <a:latin typeface="Arial" panose="020B0604020202020204" pitchFamily="34" charset="0"/>
-                <a:ea typeface="Calibri" panose="020F0502020204030204" pitchFamily="34" charset="0"/>
                 <a:cs typeface="Arial" panose="020B0604020202020204" pitchFamily="34" charset="0"/>
+                <a:sym typeface="Sora"/>
               </a:rPr>
-              <a:t>Low level</a:t>
-            </a:r>
-            <a:r>
-              <a:rPr lang="el-GR" sz="1200" dirty="0">
+              <a:t>καθώς και πολλά περισσότερο από αυτό.</a:t>
+            </a:r>
+          </a:p>
+          <a:p>
+            <a:pPr marL="0" marR="0" lvl="0" indent="0" algn="l" defTabSz="457200" rtl="0" eaLnBrk="1" fontAlgn="auto" latinLnBrk="0" hangingPunct="1">
+              <a:lnSpc>
+                <a:spcPct val="100000"/>
+              </a:lnSpc>
+              <a:spcBef>
+                <a:spcPts val="0"/>
+              </a:spcBef>
+              <a:spcAft>
+                <a:spcPts val="0"/>
+              </a:spcAft>
+              <a:buClrTx/>
+              <a:buSzTx/>
+              <a:buFontTx/>
+              <a:buNone/>
+              <a:tabLst/>
+              <a:defRPr/>
+            </a:pPr>
+            <a:endParaRPr kumimoji="0" lang="el-GR" sz="1200" b="0" i="0" u="none" strike="noStrike" kern="0" cap="none" spc="0" normalizeH="0" baseline="0" noProof="0" dirty="0">
+              <a:ln>
+                <a:noFill/>
+              </a:ln>
+              <a:solidFill>
+                <a:srgbClr val="FFC000"/>
+              </a:solidFill>
+              <a:effectLst/>
+              <a:uLnTx/>
+              <a:uFillTx/>
+              <a:latin typeface="Arial" panose="020B0604020202020204" pitchFamily="34" charset="0"/>
+              <a:cs typeface="Arial" panose="020B0604020202020204" pitchFamily="34" charset="0"/>
+              <a:sym typeface="Sora"/>
+            </a:endParaRPr>
+          </a:p>
+          <a:p>
+            <a:pPr marL="0" marR="0" lvl="0" indent="0" algn="l" defTabSz="457200" rtl="0" eaLnBrk="1" fontAlgn="auto" latinLnBrk="0" hangingPunct="1">
+              <a:lnSpc>
+                <a:spcPct val="100000"/>
+              </a:lnSpc>
+              <a:spcBef>
+                <a:spcPts val="0"/>
+              </a:spcBef>
+              <a:spcAft>
+                <a:spcPts val="0"/>
+              </a:spcAft>
+              <a:buClrTx/>
+              <a:buSzTx/>
+              <a:buFontTx/>
+              <a:buNone/>
+              <a:tabLst/>
+              <a:defRPr/>
+            </a:pPr>
+            <a:r>
+              <a:rPr kumimoji="0" lang="el-GR" sz="1200" b="0" i="0" u="none" strike="noStrike" kern="0" cap="none" spc="0" normalizeH="0" baseline="0" noProof="0" dirty="0">
+                <a:ln>
+                  <a:noFill/>
+                </a:ln>
+                <a:solidFill>
+                  <a:srgbClr val="FFFFFF"/>
+                </a:solidFill>
                 <a:effectLst/>
+                <a:uLnTx/>
+                <a:uFillTx/>
                 <a:latin typeface="Arial" panose="020B0604020202020204" pitchFamily="34" charset="0"/>
-                <a:ea typeface="Calibri" panose="020F0502020204030204" pitchFamily="34" charset="0"/>
                 <a:cs typeface="Arial" panose="020B0604020202020204" pitchFamily="34" charset="0"/>
+                <a:sym typeface="Sora"/>
               </a:rPr>
-              <a:t>.</a:t>
-            </a:r>
-            <a:endParaRPr lang="en-US" sz="1200" dirty="0">
+              <a:t>Εταιρείες μεγάλης τεχνολογίας κολοσσοί</a:t>
+            </a:r>
+            <a:r>
+              <a:rPr kumimoji="0" lang="en-US" sz="1200" b="0" i="0" u="none" strike="noStrike" kern="0" cap="none" spc="0" normalizeH="0" baseline="0" noProof="0" dirty="0">
+                <a:ln>
+                  <a:noFill/>
+                </a:ln>
+                <a:solidFill>
+                  <a:srgbClr val="FFFFFF"/>
+                </a:solidFill>
+                <a:effectLst/>
+                <a:uLnTx/>
+                <a:uFillTx/>
+                <a:latin typeface="Arial" panose="020B0604020202020204" pitchFamily="34" charset="0"/>
+                <a:cs typeface="Arial" panose="020B0604020202020204" pitchFamily="34" charset="0"/>
+                <a:sym typeface="Sora"/>
+              </a:rPr>
+              <a:t> </a:t>
+            </a:r>
+            <a:r>
+              <a:rPr kumimoji="0" lang="el-GR" sz="1200" b="0" i="0" u="none" strike="noStrike" kern="0" cap="none" spc="0" normalizeH="0" baseline="0" noProof="0" dirty="0">
+                <a:ln>
+                  <a:noFill/>
+                </a:ln>
+                <a:solidFill>
+                  <a:srgbClr val="FFFFFF"/>
+                </a:solidFill>
+                <a:effectLst/>
+                <a:uLnTx/>
+                <a:uFillTx/>
+                <a:latin typeface="Arial" panose="020B0604020202020204" pitchFamily="34" charset="0"/>
+                <a:cs typeface="Arial" panose="020B0604020202020204" pitchFamily="34" charset="0"/>
+                <a:sym typeface="Sora"/>
+              </a:rPr>
+              <a:t>και όραμα ενιαίας ανάπτυξης (κοινά πρότυπα λογισμικού)</a:t>
+            </a:r>
+            <a:r>
+              <a:rPr kumimoji="0" lang="en-US" sz="1200" b="0" i="0" u="none" strike="noStrike" kern="0" cap="none" spc="0" normalizeH="0" baseline="0" noProof="0" dirty="0">
+                <a:ln>
+                  <a:noFill/>
+                </a:ln>
+                <a:solidFill>
+                  <a:srgbClr val="FFFFFF"/>
+                </a:solidFill>
+                <a:effectLst/>
+                <a:uLnTx/>
+                <a:uFillTx/>
+                <a:latin typeface="Arial" panose="020B0604020202020204" pitchFamily="34" charset="0"/>
+                <a:cs typeface="Arial" panose="020B0604020202020204" pitchFamily="34" charset="0"/>
+                <a:sym typeface="Sora"/>
+              </a:rPr>
+              <a:t> = </a:t>
+            </a:r>
+            <a:r>
+              <a:rPr lang="el-GR" dirty="0"/>
+              <a:t>Κοινά πρότυπα </a:t>
+            </a:r>
+            <a:r>
+              <a:rPr lang="en-US" dirty="0"/>
+              <a:t>business processes </a:t>
+            </a:r>
+            <a:r>
+              <a:rPr lang="el-GR" dirty="0"/>
+              <a:t>δηλαδή</a:t>
+            </a:r>
+            <a:r>
+              <a:rPr lang="en-US" dirty="0"/>
+              <a:t> </a:t>
+            </a:r>
+            <a:r>
+              <a:rPr lang="el-GR" dirty="0"/>
+              <a:t>δεν</a:t>
+            </a:r>
+            <a:r>
+              <a:rPr lang="en-US" dirty="0"/>
+              <a:t> </a:t>
+            </a:r>
+            <a:r>
+              <a:rPr lang="el-GR" dirty="0"/>
+              <a:t>χρειάζεσαι</a:t>
+            </a:r>
+            <a:r>
+              <a:rPr lang="en-US" dirty="0"/>
+              <a:t> </a:t>
+            </a:r>
+            <a:r>
+              <a:rPr lang="el-GR" dirty="0"/>
+              <a:t>μόνο</a:t>
+            </a:r>
+            <a:r>
+              <a:rPr lang="en-US" dirty="0"/>
+              <a:t> </a:t>
+            </a:r>
+            <a:r>
+              <a:rPr lang="el-GR" dirty="0"/>
+              <a:t>κάποια</a:t>
+            </a:r>
+            <a:r>
+              <a:rPr lang="en-US" dirty="0"/>
+              <a:t> </a:t>
+            </a:r>
+            <a:r>
+              <a:rPr lang="el-GR" dirty="0"/>
+              <a:t>εταιρεία</a:t>
+            </a:r>
+            <a:r>
+              <a:rPr lang="en-US" dirty="0"/>
+              <a:t> </a:t>
+            </a:r>
+            <a:r>
+              <a:rPr lang="el-GR" dirty="0"/>
+              <a:t>αλλά</a:t>
+            </a:r>
+            <a:r>
+              <a:rPr lang="en-US" dirty="0"/>
+              <a:t> </a:t>
+            </a:r>
+            <a:r>
+              <a:rPr lang="el-GR" dirty="0"/>
+              <a:t>και όλα τα κομμάτια τις</a:t>
+            </a:r>
+            <a:r>
+              <a:rPr lang="en-US" dirty="0"/>
+              <a:t> </a:t>
+            </a:r>
+            <a:r>
+              <a:rPr lang="el-GR" dirty="0"/>
+              <a:t>σε διοικητικό και</a:t>
+            </a:r>
+            <a:r>
+              <a:rPr lang="en-US" dirty="0"/>
+              <a:t> development </a:t>
+            </a:r>
+            <a:r>
+              <a:rPr lang="el-GR" dirty="0"/>
+              <a:t>να</a:t>
+            </a:r>
+            <a:r>
+              <a:rPr lang="en-US" dirty="0"/>
+              <a:t> </a:t>
+            </a:r>
+            <a:r>
+              <a:rPr lang="el-GR" dirty="0"/>
+              <a:t>επικοινωνούν</a:t>
+            </a:r>
+            <a:r>
+              <a:rPr lang="en-US" dirty="0"/>
+              <a:t> </a:t>
+            </a:r>
+            <a:r>
+              <a:rPr lang="el-GR" dirty="0"/>
+              <a:t>μεταξύ τους προχωρούν μεταξύ τους γνωρίζοντας</a:t>
+            </a:r>
+            <a:r>
+              <a:rPr lang="en-US" dirty="0"/>
+              <a:t> </a:t>
+            </a:r>
+            <a:r>
+              <a:rPr lang="el-GR" dirty="0"/>
+              <a:t>τα</a:t>
+            </a:r>
+            <a:r>
+              <a:rPr lang="en-US" dirty="0"/>
+              <a:t> impediments (</a:t>
+            </a:r>
+            <a:r>
+              <a:rPr lang="el-GR" dirty="0"/>
+              <a:t>τα</a:t>
+            </a:r>
+            <a:r>
+              <a:rPr lang="en-US" dirty="0"/>
+              <a:t> </a:t>
+            </a:r>
+            <a:r>
+              <a:rPr lang="el-GR" dirty="0"/>
+              <a:t>εμπόδια</a:t>
+            </a:r>
+            <a:r>
+              <a:rPr lang="en-US" dirty="0"/>
+              <a:t>) </a:t>
+            </a:r>
+            <a:r>
+              <a:rPr lang="el-GR" dirty="0"/>
+              <a:t>και πώς να τα ξεπεράσουν χρησιμοποιώντας τεχνικές πχ, </a:t>
+            </a:r>
+            <a:r>
+              <a:rPr lang="en-US" dirty="0"/>
+              <a:t>agile-scrum, GitHub, Jira, tickets etc.</a:t>
+            </a:r>
+            <a:endParaRPr kumimoji="0" lang="en-US" sz="1200" b="0" i="0" u="none" strike="noStrike" kern="0" cap="none" spc="0" normalizeH="0" baseline="0" noProof="0" dirty="0">
+              <a:ln>
+                <a:noFill/>
+              </a:ln>
+              <a:solidFill>
+                <a:srgbClr val="D5FA68"/>
+              </a:solidFill>
               <a:effectLst/>
+              <a:uLnTx/>
+              <a:uFillTx/>
               <a:latin typeface="Arial" panose="020B0604020202020204" pitchFamily="34" charset="0"/>
-              <a:ea typeface="Calibri" panose="020F0502020204030204" pitchFamily="34" charset="0"/>
-              <a:cs typeface="Times New Roman" panose="02020603050405020304" pitchFamily="18" charset="0"/>
+              <a:cs typeface="Arial" panose="020B0604020202020204" pitchFamily="34" charset="0"/>
+              <a:sym typeface="Sora"/>
             </a:endParaRPr>
+          </a:p>
+          <a:p>
+            <a:endParaRPr lang="en-US" dirty="0"/>
           </a:p>
         </p:txBody>
       </p:sp>
@@ -18865,7 +19493,7 @@
     </p:spTree>
     <p:extLst>
       <p:ext uri="{BB962C8B-B14F-4D97-AF65-F5344CB8AC3E}">
-        <p14:creationId xmlns:p14="http://schemas.microsoft.com/office/powerpoint/2010/main" val="903801522"/>
+        <p14:creationId xmlns:p14="http://schemas.microsoft.com/office/powerpoint/2010/main" val="1192721217"/>
       </p:ext>
     </p:extLst>
   </p:cSld>
@@ -18919,160 +19547,68 @@
           <a:bodyPr/>
           <a:lstStyle/>
           <a:p>
-            <a:pPr marL="0" indent="0">
-              <a:buFont typeface="Arial" panose="020B0604020202020204" pitchFamily="34" charset="0"/>
-              <a:buNone/>
-            </a:pPr>
-            <a:r>
-              <a:rPr lang="el-GR" sz="7200" b="1" dirty="0">
-                <a:latin typeface="Arial" panose="020B0604020202020204" pitchFamily="34" charset="0"/>
-                <a:cs typeface="Arial" panose="020B0604020202020204" pitchFamily="34" charset="0"/>
-              </a:rPr>
-              <a:t>Τι προσφέρει η έρευνα?</a:t>
-            </a:r>
-            <a:endParaRPr lang="en-US" sz="7200" b="1" dirty="0">
-              <a:latin typeface="Arial" panose="020B0604020202020204" pitchFamily="34" charset="0"/>
-              <a:cs typeface="Arial" panose="020B0604020202020204" pitchFamily="34" charset="0"/>
-            </a:endParaRPr>
-          </a:p>
-          <a:p>
-            <a:pPr marL="0" indent="0">
-              <a:buFont typeface="Arial" panose="020B0604020202020204" pitchFamily="34" charset="0"/>
-              <a:buNone/>
-            </a:pPr>
-            <a:endParaRPr lang="en-US" sz="2400" dirty="0">
-              <a:latin typeface="Arial" panose="020B0604020202020204" pitchFamily="34" charset="0"/>
-              <a:cs typeface="Arial" panose="020B0604020202020204" pitchFamily="34" charset="0"/>
-            </a:endParaRPr>
-          </a:p>
-          <a:p>
-            <a:pPr marL="342900" indent="-342900">
-              <a:buFont typeface="Arial" panose="020B0604020202020204" pitchFamily="34" charset="0"/>
-              <a:buChar char="•"/>
-            </a:pPr>
-            <a:r>
-              <a:rPr lang="el-GR" sz="2400" dirty="0">
-                <a:latin typeface="Arial" panose="020B0604020202020204" pitchFamily="34" charset="0"/>
-                <a:cs typeface="Arial" panose="020B0604020202020204" pitchFamily="34" charset="0"/>
-              </a:rPr>
-              <a:t>Καινοτομία πραγματικού χρόνου επικοινωνίας </a:t>
-            </a:r>
-            <a:r>
-              <a:rPr lang="en-US" sz="2400" dirty="0">
-                <a:latin typeface="Arial" panose="020B0604020202020204" pitchFamily="34" charset="0"/>
-                <a:cs typeface="Arial" panose="020B0604020202020204" pitchFamily="34" charset="0"/>
-              </a:rPr>
-              <a:t>VoIP </a:t>
-            </a:r>
-            <a:r>
-              <a:rPr lang="el-GR" sz="2400" dirty="0">
-                <a:latin typeface="Arial" panose="020B0604020202020204" pitchFamily="34" charset="0"/>
-                <a:cs typeface="Arial" panose="020B0604020202020204" pitchFamily="34" charset="0"/>
-              </a:rPr>
-              <a:t>στην </a:t>
-            </a:r>
-            <a:r>
-              <a:rPr lang="en-US" sz="2400" dirty="0">
-                <a:latin typeface="Arial" panose="020B0604020202020204" pitchFamily="34" charset="0"/>
-                <a:cs typeface="Arial" panose="020B0604020202020204" pitchFamily="34" charset="0"/>
-              </a:rPr>
-              <a:t>Unreal Engine</a:t>
-            </a:r>
-          </a:p>
-          <a:p>
-            <a:pPr marL="342900" indent="-342900">
-              <a:buFont typeface="Arial" panose="020B0604020202020204" pitchFamily="34" charset="0"/>
-              <a:buChar char="•"/>
-            </a:pPr>
-            <a:r>
-              <a:rPr lang="el-GR" sz="2400" dirty="0">
-                <a:latin typeface="Arial" panose="020B0604020202020204" pitchFamily="34" charset="0"/>
-                <a:cs typeface="Arial" panose="020B0604020202020204" pitchFamily="34" charset="0"/>
-              </a:rPr>
-              <a:t>Στάδια δημιουργίας Μηχανισμών εικονικών κόσμων</a:t>
-            </a:r>
-          </a:p>
-          <a:p>
-            <a:pPr marL="342900" indent="-342900">
-              <a:buFont typeface="Arial" panose="020B0604020202020204" pitchFamily="34" charset="0"/>
-              <a:buChar char="•"/>
-            </a:pPr>
-            <a:r>
-              <a:rPr lang="el-GR" sz="2400" dirty="0">
-                <a:latin typeface="Arial" panose="020B0604020202020204" pitchFamily="34" charset="0"/>
-                <a:cs typeface="Arial" panose="020B0604020202020204" pitchFamily="34" charset="0"/>
-              </a:rPr>
-              <a:t>Σχέση διεπιστημονικότητας και τα στάδια τους</a:t>
-            </a:r>
-          </a:p>
-          <a:p>
-            <a:pPr marL="800100" lvl="1" indent="-342900">
-              <a:buFont typeface="Arial" panose="020B0604020202020204" pitchFamily="34" charset="0"/>
-              <a:buChar char="•"/>
-            </a:pPr>
-            <a:r>
-              <a:rPr lang="en-US" sz="2400" dirty="0">
-                <a:latin typeface="Arial" panose="020B0604020202020204" pitchFamily="34" charset="0"/>
-                <a:cs typeface="Arial" panose="020B0604020202020204" pitchFamily="34" charset="0"/>
-              </a:rPr>
-              <a:t>Sound</a:t>
-            </a:r>
-          </a:p>
-          <a:p>
-            <a:pPr marL="800100" lvl="1" indent="-342900">
-              <a:buFont typeface="Arial" panose="020B0604020202020204" pitchFamily="34" charset="0"/>
-              <a:buChar char="•"/>
-            </a:pPr>
-            <a:r>
-              <a:rPr lang="en-US" sz="2400" dirty="0">
-                <a:latin typeface="Arial" panose="020B0604020202020204" pitchFamily="34" charset="0"/>
-                <a:cs typeface="Arial" panose="020B0604020202020204" pitchFamily="34" charset="0"/>
-              </a:rPr>
-              <a:t>3D Architectural Visualization &amp; Art</a:t>
-            </a:r>
-          </a:p>
-          <a:p>
-            <a:pPr marL="342900" indent="-342900">
-              <a:buFont typeface="Arial" panose="020B0604020202020204" pitchFamily="34" charset="0"/>
-              <a:buChar char="•"/>
-            </a:pPr>
-            <a:r>
-              <a:rPr lang="el-GR" sz="2400" dirty="0">
-                <a:latin typeface="Arial" panose="020B0604020202020204" pitchFamily="34" charset="0"/>
-                <a:cs typeface="Arial" panose="020B0604020202020204" pitchFamily="34" charset="0"/>
-              </a:rPr>
-              <a:t>Χρήση των τεχνικών αυτών για </a:t>
-            </a:r>
-            <a:r>
-              <a:rPr lang="en-US" sz="2400" dirty="0">
-                <a:latin typeface="Arial" panose="020B0604020202020204" pitchFamily="34" charset="0"/>
-                <a:cs typeface="Arial" panose="020B0604020202020204" pitchFamily="34" charset="0"/>
-              </a:rPr>
-              <a:t>simulation </a:t>
-            </a:r>
-            <a:r>
-              <a:rPr lang="el-GR" sz="2400" dirty="0">
-                <a:latin typeface="Arial" panose="020B0604020202020204" pitchFamily="34" charset="0"/>
-                <a:cs typeface="Arial" panose="020B0604020202020204" pitchFamily="34" charset="0"/>
-              </a:rPr>
-              <a:t>οποιαδήποτε έρευνας σε οποιαδήποτε τομέα</a:t>
-            </a:r>
-          </a:p>
-          <a:p>
-            <a:pPr marL="342900" indent="-342900">
-              <a:buFont typeface="Arial" panose="020B0604020202020204" pitchFamily="34" charset="0"/>
-              <a:buChar char="•"/>
-            </a:pPr>
-            <a:r>
-              <a:rPr lang="en-US" sz="2400" dirty="0">
-                <a:latin typeface="Arial" panose="020B0604020202020204" pitchFamily="34" charset="0"/>
-                <a:cs typeface="Arial" panose="020B0604020202020204" pitchFamily="34" charset="0"/>
-              </a:rPr>
-              <a:t>Project Management approach</a:t>
+            <a:r>
+              <a:rPr lang="el-GR" dirty="0"/>
+              <a:t>Στο </a:t>
+            </a:r>
+            <a:r>
+              <a:rPr lang="en-US" dirty="0"/>
+              <a:t>flow of gaming simulation evolution </a:t>
+            </a:r>
+            <a:r>
+              <a:rPr lang="el-GR" dirty="0"/>
+              <a:t>υπάρχει η ακολουθία </a:t>
+            </a:r>
+            <a:r>
+              <a:rPr lang="en-US" dirty="0"/>
+              <a:t>hardware </a:t>
+            </a:r>
+            <a:r>
+              <a:rPr lang="el-GR" dirty="0"/>
+              <a:t>με τα αντίστοιχα </a:t>
+            </a:r>
+            <a:r>
+              <a:rPr lang="en-US" dirty="0"/>
+              <a:t>software’s</a:t>
             </a:r>
           </a:p>
           <a:p>
             <a:endParaRPr lang="en-US" dirty="0"/>
+          </a:p>
+          <a:p>
+            <a:r>
+              <a:rPr lang="el-GR" dirty="0"/>
+              <a:t>Στο </a:t>
+            </a:r>
+            <a:r>
+              <a:rPr lang="en-US" dirty="0"/>
+              <a:t>mobile </a:t>
+            </a:r>
+            <a:r>
+              <a:rPr lang="el-GR" dirty="0"/>
+              <a:t>παρουσιάστηκαν οι πιο μεγάλες αλλαγές του </a:t>
+            </a:r>
+            <a:r>
+              <a:rPr lang="en-US" dirty="0"/>
+              <a:t>gaming industry </a:t>
+            </a:r>
+            <a:r>
+              <a:rPr lang="el-GR" dirty="0"/>
+              <a:t>λόγο </a:t>
+            </a:r>
+            <a:r>
+              <a:rPr lang="el-GR" dirty="0" err="1"/>
+              <a:t>φορητότητας</a:t>
+            </a:r>
+            <a:r>
+              <a:rPr lang="el-GR" dirty="0"/>
+              <a:t> αλλά και δυνατότητες επαυξημένης πραγματικότητας σε βιντεοπαιχνίδια είτε </a:t>
+            </a:r>
+            <a:r>
+              <a:rPr lang="en-US" dirty="0"/>
+              <a:t>social media camera filters</a:t>
+            </a:r>
+            <a:endParaRPr lang="el-GR" dirty="0"/>
           </a:p>
         </p:txBody>
       </p:sp>
@@ -19103,7 +19639,7 @@
     </p:spTree>
     <p:extLst>
       <p:ext uri="{BB962C8B-B14F-4D97-AF65-F5344CB8AC3E}">
-        <p14:creationId xmlns:p14="http://schemas.microsoft.com/office/powerpoint/2010/main" val="426869911"/>
+        <p14:creationId xmlns:p14="http://schemas.microsoft.com/office/powerpoint/2010/main" val="1120880429"/>
       </p:ext>
     </p:extLst>
   </p:cSld>
@@ -19157,755 +19693,26 @@
           <a:bodyPr/>
           <a:lstStyle/>
           <a:p>
-            <a:pPr marL="0" marR="0" lvl="0" indent="0" algn="l" defTabSz="457200" rtl="0" eaLnBrk="1" fontAlgn="auto" latinLnBrk="0" hangingPunct="1">
-              <a:lnSpc>
-                <a:spcPct val="100000"/>
-              </a:lnSpc>
-              <a:spcBef>
-                <a:spcPts val="0"/>
-              </a:spcBef>
-              <a:spcAft>
-                <a:spcPts val="0"/>
-              </a:spcAft>
-              <a:buClrTx/>
-              <a:buSzTx/>
-              <a:buFontTx/>
-              <a:buNone/>
-              <a:tabLst/>
-              <a:defRPr/>
-            </a:pPr>
-            <a:r>
-              <a:rPr kumimoji="0" lang="el-GR" sz="1200" b="0" i="0" u="none" strike="noStrike" kern="0" cap="none" spc="0" normalizeH="0" baseline="0" noProof="0" dirty="0">
-                <a:ln>
-                  <a:noFill/>
-                </a:ln>
-                <a:solidFill>
-                  <a:srgbClr val="FFFFFF"/>
-                </a:solidFill>
-                <a:effectLst/>
-                <a:uLnTx/>
-                <a:uFillTx/>
-                <a:latin typeface="Arial" panose="020B0604020202020204" pitchFamily="34" charset="0"/>
-                <a:cs typeface="Arial" panose="020B0604020202020204" pitchFamily="34" charset="0"/>
-                <a:sym typeface="Sora"/>
-              </a:rPr>
-              <a:t>Τι εξετάζει το </a:t>
-            </a:r>
-            <a:r>
-              <a:rPr kumimoji="0" lang="en-US" sz="1200" b="0" i="0" u="none" strike="noStrike" kern="0" cap="none" spc="0" normalizeH="0" baseline="0" noProof="0" dirty="0">
-                <a:ln>
-                  <a:noFill/>
-                </a:ln>
-                <a:solidFill>
-                  <a:srgbClr val="FFFFFF"/>
-                </a:solidFill>
-                <a:effectLst/>
-                <a:uLnTx/>
-                <a:uFillTx/>
-                <a:latin typeface="Arial" panose="020B0604020202020204" pitchFamily="34" charset="0"/>
-                <a:cs typeface="Arial" panose="020B0604020202020204" pitchFamily="34" charset="0"/>
-                <a:sym typeface="Sora"/>
-              </a:rPr>
-              <a:t>project </a:t>
-            </a:r>
-            <a:r>
-              <a:rPr kumimoji="0" lang="el-GR" sz="1200" b="0" i="0" u="none" strike="noStrike" kern="0" cap="none" spc="0" normalizeH="0" baseline="0" noProof="0" dirty="0">
-                <a:ln>
-                  <a:noFill/>
-                </a:ln>
-                <a:solidFill>
-                  <a:srgbClr val="FFFFFF"/>
-                </a:solidFill>
-                <a:effectLst/>
-                <a:uLnTx/>
-                <a:uFillTx/>
-                <a:latin typeface="Arial" panose="020B0604020202020204" pitchFamily="34" charset="0"/>
-                <a:cs typeface="Arial" panose="020B0604020202020204" pitchFamily="34" charset="0"/>
-                <a:sym typeface="Sora"/>
-              </a:rPr>
-              <a:t>για σωστή διεκπεραίωση των απαιτήσεων προδιαγραφών?</a:t>
-            </a:r>
-            <a:endParaRPr kumimoji="0" lang="en-US" sz="1200" b="0" i="0" u="none" strike="noStrike" kern="0" cap="none" spc="0" normalizeH="0" baseline="0" noProof="0" dirty="0">
-              <a:ln>
-                <a:noFill/>
-              </a:ln>
-              <a:solidFill>
-                <a:srgbClr val="FFFFFF"/>
-              </a:solidFill>
-              <a:effectLst/>
-              <a:uLnTx/>
-              <a:uFillTx/>
-              <a:latin typeface="Arial" panose="020B0604020202020204" pitchFamily="34" charset="0"/>
-              <a:cs typeface="Arial" panose="020B0604020202020204" pitchFamily="34" charset="0"/>
-              <a:sym typeface="Sora"/>
-            </a:endParaRPr>
-          </a:p>
-          <a:p>
-            <a:pPr marL="0" marR="0" lvl="0" indent="0" algn="l" defTabSz="457200" rtl="0" eaLnBrk="1" fontAlgn="auto" latinLnBrk="0" hangingPunct="1">
-              <a:lnSpc>
-                <a:spcPct val="100000"/>
-              </a:lnSpc>
-              <a:spcBef>
-                <a:spcPts val="0"/>
-              </a:spcBef>
-              <a:spcAft>
-                <a:spcPts val="0"/>
-              </a:spcAft>
-              <a:buClrTx/>
-              <a:buSzTx/>
-              <a:buFontTx/>
-              <a:buNone/>
-              <a:tabLst/>
-              <a:defRPr/>
-            </a:pPr>
-            <a:endParaRPr kumimoji="0" lang="en-US" sz="1200" b="0" i="0" u="none" strike="noStrike" kern="0" cap="none" spc="0" normalizeH="0" baseline="0" noProof="0" dirty="0">
-              <a:ln>
-                <a:noFill/>
-              </a:ln>
-              <a:solidFill>
-                <a:srgbClr val="FFFFFF"/>
-              </a:solidFill>
-              <a:effectLst/>
-              <a:uLnTx/>
-              <a:uFillTx/>
-              <a:latin typeface="Arial" panose="020B0604020202020204" pitchFamily="34" charset="0"/>
-              <a:cs typeface="Arial" panose="020B0604020202020204" pitchFamily="34" charset="0"/>
-              <a:sym typeface="Sora"/>
-            </a:endParaRPr>
-          </a:p>
-          <a:p>
-            <a:pPr marL="0" marR="0" lvl="0" indent="0" algn="l" defTabSz="457200" rtl="0" eaLnBrk="1" fontAlgn="auto" latinLnBrk="0" hangingPunct="1">
-              <a:lnSpc>
-                <a:spcPct val="100000"/>
-              </a:lnSpc>
-              <a:spcBef>
-                <a:spcPts val="0"/>
-              </a:spcBef>
-              <a:spcAft>
-                <a:spcPts val="0"/>
-              </a:spcAft>
-              <a:buClrTx/>
-              <a:buSzTx/>
-              <a:buFontTx/>
-              <a:buNone/>
-              <a:tabLst/>
-              <a:defRPr/>
-            </a:pPr>
-            <a:r>
-              <a:rPr kumimoji="0" lang="en-US" sz="1200" b="0" i="0" u="none" strike="noStrike" kern="0" cap="none" spc="0" normalizeH="0" baseline="0" noProof="0" dirty="0">
-                <a:ln>
-                  <a:noFill/>
-                </a:ln>
-                <a:solidFill>
-                  <a:srgbClr val="FFFFFF"/>
-                </a:solidFill>
-                <a:effectLst/>
-                <a:uLnTx/>
-                <a:uFillTx/>
-                <a:latin typeface="Arial" panose="020B0604020202020204" pitchFamily="34" charset="0"/>
-                <a:cs typeface="Arial" panose="020B0604020202020204" pitchFamily="34" charset="0"/>
-                <a:sym typeface="Sora"/>
-              </a:rPr>
-              <a:t>Metaverse: </a:t>
-            </a:r>
-            <a:r>
-              <a:rPr kumimoji="0" lang="el-GR" sz="1200" b="0" i="0" u="none" strike="noStrike" kern="0" cap="none" spc="0" normalizeH="0" baseline="0" noProof="0" dirty="0">
-                <a:ln>
-                  <a:noFill/>
-                </a:ln>
-                <a:solidFill>
-                  <a:srgbClr val="FFFFFF"/>
-                </a:solidFill>
-                <a:effectLst/>
-                <a:uLnTx/>
-                <a:uFillTx/>
-                <a:latin typeface="Arial" panose="020B0604020202020204" pitchFamily="34" charset="0"/>
-                <a:cs typeface="Arial" panose="020B0604020202020204" pitchFamily="34" charset="0"/>
-                <a:sym typeface="Sora"/>
-              </a:rPr>
-              <a:t>Το μέλλον της εξέλιξης του Διαδικτύου, γνωστό ως δεύτερη ζωή, επεκτείνεται σε προσομοιώσεις λογισμικού πολλαπλών ζωών σε φυσικό και εικονικό κόσμο</a:t>
-            </a:r>
-          </a:p>
-          <a:p>
-            <a:pPr marL="0" marR="0" lvl="0" indent="0" algn="l" defTabSz="457200" rtl="0" eaLnBrk="1" fontAlgn="auto" latinLnBrk="0" hangingPunct="1">
-              <a:lnSpc>
-                <a:spcPct val="100000"/>
-              </a:lnSpc>
-              <a:spcBef>
-                <a:spcPts val="0"/>
-              </a:spcBef>
-              <a:spcAft>
-                <a:spcPts val="0"/>
-              </a:spcAft>
-              <a:buClrTx/>
-              <a:buSzTx/>
-              <a:buFontTx/>
-              <a:buNone/>
-              <a:tabLst/>
-              <a:defRPr/>
-            </a:pPr>
-            <a:r>
-              <a:rPr kumimoji="0" lang="el-GR" sz="1200" b="0" i="0" u="none" strike="noStrike" kern="0" cap="none" spc="0" normalizeH="0" baseline="0" noProof="0" dirty="0">
-                <a:ln>
-                  <a:noFill/>
-                </a:ln>
-                <a:solidFill>
-                  <a:srgbClr val="FFFFFF"/>
-                </a:solidFill>
-                <a:effectLst/>
-                <a:uLnTx/>
-                <a:uFillTx/>
-                <a:latin typeface="Arial" panose="020B0604020202020204" pitchFamily="34" charset="0"/>
-                <a:cs typeface="Arial" panose="020B0604020202020204" pitchFamily="34" charset="0"/>
-                <a:sym typeface="Sora"/>
-              </a:rPr>
-              <a:t>Δεν είναι εντελώς υλοποιήσιμη λόγο έλλειψη τεχνολογιών όμως η ιδέα του ήταν πάντα εδώ και ιδίως ξεκίνησε σιωπηρά το 1970 με τα πρώτα </a:t>
-            </a:r>
-            <a:r>
-              <a:rPr kumimoji="0" lang="en-US" sz="1200" b="0" i="0" u="none" strike="noStrike" kern="0" cap="none" spc="0" normalizeH="0" baseline="0" noProof="0" dirty="0">
-                <a:ln>
-                  <a:noFill/>
-                </a:ln>
-                <a:solidFill>
-                  <a:srgbClr val="FFFFFF"/>
-                </a:solidFill>
-                <a:effectLst/>
-                <a:uLnTx/>
-                <a:uFillTx/>
-                <a:latin typeface="Arial" panose="020B0604020202020204" pitchFamily="34" charset="0"/>
-                <a:cs typeface="Arial" panose="020B0604020202020204" pitchFamily="34" charset="0"/>
-                <a:sym typeface="Sora"/>
-              </a:rPr>
-              <a:t>arcade games</a:t>
-            </a:r>
-            <a:endParaRPr kumimoji="0" lang="el-GR" sz="1200" b="0" i="0" u="none" strike="noStrike" kern="0" cap="none" spc="0" normalizeH="0" baseline="0" noProof="0" dirty="0">
-              <a:ln>
-                <a:noFill/>
-              </a:ln>
-              <a:solidFill>
-                <a:srgbClr val="FFFFFF"/>
-              </a:solidFill>
-              <a:effectLst/>
-              <a:uLnTx/>
-              <a:uFillTx/>
-              <a:latin typeface="Arial" panose="020B0604020202020204" pitchFamily="34" charset="0"/>
-              <a:cs typeface="Arial" panose="020B0604020202020204" pitchFamily="34" charset="0"/>
-              <a:sym typeface="Sora"/>
-            </a:endParaRPr>
-          </a:p>
-          <a:p>
-            <a:pPr marL="0" marR="0" lvl="0" indent="0" algn="l" defTabSz="457200" rtl="0" eaLnBrk="1" fontAlgn="auto" latinLnBrk="0" hangingPunct="1">
-              <a:lnSpc>
-                <a:spcPct val="100000"/>
-              </a:lnSpc>
-              <a:spcBef>
-                <a:spcPts val="0"/>
-              </a:spcBef>
-              <a:spcAft>
-                <a:spcPts val="0"/>
-              </a:spcAft>
-              <a:buClrTx/>
-              <a:buSzTx/>
-              <a:buFontTx/>
-              <a:buNone/>
-              <a:tabLst/>
-              <a:defRPr/>
-            </a:pPr>
-            <a:r>
-              <a:rPr kumimoji="0" lang="el-GR" sz="1200" b="0" i="0" u="none" strike="noStrike" kern="0" cap="none" spc="0" normalizeH="0" baseline="0" noProof="0" dirty="0">
-                <a:ln>
-                  <a:noFill/>
-                </a:ln>
-                <a:solidFill>
-                  <a:srgbClr val="FFFFFF"/>
-                </a:solidFill>
-                <a:effectLst/>
-                <a:uLnTx/>
-                <a:uFillTx/>
-                <a:latin typeface="Arial" panose="020B0604020202020204" pitchFamily="34" charset="0"/>
-                <a:cs typeface="Arial" panose="020B0604020202020204" pitchFamily="34" charset="0"/>
-                <a:sym typeface="Sora"/>
-              </a:rPr>
-              <a:t>Ένα μέρος για συγκέντρωση ανθρώπων και δια-δραστικότητα  φυσικού και εικονικού κόσμου.</a:t>
-            </a:r>
-            <a:endParaRPr kumimoji="0" lang="en-US" sz="1200" b="0" i="0" u="none" strike="noStrike" kern="0" cap="none" spc="0" normalizeH="0" baseline="0" noProof="0" dirty="0">
-              <a:ln>
-                <a:noFill/>
-              </a:ln>
-              <a:solidFill>
-                <a:srgbClr val="FFFFFF"/>
-              </a:solidFill>
-              <a:effectLst/>
-              <a:uLnTx/>
-              <a:uFillTx/>
-              <a:latin typeface="Arial" panose="020B0604020202020204" pitchFamily="34" charset="0"/>
-              <a:cs typeface="Arial" panose="020B0604020202020204" pitchFamily="34" charset="0"/>
-              <a:sym typeface="Sora"/>
-            </a:endParaRPr>
-          </a:p>
-          <a:p>
-            <a:endParaRPr lang="en-US" dirty="0"/>
-          </a:p>
-          <a:p>
-            <a:pPr marL="0" marR="0" lvl="0" indent="0" algn="l" defTabSz="457200" rtl="0" eaLnBrk="1" fontAlgn="auto" latinLnBrk="0" hangingPunct="1">
-              <a:lnSpc>
-                <a:spcPct val="100000"/>
-              </a:lnSpc>
-              <a:spcBef>
-                <a:spcPts val="0"/>
-              </a:spcBef>
-              <a:spcAft>
-                <a:spcPts val="0"/>
-              </a:spcAft>
-              <a:buClrTx/>
-              <a:buSzTx/>
-              <a:buFontTx/>
-              <a:buNone/>
-              <a:tabLst/>
-              <a:defRPr/>
-            </a:pPr>
+            <a:r>
+              <a:rPr lang="el-GR" dirty="0"/>
+              <a:t>Η επιχείρηση υλοποιήσεις </a:t>
+            </a:r>
             <a:r>
               <a:rPr lang="en-US" dirty="0"/>
-              <a:t>AR/VR: </a:t>
-            </a:r>
-            <a:r>
-              <a:rPr lang="el-GR" sz="1200" kern="0" dirty="0" err="1">
-                <a:solidFill>
-                  <a:srgbClr val="FFFFFF"/>
-                </a:solidFill>
-                <a:latin typeface="Arial" panose="020B0604020202020204" pitchFamily="34" charset="0"/>
-                <a:cs typeface="Arial" panose="020B0604020202020204" pitchFamily="34" charset="0"/>
-              </a:rPr>
-              <a:t>Διεπαφές</a:t>
-            </a:r>
-            <a:r>
-              <a:rPr lang="el-GR" sz="1200" kern="0" dirty="0">
-                <a:solidFill>
-                  <a:srgbClr val="FFFFFF"/>
-                </a:solidFill>
-                <a:latin typeface="Arial" panose="020B0604020202020204" pitchFamily="34" charset="0"/>
-                <a:cs typeface="Arial" panose="020B0604020202020204" pitchFamily="34" charset="0"/>
-              </a:rPr>
-              <a:t> υλικού για αλληλεπίδραση με τους καθηλωτικούς κόσμους που προσομοιώνουν την καθημερινή ζωή</a:t>
-            </a:r>
-            <a:endParaRPr kumimoji="0" lang="en-US" sz="1200" b="0" i="0" u="none" strike="noStrike" kern="0" cap="none" spc="0" normalizeH="0" baseline="0" noProof="0" dirty="0">
-              <a:ln>
-                <a:noFill/>
-              </a:ln>
-              <a:solidFill>
-                <a:srgbClr val="FFFFFF"/>
-              </a:solidFill>
-              <a:effectLst/>
-              <a:uLnTx/>
-              <a:uFillTx/>
-              <a:latin typeface="Arial" panose="020B0604020202020204" pitchFamily="34" charset="0"/>
-              <a:cs typeface="Arial" panose="020B0604020202020204" pitchFamily="34" charset="0"/>
-              <a:sym typeface="Sora"/>
-            </a:endParaRPr>
-          </a:p>
-          <a:p>
-            <a:endParaRPr lang="en-US" dirty="0"/>
-          </a:p>
-          <a:p>
-            <a:pPr marL="0" marR="0" lvl="0" indent="0" algn="l" defTabSz="457200" rtl="0" eaLnBrk="1" fontAlgn="auto" latinLnBrk="0" hangingPunct="1">
-              <a:lnSpc>
-                <a:spcPct val="100000"/>
-              </a:lnSpc>
-              <a:spcBef>
-                <a:spcPts val="0"/>
-              </a:spcBef>
-              <a:spcAft>
-                <a:spcPts val="0"/>
-              </a:spcAft>
-              <a:buClrTx/>
-              <a:buSzTx/>
-              <a:buFontTx/>
-              <a:buNone/>
-              <a:tabLst/>
-              <a:defRPr/>
-            </a:pPr>
+              <a:t>VR </a:t>
+            </a:r>
             <a:r>
               <a:rPr lang="el-GR" dirty="0"/>
-              <a:t>Πως σχετίζονται με τα </a:t>
+              <a:t>και </a:t>
             </a:r>
             <a:r>
               <a:rPr lang="en-US" dirty="0"/>
-              <a:t>Gameplay Mechanics: </a:t>
-            </a:r>
-            <a:r>
-              <a:rPr kumimoji="0" lang="el-GR" sz="1200" b="0" i="0" u="none" strike="noStrike" kern="0" cap="none" spc="0" normalizeH="0" baseline="0" noProof="0" dirty="0">
-                <a:ln>
-                  <a:noFill/>
-                </a:ln>
-                <a:solidFill>
-                  <a:srgbClr val="FFFFFF"/>
-                </a:solidFill>
-                <a:effectLst/>
-                <a:uLnTx/>
-                <a:uFillTx/>
-                <a:latin typeface="Arial" panose="020B0604020202020204" pitchFamily="34" charset="0"/>
-                <a:cs typeface="Arial" panose="020B0604020202020204" pitchFamily="34" charset="0"/>
-                <a:sym typeface="Sora"/>
-              </a:rPr>
-              <a:t>Τα API λογισμικού του AR/VR</a:t>
-            </a:r>
-            <a:r>
-              <a:rPr kumimoji="0" lang="en-US" sz="1200" b="0" i="0" u="none" strike="noStrike" kern="0" cap="none" spc="0" normalizeH="0" baseline="0" noProof="0" dirty="0">
-                <a:ln>
-                  <a:noFill/>
-                </a:ln>
-                <a:solidFill>
-                  <a:srgbClr val="FFFFFF"/>
-                </a:solidFill>
-                <a:effectLst/>
-                <a:uLnTx/>
-                <a:uFillTx/>
-                <a:latin typeface="Arial" panose="020B0604020202020204" pitchFamily="34" charset="0"/>
-                <a:cs typeface="Arial" panose="020B0604020202020204" pitchFamily="34" charset="0"/>
-                <a:sym typeface="Sora"/>
-              </a:rPr>
-              <a:t>/classic</a:t>
-            </a:r>
-            <a:r>
-              <a:rPr kumimoji="0" lang="el-GR" sz="1200" b="0" i="0" u="none" strike="noStrike" kern="0" cap="none" spc="0" normalizeH="0" baseline="0" noProof="0" dirty="0">
-                <a:ln>
-                  <a:noFill/>
-                </a:ln>
-                <a:solidFill>
-                  <a:srgbClr val="FFFFFF"/>
-                </a:solidFill>
-                <a:effectLst/>
-                <a:uLnTx/>
-                <a:uFillTx/>
-                <a:latin typeface="Arial" panose="020B0604020202020204" pitchFamily="34" charset="0"/>
-                <a:cs typeface="Arial" panose="020B0604020202020204" pitchFamily="34" charset="0"/>
-                <a:sym typeface="Sora"/>
-              </a:rPr>
-              <a:t> για τη γεφύρωση του υλικού με την αλληλεπίδραση χρήστη λογισμικού μέσα στο </a:t>
-            </a:r>
-            <a:r>
-              <a:rPr kumimoji="0" lang="el-GR" sz="1200" b="0" i="0" u="none" strike="noStrike" kern="0" cap="none" spc="0" normalizeH="0" baseline="0" noProof="0" dirty="0" err="1">
-                <a:ln>
-                  <a:noFill/>
-                </a:ln>
-                <a:solidFill>
-                  <a:srgbClr val="FFFFFF"/>
-                </a:solidFill>
-                <a:effectLst/>
-                <a:uLnTx/>
-                <a:uFillTx/>
-                <a:latin typeface="Arial" panose="020B0604020202020204" pitchFamily="34" charset="0"/>
-                <a:cs typeface="Arial" panose="020B0604020202020204" pitchFamily="34" charset="0"/>
-                <a:sym typeface="Sora"/>
-              </a:rPr>
-              <a:t>metaverse</a:t>
-            </a:r>
-            <a:r>
-              <a:rPr kumimoji="0" lang="el-GR" sz="1200" b="0" i="0" u="none" strike="noStrike" kern="0" cap="none" spc="0" normalizeH="0" baseline="0" noProof="0" dirty="0">
-                <a:ln>
-                  <a:noFill/>
-                </a:ln>
-                <a:solidFill>
-                  <a:srgbClr val="FFFFFF"/>
-                </a:solidFill>
-                <a:effectLst/>
-                <a:uLnTx/>
-                <a:uFillTx/>
-                <a:latin typeface="Arial" panose="020B0604020202020204" pitchFamily="34" charset="0"/>
-                <a:cs typeface="Arial" panose="020B0604020202020204" pitchFamily="34" charset="0"/>
-                <a:sym typeface="Sora"/>
-              </a:rPr>
-              <a:t> </a:t>
-            </a:r>
-            <a:r>
-              <a:rPr kumimoji="0" lang="el-GR" sz="1200" b="0" i="0" u="none" strike="noStrike" kern="0" cap="none" spc="0" normalizeH="0" baseline="0" noProof="0" dirty="0">
-                <a:ln>
-                  <a:noFill/>
-                </a:ln>
-                <a:solidFill>
-                  <a:srgbClr val="FFC000"/>
-                </a:solidFill>
-                <a:effectLst/>
-                <a:uLnTx/>
-                <a:uFillTx/>
-                <a:latin typeface="Arial" panose="020B0604020202020204" pitchFamily="34" charset="0"/>
-                <a:cs typeface="Arial" panose="020B0604020202020204" pitchFamily="34" charset="0"/>
-                <a:sym typeface="Sora"/>
-              </a:rPr>
-              <a:t>καθώς και πολλά περισσότερο από αυτό.</a:t>
-            </a:r>
-          </a:p>
-          <a:p>
-            <a:pPr marL="0" marR="0" lvl="0" indent="0" algn="l" defTabSz="457200" rtl="0" eaLnBrk="1" fontAlgn="auto" latinLnBrk="0" hangingPunct="1">
-              <a:lnSpc>
-                <a:spcPct val="100000"/>
-              </a:lnSpc>
-              <a:spcBef>
-                <a:spcPts val="0"/>
-              </a:spcBef>
-              <a:spcAft>
-                <a:spcPts val="0"/>
-              </a:spcAft>
-              <a:buClrTx/>
-              <a:buSzTx/>
-              <a:buFontTx/>
-              <a:buNone/>
-              <a:tabLst/>
-              <a:defRPr/>
-            </a:pPr>
-            <a:endParaRPr kumimoji="0" lang="el-GR" sz="1200" b="0" i="0" u="none" strike="noStrike" kern="0" cap="none" spc="0" normalizeH="0" baseline="0" noProof="0" dirty="0">
-              <a:ln>
-                <a:noFill/>
-              </a:ln>
-              <a:solidFill>
-                <a:srgbClr val="FFC000"/>
-              </a:solidFill>
-              <a:effectLst/>
-              <a:uLnTx/>
-              <a:uFillTx/>
-              <a:latin typeface="Arial" panose="020B0604020202020204" pitchFamily="34" charset="0"/>
-              <a:cs typeface="Arial" panose="020B0604020202020204" pitchFamily="34" charset="0"/>
-              <a:sym typeface="Sora"/>
-            </a:endParaRPr>
-          </a:p>
-          <a:p>
-            <a:pPr marL="0" marR="0" lvl="0" indent="0" algn="l" defTabSz="457200" rtl="0" eaLnBrk="1" fontAlgn="auto" latinLnBrk="0" hangingPunct="1">
-              <a:lnSpc>
-                <a:spcPct val="100000"/>
-              </a:lnSpc>
-              <a:spcBef>
-                <a:spcPts val="0"/>
-              </a:spcBef>
-              <a:spcAft>
-                <a:spcPts val="0"/>
-              </a:spcAft>
-              <a:buClrTx/>
-              <a:buSzTx/>
-              <a:buFontTx/>
-              <a:buNone/>
-              <a:tabLst/>
-              <a:defRPr/>
-            </a:pPr>
-            <a:r>
-              <a:rPr kumimoji="0" lang="el-GR" sz="1200" b="0" i="0" u="none" strike="noStrike" kern="0" cap="none" spc="0" normalizeH="0" baseline="0" noProof="0" dirty="0">
-                <a:ln>
-                  <a:noFill/>
-                </a:ln>
-                <a:solidFill>
-                  <a:srgbClr val="FFFFFF"/>
-                </a:solidFill>
-                <a:effectLst/>
-                <a:uLnTx/>
-                <a:uFillTx/>
-                <a:latin typeface="Arial" panose="020B0604020202020204" pitchFamily="34" charset="0"/>
-                <a:cs typeface="Arial" panose="020B0604020202020204" pitchFamily="34" charset="0"/>
-                <a:sym typeface="Sora"/>
-              </a:rPr>
-              <a:t>Εταιρείες μεγάλης τεχνολογίας κολοσσοί</a:t>
-            </a:r>
-            <a:r>
-              <a:rPr kumimoji="0" lang="en-US" sz="1200" b="0" i="0" u="none" strike="noStrike" kern="0" cap="none" spc="0" normalizeH="0" baseline="0" noProof="0" dirty="0">
-                <a:ln>
-                  <a:noFill/>
-                </a:ln>
-                <a:solidFill>
-                  <a:srgbClr val="FFFFFF"/>
-                </a:solidFill>
-                <a:effectLst/>
-                <a:uLnTx/>
-                <a:uFillTx/>
-                <a:latin typeface="Arial" panose="020B0604020202020204" pitchFamily="34" charset="0"/>
-                <a:cs typeface="Arial" panose="020B0604020202020204" pitchFamily="34" charset="0"/>
-                <a:sym typeface="Sora"/>
-              </a:rPr>
-              <a:t> </a:t>
-            </a:r>
-            <a:r>
-              <a:rPr kumimoji="0" lang="el-GR" sz="1200" b="0" i="0" u="none" strike="noStrike" kern="0" cap="none" spc="0" normalizeH="0" baseline="0" noProof="0" dirty="0">
-                <a:ln>
-                  <a:noFill/>
-                </a:ln>
-                <a:solidFill>
-                  <a:srgbClr val="FFFFFF"/>
-                </a:solidFill>
-                <a:effectLst/>
-                <a:uLnTx/>
-                <a:uFillTx/>
-                <a:latin typeface="Arial" panose="020B0604020202020204" pitchFamily="34" charset="0"/>
-                <a:cs typeface="Arial" panose="020B0604020202020204" pitchFamily="34" charset="0"/>
-                <a:sym typeface="Sora"/>
-              </a:rPr>
-              <a:t>και όραμα ενιαίας ανάπτυξης (κοινά πρότυπα λογισμικού)</a:t>
-            </a:r>
-            <a:r>
-              <a:rPr kumimoji="0" lang="en-US" sz="1200" b="0" i="0" u="none" strike="noStrike" kern="0" cap="none" spc="0" normalizeH="0" baseline="0" noProof="0" dirty="0">
-                <a:ln>
-                  <a:noFill/>
-                </a:ln>
-                <a:solidFill>
-                  <a:srgbClr val="FFFFFF"/>
-                </a:solidFill>
-                <a:effectLst/>
-                <a:uLnTx/>
-                <a:uFillTx/>
-                <a:latin typeface="Arial" panose="020B0604020202020204" pitchFamily="34" charset="0"/>
-                <a:cs typeface="Arial" panose="020B0604020202020204" pitchFamily="34" charset="0"/>
-                <a:sym typeface="Sora"/>
-              </a:rPr>
-              <a:t> = </a:t>
+              <a:t>metaverse </a:t>
             </a:r>
             <a:r>
               <a:rPr lang="el-GR" dirty="0"/>
-              <a:t>Κοινά πρότυπα </a:t>
-            </a:r>
-            <a:r>
-              <a:rPr lang="en-US" dirty="0"/>
-              <a:t>business processes </a:t>
-            </a:r>
-            <a:r>
-              <a:rPr lang="el-GR" dirty="0"/>
-              <a:t>δηλαδή</a:t>
-            </a:r>
-            <a:r>
-              <a:rPr lang="en-US" dirty="0"/>
-              <a:t> </a:t>
-            </a:r>
-            <a:r>
-              <a:rPr lang="el-GR" dirty="0"/>
-              <a:t>δεν</a:t>
-            </a:r>
-            <a:r>
-              <a:rPr lang="en-US" dirty="0"/>
-              <a:t> </a:t>
-            </a:r>
-            <a:r>
-              <a:rPr lang="el-GR" dirty="0"/>
-              <a:t>χρειάζεσαι</a:t>
-            </a:r>
-            <a:r>
-              <a:rPr lang="en-US" dirty="0"/>
-              <a:t> </a:t>
-            </a:r>
-            <a:r>
-              <a:rPr lang="el-GR" dirty="0"/>
-              <a:t>μόνο</a:t>
-            </a:r>
-            <a:r>
-              <a:rPr lang="en-US" dirty="0"/>
-              <a:t> </a:t>
-            </a:r>
-            <a:r>
-              <a:rPr lang="el-GR" dirty="0"/>
-              <a:t>κάποια</a:t>
-            </a:r>
-            <a:r>
-              <a:rPr lang="en-US" dirty="0"/>
-              <a:t> </a:t>
-            </a:r>
-            <a:r>
-              <a:rPr lang="el-GR" dirty="0"/>
-              <a:t>εταιρεία</a:t>
-            </a:r>
-            <a:r>
-              <a:rPr lang="en-US" dirty="0"/>
-              <a:t> </a:t>
-            </a:r>
-            <a:r>
-              <a:rPr lang="el-GR" dirty="0"/>
-              <a:t>αλλά</a:t>
-            </a:r>
-            <a:r>
-              <a:rPr lang="en-US" dirty="0"/>
-              <a:t> </a:t>
-            </a:r>
-            <a:r>
-              <a:rPr lang="el-GR" dirty="0"/>
-              <a:t>και όλα τα κομμάτια τις</a:t>
-            </a:r>
-            <a:r>
-              <a:rPr lang="en-US" dirty="0"/>
-              <a:t> </a:t>
-            </a:r>
-            <a:r>
-              <a:rPr lang="el-GR" dirty="0"/>
-              <a:t>σε διοικητικό και</a:t>
-            </a:r>
-            <a:r>
-              <a:rPr lang="en-US" dirty="0"/>
-              <a:t> development </a:t>
-            </a:r>
-            <a:r>
-              <a:rPr lang="el-GR" dirty="0"/>
-              <a:t>να</a:t>
-            </a:r>
-            <a:r>
-              <a:rPr lang="en-US" dirty="0"/>
-              <a:t> </a:t>
-            </a:r>
-            <a:r>
-              <a:rPr lang="el-GR" dirty="0"/>
-              <a:t>επικοινωνούν</a:t>
-            </a:r>
-            <a:r>
-              <a:rPr lang="en-US" dirty="0"/>
-              <a:t> </a:t>
-            </a:r>
-            <a:r>
-              <a:rPr lang="el-GR" dirty="0"/>
-              <a:t>μεταξύ τους προχωρούν μεταξύ τους γνωρίζοντας</a:t>
-            </a:r>
-            <a:r>
-              <a:rPr lang="en-US" dirty="0"/>
-              <a:t> </a:t>
-            </a:r>
-            <a:r>
-              <a:rPr lang="el-GR" dirty="0"/>
-              <a:t>τα</a:t>
-            </a:r>
-            <a:r>
-              <a:rPr lang="en-US" dirty="0"/>
-              <a:t> impediments (</a:t>
-            </a:r>
-            <a:r>
-              <a:rPr lang="el-GR" dirty="0"/>
-              <a:t>τα</a:t>
-            </a:r>
-            <a:r>
-              <a:rPr lang="en-US" dirty="0"/>
-              <a:t> </a:t>
-            </a:r>
-            <a:r>
-              <a:rPr lang="el-GR" dirty="0"/>
-              <a:t>εμπόδια</a:t>
-            </a:r>
-            <a:r>
-              <a:rPr lang="en-US" dirty="0"/>
-              <a:t>) </a:t>
-            </a:r>
-            <a:r>
-              <a:rPr lang="el-GR" dirty="0"/>
-              <a:t>και πώς να τα ξεπεράσουν χρησιμοποιώντας τεχνικές πχ, </a:t>
-            </a:r>
-            <a:r>
-              <a:rPr lang="en-US" dirty="0"/>
-              <a:t>agile-scrum, GitHub, Jira, tickets etc.</a:t>
-            </a:r>
-            <a:endParaRPr kumimoji="0" lang="en-US" sz="1200" b="0" i="0" u="none" strike="noStrike" kern="0" cap="none" spc="0" normalizeH="0" baseline="0" noProof="0" dirty="0">
-              <a:ln>
-                <a:noFill/>
-              </a:ln>
-              <a:solidFill>
-                <a:srgbClr val="D5FA68"/>
-              </a:solidFill>
-              <a:effectLst/>
-              <a:uLnTx/>
-              <a:uFillTx/>
-              <a:latin typeface="Arial" panose="020B0604020202020204" pitchFamily="34" charset="0"/>
-              <a:cs typeface="Arial" panose="020B0604020202020204" pitchFamily="34" charset="0"/>
-              <a:sym typeface="Sora"/>
-            </a:endParaRPr>
-          </a:p>
-          <a:p>
+              <a:t>είναι πρόσφατη λόγο μεγέθους επεξεργαστικού ισχύος σε περιορισμένο χώρο αλλά και οικοσυστημάτων υποδομής.</a:t>
+            </a:r>
             <a:endParaRPr lang="en-US" dirty="0"/>
           </a:p>
         </p:txBody>
@@ -19937,7 +19744,7 @@
     </p:spTree>
     <p:extLst>
       <p:ext uri="{BB962C8B-B14F-4D97-AF65-F5344CB8AC3E}">
-        <p14:creationId xmlns:p14="http://schemas.microsoft.com/office/powerpoint/2010/main" val="1192721217"/>
+        <p14:creationId xmlns:p14="http://schemas.microsoft.com/office/powerpoint/2010/main" val="4228776886"/>
       </p:ext>
     </p:extLst>
   </p:cSld>
@@ -19993,66 +19800,26 @@
           <a:p>
             <a:r>
               <a:rPr lang="el-GR" dirty="0"/>
-              <a:t>Στο </a:t>
+              <a:t>Το </a:t>
             </a:r>
             <a:r>
               <a:rPr lang="en-US" dirty="0"/>
-              <a:t>flow of gaming simulation evolution </a:t>
+              <a:t>roadmap </a:t>
             </a:r>
             <a:r>
               <a:rPr lang="el-GR" dirty="0"/>
-              <a:t>υπάρχει η ακολουθία </a:t>
-            </a:r>
-            <a:r>
-              <a:rPr lang="en-US" dirty="0"/>
-              <a:t>hardware </a:t>
-            </a:r>
+              <a:t>της τεχνολογίας</a:t>
+            </a:r>
+          </a:p>
+          <a:p>
+            <a:endParaRPr lang="el-GR" dirty="0"/>
+          </a:p>
+          <a:p>
             <a:r>
               <a:rPr lang="el-GR" dirty="0"/>
-              <a:t>με τα αντίστοιχα </a:t>
-            </a:r>
-            <a:r>
-              <a:rPr lang="en-US" dirty="0"/>
-              <a:t>software’s</a:t>
-            </a:r>
-          </a:p>
-          <a:p>
+              <a:t>Για να γίνει αυτό πραγματικότητα πρέπει να υπάρξει και η αντίστοιχη υποδομή και τεχνολογίες από οικοσυστήματα</a:t>
+            </a:r>
             <a:endParaRPr lang="en-US" dirty="0"/>
-          </a:p>
-          <a:p>
-            <a:r>
-              <a:rPr lang="el-GR" dirty="0"/>
-              <a:t>Στο </a:t>
-            </a:r>
-            <a:r>
-              <a:rPr lang="en-US" dirty="0"/>
-              <a:t>mobile </a:t>
-            </a:r>
-            <a:r>
-              <a:rPr lang="el-GR" dirty="0"/>
-              <a:t>παρουσιάστηκαν οι πιο μεγάλες αλλαγές του </a:t>
-            </a:r>
-            <a:r>
-              <a:rPr lang="en-US" dirty="0"/>
-              <a:t>gaming industry </a:t>
-            </a:r>
-            <a:r>
-              <a:rPr lang="el-GR" dirty="0"/>
-              <a:t>λόγο </a:t>
-            </a:r>
-            <a:r>
-              <a:rPr lang="el-GR" dirty="0" err="1"/>
-              <a:t>φορητότητας</a:t>
-            </a:r>
-            <a:r>
-              <a:rPr lang="el-GR" dirty="0"/>
-              <a:t> αλλά και δυνατότητες επαυξημένης πραγματικότητας σε βιντεοπαιχνίδια είτε </a:t>
-            </a:r>
-            <a:r>
-              <a:rPr lang="en-US" dirty="0"/>
-              <a:t>social media camera filters</a:t>
-            </a:r>
-            <a:endParaRPr lang="el-GR" dirty="0"/>
           </a:p>
         </p:txBody>
       </p:sp>
@@ -20083,7 +19850,7 @@
     </p:spTree>
     <p:extLst>
       <p:ext uri="{BB962C8B-B14F-4D97-AF65-F5344CB8AC3E}">
-        <p14:creationId xmlns:p14="http://schemas.microsoft.com/office/powerpoint/2010/main" val="1120880429"/>
+        <p14:creationId xmlns:p14="http://schemas.microsoft.com/office/powerpoint/2010/main" val="437758119"/>
       </p:ext>
     </p:extLst>
   </p:cSld>
@@ -20139,15 +19906,15 @@
           <a:p>
             <a:r>
               <a:rPr lang="el-GR" dirty="0"/>
-              <a:t>Η επιχείρηση υλοποιήσεις </a:t>
-            </a:r>
-            <a:r>
-              <a:rPr lang="en-US" dirty="0"/>
-              <a:t>VR </a:t>
+              <a:t>Το συνολικό </a:t>
+            </a:r>
+            <a:r>
+              <a:rPr lang="el-GR" dirty="0" err="1"/>
+              <a:t>υπερσύνολο</a:t>
             </a:r>
             <a:r>
               <a:rPr lang="el-GR" dirty="0"/>
-              <a:t>και </a:t>
+              <a:t> που αποτελεί το </a:t>
             </a:r>
             <a:r>
               <a:rPr lang="en-US" dirty="0"/>
@@ -20155,9 +19922,131 @@
             </a:r>
             <a:r>
               <a:rPr lang="el-GR" dirty="0"/>
-              <a:t>είναι πρόσφατη λόγο μεγέθους επεξεργαστικού ισχύος σε περιορισμένο χώρο αλλά και οικοσυστημάτων υποδομής.</a:t>
-            </a:r>
-            <a:endParaRPr lang="en-US" dirty="0"/>
+              <a:t>και ποια κομμάτια πρέπει να συνυπάρξουν ώστε να λειτουργήσει. Βλέπουμε την ένωση όλων των υποδομών</a:t>
+            </a:r>
+            <a:r>
+              <a:rPr lang="en-US" dirty="0"/>
+              <a:t>(infrastructures)</a:t>
+            </a:r>
+            <a:r>
+              <a:rPr lang="el-GR" dirty="0"/>
+              <a:t> σε δράση</a:t>
+            </a:r>
+            <a:r>
+              <a:rPr lang="en-US" dirty="0"/>
+              <a:t> </a:t>
+            </a:r>
+            <a:r>
+              <a:rPr lang="el-GR" dirty="0"/>
+              <a:t>μεταξύ τους τόσο σε </a:t>
+            </a:r>
+            <a:r>
+              <a:rPr lang="en-US" dirty="0"/>
+              <a:t>proactive </a:t>
+            </a:r>
+            <a:r>
+              <a:rPr lang="el-GR" dirty="0"/>
+              <a:t>όσο και </a:t>
+            </a:r>
+            <a:r>
+              <a:rPr lang="en-US" dirty="0"/>
+              <a:t>reactive </a:t>
+            </a:r>
+            <a:r>
+              <a:rPr lang="el-GR" dirty="0"/>
+              <a:t>κατάσταση.</a:t>
+            </a:r>
+          </a:p>
+          <a:p>
+            <a:endParaRPr lang="el-GR" dirty="0"/>
+          </a:p>
+          <a:p>
+            <a:r>
+              <a:rPr lang="el-GR" dirty="0"/>
+              <a:t>Επίσης στις ασύρματες και </a:t>
+            </a:r>
+            <a:r>
+              <a:rPr lang="en-US" dirty="0"/>
+              <a:t>Fixed </a:t>
+            </a:r>
+            <a:r>
+              <a:rPr lang="el-GR" dirty="0"/>
+              <a:t>τεχνολογίες παροχών υπηρεσιών </a:t>
+            </a:r>
+            <a:r>
+              <a:rPr lang="en-US" dirty="0"/>
+              <a:t>(SP) </a:t>
+            </a:r>
+            <a:r>
+              <a:rPr lang="el-GR" dirty="0"/>
+              <a:t>με </a:t>
+            </a:r>
+            <a:r>
+              <a:rPr lang="en-US" dirty="0"/>
+              <a:t>5G </a:t>
+            </a:r>
+            <a:r>
+              <a:rPr lang="el-GR" dirty="0"/>
+              <a:t>και</a:t>
+            </a:r>
+            <a:r>
+              <a:rPr lang="en-US" dirty="0"/>
+              <a:t> FTTH (fiber to the home)</a:t>
+            </a:r>
+            <a:r>
+              <a:rPr lang="el-GR" dirty="0"/>
+              <a:t> δίκτυα τα χρειαζόμαστε για </a:t>
+            </a:r>
+            <a:r>
+              <a:rPr lang="en-US" dirty="0"/>
+              <a:t>Low latency </a:t>
+            </a:r>
+            <a:r>
+              <a:rPr lang="el-GR" dirty="0"/>
+              <a:t>ώστε τα </a:t>
+            </a:r>
+            <a:r>
+              <a:rPr lang="en-US" dirty="0"/>
+              <a:t>mission critical </a:t>
+            </a:r>
+            <a:r>
+              <a:rPr lang="el-GR" dirty="0"/>
+              <a:t>να έχουν απόλυτη ακεραιότητα. </a:t>
+            </a:r>
+          </a:p>
+          <a:p>
+            <a:r>
+              <a:rPr lang="el-GR" dirty="0"/>
+              <a:t>Επίσης σε </a:t>
+            </a:r>
+            <a:r>
+              <a:rPr lang="en-US" dirty="0"/>
+              <a:t>Mounted headset device (HMD) </a:t>
+            </a:r>
+            <a:r>
+              <a:rPr lang="el-GR" dirty="0"/>
+              <a:t>για </a:t>
+            </a:r>
+            <a:r>
+              <a:rPr lang="en-US" dirty="0"/>
+              <a:t>VR</a:t>
+            </a:r>
+            <a:r>
+              <a:rPr lang="el-GR" dirty="0"/>
+              <a:t>/</a:t>
+            </a:r>
+            <a:r>
+              <a:rPr lang="en-US" dirty="0"/>
+              <a:t>MR </a:t>
+            </a:r>
+            <a:r>
+              <a:rPr lang="el-GR" dirty="0"/>
+              <a:t>αποφεύγουμε το </a:t>
+            </a:r>
+            <a:r>
+              <a:rPr lang="en-US" dirty="0"/>
+              <a:t>motion sickness</a:t>
+            </a:r>
           </a:p>
         </p:txBody>
       </p:sp>
@@ -20188,7 +20077,7 @@
     </p:spTree>
     <p:extLst>
       <p:ext uri="{BB962C8B-B14F-4D97-AF65-F5344CB8AC3E}">
-        <p14:creationId xmlns:p14="http://schemas.microsoft.com/office/powerpoint/2010/main" val="4228776886"/>
+        <p14:creationId xmlns:p14="http://schemas.microsoft.com/office/powerpoint/2010/main" val="547921947"/>
       </p:ext>
     </p:extLst>
   </p:cSld>
@@ -20244,24 +20133,89 @@
           <a:p>
             <a:r>
               <a:rPr lang="el-GR" dirty="0"/>
-              <a:t>Το </a:t>
+              <a:t>Υποδομή από αρχιτεκτονικές προδιαγραφές πληροφοριών πχ., </a:t>
             </a:r>
             <a:r>
               <a:rPr lang="en-US" dirty="0"/>
-              <a:t>roadmap </a:t>
+              <a:t>TOGAF (enterprise architecture framework) &amp; ITIL library </a:t>
             </a:r>
             <a:r>
               <a:rPr lang="el-GR" dirty="0"/>
-              <a:t>της τεχνολογίας</a:t>
-            </a:r>
-          </a:p>
-          <a:p>
-            <a:endParaRPr lang="el-GR" dirty="0"/>
-          </a:p>
-          <a:p>
+              <a:t>για </a:t>
+            </a:r>
+            <a:r>
+              <a:rPr lang="en-US" dirty="0"/>
+              <a:t>best practices </a:t>
+            </a:r>
             <a:r>
               <a:rPr lang="el-GR" dirty="0"/>
-              <a:t>Για να γίνει αυτό πραγματικότητα πρέπει να υπάρξει και η αντίστοιχη υποδομή και τεχνολογίες από οικοσυστήματα</a:t>
+              <a:t>στο </a:t>
+            </a:r>
+            <a:r>
+              <a:rPr lang="en-US" dirty="0"/>
+              <a:t>Information Technology </a:t>
+            </a:r>
+            <a:r>
+              <a:rPr lang="el-GR" dirty="0"/>
+              <a:t>ώστε να υπάρξουν τα </a:t>
+            </a:r>
+            <a:r>
+              <a:rPr lang="en-US" dirty="0"/>
+              <a:t>Information Technology service management</a:t>
+            </a:r>
+            <a:r>
+              <a:rPr lang="el-GR" dirty="0"/>
+              <a:t> </a:t>
+            </a:r>
+            <a:r>
+              <a:rPr lang="en-US" dirty="0"/>
+              <a:t>services (ITSM services) </a:t>
+            </a:r>
+            <a:r>
+              <a:rPr lang="el-GR" dirty="0"/>
+              <a:t>για ένα </a:t>
+            </a:r>
+            <a:r>
+              <a:rPr lang="en-US" dirty="0"/>
+              <a:t>business.</a:t>
+            </a:r>
+          </a:p>
+          <a:p>
+            <a:r>
+              <a:rPr lang="el-GR" dirty="0"/>
+              <a:t>Σε τεχνολογικό τομέα αλλά και οικοσυστήματα που το περιβάλουν ώστε να υπάρξουν </a:t>
+            </a:r>
+            <a:r>
+              <a:rPr lang="el-GR" dirty="0" err="1"/>
+              <a:t>διεπαφές</a:t>
+            </a:r>
+            <a:r>
+              <a:rPr lang="el-GR" dirty="0"/>
+              <a:t> επικοινωνίας μεταξύ τους αλλά και </a:t>
+            </a:r>
+            <a:r>
+              <a:rPr lang="en-US" dirty="0"/>
+              <a:t>streamlined workflows </a:t>
+            </a:r>
+            <a:r>
+              <a:rPr lang="el-GR" dirty="0"/>
+              <a:t>λειτουργείας τους από χρήστες και αυτοματισμοί διεργασιών (</a:t>
+            </a:r>
+            <a:r>
+              <a:rPr lang="en-US" dirty="0"/>
+              <a:t>automation processes). </a:t>
+            </a:r>
+            <a:r>
+              <a:rPr lang="el-GR" dirty="0"/>
+              <a:t>Δηλαδή να υπάρχει έλεγχος </a:t>
+            </a:r>
+            <a:r>
+              <a:rPr lang="en-US" dirty="0"/>
+              <a:t>proactive </a:t>
+            </a:r>
+            <a:r>
+              <a:rPr lang="el-GR" dirty="0"/>
+              <a:t>κατάσταση</a:t>
             </a:r>
             <a:endParaRPr lang="en-US" dirty="0"/>
           </a:p>
@@ -20294,7 +20248,7 @@
     </p:spTree>
     <p:extLst>
       <p:ext uri="{BB962C8B-B14F-4D97-AF65-F5344CB8AC3E}">
-        <p14:creationId xmlns:p14="http://schemas.microsoft.com/office/powerpoint/2010/main" val="437758119"/>
+        <p14:creationId xmlns:p14="http://schemas.microsoft.com/office/powerpoint/2010/main" val="2729025747"/>
       </p:ext>
     </p:extLst>
   </p:cSld>
@@ -20350,147 +20304,73 @@
           <a:p>
             <a:r>
               <a:rPr lang="el-GR" dirty="0"/>
-              <a:t>Το συνολικό </a:t>
-            </a:r>
-            <a:r>
-              <a:rPr lang="el-GR" dirty="0" err="1"/>
-              <a:t>υπερσύνολο</a:t>
+              <a:t>Για την υλοποίηση </a:t>
+            </a:r>
+            <a:r>
+              <a:rPr lang="en-US" dirty="0"/>
+              <a:t>gameplay mechanics </a:t>
             </a:r>
             <a:r>
               <a:rPr lang="el-GR" dirty="0"/>
-              <a:t> που αποτελεί το </a:t>
+              <a:t>και </a:t>
             </a:r>
             <a:r>
               <a:rPr lang="en-US" dirty="0"/>
-              <a:t>metaverse </a:t>
+              <a:t>deploy </a:t>
             </a:r>
             <a:r>
               <a:rPr lang="el-GR" dirty="0"/>
-              <a:t>και ποια κομμάτια πρέπει να συνυπάρξουν ώστε να λειτουργήσει. Βλέπουμε την ένωση όλων των υποδομών</a:t>
+              <a:t>στο</a:t>
             </a:r>
             <a:r>
               <a:rPr lang="en-US" dirty="0"/>
-              <a:t>(infrastructures)</a:t>
+              <a:t> public cloud </a:t>
             </a:r>
             <a:r>
               <a:rPr lang="el-GR" dirty="0"/>
-              <a:t> σε δράση</a:t>
+              <a:t>θα χρειαστεί προφανώς να γίνει </a:t>
             </a:r>
             <a:r>
               <a:rPr lang="en-US" dirty="0"/>
-              <a:t> </a:t>
+              <a:t>host </a:t>
             </a:r>
             <a:r>
               <a:rPr lang="el-GR" dirty="0"/>
-              <a:t>μεταξύ τους τόσο σε </a:t>
+              <a:t>σε διακομιστή με δυναμική απαιτήσει πόρων σύμφωνα με τις απαιτήσεις χρηστών. Επιπλέον θα χρειαστούν βάσεις δεδομένων για αποθηκεύσει δεδομένων και εξόρυξή τους ώστε να φτιαχτούν μοντέλα πρόβλεψης και </a:t>
             </a:r>
             <a:r>
               <a:rPr lang="en-US" dirty="0"/>
-              <a:t>proactive </a:t>
+              <a:t>analytics</a:t>
             </a:r>
             <a:r>
               <a:rPr lang="el-GR" dirty="0"/>
-              <a:t>όσο και </a:t>
+              <a:t> άρα θα πρέπει να υπάρχει Εμπιστευτικότητα Ακεραιότητα και Διαθεσιμότητα </a:t>
             </a:r>
             <a:r>
               <a:rPr lang="en-US" dirty="0"/>
-              <a:t>reactive </a:t>
+              <a:t>(CIA triad). </a:t>
             </a:r>
             <a:r>
               <a:rPr lang="el-GR" dirty="0"/>
-              <a:t>κατάσταση.</a:t>
-            </a:r>
-          </a:p>
-          <a:p>
-            <a:endParaRPr lang="el-GR" dirty="0"/>
-          </a:p>
-          <a:p>
+              <a:t>Επίσης όλα αυτά θα λαμβάνουν χώρο σε </a:t>
+            </a:r>
+            <a:r>
+              <a:rPr lang="en-US" dirty="0"/>
+              <a:t>Data center </a:t>
+            </a:r>
             <a:r>
               <a:rPr lang="el-GR" dirty="0"/>
-              <a:t>Επίσης στις ασύρματες και </a:t>
+              <a:t>και κατά πάσα πιθανότητα όχι </a:t>
             </a:r>
             <a:r>
               <a:rPr lang="en-US" dirty="0"/>
-              <a:t>Fixed </a:t>
+              <a:t>on-premises </a:t>
             </a:r>
             <a:r>
               <a:rPr lang="el-GR" dirty="0"/>
-              <a:t>τεχνολογίες παροχών υπηρεσιών </a:t>
-            </a:r>
-            <a:r>
-              <a:rPr lang="en-US" dirty="0"/>
-              <a:t>(SP) </a:t>
-            </a:r>
-            <a:r>
-              <a:rPr lang="el-GR" dirty="0"/>
-              <a:t>με </a:t>
-            </a:r>
-            <a:r>
-              <a:rPr lang="en-US" dirty="0"/>
-              <a:t>5G </a:t>
-            </a:r>
-            <a:r>
-              <a:rPr lang="el-GR" dirty="0"/>
-              <a:t>και</a:t>
-            </a:r>
-            <a:r>
-              <a:rPr lang="en-US" dirty="0"/>
-              <a:t> FTTH (fiber to the home)</a:t>
-            </a:r>
-            <a:r>
-              <a:rPr lang="el-GR" dirty="0"/>
-              <a:t> δίκτυα τα χρειαζόμαστε για </a:t>
-            </a:r>
-            <a:r>
-              <a:rPr lang="en-US" dirty="0"/>
-              <a:t>Low latency </a:t>
-            </a:r>
-            <a:r>
-              <a:rPr lang="el-GR" dirty="0"/>
-              <a:t>ώστε τα </a:t>
-            </a:r>
-            <a:r>
-              <a:rPr lang="en-US" dirty="0"/>
-              <a:t>mission critical </a:t>
-            </a:r>
-            <a:r>
-              <a:rPr lang="el-GR" dirty="0"/>
-              <a:t>να έχουν απόλυτη ακεραιότητα. </a:t>
-            </a:r>
-          </a:p>
-          <a:p>
-            <a:r>
-              <a:rPr lang="el-GR" dirty="0"/>
-              <a:t>Επίσης σε </a:t>
-            </a:r>
-            <a:r>
-              <a:rPr lang="en-US" dirty="0"/>
-              <a:t>Mounted headset device (HMD) </a:t>
-            </a:r>
-            <a:r>
-              <a:rPr lang="el-GR" dirty="0"/>
-              <a:t>για </a:t>
-            </a:r>
-            <a:r>
-              <a:rPr lang="en-US" dirty="0"/>
-              <a:t>VR</a:t>
-            </a:r>
-            <a:r>
-              <a:rPr lang="el-GR" dirty="0"/>
-              <a:t>/</a:t>
-            </a:r>
-            <a:r>
-              <a:rPr lang="en-US" dirty="0"/>
-              <a:t>MR </a:t>
-            </a:r>
-            <a:r>
-              <a:rPr lang="el-GR" dirty="0"/>
-              <a:t>αποφεύγουμε το </a:t>
-            </a:r>
-            <a:r>
-              <a:rPr lang="en-US" dirty="0"/>
-              <a:t>motion sickness</a:t>
-            </a:r>
+              <a:t>πλέον.</a:t>
+            </a:r>
+            <a:endParaRPr lang="en-US" dirty="0"/>
           </a:p>
         </p:txBody>
       </p:sp>
@@ -20521,7 +20401,7 @@
     </p:spTree>
     <p:extLst>
       <p:ext uri="{BB962C8B-B14F-4D97-AF65-F5344CB8AC3E}">
-        <p14:creationId xmlns:p14="http://schemas.microsoft.com/office/powerpoint/2010/main" val="547921947"/>
+        <p14:creationId xmlns:p14="http://schemas.microsoft.com/office/powerpoint/2010/main" val="3511860544"/>
       </p:ext>
     </p:extLst>
   </p:cSld>
@@ -20577,91 +20457,57 @@
           <a:p>
             <a:r>
               <a:rPr lang="el-GR" dirty="0"/>
-              <a:t>Υποδομή από αρχιτεκτονικές προδιαγραφές πληροφοριών πχ., </a:t>
+              <a:t>Ένα </a:t>
             </a:r>
             <a:r>
               <a:rPr lang="en-US" dirty="0"/>
-              <a:t>TOGAF (enterprise architecture framework) &amp; ITIL library </a:t>
+              <a:t>Venn diagram </a:t>
             </a:r>
             <a:r>
               <a:rPr lang="el-GR" dirty="0"/>
-              <a:t>για </a:t>
+              <a:t>για σχέση μεταξύ </a:t>
             </a:r>
             <a:r>
               <a:rPr lang="en-US" dirty="0"/>
-              <a:t>best practices </a:t>
+              <a:t>Extended Reality </a:t>
             </a:r>
             <a:r>
               <a:rPr lang="el-GR" dirty="0"/>
-              <a:t>στο </a:t>
+              <a:t>και το </a:t>
+            </a:r>
+            <a:r>
+              <a:rPr lang="el-GR" dirty="0" err="1"/>
+              <a:t>υπερσύνολο</a:t>
             </a:r>
             <a:r>
               <a:rPr lang="en-US" dirty="0"/>
-              <a:t>Information Technology </a:t>
-            </a:r>
+              <a:t> metaverse</a:t>
+            </a:r>
+          </a:p>
+          <a:p>
+            <a:endParaRPr lang="en-US" dirty="0"/>
+          </a:p>
+          <a:p>
             <a:r>
               <a:rPr lang="el-GR" dirty="0"/>
-              <a:t>ώστε να υπάρξουν τα </a:t>
+              <a:t>Παρατηρούμε ότι τα </a:t>
             </a:r>
             <a:r>
               <a:rPr lang="en-US" dirty="0"/>
-              <a:t>Information Technology service management</a:t>
+              <a:t>gameplay mechanics </a:t>
             </a:r>
             <a:r>
               <a:rPr lang="el-GR" dirty="0"/>
-              <a:t> </a:t>
+              <a:t>είναι το </a:t>
             </a:r>
             <a:r>
               <a:rPr lang="en-US" dirty="0"/>
-              <a:t>services (ITSM services) </a:t>
+              <a:t>core </a:t>
             </a:r>
             <a:r>
               <a:rPr lang="el-GR" dirty="0"/>
-              <a:t>για ένα </a:t>
-            </a:r>
-            <a:r>
-              <a:rPr lang="en-US" dirty="0"/>
-              <a:t>business.</a:t>
-            </a:r>
-          </a:p>
-          <a:p>
-            <a:r>
-              <a:rPr lang="el-GR" dirty="0"/>
-              <a:t>Σε τεχνολογικό τομέα αλλά και οικοσυστήματα που το περιβάλουν ώστε να υπάρξουν </a:t>
-            </a:r>
-            <a:r>
-              <a:rPr lang="el-GR" dirty="0" err="1"/>
-              <a:t>διεπαφές</a:t>
-            </a:r>
-            <a:r>
-              <a:rPr lang="el-GR" dirty="0"/>
-              <a:t> επικοινωνίας μεταξύ τους αλλά και </a:t>
-            </a:r>
-            <a:r>
-              <a:rPr lang="en-US" dirty="0"/>
-              <a:t>streamlined workflows </a:t>
-            </a:r>
-            <a:r>
-              <a:rPr lang="el-GR" dirty="0"/>
-              <a:t>λειτουργείας τους από χρήστες και αυτοματισμοί διεργασιών (</a:t>
-            </a:r>
-            <a:r>
-              <a:rPr lang="en-US" dirty="0"/>
-              <a:t>automation processes). </a:t>
-            </a:r>
-            <a:r>
-              <a:rPr lang="el-GR" dirty="0"/>
-              <a:t>Δηλαδή να υπάρχει έλεγχος </a:t>
-            </a:r>
-            <a:r>
-              <a:rPr lang="en-US" dirty="0"/>
-              <a:t>proactive </a:t>
-            </a:r>
-            <a:r>
-              <a:rPr lang="el-GR" dirty="0"/>
-              <a:t>κατάσταση</a:t>
-            </a:r>
-            <a:endParaRPr lang="en-US" dirty="0"/>
+              <a:t>κομμάτι παντού</a:t>
+            </a:r>
           </a:p>
         </p:txBody>
       </p:sp>
@@ -20692,7 +20538,7 @@
     </p:spTree>
     <p:extLst>
       <p:ext uri="{BB962C8B-B14F-4D97-AF65-F5344CB8AC3E}">
-        <p14:creationId xmlns:p14="http://schemas.microsoft.com/office/powerpoint/2010/main" val="2729025747"/>
+        <p14:creationId xmlns:p14="http://schemas.microsoft.com/office/powerpoint/2010/main" val="239941111"/>
       </p:ext>
     </p:extLst>
   </p:cSld>
@@ -20748,71 +20594,15 @@
           <a:p>
             <a:r>
               <a:rPr lang="el-GR" dirty="0"/>
-              <a:t>Για την υλοποίηση </a:t>
+              <a:t>Παρατηρούμε τα δεδομένα από την </a:t>
             </a:r>
             <a:r>
               <a:rPr lang="en-US" dirty="0"/>
-              <a:t>gameplay mechanics </a:t>
+              <a:t>ISFE (Europe's video game industry)</a:t>
             </a:r>
             <a:r>
               <a:rPr lang="el-GR" dirty="0"/>
-              <a:t>και </a:t>
-            </a:r>
-            <a:r>
-              <a:rPr lang="en-US" dirty="0"/>
-              <a:t>deploy </a:t>
-            </a:r>
-            <a:r>
-              <a:rPr lang="el-GR" dirty="0"/>
-              <a:t>στο</a:t>
-            </a:r>
-            <a:r>
-              <a:rPr lang="en-US" dirty="0"/>
-              <a:t> public cloud </a:t>
-            </a:r>
-            <a:r>
-              <a:rPr lang="el-GR" dirty="0"/>
-              <a:t>θα χρειαστεί προφανώς να γίνει </a:t>
-            </a:r>
-            <a:r>
-              <a:rPr lang="en-US" dirty="0"/>
-              <a:t>host </a:t>
-            </a:r>
-            <a:r>
-              <a:rPr lang="el-GR" dirty="0"/>
-              <a:t>σε διακομιστή με δυναμική απαιτήσει πόρων σύμφωνα με τις απαιτήσεις χρηστών. Επιπλέον θα χρειαστούν βάσεις δεδομένων για αποθηκεύσει δεδομένων και εξόρυξή τους ώστε να φτιαχτούν μοντέλα πρόβλεψης και </a:t>
-            </a:r>
-            <a:r>
-              <a:rPr lang="en-US" dirty="0"/>
-              <a:t>analytics</a:t>
-            </a:r>
-            <a:r>
-              <a:rPr lang="el-GR" dirty="0"/>
-              <a:t> άρα θα πρέπει να υπάρχει Εμπιστευτικότητα Ακεραιότητα και Διαθεσιμότητα </a:t>
-            </a:r>
-            <a:r>
-              <a:rPr lang="en-US" dirty="0"/>
-              <a:t>(CIA triad). </a:t>
-            </a:r>
-            <a:r>
-              <a:rPr lang="el-GR" dirty="0"/>
-              <a:t>Επίσης όλα αυτά θα λαμβάνουν χώρο σε </a:t>
-            </a:r>
-            <a:r>
-              <a:rPr lang="en-US" dirty="0"/>
-              <a:t>Data center </a:t>
-            </a:r>
-            <a:r>
-              <a:rPr lang="el-GR" dirty="0"/>
-              <a:t>και κατά πάσα πιθανότητα όχι </a:t>
-            </a:r>
-            <a:r>
-              <a:rPr lang="en-US" dirty="0"/>
-              <a:t>on-premises </a:t>
-            </a:r>
-            <a:r>
-              <a:rPr lang="el-GR" dirty="0"/>
-              <a:t>πλέον.</a:t>
+              <a:t> για την γραμμική αύξηση των τελευταίων ετών ιδίως λόγο την πανδημίας</a:t>
             </a:r>
             <a:endParaRPr lang="en-US" dirty="0"/>
           </a:p>
@@ -20845,7 +20635,7 @@
     </p:spTree>
     <p:extLst>
       <p:ext uri="{BB962C8B-B14F-4D97-AF65-F5344CB8AC3E}">
-        <p14:creationId xmlns:p14="http://schemas.microsoft.com/office/powerpoint/2010/main" val="3511860544"/>
+        <p14:creationId xmlns:p14="http://schemas.microsoft.com/office/powerpoint/2010/main" val="2583888266"/>
       </p:ext>
     </p:extLst>
   </p:cSld>
@@ -20914,23 +20704,23 @@
             </a:r>
             <a:r>
               <a:rPr lang="en-US" dirty="0"/>
-              <a:t>Cisco Enterprise</a:t>
+              <a:t>Cisco Service Provider</a:t>
             </a:r>
             <a:r>
               <a:rPr lang="el-GR" dirty="0"/>
-              <a:t> Δίκτυα και είχα την ευκαιρία να εκπαιδευτώ από τους καλύτερους σε Αθήνα και Θεσσαλονίκη σε </a:t>
+              <a:t> Δίκτυα κάνοντας πρακτική σε Αθήνα-Θεσσαλονίκη σε </a:t>
             </a:r>
             <a:r>
               <a:rPr lang="el-GR" dirty="0" err="1"/>
-              <a:t>παρόχους</a:t>
+              <a:t>Παρόχους</a:t>
             </a:r>
             <a:r>
               <a:rPr lang="el-GR" dirty="0"/>
-              <a:t> όπως </a:t>
+              <a:t> </a:t>
             </a:r>
             <a:r>
               <a:rPr lang="en-US" dirty="0"/>
-              <a:t>Vodafone &amp; OTE</a:t>
+              <a:t>Vodafone-OTE</a:t>
             </a:r>
           </a:p>
           <a:p>
@@ -21076,57 +20866,75 @@
           <a:p>
             <a:r>
               <a:rPr lang="el-GR" dirty="0"/>
-              <a:t>Ένα </a:t>
+              <a:t>Ο κύκλος της εξελίξεις που η κάθε ενότητα είναι προϊόν τις προηγούμενης που σημαίνει δεν είναι </a:t>
             </a:r>
             <a:r>
               <a:rPr lang="en-US" dirty="0"/>
-              <a:t>Venn diagram </a:t>
+              <a:t>standalone </a:t>
             </a:r>
             <a:r>
               <a:rPr lang="el-GR" dirty="0"/>
-              <a:t>για σχέση μεταξύ </a:t>
+              <a:t>αλλά όλα συνδέονται μεταξύ τους όπως και τα </a:t>
             </a:r>
             <a:r>
               <a:rPr lang="en-US" dirty="0"/>
-              <a:t>Extended Reality </a:t>
+              <a:t>application programmable interfaces (API).</a:t>
+            </a:r>
+          </a:p>
+          <a:p>
+            <a:endParaRPr lang="en-US" dirty="0"/>
+          </a:p>
+          <a:p>
+            <a:pPr marL="0" marR="0" lvl="0" indent="0" algn="l" defTabSz="457200" rtl="0" eaLnBrk="1" fontAlgn="auto" latinLnBrk="0" hangingPunct="1">
+              <a:lnSpc>
+                <a:spcPct val="100000"/>
+              </a:lnSpc>
+              <a:spcBef>
+                <a:spcPts val="0"/>
+              </a:spcBef>
+              <a:spcAft>
+                <a:spcPts val="0"/>
+              </a:spcAft>
+              <a:buClrTx/>
+              <a:buSzTx/>
+              <a:buFontTx/>
+              <a:buNone/>
+              <a:tabLst/>
+              <a:defRPr/>
+            </a:pPr>
+            <a:r>
+              <a:rPr lang="en-US" dirty="0"/>
+              <a:t>Observation!! </a:t>
             </a:r>
             <a:r>
               <a:rPr lang="el-GR" dirty="0"/>
-              <a:t>και το </a:t>
-            </a:r>
-            <a:r>
-              <a:rPr lang="el-GR" dirty="0" err="1"/>
-              <a:t>υπερσύνολο</a:t>
+              <a:t>όπως είπε και ο μαθηματικός αλλά και παίχτης σκάκι </a:t>
             </a:r>
             <a:r>
               <a:rPr lang="en-US" dirty="0"/>
-              <a:t> metaverse</a:t>
+              <a:t>MAX EUWE </a:t>
+            </a:r>
+            <a:r>
+              <a:rPr lang="el-GR" dirty="0"/>
+              <a:t>Η στρατηγική θέλει σκέψη, η τακτική θέλει παρατήρηση.</a:t>
+            </a:r>
+            <a:r>
+              <a:rPr lang="en-US" dirty="0"/>
+              <a:t> - </a:t>
+            </a:r>
+            <a:r>
+              <a:rPr lang="en-US" sz="1800" b="0" i="0" u="none" strike="sngStrike" dirty="0">
+                <a:solidFill>
+                  <a:srgbClr val="101010"/>
+                </a:solidFill>
+                <a:effectLst/>
+                <a:latin typeface="Arial" panose="020B0604020202020204" pitchFamily="34" charset="0"/>
+              </a:rPr>
+              <a:t>Strategy requires thought, tactics require observation.</a:t>
             </a:r>
           </a:p>
           <a:p>
             <a:endParaRPr lang="en-US" dirty="0"/>
-          </a:p>
-          <a:p>
-            <a:r>
-              <a:rPr lang="el-GR" dirty="0"/>
-              <a:t>Παρατηρούμε ότι τα </a:t>
-            </a:r>
-            <a:r>
-              <a:rPr lang="en-US" dirty="0"/>
-              <a:t>gameplay mechanics </a:t>
-            </a:r>
-            <a:r>
-              <a:rPr lang="el-GR" dirty="0"/>
-              <a:t>είναι το </a:t>
-            </a:r>
-            <a:r>
-              <a:rPr lang="en-US" dirty="0"/>
-              <a:t>core </a:t>
-            </a:r>
-            <a:r>
-              <a:rPr lang="el-GR" dirty="0"/>
-              <a:t>κομμάτι παντού</a:t>
-            </a:r>
           </a:p>
         </p:txBody>
       </p:sp>
@@ -21157,7 +20965,7 @@
     </p:spTree>
     <p:extLst>
       <p:ext uri="{BB962C8B-B14F-4D97-AF65-F5344CB8AC3E}">
-        <p14:creationId xmlns:p14="http://schemas.microsoft.com/office/powerpoint/2010/main" val="239941111"/>
+        <p14:creationId xmlns:p14="http://schemas.microsoft.com/office/powerpoint/2010/main" val="3952626509"/>
       </p:ext>
     </p:extLst>
   </p:cSld>
@@ -21213,15 +21021,49 @@
           <a:p>
             <a:r>
               <a:rPr lang="el-GR" dirty="0"/>
-              <a:t>Παρατηρούμε τα δεδομένα από την </a:t>
+              <a:t>Κατανόηση απαιτήσεων με έρευνα διαθέσιμων εργαλείων</a:t>
+            </a:r>
+          </a:p>
+          <a:p>
+            <a:endParaRPr lang="el-GR" dirty="0"/>
+          </a:p>
+          <a:p>
+            <a:r>
+              <a:rPr lang="el-GR" dirty="0"/>
+              <a:t>Ποιες είναι οι βασικές απαιτήσεις διεκπεραιώσεις ενός </a:t>
             </a:r>
             <a:r>
               <a:rPr lang="en-US" dirty="0"/>
-              <a:t>ISFE (Europe's video game industry)</a:t>
-            </a:r>
+              <a:t>project? </a:t>
+            </a:r>
+          </a:p>
+          <a:p>
             <a:r>
               <a:rPr lang="el-GR" dirty="0"/>
-              <a:t> για την γραμμική αύξηση των τελευταίων ετών ιδίως λόγο την πανδημίας</a:t>
+              <a:t>Ξεκινώντας κάνοντας έρευνα στα εργαλεία που υπάρχουν και ποιο οφέλη περισσότερο την συγκεκριμένη δουλειά? </a:t>
+            </a:r>
+            <a:endParaRPr lang="en-US" dirty="0"/>
+          </a:p>
+          <a:p>
+            <a:r>
+              <a:rPr lang="el-GR" dirty="0"/>
+              <a:t>Σύμφωνα με τις δυνατότητες </a:t>
+            </a:r>
+            <a:r>
+              <a:rPr lang="en-US" dirty="0"/>
+              <a:t>stability</a:t>
+            </a:r>
+            <a:r>
+              <a:rPr lang="el-GR" dirty="0"/>
+              <a:t> του εργαλείου, </a:t>
+            </a:r>
+            <a:r>
+              <a:rPr lang="en-US" dirty="0"/>
+              <a:t>community (help, tutorials), streamlined workflow </a:t>
+            </a:r>
+            <a:r>
+              <a:rPr lang="el-GR" dirty="0"/>
+              <a:t>και οικοσύστημα για τον χρήστη.</a:t>
             </a:r>
             <a:endParaRPr lang="en-US" dirty="0"/>
           </a:p>
@@ -21254,7 +21096,7 @@
     </p:spTree>
     <p:extLst>
       <p:ext uri="{BB962C8B-B14F-4D97-AF65-F5344CB8AC3E}">
-        <p14:creationId xmlns:p14="http://schemas.microsoft.com/office/powerpoint/2010/main" val="2583888266"/>
+        <p14:creationId xmlns:p14="http://schemas.microsoft.com/office/powerpoint/2010/main" val="1497768080"/>
       </p:ext>
     </p:extLst>
   </p:cSld>
@@ -21310,75 +21152,71 @@
           <a:p>
             <a:r>
               <a:rPr lang="el-GR" dirty="0"/>
-              <a:t>Ο κύκλος της εξελίξεις που η κάθε ενότητα είναι προϊόν τις προηγούμενης που σημαίνει δεν είναι </a:t>
+              <a:t>Στο παρελθόν ο παραδοσιακός τρόπος </a:t>
             </a:r>
             <a:r>
               <a:rPr lang="en-US" dirty="0"/>
-              <a:t>standalone </a:t>
+              <a:t>rendering </a:t>
             </a:r>
             <a:r>
               <a:rPr lang="el-GR" dirty="0"/>
-              <a:t>αλλά όλα συνδέονται μεταξύ τους όπως και τα </a:t>
+              <a:t>σε εποχές 1990 γινόταν με </a:t>
             </a:r>
             <a:r>
               <a:rPr lang="en-US" dirty="0"/>
-              <a:t>API.</a:t>
+              <a:t>ray-cast</a:t>
+            </a:r>
+            <a:endParaRPr lang="el-GR" dirty="0"/>
+          </a:p>
+          <a:p>
+            <a:endParaRPr lang="el-GR" dirty="0"/>
+          </a:p>
+          <a:p>
+            <a:r>
+              <a:rPr lang="el-GR" dirty="0"/>
+              <a:t>Τα παιχνίδια ήταν 90 μοιρών γωνίες του εδάφους με το τοίχο και δημιουργούνταν από </a:t>
+            </a:r>
+            <a:r>
+              <a:rPr lang="en-US" dirty="0"/>
+              <a:t>2D Plane Projection </a:t>
+            </a:r>
+            <a:r>
+              <a:rPr lang="el-GR" dirty="0"/>
+              <a:t>ένα </a:t>
+            </a:r>
+            <a:r>
+              <a:rPr lang="en-US" dirty="0"/>
+              <a:t>3D</a:t>
+            </a:r>
+            <a:r>
+              <a:rPr lang="el-GR" dirty="0"/>
+              <a:t> </a:t>
+            </a:r>
+            <a:r>
+              <a:rPr lang="en-US" dirty="0"/>
+              <a:t>environment</a:t>
             </a:r>
           </a:p>
           <a:p>
             <a:endParaRPr lang="en-US" dirty="0"/>
           </a:p>
           <a:p>
-            <a:pPr marL="0" marR="0" lvl="0" indent="0" algn="l" defTabSz="457200" rtl="0" eaLnBrk="1" fontAlgn="auto" latinLnBrk="0" hangingPunct="1">
-              <a:lnSpc>
-                <a:spcPct val="100000"/>
-              </a:lnSpc>
-              <a:spcBef>
-                <a:spcPts val="0"/>
-              </a:spcBef>
-              <a:spcAft>
-                <a:spcPts val="0"/>
-              </a:spcAft>
-              <a:buClrTx/>
-              <a:buSzTx/>
-              <a:buFontTx/>
-              <a:buNone/>
-              <a:tabLst/>
-              <a:defRPr/>
-            </a:pPr>
+            <a:r>
+              <a:rPr lang="el-GR" dirty="0"/>
+              <a:t>Πλέον λόγο ισχυρότερου υλικού αλλά και αλγορίθμων έχουμε το </a:t>
+            </a:r>
             <a:r>
               <a:rPr lang="en-US" dirty="0"/>
-              <a:t>Observation!! </a:t>
+              <a:t>ray trace </a:t>
             </a:r>
             <a:r>
               <a:rPr lang="el-GR" dirty="0"/>
-              <a:t>όπως είπε και ο μαθηματικός αλλά και παίχτης σκάκι </a:t>
+              <a:t>με περισσότερα </a:t>
             </a:r>
             <a:r>
               <a:rPr lang="en-US" dirty="0"/>
-              <a:t>MAX EUWE </a:t>
-            </a:r>
-            <a:r>
-              <a:rPr lang="el-GR" dirty="0"/>
-              <a:t>Η στρατηγική θέλει σκέψη, η τακτική θέλει παρατήρηση.</a:t>
-            </a:r>
-            <a:r>
-              <a:rPr lang="en-US" dirty="0"/>
-              <a:t> - </a:t>
-            </a:r>
-            <a:r>
-              <a:rPr lang="en-US" sz="1800" b="0" i="0" u="none" strike="sngStrike" dirty="0">
-                <a:solidFill>
-                  <a:srgbClr val="101010"/>
-                </a:solidFill>
-                <a:effectLst/>
-                <a:latin typeface="Arial" panose="020B0604020202020204" pitchFamily="34" charset="0"/>
-              </a:rPr>
-              <a:t>Strategy requires thought, tactics require observation.</a:t>
-            </a:r>
-          </a:p>
-          <a:p>
-            <a:endParaRPr lang="en-US" dirty="0"/>
+              <a:t>rays.</a:t>
+            </a:r>
           </a:p>
         </p:txBody>
       </p:sp>
@@ -21409,7 +21247,7 @@
     </p:spTree>
     <p:extLst>
       <p:ext uri="{BB962C8B-B14F-4D97-AF65-F5344CB8AC3E}">
-        <p14:creationId xmlns:p14="http://schemas.microsoft.com/office/powerpoint/2010/main" val="3952626509"/>
+        <p14:creationId xmlns:p14="http://schemas.microsoft.com/office/powerpoint/2010/main" val="2216904772"/>
       </p:ext>
     </p:extLst>
   </p:cSld>
@@ -21465,7 +21303,47 @@
           <a:p>
             <a:r>
               <a:rPr lang="el-GR" dirty="0"/>
-              <a:t>Κατανόηση απαιτήσεων με έρευνα διαθέσιμων εργαλείων</a:t>
+              <a:t>Στο συγκεκριμένο </a:t>
+            </a:r>
+            <a:r>
+              <a:rPr lang="en-US" dirty="0"/>
+              <a:t>project</a:t>
+            </a:r>
+            <a:r>
+              <a:rPr lang="el-GR" dirty="0"/>
+              <a:t> επιλέχτηκε η </a:t>
+            </a:r>
+            <a:r>
+              <a:rPr lang="en-US" dirty="0"/>
+              <a:t>Unreal Engine 5 </a:t>
+            </a:r>
+            <a:r>
+              <a:rPr lang="el-GR" dirty="0"/>
+              <a:t>και είναι </a:t>
+            </a:r>
+            <a:r>
+              <a:rPr lang="en-US" dirty="0"/>
+              <a:t>source available </a:t>
+            </a:r>
+            <a:r>
+              <a:rPr lang="el-GR" dirty="0"/>
+              <a:t>αλλά όχι </a:t>
+            </a:r>
+            <a:r>
+              <a:rPr lang="en-US" dirty="0"/>
+              <a:t>open-source </a:t>
+            </a:r>
+            <a:r>
+              <a:rPr lang="el-GR" dirty="0"/>
+              <a:t>αυτό φέρνει πολλά πλεονεκτήματα και για τους </a:t>
+            </a:r>
+            <a:r>
+              <a:rPr lang="en-US" dirty="0"/>
+              <a:t>contributors </a:t>
+            </a:r>
+            <a:r>
+              <a:rPr lang="el-GR" dirty="0"/>
+              <a:t>αλλά και για το μέλλον της.</a:t>
             </a:r>
           </a:p>
           <a:p>
@@ -21474,41 +21352,27 @@
           <a:p>
             <a:r>
               <a:rPr lang="el-GR" dirty="0"/>
-              <a:t>Ποιες είναι οι βασικές απαιτήσεις διεκπεραιώσεις ενός </a:t>
+              <a:t>Καθώς η δυνατότητες της έχουν ξεχωρίσει τα τελευταία χρόνια ιδίως με την έλευση της έκδοσης 5 πριν λίγους μήνες, όλοι οι κολοσσοί της ΑΑΑ </a:t>
             </a:r>
             <a:r>
               <a:rPr lang="en-US" dirty="0"/>
-              <a:t>project? </a:t>
-            </a:r>
-          </a:p>
-          <a:p>
+              <a:t>gaming </a:t>
+            </a:r>
             <a:r>
               <a:rPr lang="el-GR" dirty="0"/>
-              <a:t>Ξεκινώντας κάνοντας έρευνα στα εργαλεία που υπάρχουν και ποιο οφέλη περισσότερο την συγκεκριμένη δουλειά? </a:t>
-            </a:r>
-            <a:endParaRPr lang="en-US" dirty="0"/>
-          </a:p>
-          <a:p>
-            <a:r>
-              <a:rPr lang="el-GR" dirty="0"/>
-              <a:t>Σύμφωνα με τις δυνατότητες </a:t>
-            </a:r>
-            <a:r>
-              <a:rPr lang="en-US" dirty="0"/>
-              <a:t>stability</a:t>
-            </a:r>
-            <a:r>
-              <a:rPr lang="el-GR" dirty="0"/>
-              <a:t> του εργαλείου, </a:t>
-            </a:r>
-            <a:r>
-              <a:rPr lang="en-US" dirty="0"/>
-              <a:t>community (help, tutorials), streamlined workflow </a:t>
-            </a:r>
-            <a:r>
-              <a:rPr lang="el-GR" dirty="0"/>
-              <a:t>και οικοσύστημα για τον χρήστη.</a:t>
-            </a:r>
+              <a:t>βιομηχανίας πλέον άρχισαν να την χρησιμοποιούν.</a:t>
+            </a:r>
+          </a:p>
+          <a:p>
+            <a:endParaRPr lang="el-GR" dirty="0"/>
+          </a:p>
+          <a:p>
+            <a:endParaRPr lang="el-GR" dirty="0"/>
+          </a:p>
+          <a:p>
+            <a:endParaRPr lang="el-GR" dirty="0"/>
+          </a:p>
+          <a:p>
             <a:endParaRPr lang="en-US" dirty="0"/>
           </a:p>
         </p:txBody>
@@ -21540,7 +21404,7 @@
     </p:spTree>
     <p:extLst>
       <p:ext uri="{BB962C8B-B14F-4D97-AF65-F5344CB8AC3E}">
-        <p14:creationId xmlns:p14="http://schemas.microsoft.com/office/powerpoint/2010/main" val="1497768080"/>
+        <p14:creationId xmlns:p14="http://schemas.microsoft.com/office/powerpoint/2010/main" val="2623692385"/>
       </p:ext>
     </p:extLst>
   </p:cSld>
@@ -21596,71 +21460,72 @@
           <a:p>
             <a:r>
               <a:rPr lang="el-GR" dirty="0"/>
-              <a:t>Στο παρελθόν ο παραδοσιακός τρόπος </a:t>
+              <a:t>Παρατηρούμε κάποια </a:t>
             </a:r>
             <a:r>
               <a:rPr lang="en-US" dirty="0"/>
-              <a:t>rendering </a:t>
+              <a:t>gameplay mechanics </a:t>
             </a:r>
             <a:r>
               <a:rPr lang="el-GR" dirty="0"/>
-              <a:t>σε εποχές 1990 γινόταν με </a:t>
+              <a:t>από τίτλους παιχνιδιού που κουβαλούν την έννοια του </a:t>
             </a:r>
             <a:r>
               <a:rPr lang="en-US" dirty="0"/>
-              <a:t>ray-cast</a:t>
-            </a:r>
-            <a:endParaRPr lang="el-GR" dirty="0"/>
-          </a:p>
-          <a:p>
-            <a:endParaRPr lang="el-GR" dirty="0"/>
-          </a:p>
-          <a:p>
+              <a:t>metaverse</a:t>
+            </a:r>
             <a:r>
               <a:rPr lang="el-GR" dirty="0"/>
-              <a:t>Τα παιχνίδια ήταν 90 μοιρών γωνίες του εδάφους με το τοίχο και δημιουργούνταν από </a:t>
-            </a:r>
-            <a:r>
-              <a:rPr lang="en-US" dirty="0"/>
-              <a:t>2D Plane Projection </a:t>
-            </a:r>
-            <a:r>
-              <a:rPr lang="el-GR" dirty="0"/>
-              <a:t>ένα </a:t>
-            </a:r>
-            <a:r>
-              <a:rPr lang="en-US" dirty="0"/>
-              <a:t>3D</a:t>
-            </a:r>
-            <a:r>
-              <a:rPr lang="el-GR" dirty="0"/>
-              <a:t> </a:t>
-            </a:r>
-            <a:r>
-              <a:rPr lang="en-US" dirty="0"/>
-              <a:t>environment</a:t>
-            </a:r>
-          </a:p>
-          <a:p>
+              <a:t> εν μέρη.</a:t>
+            </a:r>
             <a:endParaRPr lang="en-US" dirty="0"/>
           </a:p>
           <a:p>
-            <a:r>
-              <a:rPr lang="el-GR" dirty="0"/>
-              <a:t>Πλέον λόγο ισχυρότερου υλικού αλλά και αλγορίθμων έχουμε το </a:t>
-            </a:r>
-            <a:r>
-              <a:rPr lang="en-US" dirty="0"/>
-              <a:t>ray trace </a:t>
-            </a:r>
-            <a:r>
-              <a:rPr lang="el-GR" dirty="0"/>
-              <a:t>με περισσότερα </a:t>
-            </a:r>
-            <a:r>
-              <a:rPr lang="en-US" dirty="0"/>
-              <a:t>rays.</a:t>
-            </a:r>
+            <a:endParaRPr lang="en-US" dirty="0"/>
+          </a:p>
+          <a:p>
+            <a:pPr marL="0" marR="0" lvl="0" indent="0" algn="l" defTabSz="457200" rtl="0" eaLnBrk="1" fontAlgn="auto" latinLnBrk="0" hangingPunct="1">
+              <a:lnSpc>
+                <a:spcPct val="100000"/>
+              </a:lnSpc>
+              <a:spcBef>
+                <a:spcPts val="0"/>
+              </a:spcBef>
+              <a:spcAft>
+                <a:spcPts val="0"/>
+              </a:spcAft>
+              <a:buClrTx/>
+              <a:buSzTx/>
+              <a:buFontTx/>
+              <a:buNone/>
+              <a:tabLst/>
+              <a:defRPr/>
+            </a:pPr>
+            <a:r>
+              <a:rPr lang="el-GR" sz="1200" strike="sngStrike" dirty="0">
+                <a:latin typeface="Arial" panose="020B0604020202020204" pitchFamily="34" charset="0"/>
+                <a:cs typeface="Arial" panose="020B0604020202020204" pitchFamily="34" charset="0"/>
+              </a:rPr>
+              <a:t>Ένα </a:t>
+            </a:r>
+            <a:r>
+              <a:rPr lang="en-US" sz="1200" strike="sngStrike" dirty="0">
+                <a:latin typeface="Arial" panose="020B0604020202020204" pitchFamily="34" charset="0"/>
+                <a:cs typeface="Arial" panose="020B0604020202020204" pitchFamily="34" charset="0"/>
+              </a:rPr>
+              <a:t>multi-platform</a:t>
+            </a:r>
+            <a:r>
+              <a:rPr lang="el-GR" sz="1200" strike="sngStrike" dirty="0">
+                <a:latin typeface="Arial" panose="020B0604020202020204" pitchFamily="34" charset="0"/>
+                <a:cs typeface="Arial" panose="020B0604020202020204" pitchFamily="34" charset="0"/>
+              </a:rPr>
+              <a:t> κεντρικό μέρος για παρέα με φίλους/οικογένειες, εξερεύνηση, ψυχαγωγία, μάθηση και το πιο σημαντικό είναι συνεπές με την τεράστια εξέλιξη και ανάπτυξη για τα επόμενα χρόνια. Δεν είναι απλώς ένα παιχνίδι, είναι ένα μέρος. Ένα εικονικό σύμπαν.</a:t>
+            </a:r>
+            <a:endParaRPr lang="en-US" sz="1200" strike="sngStrike" dirty="0">
+              <a:latin typeface="Arial" panose="020B0604020202020204" pitchFamily="34" charset="0"/>
+              <a:cs typeface="Arial" panose="020B0604020202020204" pitchFamily="34" charset="0"/>
+            </a:endParaRPr>
           </a:p>
         </p:txBody>
       </p:sp>
@@ -21691,7 +21556,7 @@
     </p:spTree>
     <p:extLst>
       <p:ext uri="{BB962C8B-B14F-4D97-AF65-F5344CB8AC3E}">
-        <p14:creationId xmlns:p14="http://schemas.microsoft.com/office/powerpoint/2010/main" val="2216904772"/>
+        <p14:creationId xmlns:p14="http://schemas.microsoft.com/office/powerpoint/2010/main" val="2196702233"/>
       </p:ext>
     </p:extLst>
   </p:cSld>
@@ -21746,77 +21611,75 @@
           <a:lstStyle/>
           <a:p>
             <a:r>
+              <a:rPr lang="en-US" strike="sngStrike" dirty="0"/>
+              <a:t>Game population Charts</a:t>
+            </a:r>
+          </a:p>
+          <a:p>
+            <a:endParaRPr lang="en-US" dirty="0"/>
+          </a:p>
+          <a:p>
+            <a:r>
               <a:rPr lang="el-GR" dirty="0"/>
-              <a:t>Στο συγκεκριμένο </a:t>
+              <a:t>Όταν αναφερόμαστε ότι οι αριθμοί δεν πολλοί μετράν είναι διότι υπάρχουν πολλοί παράγοντας επιτυχίας ενός προϊόντος πέρα από την μηχανική. Για να πετύχει πρέπει σε επίπεδο </a:t>
             </a:r>
             <a:r>
               <a:rPr lang="en-US" dirty="0"/>
-              <a:t>project</a:t>
+              <a:t>Product, Engineer, Market </a:t>
             </a:r>
             <a:r>
               <a:rPr lang="el-GR" dirty="0"/>
-              <a:t> επιλέχτηκε η </a:t>
+              <a:t>να είναι άριστο</a:t>
+            </a:r>
+          </a:p>
+          <a:p>
+            <a:endParaRPr lang="el-GR" dirty="0"/>
+          </a:p>
+          <a:p>
+            <a:r>
+              <a:rPr lang="el-GR" dirty="0"/>
+              <a:t>Δηλαδή το προϊόν να είναι χρήσιμο να έχει καλή προσεγγίσει στην λύση του προβλήματος αλγοριθμικά και αρχιτεκτονικά, συνδυάζοντας το με το </a:t>
             </a:r>
             <a:r>
               <a:rPr lang="en-US" dirty="0"/>
-              <a:t>Unreal Engine 5 </a:t>
+              <a:t>user experience </a:t>
             </a:r>
             <a:r>
               <a:rPr lang="el-GR" dirty="0"/>
-              <a:t>και είναι </a:t>
+              <a:t>για μια θετική </a:t>
             </a:r>
             <a:r>
               <a:rPr lang="en-US" dirty="0"/>
-              <a:t>source available </a:t>
+              <a:t>streamlined</a:t>
             </a:r>
             <a:r>
               <a:rPr lang="el-GR" dirty="0"/>
-              <a:t>αλλά όχι </a:t>
+              <a:t> εμπειρία από τον χρήστη και </a:t>
             </a:r>
             <a:r>
               <a:rPr lang="en-US" dirty="0"/>
-              <a:t>open-source </a:t>
+              <a:t>marketing target </a:t>
             </a:r>
             <a:r>
               <a:rPr lang="el-GR" dirty="0"/>
-              <a:t>αυτό φέρνει πολλά πλεονεκτήματα και για τους </a:t>
+              <a:t>ως προς την προώθηση &amp; </a:t>
             </a:r>
             <a:r>
               <a:rPr lang="en-US" dirty="0"/>
-              <a:t>contributors </a:t>
+              <a:t>Feedback </a:t>
             </a:r>
             <a:r>
               <a:rPr lang="el-GR" dirty="0"/>
-              <a:t>αλλά και για το μέλλον της.</a:t>
-            </a:r>
-          </a:p>
-          <a:p>
-            <a:endParaRPr lang="el-GR" dirty="0"/>
-          </a:p>
-          <a:p>
+              <a:t>αλλά και μέσα από αυτό</a:t>
+            </a:r>
+            <a:r>
+              <a:rPr lang="en-US" dirty="0"/>
+              <a:t> continual improvement</a:t>
+            </a:r>
             <a:r>
               <a:rPr lang="el-GR" dirty="0"/>
-              <a:t>Καθώς η δυνατότητες της έχουν ξεχωρίσει τα τελευταία χρόνια ιδίως με την έλευση της έκδοσης 5 πριν λίγους μήνες, όλοι οι κολοσσοί της ΑΑΑ </a:t>
-            </a:r>
-            <a:r>
-              <a:rPr lang="en-US" dirty="0"/>
-              <a:t>gaming </a:t>
-            </a:r>
-            <a:r>
-              <a:rPr lang="el-GR" dirty="0"/>
-              <a:t>βιομηχανίας πλέον άρχισαν να την χρησιμοποιούν.</a:t>
-            </a:r>
-          </a:p>
-          <a:p>
-            <a:endParaRPr lang="el-GR" dirty="0"/>
-          </a:p>
-          <a:p>
-            <a:endParaRPr lang="el-GR" dirty="0"/>
-          </a:p>
-          <a:p>
-            <a:endParaRPr lang="el-GR" dirty="0"/>
-          </a:p>
-          <a:p>
+              <a:t>.</a:t>
+            </a:r>
             <a:endParaRPr lang="en-US" dirty="0"/>
           </a:p>
         </p:txBody>
@@ -21848,7 +21711,7 @@
     </p:spTree>
     <p:extLst>
       <p:ext uri="{BB962C8B-B14F-4D97-AF65-F5344CB8AC3E}">
-        <p14:creationId xmlns:p14="http://schemas.microsoft.com/office/powerpoint/2010/main" val="2623692385"/>
+        <p14:creationId xmlns:p14="http://schemas.microsoft.com/office/powerpoint/2010/main" val="701762417"/>
       </p:ext>
     </p:extLst>
   </p:cSld>
@@ -21904,72 +21767,27 @@
           <a:p>
             <a:r>
               <a:rPr lang="el-GR" dirty="0"/>
-              <a:t>Παρατηρούμε κάποια </a:t>
+              <a:t>Όπως είχαμε αναφέρει κάνοντας «παρατήρηση» των επιτυχημένων παιχνιδιών και μηχανισμών μπορούμε να αποσυνθέσουμε και να προβούμε σε καινοτομίες ακολουθώντας δοκιμές μέσο χρήσης </a:t>
             </a:r>
             <a:r>
               <a:rPr lang="en-US" dirty="0"/>
-              <a:t>gameplay mechanics </a:t>
-            </a:r>
+              <a:t>product reverse engineering.</a:t>
+            </a:r>
+          </a:p>
+          <a:p>
             <a:r>
               <a:rPr lang="el-GR" dirty="0"/>
-              <a:t>από τίτλους παιχνιδιού που κουβαλούν την έννοια του </a:t>
+              <a:t>Εύρεση </a:t>
             </a:r>
             <a:r>
               <a:rPr lang="en-US" dirty="0"/>
-              <a:t>metaverse</a:t>
+              <a:t>formulas = </a:t>
             </a:r>
             <a:r>
               <a:rPr lang="el-GR" dirty="0"/>
-              <a:t> εν μέρη.</a:t>
+              <a:t>τροποποίηση</a:t>
             </a:r>
             <a:endParaRPr lang="en-US" dirty="0"/>
-          </a:p>
-          <a:p>
-            <a:endParaRPr lang="en-US" dirty="0"/>
-          </a:p>
-          <a:p>
-            <a:pPr marL="0" marR="0" lvl="0" indent="0" algn="l" defTabSz="457200" rtl="0" eaLnBrk="1" fontAlgn="auto" latinLnBrk="0" hangingPunct="1">
-              <a:lnSpc>
-                <a:spcPct val="100000"/>
-              </a:lnSpc>
-              <a:spcBef>
-                <a:spcPts val="0"/>
-              </a:spcBef>
-              <a:spcAft>
-                <a:spcPts val="0"/>
-              </a:spcAft>
-              <a:buClrTx/>
-              <a:buSzTx/>
-              <a:buFontTx/>
-              <a:buNone/>
-              <a:tabLst/>
-              <a:defRPr/>
-            </a:pPr>
-            <a:r>
-              <a:rPr lang="el-GR" sz="1200" strike="sngStrike" dirty="0">
-                <a:latin typeface="Arial" panose="020B0604020202020204" pitchFamily="34" charset="0"/>
-                <a:cs typeface="Arial" panose="020B0604020202020204" pitchFamily="34" charset="0"/>
-              </a:rPr>
-              <a:t>Ένα </a:t>
-            </a:r>
-            <a:r>
-              <a:rPr lang="en-US" sz="1200" strike="sngStrike" dirty="0">
-                <a:latin typeface="Arial" panose="020B0604020202020204" pitchFamily="34" charset="0"/>
-                <a:cs typeface="Arial" panose="020B0604020202020204" pitchFamily="34" charset="0"/>
-              </a:rPr>
-              <a:t>multi-platform</a:t>
-            </a:r>
-            <a:r>
-              <a:rPr lang="el-GR" sz="1200" strike="sngStrike" dirty="0">
-                <a:latin typeface="Arial" panose="020B0604020202020204" pitchFamily="34" charset="0"/>
-                <a:cs typeface="Arial" panose="020B0604020202020204" pitchFamily="34" charset="0"/>
-              </a:rPr>
-              <a:t> κεντρικό μέρος για παρέα με φίλους/οικογένειες, εξερεύνηση, ψυχαγωγία, μάθηση και το πιο σημαντικό είναι συνεπές με την τεράστια εξέλιξη και ανάπτυξη για τα επόμενα χρόνια. Δεν είναι απλώς ένα παιχνίδι, είναι ένα μέρος. Ένα εικονικό σύμπαν.</a:t>
-            </a:r>
-            <a:endParaRPr lang="en-US" sz="1200" strike="sngStrike" dirty="0">
-              <a:latin typeface="Arial" panose="020B0604020202020204" pitchFamily="34" charset="0"/>
-              <a:cs typeface="Arial" panose="020B0604020202020204" pitchFamily="34" charset="0"/>
-            </a:endParaRPr>
           </a:p>
         </p:txBody>
       </p:sp>
@@ -22000,7 +21818,7 @@
     </p:spTree>
     <p:extLst>
       <p:ext uri="{BB962C8B-B14F-4D97-AF65-F5344CB8AC3E}">
-        <p14:creationId xmlns:p14="http://schemas.microsoft.com/office/powerpoint/2010/main" val="2196702233"/>
+        <p14:creationId xmlns:p14="http://schemas.microsoft.com/office/powerpoint/2010/main" val="2031345537"/>
       </p:ext>
     </p:extLst>
   </p:cSld>
@@ -22055,75 +21873,75 @@
           <a:lstStyle/>
           <a:p>
             <a:r>
-              <a:rPr lang="en-US" strike="sngStrike" dirty="0"/>
-              <a:t>Game population Charts</a:t>
-            </a:r>
-          </a:p>
-          <a:p>
+              <a:rPr lang="el-GR" dirty="0"/>
+              <a:t>«Στην εποχή της ψηφιακής τεχνολογίας, κάθε επιχείρηση είναι μια επιχείρηση λογισμικού.</a:t>
+            </a:r>
+          </a:p>
+          <a:p>
+            <a:r>
+              <a:rPr lang="el-GR" dirty="0"/>
+              <a:t>Η ευελιξία δεν είναι επιλογή ή κάτι μόνο για τεχνικές ομάδες, είναι </a:t>
+            </a:r>
+            <a:r>
+              <a:rPr lang="en-US" dirty="0"/>
+              <a:t>business imperative</a:t>
+            </a:r>
+            <a:r>
+              <a:rPr lang="el-GR" dirty="0"/>
+              <a:t>».</a:t>
+            </a:r>
             <a:endParaRPr lang="en-US" dirty="0"/>
           </a:p>
           <a:p>
+            <a:endParaRPr lang="en-US" dirty="0"/>
+          </a:p>
+          <a:p>
+            <a:r>
+              <a:rPr lang="el-GR" dirty="0" err="1"/>
+              <a:t>Δηλαδη</a:t>
+            </a:r>
             <a:r>
               <a:rPr lang="el-GR" dirty="0"/>
-              <a:t>Όταν αναφερόμαστε ότι οι αριθμοί δεν πολλοί μετράν είναι διότι υπάρχουν πολλοί παράγοντας επιτυχίας ενός προϊόντος πέρα από την μηχανική. Για να πετύχει πρέπει σε επίπεδο </a:t>
+              <a:t> πρέπει να υπάρξει </a:t>
             </a:r>
             <a:r>
               <a:rPr lang="en-US" dirty="0"/>
-              <a:t>Product, Engineer, Market </a:t>
+              <a:t>agility </a:t>
             </a:r>
             <a:r>
               <a:rPr lang="el-GR" dirty="0"/>
-              <a:t>να είναι άριστο</a:t>
-            </a:r>
-          </a:p>
-          <a:p>
-            <a:endParaRPr lang="el-GR" dirty="0"/>
-          </a:p>
-          <a:p>
+              <a:t>και το να </a:t>
+            </a:r>
+            <a:r>
+              <a:rPr lang="el-GR" dirty="0" err="1"/>
+              <a:t>υπαρξει</a:t>
+            </a:r>
             <a:r>
               <a:rPr lang="el-GR" dirty="0"/>
-              <a:t>Δηλαδή το προϊόν να είναι χρήσιμο να έχει καλή προσεγγίσει στην λύση του προβλήματος αλγοριθμικά και αρχιτεκτονικά, συνδυάζοντας το με το </a:t>
+              <a:t> </a:t>
+            </a:r>
+            <a:r>
+              <a:rPr lang="el-GR" dirty="0" err="1"/>
+              <a:t>εννούμε</a:t>
+            </a:r>
+            <a:r>
+              <a:rPr lang="el-GR" dirty="0"/>
+              <a:t> </a:t>
+            </a:r>
+            <a:r>
+              <a:rPr lang="el-GR" dirty="0" err="1"/>
+              <a:t>ριζικα</a:t>
+            </a:r>
+            <a:r>
+              <a:rPr lang="el-GR" dirty="0"/>
+              <a:t> λειτουργική ώστε να προχωρήσει από </a:t>
             </a:r>
             <a:r>
               <a:rPr lang="en-US" dirty="0"/>
-              <a:t>user experience </a:t>
-            </a:r>
-            <a:r>
-              <a:rPr lang="el-GR" dirty="0"/>
-              <a:t>για μια θετική </a:t>
-            </a:r>
-            <a:r>
-              <a:rPr lang="en-US" dirty="0"/>
-              <a:t>streamlined</a:t>
-            </a:r>
-            <a:r>
-              <a:rPr lang="el-GR" dirty="0"/>
-              <a:t> εμπειρία από τον χρήστη και </a:t>
-            </a:r>
-            <a:r>
-              <a:rPr lang="en-US" dirty="0"/>
-              <a:t>marketing target </a:t>
-            </a:r>
-            <a:r>
-              <a:rPr lang="el-GR" dirty="0"/>
-              <a:t>ως προς την προώθηση &amp; </a:t>
-            </a:r>
-            <a:r>
-              <a:rPr lang="en-US" dirty="0"/>
-              <a:t>Feedback </a:t>
-            </a:r>
-            <a:r>
-              <a:rPr lang="el-GR" dirty="0"/>
-              <a:t>αλλά και μέσα από αυτό</a:t>
-            </a:r>
-            <a:r>
-              <a:rPr lang="en-US" dirty="0"/>
-              <a:t> continual improvement</a:t>
-            </a:r>
-            <a:r>
-              <a:rPr lang="el-GR" dirty="0"/>
-              <a:t>.</a:t>
-            </a:r>
+              <a:t>idea -&gt; reality to project vision.</a:t>
+            </a:r>
+          </a:p>
+          <a:p>
             <a:endParaRPr lang="en-US" dirty="0"/>
           </a:p>
         </p:txBody>
@@ -22155,7 +21973,7 @@
     </p:spTree>
     <p:extLst>
       <p:ext uri="{BB962C8B-B14F-4D97-AF65-F5344CB8AC3E}">
-        <p14:creationId xmlns:p14="http://schemas.microsoft.com/office/powerpoint/2010/main" val="701762417"/>
+        <p14:creationId xmlns:p14="http://schemas.microsoft.com/office/powerpoint/2010/main" val="2778896229"/>
       </p:ext>
     </p:extLst>
   </p:cSld>
@@ -22211,25 +22029,7 @@
           <a:p>
             <a:r>
               <a:rPr lang="el-GR" dirty="0"/>
-              <a:t>Όπως είχαμε αναφέρει κάνοντας «παρατήρηση» των επιτυχημένων παιχνιδιών και μηχανισμών μπορούμε να αποσυνθέσουμε και να προβούμε σε καινοτομίες ακολουθώντας δοκιμές μέσο χρήσης </a:t>
-            </a:r>
-            <a:r>
-              <a:rPr lang="en-US" dirty="0"/>
-              <a:t>product reverse engineering.</a:t>
-            </a:r>
-          </a:p>
-          <a:p>
-            <a:r>
-              <a:rPr lang="el-GR" dirty="0"/>
-              <a:t>Εύρεση </a:t>
-            </a:r>
-            <a:r>
-              <a:rPr lang="en-US" dirty="0"/>
-              <a:t>formulas = </a:t>
-            </a:r>
-            <a:r>
-              <a:rPr lang="el-GR" dirty="0"/>
-              <a:t>τροποποίηση</a:t>
+              <a:t>Ευχαριστούμε!</a:t>
             </a:r>
             <a:endParaRPr lang="en-US" dirty="0"/>
           </a:p>
@@ -22262,162 +22062,7 @@
     </p:spTree>
     <p:extLst>
       <p:ext uri="{BB962C8B-B14F-4D97-AF65-F5344CB8AC3E}">
-        <p14:creationId xmlns:p14="http://schemas.microsoft.com/office/powerpoint/2010/main" val="2031345537"/>
-      </p:ext>
-    </p:extLst>
-  </p:cSld>
-  <p:clrMapOvr>
-    <a:masterClrMapping/>
-  </p:clrMapOvr>
-</p:notes>
-</file>
-
-<file path=ppt/notesSlides/notesSlide29.xml><?xml version="1.0" encoding="utf-8"?>
-<p:notes xmlns:a="http://schemas.openxmlformats.org/drawingml/2006/main" xmlns:r="http://schemas.openxmlformats.org/officeDocument/2006/relationships" xmlns:p="http://schemas.openxmlformats.org/presentationml/2006/main">
-  <p:cSld>
-    <p:spTree>
-      <p:nvGrpSpPr>
-        <p:cNvPr id="1" name=""/>
-        <p:cNvGrpSpPr/>
-        <p:nvPr/>
-      </p:nvGrpSpPr>
-      <p:grpSpPr>
-        <a:xfrm>
-          <a:off x="0" y="0"/>
-          <a:ext cx="0" cy="0"/>
-          <a:chOff x="0" y="0"/>
-          <a:chExt cx="0" cy="0"/>
-        </a:xfrm>
-      </p:grpSpPr>
-      <p:sp>
-        <p:nvSpPr>
-          <p:cNvPr id="2" name="Slide Image Placeholder 1"/>
-          <p:cNvSpPr>
-            <a:spLocks noGrp="1" noRot="1" noChangeAspect="1"/>
-          </p:cNvSpPr>
-          <p:nvPr>
-            <p:ph type="sldImg"/>
-          </p:nvPr>
-        </p:nvSpPr>
-        <p:spPr/>
-      </p:sp>
-      <p:sp>
-        <p:nvSpPr>
-          <p:cNvPr id="3" name="Notes Placeholder 2"/>
-          <p:cNvSpPr>
-            <a:spLocks noGrp="1"/>
-          </p:cNvSpPr>
-          <p:nvPr>
-            <p:ph type="body" idx="1"/>
-          </p:nvPr>
-        </p:nvSpPr>
-        <p:spPr/>
-        <p:txBody>
-          <a:bodyPr/>
-          <a:lstStyle/>
-          <a:p>
-            <a:r>
-              <a:rPr lang="el-GR" dirty="0"/>
-              <a:t>«Στην εποχή της ψηφιακής τεχνολογίας, κάθε επιχείρηση είναι μια επιχείρηση λογισμικού.</a:t>
-            </a:r>
-          </a:p>
-          <a:p>
-            <a:r>
-              <a:rPr lang="el-GR" dirty="0"/>
-              <a:t>Η ευελιξία δεν είναι επιλογή ή κάτι μόνο για τεχνικές ομάδες, είναι </a:t>
-            </a:r>
-            <a:r>
-              <a:rPr lang="en-US" dirty="0"/>
-              <a:t>business imperative</a:t>
-            </a:r>
-            <a:r>
-              <a:rPr lang="el-GR" dirty="0"/>
-              <a:t>».</a:t>
-            </a:r>
-            <a:endParaRPr lang="en-US" dirty="0"/>
-          </a:p>
-          <a:p>
-            <a:endParaRPr lang="en-US" dirty="0"/>
-          </a:p>
-          <a:p>
-            <a:r>
-              <a:rPr lang="el-GR" dirty="0" err="1"/>
-              <a:t>Δηλαδη</a:t>
-            </a:r>
-            <a:r>
-              <a:rPr lang="el-GR" dirty="0"/>
-              <a:t> πρέπει να υπάρξει </a:t>
-            </a:r>
-            <a:r>
-              <a:rPr lang="en-US" dirty="0"/>
-              <a:t>agility </a:t>
-            </a:r>
-            <a:r>
-              <a:rPr lang="el-GR" dirty="0"/>
-              <a:t>και το να </a:t>
-            </a:r>
-            <a:r>
-              <a:rPr lang="el-GR" dirty="0" err="1"/>
-              <a:t>υπαρξει</a:t>
-            </a:r>
-            <a:r>
-              <a:rPr lang="el-GR" dirty="0"/>
-              <a:t> </a:t>
-            </a:r>
-            <a:r>
-              <a:rPr lang="el-GR" dirty="0" err="1"/>
-              <a:t>εννούμε</a:t>
-            </a:r>
-            <a:r>
-              <a:rPr lang="el-GR" dirty="0"/>
-              <a:t> </a:t>
-            </a:r>
-            <a:r>
-              <a:rPr lang="el-GR" dirty="0" err="1"/>
-              <a:t>ριζικα</a:t>
-            </a:r>
-            <a:r>
-              <a:rPr lang="el-GR" dirty="0"/>
-              <a:t> λειτουργική ώστε να προχωρήσει από </a:t>
-            </a:r>
-            <a:r>
-              <a:rPr lang="en-US" dirty="0"/>
-              <a:t>idea -&gt; reality to project vision.</a:t>
-            </a:r>
-          </a:p>
-          <a:p>
-            <a:endParaRPr lang="en-US" dirty="0"/>
-          </a:p>
-        </p:txBody>
-      </p:sp>
-      <p:sp>
-        <p:nvSpPr>
-          <p:cNvPr id="4" name="Slide Number Placeholder 3"/>
-          <p:cNvSpPr>
-            <a:spLocks noGrp="1"/>
-          </p:cNvSpPr>
-          <p:nvPr>
-            <p:ph type="sldNum" sz="quarter" idx="5"/>
-          </p:nvPr>
-        </p:nvSpPr>
-        <p:spPr/>
-        <p:txBody>
-          <a:bodyPr/>
-          <a:lstStyle/>
-          <a:p>
-            <a:fld id="{93322314-975C-554B-8A12-FD962E3F8AC7}" type="slidenum">
-              <a:rPr lang="en-US" smtClean="0"/>
-              <a:pPr/>
-              <a:t>29</a:t>
-            </a:fld>
-            <a:endParaRPr lang="en-US" dirty="0"/>
-          </a:p>
-        </p:txBody>
-      </p:sp>
-    </p:spTree>
-    <p:extLst>
-      <p:ext uri="{BB962C8B-B14F-4D97-AF65-F5344CB8AC3E}">
-        <p14:creationId xmlns:p14="http://schemas.microsoft.com/office/powerpoint/2010/main" val="2778896229"/>
+        <p14:creationId xmlns:p14="http://schemas.microsoft.com/office/powerpoint/2010/main" val="507736403"/>
       </p:ext>
     </p:extLst>
   </p:cSld>
@@ -22515,95 +22160,6 @@
     <p:extLst>
       <p:ext uri="{BB962C8B-B14F-4D97-AF65-F5344CB8AC3E}">
         <p14:creationId xmlns:p14="http://schemas.microsoft.com/office/powerpoint/2010/main" val="3646212148"/>
-      </p:ext>
-    </p:extLst>
-  </p:cSld>
-  <p:clrMapOvr>
-    <a:masterClrMapping/>
-  </p:clrMapOvr>
-</p:notes>
-</file>
-
-<file path=ppt/notesSlides/notesSlide30.xml><?xml version="1.0" encoding="utf-8"?>
-<p:notes xmlns:a="http://schemas.openxmlformats.org/drawingml/2006/main" xmlns:r="http://schemas.openxmlformats.org/officeDocument/2006/relationships" xmlns:p="http://schemas.openxmlformats.org/presentationml/2006/main">
-  <p:cSld>
-    <p:spTree>
-      <p:nvGrpSpPr>
-        <p:cNvPr id="1" name=""/>
-        <p:cNvGrpSpPr/>
-        <p:nvPr/>
-      </p:nvGrpSpPr>
-      <p:grpSpPr>
-        <a:xfrm>
-          <a:off x="0" y="0"/>
-          <a:ext cx="0" cy="0"/>
-          <a:chOff x="0" y="0"/>
-          <a:chExt cx="0" cy="0"/>
-        </a:xfrm>
-      </p:grpSpPr>
-      <p:sp>
-        <p:nvSpPr>
-          <p:cNvPr id="2" name="Slide Image Placeholder 1"/>
-          <p:cNvSpPr>
-            <a:spLocks noGrp="1" noRot="1" noChangeAspect="1"/>
-          </p:cNvSpPr>
-          <p:nvPr>
-            <p:ph type="sldImg"/>
-          </p:nvPr>
-        </p:nvSpPr>
-        <p:spPr/>
-      </p:sp>
-      <p:sp>
-        <p:nvSpPr>
-          <p:cNvPr id="3" name="Notes Placeholder 2"/>
-          <p:cNvSpPr>
-            <a:spLocks noGrp="1"/>
-          </p:cNvSpPr>
-          <p:nvPr>
-            <p:ph type="body" idx="1"/>
-          </p:nvPr>
-        </p:nvSpPr>
-        <p:spPr/>
-        <p:txBody>
-          <a:bodyPr/>
-          <a:lstStyle/>
-          <a:p>
-            <a:r>
-              <a:rPr lang="el-GR" dirty="0"/>
-              <a:t>Ευχαριστούμε!</a:t>
-            </a:r>
-            <a:endParaRPr lang="en-US" dirty="0"/>
-          </a:p>
-        </p:txBody>
-      </p:sp>
-      <p:sp>
-        <p:nvSpPr>
-          <p:cNvPr id="4" name="Slide Number Placeholder 3"/>
-          <p:cNvSpPr>
-            <a:spLocks noGrp="1"/>
-          </p:cNvSpPr>
-          <p:nvPr>
-            <p:ph type="sldNum" sz="quarter" idx="5"/>
-          </p:nvPr>
-        </p:nvSpPr>
-        <p:spPr/>
-        <p:txBody>
-          <a:bodyPr/>
-          <a:lstStyle/>
-          <a:p>
-            <a:fld id="{93322314-975C-554B-8A12-FD962E3F8AC7}" type="slidenum">
-              <a:rPr lang="en-US" smtClean="0"/>
-              <a:pPr/>
-              <a:t>30</a:t>
-            </a:fld>
-            <a:endParaRPr lang="en-US" dirty="0"/>
-          </a:p>
-        </p:txBody>
-      </p:sp>
-    </p:spTree>
-    <p:extLst>
-      <p:ext uri="{BB962C8B-B14F-4D97-AF65-F5344CB8AC3E}">
-        <p14:creationId xmlns:p14="http://schemas.microsoft.com/office/powerpoint/2010/main" val="507736403"/>
       </p:ext>
     </p:extLst>
   </p:cSld>
@@ -22944,7 +22500,15 @@
           <a:p>
             <a:r>
               <a:rPr lang="el-GR" dirty="0"/>
-              <a:t>Για να επικοινωνήσουν απομακρυσμένα οι δύο κόμβοι πρέπει να πάρουν έναν πομπό και να ενεργοποιήσουν την αποστολή σήματος.</a:t>
+              <a:t>Για να επικοινωνήσουν απομακρυσμένα οι δύο κόμβοι πρέπει να πάρουν έναν πομπό</a:t>
+            </a:r>
+            <a:r>
+              <a:rPr lang="en-US" dirty="0"/>
+              <a:t> (transmitter)</a:t>
+            </a:r>
+            <a:r>
+              <a:rPr lang="el-GR" dirty="0"/>
+              <a:t> και να ενεργοποιήσουν την αποστολή σήματος.</a:t>
             </a:r>
           </a:p>
           <a:p>
@@ -23050,7 +22614,7 @@
           <a:p>
             <a:r>
               <a:rPr lang="el-GR" dirty="0"/>
-              <a:t>Εδώ παρατηρούμε το αντίστοιχο </a:t>
+              <a:t>Παρατηρούμε το αντίστοιχο </a:t>
             </a:r>
             <a:r>
               <a:rPr lang="en-US" dirty="0"/>
@@ -23715,144 +23279,17 @@
           <a:bodyPr/>
           <a:lstStyle/>
           <a:p>
-            <a:pPr marL="0" marR="0" lvl="0" indent="0" algn="l" defTabSz="457200" rtl="0" eaLnBrk="1" fontAlgn="auto" latinLnBrk="0" hangingPunct="1">
-              <a:lnSpc>
-                <a:spcPct val="100000"/>
-              </a:lnSpc>
-              <a:spcBef>
-                <a:spcPts val="0"/>
-              </a:spcBef>
-              <a:spcAft>
-                <a:spcPts val="0"/>
-              </a:spcAft>
-              <a:buClrTx/>
-              <a:buSzTx/>
-              <a:buFontTx/>
-              <a:buNone/>
-              <a:tabLst/>
-              <a:defRPr/>
-            </a:pPr>
-            <a:r>
-              <a:rPr lang="el-GR" sz="1200" b="1" dirty="0">
-                <a:latin typeface="Arial" panose="020B0604020202020204" pitchFamily="34" charset="0"/>
-                <a:cs typeface="Arial" panose="020B0604020202020204" pitchFamily="34" charset="0"/>
-              </a:rPr>
-              <a:t>Συνεπώς</a:t>
-            </a:r>
-            <a:r>
-              <a:rPr lang="en-US" sz="1200" b="1" dirty="0">
-                <a:latin typeface="Arial" panose="020B0604020202020204" pitchFamily="34" charset="0"/>
-                <a:cs typeface="Arial" panose="020B0604020202020204" pitchFamily="34" charset="0"/>
-              </a:rPr>
-              <a:t> </a:t>
-            </a:r>
-            <a:r>
-              <a:rPr lang="el-GR" sz="1200" b="1" dirty="0">
-                <a:latin typeface="Arial" panose="020B0604020202020204" pitchFamily="34" charset="0"/>
-                <a:cs typeface="Arial" panose="020B0604020202020204" pitchFamily="34" charset="0"/>
-              </a:rPr>
-              <a:t>η έρευνα εξετάζει:</a:t>
-            </a:r>
-            <a:endParaRPr lang="en-US" sz="1200" b="1" dirty="0">
-              <a:latin typeface="Arial" panose="020B0604020202020204" pitchFamily="34" charset="0"/>
-              <a:cs typeface="Arial" panose="020B0604020202020204" pitchFamily="34" charset="0"/>
-            </a:endParaRPr>
-          </a:p>
-          <a:p>
-            <a:pPr marL="0" marR="0" lvl="0" indent="0" algn="l" defTabSz="457200" rtl="0" eaLnBrk="1" fontAlgn="auto" latinLnBrk="0" hangingPunct="1">
-              <a:lnSpc>
-                <a:spcPct val="100000"/>
-              </a:lnSpc>
-              <a:spcBef>
-                <a:spcPts val="0"/>
-              </a:spcBef>
-              <a:spcAft>
-                <a:spcPts val="0"/>
-              </a:spcAft>
-              <a:buClrTx/>
-              <a:buSzTx/>
-              <a:buFontTx/>
-              <a:buNone/>
-              <a:tabLst/>
-              <a:defRPr/>
-            </a:pPr>
-            <a:endParaRPr lang="en-US" sz="1200" b="1" dirty="0">
-              <a:latin typeface="Arial" panose="020B0604020202020204" pitchFamily="34" charset="0"/>
-              <a:cs typeface="Arial" panose="020B0604020202020204" pitchFamily="34" charset="0"/>
-            </a:endParaRPr>
-          </a:p>
-          <a:p>
-            <a:pPr marL="342900" indent="-342900">
-              <a:buFont typeface="Arial" panose="020B0604020202020204" pitchFamily="34" charset="0"/>
-              <a:buChar char="•"/>
-            </a:pPr>
-            <a:r>
-              <a:rPr lang="el-GR" sz="2400" dirty="0">
-                <a:latin typeface="Arial" panose="020B0604020202020204" pitchFamily="34" charset="0"/>
-                <a:cs typeface="Arial" panose="020B0604020202020204" pitchFamily="34" charset="0"/>
-              </a:rPr>
-              <a:t>Εξόρυξη γνώσεις από τις πληροφορίες του κοινού μετά από </a:t>
-            </a:r>
-            <a:r>
-              <a:rPr lang="en-US" sz="2400" dirty="0">
-                <a:latin typeface="Arial" panose="020B0604020202020204" pitchFamily="34" charset="0"/>
-                <a:cs typeface="Arial" panose="020B0604020202020204" pitchFamily="34" charset="0"/>
-              </a:rPr>
-              <a:t>survey/Questionnaires</a:t>
-            </a:r>
-            <a:r>
-              <a:rPr lang="el-GR" sz="2400" dirty="0">
-                <a:latin typeface="Arial" panose="020B0604020202020204" pitchFamily="34" charset="0"/>
-                <a:cs typeface="Arial" panose="020B0604020202020204" pitchFamily="34" charset="0"/>
-              </a:rPr>
-              <a:t> για την προσέγγιση δημιουργίας μηχανισμών με βάση </a:t>
-            </a:r>
-            <a:r>
-              <a:rPr lang="el-GR" sz="2400" dirty="0" err="1">
-                <a:latin typeface="Arial" panose="020B0604020202020204" pitchFamily="34" charset="0"/>
-                <a:cs typeface="Arial" panose="020B0604020202020204" pitchFamily="34" charset="0"/>
-              </a:rPr>
-              <a:t>προτίμησεις</a:t>
-            </a:r>
-            <a:endParaRPr lang="el-GR" sz="2400" dirty="0">
-              <a:latin typeface="Arial" panose="020B0604020202020204" pitchFamily="34" charset="0"/>
-              <a:cs typeface="Arial" panose="020B0604020202020204" pitchFamily="34" charset="0"/>
-            </a:endParaRPr>
-          </a:p>
-          <a:p>
-            <a:pPr marL="342900" marR="0" indent="-342900">
-              <a:lnSpc>
-                <a:spcPct val="150000"/>
-              </a:lnSpc>
-              <a:spcBef>
-                <a:spcPts val="0"/>
-              </a:spcBef>
-              <a:spcAft>
-                <a:spcPts val="0"/>
-              </a:spcAft>
-              <a:buFont typeface="Arial" panose="020B0604020202020204" pitchFamily="34" charset="0"/>
-              <a:buChar char="•"/>
-            </a:pPr>
-            <a:r>
-              <a:rPr lang="el-GR" sz="2400" dirty="0">
+            <a:r>
+              <a:rPr lang="el-GR" sz="1200" dirty="0">
                 <a:effectLst/>
                 <a:latin typeface="Arial" panose="020B0604020202020204" pitchFamily="34" charset="0"/>
                 <a:ea typeface="Calibri" panose="020F0502020204030204" pitchFamily="34" charset="0"/>
                 <a:cs typeface="Arial" panose="020B0604020202020204" pitchFamily="34" charset="0"/>
               </a:rPr>
-              <a:t>Παροχή </a:t>
-            </a:r>
-            <a:r>
-              <a:rPr lang="el-GR" sz="2400" dirty="0" err="1">
-                <a:effectLst/>
-                <a:latin typeface="Arial" panose="020B0604020202020204" pitchFamily="34" charset="0"/>
-                <a:ea typeface="Calibri" panose="020F0502020204030204" pitchFamily="34" charset="0"/>
-                <a:cs typeface="Arial" panose="020B0604020202020204" pitchFamily="34" charset="0"/>
-              </a:rPr>
-              <a:t>online</a:t>
-            </a:r>
-            <a:r>
-              <a:rPr lang="el-GR" sz="2400" dirty="0">
+              <a:t>Η παρούσα εργασία συστημάτων παιχνιδιού</a:t>
+            </a:r>
+            <a:r>
+              <a:rPr lang="en-US" sz="1200" dirty="0">
                 <a:effectLst/>
                 <a:latin typeface="Arial" panose="020B0604020202020204" pitchFamily="34" charset="0"/>
                 <a:ea typeface="Calibri" panose="020F0502020204030204" pitchFamily="34" charset="0"/>
@@ -23861,25 +23298,121 @@
               <a:t> </a:t>
             </a:r>
             <a:r>
-              <a:rPr lang="el-GR" sz="2400" dirty="0" err="1">
+              <a:rPr lang="el-GR" sz="1200" dirty="0">
                 <a:effectLst/>
                 <a:latin typeface="Arial" panose="020B0604020202020204" pitchFamily="34" charset="0"/>
                 <a:ea typeface="Calibri" panose="020F0502020204030204" pitchFamily="34" charset="0"/>
                 <a:cs typeface="Arial" panose="020B0604020202020204" pitchFamily="34" charset="0"/>
               </a:rPr>
-              <a:t>διαδραστικών</a:t>
-            </a:r>
-            <a:r>
-              <a:rPr lang="el-GR" sz="2400" dirty="0">
+              <a:t>δεν είναι </a:t>
+            </a:r>
+            <a:r>
+              <a:rPr lang="en-US" sz="1200" dirty="0">
                 <a:effectLst/>
                 <a:latin typeface="Arial" panose="020B0604020202020204" pitchFamily="34" charset="0"/>
                 <a:ea typeface="Calibri" panose="020F0502020204030204" pitchFamily="34" charset="0"/>
                 <a:cs typeface="Arial" panose="020B0604020202020204" pitchFamily="34" charset="0"/>
               </a:rPr>
-              <a:t> μηχανισμών για ρεαλισμού </a:t>
-            </a:r>
-            <a:r>
-              <a:rPr lang="el-GR" sz="2400" dirty="0" err="1">
+              <a:t>prototype </a:t>
+            </a:r>
+            <a:r>
+              <a:rPr lang="el-GR" sz="1200" dirty="0">
+                <a:effectLst/>
+                <a:latin typeface="Arial" panose="020B0604020202020204" pitchFamily="34" charset="0"/>
+                <a:ea typeface="Calibri" panose="020F0502020204030204" pitchFamily="34" charset="0"/>
+                <a:cs typeface="Arial" panose="020B0604020202020204" pitchFamily="34" charset="0"/>
+              </a:rPr>
+              <a:t>μοντέλο αλλά τελικό καθώς εγκρίθηκε και δημοσιεύτηκε στην επίσημη πλατφόρμα της </a:t>
+            </a:r>
+            <a:r>
+              <a:rPr lang="en-US" sz="1200" u="sng" dirty="0">
+                <a:solidFill>
+                  <a:srgbClr val="0563C1"/>
+                </a:solidFill>
+                <a:effectLst/>
+                <a:latin typeface="Arial" panose="020B0604020202020204" pitchFamily="34" charset="0"/>
+                <a:ea typeface="Calibri" panose="020F0502020204030204" pitchFamily="34" charset="0"/>
+                <a:cs typeface="Arial" panose="020B0604020202020204" pitchFamily="34" charset="0"/>
+                <a:hlinkClick r:id="rId3"/>
+              </a:rPr>
+              <a:t>Unreal Engine Marketplace</a:t>
+            </a:r>
+            <a:r>
+              <a:rPr lang="el-GR" sz="1200" dirty="0">
+                <a:effectLst/>
+                <a:latin typeface="Arial" panose="020B0604020202020204" pitchFamily="34" charset="0"/>
+                <a:ea typeface="Calibri" panose="020F0502020204030204" pitchFamily="34" charset="0"/>
+                <a:cs typeface="Arial" panose="020B0604020202020204" pitchFamily="34" charset="0"/>
+              </a:rPr>
+              <a:t> ώστε </a:t>
+            </a:r>
+          </a:p>
+          <a:p>
+            <a:r>
+              <a:rPr lang="el-GR" sz="1200" dirty="0">
+                <a:effectLst/>
+                <a:latin typeface="Arial" panose="020B0604020202020204" pitchFamily="34" charset="0"/>
+                <a:ea typeface="Calibri" panose="020F0502020204030204" pitchFamily="34" charset="0"/>
+                <a:cs typeface="Arial" panose="020B0604020202020204" pitchFamily="34" charset="0"/>
+              </a:rPr>
+              <a:t>Λαμβάνοντας τα σωστά βήματα/</a:t>
+            </a:r>
+            <a:r>
+              <a:rPr lang="en-US" sz="1200" dirty="0">
+                <a:effectLst/>
+                <a:latin typeface="Arial" panose="020B0604020202020204" pitchFamily="34" charset="0"/>
+                <a:ea typeface="Calibri" panose="020F0502020204030204" pitchFamily="34" charset="0"/>
+                <a:cs typeface="Arial" panose="020B0604020202020204" pitchFamily="34" charset="0"/>
+              </a:rPr>
+              <a:t>Guidelines</a:t>
+            </a:r>
+            <a:r>
+              <a:rPr lang="el-GR" sz="1200" dirty="0">
+                <a:effectLst/>
+                <a:latin typeface="Arial" panose="020B0604020202020204" pitchFamily="34" charset="0"/>
+                <a:ea typeface="Calibri" panose="020F0502020204030204" pitchFamily="34" charset="0"/>
+                <a:cs typeface="Arial" panose="020B0604020202020204" pitchFamily="34" charset="0"/>
+              </a:rPr>
+              <a:t> που θα συνοψίσουμε παρακάτω για να έρθει εις πέρας ένα </a:t>
+            </a:r>
+            <a:r>
+              <a:rPr lang="en-US" sz="1200" dirty="0">
+                <a:effectLst/>
+                <a:latin typeface="Arial" panose="020B0604020202020204" pitchFamily="34" charset="0"/>
+                <a:ea typeface="Calibri" panose="020F0502020204030204" pitchFamily="34" charset="0"/>
+                <a:cs typeface="Arial" panose="020B0604020202020204" pitchFamily="34" charset="0"/>
+              </a:rPr>
+              <a:t>project </a:t>
+            </a:r>
+            <a:r>
+              <a:rPr lang="el-GR" sz="1200" dirty="0">
+                <a:effectLst/>
+                <a:latin typeface="Arial" panose="020B0604020202020204" pitchFamily="34" charset="0"/>
+                <a:ea typeface="Calibri" panose="020F0502020204030204" pitchFamily="34" charset="0"/>
+                <a:cs typeface="Arial" panose="020B0604020202020204" pitchFamily="34" charset="0"/>
+              </a:rPr>
+              <a:t>κομμάτι </a:t>
+            </a:r>
+            <a:r>
+              <a:rPr lang="en-US" sz="1200" dirty="0">
+                <a:effectLst/>
+                <a:latin typeface="Arial" panose="020B0604020202020204" pitchFamily="34" charset="0"/>
+                <a:ea typeface="Calibri" panose="020F0502020204030204" pitchFamily="34" charset="0"/>
+                <a:cs typeface="Arial" panose="020B0604020202020204" pitchFamily="34" charset="0"/>
+              </a:rPr>
+              <a:t>video</a:t>
+            </a:r>
+            <a:r>
+              <a:rPr lang="el-GR" sz="1200" dirty="0">
+                <a:effectLst/>
+                <a:latin typeface="Arial" panose="020B0604020202020204" pitchFamily="34" charset="0"/>
+                <a:ea typeface="Calibri" panose="020F0502020204030204" pitchFamily="34" charset="0"/>
+                <a:cs typeface="Arial" panose="020B0604020202020204" pitchFamily="34" charset="0"/>
+              </a:rPr>
+              <a:t>-</a:t>
+            </a:r>
+            <a:r>
+              <a:rPr lang="en-US" sz="1200" dirty="0">
                 <a:effectLst/>
                 <a:latin typeface="Arial" panose="020B0604020202020204" pitchFamily="34" charset="0"/>
                 <a:ea typeface="Calibri" panose="020F0502020204030204" pitchFamily="34" charset="0"/>
@@ -23888,167 +23421,20 @@
               <a:t>game</a:t>
             </a:r>
             <a:r>
-              <a:rPr lang="el-GR" sz="2400" dirty="0">
+              <a:rPr lang="el-GR" sz="1200" dirty="0">
                 <a:effectLst/>
                 <a:latin typeface="Arial" panose="020B0604020202020204" pitchFamily="34" charset="0"/>
                 <a:ea typeface="Calibri" panose="020F0502020204030204" pitchFamily="34" charset="0"/>
                 <a:cs typeface="Arial" panose="020B0604020202020204" pitchFamily="34" charset="0"/>
               </a:rPr>
-              <a:t> </a:t>
-            </a:r>
-            <a:r>
-              <a:rPr lang="el-GR" sz="2400" dirty="0" err="1">
-                <a:effectLst/>
-                <a:latin typeface="Arial" panose="020B0604020202020204" pitchFamily="34" charset="0"/>
-                <a:ea typeface="Calibri" panose="020F0502020204030204" pitchFamily="34" charset="0"/>
-                <a:cs typeface="Arial" panose="020B0604020202020204" pitchFamily="34" charset="0"/>
-              </a:rPr>
-              <a:t>genre</a:t>
-            </a:r>
-            <a:endParaRPr lang="en-US" sz="2400" dirty="0">
+              <a:t> με σωστή ροή από ιδέα -&gt; υλοποίηση.</a:t>
+            </a:r>
+            <a:endParaRPr lang="en-US" sz="1200" dirty="0">
               <a:effectLst/>
               <a:latin typeface="Arial" panose="020B0604020202020204" pitchFamily="34" charset="0"/>
               <a:ea typeface="Calibri" panose="020F0502020204030204" pitchFamily="34" charset="0"/>
-              <a:cs typeface="Arial" panose="020B0604020202020204" pitchFamily="34" charset="0"/>
+              <a:cs typeface="Times New Roman" panose="02020603050405020304" pitchFamily="18" charset="0"/>
             </a:endParaRPr>
-          </a:p>
-          <a:p>
-            <a:pPr marL="800100" lvl="1" indent="-342900">
-              <a:lnSpc>
-                <a:spcPct val="150000"/>
-              </a:lnSpc>
-              <a:buFont typeface="Courier New" panose="02070309020205020404" pitchFamily="49" charset="0"/>
-              <a:buChar char="o"/>
-            </a:pPr>
-            <a:r>
-              <a:rPr lang="el-GR" sz="2400" dirty="0">
-                <a:effectLst/>
-                <a:latin typeface="Arial" panose="020B0604020202020204" pitchFamily="34" charset="0"/>
-                <a:ea typeface="Calibri" panose="020F0502020204030204" pitchFamily="34" charset="0"/>
-                <a:cs typeface="Arial" panose="020B0604020202020204" pitchFamily="34" charset="0"/>
-              </a:rPr>
-              <a:t>Υπηρεσίες φωνής για πραγματικού χρόνου μετάδοσης</a:t>
-            </a:r>
-            <a:endParaRPr lang="en-US" sz="2400" dirty="0">
-              <a:effectLst/>
-              <a:latin typeface="Arial" panose="020B0604020202020204" pitchFamily="34" charset="0"/>
-              <a:ea typeface="Calibri" panose="020F0502020204030204" pitchFamily="34" charset="0"/>
-              <a:cs typeface="Arial" panose="020B0604020202020204" pitchFamily="34" charset="0"/>
-            </a:endParaRPr>
-          </a:p>
-          <a:p>
-            <a:pPr marL="800100" lvl="1" indent="-342900">
-              <a:lnSpc>
-                <a:spcPct val="150000"/>
-              </a:lnSpc>
-              <a:buFont typeface="Courier New" panose="02070309020205020404" pitchFamily="49" charset="0"/>
-              <a:buChar char="o"/>
-            </a:pPr>
-            <a:r>
-              <a:rPr lang="el-GR" sz="2400" dirty="0">
-                <a:effectLst/>
-                <a:latin typeface="Arial" panose="020B0604020202020204" pitchFamily="34" charset="0"/>
-                <a:ea typeface="Calibri" panose="020F0502020204030204" pitchFamily="34" charset="0"/>
-                <a:cs typeface="Arial" panose="020B0604020202020204" pitchFamily="34" charset="0"/>
-              </a:rPr>
-              <a:t>Επεξεργασία σήματος φωνής για προσομοιώσει εξασθένηση σήματος σε ειδικές περιοχές</a:t>
-            </a:r>
-            <a:endParaRPr lang="el-GR" sz="2400" dirty="0">
-              <a:latin typeface="Arial" panose="020B0604020202020204" pitchFamily="34" charset="0"/>
-              <a:cs typeface="Arial" panose="020B0604020202020204" pitchFamily="34" charset="0"/>
-            </a:endParaRPr>
-          </a:p>
-          <a:p>
-            <a:pPr marL="342900" indent="-342900">
-              <a:buFont typeface="Arial" panose="020B0604020202020204" pitchFamily="34" charset="0"/>
-              <a:buChar char="•"/>
-            </a:pPr>
-            <a:r>
-              <a:rPr lang="el-GR" sz="2400" dirty="0">
-                <a:latin typeface="Arial" panose="020B0604020202020204" pitchFamily="34" charset="0"/>
-                <a:cs typeface="Arial" panose="020B0604020202020204" pitchFamily="34" charset="0"/>
-              </a:rPr>
-              <a:t>Τα βήματα διαδικασίας για την δημιουργία των μηχανισμών</a:t>
-            </a:r>
-          </a:p>
-          <a:p>
-            <a:pPr marL="0" marR="0" lvl="0" indent="0" algn="l" defTabSz="457200" rtl="0" eaLnBrk="1" fontAlgn="auto" latinLnBrk="0" hangingPunct="1">
-              <a:lnSpc>
-                <a:spcPct val="100000"/>
-              </a:lnSpc>
-              <a:spcBef>
-                <a:spcPts val="0"/>
-              </a:spcBef>
-              <a:spcAft>
-                <a:spcPts val="0"/>
-              </a:spcAft>
-              <a:buClrTx/>
-              <a:buSzTx/>
-              <a:buFontTx/>
-              <a:buNone/>
-              <a:tabLst/>
-              <a:defRPr/>
-            </a:pPr>
-            <a:endParaRPr lang="en-US" sz="1200" b="1" dirty="0">
-              <a:latin typeface="Arial" panose="020B0604020202020204" pitchFamily="34" charset="0"/>
-              <a:cs typeface="Arial" panose="020B0604020202020204" pitchFamily="34" charset="0"/>
-            </a:endParaRPr>
-          </a:p>
-          <a:p>
-            <a:endParaRPr lang="en-US" dirty="0"/>
-          </a:p>
-          <a:p>
-            <a:r>
-              <a:rPr lang="el-GR" sz="1200" dirty="0">
-                <a:latin typeface="Arial" panose="020B0604020202020204" pitchFamily="34" charset="0"/>
-                <a:cs typeface="Arial" panose="020B0604020202020204" pitchFamily="34" charset="0"/>
-              </a:rPr>
-              <a:t>Εχει χρησιμοποιηθεί</a:t>
-            </a:r>
-            <a:r>
-              <a:rPr lang="en-US" sz="1200" dirty="0">
-                <a:latin typeface="Arial" panose="020B0604020202020204" pitchFamily="34" charset="0"/>
-                <a:cs typeface="Arial" panose="020B0604020202020204" pitchFamily="34" charset="0"/>
-              </a:rPr>
-              <a:t> </a:t>
-            </a:r>
-            <a:r>
-              <a:rPr lang="el-GR" sz="1200" dirty="0">
-                <a:latin typeface="Arial" panose="020B0604020202020204" pitchFamily="34" charset="0"/>
-                <a:cs typeface="Arial" panose="020B0604020202020204" pitchFamily="34" charset="0"/>
-              </a:rPr>
-              <a:t>για </a:t>
-            </a:r>
-            <a:r>
-              <a:rPr lang="en-US" sz="1200" dirty="0">
-                <a:latin typeface="Arial" panose="020B0604020202020204" pitchFamily="34" charset="0"/>
-                <a:cs typeface="Arial" panose="020B0604020202020204" pitchFamily="34" charset="0"/>
-              </a:rPr>
-              <a:t>project management</a:t>
-            </a:r>
-          </a:p>
-          <a:p>
-            <a:r>
-              <a:rPr lang="en-US" sz="1200" dirty="0">
-                <a:latin typeface="Arial" panose="020B0604020202020204" pitchFamily="34" charset="0"/>
-                <a:cs typeface="Arial" panose="020B0604020202020204" pitchFamily="34" charset="0"/>
-              </a:rPr>
-              <a:t>agile development process (</a:t>
-            </a:r>
-            <a:r>
-              <a:rPr lang="en-US" sz="1200" i="1" dirty="0">
-                <a:latin typeface="Arial" panose="020B0604020202020204" pitchFamily="34" charset="0"/>
-                <a:cs typeface="Arial" panose="020B0604020202020204" pitchFamily="34" charset="0"/>
-              </a:rPr>
-              <a:t>scrum</a:t>
-            </a:r>
-            <a:r>
-              <a:rPr lang="en-US" sz="1200" dirty="0">
-                <a:latin typeface="Arial" panose="020B0604020202020204" pitchFamily="34" charset="0"/>
-                <a:cs typeface="Arial" panose="020B0604020202020204" pitchFamily="34" charset="0"/>
-              </a:rPr>
-              <a:t>)</a:t>
-            </a:r>
           </a:p>
           <a:p>
             <a:endParaRPr lang="en-US" dirty="0"/>
@@ -24082,7 +23468,7 @@
     </p:spTree>
     <p:extLst>
       <p:ext uri="{BB962C8B-B14F-4D97-AF65-F5344CB8AC3E}">
-        <p14:creationId xmlns:p14="http://schemas.microsoft.com/office/powerpoint/2010/main" val="1612865495"/>
+        <p14:creationId xmlns:p14="http://schemas.microsoft.com/office/powerpoint/2010/main" val="347017491"/>
       </p:ext>
     </p:extLst>
   </p:cSld>
@@ -24286,7 +23672,7 @@
             <a:fld id="{623BE99D-5132-394D-8DE2-2FD77049DBCC}" type="datetimeFigureOut">
               <a:rPr lang="en-US" smtClean="0"/>
               <a:pPr/>
-              <a:t>5/13/2022</a:t>
+              <a:t>5/14/2022</a:t>
             </a:fld>
             <a:endParaRPr lang="en-US" dirty="0"/>
           </a:p>
@@ -24491,7 +23877,7 @@
             <a:fld id="{623BE99D-5132-394D-8DE2-2FD77049DBCC}" type="datetimeFigureOut">
               <a:rPr lang="en-US" smtClean="0"/>
               <a:pPr/>
-              <a:t>5/13/2022</a:t>
+              <a:t>5/14/2022</a:t>
             </a:fld>
             <a:endParaRPr lang="en-US" dirty="0"/>
           </a:p>
@@ -24696,7 +24082,7 @@
             <a:fld id="{623BE99D-5132-394D-8DE2-2FD77049DBCC}" type="datetimeFigureOut">
               <a:rPr lang="en-US" smtClean="0"/>
               <a:pPr/>
-              <a:t>5/13/2022</a:t>
+              <a:t>5/14/2022</a:t>
             </a:fld>
             <a:endParaRPr lang="en-US" dirty="0"/>
           </a:p>
@@ -24963,7 +24349,7 @@
             <a:fld id="{623BE99D-5132-394D-8DE2-2FD77049DBCC}" type="datetimeFigureOut">
               <a:rPr lang="en-US" smtClean="0"/>
               <a:pPr/>
-              <a:t>5/13/2022</a:t>
+              <a:t>5/14/2022</a:t>
             </a:fld>
             <a:endParaRPr lang="en-US" dirty="0"/>
           </a:p>
@@ -25173,7 +24559,7 @@
             <a:fld id="{623BE99D-5132-394D-8DE2-2FD77049DBCC}" type="datetimeFigureOut">
               <a:rPr lang="en-US" smtClean="0"/>
               <a:pPr/>
-              <a:t>5/13/2022</a:t>
+              <a:t>5/14/2022</a:t>
             </a:fld>
             <a:endParaRPr lang="en-US" dirty="0"/>
           </a:p>
@@ -25450,7 +24836,7 @@
             <a:fld id="{623BE99D-5132-394D-8DE2-2FD77049DBCC}" type="datetimeFigureOut">
               <a:rPr lang="en-US" smtClean="0"/>
               <a:pPr/>
-              <a:t>5/13/2022</a:t>
+              <a:t>5/14/2022</a:t>
             </a:fld>
             <a:endParaRPr lang="en-US" dirty="0"/>
           </a:p>
@@ -25775,7 +25161,7 @@
             <a:fld id="{623BE99D-5132-394D-8DE2-2FD77049DBCC}" type="datetimeFigureOut">
               <a:rPr lang="en-US" smtClean="0"/>
               <a:pPr/>
-              <a:t>5/13/2022</a:t>
+              <a:t>5/14/2022</a:t>
             </a:fld>
             <a:endParaRPr lang="en-US" dirty="0"/>
           </a:p>
@@ -26240,7 +25626,7 @@
             <a:fld id="{623BE99D-5132-394D-8DE2-2FD77049DBCC}" type="datetimeFigureOut">
               <a:rPr lang="en-US" smtClean="0"/>
               <a:pPr/>
-              <a:t>5/13/2022</a:t>
+              <a:t>5/14/2022</a:t>
             </a:fld>
             <a:endParaRPr lang="en-US" dirty="0"/>
           </a:p>
@@ -26391,7 +25777,7 @@
             <a:fld id="{623BE99D-5132-394D-8DE2-2FD77049DBCC}" type="datetimeFigureOut">
               <a:rPr lang="en-US" smtClean="0"/>
               <a:pPr/>
-              <a:t>5/13/2022</a:t>
+              <a:t>5/14/2022</a:t>
             </a:fld>
             <a:endParaRPr lang="en-US" dirty="0"/>
           </a:p>
@@ -26512,7 +25898,7 @@
             <a:fld id="{623BE99D-5132-394D-8DE2-2FD77049DBCC}" type="datetimeFigureOut">
               <a:rPr lang="en-US" smtClean="0"/>
               <a:pPr/>
-              <a:t>5/13/2022</a:t>
+              <a:t>5/14/2022</a:t>
             </a:fld>
             <a:endParaRPr lang="en-US" dirty="0"/>
           </a:p>
@@ -26822,7 +26208,7 @@
             <a:fld id="{623BE99D-5132-394D-8DE2-2FD77049DBCC}" type="datetimeFigureOut">
               <a:rPr lang="en-US" smtClean="0"/>
               <a:pPr/>
-              <a:t>5/13/2022</a:t>
+              <a:t>5/14/2022</a:t>
             </a:fld>
             <a:endParaRPr lang="en-US" dirty="0"/>
           </a:p>
@@ -27032,7 +26418,7 @@
             <a:fld id="{623BE99D-5132-394D-8DE2-2FD77049DBCC}" type="datetimeFigureOut">
               <a:rPr lang="en-US" smtClean="0"/>
               <a:pPr/>
-              <a:t>5/13/2022</a:t>
+              <a:t>5/14/2022</a:t>
             </a:fld>
             <a:endParaRPr lang="en-US" dirty="0"/>
           </a:p>
@@ -27314,7 +26700,7 @@
             <a:fld id="{623BE99D-5132-394D-8DE2-2FD77049DBCC}" type="datetimeFigureOut">
               <a:rPr lang="en-US" smtClean="0"/>
               <a:pPr/>
-              <a:t>5/13/2022</a:t>
+              <a:t>5/14/2022</a:t>
             </a:fld>
             <a:endParaRPr lang="en-US" dirty="0"/>
           </a:p>
@@ -27524,7 +26910,7 @@
             <a:fld id="{623BE99D-5132-394D-8DE2-2FD77049DBCC}" type="datetimeFigureOut">
               <a:rPr lang="en-US" smtClean="0"/>
               <a:pPr/>
-              <a:t>5/13/2022</a:t>
+              <a:t>5/14/2022</a:t>
             </a:fld>
             <a:endParaRPr lang="en-US" dirty="0"/>
           </a:p>
@@ -27734,7 +27120,7 @@
             <a:fld id="{623BE99D-5132-394D-8DE2-2FD77049DBCC}" type="datetimeFigureOut">
               <a:rPr lang="en-US" smtClean="0"/>
               <a:pPr/>
-              <a:t>5/13/2022</a:t>
+              <a:t>5/14/2022</a:t>
             </a:fld>
             <a:endParaRPr lang="en-US" dirty="0"/>
           </a:p>
@@ -28011,7 +27397,7 @@
             <a:fld id="{623BE99D-5132-394D-8DE2-2FD77049DBCC}" type="datetimeFigureOut">
               <a:rPr lang="en-US" smtClean="0"/>
               <a:pPr/>
-              <a:t>5/13/2022</a:t>
+              <a:t>5/14/2022</a:t>
             </a:fld>
             <a:endParaRPr lang="en-US" dirty="0"/>
           </a:p>
@@ -28331,7 +27717,7 @@
             <a:fld id="{623BE99D-5132-394D-8DE2-2FD77049DBCC}" type="datetimeFigureOut">
               <a:rPr lang="en-US" smtClean="0"/>
               <a:pPr/>
-              <a:t>5/13/2022</a:t>
+              <a:t>5/14/2022</a:t>
             </a:fld>
             <a:endParaRPr lang="en-US" dirty="0"/>
           </a:p>
@@ -28791,7 +28177,7 @@
             <a:fld id="{623BE99D-5132-394D-8DE2-2FD77049DBCC}" type="datetimeFigureOut">
               <a:rPr lang="en-US" smtClean="0"/>
               <a:pPr/>
-              <a:t>5/13/2022</a:t>
+              <a:t>5/14/2022</a:t>
             </a:fld>
             <a:endParaRPr lang="en-US" dirty="0"/>
           </a:p>
@@ -28937,7 +28323,7 @@
             <a:fld id="{623BE99D-5132-394D-8DE2-2FD77049DBCC}" type="datetimeFigureOut">
               <a:rPr lang="en-US" smtClean="0"/>
               <a:pPr/>
-              <a:t>5/13/2022</a:t>
+              <a:t>5/14/2022</a:t>
             </a:fld>
             <a:endParaRPr lang="en-US" dirty="0"/>
           </a:p>
@@ -29053,7 +28439,7 @@
             <a:fld id="{623BE99D-5132-394D-8DE2-2FD77049DBCC}" type="datetimeFigureOut">
               <a:rPr lang="en-US" smtClean="0"/>
               <a:pPr/>
-              <a:t>5/13/2022</a:t>
+              <a:t>5/14/2022</a:t>
             </a:fld>
             <a:endParaRPr lang="en-US" dirty="0"/>
           </a:p>
@@ -29358,7 +28744,7 @@
             <a:fld id="{623BE99D-5132-394D-8DE2-2FD77049DBCC}" type="datetimeFigureOut">
               <a:rPr lang="en-US" smtClean="0"/>
               <a:pPr/>
-              <a:t>5/13/2022</a:t>
+              <a:t>5/14/2022</a:t>
             </a:fld>
             <a:endParaRPr lang="en-US" dirty="0"/>
           </a:p>
@@ -29640,7 +29026,7 @@
             <a:fld id="{623BE99D-5132-394D-8DE2-2FD77049DBCC}" type="datetimeFigureOut">
               <a:rPr lang="en-US" smtClean="0"/>
               <a:pPr/>
-              <a:t>5/13/2022</a:t>
+              <a:t>5/14/2022</a:t>
             </a:fld>
             <a:endParaRPr lang="en-US" dirty="0"/>
           </a:p>
@@ -31094,243 +30480,6 @@
           <p:cNvPr id="2" name="Title 1">
             <a:extLst>
               <a:ext uri="{FF2B5EF4-FFF2-40B4-BE49-F238E27FC236}">
-                <a16:creationId xmlns:a16="http://schemas.microsoft.com/office/drawing/2014/main" id="{165479F6-9370-4948-ACA1-C8BC7A0BF4ED}"/>
-              </a:ext>
-            </a:extLst>
-          </p:cNvPr>
-          <p:cNvSpPr>
-            <a:spLocks noGrp="1"/>
-          </p:cNvSpPr>
-          <p:nvPr>
-            <p:ph type="title"/>
-          </p:nvPr>
-        </p:nvSpPr>
-        <p:spPr>
-          <a:xfrm>
-            <a:off x="0" y="347790"/>
-            <a:ext cx="7034784" cy="1249362"/>
-          </a:xfrm>
-        </p:spPr>
-        <p:txBody>
-          <a:bodyPr/>
-          <a:lstStyle/>
-          <a:p>
-            <a:r>
-              <a:rPr lang="el-GR" sz="4400" b="1" dirty="0">
-                <a:latin typeface="Arial" panose="020B0604020202020204" pitchFamily="34" charset="0"/>
-                <a:cs typeface="Arial" panose="020B0604020202020204" pitchFamily="34" charset="0"/>
-              </a:rPr>
-              <a:t>Η τρέχουσα υλοποίηση του έργου</a:t>
-            </a:r>
-            <a:br>
-              <a:rPr lang="en-US" sz="4400" b="1" dirty="0">
-                <a:latin typeface="Arial" panose="020B0604020202020204" pitchFamily="34" charset="0"/>
-                <a:cs typeface="Arial" panose="020B0604020202020204" pitchFamily="34" charset="0"/>
-              </a:rPr>
-            </a:br>
-            <a:endParaRPr lang="en-US" dirty="0"/>
-          </a:p>
-        </p:txBody>
-      </p:sp>
-      <p:sp>
-        <p:nvSpPr>
-          <p:cNvPr id="3" name="TextBox 2">
-            <a:extLst>
-              <a:ext uri="{FF2B5EF4-FFF2-40B4-BE49-F238E27FC236}">
-                <a16:creationId xmlns:a16="http://schemas.microsoft.com/office/drawing/2014/main" id="{CF72E4F5-9305-4C09-9DE7-E6FCBA3AA565}"/>
-              </a:ext>
-            </a:extLst>
-          </p:cNvPr>
-          <p:cNvSpPr txBox="1"/>
-          <p:nvPr/>
-        </p:nvSpPr>
-        <p:spPr>
-          <a:xfrm>
-            <a:off x="0" y="1827401"/>
-            <a:ext cx="8644128" cy="2800767"/>
-          </a:xfrm>
-          <a:prstGeom prst="rect">
-            <a:avLst/>
-          </a:prstGeom>
-          <a:noFill/>
-        </p:spPr>
-        <p:txBody>
-          <a:bodyPr wrap="square" rtlCol="0">
-            <a:spAutoFit/>
-          </a:bodyPr>
-          <a:lstStyle/>
-          <a:p>
-            <a:r>
-              <a:rPr lang="el-GR" sz="2400" dirty="0">
-                <a:effectLst/>
-                <a:latin typeface="Arial" panose="020B0604020202020204" pitchFamily="34" charset="0"/>
-                <a:ea typeface="Calibri" panose="020F0502020204030204" pitchFamily="34" charset="0"/>
-                <a:cs typeface="Arial" panose="020B0604020202020204" pitchFamily="34" charset="0"/>
-              </a:rPr>
-              <a:t>Η παρούσα εργασία συστημάτων παιχνιδιού εγκρίθηκε και δημοσιεύτηκε στην επίσημη πλατφόρμα της </a:t>
-            </a:r>
-            <a:r>
-              <a:rPr lang="en-US" sz="2400" u="sng" dirty="0">
-                <a:solidFill>
-                  <a:srgbClr val="0563C1"/>
-                </a:solidFill>
-                <a:effectLst/>
-                <a:latin typeface="Arial" panose="020B0604020202020204" pitchFamily="34" charset="0"/>
-                <a:ea typeface="Calibri" panose="020F0502020204030204" pitchFamily="34" charset="0"/>
-                <a:cs typeface="Arial" panose="020B0604020202020204" pitchFamily="34" charset="0"/>
-                <a:hlinkClick r:id="rId3"/>
-              </a:rPr>
-              <a:t>Unreal Engine Marketplace</a:t>
-            </a:r>
-            <a:r>
-              <a:rPr lang="el-GR" sz="2400" dirty="0">
-                <a:effectLst/>
-                <a:latin typeface="Arial" panose="020B0604020202020204" pitchFamily="34" charset="0"/>
-                <a:ea typeface="Calibri" panose="020F0502020204030204" pitchFamily="34" charset="0"/>
-                <a:cs typeface="Arial" panose="020B0604020202020204" pitchFamily="34" charset="0"/>
-              </a:rPr>
-              <a:t> καθώς </a:t>
-            </a:r>
-          </a:p>
-          <a:p>
-            <a:r>
-              <a:rPr lang="el-GR" sz="2400" dirty="0">
-                <a:effectLst/>
-                <a:latin typeface="Arial" panose="020B0604020202020204" pitchFamily="34" charset="0"/>
-                <a:ea typeface="Calibri" panose="020F0502020204030204" pitchFamily="34" charset="0"/>
-                <a:cs typeface="Arial" panose="020B0604020202020204" pitchFamily="34" charset="0"/>
-              </a:rPr>
-              <a:t>έλαβε τα σωστά βήματα/</a:t>
-            </a:r>
-            <a:r>
-              <a:rPr lang="en-US" sz="2400" dirty="0">
-                <a:effectLst/>
-                <a:latin typeface="Arial" panose="020B0604020202020204" pitchFamily="34" charset="0"/>
-                <a:ea typeface="Calibri" panose="020F0502020204030204" pitchFamily="34" charset="0"/>
-                <a:cs typeface="Arial" panose="020B0604020202020204" pitchFamily="34" charset="0"/>
-              </a:rPr>
-              <a:t>Guidelines</a:t>
-            </a:r>
-            <a:r>
-              <a:rPr lang="el-GR" sz="2400" dirty="0">
-                <a:effectLst/>
-                <a:latin typeface="Arial" panose="020B0604020202020204" pitchFamily="34" charset="0"/>
-                <a:ea typeface="Calibri" panose="020F0502020204030204" pitchFamily="34" charset="0"/>
-                <a:cs typeface="Arial" panose="020B0604020202020204" pitchFamily="34" charset="0"/>
-              </a:rPr>
-              <a:t> που θα συνοψίσουμε παρακάτω για να έρθει εις πέρας ένα </a:t>
-            </a:r>
-            <a:r>
-              <a:rPr lang="en-US" sz="2400" dirty="0">
-                <a:effectLst/>
-                <a:latin typeface="Arial" panose="020B0604020202020204" pitchFamily="34" charset="0"/>
-                <a:ea typeface="Calibri" panose="020F0502020204030204" pitchFamily="34" charset="0"/>
-                <a:cs typeface="Arial" panose="020B0604020202020204" pitchFamily="34" charset="0"/>
-              </a:rPr>
-              <a:t>project </a:t>
-            </a:r>
-            <a:r>
-              <a:rPr lang="el-GR" sz="2400" dirty="0">
-                <a:effectLst/>
-                <a:latin typeface="Arial" panose="020B0604020202020204" pitchFamily="34" charset="0"/>
-                <a:ea typeface="Calibri" panose="020F0502020204030204" pitchFamily="34" charset="0"/>
-                <a:cs typeface="Arial" panose="020B0604020202020204" pitchFamily="34" charset="0"/>
-              </a:rPr>
-              <a:t>κομμάτι </a:t>
-            </a:r>
-            <a:r>
-              <a:rPr lang="en-US" sz="2400" dirty="0">
-                <a:effectLst/>
-                <a:latin typeface="Arial" panose="020B0604020202020204" pitchFamily="34" charset="0"/>
-                <a:ea typeface="Calibri" panose="020F0502020204030204" pitchFamily="34" charset="0"/>
-                <a:cs typeface="Arial" panose="020B0604020202020204" pitchFamily="34" charset="0"/>
-              </a:rPr>
-              <a:t>video</a:t>
-            </a:r>
-            <a:r>
-              <a:rPr lang="el-GR" sz="2400" dirty="0">
-                <a:effectLst/>
-                <a:latin typeface="Arial" panose="020B0604020202020204" pitchFamily="34" charset="0"/>
-                <a:ea typeface="Calibri" panose="020F0502020204030204" pitchFamily="34" charset="0"/>
-                <a:cs typeface="Arial" panose="020B0604020202020204" pitchFamily="34" charset="0"/>
-              </a:rPr>
-              <a:t>-</a:t>
-            </a:r>
-            <a:r>
-              <a:rPr lang="en-US" sz="2400" dirty="0">
-                <a:effectLst/>
-                <a:latin typeface="Arial" panose="020B0604020202020204" pitchFamily="34" charset="0"/>
-                <a:ea typeface="Calibri" panose="020F0502020204030204" pitchFamily="34" charset="0"/>
-                <a:cs typeface="Arial" panose="020B0604020202020204" pitchFamily="34" charset="0"/>
-              </a:rPr>
-              <a:t>game</a:t>
-            </a:r>
-            <a:r>
-              <a:rPr lang="el-GR" sz="2400" dirty="0">
-                <a:effectLst/>
-                <a:latin typeface="Arial" panose="020B0604020202020204" pitchFamily="34" charset="0"/>
-                <a:ea typeface="Calibri" panose="020F0502020204030204" pitchFamily="34" charset="0"/>
-                <a:cs typeface="Arial" panose="020B0604020202020204" pitchFamily="34" charset="0"/>
-              </a:rPr>
-              <a:t> με σωστή ροή από ιδέα -&gt; υλοποίηση.</a:t>
-            </a:r>
-            <a:endParaRPr lang="en-US" sz="2400" dirty="0">
-              <a:effectLst/>
-              <a:latin typeface="Arial" panose="020B0604020202020204" pitchFamily="34" charset="0"/>
-              <a:ea typeface="Calibri" panose="020F0502020204030204" pitchFamily="34" charset="0"/>
-              <a:cs typeface="Times New Roman" panose="02020603050405020304" pitchFamily="18" charset="0"/>
-            </a:endParaRPr>
-          </a:p>
-          <a:p>
-            <a:r>
-              <a:rPr lang="el-GR" sz="3200" dirty="0">
-                <a:latin typeface="Arial" panose="020B0604020202020204" pitchFamily="34" charset="0"/>
-                <a:cs typeface="Arial" panose="020B0604020202020204" pitchFamily="34" charset="0"/>
-              </a:rPr>
-              <a:t> </a:t>
-            </a:r>
-            <a:endParaRPr lang="en-US" sz="3200" dirty="0">
-              <a:latin typeface="Arial" panose="020B0604020202020204" pitchFamily="34" charset="0"/>
-              <a:cs typeface="Arial" panose="020B0604020202020204" pitchFamily="34" charset="0"/>
-            </a:endParaRPr>
-          </a:p>
-        </p:txBody>
-      </p:sp>
-    </p:spTree>
-    <p:extLst>
-      <p:ext uri="{BB962C8B-B14F-4D97-AF65-F5344CB8AC3E}">
-        <p14:creationId xmlns:p14="http://schemas.microsoft.com/office/powerpoint/2010/main" val="1017473068"/>
-      </p:ext>
-    </p:extLst>
-  </p:cSld>
-  <p:clrMapOvr>
-    <a:masterClrMapping/>
-  </p:clrMapOvr>
-</p:sld>
-</file>
-
-<file path=ppt/slides/slide11.xml><?xml version="1.0" encoding="utf-8"?>
-<p:sld xmlns:a="http://schemas.openxmlformats.org/drawingml/2006/main" xmlns:r="http://schemas.openxmlformats.org/officeDocument/2006/relationships" xmlns:p="http://schemas.openxmlformats.org/presentationml/2006/main">
-  <p:cSld>
-    <p:spTree>
-      <p:nvGrpSpPr>
-        <p:cNvPr id="1" name=""/>
-        <p:cNvGrpSpPr/>
-        <p:nvPr/>
-      </p:nvGrpSpPr>
-      <p:grpSpPr>
-        <a:xfrm>
-          <a:off x="0" y="0"/>
-          <a:ext cx="0" cy="0"/>
-          <a:chOff x="0" y="0"/>
-          <a:chExt cx="0" cy="0"/>
-        </a:xfrm>
-      </p:grpSpPr>
-      <p:sp>
-        <p:nvSpPr>
-          <p:cNvPr id="2" name="Title 1">
-            <a:extLst>
-              <a:ext uri="{FF2B5EF4-FFF2-40B4-BE49-F238E27FC236}">
                 <a16:creationId xmlns:a16="http://schemas.microsoft.com/office/drawing/2014/main" id="{47682B62-17F9-4577-96F0-2F0BCC61F5B8}"/>
               </a:ext>
             </a:extLst>
@@ -31348,7 +30497,10 @@
           <a:lstStyle/>
           <a:p>
             <a:r>
-              <a:rPr lang="en-US" dirty="0"/>
+              <a:rPr lang="en-US" b="1" dirty="0">
+                <a:latin typeface="Arial" panose="020B0604020202020204" pitchFamily="34" charset="0"/>
+                <a:cs typeface="Arial" panose="020B0604020202020204" pitchFamily="34" charset="0"/>
+              </a:rPr>
               <a:t>Product Steps</a:t>
             </a:r>
           </a:p>
@@ -31983,250 +31135,7 @@
 </p:sld>
 </file>
 
-<file path=ppt/slides/slide12.xml><?xml version="1.0" encoding="utf-8"?>
-<p:sld xmlns:a="http://schemas.openxmlformats.org/drawingml/2006/main" xmlns:r="http://schemas.openxmlformats.org/officeDocument/2006/relationships" xmlns:p="http://schemas.openxmlformats.org/presentationml/2006/main">
-  <p:cSld>
-    <p:spTree>
-      <p:nvGrpSpPr>
-        <p:cNvPr id="1" name=""/>
-        <p:cNvGrpSpPr/>
-        <p:nvPr/>
-      </p:nvGrpSpPr>
-      <p:grpSpPr>
-        <a:xfrm>
-          <a:off x="0" y="0"/>
-          <a:ext cx="0" cy="0"/>
-          <a:chOff x="0" y="0"/>
-          <a:chExt cx="0" cy="0"/>
-        </a:xfrm>
-      </p:grpSpPr>
-      <p:sp>
-        <p:nvSpPr>
-          <p:cNvPr id="2" name="Title 1">
-            <a:extLst>
-              <a:ext uri="{FF2B5EF4-FFF2-40B4-BE49-F238E27FC236}">
-                <a16:creationId xmlns:a16="http://schemas.microsoft.com/office/drawing/2014/main" id="{2D8B2B53-E528-4401-A6D8-886062DE43B9}"/>
-              </a:ext>
-            </a:extLst>
-          </p:cNvPr>
-          <p:cNvSpPr>
-            <a:spLocks noGrp="1"/>
-          </p:cNvSpPr>
-          <p:nvPr>
-            <p:ph type="title"/>
-          </p:nvPr>
-        </p:nvSpPr>
-        <p:spPr>
-          <a:xfrm>
-            <a:off x="366889" y="274638"/>
-            <a:ext cx="8229600" cy="1143000"/>
-          </a:xfrm>
-        </p:spPr>
-        <p:txBody>
-          <a:bodyPr/>
-          <a:lstStyle/>
-          <a:p>
-            <a:pPr algn="l"/>
-            <a:r>
-              <a:rPr lang="el-GR" b="1" dirty="0">
-                <a:latin typeface="Arial" panose="020B0604020202020204" pitchFamily="34" charset="0"/>
-                <a:cs typeface="Arial" panose="020B0604020202020204" pitchFamily="34" charset="0"/>
-              </a:rPr>
-              <a:t>Τι προσφέρει η έρευνα?</a:t>
-            </a:r>
-            <a:endParaRPr lang="en-US" b="1" dirty="0">
-              <a:latin typeface="Arial" panose="020B0604020202020204" pitchFamily="34" charset="0"/>
-              <a:cs typeface="Arial" panose="020B0604020202020204" pitchFamily="34" charset="0"/>
-            </a:endParaRPr>
-          </a:p>
-        </p:txBody>
-      </p:sp>
-      <p:sp>
-        <p:nvSpPr>
-          <p:cNvPr id="3" name="TextBox 2">
-            <a:extLst>
-              <a:ext uri="{FF2B5EF4-FFF2-40B4-BE49-F238E27FC236}">
-                <a16:creationId xmlns:a16="http://schemas.microsoft.com/office/drawing/2014/main" id="{639C1FC4-F030-42CD-AD95-38092314F3F9}"/>
-              </a:ext>
-            </a:extLst>
-          </p:cNvPr>
-          <p:cNvSpPr txBox="1"/>
-          <p:nvPr/>
-        </p:nvSpPr>
-        <p:spPr>
-          <a:xfrm>
-            <a:off x="366889" y="1393881"/>
-            <a:ext cx="8325555" cy="4154984"/>
-          </a:xfrm>
-          <a:prstGeom prst="rect">
-            <a:avLst/>
-          </a:prstGeom>
-          <a:noFill/>
-        </p:spPr>
-        <p:txBody>
-          <a:bodyPr wrap="square" rtlCol="0">
-            <a:spAutoFit/>
-          </a:bodyPr>
-          <a:lstStyle/>
-          <a:p>
-            <a:pPr marL="342900" indent="-342900">
-              <a:buFont typeface="Arial" panose="020B0604020202020204" pitchFamily="34" charset="0"/>
-              <a:buChar char="•"/>
-            </a:pPr>
-            <a:r>
-              <a:rPr lang="el-GR" sz="2400" dirty="0">
-                <a:latin typeface="Arial" panose="020B0604020202020204" pitchFamily="34" charset="0"/>
-                <a:cs typeface="Arial" panose="020B0604020202020204" pitchFamily="34" charset="0"/>
-              </a:rPr>
-              <a:t>Καινοτομία πραγματικού χρόνου επικοινωνίας </a:t>
-            </a:r>
-            <a:r>
-              <a:rPr lang="en-US" sz="2400" dirty="0">
-                <a:latin typeface="Arial" panose="020B0604020202020204" pitchFamily="34" charset="0"/>
-                <a:cs typeface="Arial" panose="020B0604020202020204" pitchFamily="34" charset="0"/>
-              </a:rPr>
-              <a:t>VoIP </a:t>
-            </a:r>
-            <a:r>
-              <a:rPr lang="el-GR" sz="2400" dirty="0">
-                <a:latin typeface="Arial" panose="020B0604020202020204" pitchFamily="34" charset="0"/>
-                <a:cs typeface="Arial" panose="020B0604020202020204" pitchFamily="34" charset="0"/>
-              </a:rPr>
-              <a:t>στην </a:t>
-            </a:r>
-            <a:r>
-              <a:rPr lang="en-US" sz="2400" dirty="0">
-                <a:latin typeface="Arial" panose="020B0604020202020204" pitchFamily="34" charset="0"/>
-                <a:cs typeface="Arial" panose="020B0604020202020204" pitchFamily="34" charset="0"/>
-              </a:rPr>
-              <a:t>Unreal Engine (Walkie-talkie radio &amp; Cellphone)</a:t>
-            </a:r>
-          </a:p>
-          <a:p>
-            <a:pPr marL="342900" indent="-342900">
-              <a:buFont typeface="Arial" panose="020B0604020202020204" pitchFamily="34" charset="0"/>
-              <a:buChar char="•"/>
-            </a:pPr>
-            <a:r>
-              <a:rPr lang="el-GR" sz="2400" dirty="0">
-                <a:latin typeface="Arial" panose="020B0604020202020204" pitchFamily="34" charset="0"/>
-                <a:cs typeface="Arial" panose="020B0604020202020204" pitchFamily="34" charset="0"/>
-              </a:rPr>
-              <a:t>Εξαγωγή πληροφοριών μέσα από ερωτηματολόγιο προτιμήσεις χρηστών</a:t>
-            </a:r>
-            <a:endParaRPr lang="en-US" sz="2400" dirty="0">
-              <a:latin typeface="Arial" panose="020B0604020202020204" pitchFamily="34" charset="0"/>
-              <a:cs typeface="Arial" panose="020B0604020202020204" pitchFamily="34" charset="0"/>
-            </a:endParaRPr>
-          </a:p>
-          <a:p>
-            <a:pPr marL="342900" indent="-342900">
-              <a:buFont typeface="Arial" panose="020B0604020202020204" pitchFamily="34" charset="0"/>
-              <a:buChar char="•"/>
-            </a:pPr>
-            <a:r>
-              <a:rPr lang="el-GR" sz="2400" dirty="0">
-                <a:latin typeface="Arial" panose="020B0604020202020204" pitchFamily="34" charset="0"/>
-                <a:cs typeface="Arial" panose="020B0604020202020204" pitchFamily="34" charset="0"/>
-              </a:rPr>
-              <a:t>Στάδια δημιουργίας Μηχανισμών εικονικών κόσμων</a:t>
-            </a:r>
-          </a:p>
-          <a:p>
-            <a:pPr marL="342900" indent="-342900">
-              <a:buFont typeface="Arial" panose="020B0604020202020204" pitchFamily="34" charset="0"/>
-              <a:buChar char="•"/>
-            </a:pPr>
-            <a:r>
-              <a:rPr lang="el-GR" sz="2400" dirty="0">
-                <a:latin typeface="Arial" panose="020B0604020202020204" pitchFamily="34" charset="0"/>
-                <a:cs typeface="Arial" panose="020B0604020202020204" pitchFamily="34" charset="0"/>
-              </a:rPr>
-              <a:t>Σχέση διεπιστημονικότητας και τα στάδια τους</a:t>
-            </a:r>
-          </a:p>
-          <a:p>
-            <a:pPr marL="800100" lvl="1" indent="-342900">
-              <a:buFont typeface="Arial" panose="020B0604020202020204" pitchFamily="34" charset="0"/>
-              <a:buChar char="•"/>
-            </a:pPr>
-            <a:r>
-              <a:rPr lang="en-US" sz="2400" dirty="0">
-                <a:latin typeface="Arial" panose="020B0604020202020204" pitchFamily="34" charset="0"/>
-                <a:cs typeface="Arial" panose="020B0604020202020204" pitchFamily="34" charset="0"/>
-              </a:rPr>
-              <a:t>Sound</a:t>
-            </a:r>
-          </a:p>
-          <a:p>
-            <a:pPr marL="800100" lvl="1" indent="-342900">
-              <a:buFont typeface="Arial" panose="020B0604020202020204" pitchFamily="34" charset="0"/>
-              <a:buChar char="•"/>
-            </a:pPr>
-            <a:r>
-              <a:rPr lang="en-US" sz="2400" dirty="0">
-                <a:latin typeface="Arial" panose="020B0604020202020204" pitchFamily="34" charset="0"/>
-                <a:cs typeface="Arial" panose="020B0604020202020204" pitchFamily="34" charset="0"/>
-              </a:rPr>
-              <a:t>3D Architectural Visualization &amp; Art</a:t>
-            </a:r>
-          </a:p>
-          <a:p>
-            <a:pPr marL="342900" indent="-342900">
-              <a:buFont typeface="Arial" panose="020B0604020202020204" pitchFamily="34" charset="0"/>
-              <a:buChar char="•"/>
-            </a:pPr>
-            <a:r>
-              <a:rPr lang="el-GR" sz="2400" dirty="0">
-                <a:latin typeface="Arial" panose="020B0604020202020204" pitchFamily="34" charset="0"/>
-                <a:cs typeface="Arial" panose="020B0604020202020204" pitchFamily="34" charset="0"/>
-              </a:rPr>
-              <a:t>Χρήση των τεχνικών αυτών για </a:t>
-            </a:r>
-            <a:r>
-              <a:rPr lang="en-US" sz="2400" dirty="0">
-                <a:latin typeface="Arial" panose="020B0604020202020204" pitchFamily="34" charset="0"/>
-                <a:cs typeface="Arial" panose="020B0604020202020204" pitchFamily="34" charset="0"/>
-              </a:rPr>
-              <a:t>simulation </a:t>
-            </a:r>
-            <a:r>
-              <a:rPr lang="el-GR" sz="2400" dirty="0">
-                <a:latin typeface="Arial" panose="020B0604020202020204" pitchFamily="34" charset="0"/>
-                <a:cs typeface="Arial" panose="020B0604020202020204" pitchFamily="34" charset="0"/>
-              </a:rPr>
-              <a:t>οποιαδήποτε έρευνας σε οποιαδήποτε τομέα</a:t>
-            </a:r>
-          </a:p>
-          <a:p>
-            <a:pPr marL="342900" indent="-342900">
-              <a:buFont typeface="Arial" panose="020B0604020202020204" pitchFamily="34" charset="0"/>
-              <a:buChar char="•"/>
-            </a:pPr>
-            <a:r>
-              <a:rPr lang="en-US" sz="2400" dirty="0">
-                <a:latin typeface="Arial" panose="020B0604020202020204" pitchFamily="34" charset="0"/>
-                <a:cs typeface="Arial" panose="020B0604020202020204" pitchFamily="34" charset="0"/>
-              </a:rPr>
-              <a:t>Project Management approach</a:t>
-            </a:r>
-          </a:p>
-        </p:txBody>
-      </p:sp>
-    </p:spTree>
-    <p:extLst>
-      <p:ext uri="{BB962C8B-B14F-4D97-AF65-F5344CB8AC3E}">
-        <p14:creationId xmlns:p14="http://schemas.microsoft.com/office/powerpoint/2010/main" val="2846458392"/>
-      </p:ext>
-    </p:extLst>
-  </p:cSld>
-  <p:clrMapOvr>
-    <a:masterClrMapping/>
-  </p:clrMapOvr>
-</p:sld>
-</file>
-
-<file path=ppt/slides/slide13.xml><?xml version="1.0" encoding="utf-8"?>
+<file path=ppt/slides/slide11.xml><?xml version="1.0" encoding="utf-8"?>
 <p:sld xmlns:a="http://schemas.openxmlformats.org/drawingml/2006/main" xmlns:r="http://schemas.openxmlformats.org/officeDocument/2006/relationships" xmlns:p="http://schemas.openxmlformats.org/presentationml/2006/main">
   <p:cSld>
     <p:spTree>
@@ -32513,7 +31422,7 @@
 </p:sld>
 </file>
 
-<file path=ppt/slides/slide14.xml><?xml version="1.0" encoding="utf-8"?>
+<file path=ppt/slides/slide12.xml><?xml version="1.0" encoding="utf-8"?>
 <p:sld xmlns:a="http://schemas.openxmlformats.org/drawingml/2006/main" xmlns:r="http://schemas.openxmlformats.org/officeDocument/2006/relationships" xmlns:p="http://schemas.openxmlformats.org/presentationml/2006/main">
   <p:cSld>
     <p:spTree>
@@ -33460,7 +32369,7 @@
 </p:sld>
 </file>
 
-<file path=ppt/slides/slide15.xml><?xml version="1.0" encoding="utf-8"?>
+<file path=ppt/slides/slide13.xml><?xml version="1.0" encoding="utf-8"?>
 <p:sld xmlns:a="http://schemas.openxmlformats.org/drawingml/2006/main" xmlns:r="http://schemas.openxmlformats.org/officeDocument/2006/relationships" xmlns:p="http://schemas.openxmlformats.org/presentationml/2006/main">
   <p:cSld>
     <p:spTree>
@@ -34407,7 +33316,7 @@
 </p:sld>
 </file>
 
-<file path=ppt/slides/slide16.xml><?xml version="1.0" encoding="utf-8"?>
+<file path=ppt/slides/slide14.xml><?xml version="1.0" encoding="utf-8"?>
 <p:sld xmlns:a="http://schemas.openxmlformats.org/drawingml/2006/main" xmlns:r="http://schemas.openxmlformats.org/officeDocument/2006/relationships" xmlns:p="http://schemas.openxmlformats.org/presentationml/2006/main">
   <p:cSld>
     <p:spTree>
@@ -34767,7 +33676,7 @@
 </p:sld>
 </file>
 
-<file path=ppt/slides/slide17.xml><?xml version="1.0" encoding="utf-8"?>
+<file path=ppt/slides/slide15.xml><?xml version="1.0" encoding="utf-8"?>
 <p:sld xmlns:a="http://schemas.openxmlformats.org/drawingml/2006/main" xmlns:r="http://schemas.openxmlformats.org/officeDocument/2006/relationships" xmlns:p="http://schemas.openxmlformats.org/presentationml/2006/main">
   <p:cSld>
     <p:spTree>
@@ -34912,7 +33821,7 @@
 </p:sld>
 </file>
 
-<file path=ppt/slides/slide18.xml><?xml version="1.0" encoding="utf-8"?>
+<file path=ppt/slides/slide16.xml><?xml version="1.0" encoding="utf-8"?>
 <p:sld xmlns:a="http://schemas.openxmlformats.org/drawingml/2006/main" xmlns:r="http://schemas.openxmlformats.org/officeDocument/2006/relationships" xmlns:p="http://schemas.openxmlformats.org/presentationml/2006/main">
   <p:cSld>
     <p:spTree>
@@ -35075,7 +33984,7 @@
 </p:sld>
 </file>
 
-<file path=ppt/slides/slide19.xml><?xml version="1.0" encoding="utf-8"?>
+<file path=ppt/slides/slide17.xml><?xml version="1.0" encoding="utf-8"?>
 <p:sld xmlns:a="http://schemas.openxmlformats.org/drawingml/2006/main" xmlns:r="http://schemas.openxmlformats.org/officeDocument/2006/relationships" xmlns:p="http://schemas.openxmlformats.org/presentationml/2006/main">
   <p:cSld>
     <p:spTree>
@@ -35333,401 +34242,7 @@
 </p:sld>
 </file>
 
-<file path=ppt/slides/slide2.xml><?xml version="1.0" encoding="utf-8"?>
-<p:sld xmlns:a="http://schemas.openxmlformats.org/drawingml/2006/main" xmlns:r="http://schemas.openxmlformats.org/officeDocument/2006/relationships" xmlns:p="http://schemas.openxmlformats.org/presentationml/2006/main">
-  <p:cSld>
-    <p:spTree>
-      <p:nvGrpSpPr>
-        <p:cNvPr id="1" name=""/>
-        <p:cNvGrpSpPr/>
-        <p:nvPr/>
-      </p:nvGrpSpPr>
-      <p:grpSpPr>
-        <a:xfrm>
-          <a:off x="0" y="0"/>
-          <a:ext cx="0" cy="0"/>
-          <a:chOff x="0" y="0"/>
-          <a:chExt cx="0" cy="0"/>
-        </a:xfrm>
-      </p:grpSpPr>
-      <p:sp>
-        <p:nvSpPr>
-          <p:cNvPr id="2" name="Title 1">
-            <a:extLst>
-              <a:ext uri="{FF2B5EF4-FFF2-40B4-BE49-F238E27FC236}">
-                <a16:creationId xmlns:a16="http://schemas.microsoft.com/office/drawing/2014/main" id="{097E51FA-115A-4C6B-A05D-3A8EC2DF1D8F}"/>
-              </a:ext>
-            </a:extLst>
-          </p:cNvPr>
-          <p:cNvSpPr>
-            <a:spLocks noGrp="1"/>
-          </p:cNvSpPr>
-          <p:nvPr>
-            <p:ph type="title"/>
-          </p:nvPr>
-        </p:nvSpPr>
-        <p:spPr/>
-        <p:txBody>
-          <a:bodyPr/>
-          <a:lstStyle/>
-          <a:p>
-            <a:pPr algn="l"/>
-            <a:r>
-              <a:rPr lang="el-GR" sz="4400" b="1" dirty="0">
-                <a:latin typeface="Arial" panose="020B0604020202020204" pitchFamily="34" charset="0"/>
-                <a:cs typeface="Arial" panose="020B0604020202020204" pitchFamily="34" charset="0"/>
-              </a:rPr>
-              <a:t>Σχετικά με εμένα:</a:t>
-            </a:r>
-            <a:br>
-              <a:rPr lang="en-US" sz="4400" b="1" dirty="0">
-                <a:latin typeface="Arial" panose="020B0604020202020204" pitchFamily="34" charset="0"/>
-                <a:cs typeface="Arial" panose="020B0604020202020204" pitchFamily="34" charset="0"/>
-              </a:rPr>
-            </a:br>
-            <a:endParaRPr lang="en-US" dirty="0"/>
-          </a:p>
-        </p:txBody>
-      </p:sp>
-      <p:sp>
-        <p:nvSpPr>
-          <p:cNvPr id="3" name="TextBox 2">
-            <a:extLst>
-              <a:ext uri="{FF2B5EF4-FFF2-40B4-BE49-F238E27FC236}">
-                <a16:creationId xmlns:a16="http://schemas.microsoft.com/office/drawing/2014/main" id="{5CF12085-6FAE-4E43-9418-A1962A245D9F}"/>
-              </a:ext>
-            </a:extLst>
-          </p:cNvPr>
-          <p:cNvSpPr txBox="1"/>
-          <p:nvPr/>
-        </p:nvSpPr>
-        <p:spPr>
-          <a:xfrm>
-            <a:off x="457200" y="5460898"/>
-            <a:ext cx="7073537" cy="1200329"/>
-          </a:xfrm>
-          <a:prstGeom prst="rect">
-            <a:avLst/>
-          </a:prstGeom>
-          <a:noFill/>
-        </p:spPr>
-        <p:txBody>
-          <a:bodyPr wrap="square">
-            <a:spAutoFit/>
-          </a:bodyPr>
-          <a:lstStyle/>
-          <a:p>
-            <a:r>
-              <a:rPr lang="en-US" sz="2400" dirty="0">
-                <a:latin typeface="Arial" panose="020B0604020202020204" pitchFamily="34" charset="0"/>
-                <a:cs typeface="Arial" panose="020B0604020202020204" pitchFamily="34" charset="0"/>
-              </a:rPr>
-              <a:t>Portfolio: </a:t>
-            </a:r>
-            <a:r>
-              <a:rPr lang="en-US" sz="2400" dirty="0">
-                <a:latin typeface="Arial" panose="020B0604020202020204" pitchFamily="34" charset="0"/>
-                <a:cs typeface="Arial" panose="020B0604020202020204" pitchFamily="34" charset="0"/>
-                <a:hlinkClick r:id="rId3"/>
-              </a:rPr>
-              <a:t>https://github.com/michailmarkou1995</a:t>
-            </a:r>
-            <a:endParaRPr lang="en-US" sz="2400" dirty="0">
-              <a:latin typeface="Arial" panose="020B0604020202020204" pitchFamily="34" charset="0"/>
-              <a:cs typeface="Arial" panose="020B0604020202020204" pitchFamily="34" charset="0"/>
-            </a:endParaRPr>
-          </a:p>
-          <a:p>
-            <a:r>
-              <a:rPr lang="en-US" sz="2400" dirty="0">
-                <a:latin typeface="Arial" panose="020B0604020202020204" pitchFamily="34" charset="0"/>
-                <a:cs typeface="Arial" panose="020B0604020202020204" pitchFamily="34" charset="0"/>
-              </a:rPr>
-              <a:t>E-mail: </a:t>
-            </a:r>
-            <a:r>
-              <a:rPr lang="en-US" sz="2400" dirty="0">
-                <a:latin typeface="Arial" panose="020B0604020202020204" pitchFamily="34" charset="0"/>
-                <a:cs typeface="Arial" panose="020B0604020202020204" pitchFamily="34" charset="0"/>
-                <a:hlinkClick r:id="rId4"/>
-              </a:rPr>
-              <a:t>mmarkou19b@amcstudent.edu.gr</a:t>
-            </a:r>
-            <a:endParaRPr lang="en-US" sz="2400" dirty="0">
-              <a:latin typeface="Arial" panose="020B0604020202020204" pitchFamily="34" charset="0"/>
-              <a:cs typeface="Arial" panose="020B0604020202020204" pitchFamily="34" charset="0"/>
-            </a:endParaRPr>
-          </a:p>
-          <a:p>
-            <a:endParaRPr lang="en-US" sz="2400" dirty="0">
-              <a:latin typeface="Arial" panose="020B0604020202020204" pitchFamily="34" charset="0"/>
-              <a:cs typeface="Arial" panose="020B0604020202020204" pitchFamily="34" charset="0"/>
-            </a:endParaRPr>
-          </a:p>
-        </p:txBody>
-      </p:sp>
-      <p:sp>
-        <p:nvSpPr>
-          <p:cNvPr id="4" name="TextBox 3">
-            <a:extLst>
-              <a:ext uri="{FF2B5EF4-FFF2-40B4-BE49-F238E27FC236}">
-                <a16:creationId xmlns:a16="http://schemas.microsoft.com/office/drawing/2014/main" id="{E5C26AE8-FCA4-42D6-96C7-AC583D28A14B}"/>
-              </a:ext>
-            </a:extLst>
-          </p:cNvPr>
-          <p:cNvSpPr txBox="1"/>
-          <p:nvPr/>
-        </p:nvSpPr>
-        <p:spPr>
-          <a:xfrm>
-            <a:off x="279400" y="1305914"/>
-            <a:ext cx="8585200" cy="4154984"/>
-          </a:xfrm>
-          <a:prstGeom prst="rect">
-            <a:avLst/>
-          </a:prstGeom>
-          <a:noFill/>
-        </p:spPr>
-        <p:txBody>
-          <a:bodyPr wrap="square" rtlCol="0">
-            <a:spAutoFit/>
-          </a:bodyPr>
-          <a:lstStyle/>
-          <a:p>
-            <a:pPr marL="342900" indent="-342900">
-              <a:buFont typeface="Arial" panose="020B0604020202020204" pitchFamily="34" charset="0"/>
-              <a:buChar char="•"/>
-            </a:pPr>
-            <a:r>
-              <a:rPr lang="en-US" sz="2400" dirty="0">
-                <a:latin typeface="Arial" panose="020B0604020202020204" pitchFamily="34" charset="0"/>
-                <a:cs typeface="Arial" panose="020B0604020202020204" pitchFamily="34" charset="0"/>
-              </a:rPr>
-              <a:t>3</a:t>
-            </a:r>
-            <a:r>
-              <a:rPr lang="el-GR" sz="2400" baseline="30000" dirty="0">
-                <a:latin typeface="Arial" panose="020B0604020202020204" pitchFamily="34" charset="0"/>
-                <a:cs typeface="Arial" panose="020B0604020202020204" pitchFamily="34" charset="0"/>
-              </a:rPr>
-              <a:t>ο</a:t>
-            </a:r>
-            <a:r>
-              <a:rPr lang="el-GR" sz="2400" dirty="0">
-                <a:latin typeface="Arial" panose="020B0604020202020204" pitchFamily="34" charset="0"/>
-                <a:cs typeface="Arial" panose="020B0604020202020204" pitchFamily="34" charset="0"/>
-              </a:rPr>
-              <a:t> έτος</a:t>
-            </a:r>
-            <a:r>
-              <a:rPr lang="en-US" sz="2400" dirty="0">
-                <a:latin typeface="Arial" panose="020B0604020202020204" pitchFamily="34" charset="0"/>
-                <a:cs typeface="Arial" panose="020B0604020202020204" pitchFamily="34" charset="0"/>
-              </a:rPr>
-              <a:t> BSc Computer Science </a:t>
-            </a:r>
-            <a:r>
-              <a:rPr lang="el-GR" sz="2400" dirty="0">
-                <a:latin typeface="Arial" panose="020B0604020202020204" pitchFamily="34" charset="0"/>
-                <a:cs typeface="Arial" panose="020B0604020202020204" pitchFamily="34" charset="0"/>
-              </a:rPr>
-              <a:t>στο Μητροπολιτικό κολλέγιο</a:t>
-            </a:r>
-            <a:endParaRPr lang="en-US" sz="2400" dirty="0">
-              <a:latin typeface="Arial" panose="020B0604020202020204" pitchFamily="34" charset="0"/>
-              <a:cs typeface="Arial" panose="020B0604020202020204" pitchFamily="34" charset="0"/>
-            </a:endParaRPr>
-          </a:p>
-          <a:p>
-            <a:pPr marL="342900" indent="-342900">
-              <a:buFont typeface="Arial" panose="020B0604020202020204" pitchFamily="34" charset="0"/>
-              <a:buChar char="•"/>
-            </a:pPr>
-            <a:r>
-              <a:rPr lang="en-US" sz="2400" dirty="0">
-                <a:latin typeface="Arial" panose="020B0604020202020204" pitchFamily="34" charset="0"/>
-                <a:cs typeface="Arial" panose="020B0604020202020204" pitchFamily="34" charset="0"/>
-              </a:rPr>
-              <a:t>Internship </a:t>
-            </a:r>
-            <a:r>
-              <a:rPr lang="el-GR" sz="2400" dirty="0">
-                <a:latin typeface="Arial" panose="020B0604020202020204" pitchFamily="34" charset="0"/>
-                <a:cs typeface="Arial" panose="020B0604020202020204" pitchFamily="34" charset="0"/>
-              </a:rPr>
-              <a:t>«</a:t>
-            </a:r>
-            <a:r>
-              <a:rPr lang="en-US" sz="2400" dirty="0">
-                <a:latin typeface="Arial" panose="020B0604020202020204" pitchFamily="34" charset="0"/>
-                <a:cs typeface="Arial" panose="020B0604020202020204" pitchFamily="34" charset="0"/>
-              </a:rPr>
-              <a:t>Internet Service Provider Network Engineer</a:t>
-            </a:r>
-            <a:r>
-              <a:rPr lang="el-GR" sz="2400" dirty="0">
-                <a:latin typeface="Arial" panose="020B0604020202020204" pitchFamily="34" charset="0"/>
-                <a:cs typeface="Arial" panose="020B0604020202020204" pitchFamily="34" charset="0"/>
-              </a:rPr>
-              <a:t>»</a:t>
-            </a:r>
-            <a:endParaRPr lang="en-US" sz="2400" dirty="0">
-              <a:latin typeface="Arial" panose="020B0604020202020204" pitchFamily="34" charset="0"/>
-              <a:cs typeface="Arial" panose="020B0604020202020204" pitchFamily="34" charset="0"/>
-            </a:endParaRPr>
-          </a:p>
-          <a:p>
-            <a:pPr marL="342900" indent="-342900">
-              <a:buFont typeface="Arial" panose="020B0604020202020204" pitchFamily="34" charset="0"/>
-              <a:buChar char="•"/>
-            </a:pPr>
-            <a:r>
-              <a:rPr lang="en-US" sz="2400" dirty="0">
-                <a:latin typeface="Arial" panose="020B0604020202020204" pitchFamily="34" charset="0"/>
-                <a:cs typeface="Arial" panose="020B0604020202020204" pitchFamily="34" charset="0"/>
-              </a:rPr>
-              <a:t>Unreal Engine Game Developer</a:t>
-            </a:r>
-          </a:p>
-          <a:p>
-            <a:pPr marL="342900" indent="-342900">
-              <a:buFont typeface="Arial" panose="020B0604020202020204" pitchFamily="34" charset="0"/>
-              <a:buChar char="•"/>
-            </a:pPr>
-            <a:r>
-              <a:rPr lang="en-US" sz="2400" dirty="0">
-                <a:latin typeface="Arial" panose="020B0604020202020204" pitchFamily="34" charset="0"/>
-                <a:cs typeface="Arial" panose="020B0604020202020204" pitchFamily="34" charset="0"/>
-              </a:rPr>
-              <a:t>VR/AR</a:t>
-            </a:r>
-          </a:p>
-          <a:p>
-            <a:pPr marL="342900" indent="-342900">
-              <a:buFont typeface="Arial" panose="020B0604020202020204" pitchFamily="34" charset="0"/>
-              <a:buChar char="•"/>
-            </a:pPr>
-            <a:r>
-              <a:rPr lang="en-US" sz="2400" dirty="0">
-                <a:latin typeface="Arial" panose="020B0604020202020204" pitchFamily="34" charset="0"/>
-                <a:cs typeface="Arial" panose="020B0604020202020204" pitchFamily="34" charset="0"/>
-              </a:rPr>
-              <a:t>Multiplayer driven</a:t>
-            </a:r>
-          </a:p>
-          <a:p>
-            <a:pPr marL="342900" indent="-342900">
-              <a:buFont typeface="Arial" panose="020B0604020202020204" pitchFamily="34" charset="0"/>
-              <a:buChar char="•"/>
-            </a:pPr>
-            <a:r>
-              <a:rPr lang="en-US" sz="2400" dirty="0">
-                <a:latin typeface="Arial" panose="020B0604020202020204" pitchFamily="34" charset="0"/>
-                <a:cs typeface="Arial" panose="020B0604020202020204" pitchFamily="34" charset="0"/>
-              </a:rPr>
-              <a:t>Gameplay Mechanics</a:t>
-            </a:r>
-          </a:p>
-          <a:p>
-            <a:pPr marL="342900" indent="-342900">
-              <a:buFont typeface="Arial" panose="020B0604020202020204" pitchFamily="34" charset="0"/>
-              <a:buChar char="•"/>
-            </a:pPr>
-            <a:r>
-              <a:rPr lang="en-US" sz="2400" dirty="0">
-                <a:latin typeface="Arial" panose="020B0604020202020204" pitchFamily="34" charset="0"/>
-                <a:cs typeface="Arial" panose="020B0604020202020204" pitchFamily="34" charset="0"/>
-              </a:rPr>
-              <a:t>Sound Effect Artist</a:t>
-            </a:r>
-          </a:p>
-          <a:p>
-            <a:pPr marL="342900" indent="-342900">
-              <a:buFont typeface="Arial" panose="020B0604020202020204" pitchFamily="34" charset="0"/>
-              <a:buChar char="•"/>
-            </a:pPr>
-            <a:r>
-              <a:rPr lang="en-US" sz="2400" dirty="0">
-                <a:latin typeface="Arial" panose="020B0604020202020204" pitchFamily="34" charset="0"/>
-                <a:cs typeface="Arial" panose="020B0604020202020204" pitchFamily="34" charset="0"/>
-              </a:rPr>
-              <a:t>Visual Effect Artist</a:t>
-            </a:r>
-          </a:p>
-          <a:p>
-            <a:pPr marL="342900" indent="-342900">
-              <a:buFont typeface="Arial" panose="020B0604020202020204" pitchFamily="34" charset="0"/>
-              <a:buChar char="•"/>
-            </a:pPr>
-            <a:r>
-              <a:rPr lang="en-US" sz="2400" dirty="0">
-                <a:latin typeface="Arial" panose="020B0604020202020204" pitchFamily="34" charset="0"/>
-                <a:cs typeface="Arial" panose="020B0604020202020204" pitchFamily="34" charset="0"/>
-              </a:rPr>
-              <a:t>3D Architectural Visualization &amp; modeling</a:t>
-            </a:r>
-          </a:p>
-          <a:p>
-            <a:pPr marL="342900" indent="-342900">
-              <a:buFont typeface="Arial" panose="020B0604020202020204" pitchFamily="34" charset="0"/>
-              <a:buChar char="•"/>
-            </a:pPr>
-            <a:r>
-              <a:rPr lang="en-US" sz="2400" dirty="0">
-                <a:latin typeface="Arial" panose="020B0604020202020204" pitchFamily="34" charset="0"/>
-                <a:cs typeface="Arial" panose="020B0604020202020204" pitchFamily="34" charset="0"/>
-              </a:rPr>
-              <a:t>Producer &amp; Digital Content Creator</a:t>
-            </a:r>
-            <a:r>
-              <a:rPr lang="el-GR" sz="2400" dirty="0">
-                <a:latin typeface="Arial" panose="020B0604020202020204" pitchFamily="34" charset="0"/>
-                <a:cs typeface="Arial" panose="020B0604020202020204" pitchFamily="34" charset="0"/>
-              </a:rPr>
-              <a:t> </a:t>
-            </a:r>
-            <a:r>
-              <a:rPr lang="el-GR" sz="2000" dirty="0">
-                <a:latin typeface="Arial" panose="020B0604020202020204" pitchFamily="34" charset="0"/>
-                <a:cs typeface="Arial" panose="020B0604020202020204" pitchFamily="34" charset="0"/>
-              </a:rPr>
-              <a:t>(</a:t>
-            </a:r>
-            <a:r>
-              <a:rPr lang="en-US" sz="2000" i="1" dirty="0">
-                <a:latin typeface="Arial" panose="020B0604020202020204" pitchFamily="34" charset="0"/>
-                <a:cs typeface="Arial" panose="020B0604020202020204" pitchFamily="34" charset="0"/>
-              </a:rPr>
-              <a:t>Unreal Engine &amp; Google Play marketplace</a:t>
-            </a:r>
-            <a:r>
-              <a:rPr lang="el-GR" sz="2000" i="1" dirty="0">
-                <a:latin typeface="Arial" panose="020B0604020202020204" pitchFamily="34" charset="0"/>
-                <a:cs typeface="Arial" panose="020B0604020202020204" pitchFamily="34" charset="0"/>
-              </a:rPr>
-              <a:t>)</a:t>
-            </a:r>
-            <a:endParaRPr lang="en-US" sz="2400" dirty="0">
-              <a:latin typeface="Arial" panose="020B0604020202020204" pitchFamily="34" charset="0"/>
-              <a:cs typeface="Arial" panose="020B0604020202020204" pitchFamily="34" charset="0"/>
-            </a:endParaRPr>
-          </a:p>
-        </p:txBody>
-      </p:sp>
-    </p:spTree>
-    <p:extLst>
-      <p:ext uri="{BB962C8B-B14F-4D97-AF65-F5344CB8AC3E}">
-        <p14:creationId xmlns:p14="http://schemas.microsoft.com/office/powerpoint/2010/main" val="1217886583"/>
-      </p:ext>
-    </p:extLst>
-  </p:cSld>
-  <p:clrMapOvr>
-    <a:masterClrMapping/>
-  </p:clrMapOvr>
-</p:sld>
-</file>
-
-<file path=ppt/slides/slide20.xml><?xml version="1.0" encoding="utf-8"?>
+<file path=ppt/slides/slide18.xml><?xml version="1.0" encoding="utf-8"?>
 <p:sld xmlns:a="http://schemas.openxmlformats.org/drawingml/2006/main" xmlns:r="http://schemas.openxmlformats.org/officeDocument/2006/relationships" xmlns:p="http://schemas.openxmlformats.org/presentationml/2006/main">
   <p:cSld>
     <p:spTree>
@@ -38035,7 +36550,7 @@
 </p:sld>
 </file>
 
-<file path=ppt/slides/slide21.xml><?xml version="1.0" encoding="utf-8"?>
+<file path=ppt/slides/slide19.xml><?xml version="1.0" encoding="utf-8"?>
 <p:sld xmlns:a="http://schemas.openxmlformats.org/drawingml/2006/main" xmlns:r="http://schemas.openxmlformats.org/officeDocument/2006/relationships" xmlns:p="http://schemas.openxmlformats.org/presentationml/2006/main">
   <p:cSld>
     <p:spTree>
@@ -38127,7 +36642,401 @@
 </p:sld>
 </file>
 
-<file path=ppt/slides/slide22.xml><?xml version="1.0" encoding="utf-8"?>
+<file path=ppt/slides/slide2.xml><?xml version="1.0" encoding="utf-8"?>
+<p:sld xmlns:a="http://schemas.openxmlformats.org/drawingml/2006/main" xmlns:r="http://schemas.openxmlformats.org/officeDocument/2006/relationships" xmlns:p="http://schemas.openxmlformats.org/presentationml/2006/main">
+  <p:cSld>
+    <p:spTree>
+      <p:nvGrpSpPr>
+        <p:cNvPr id="1" name=""/>
+        <p:cNvGrpSpPr/>
+        <p:nvPr/>
+      </p:nvGrpSpPr>
+      <p:grpSpPr>
+        <a:xfrm>
+          <a:off x="0" y="0"/>
+          <a:ext cx="0" cy="0"/>
+          <a:chOff x="0" y="0"/>
+          <a:chExt cx="0" cy="0"/>
+        </a:xfrm>
+      </p:grpSpPr>
+      <p:sp>
+        <p:nvSpPr>
+          <p:cNvPr id="2" name="Title 1">
+            <a:extLst>
+              <a:ext uri="{FF2B5EF4-FFF2-40B4-BE49-F238E27FC236}">
+                <a16:creationId xmlns:a16="http://schemas.microsoft.com/office/drawing/2014/main" id="{097E51FA-115A-4C6B-A05D-3A8EC2DF1D8F}"/>
+              </a:ext>
+            </a:extLst>
+          </p:cNvPr>
+          <p:cNvSpPr>
+            <a:spLocks noGrp="1"/>
+          </p:cNvSpPr>
+          <p:nvPr>
+            <p:ph type="title"/>
+          </p:nvPr>
+        </p:nvSpPr>
+        <p:spPr/>
+        <p:txBody>
+          <a:bodyPr/>
+          <a:lstStyle/>
+          <a:p>
+            <a:pPr algn="l"/>
+            <a:r>
+              <a:rPr lang="el-GR" sz="4400" b="1" dirty="0">
+                <a:latin typeface="Arial" panose="020B0604020202020204" pitchFamily="34" charset="0"/>
+                <a:cs typeface="Arial" panose="020B0604020202020204" pitchFamily="34" charset="0"/>
+              </a:rPr>
+              <a:t>Σχετικά με εμένα:</a:t>
+            </a:r>
+            <a:br>
+              <a:rPr lang="en-US" sz="4400" b="1" dirty="0">
+                <a:latin typeface="Arial" panose="020B0604020202020204" pitchFamily="34" charset="0"/>
+                <a:cs typeface="Arial" panose="020B0604020202020204" pitchFamily="34" charset="0"/>
+              </a:rPr>
+            </a:br>
+            <a:endParaRPr lang="en-US" dirty="0"/>
+          </a:p>
+        </p:txBody>
+      </p:sp>
+      <p:sp>
+        <p:nvSpPr>
+          <p:cNvPr id="3" name="TextBox 2">
+            <a:extLst>
+              <a:ext uri="{FF2B5EF4-FFF2-40B4-BE49-F238E27FC236}">
+                <a16:creationId xmlns:a16="http://schemas.microsoft.com/office/drawing/2014/main" id="{5CF12085-6FAE-4E43-9418-A1962A245D9F}"/>
+              </a:ext>
+            </a:extLst>
+          </p:cNvPr>
+          <p:cNvSpPr txBox="1"/>
+          <p:nvPr/>
+        </p:nvSpPr>
+        <p:spPr>
+          <a:xfrm>
+            <a:off x="457200" y="5460898"/>
+            <a:ext cx="7073537" cy="1200329"/>
+          </a:xfrm>
+          <a:prstGeom prst="rect">
+            <a:avLst/>
+          </a:prstGeom>
+          <a:noFill/>
+        </p:spPr>
+        <p:txBody>
+          <a:bodyPr wrap="square">
+            <a:spAutoFit/>
+          </a:bodyPr>
+          <a:lstStyle/>
+          <a:p>
+            <a:r>
+              <a:rPr lang="en-US" sz="2400" dirty="0">
+                <a:latin typeface="Arial" panose="020B0604020202020204" pitchFamily="34" charset="0"/>
+                <a:cs typeface="Arial" panose="020B0604020202020204" pitchFamily="34" charset="0"/>
+              </a:rPr>
+              <a:t>Portfolio: </a:t>
+            </a:r>
+            <a:r>
+              <a:rPr lang="en-US" sz="2400" dirty="0">
+                <a:latin typeface="Arial" panose="020B0604020202020204" pitchFamily="34" charset="0"/>
+                <a:cs typeface="Arial" panose="020B0604020202020204" pitchFamily="34" charset="0"/>
+                <a:hlinkClick r:id="rId3"/>
+              </a:rPr>
+              <a:t>https://github.com/michailmarkou1995</a:t>
+            </a:r>
+            <a:endParaRPr lang="en-US" sz="2400" dirty="0">
+              <a:latin typeface="Arial" panose="020B0604020202020204" pitchFamily="34" charset="0"/>
+              <a:cs typeface="Arial" panose="020B0604020202020204" pitchFamily="34" charset="0"/>
+            </a:endParaRPr>
+          </a:p>
+          <a:p>
+            <a:r>
+              <a:rPr lang="en-US" sz="2400" dirty="0">
+                <a:latin typeface="Arial" panose="020B0604020202020204" pitchFamily="34" charset="0"/>
+                <a:cs typeface="Arial" panose="020B0604020202020204" pitchFamily="34" charset="0"/>
+              </a:rPr>
+              <a:t>E-mail: </a:t>
+            </a:r>
+            <a:r>
+              <a:rPr lang="en-US" sz="2400" dirty="0">
+                <a:latin typeface="Arial" panose="020B0604020202020204" pitchFamily="34" charset="0"/>
+                <a:cs typeface="Arial" panose="020B0604020202020204" pitchFamily="34" charset="0"/>
+                <a:hlinkClick r:id="rId4"/>
+              </a:rPr>
+              <a:t>mmarkou19b@amcstudent.edu.gr</a:t>
+            </a:r>
+            <a:endParaRPr lang="en-US" sz="2400" dirty="0">
+              <a:latin typeface="Arial" panose="020B0604020202020204" pitchFamily="34" charset="0"/>
+              <a:cs typeface="Arial" panose="020B0604020202020204" pitchFamily="34" charset="0"/>
+            </a:endParaRPr>
+          </a:p>
+          <a:p>
+            <a:endParaRPr lang="en-US" sz="2400" dirty="0">
+              <a:latin typeface="Arial" panose="020B0604020202020204" pitchFamily="34" charset="0"/>
+              <a:cs typeface="Arial" panose="020B0604020202020204" pitchFamily="34" charset="0"/>
+            </a:endParaRPr>
+          </a:p>
+        </p:txBody>
+      </p:sp>
+      <p:sp>
+        <p:nvSpPr>
+          <p:cNvPr id="4" name="TextBox 3">
+            <a:extLst>
+              <a:ext uri="{FF2B5EF4-FFF2-40B4-BE49-F238E27FC236}">
+                <a16:creationId xmlns:a16="http://schemas.microsoft.com/office/drawing/2014/main" id="{E5C26AE8-FCA4-42D6-96C7-AC583D28A14B}"/>
+              </a:ext>
+            </a:extLst>
+          </p:cNvPr>
+          <p:cNvSpPr txBox="1"/>
+          <p:nvPr/>
+        </p:nvSpPr>
+        <p:spPr>
+          <a:xfrm>
+            <a:off x="279400" y="1305914"/>
+            <a:ext cx="8585200" cy="4154984"/>
+          </a:xfrm>
+          <a:prstGeom prst="rect">
+            <a:avLst/>
+          </a:prstGeom>
+          <a:noFill/>
+        </p:spPr>
+        <p:txBody>
+          <a:bodyPr wrap="square" rtlCol="0">
+            <a:spAutoFit/>
+          </a:bodyPr>
+          <a:lstStyle/>
+          <a:p>
+            <a:pPr marL="342900" indent="-342900">
+              <a:buFont typeface="Arial" panose="020B0604020202020204" pitchFamily="34" charset="0"/>
+              <a:buChar char="•"/>
+            </a:pPr>
+            <a:r>
+              <a:rPr lang="en-US" sz="2400" dirty="0">
+                <a:latin typeface="Arial" panose="020B0604020202020204" pitchFamily="34" charset="0"/>
+                <a:cs typeface="Arial" panose="020B0604020202020204" pitchFamily="34" charset="0"/>
+              </a:rPr>
+              <a:t>3</a:t>
+            </a:r>
+            <a:r>
+              <a:rPr lang="el-GR" sz="2400" baseline="30000" dirty="0">
+                <a:latin typeface="Arial" panose="020B0604020202020204" pitchFamily="34" charset="0"/>
+                <a:cs typeface="Arial" panose="020B0604020202020204" pitchFamily="34" charset="0"/>
+              </a:rPr>
+              <a:t>ο</a:t>
+            </a:r>
+            <a:r>
+              <a:rPr lang="el-GR" sz="2400" dirty="0">
+                <a:latin typeface="Arial" panose="020B0604020202020204" pitchFamily="34" charset="0"/>
+                <a:cs typeface="Arial" panose="020B0604020202020204" pitchFamily="34" charset="0"/>
+              </a:rPr>
+              <a:t> έτος</a:t>
+            </a:r>
+            <a:r>
+              <a:rPr lang="en-US" sz="2400" dirty="0">
+                <a:latin typeface="Arial" panose="020B0604020202020204" pitchFamily="34" charset="0"/>
+                <a:cs typeface="Arial" panose="020B0604020202020204" pitchFamily="34" charset="0"/>
+              </a:rPr>
+              <a:t> BSc Computer Science </a:t>
+            </a:r>
+            <a:r>
+              <a:rPr lang="el-GR" sz="2400" dirty="0">
+                <a:latin typeface="Arial" panose="020B0604020202020204" pitchFamily="34" charset="0"/>
+                <a:cs typeface="Arial" panose="020B0604020202020204" pitchFamily="34" charset="0"/>
+              </a:rPr>
+              <a:t>στο Μητροπολιτικό κολλέγιο</a:t>
+            </a:r>
+            <a:endParaRPr lang="en-US" sz="2400" dirty="0">
+              <a:latin typeface="Arial" panose="020B0604020202020204" pitchFamily="34" charset="0"/>
+              <a:cs typeface="Arial" panose="020B0604020202020204" pitchFamily="34" charset="0"/>
+            </a:endParaRPr>
+          </a:p>
+          <a:p>
+            <a:pPr marL="342900" indent="-342900">
+              <a:buFont typeface="Arial" panose="020B0604020202020204" pitchFamily="34" charset="0"/>
+              <a:buChar char="•"/>
+            </a:pPr>
+            <a:r>
+              <a:rPr lang="en-US" sz="2400" dirty="0">
+                <a:latin typeface="Arial" panose="020B0604020202020204" pitchFamily="34" charset="0"/>
+                <a:cs typeface="Arial" panose="020B0604020202020204" pitchFamily="34" charset="0"/>
+              </a:rPr>
+              <a:t>Internship </a:t>
+            </a:r>
+            <a:r>
+              <a:rPr lang="el-GR" sz="2400" dirty="0">
+                <a:latin typeface="Arial" panose="020B0604020202020204" pitchFamily="34" charset="0"/>
+                <a:cs typeface="Arial" panose="020B0604020202020204" pitchFamily="34" charset="0"/>
+              </a:rPr>
+              <a:t>«</a:t>
+            </a:r>
+            <a:r>
+              <a:rPr lang="en-US" sz="2400" dirty="0">
+                <a:latin typeface="Arial" panose="020B0604020202020204" pitchFamily="34" charset="0"/>
+                <a:cs typeface="Arial" panose="020B0604020202020204" pitchFamily="34" charset="0"/>
+              </a:rPr>
+              <a:t>Internet Service Provider Network Engineer</a:t>
+            </a:r>
+            <a:r>
+              <a:rPr lang="el-GR" sz="2400" dirty="0">
+                <a:latin typeface="Arial" panose="020B0604020202020204" pitchFamily="34" charset="0"/>
+                <a:cs typeface="Arial" panose="020B0604020202020204" pitchFamily="34" charset="0"/>
+              </a:rPr>
+              <a:t>»</a:t>
+            </a:r>
+            <a:endParaRPr lang="en-US" sz="2400" dirty="0">
+              <a:latin typeface="Arial" panose="020B0604020202020204" pitchFamily="34" charset="0"/>
+              <a:cs typeface="Arial" panose="020B0604020202020204" pitchFamily="34" charset="0"/>
+            </a:endParaRPr>
+          </a:p>
+          <a:p>
+            <a:pPr marL="342900" indent="-342900">
+              <a:buFont typeface="Arial" panose="020B0604020202020204" pitchFamily="34" charset="0"/>
+              <a:buChar char="•"/>
+            </a:pPr>
+            <a:r>
+              <a:rPr lang="en-US" sz="2400" dirty="0">
+                <a:latin typeface="Arial" panose="020B0604020202020204" pitchFamily="34" charset="0"/>
+                <a:cs typeface="Arial" panose="020B0604020202020204" pitchFamily="34" charset="0"/>
+              </a:rPr>
+              <a:t>Unreal Engine Game Developer</a:t>
+            </a:r>
+          </a:p>
+          <a:p>
+            <a:pPr marL="342900" indent="-342900">
+              <a:buFont typeface="Arial" panose="020B0604020202020204" pitchFamily="34" charset="0"/>
+              <a:buChar char="•"/>
+            </a:pPr>
+            <a:r>
+              <a:rPr lang="en-US" sz="2400" dirty="0">
+                <a:latin typeface="Arial" panose="020B0604020202020204" pitchFamily="34" charset="0"/>
+                <a:cs typeface="Arial" panose="020B0604020202020204" pitchFamily="34" charset="0"/>
+              </a:rPr>
+              <a:t>VR/AR</a:t>
+            </a:r>
+          </a:p>
+          <a:p>
+            <a:pPr marL="342900" indent="-342900">
+              <a:buFont typeface="Arial" panose="020B0604020202020204" pitchFamily="34" charset="0"/>
+              <a:buChar char="•"/>
+            </a:pPr>
+            <a:r>
+              <a:rPr lang="en-US" sz="2400" dirty="0">
+                <a:latin typeface="Arial" panose="020B0604020202020204" pitchFamily="34" charset="0"/>
+                <a:cs typeface="Arial" panose="020B0604020202020204" pitchFamily="34" charset="0"/>
+              </a:rPr>
+              <a:t>Multiplayer driven</a:t>
+            </a:r>
+          </a:p>
+          <a:p>
+            <a:pPr marL="342900" indent="-342900">
+              <a:buFont typeface="Arial" panose="020B0604020202020204" pitchFamily="34" charset="0"/>
+              <a:buChar char="•"/>
+            </a:pPr>
+            <a:r>
+              <a:rPr lang="en-US" sz="2400" dirty="0">
+                <a:latin typeface="Arial" panose="020B0604020202020204" pitchFamily="34" charset="0"/>
+                <a:cs typeface="Arial" panose="020B0604020202020204" pitchFamily="34" charset="0"/>
+              </a:rPr>
+              <a:t>Gameplay Mechanics</a:t>
+            </a:r>
+          </a:p>
+          <a:p>
+            <a:pPr marL="342900" indent="-342900">
+              <a:buFont typeface="Arial" panose="020B0604020202020204" pitchFamily="34" charset="0"/>
+              <a:buChar char="•"/>
+            </a:pPr>
+            <a:r>
+              <a:rPr lang="en-US" sz="2400" dirty="0">
+                <a:latin typeface="Arial" panose="020B0604020202020204" pitchFamily="34" charset="0"/>
+                <a:cs typeface="Arial" panose="020B0604020202020204" pitchFamily="34" charset="0"/>
+              </a:rPr>
+              <a:t>Sound Effect Artist</a:t>
+            </a:r>
+          </a:p>
+          <a:p>
+            <a:pPr marL="342900" indent="-342900">
+              <a:buFont typeface="Arial" panose="020B0604020202020204" pitchFamily="34" charset="0"/>
+              <a:buChar char="•"/>
+            </a:pPr>
+            <a:r>
+              <a:rPr lang="en-US" sz="2400" dirty="0">
+                <a:latin typeface="Arial" panose="020B0604020202020204" pitchFamily="34" charset="0"/>
+                <a:cs typeface="Arial" panose="020B0604020202020204" pitchFamily="34" charset="0"/>
+              </a:rPr>
+              <a:t>Visual Effect Artist</a:t>
+            </a:r>
+          </a:p>
+          <a:p>
+            <a:pPr marL="342900" indent="-342900">
+              <a:buFont typeface="Arial" panose="020B0604020202020204" pitchFamily="34" charset="0"/>
+              <a:buChar char="•"/>
+            </a:pPr>
+            <a:r>
+              <a:rPr lang="en-US" sz="2400" dirty="0">
+                <a:latin typeface="Arial" panose="020B0604020202020204" pitchFamily="34" charset="0"/>
+                <a:cs typeface="Arial" panose="020B0604020202020204" pitchFamily="34" charset="0"/>
+              </a:rPr>
+              <a:t>3D Architectural Visualization &amp; modeling</a:t>
+            </a:r>
+          </a:p>
+          <a:p>
+            <a:pPr marL="342900" indent="-342900">
+              <a:buFont typeface="Arial" panose="020B0604020202020204" pitchFamily="34" charset="0"/>
+              <a:buChar char="•"/>
+            </a:pPr>
+            <a:r>
+              <a:rPr lang="en-US" sz="2400" dirty="0">
+                <a:latin typeface="Arial" panose="020B0604020202020204" pitchFamily="34" charset="0"/>
+                <a:cs typeface="Arial" panose="020B0604020202020204" pitchFamily="34" charset="0"/>
+              </a:rPr>
+              <a:t>Producer &amp; Digital Content Creator</a:t>
+            </a:r>
+            <a:r>
+              <a:rPr lang="el-GR" sz="2400" dirty="0">
+                <a:latin typeface="Arial" panose="020B0604020202020204" pitchFamily="34" charset="0"/>
+                <a:cs typeface="Arial" panose="020B0604020202020204" pitchFamily="34" charset="0"/>
+              </a:rPr>
+              <a:t> </a:t>
+            </a:r>
+            <a:r>
+              <a:rPr lang="el-GR" sz="2000" dirty="0">
+                <a:latin typeface="Arial" panose="020B0604020202020204" pitchFamily="34" charset="0"/>
+                <a:cs typeface="Arial" panose="020B0604020202020204" pitchFamily="34" charset="0"/>
+              </a:rPr>
+              <a:t>(</a:t>
+            </a:r>
+            <a:r>
+              <a:rPr lang="en-US" sz="2000" i="1" dirty="0">
+                <a:latin typeface="Arial" panose="020B0604020202020204" pitchFamily="34" charset="0"/>
+                <a:cs typeface="Arial" panose="020B0604020202020204" pitchFamily="34" charset="0"/>
+              </a:rPr>
+              <a:t>Unreal Engine &amp; Google Play marketplace</a:t>
+            </a:r>
+            <a:r>
+              <a:rPr lang="el-GR" sz="2000" i="1" dirty="0">
+                <a:latin typeface="Arial" panose="020B0604020202020204" pitchFamily="34" charset="0"/>
+                <a:cs typeface="Arial" panose="020B0604020202020204" pitchFamily="34" charset="0"/>
+              </a:rPr>
+              <a:t>)</a:t>
+            </a:r>
+            <a:endParaRPr lang="en-US" sz="2400" dirty="0">
+              <a:latin typeface="Arial" panose="020B0604020202020204" pitchFamily="34" charset="0"/>
+              <a:cs typeface="Arial" panose="020B0604020202020204" pitchFamily="34" charset="0"/>
+            </a:endParaRPr>
+          </a:p>
+        </p:txBody>
+      </p:sp>
+    </p:spTree>
+    <p:extLst>
+      <p:ext uri="{BB962C8B-B14F-4D97-AF65-F5344CB8AC3E}">
+        <p14:creationId xmlns:p14="http://schemas.microsoft.com/office/powerpoint/2010/main" val="1217886583"/>
+      </p:ext>
+    </p:extLst>
+  </p:cSld>
+  <p:clrMapOvr>
+    <a:masterClrMapping/>
+  </p:clrMapOvr>
+</p:sld>
+</file>
+
+<file path=ppt/slides/slide20.xml><?xml version="1.0" encoding="utf-8"?>
 <p:sld xmlns:a="http://schemas.openxmlformats.org/drawingml/2006/main" xmlns:r="http://schemas.openxmlformats.org/officeDocument/2006/relationships" xmlns:p="http://schemas.openxmlformats.org/presentationml/2006/main">
   <p:cSld>
     <p:spTree>
@@ -39529,7 +38438,7 @@
 </p:sld>
 </file>
 
-<file path=ppt/slides/slide23.xml><?xml version="1.0" encoding="utf-8"?>
+<file path=ppt/slides/slide21.xml><?xml version="1.0" encoding="utf-8"?>
 <p:sld xmlns:a="http://schemas.openxmlformats.org/drawingml/2006/main" xmlns:r="http://schemas.openxmlformats.org/officeDocument/2006/relationships" xmlns:p="http://schemas.openxmlformats.org/presentationml/2006/main">
   <p:cSld>
     <p:spTree>
@@ -39765,7 +38674,7 @@
 </p:sld>
 </file>
 
-<file path=ppt/slides/slide24.xml><?xml version="1.0" encoding="utf-8"?>
+<file path=ppt/slides/slide22.xml><?xml version="1.0" encoding="utf-8"?>
 <p:sld xmlns:a="http://schemas.openxmlformats.org/drawingml/2006/main" xmlns:r="http://schemas.openxmlformats.org/officeDocument/2006/relationships" xmlns:p="http://schemas.openxmlformats.org/presentationml/2006/main">
   <p:cSld>
     <p:spTree>
@@ -40722,7 +39631,7 @@
 </p:sld>
 </file>
 
-<file path=ppt/slides/slide25.xml><?xml version="1.0" encoding="utf-8"?>
+<file path=ppt/slides/slide23.xml><?xml version="1.0" encoding="utf-8"?>
 <p:sld xmlns:a="http://schemas.openxmlformats.org/drawingml/2006/main" xmlns:r="http://schemas.openxmlformats.org/officeDocument/2006/relationships" xmlns:p="http://schemas.openxmlformats.org/presentationml/2006/main">
   <p:cSld>
     <p:spTree>
@@ -41486,7 +40395,7 @@
 </p:sld>
 </file>
 
-<file path=ppt/slides/slide26.xml><?xml version="1.0" encoding="utf-8"?>
+<file path=ppt/slides/slide24.xml><?xml version="1.0" encoding="utf-8"?>
 <p:sld xmlns:a="http://schemas.openxmlformats.org/drawingml/2006/main" xmlns:r="http://schemas.openxmlformats.org/officeDocument/2006/relationships" xmlns:p="http://schemas.openxmlformats.org/presentationml/2006/main">
   <p:cSld>
     <p:spTree>
@@ -42327,7 +41236,7 @@
 </p:sld>
 </file>
 
-<file path=ppt/slides/slide27.xml><?xml version="1.0" encoding="utf-8"?>
+<file path=ppt/slides/slide25.xml><?xml version="1.0" encoding="utf-8"?>
 <p:sld xmlns:a="http://schemas.openxmlformats.org/drawingml/2006/main" xmlns:r="http://schemas.openxmlformats.org/officeDocument/2006/relationships" xmlns:p="http://schemas.openxmlformats.org/presentationml/2006/main">
   <p:cSld>
     <p:spTree>
@@ -42750,7 +41659,7 @@
 </p:sld>
 </file>
 
-<file path=ppt/slides/slide28.xml><?xml version="1.0" encoding="utf-8"?>
+<file path=ppt/slides/slide26.xml><?xml version="1.0" encoding="utf-8"?>
 <p:sld xmlns:a="http://schemas.openxmlformats.org/drawingml/2006/main" xmlns:r="http://schemas.openxmlformats.org/officeDocument/2006/relationships" xmlns:p="http://schemas.openxmlformats.org/presentationml/2006/main">
   <p:cSld>
     <p:spTree>
@@ -42900,7 +41809,7 @@
 </p:sld>
 </file>
 
-<file path=ppt/slides/slide29.xml><?xml version="1.0" encoding="utf-8"?>
+<file path=ppt/slides/slide27.xml><?xml version="1.0" encoding="utf-8"?>
 <p:sld xmlns:a="http://schemas.openxmlformats.org/drawingml/2006/main" xmlns:r="http://schemas.openxmlformats.org/officeDocument/2006/relationships" xmlns:p="http://schemas.openxmlformats.org/presentationml/2006/main">
   <p:cSld>
     <p:spTree>
@@ -45923,225 +44832,7 @@
 </p:sld>
 </file>
 
-<file path=ppt/slides/slide3.xml><?xml version="1.0" encoding="utf-8"?>
-<p:sld xmlns:a="http://schemas.openxmlformats.org/drawingml/2006/main" xmlns:r="http://schemas.openxmlformats.org/officeDocument/2006/relationships" xmlns:p="http://schemas.openxmlformats.org/presentationml/2006/main">
-  <p:cSld>
-    <p:spTree>
-      <p:nvGrpSpPr>
-        <p:cNvPr id="1" name=""/>
-        <p:cNvGrpSpPr/>
-        <p:nvPr/>
-      </p:nvGrpSpPr>
-      <p:grpSpPr>
-        <a:xfrm>
-          <a:off x="0" y="0"/>
-          <a:ext cx="0" cy="0"/>
-          <a:chOff x="0" y="0"/>
-          <a:chExt cx="0" cy="0"/>
-        </a:xfrm>
-      </p:grpSpPr>
-      <p:sp>
-        <p:nvSpPr>
-          <p:cNvPr id="2" name="Title 1">
-            <a:extLst>
-              <a:ext uri="{FF2B5EF4-FFF2-40B4-BE49-F238E27FC236}">
-                <a16:creationId xmlns:a16="http://schemas.microsoft.com/office/drawing/2014/main" id="{D342396B-938A-4C1B-AD28-0DF94337EC48}"/>
-              </a:ext>
-            </a:extLst>
-          </p:cNvPr>
-          <p:cNvSpPr>
-            <a:spLocks noGrp="1"/>
-          </p:cNvSpPr>
-          <p:nvPr>
-            <p:ph type="title"/>
-          </p:nvPr>
-        </p:nvSpPr>
-        <p:spPr/>
-        <p:txBody>
-          <a:bodyPr/>
-          <a:lstStyle/>
-          <a:p>
-            <a:r>
-              <a:rPr lang="el-GR" sz="4400" b="1" dirty="0">
-                <a:latin typeface="Arial" panose="020B0604020202020204" pitchFamily="34" charset="0"/>
-                <a:cs typeface="Arial" panose="020B0604020202020204" pitchFamily="34" charset="0"/>
-              </a:rPr>
-              <a:t>ΕΥΧΑΡΙΣΤΙΕΣ</a:t>
-            </a:r>
-            <a:endParaRPr lang="en-US" dirty="0"/>
-          </a:p>
-        </p:txBody>
-      </p:sp>
-      <p:sp>
-        <p:nvSpPr>
-          <p:cNvPr id="3" name="TextBox 2">
-            <a:extLst>
-              <a:ext uri="{FF2B5EF4-FFF2-40B4-BE49-F238E27FC236}">
-                <a16:creationId xmlns:a16="http://schemas.microsoft.com/office/drawing/2014/main" id="{A3F75271-3A63-47C3-B8C4-9AB9E2F6C368}"/>
-              </a:ext>
-            </a:extLst>
-          </p:cNvPr>
-          <p:cNvSpPr txBox="1"/>
-          <p:nvPr/>
-        </p:nvSpPr>
-        <p:spPr>
-          <a:xfrm>
-            <a:off x="0" y="1024917"/>
-            <a:ext cx="8229600" cy="5027017"/>
-          </a:xfrm>
-          <a:prstGeom prst="rect">
-            <a:avLst/>
-          </a:prstGeom>
-          <a:noFill/>
-        </p:spPr>
-        <p:txBody>
-          <a:bodyPr wrap="square">
-            <a:spAutoFit/>
-          </a:bodyPr>
-          <a:lstStyle/>
-          <a:p>
-            <a:pPr marL="0" marR="0" algn="just">
-              <a:lnSpc>
-                <a:spcPct val="150000"/>
-              </a:lnSpc>
-              <a:spcBef>
-                <a:spcPts val="0"/>
-              </a:spcBef>
-              <a:spcAft>
-                <a:spcPts val="800"/>
-              </a:spcAft>
-            </a:pPr>
-            <a:r>
-              <a:rPr lang="el-GR" sz="1800" dirty="0">
-                <a:effectLst/>
-                <a:latin typeface="Arial" panose="020B0604020202020204" pitchFamily="34" charset="0"/>
-                <a:ea typeface="Calibri" panose="020F0502020204030204" pitchFamily="34" charset="0"/>
-                <a:cs typeface="Arial" panose="020B0604020202020204" pitchFamily="34" charset="0"/>
-              </a:rPr>
-              <a:t>Θα ήθελα να ευχαριστήσω θερμά όλους όσους συνέβαλαν με τον τρόπο τους στην επιτυχή εκπόνηση της διπλωματικής μου εργασίας, και ιδιαιτέρως τον υπεύθυνο καθηγητή για την διπλωματική μου εργασία Δρ.</a:t>
-            </a:r>
-            <a:r>
-              <a:rPr lang="en-US" sz="1800" dirty="0">
-                <a:effectLst/>
-                <a:latin typeface="Arial" panose="020B0604020202020204" pitchFamily="34" charset="0"/>
-                <a:ea typeface="Calibri" panose="020F0502020204030204" pitchFamily="34" charset="0"/>
-                <a:cs typeface="Arial" panose="020B0604020202020204" pitchFamily="34" charset="0"/>
-              </a:rPr>
-              <a:t> </a:t>
-            </a:r>
-            <a:r>
-              <a:rPr lang="el-GR" sz="1800" dirty="0" err="1">
-                <a:effectLst/>
-                <a:latin typeface="Arial" panose="020B0604020202020204" pitchFamily="34" charset="0"/>
-                <a:ea typeface="Calibri" panose="020F0502020204030204" pitchFamily="34" charset="0"/>
-                <a:cs typeface="Arial" panose="020B0604020202020204" pitchFamily="34" charset="0"/>
-              </a:rPr>
-              <a:t>Φραντζίδη</a:t>
-            </a:r>
-            <a:r>
-              <a:rPr lang="el-GR" sz="1800" dirty="0">
-                <a:effectLst/>
-                <a:latin typeface="Arial" panose="020B0604020202020204" pitchFamily="34" charset="0"/>
-                <a:ea typeface="Calibri" panose="020F0502020204030204" pitchFamily="34" charset="0"/>
-                <a:cs typeface="Arial" panose="020B0604020202020204" pitchFamily="34" charset="0"/>
-              </a:rPr>
-              <a:t> Χρήστο ήταν πάντοτε πρόθυμος και διαθέσιμος να μου λύσει οποιαδήποτε απορία, ενώ παράλληλα με καθοδήγησε με τις πολύτιμες συμβουλές του στην σωστή συγγραφή της εργασίας αλλά και άλλους καθηγητές/υπεύθυνους του προγράμματος της σχολής μου με παροχή σεμιναρίων/</a:t>
-            </a:r>
-            <a:r>
-              <a:rPr lang="en-US" sz="1800" dirty="0">
-                <a:effectLst/>
-                <a:latin typeface="Arial" panose="020B0604020202020204" pitchFamily="34" charset="0"/>
-                <a:ea typeface="Calibri" panose="020F0502020204030204" pitchFamily="34" charset="0"/>
-                <a:cs typeface="Arial" panose="020B0604020202020204" pitchFamily="34" charset="0"/>
-              </a:rPr>
-              <a:t>workshops</a:t>
-            </a:r>
-            <a:r>
-              <a:rPr lang="el-GR" sz="1800" dirty="0">
-                <a:effectLst/>
-                <a:latin typeface="Arial" panose="020B0604020202020204" pitchFamily="34" charset="0"/>
-                <a:ea typeface="Calibri" panose="020F0502020204030204" pitchFamily="34" charset="0"/>
-                <a:cs typeface="Arial" panose="020B0604020202020204" pitchFamily="34" charset="0"/>
-              </a:rPr>
-              <a:t> ενημερώσεων δεξιοτήτων και νέας γνώσεις αλλά και υποστήριξη διαδικτυακών </a:t>
-            </a:r>
-            <a:r>
-              <a:rPr lang="el-GR" sz="1800" dirty="0" err="1">
-                <a:effectLst/>
-                <a:latin typeface="Arial" panose="020B0604020202020204" pitchFamily="34" charset="0"/>
-                <a:ea typeface="Calibri" panose="020F0502020204030204" pitchFamily="34" charset="0"/>
-                <a:cs typeface="Arial" panose="020B0604020202020204" pitchFamily="34" charset="0"/>
-              </a:rPr>
-              <a:t>πλατφόρμων</a:t>
-            </a:r>
-            <a:r>
-              <a:rPr lang="el-GR" sz="1800" dirty="0">
-                <a:effectLst/>
-                <a:latin typeface="Arial" panose="020B0604020202020204" pitchFamily="34" charset="0"/>
-                <a:ea typeface="Calibri" panose="020F0502020204030204" pitchFamily="34" charset="0"/>
-                <a:cs typeface="Arial" panose="020B0604020202020204" pitchFamily="34" charset="0"/>
-              </a:rPr>
-              <a:t> του κολλεγίου και πληθώρα υλικού της βιβλιοθήκη του </a:t>
-            </a:r>
-            <a:r>
-              <a:rPr lang="en-US" sz="1800" dirty="0">
-                <a:effectLst/>
-                <a:latin typeface="Arial" panose="020B0604020202020204" pitchFamily="34" charset="0"/>
-                <a:ea typeface="Calibri" panose="020F0502020204030204" pitchFamily="34" charset="0"/>
-                <a:cs typeface="Arial" panose="020B0604020202020204" pitchFamily="34" charset="0"/>
-              </a:rPr>
-              <a:t>AMC</a:t>
-            </a:r>
-            <a:r>
-              <a:rPr lang="el-GR" sz="1800" dirty="0">
-                <a:effectLst/>
-                <a:latin typeface="Arial" panose="020B0604020202020204" pitchFamily="34" charset="0"/>
-                <a:ea typeface="Calibri" panose="020F0502020204030204" pitchFamily="34" charset="0"/>
-                <a:cs typeface="Arial" panose="020B0604020202020204" pitchFamily="34" charset="0"/>
-              </a:rPr>
-              <a:t> Μητροπολιτικού για την διεκπεραίωση της εργασίας αυτής. Επιπλέον, θα ήθελα να πω και ένα μεγάλο ευχαριστώ στην οικογένεια μου και τα ζωάκια μου (</a:t>
-            </a:r>
-            <a:r>
-              <a:rPr lang="en-US" sz="1800" i="1" dirty="0">
-                <a:effectLst/>
-                <a:latin typeface="Arial" panose="020B0604020202020204" pitchFamily="34" charset="0"/>
-                <a:ea typeface="Calibri" panose="020F0502020204030204" pitchFamily="34" charset="0"/>
-                <a:cs typeface="Arial" panose="020B0604020202020204" pitchFamily="34" charset="0"/>
-              </a:rPr>
-              <a:t>dogs</a:t>
-            </a:r>
-            <a:r>
-              <a:rPr lang="el-GR" sz="1800" dirty="0">
-                <a:effectLst/>
-                <a:latin typeface="Arial" panose="020B0604020202020204" pitchFamily="34" charset="0"/>
-                <a:ea typeface="Calibri" panose="020F0502020204030204" pitchFamily="34" charset="0"/>
-                <a:cs typeface="Arial" panose="020B0604020202020204" pitchFamily="34" charset="0"/>
-              </a:rPr>
-              <a:t>), οι οποίοι με στήριξαν και με ενθάρρυναν καθ’ όλη τη διάρκεια.</a:t>
-            </a:r>
-            <a:endParaRPr lang="en-US" sz="1800" dirty="0">
-              <a:effectLst/>
-              <a:latin typeface="Arial" panose="020B0604020202020204" pitchFamily="34" charset="0"/>
-              <a:ea typeface="Calibri" panose="020F0502020204030204" pitchFamily="34" charset="0"/>
-              <a:cs typeface="Times New Roman" panose="02020603050405020304" pitchFamily="18" charset="0"/>
-            </a:endParaRPr>
-          </a:p>
-        </p:txBody>
-      </p:sp>
-    </p:spTree>
-    <p:extLst>
-      <p:ext uri="{BB962C8B-B14F-4D97-AF65-F5344CB8AC3E}">
-        <p14:creationId xmlns:p14="http://schemas.microsoft.com/office/powerpoint/2010/main" val="3509470717"/>
-      </p:ext>
-    </p:extLst>
-  </p:cSld>
-  <p:clrMapOvr>
-    <a:masterClrMapping/>
-  </p:clrMapOvr>
-</p:sld>
-</file>
-
-<file path=ppt/slides/slide30.xml><?xml version="1.0" encoding="utf-8"?>
+<file path=ppt/slides/slide28.xml><?xml version="1.0" encoding="utf-8"?>
 <p:sld xmlns:a="http://schemas.openxmlformats.org/drawingml/2006/main" xmlns:r="http://schemas.openxmlformats.org/officeDocument/2006/relationships" xmlns:p="http://schemas.openxmlformats.org/presentationml/2006/main">
   <p:cSld>
     <p:spTree>
@@ -46207,7 +44898,7 @@
 </p:sld>
 </file>
 
-<file path=ppt/slides/slide31.xml><?xml version="1.0" encoding="utf-8"?>
+<file path=ppt/slides/slide29.xml><?xml version="1.0" encoding="utf-8"?>
 <p:sld xmlns:a="http://schemas.openxmlformats.org/drawingml/2006/main" xmlns:r="http://schemas.openxmlformats.org/officeDocument/2006/relationships" xmlns:p="http://schemas.openxmlformats.org/presentationml/2006/main">
   <p:cSld>
     <p:spTree>
@@ -46633,6 +45324,224 @@
     <p:extLst>
       <p:ext uri="{BB962C8B-B14F-4D97-AF65-F5344CB8AC3E}">
         <p14:creationId xmlns:p14="http://schemas.microsoft.com/office/powerpoint/2010/main" val="4128740720"/>
+      </p:ext>
+    </p:extLst>
+  </p:cSld>
+  <p:clrMapOvr>
+    <a:masterClrMapping/>
+  </p:clrMapOvr>
+</p:sld>
+</file>
+
+<file path=ppt/slides/slide3.xml><?xml version="1.0" encoding="utf-8"?>
+<p:sld xmlns:a="http://schemas.openxmlformats.org/drawingml/2006/main" xmlns:r="http://schemas.openxmlformats.org/officeDocument/2006/relationships" xmlns:p="http://schemas.openxmlformats.org/presentationml/2006/main">
+  <p:cSld>
+    <p:spTree>
+      <p:nvGrpSpPr>
+        <p:cNvPr id="1" name=""/>
+        <p:cNvGrpSpPr/>
+        <p:nvPr/>
+      </p:nvGrpSpPr>
+      <p:grpSpPr>
+        <a:xfrm>
+          <a:off x="0" y="0"/>
+          <a:ext cx="0" cy="0"/>
+          <a:chOff x="0" y="0"/>
+          <a:chExt cx="0" cy="0"/>
+        </a:xfrm>
+      </p:grpSpPr>
+      <p:sp>
+        <p:nvSpPr>
+          <p:cNvPr id="2" name="Title 1">
+            <a:extLst>
+              <a:ext uri="{FF2B5EF4-FFF2-40B4-BE49-F238E27FC236}">
+                <a16:creationId xmlns:a16="http://schemas.microsoft.com/office/drawing/2014/main" id="{D342396B-938A-4C1B-AD28-0DF94337EC48}"/>
+              </a:ext>
+            </a:extLst>
+          </p:cNvPr>
+          <p:cNvSpPr>
+            <a:spLocks noGrp="1"/>
+          </p:cNvSpPr>
+          <p:nvPr>
+            <p:ph type="title"/>
+          </p:nvPr>
+        </p:nvSpPr>
+        <p:spPr/>
+        <p:txBody>
+          <a:bodyPr/>
+          <a:lstStyle/>
+          <a:p>
+            <a:r>
+              <a:rPr lang="el-GR" sz="4400" b="1" dirty="0">
+                <a:latin typeface="Arial" panose="020B0604020202020204" pitchFamily="34" charset="0"/>
+                <a:cs typeface="Arial" panose="020B0604020202020204" pitchFamily="34" charset="0"/>
+              </a:rPr>
+              <a:t>ΕΥΧΑΡΙΣΤΙΕΣ</a:t>
+            </a:r>
+            <a:endParaRPr lang="en-US" dirty="0"/>
+          </a:p>
+        </p:txBody>
+      </p:sp>
+      <p:sp>
+        <p:nvSpPr>
+          <p:cNvPr id="3" name="TextBox 2">
+            <a:extLst>
+              <a:ext uri="{FF2B5EF4-FFF2-40B4-BE49-F238E27FC236}">
+                <a16:creationId xmlns:a16="http://schemas.microsoft.com/office/drawing/2014/main" id="{A3F75271-3A63-47C3-B8C4-9AB9E2F6C368}"/>
+              </a:ext>
+            </a:extLst>
+          </p:cNvPr>
+          <p:cNvSpPr txBox="1"/>
+          <p:nvPr/>
+        </p:nvSpPr>
+        <p:spPr>
+          <a:xfrm>
+            <a:off x="0" y="1024917"/>
+            <a:ext cx="8229600" cy="5027017"/>
+          </a:xfrm>
+          <a:prstGeom prst="rect">
+            <a:avLst/>
+          </a:prstGeom>
+          <a:noFill/>
+        </p:spPr>
+        <p:txBody>
+          <a:bodyPr wrap="square">
+            <a:spAutoFit/>
+          </a:bodyPr>
+          <a:lstStyle/>
+          <a:p>
+            <a:pPr marL="0" marR="0" algn="just">
+              <a:lnSpc>
+                <a:spcPct val="150000"/>
+              </a:lnSpc>
+              <a:spcBef>
+                <a:spcPts val="0"/>
+              </a:spcBef>
+              <a:spcAft>
+                <a:spcPts val="800"/>
+              </a:spcAft>
+            </a:pPr>
+            <a:r>
+              <a:rPr lang="el-GR" sz="1800" dirty="0">
+                <a:effectLst/>
+                <a:latin typeface="Arial" panose="020B0604020202020204" pitchFamily="34" charset="0"/>
+                <a:ea typeface="Calibri" panose="020F0502020204030204" pitchFamily="34" charset="0"/>
+                <a:cs typeface="Arial" panose="020B0604020202020204" pitchFamily="34" charset="0"/>
+              </a:rPr>
+              <a:t>Θα ήθελα να ευχαριστήσω θερμά όλους όσους συνέβαλαν με τον τρόπο τους στην επιτυχή εκπόνηση της διπλωματικής μου εργασίας, και ιδιαιτέρως τον υπεύθυνο καθηγητή για την διπλωματική μου εργασία Δρ.</a:t>
+            </a:r>
+            <a:r>
+              <a:rPr lang="en-US" sz="1800" dirty="0">
+                <a:effectLst/>
+                <a:latin typeface="Arial" panose="020B0604020202020204" pitchFamily="34" charset="0"/>
+                <a:ea typeface="Calibri" panose="020F0502020204030204" pitchFamily="34" charset="0"/>
+                <a:cs typeface="Arial" panose="020B0604020202020204" pitchFamily="34" charset="0"/>
+              </a:rPr>
+              <a:t> </a:t>
+            </a:r>
+            <a:r>
+              <a:rPr lang="el-GR" sz="1800" dirty="0" err="1">
+                <a:effectLst/>
+                <a:latin typeface="Arial" panose="020B0604020202020204" pitchFamily="34" charset="0"/>
+                <a:ea typeface="Calibri" panose="020F0502020204030204" pitchFamily="34" charset="0"/>
+                <a:cs typeface="Arial" panose="020B0604020202020204" pitchFamily="34" charset="0"/>
+              </a:rPr>
+              <a:t>Φραντζίδη</a:t>
+            </a:r>
+            <a:r>
+              <a:rPr lang="el-GR" sz="1800" dirty="0">
+                <a:effectLst/>
+                <a:latin typeface="Arial" panose="020B0604020202020204" pitchFamily="34" charset="0"/>
+                <a:ea typeface="Calibri" panose="020F0502020204030204" pitchFamily="34" charset="0"/>
+                <a:cs typeface="Arial" panose="020B0604020202020204" pitchFamily="34" charset="0"/>
+              </a:rPr>
+              <a:t> Χρήστο ήταν πάντοτε πρόθυμος και διαθέσιμος να μου λύσει οποιαδήποτε απορία, ενώ παράλληλα με καθοδήγησε με τις πολύτιμες συμβουλές του στην σωστή συγγραφή της εργασίας αλλά και άλλους καθηγητές/υπεύθυνους του προγράμματος της σχολής μου με παροχή σεμιναρίων/</a:t>
+            </a:r>
+            <a:r>
+              <a:rPr lang="en-US" sz="1800" dirty="0">
+                <a:effectLst/>
+                <a:latin typeface="Arial" panose="020B0604020202020204" pitchFamily="34" charset="0"/>
+                <a:ea typeface="Calibri" panose="020F0502020204030204" pitchFamily="34" charset="0"/>
+                <a:cs typeface="Arial" panose="020B0604020202020204" pitchFamily="34" charset="0"/>
+              </a:rPr>
+              <a:t>workshops</a:t>
+            </a:r>
+            <a:r>
+              <a:rPr lang="el-GR" sz="1800" dirty="0">
+                <a:effectLst/>
+                <a:latin typeface="Arial" panose="020B0604020202020204" pitchFamily="34" charset="0"/>
+                <a:ea typeface="Calibri" panose="020F0502020204030204" pitchFamily="34" charset="0"/>
+                <a:cs typeface="Arial" panose="020B0604020202020204" pitchFamily="34" charset="0"/>
+              </a:rPr>
+              <a:t> ενημερώσεων δεξιοτήτων και νέας γνώσεις αλλά και υποστήριξη διαδικτυακών </a:t>
+            </a:r>
+            <a:r>
+              <a:rPr lang="el-GR" sz="1800" dirty="0" err="1">
+                <a:effectLst/>
+                <a:latin typeface="Arial" panose="020B0604020202020204" pitchFamily="34" charset="0"/>
+                <a:ea typeface="Calibri" panose="020F0502020204030204" pitchFamily="34" charset="0"/>
+                <a:cs typeface="Arial" panose="020B0604020202020204" pitchFamily="34" charset="0"/>
+              </a:rPr>
+              <a:t>πλατφόρμων</a:t>
+            </a:r>
+            <a:r>
+              <a:rPr lang="el-GR" sz="1800" dirty="0">
+                <a:effectLst/>
+                <a:latin typeface="Arial" panose="020B0604020202020204" pitchFamily="34" charset="0"/>
+                <a:ea typeface="Calibri" panose="020F0502020204030204" pitchFamily="34" charset="0"/>
+                <a:cs typeface="Arial" panose="020B0604020202020204" pitchFamily="34" charset="0"/>
+              </a:rPr>
+              <a:t> του κολλεγίου και πληθώρα υλικού της βιβλιοθήκη του </a:t>
+            </a:r>
+            <a:r>
+              <a:rPr lang="en-US" sz="1800" dirty="0">
+                <a:effectLst/>
+                <a:latin typeface="Arial" panose="020B0604020202020204" pitchFamily="34" charset="0"/>
+                <a:ea typeface="Calibri" panose="020F0502020204030204" pitchFamily="34" charset="0"/>
+                <a:cs typeface="Arial" panose="020B0604020202020204" pitchFamily="34" charset="0"/>
+              </a:rPr>
+              <a:t>AMC</a:t>
+            </a:r>
+            <a:r>
+              <a:rPr lang="el-GR" sz="1800" dirty="0">
+                <a:effectLst/>
+                <a:latin typeface="Arial" panose="020B0604020202020204" pitchFamily="34" charset="0"/>
+                <a:ea typeface="Calibri" panose="020F0502020204030204" pitchFamily="34" charset="0"/>
+                <a:cs typeface="Arial" panose="020B0604020202020204" pitchFamily="34" charset="0"/>
+              </a:rPr>
+              <a:t> Μητροπολιτικού για την διεκπεραίωση της εργασίας αυτής. Επιπλέον, θα ήθελα να πω και ένα μεγάλο ευχαριστώ στην οικογένεια μου και τα ζωάκια μου (</a:t>
+            </a:r>
+            <a:r>
+              <a:rPr lang="en-US" sz="1800" i="1" dirty="0">
+                <a:effectLst/>
+                <a:latin typeface="Arial" panose="020B0604020202020204" pitchFamily="34" charset="0"/>
+                <a:ea typeface="Calibri" panose="020F0502020204030204" pitchFamily="34" charset="0"/>
+                <a:cs typeface="Arial" panose="020B0604020202020204" pitchFamily="34" charset="0"/>
+              </a:rPr>
+              <a:t>dogs</a:t>
+            </a:r>
+            <a:r>
+              <a:rPr lang="el-GR" sz="1800" dirty="0">
+                <a:effectLst/>
+                <a:latin typeface="Arial" panose="020B0604020202020204" pitchFamily="34" charset="0"/>
+                <a:ea typeface="Calibri" panose="020F0502020204030204" pitchFamily="34" charset="0"/>
+                <a:cs typeface="Arial" panose="020B0604020202020204" pitchFamily="34" charset="0"/>
+              </a:rPr>
+              <a:t>), οι οποίοι με στήριξαν και με ενθάρρυναν καθ’ όλη τη διάρκεια.</a:t>
+            </a:r>
+            <a:endParaRPr lang="en-US" sz="1800" dirty="0">
+              <a:effectLst/>
+              <a:latin typeface="Arial" panose="020B0604020202020204" pitchFamily="34" charset="0"/>
+              <a:ea typeface="Calibri" panose="020F0502020204030204" pitchFamily="34" charset="0"/>
+              <a:cs typeface="Times New Roman" panose="02020603050405020304" pitchFamily="18" charset="0"/>
+            </a:endParaRPr>
+          </a:p>
+        </p:txBody>
+      </p:sp>
+    </p:spTree>
+    <p:extLst>
+      <p:ext uri="{BB962C8B-B14F-4D97-AF65-F5344CB8AC3E}">
+        <p14:creationId xmlns:p14="http://schemas.microsoft.com/office/powerpoint/2010/main" val="3509470717"/>
       </p:ext>
     </p:extLst>
   </p:cSld>
@@ -47337,7 +46246,7 @@
         </p:nvSpPr>
         <p:spPr>
           <a:xfrm>
-            <a:off x="457200" y="429602"/>
+            <a:off x="-540327" y="381222"/>
             <a:ext cx="8229600" cy="1143000"/>
           </a:xfrm>
         </p:spPr>
@@ -47346,11 +46255,11 @@
           <a:lstStyle/>
           <a:p>
             <a:r>
-              <a:rPr lang="el-GR" sz="4400" b="1" dirty="0">
+              <a:rPr lang="el-GR" b="1" dirty="0">
                 <a:latin typeface="Arial" panose="020B0604020202020204" pitchFamily="34" charset="0"/>
                 <a:cs typeface="Arial" panose="020B0604020202020204" pitchFamily="34" charset="0"/>
               </a:rPr>
-              <a:t>ΠΕΡΙΛΗΨΗ</a:t>
+              <a:t>Τι προσφέρει η έρευνα?</a:t>
             </a:r>
             <a:endParaRPr lang="en-US" dirty="0"/>
           </a:p>
@@ -47371,7 +46280,7 @@
         <p:spPr>
           <a:xfrm>
             <a:off x="313944" y="1141119"/>
-            <a:ext cx="8586216" cy="5262979"/>
+            <a:ext cx="8586216" cy="5632311"/>
           </a:xfrm>
           <a:prstGeom prst="rect">
             <a:avLst/>
@@ -47389,6 +46298,40 @@
               <a:buChar char="•"/>
             </a:pPr>
             <a:r>
+              <a:rPr lang="el-GR" sz="2400" dirty="0">
+                <a:latin typeface="Arial" panose="020B0604020202020204" pitchFamily="34" charset="0"/>
+                <a:cs typeface="Arial" panose="020B0604020202020204" pitchFamily="34" charset="0"/>
+              </a:rPr>
+              <a:t>Καινοτομία πραγματικού χρόνου επικοινωνίας </a:t>
+            </a:r>
+            <a:r>
+              <a:rPr lang="en-US" sz="2400" dirty="0">
+                <a:latin typeface="Arial" panose="020B0604020202020204" pitchFamily="34" charset="0"/>
+                <a:cs typeface="Arial" panose="020B0604020202020204" pitchFamily="34" charset="0"/>
+              </a:rPr>
+              <a:t>VoIP </a:t>
+            </a:r>
+            <a:r>
+              <a:rPr lang="el-GR" sz="2400" dirty="0">
+                <a:latin typeface="Arial" panose="020B0604020202020204" pitchFamily="34" charset="0"/>
+                <a:cs typeface="Arial" panose="020B0604020202020204" pitchFamily="34" charset="0"/>
+              </a:rPr>
+              <a:t>στην </a:t>
+            </a:r>
+            <a:r>
+              <a:rPr lang="en-US" sz="2400" dirty="0">
+                <a:latin typeface="Arial" panose="020B0604020202020204" pitchFamily="34" charset="0"/>
+                <a:cs typeface="Arial" panose="020B0604020202020204" pitchFamily="34" charset="0"/>
+              </a:rPr>
+              <a:t>Unreal Engine (Walkie-talkie radio &amp; Cellphone)</a:t>
+            </a:r>
+          </a:p>
+          <a:p>
+            <a:pPr marL="342900" indent="-342900">
+              <a:buFont typeface="Arial" panose="020B0604020202020204" pitchFamily="34" charset="0"/>
+              <a:buChar char="•"/>
+            </a:pPr>
+            <a:r>
               <a:rPr lang="en-US" sz="2400" dirty="0">
                 <a:latin typeface="Arial" panose="020B0604020202020204" pitchFamily="34" charset="0"/>
                 <a:cs typeface="Arial" panose="020B0604020202020204" pitchFamily="34" charset="0"/>
@@ -47434,7 +46377,21 @@
                 <a:latin typeface="Arial" panose="020B0604020202020204" pitchFamily="34" charset="0"/>
                 <a:cs typeface="Arial" panose="020B0604020202020204" pitchFamily="34" charset="0"/>
               </a:rPr>
-              <a:t> (</a:t>
+              <a:t> </a:t>
+            </a:r>
+            <a:r>
+              <a:rPr lang="el-GR" sz="2400" dirty="0" err="1">
+                <a:latin typeface="Arial" panose="020B0604020202020204" pitchFamily="34" charset="0"/>
+                <a:cs typeface="Arial" panose="020B0604020202020204" pitchFamily="34" charset="0"/>
+              </a:rPr>
+              <a:t>χαρακτηρηστικών</a:t>
+            </a:r>
+            <a:r>
+              <a:rPr lang="en-US" sz="2400" dirty="0">
+                <a:latin typeface="Arial" panose="020B0604020202020204" pitchFamily="34" charset="0"/>
+                <a:cs typeface="Arial" panose="020B0604020202020204" pitchFamily="34" charset="0"/>
+              </a:rPr>
+              <a:t>(</a:t>
             </a:r>
             <a:r>
               <a:rPr lang="el-GR" sz="2400" i="1" dirty="0">
@@ -47482,12 +46439,8 @@
                 <a:latin typeface="Arial" panose="020B0604020202020204" pitchFamily="34" charset="0"/>
                 <a:cs typeface="Arial" panose="020B0604020202020204" pitchFamily="34" charset="0"/>
               </a:rPr>
-              <a:t>Player Retention</a:t>
-            </a:r>
-            <a:endParaRPr lang="el-GR" sz="2400" dirty="0">
-              <a:latin typeface="Arial" panose="020B0604020202020204" pitchFamily="34" charset="0"/>
-              <a:cs typeface="Arial" panose="020B0604020202020204" pitchFamily="34" charset="0"/>
-            </a:endParaRPr>
+              <a:t>Virtual Immersion – Multiplayer Mechanics</a:t>
+            </a:r>
           </a:p>
           <a:p>
             <a:pPr marL="342900" indent="-342900">
@@ -47499,7 +46452,7 @@
                 <a:latin typeface="Arial" panose="020B0604020202020204" pitchFamily="34" charset="0"/>
                 <a:cs typeface="Arial" panose="020B0604020202020204" pitchFamily="34" charset="0"/>
               </a:rPr>
-              <a:t>Multiplayer Video Game Mechanics</a:t>
+              <a:t>Genre Driven experience</a:t>
             </a:r>
           </a:p>
           <a:p>
@@ -47512,7 +46465,7 @@
                 <a:latin typeface="Arial" panose="020B0604020202020204" pitchFamily="34" charset="0"/>
                 <a:cs typeface="Arial" panose="020B0604020202020204" pitchFamily="34" charset="0"/>
               </a:rPr>
-              <a:t>Virtual Immersion</a:t>
+              <a:t>3D modeling &amp; Architectural visualization</a:t>
             </a:r>
           </a:p>
           <a:p>
@@ -47525,14 +46478,14 @@
                 <a:latin typeface="Arial" panose="020B0604020202020204" pitchFamily="34" charset="0"/>
                 <a:cs typeface="Arial" panose="020B0604020202020204" pitchFamily="34" charset="0"/>
               </a:rPr>
-              <a:t>Real-time communications Voice over Internet Protocol (</a:t>
+              <a:t>Sound Effects (</a:t>
             </a:r>
             <a:r>
               <a:rPr lang="en-US" sz="2400" i="1" dirty="0">
                 <a:latin typeface="Arial" panose="020B0604020202020204" pitchFamily="34" charset="0"/>
                 <a:cs typeface="Arial" panose="020B0604020202020204" pitchFamily="34" charset="0"/>
               </a:rPr>
-              <a:t>VoIP</a:t>
+              <a:t>Signal modulation</a:t>
             </a:r>
             <a:r>
               <a:rPr lang="en-US" sz="2400" dirty="0">
@@ -47552,59 +46505,6 @@
                 <a:latin typeface="Arial" panose="020B0604020202020204" pitchFamily="34" charset="0"/>
                 <a:cs typeface="Arial" panose="020B0604020202020204" pitchFamily="34" charset="0"/>
               </a:rPr>
-              <a:t>Genre Driven experience</a:t>
-            </a:r>
-          </a:p>
-          <a:p>
-            <a:pPr marL="342900" indent="-342900">
-              <a:buFont typeface="Arial" panose="020B0604020202020204" pitchFamily="34" charset="0"/>
-              <a:buChar char="•"/>
-            </a:pPr>
-            <a:r>
-              <a:rPr lang="en-US" sz="2400" dirty="0">
-                <a:latin typeface="Arial" panose="020B0604020202020204" pitchFamily="34" charset="0"/>
-                <a:cs typeface="Arial" panose="020B0604020202020204" pitchFamily="34" charset="0"/>
-              </a:rPr>
-              <a:t>3D modeling &amp; Architectural visualization</a:t>
-            </a:r>
-          </a:p>
-          <a:p>
-            <a:pPr marL="342900" indent="-342900">
-              <a:buFont typeface="Arial" panose="020B0604020202020204" pitchFamily="34" charset="0"/>
-              <a:buChar char="•"/>
-            </a:pPr>
-            <a:r>
-              <a:rPr lang="en-US" sz="2400" dirty="0">
-                <a:latin typeface="Arial" panose="020B0604020202020204" pitchFamily="34" charset="0"/>
-                <a:cs typeface="Arial" panose="020B0604020202020204" pitchFamily="34" charset="0"/>
-              </a:rPr>
-              <a:t>Sound Effects (</a:t>
-            </a:r>
-            <a:r>
-              <a:rPr lang="en-US" sz="2400" i="1" dirty="0">
-                <a:latin typeface="Arial" panose="020B0604020202020204" pitchFamily="34" charset="0"/>
-                <a:cs typeface="Arial" panose="020B0604020202020204" pitchFamily="34" charset="0"/>
-              </a:rPr>
-              <a:t>Signal modulation</a:t>
-            </a:r>
-            <a:r>
-              <a:rPr lang="en-US" sz="2400" dirty="0">
-                <a:latin typeface="Arial" panose="020B0604020202020204" pitchFamily="34" charset="0"/>
-                <a:cs typeface="Arial" panose="020B0604020202020204" pitchFamily="34" charset="0"/>
-              </a:rPr>
-              <a:t>)</a:t>
-            </a:r>
-          </a:p>
-          <a:p>
-            <a:pPr marL="342900" indent="-342900">
-              <a:buFont typeface="Arial" panose="020B0604020202020204" pitchFamily="34" charset="0"/>
-              <a:buChar char="•"/>
-            </a:pPr>
-            <a:r>
-              <a:rPr lang="en-US" sz="2400" dirty="0">
-                <a:latin typeface="Arial" panose="020B0604020202020204" pitchFamily="34" charset="0"/>
-                <a:cs typeface="Arial" panose="020B0604020202020204" pitchFamily="34" charset="0"/>
-              </a:rPr>
               <a:t>Software Platform Architecture</a:t>
             </a:r>
           </a:p>
@@ -47619,6 +46519,50 @@
                 <a:cs typeface="Arial" panose="020B0604020202020204" pitchFamily="34" charset="0"/>
               </a:rPr>
               <a:t>Layers of Abstraction</a:t>
+            </a:r>
+          </a:p>
+          <a:p>
+            <a:pPr marL="342900" indent="-342900">
+              <a:buFont typeface="Arial" panose="020B0604020202020204" pitchFamily="34" charset="0"/>
+              <a:buChar char="•"/>
+            </a:pPr>
+            <a:r>
+              <a:rPr lang="el-GR" sz="2400" dirty="0">
+                <a:latin typeface="Arial" panose="020B0604020202020204" pitchFamily="34" charset="0"/>
+                <a:cs typeface="Arial" panose="020B0604020202020204" pitchFamily="34" charset="0"/>
+              </a:rPr>
+              <a:t>Χρήση των τεχνικών αυτών για </a:t>
+            </a:r>
+            <a:r>
+              <a:rPr lang="en-US" sz="2400" dirty="0">
+                <a:latin typeface="Arial" panose="020B0604020202020204" pitchFamily="34" charset="0"/>
+                <a:cs typeface="Arial" panose="020B0604020202020204" pitchFamily="34" charset="0"/>
+              </a:rPr>
+              <a:t>simulation </a:t>
+            </a:r>
+            <a:r>
+              <a:rPr lang="el-GR" sz="2400" dirty="0">
+                <a:latin typeface="Arial" panose="020B0604020202020204" pitchFamily="34" charset="0"/>
+                <a:cs typeface="Arial" panose="020B0604020202020204" pitchFamily="34" charset="0"/>
+              </a:rPr>
+              <a:t>οποιαδήποτε έρευνας σε οποιαδήποτε τομέα</a:t>
+            </a:r>
+            <a:endParaRPr lang="en-US" sz="2400" dirty="0">
+              <a:latin typeface="Arial" panose="020B0604020202020204" pitchFamily="34" charset="0"/>
+              <a:cs typeface="Arial" panose="020B0604020202020204" pitchFamily="34" charset="0"/>
+            </a:endParaRPr>
+          </a:p>
+          <a:p>
+            <a:pPr marL="342900" indent="-342900">
+              <a:buFont typeface="Arial" panose="020B0604020202020204" pitchFamily="34" charset="0"/>
+              <a:buChar char="•"/>
+            </a:pPr>
+            <a:r>
+              <a:rPr lang="en-US" sz="2400" dirty="0">
+                <a:latin typeface="Arial" panose="020B0604020202020204" pitchFamily="34" charset="0"/>
+                <a:cs typeface="Arial" panose="020B0604020202020204" pitchFamily="34" charset="0"/>
+              </a:rPr>
+              <a:t>Project Management Approach</a:t>
             </a:r>
           </a:p>
         </p:txBody>
@@ -47658,7 +46602,7 @@
           <p:cNvPr id="2" name="Title 1">
             <a:extLst>
               <a:ext uri="{FF2B5EF4-FFF2-40B4-BE49-F238E27FC236}">
-                <a16:creationId xmlns:a16="http://schemas.microsoft.com/office/drawing/2014/main" id="{EF8C63A3-9A29-4D9D-8B3E-9A3BFBE73462}"/>
+                <a16:creationId xmlns:a16="http://schemas.microsoft.com/office/drawing/2014/main" id="{165479F6-9370-4948-ACA1-C8BC7A0BF4ED}"/>
               </a:ext>
             </a:extLst>
           </p:cNvPr>
@@ -47671,8 +46615,8 @@
         </p:nvSpPr>
         <p:spPr>
           <a:xfrm>
-            <a:off x="457200" y="428179"/>
-            <a:ext cx="8229600" cy="1143000"/>
+            <a:off x="0" y="347790"/>
+            <a:ext cx="7034784" cy="1249362"/>
           </a:xfrm>
         </p:spPr>
         <p:txBody>
@@ -47680,12 +46624,19 @@
           <a:lstStyle/>
           <a:p>
             <a:r>
-              <a:rPr lang="en-US" b="1" dirty="0">
+              <a:rPr lang="el-GR" sz="4400" b="1" dirty="0">
                 <a:latin typeface="Arial" panose="020B0604020202020204" pitchFamily="34" charset="0"/>
                 <a:cs typeface="Arial" panose="020B0604020202020204" pitchFamily="34" charset="0"/>
               </a:rPr>
-              <a:t>Project Mission</a:t>
-            </a:r>
+              <a:t>Η τρέχουσα υλοποίηση του έργου</a:t>
+            </a:r>
+            <a:br>
+              <a:rPr lang="en-US" sz="4400" b="1" dirty="0">
+                <a:latin typeface="Arial" panose="020B0604020202020204" pitchFamily="34" charset="0"/>
+                <a:cs typeface="Arial" panose="020B0604020202020204" pitchFamily="34" charset="0"/>
+              </a:rPr>
+            </a:br>
+            <a:endParaRPr lang="en-US" dirty="0"/>
           </a:p>
         </p:txBody>
       </p:sp>
@@ -47694,7 +46645,7 @@
           <p:cNvPr id="3" name="TextBox 2">
             <a:extLst>
               <a:ext uri="{FF2B5EF4-FFF2-40B4-BE49-F238E27FC236}">
-                <a16:creationId xmlns:a16="http://schemas.microsoft.com/office/drawing/2014/main" id="{061D08FC-8B80-4A31-B2A0-8E688BBD4F5F}"/>
+                <a16:creationId xmlns:a16="http://schemas.microsoft.com/office/drawing/2014/main" id="{CF72E4F5-9305-4C09-9DE7-E6FCBA3AA565}"/>
               </a:ext>
             </a:extLst>
           </p:cNvPr>
@@ -47703,8 +46654,8 @@
         </p:nvSpPr>
         <p:spPr>
           <a:xfrm>
-            <a:off x="0" y="1166842"/>
-            <a:ext cx="8229600" cy="5262979"/>
+            <a:off x="0" y="1827401"/>
+            <a:ext cx="8644128" cy="2800767"/>
           </a:xfrm>
           <a:prstGeom prst="rect">
             <a:avLst/>
@@ -47717,46 +46668,6 @@
           </a:bodyPr>
           <a:lstStyle/>
           <a:p>
-            <a:pPr marL="342900" indent="-342900">
-              <a:buFont typeface="Arial" panose="020B0604020202020204" pitchFamily="34" charset="0"/>
-              <a:buChar char="•"/>
-            </a:pPr>
-            <a:r>
-              <a:rPr lang="el-GR" sz="2400" dirty="0">
-                <a:latin typeface="Arial" panose="020B0604020202020204" pitchFamily="34" charset="0"/>
-                <a:cs typeface="Arial" panose="020B0604020202020204" pitchFamily="34" charset="0"/>
-              </a:rPr>
-              <a:t>Εξόρυξη γνώσεις από τις πληροφορίες του κοινού μετά από </a:t>
-            </a:r>
-            <a:r>
-              <a:rPr lang="en-US" sz="2400" dirty="0">
-                <a:latin typeface="Arial" panose="020B0604020202020204" pitchFamily="34" charset="0"/>
-                <a:cs typeface="Arial" panose="020B0604020202020204" pitchFamily="34" charset="0"/>
-              </a:rPr>
-              <a:t>survey/Questionnaires</a:t>
-            </a:r>
-            <a:r>
-              <a:rPr lang="el-GR" sz="2400" dirty="0">
-                <a:latin typeface="Arial" panose="020B0604020202020204" pitchFamily="34" charset="0"/>
-                <a:cs typeface="Arial" panose="020B0604020202020204" pitchFamily="34" charset="0"/>
-              </a:rPr>
-              <a:t> </a:t>
-            </a:r>
-          </a:p>
-          <a:p>
-            <a:pPr marL="342900" marR="0" indent="-342900">
-              <a:lnSpc>
-                <a:spcPct val="150000"/>
-              </a:lnSpc>
-              <a:spcBef>
-                <a:spcPts val="0"/>
-              </a:spcBef>
-              <a:spcAft>
-                <a:spcPts val="0"/>
-              </a:spcAft>
-              <a:buFont typeface="Arial" panose="020B0604020202020204" pitchFamily="34" charset="0"/>
-              <a:buChar char="•"/>
-            </a:pPr>
             <a:r>
               <a:rPr lang="el-GR" sz="2400" dirty="0">
                 <a:effectLst/>
@@ -47764,16 +46675,20 @@
                 <a:ea typeface="Calibri" panose="020F0502020204030204" pitchFamily="34" charset="0"/>
                 <a:cs typeface="Arial" panose="020B0604020202020204" pitchFamily="34" charset="0"/>
               </a:rPr>
-              <a:t>Παροχή </a:t>
-            </a:r>
-            <a:r>
-              <a:rPr lang="el-GR" sz="2400" dirty="0" err="1">
+              <a:t>Η παρούσα εργασία συστημάτων παιχνιδιού εγκρίθηκε και δημοσιεύτηκε στην επίσημη πλατφόρμα της </a:t>
+            </a:r>
+            <a:r>
+              <a:rPr lang="en-US" sz="2400" u="sng" dirty="0">
+                <a:solidFill>
+                  <a:srgbClr val="0563C1"/>
+                </a:solidFill>
                 <a:effectLst/>
                 <a:latin typeface="Arial" panose="020B0604020202020204" pitchFamily="34" charset="0"/>
                 <a:ea typeface="Calibri" panose="020F0502020204030204" pitchFamily="34" charset="0"/>
                 <a:cs typeface="Arial" panose="020B0604020202020204" pitchFamily="34" charset="0"/>
+                <a:hlinkClick r:id="rId3"/>
               </a:rPr>
-              <a:t>online</a:t>
+              <a:t>Unreal Engine Marketplace</a:t>
             </a:r>
             <a:r>
               <a:rPr lang="el-GR" sz="2400" dirty="0">
@@ -47782,17 +46697,10 @@
                 <a:ea typeface="Calibri" panose="020F0502020204030204" pitchFamily="34" charset="0"/>
                 <a:cs typeface="Arial" panose="020B0604020202020204" pitchFamily="34" charset="0"/>
               </a:rPr>
-              <a:t> </a:t>
-            </a:r>
-            <a:r>
-              <a:rPr lang="el-GR" sz="2400" dirty="0" err="1">
-                <a:effectLst/>
-                <a:latin typeface="Arial" panose="020B0604020202020204" pitchFamily="34" charset="0"/>
-                <a:ea typeface="Calibri" panose="020F0502020204030204" pitchFamily="34" charset="0"/>
-                <a:cs typeface="Arial" panose="020B0604020202020204" pitchFamily="34" charset="0"/>
-              </a:rPr>
-              <a:t>διαδραστικών</a:t>
-            </a:r>
+              <a:t> καθώς </a:t>
+            </a:r>
+          </a:p>
+          <a:p>
             <a:r>
               <a:rPr lang="el-GR" sz="2400" dirty="0">
                 <a:effectLst/>
@@ -47800,10 +46708,64 @@
                 <a:ea typeface="Calibri" panose="020F0502020204030204" pitchFamily="34" charset="0"/>
                 <a:cs typeface="Arial" panose="020B0604020202020204" pitchFamily="34" charset="0"/>
               </a:rPr>
-              <a:t> μηχανισμών για ρεαλισμού </a:t>
-            </a:r>
-            <a:r>
-              <a:rPr lang="el-GR" sz="2400" dirty="0" err="1">
+              <a:t>έλαβε τα σωστά βήματα/</a:t>
+            </a:r>
+            <a:r>
+              <a:rPr lang="en-US" sz="2400" dirty="0">
+                <a:effectLst/>
+                <a:latin typeface="Arial" panose="020B0604020202020204" pitchFamily="34" charset="0"/>
+                <a:ea typeface="Calibri" panose="020F0502020204030204" pitchFamily="34" charset="0"/>
+                <a:cs typeface="Arial" panose="020B0604020202020204" pitchFamily="34" charset="0"/>
+              </a:rPr>
+              <a:t>Guidelines</a:t>
+            </a:r>
+            <a:r>
+              <a:rPr lang="el-GR" sz="2400" dirty="0">
+                <a:effectLst/>
+                <a:latin typeface="Arial" panose="020B0604020202020204" pitchFamily="34" charset="0"/>
+                <a:ea typeface="Calibri" panose="020F0502020204030204" pitchFamily="34" charset="0"/>
+                <a:cs typeface="Arial" panose="020B0604020202020204" pitchFamily="34" charset="0"/>
+              </a:rPr>
+              <a:t> που θα συνοψίσουμε παρακάτω για να έρθει εις πέρας ένα </a:t>
+            </a:r>
+            <a:r>
+              <a:rPr lang="en-US" sz="2400" dirty="0">
+                <a:effectLst/>
+                <a:latin typeface="Arial" panose="020B0604020202020204" pitchFamily="34" charset="0"/>
+                <a:ea typeface="Calibri" panose="020F0502020204030204" pitchFamily="34" charset="0"/>
+                <a:cs typeface="Arial" panose="020B0604020202020204" pitchFamily="34" charset="0"/>
+              </a:rPr>
+              <a:t>project </a:t>
+            </a:r>
+            <a:r>
+              <a:rPr lang="el-GR" sz="2400" dirty="0">
+                <a:effectLst/>
+                <a:latin typeface="Arial" panose="020B0604020202020204" pitchFamily="34" charset="0"/>
+                <a:ea typeface="Calibri" panose="020F0502020204030204" pitchFamily="34" charset="0"/>
+                <a:cs typeface="Arial" panose="020B0604020202020204" pitchFamily="34" charset="0"/>
+              </a:rPr>
+              <a:t>κομμάτι </a:t>
+            </a:r>
+            <a:r>
+              <a:rPr lang="en-US" sz="2400" dirty="0">
+                <a:effectLst/>
+                <a:latin typeface="Arial" panose="020B0604020202020204" pitchFamily="34" charset="0"/>
+                <a:ea typeface="Calibri" panose="020F0502020204030204" pitchFamily="34" charset="0"/>
+                <a:cs typeface="Arial" panose="020B0604020202020204" pitchFamily="34" charset="0"/>
+              </a:rPr>
+              <a:t>video</a:t>
+            </a:r>
+            <a:r>
+              <a:rPr lang="el-GR" sz="2400" dirty="0">
+                <a:effectLst/>
+                <a:latin typeface="Arial" panose="020B0604020202020204" pitchFamily="34" charset="0"/>
+                <a:ea typeface="Calibri" panose="020F0502020204030204" pitchFamily="34" charset="0"/>
+                <a:cs typeface="Arial" panose="020B0604020202020204" pitchFamily="34" charset="0"/>
+              </a:rPr>
+              <a:t>-</a:t>
+            </a:r>
+            <a:r>
+              <a:rPr lang="en-US" sz="2400" dirty="0">
                 <a:effectLst/>
                 <a:latin typeface="Arial" panose="020B0604020202020204" pitchFamily="34" charset="0"/>
                 <a:ea typeface="Calibri" panose="020F0502020204030204" pitchFamily="34" charset="0"/>
@@ -47818,85 +46780,24 @@
                 <a:ea typeface="Calibri" panose="020F0502020204030204" pitchFamily="34" charset="0"/>
                 <a:cs typeface="Arial" panose="020B0604020202020204" pitchFamily="34" charset="0"/>
               </a:rPr>
-              <a:t> </a:t>
-            </a:r>
-            <a:r>
-              <a:rPr lang="el-GR" sz="2400" dirty="0" err="1">
-                <a:effectLst/>
-                <a:latin typeface="Arial" panose="020B0604020202020204" pitchFamily="34" charset="0"/>
-                <a:ea typeface="Calibri" panose="020F0502020204030204" pitchFamily="34" charset="0"/>
-                <a:cs typeface="Arial" panose="020B0604020202020204" pitchFamily="34" charset="0"/>
-              </a:rPr>
-              <a:t>genre</a:t>
+              <a:t> με σωστή ροή από ιδέα -&gt; υλοποίηση.</a:t>
             </a:r>
             <a:endParaRPr lang="en-US" sz="2400" dirty="0">
               <a:effectLst/>
               <a:latin typeface="Arial" panose="020B0604020202020204" pitchFamily="34" charset="0"/>
               <a:ea typeface="Calibri" panose="020F0502020204030204" pitchFamily="34" charset="0"/>
-              <a:cs typeface="Arial" panose="020B0604020202020204" pitchFamily="34" charset="0"/>
+              <a:cs typeface="Times New Roman" panose="02020603050405020304" pitchFamily="18" charset="0"/>
             </a:endParaRPr>
           </a:p>
           <a:p>
-            <a:pPr marL="800100" lvl="1" indent="-342900">
-              <a:lnSpc>
-                <a:spcPct val="150000"/>
-              </a:lnSpc>
-              <a:buFont typeface="Courier New" panose="02070309020205020404" pitchFamily="49" charset="0"/>
-              <a:buChar char="o"/>
-            </a:pPr>
-            <a:r>
-              <a:rPr lang="el-GR" sz="2400" dirty="0">
-                <a:effectLst/>
-                <a:latin typeface="Arial" panose="020B0604020202020204" pitchFamily="34" charset="0"/>
-                <a:ea typeface="Calibri" panose="020F0502020204030204" pitchFamily="34" charset="0"/>
-                <a:cs typeface="Arial" panose="020B0604020202020204" pitchFamily="34" charset="0"/>
-              </a:rPr>
-              <a:t>Υπηρεσίες φωνής για πραγματικού χρόνου μετάδοσης</a:t>
-            </a:r>
-            <a:endParaRPr lang="en-US" sz="2400" dirty="0">
-              <a:effectLst/>
-              <a:latin typeface="Arial" panose="020B0604020202020204" pitchFamily="34" charset="0"/>
-              <a:ea typeface="Calibri" panose="020F0502020204030204" pitchFamily="34" charset="0"/>
-              <a:cs typeface="Arial" panose="020B0604020202020204" pitchFamily="34" charset="0"/>
-            </a:endParaRPr>
-          </a:p>
-          <a:p>
-            <a:pPr marL="800100" lvl="1" indent="-342900">
-              <a:lnSpc>
-                <a:spcPct val="150000"/>
-              </a:lnSpc>
-              <a:buFont typeface="Courier New" panose="02070309020205020404" pitchFamily="49" charset="0"/>
-              <a:buChar char="o"/>
-            </a:pPr>
-            <a:r>
-              <a:rPr lang="el-GR" sz="2400" dirty="0">
-                <a:effectLst/>
-                <a:latin typeface="Arial" panose="020B0604020202020204" pitchFamily="34" charset="0"/>
-                <a:ea typeface="Calibri" panose="020F0502020204030204" pitchFamily="34" charset="0"/>
-                <a:cs typeface="Arial" panose="020B0604020202020204" pitchFamily="34" charset="0"/>
-              </a:rPr>
-              <a:t>Επεξεργασία σήματος φωνής για προσομοιώσει εξασθένηση σήματος σε ειδικές περιοχές</a:t>
-            </a:r>
-            <a:endParaRPr lang="el-GR" sz="2400" dirty="0">
-              <a:latin typeface="Arial" panose="020B0604020202020204" pitchFamily="34" charset="0"/>
-              <a:cs typeface="Arial" panose="020B0604020202020204" pitchFamily="34" charset="0"/>
-            </a:endParaRPr>
-          </a:p>
-          <a:p>
-            <a:pPr marL="342900" indent="-342900">
-              <a:buFont typeface="Arial" panose="020B0604020202020204" pitchFamily="34" charset="0"/>
-              <a:buChar char="•"/>
-            </a:pPr>
-            <a:r>
-              <a:rPr lang="el-GR" sz="2400" dirty="0">
+            <a:r>
+              <a:rPr lang="el-GR" sz="3200" dirty="0">
                 <a:latin typeface="Arial" panose="020B0604020202020204" pitchFamily="34" charset="0"/>
                 <a:cs typeface="Arial" panose="020B0604020202020204" pitchFamily="34" charset="0"/>
               </a:rPr>
-              <a:t>Τα βήματα διαδικασίας για την δημιουργία των μηχανισμών</a:t>
-            </a:r>
-          </a:p>
-          <a:p>
-            <a:endParaRPr lang="en-US" sz="2400" dirty="0">
+              <a:t> </a:t>
+            </a:r>
+            <a:endParaRPr lang="en-US" sz="3200" dirty="0">
               <a:latin typeface="Arial" panose="020B0604020202020204" pitchFamily="34" charset="0"/>
               <a:cs typeface="Arial" panose="020B0604020202020204" pitchFamily="34" charset="0"/>
             </a:endParaRPr>
@@ -47906,7 +46807,7 @@
     </p:spTree>
     <p:extLst>
       <p:ext uri="{BB962C8B-B14F-4D97-AF65-F5344CB8AC3E}">
-        <p14:creationId xmlns:p14="http://schemas.microsoft.com/office/powerpoint/2010/main" val="3040543359"/>
+        <p14:creationId xmlns:p14="http://schemas.microsoft.com/office/powerpoint/2010/main" val="1017473068"/>
       </p:ext>
     </p:extLst>
   </p:cSld>

--- a/MENTAL WEALTH PROFESSIONAL LIFE 3 (PROJECT) (CN6000)/Research_Thesis_Main/Μητροπολιτικό Κολλέγιο_ΣΕΚΦ[Μιχαηλ Μαρκου] Advanced multiplayer game mechanics.pptx
+++ b/MENTAL WEALTH PROFESSIONAL LIFE 3 (PROJECT) (CN6000)/Research_Thesis_Main/Μητροπολιτικό Κολλέγιο_ΣΕΚΦ[Μιχαηλ Μαρκου] Advanced multiplayer game mechanics.pptx
@@ -30445,6 +30445,85 @@
           </a:p>
         </p:txBody>
       </p:sp>
+      <p:sp>
+        <p:nvSpPr>
+          <p:cNvPr id="7" name="Rectangle 6">
+            <a:extLst>
+              <a:ext uri="{FF2B5EF4-FFF2-40B4-BE49-F238E27FC236}">
+                <a16:creationId xmlns:a16="http://schemas.microsoft.com/office/drawing/2014/main" id="{2C50B4F3-9F4D-49B5-A92E-00B5B72D953C}"/>
+              </a:ext>
+            </a:extLst>
+          </p:cNvPr>
+          <p:cNvSpPr/>
+          <p:nvPr/>
+        </p:nvSpPr>
+        <p:spPr>
+          <a:xfrm>
+            <a:off x="336329" y="5141217"/>
+            <a:ext cx="8208579" cy="400110"/>
+          </a:xfrm>
+          <a:prstGeom prst="rect">
+            <a:avLst/>
+          </a:prstGeom>
+          <a:noFill/>
+        </p:spPr>
+        <p:txBody>
+          <a:bodyPr wrap="square">
+            <a:spAutoFit/>
+          </a:bodyPr>
+          <a:lstStyle/>
+          <a:p>
+            <a:pPr algn="ctr">
+              <a:defRPr/>
+            </a:pPr>
+            <a:r>
+              <a:rPr lang="el-GR" altLang="zh-HK" sz="2000" dirty="0">
+                <a:latin typeface="Century Gothic" panose="020B0502020202020204" pitchFamily="34" charset="0"/>
+                <a:ea typeface="新細明體" charset="-120"/>
+                <a:cs typeface="Arial" charset="0"/>
+              </a:rPr>
+              <a:t>Επιβλέπων καθηγητής: </a:t>
+            </a:r>
+            <a:r>
+              <a:rPr lang="en-US" altLang="zh-HK" sz="2000" dirty="0">
+                <a:latin typeface="Century Gothic" panose="020B0502020202020204" pitchFamily="34" charset="0"/>
+                <a:ea typeface="新細明體" charset="-120"/>
+                <a:cs typeface="Arial" charset="0"/>
+              </a:rPr>
+              <a:t>Dr. </a:t>
+            </a:r>
+            <a:r>
+              <a:rPr lang="el-GR" altLang="zh-HK" sz="2000" dirty="0">
+                <a:latin typeface="Century Gothic" panose="020B0502020202020204" pitchFamily="34" charset="0"/>
+                <a:ea typeface="新細明體" charset="-120"/>
+                <a:cs typeface="Arial" charset="0"/>
+              </a:rPr>
+              <a:t>Χρήστος</a:t>
+            </a:r>
+            <a:r>
+              <a:rPr lang="en-US" altLang="zh-HK" sz="2000" dirty="0">
+                <a:latin typeface="Century Gothic" panose="020B0502020202020204" pitchFamily="34" charset="0"/>
+                <a:ea typeface="新細明體" charset="-120"/>
+                <a:cs typeface="Arial" charset="0"/>
+              </a:rPr>
+              <a:t> </a:t>
+            </a:r>
+            <a:r>
+              <a:rPr lang="el-GR" altLang="zh-HK" sz="2000" dirty="0" err="1">
+                <a:latin typeface="Century Gothic" panose="020B0502020202020204" pitchFamily="34" charset="0"/>
+                <a:ea typeface="新細明體" charset="-120"/>
+                <a:cs typeface="Arial" charset="0"/>
+              </a:rPr>
+              <a:t>Φραντζίδης</a:t>
+            </a:r>
+            <a:endParaRPr lang="en-US" altLang="zh-HK" sz="1100" dirty="0">
+              <a:latin typeface="Century Gothic" panose="020B0502020202020204" pitchFamily="34" charset="0"/>
+              <a:ea typeface="新細明體" charset="-120"/>
+              <a:cs typeface="Arial" charset="0"/>
+            </a:endParaRPr>
+          </a:p>
+        </p:txBody>
+      </p:sp>
     </p:spTree>
     <p:extLst>
       <p:ext uri="{BB962C8B-B14F-4D97-AF65-F5344CB8AC3E}">
@@ -44961,7 +45040,7 @@
         <p:spPr>
           <a:xfrm>
             <a:off x="0" y="1005116"/>
-            <a:ext cx="9144000" cy="6268383"/>
+            <a:ext cx="8906933" cy="5668218"/>
           </a:xfrm>
           <a:prstGeom prst="rect">
             <a:avLst/>
@@ -44986,34 +45065,16 @@
               </a:spcAft>
             </a:pPr>
             <a:r>
-              <a:rPr lang="en-US" dirty="0">
+              <a:rPr lang="en-US" sz="1600" dirty="0">
                 <a:effectLst/>
                 <a:latin typeface="Arial" panose="020B0604020202020204" pitchFamily="34" charset="0"/>
                 <a:ea typeface="Calibri" panose="020F0502020204030204" pitchFamily="34" charset="0"/>
                 <a:cs typeface="Times New Roman" panose="02020603050405020304" pitchFamily="18" charset="0"/>
               </a:rPr>
-              <a:t>docs.unrealengine.com, n.d. </a:t>
-            </a:r>
-            <a:r>
-              <a:rPr lang="en-US" i="1" dirty="0">
-                <a:effectLst/>
-                <a:latin typeface="Arial" panose="020B0604020202020204" pitchFamily="34" charset="0"/>
-                <a:ea typeface="Calibri" panose="020F0502020204030204" pitchFamily="34" charset="0"/>
-                <a:cs typeface="Times New Roman" panose="02020603050405020304" pitchFamily="18" charset="0"/>
-              </a:rPr>
-              <a:t>Multiplayer Programming Quick Start. </a:t>
-            </a:r>
-            <a:r>
-              <a:rPr lang="en-US" dirty="0">
-                <a:effectLst/>
-                <a:latin typeface="Arial" panose="020B0604020202020204" pitchFamily="34" charset="0"/>
-                <a:ea typeface="Calibri" panose="020F0502020204030204" pitchFamily="34" charset="0"/>
-                <a:cs typeface="Times New Roman" panose="02020603050405020304" pitchFamily="18" charset="0"/>
-              </a:rPr>
-              <a:t>[Online] </a:t>
+              <a:t>docs.unrealengine.com, n.d. Multiplayer Programming Quick Start. [Online] </a:t>
             </a:r>
             <a:br>
-              <a:rPr lang="en-US" dirty="0">
+              <a:rPr lang="en-US" sz="1600" dirty="0">
                 <a:effectLst/>
                 <a:latin typeface="Arial" panose="020B0604020202020204" pitchFamily="34" charset="0"/>
                 <a:ea typeface="Calibri" panose="020F0502020204030204" pitchFamily="34" charset="0"/>
@@ -45021,7 +45082,7 @@
               </a:rPr>
             </a:br>
             <a:r>
-              <a:rPr lang="en-US" dirty="0">
+              <a:rPr lang="en-US" sz="1600" dirty="0">
                 <a:effectLst/>
                 <a:latin typeface="Arial" panose="020B0604020202020204" pitchFamily="34" charset="0"/>
                 <a:ea typeface="Calibri" panose="020F0502020204030204" pitchFamily="34" charset="0"/>
@@ -45030,7 +45091,7 @@
               <a:t>Available at: </a:t>
             </a:r>
             <a:r>
-              <a:rPr lang="en-US" u="sng" dirty="0">
+              <a:rPr lang="en-US" sz="1600" u="sng" dirty="0">
                 <a:effectLst/>
                 <a:latin typeface="Arial" panose="020B0604020202020204" pitchFamily="34" charset="0"/>
                 <a:ea typeface="Calibri" panose="020F0502020204030204" pitchFamily="34" charset="0"/>
@@ -45039,7 +45100,7 @@
               <a:t>https://docs.unrealengine.com/4.27/en-US/InteractiveExperiences/Networking/QuickStart/</a:t>
             </a:r>
             <a:br>
-              <a:rPr lang="en-US" dirty="0">
+              <a:rPr lang="en-US" sz="1600" dirty="0">
                 <a:effectLst/>
                 <a:latin typeface="Arial" panose="020B0604020202020204" pitchFamily="34" charset="0"/>
                 <a:ea typeface="Calibri" panose="020F0502020204030204" pitchFamily="34" charset="0"/>
@@ -45047,7 +45108,7 @@
               </a:rPr>
             </a:br>
             <a:r>
-              <a:rPr lang="en-US" dirty="0">
+              <a:rPr lang="en-US" sz="1600" dirty="0">
                 <a:effectLst/>
                 <a:latin typeface="Arial" panose="020B0604020202020204" pitchFamily="34" charset="0"/>
                 <a:ea typeface="Calibri" panose="020F0502020204030204" pitchFamily="34" charset="0"/>
@@ -45069,34 +45130,16 @@
               </a:spcAft>
             </a:pPr>
             <a:r>
-              <a:rPr lang="en-US" dirty="0">
+              <a:rPr lang="en-US" sz="1600" dirty="0">
                 <a:effectLst/>
                 <a:latin typeface="Arial" panose="020B0604020202020204" pitchFamily="34" charset="0"/>
                 <a:ea typeface="Calibri" panose="020F0502020204030204" pitchFamily="34" charset="0"/>
                 <a:cs typeface="Times New Roman" panose="02020603050405020304" pitchFamily="18" charset="0"/>
               </a:rPr>
-              <a:t>docs.unrealengine.com, n.d. </a:t>
-            </a:r>
-            <a:r>
-              <a:rPr lang="en-US" i="1" dirty="0">
-                <a:effectLst/>
-                <a:latin typeface="Arial" panose="020B0604020202020204" pitchFamily="34" charset="0"/>
-                <a:ea typeface="Calibri" panose="020F0502020204030204" pitchFamily="34" charset="0"/>
-                <a:cs typeface="Times New Roman" panose="02020603050405020304" pitchFamily="18" charset="0"/>
-              </a:rPr>
-              <a:t>Nanite Virtualized Geometry. </a:t>
-            </a:r>
-            <a:r>
-              <a:rPr lang="en-US" dirty="0">
-                <a:effectLst/>
-                <a:latin typeface="Arial" panose="020B0604020202020204" pitchFamily="34" charset="0"/>
-                <a:ea typeface="Calibri" panose="020F0502020204030204" pitchFamily="34" charset="0"/>
-                <a:cs typeface="Times New Roman" panose="02020603050405020304" pitchFamily="18" charset="0"/>
-              </a:rPr>
-              <a:t>[Online] </a:t>
+              <a:t>docs.unrealengine.com, n.d. Nanite Virtualized Geometry. [Online] </a:t>
             </a:r>
             <a:br>
-              <a:rPr lang="en-US" dirty="0">
+              <a:rPr lang="en-US" sz="1600" dirty="0">
                 <a:effectLst/>
                 <a:latin typeface="Arial" panose="020B0604020202020204" pitchFamily="34" charset="0"/>
                 <a:ea typeface="Calibri" panose="020F0502020204030204" pitchFamily="34" charset="0"/>
@@ -45104,7 +45147,7 @@
               </a:rPr>
             </a:br>
             <a:r>
-              <a:rPr lang="en-US" dirty="0">
+              <a:rPr lang="en-US" sz="1600" dirty="0">
                 <a:effectLst/>
                 <a:latin typeface="Arial" panose="020B0604020202020204" pitchFamily="34" charset="0"/>
                 <a:ea typeface="Calibri" panose="020F0502020204030204" pitchFamily="34" charset="0"/>
@@ -45113,7 +45156,7 @@
               <a:t>Available at: </a:t>
             </a:r>
             <a:r>
-              <a:rPr lang="en-US" u="sng" dirty="0">
+              <a:rPr lang="en-US" sz="1600" u="sng" dirty="0">
                 <a:effectLst/>
                 <a:latin typeface="Arial" panose="020B0604020202020204" pitchFamily="34" charset="0"/>
                 <a:ea typeface="Calibri" panose="020F0502020204030204" pitchFamily="34" charset="0"/>
@@ -45122,7 +45165,7 @@
               <a:t>https://docs.unrealengine.com/5.0/en-US/RenderingFeatures/Nanite/</a:t>
             </a:r>
             <a:br>
-              <a:rPr lang="en-US" dirty="0">
+              <a:rPr lang="en-US" sz="1600" dirty="0">
                 <a:effectLst/>
                 <a:latin typeface="Arial" panose="020B0604020202020204" pitchFamily="34" charset="0"/>
                 <a:ea typeface="Calibri" panose="020F0502020204030204" pitchFamily="34" charset="0"/>
@@ -45130,7 +45173,7 @@
               </a:rPr>
             </a:br>
             <a:r>
-              <a:rPr lang="en-US" dirty="0">
+              <a:rPr lang="en-US" sz="1600" dirty="0">
                 <a:effectLst/>
                 <a:latin typeface="Arial" panose="020B0604020202020204" pitchFamily="34" charset="0"/>
                 <a:ea typeface="Calibri" panose="020F0502020204030204" pitchFamily="34" charset="0"/>
@@ -45149,34 +45192,16 @@
               </a:spcAft>
             </a:pPr>
             <a:r>
-              <a:rPr lang="en-US" dirty="0">
+              <a:rPr lang="en-US" sz="1600" dirty="0">
                 <a:effectLst/>
                 <a:latin typeface="Arial" panose="020B0604020202020204" pitchFamily="34" charset="0"/>
                 <a:ea typeface="Calibri" panose="020F0502020204030204" pitchFamily="34" charset="0"/>
                 <a:cs typeface="Times New Roman" panose="02020603050405020304" pitchFamily="18" charset="0"/>
               </a:rPr>
-              <a:t>Wikipedia, C., 2019. </a:t>
-            </a:r>
-            <a:r>
-              <a:rPr lang="en-US" i="1" dirty="0">
-                <a:effectLst/>
-                <a:latin typeface="Arial" panose="020B0604020202020204" pitchFamily="34" charset="0"/>
-                <a:ea typeface="Calibri" panose="020F0502020204030204" pitchFamily="34" charset="0"/>
-                <a:cs typeface="Times New Roman" panose="02020603050405020304" pitchFamily="18" charset="0"/>
-              </a:rPr>
-              <a:t>Blockchain. </a:t>
-            </a:r>
-            <a:r>
-              <a:rPr lang="en-US" dirty="0">
-                <a:effectLst/>
-                <a:latin typeface="Arial" panose="020B0604020202020204" pitchFamily="34" charset="0"/>
-                <a:ea typeface="Calibri" panose="020F0502020204030204" pitchFamily="34" charset="0"/>
-                <a:cs typeface="Times New Roman" panose="02020603050405020304" pitchFamily="18" charset="0"/>
-              </a:rPr>
-              <a:t>[Online] </a:t>
+              <a:t>Wikipedia, C., 2019. Blockchain. [Online] </a:t>
             </a:r>
             <a:br>
-              <a:rPr lang="en-US" dirty="0">
+              <a:rPr lang="en-US" sz="1600" dirty="0">
                 <a:effectLst/>
                 <a:latin typeface="Arial" panose="020B0604020202020204" pitchFamily="34" charset="0"/>
                 <a:ea typeface="Calibri" panose="020F0502020204030204" pitchFamily="34" charset="0"/>
@@ -45184,7 +45209,7 @@
               </a:rPr>
             </a:br>
             <a:r>
-              <a:rPr lang="en-US" dirty="0">
+              <a:rPr lang="en-US" sz="1600" dirty="0">
                 <a:effectLst/>
                 <a:latin typeface="Arial" panose="020B0604020202020204" pitchFamily="34" charset="0"/>
                 <a:ea typeface="Calibri" panose="020F0502020204030204" pitchFamily="34" charset="0"/>
@@ -45193,7 +45218,7 @@
               <a:t>Available at: </a:t>
             </a:r>
             <a:r>
-              <a:rPr lang="en-US" u="sng" dirty="0">
+              <a:rPr lang="en-US" sz="1600" u="sng" dirty="0">
                 <a:effectLst/>
                 <a:latin typeface="Arial" panose="020B0604020202020204" pitchFamily="34" charset="0"/>
                 <a:ea typeface="Calibri" panose="020F0502020204030204" pitchFamily="34" charset="0"/>
@@ -45202,7 +45227,7 @@
               <a:t>https://en.wikipedia.org/wiki/Blockchain</a:t>
             </a:r>
             <a:br>
-              <a:rPr lang="en-US" dirty="0">
+              <a:rPr lang="en-US" sz="1600" dirty="0">
                 <a:effectLst/>
                 <a:latin typeface="Arial" panose="020B0604020202020204" pitchFamily="34" charset="0"/>
                 <a:ea typeface="Calibri" panose="020F0502020204030204" pitchFamily="34" charset="0"/>
@@ -45210,7 +45235,7 @@
               </a:rPr>
             </a:br>
             <a:r>
-              <a:rPr lang="en-US" dirty="0">
+              <a:rPr lang="en-US" sz="1600" dirty="0">
                 <a:effectLst/>
                 <a:latin typeface="Arial" panose="020B0604020202020204" pitchFamily="34" charset="0"/>
                 <a:ea typeface="Calibri" panose="020F0502020204030204" pitchFamily="34" charset="0"/>
@@ -45229,34 +45254,16 @@
               </a:spcAft>
             </a:pPr>
             <a:r>
-              <a:rPr lang="en-US" dirty="0">
+              <a:rPr lang="en-US" sz="1600" dirty="0">
                 <a:effectLst/>
                 <a:latin typeface="Arial" panose="020B0604020202020204" pitchFamily="34" charset="0"/>
                 <a:ea typeface="Calibri" panose="020F0502020204030204" pitchFamily="34" charset="0"/>
                 <a:cs typeface="Times New Roman" panose="02020603050405020304" pitchFamily="18" charset="0"/>
               </a:rPr>
-              <a:t>Wikipedia, C., 2019. </a:t>
-            </a:r>
-            <a:r>
-              <a:rPr lang="en-US" i="1" dirty="0">
-                <a:effectLst/>
-                <a:latin typeface="Arial" panose="020B0604020202020204" pitchFamily="34" charset="0"/>
-                <a:ea typeface="Calibri" panose="020F0502020204030204" pitchFamily="34" charset="0"/>
-                <a:cs typeface="Times New Roman" panose="02020603050405020304" pitchFamily="18" charset="0"/>
-              </a:rPr>
-              <a:t>Computer graphics. </a:t>
-            </a:r>
-            <a:r>
-              <a:rPr lang="en-US" dirty="0">
-                <a:effectLst/>
-                <a:latin typeface="Arial" panose="020B0604020202020204" pitchFamily="34" charset="0"/>
-                <a:ea typeface="Calibri" panose="020F0502020204030204" pitchFamily="34" charset="0"/>
-                <a:cs typeface="Times New Roman" panose="02020603050405020304" pitchFamily="18" charset="0"/>
-              </a:rPr>
-              <a:t>[Online] </a:t>
+              <a:t>Wikipedia, C., 2019. Computer graphics. [Online] </a:t>
             </a:r>
             <a:br>
-              <a:rPr lang="en-US" dirty="0">
+              <a:rPr lang="en-US" sz="1600" dirty="0">
                 <a:effectLst/>
                 <a:latin typeface="Arial" panose="020B0604020202020204" pitchFamily="34" charset="0"/>
                 <a:ea typeface="Calibri" panose="020F0502020204030204" pitchFamily="34" charset="0"/>
@@ -45264,7 +45271,7 @@
               </a:rPr>
             </a:br>
             <a:r>
-              <a:rPr lang="en-US" dirty="0">
+              <a:rPr lang="en-US" sz="1600" dirty="0">
                 <a:effectLst/>
                 <a:latin typeface="Arial" panose="020B0604020202020204" pitchFamily="34" charset="0"/>
                 <a:ea typeface="Calibri" panose="020F0502020204030204" pitchFamily="34" charset="0"/>
@@ -45273,7 +45280,7 @@
               <a:t>Available at: </a:t>
             </a:r>
             <a:r>
-              <a:rPr lang="en-US" u="sng" dirty="0">
+              <a:rPr lang="en-US" sz="1600" u="sng" dirty="0">
                 <a:effectLst/>
                 <a:latin typeface="Arial" panose="020B0604020202020204" pitchFamily="34" charset="0"/>
                 <a:ea typeface="Calibri" panose="020F0502020204030204" pitchFamily="34" charset="0"/>
@@ -45282,7 +45289,7 @@
               <a:t>https://en.wikipedia.org/wiki/Computer_graphics</a:t>
             </a:r>
             <a:br>
-              <a:rPr lang="en-US" dirty="0">
+              <a:rPr lang="en-US" sz="1600" dirty="0">
                 <a:effectLst/>
                 <a:latin typeface="Arial" panose="020B0604020202020204" pitchFamily="34" charset="0"/>
                 <a:ea typeface="Calibri" panose="020F0502020204030204" pitchFamily="34" charset="0"/>
@@ -45290,7 +45297,7 @@
               </a:rPr>
             </a:br>
             <a:r>
-              <a:rPr lang="en-US" dirty="0">
+              <a:rPr lang="en-US" sz="1600" dirty="0">
                 <a:effectLst/>
                 <a:latin typeface="Arial" panose="020B0604020202020204" pitchFamily="34" charset="0"/>
                 <a:ea typeface="Calibri" panose="020F0502020204030204" pitchFamily="34" charset="0"/>
@@ -46380,18 +46387,18 @@
               <a:t> </a:t>
             </a:r>
             <a:r>
-              <a:rPr lang="el-GR" sz="2400" dirty="0" err="1">
+              <a:rPr lang="el-GR" sz="2400" dirty="0">
                 <a:latin typeface="Arial" panose="020B0604020202020204" pitchFamily="34" charset="0"/>
                 <a:cs typeface="Arial" panose="020B0604020202020204" pitchFamily="34" charset="0"/>
               </a:rPr>
-              <a:t>χαρακτηρηστικών</a:t>
+              <a:t>χαρακτηριστικών</a:t>
             </a:r>
             <a:r>
               <a:rPr lang="en-US" sz="2400" dirty="0">
                 <a:latin typeface="Arial" panose="020B0604020202020204" pitchFamily="34" charset="0"/>
                 <a:cs typeface="Arial" panose="020B0604020202020204" pitchFamily="34" charset="0"/>
               </a:rPr>
-              <a:t>(</a:t>
+              <a:t> (</a:t>
             </a:r>
             <a:r>
               <a:rPr lang="el-GR" sz="2400" i="1" dirty="0">

--- a/MENTAL WEALTH PROFESSIONAL LIFE 3 (PROJECT) (CN6000)/Research_Thesis_Main/Μητροπολιτικό Κολλέγιο_ΣΕΚΦ[Μιχαηλ Μαρκου] Advanced multiplayer game mechanics.pptx
+++ b/MENTAL WEALTH PROFESSIONAL LIFE 3 (PROJECT) (CN6000)/Research_Thesis_Main/Μητροπολιτικό Κολλέγιο_ΣΕΚΦ[Μιχαηλ Μαρκου] Advanced multiplayer game mechanics.pptx
@@ -34212,7 +34212,7 @@
         <p:spPr>
           <a:xfrm>
             <a:off x="287970" y="2857765"/>
-            <a:ext cx="2510816" cy="2677656"/>
+            <a:ext cx="4961615" cy="3108543"/>
           </a:xfrm>
           <a:prstGeom prst="rect">
             <a:avLst/>
@@ -34305,6 +34305,27 @@
               </a:rPr>
               <a:t>Βελτίωση</a:t>
             </a:r>
+            <a:endParaRPr lang="en-US" sz="2800" dirty="0">
+              <a:latin typeface="Arial" panose="020B0604020202020204" pitchFamily="34" charset="0"/>
+              <a:cs typeface="Arial" panose="020B0604020202020204" pitchFamily="34" charset="0"/>
+            </a:endParaRPr>
+          </a:p>
+          <a:p>
+            <a:pPr marL="457200" indent="-457200">
+              <a:buFont typeface="Arial" panose="020B0604020202020204" pitchFamily="34" charset="0"/>
+              <a:buChar char="•"/>
+            </a:pPr>
+            <a:r>
+              <a:rPr lang="en-US" sz="2800" dirty="0">
+                <a:latin typeface="Arial" panose="020B0604020202020204" pitchFamily="34" charset="0"/>
+                <a:cs typeface="Arial" panose="020B0604020202020204" pitchFamily="34" charset="0"/>
+              </a:rPr>
+              <a:t>Return of Investment (ROI)</a:t>
+            </a:r>
+            <a:endParaRPr lang="el-GR" sz="2800" dirty="0">
+              <a:latin typeface="Arial" panose="020B0604020202020204" pitchFamily="34" charset="0"/>
+              <a:cs typeface="Arial" panose="020B0604020202020204" pitchFamily="34" charset="0"/>
+            </a:endParaRPr>
           </a:p>
         </p:txBody>
       </p:sp>

--- a/MENTAL WEALTH PROFESSIONAL LIFE 3 (PROJECT) (CN6000)/Research_Thesis_Main/Μητροπολιτικό Κολλέγιο_ΣΕΚΦ[Μιχαηλ Μαρκου] Advanced multiplayer game mechanics.pptx
+++ b/MENTAL WEALTH PROFESSIONAL LIFE 3 (PROJECT) (CN6000)/Research_Thesis_Main/Μητροπολιτικό Κολλέγιο_ΣΕΚΦ[Μιχαηλ Μαρκου] Advanced multiplayer game mechanics.pptx
@@ -6,10 +6,10 @@
     <p:sldMasterId id="2147483672" r:id="rId2"/>
   </p:sldMasterIdLst>
   <p:notesMasterIdLst>
-    <p:notesMasterId r:id="rId32"/>
+    <p:notesMasterId r:id="rId33"/>
   </p:notesMasterIdLst>
   <p:handoutMasterIdLst>
-    <p:handoutMasterId r:id="rId33"/>
+    <p:handoutMasterId r:id="rId34"/>
   </p:handoutMasterIdLst>
   <p:sldIdLst>
     <p:sldId id="302" r:id="rId3"/>
@@ -18,29 +18,30 @@
     <p:sldId id="410" r:id="rId6"/>
     <p:sldId id="411" r:id="rId7"/>
     <p:sldId id="432" r:id="rId8"/>
-    <p:sldId id="409" r:id="rId9"/>
-    <p:sldId id="412" r:id="rId10"/>
-    <p:sldId id="414" r:id="rId11"/>
-    <p:sldId id="433" r:id="rId12"/>
-    <p:sldId id="415" r:id="rId13"/>
-    <p:sldId id="418" r:id="rId14"/>
-    <p:sldId id="420" r:id="rId15"/>
-    <p:sldId id="421" r:id="rId16"/>
-    <p:sldId id="422" r:id="rId17"/>
-    <p:sldId id="423" r:id="rId18"/>
-    <p:sldId id="424" r:id="rId19"/>
-    <p:sldId id="416" r:id="rId20"/>
-    <p:sldId id="419" r:id="rId21"/>
-    <p:sldId id="425" r:id="rId22"/>
-    <p:sldId id="417" r:id="rId23"/>
-    <p:sldId id="427" r:id="rId24"/>
-    <p:sldId id="428" r:id="rId25"/>
-    <p:sldId id="429" r:id="rId26"/>
-    <p:sldId id="430" r:id="rId27"/>
-    <p:sldId id="431" r:id="rId28"/>
-    <p:sldId id="434" r:id="rId29"/>
-    <p:sldId id="435" r:id="rId30"/>
-    <p:sldId id="426" r:id="rId31"/>
+    <p:sldId id="436" r:id="rId9"/>
+    <p:sldId id="409" r:id="rId10"/>
+    <p:sldId id="412" r:id="rId11"/>
+    <p:sldId id="414" r:id="rId12"/>
+    <p:sldId id="433" r:id="rId13"/>
+    <p:sldId id="415" r:id="rId14"/>
+    <p:sldId id="418" r:id="rId15"/>
+    <p:sldId id="420" r:id="rId16"/>
+    <p:sldId id="421" r:id="rId17"/>
+    <p:sldId id="422" r:id="rId18"/>
+    <p:sldId id="423" r:id="rId19"/>
+    <p:sldId id="424" r:id="rId20"/>
+    <p:sldId id="416" r:id="rId21"/>
+    <p:sldId id="419" r:id="rId22"/>
+    <p:sldId id="425" r:id="rId23"/>
+    <p:sldId id="417" r:id="rId24"/>
+    <p:sldId id="427" r:id="rId25"/>
+    <p:sldId id="428" r:id="rId26"/>
+    <p:sldId id="429" r:id="rId27"/>
+    <p:sldId id="430" r:id="rId28"/>
+    <p:sldId id="431" r:id="rId29"/>
+    <p:sldId id="434" r:id="rId30"/>
+    <p:sldId id="435" r:id="rId31"/>
+    <p:sldId id="426" r:id="rId32"/>
   </p:sldIdLst>
   <p:sldSz cx="9144000" cy="6858000" type="screen4x3"/>
   <p:notesSz cx="6864350" cy="9996488"/>
@@ -18409,17 +18410,6 @@
           <a:bodyPr/>
           <a:lstStyle/>
           <a:p>
-            <a:pPr marL="0" marR="0" algn="just">
-              <a:lnSpc>
-                <a:spcPct val="150000"/>
-              </a:lnSpc>
-              <a:spcBef>
-                <a:spcPts val="0"/>
-              </a:spcBef>
-              <a:spcAft>
-                <a:spcPts val="800"/>
-              </a:spcAft>
-            </a:pPr>
             <a:r>
               <a:rPr lang="el-GR" sz="1200" dirty="0">
                 <a:effectLst/>
@@ -18427,7 +18417,7 @@
                 <a:ea typeface="Calibri" panose="020F0502020204030204" pitchFamily="34" charset="0"/>
                 <a:cs typeface="Arial" panose="020B0604020202020204" pitchFamily="34" charset="0"/>
               </a:rPr>
-              <a:t>Τα βήματα στην δημιουργία συστημάτων εικονικού κόσμου πριν από την διαδικασία έναρξης δόμησης </a:t>
+              <a:t>Η παρούσα εργασία συστημάτων παιχνιδιού</a:t>
             </a:r>
             <a:r>
               <a:rPr lang="en-US" sz="1200" dirty="0">
@@ -18436,7 +18426,7 @@
                 <a:ea typeface="Calibri" panose="020F0502020204030204" pitchFamily="34" charset="0"/>
                 <a:cs typeface="Arial" panose="020B0604020202020204" pitchFamily="34" charset="0"/>
               </a:rPr>
-              <a:t>business model</a:t>
+              <a:t> </a:t>
             </a:r>
             <a:r>
               <a:rPr lang="el-GR" sz="1200" dirty="0">
@@ -18445,7 +18435,7 @@
                 <a:ea typeface="Calibri" panose="020F0502020204030204" pitchFamily="34" charset="0"/>
                 <a:cs typeface="Arial" panose="020B0604020202020204" pitchFamily="34" charset="0"/>
               </a:rPr>
-              <a:t> &amp; </a:t>
+              <a:t>δεν είναι </a:t>
             </a:r>
             <a:r>
               <a:rPr lang="en-US" sz="1200" dirty="0">
@@ -18454,7 +18444,7 @@
                 <a:ea typeface="Calibri" panose="020F0502020204030204" pitchFamily="34" charset="0"/>
                 <a:cs typeface="Arial" panose="020B0604020202020204" pitchFamily="34" charset="0"/>
               </a:rPr>
-              <a:t>logic</a:t>
+              <a:t>prototype </a:t>
             </a:r>
             <a:r>
               <a:rPr lang="el-GR" sz="1200" dirty="0">
@@ -18463,7 +18453,112 @@
                 <a:ea typeface="Calibri" panose="020F0502020204030204" pitchFamily="34" charset="0"/>
                 <a:cs typeface="Arial" panose="020B0604020202020204" pitchFamily="34" charset="0"/>
               </a:rPr>
-              <a:t> είναι αλγοριθμικά προσεγμένα, τα εξής: </a:t>
+              <a:t>μοντέλο αλλά τελικό καθώς εγκρίθηκε και δημοσιεύτηκε στην επίσημη πλατφόρμα της </a:t>
+            </a:r>
+            <a:r>
+              <a:rPr lang="en-US" sz="1200" u="sng" dirty="0">
+                <a:solidFill>
+                  <a:srgbClr val="0563C1"/>
+                </a:solidFill>
+                <a:effectLst/>
+                <a:latin typeface="Arial" panose="020B0604020202020204" pitchFamily="34" charset="0"/>
+                <a:ea typeface="Calibri" panose="020F0502020204030204" pitchFamily="34" charset="0"/>
+                <a:cs typeface="Arial" panose="020B0604020202020204" pitchFamily="34" charset="0"/>
+                <a:hlinkClick r:id="rId3"/>
+              </a:rPr>
+              <a:t>Unreal Engine Marketplace</a:t>
+            </a:r>
+            <a:r>
+              <a:rPr lang="el-GR" sz="1200" dirty="0">
+                <a:effectLst/>
+                <a:latin typeface="Arial" panose="020B0604020202020204" pitchFamily="34" charset="0"/>
+                <a:ea typeface="Calibri" panose="020F0502020204030204" pitchFamily="34" charset="0"/>
+                <a:cs typeface="Arial" panose="020B0604020202020204" pitchFamily="34" charset="0"/>
+              </a:rPr>
+              <a:t> ώστε </a:t>
+            </a:r>
+          </a:p>
+          <a:p>
+            <a:r>
+              <a:rPr lang="el-GR" sz="1200" dirty="0">
+                <a:effectLst/>
+                <a:latin typeface="Arial" panose="020B0604020202020204" pitchFamily="34" charset="0"/>
+                <a:ea typeface="Calibri" panose="020F0502020204030204" pitchFamily="34" charset="0"/>
+                <a:cs typeface="Arial" panose="020B0604020202020204" pitchFamily="34" charset="0"/>
+              </a:rPr>
+              <a:t>Λαμβάνοντας τα σωστά βήματα/</a:t>
+            </a:r>
+            <a:r>
+              <a:rPr lang="en-US" sz="1200" dirty="0">
+                <a:effectLst/>
+                <a:latin typeface="Arial" panose="020B0604020202020204" pitchFamily="34" charset="0"/>
+                <a:ea typeface="Calibri" panose="020F0502020204030204" pitchFamily="34" charset="0"/>
+                <a:cs typeface="Arial" panose="020B0604020202020204" pitchFamily="34" charset="0"/>
+              </a:rPr>
+              <a:t>Guidelines</a:t>
+            </a:r>
+            <a:r>
+              <a:rPr lang="el-GR" sz="1200" dirty="0">
+                <a:effectLst/>
+                <a:latin typeface="Arial" panose="020B0604020202020204" pitchFamily="34" charset="0"/>
+                <a:ea typeface="Calibri" panose="020F0502020204030204" pitchFamily="34" charset="0"/>
+                <a:cs typeface="Arial" panose="020B0604020202020204" pitchFamily="34" charset="0"/>
+              </a:rPr>
+              <a:t> που θα συνοψίσουμε παρακάτω για να έρθει εις πέρας ένα </a:t>
+            </a:r>
+            <a:r>
+              <a:rPr lang="en-US" sz="1200" dirty="0">
+                <a:effectLst/>
+                <a:latin typeface="Arial" panose="020B0604020202020204" pitchFamily="34" charset="0"/>
+                <a:ea typeface="Calibri" panose="020F0502020204030204" pitchFamily="34" charset="0"/>
+                <a:cs typeface="Arial" panose="020B0604020202020204" pitchFamily="34" charset="0"/>
+              </a:rPr>
+              <a:t>project </a:t>
+            </a:r>
+            <a:r>
+              <a:rPr lang="el-GR" sz="1200" dirty="0">
+                <a:effectLst/>
+                <a:latin typeface="Arial" panose="020B0604020202020204" pitchFamily="34" charset="0"/>
+                <a:ea typeface="Calibri" panose="020F0502020204030204" pitchFamily="34" charset="0"/>
+                <a:cs typeface="Arial" panose="020B0604020202020204" pitchFamily="34" charset="0"/>
+              </a:rPr>
+              <a:t>κομμάτι </a:t>
+            </a:r>
+            <a:r>
+              <a:rPr lang="en-US" sz="1200" dirty="0">
+                <a:effectLst/>
+                <a:latin typeface="Arial" panose="020B0604020202020204" pitchFamily="34" charset="0"/>
+                <a:ea typeface="Calibri" panose="020F0502020204030204" pitchFamily="34" charset="0"/>
+                <a:cs typeface="Arial" panose="020B0604020202020204" pitchFamily="34" charset="0"/>
+              </a:rPr>
+              <a:t>video</a:t>
+            </a:r>
+            <a:r>
+              <a:rPr lang="el-GR" sz="1200" dirty="0">
+                <a:effectLst/>
+                <a:latin typeface="Arial" panose="020B0604020202020204" pitchFamily="34" charset="0"/>
+                <a:ea typeface="Calibri" panose="020F0502020204030204" pitchFamily="34" charset="0"/>
+                <a:cs typeface="Arial" panose="020B0604020202020204" pitchFamily="34" charset="0"/>
+              </a:rPr>
+              <a:t>-</a:t>
+            </a:r>
+            <a:r>
+              <a:rPr lang="en-US" sz="1200" dirty="0">
+                <a:effectLst/>
+                <a:latin typeface="Arial" panose="020B0604020202020204" pitchFamily="34" charset="0"/>
+                <a:ea typeface="Calibri" panose="020F0502020204030204" pitchFamily="34" charset="0"/>
+                <a:cs typeface="Arial" panose="020B0604020202020204" pitchFamily="34" charset="0"/>
+              </a:rPr>
+              <a:t>game</a:t>
+            </a:r>
+            <a:r>
+              <a:rPr lang="el-GR" sz="1200" dirty="0">
+                <a:effectLst/>
+                <a:latin typeface="Arial" panose="020B0604020202020204" pitchFamily="34" charset="0"/>
+                <a:ea typeface="Calibri" panose="020F0502020204030204" pitchFamily="34" charset="0"/>
+                <a:cs typeface="Arial" panose="020B0604020202020204" pitchFamily="34" charset="0"/>
+              </a:rPr>
+              <a:t> με σωστή ροή από ιδέα -&gt; υλοποίηση.</a:t>
             </a:r>
             <a:endParaRPr lang="en-US" sz="1200" dirty="0">
               <a:effectLst/>
@@ -18473,123 +18568,7 @@
             </a:endParaRPr>
           </a:p>
           <a:p>
-            <a:pPr marL="0" marR="0" algn="just">
-              <a:lnSpc>
-                <a:spcPct val="150000"/>
-              </a:lnSpc>
-              <a:spcBef>
-                <a:spcPts val="0"/>
-              </a:spcBef>
-              <a:spcAft>
-                <a:spcPts val="800"/>
-              </a:spcAft>
-            </a:pPr>
-            <a:endParaRPr lang="en-US" sz="1200" dirty="0">
-              <a:effectLst/>
-              <a:latin typeface="Arial" panose="020B0604020202020204" pitchFamily="34" charset="0"/>
-              <a:ea typeface="Calibri" panose="020F0502020204030204" pitchFamily="34" charset="0"/>
-              <a:cs typeface="Arial" panose="020B0604020202020204" pitchFamily="34" charset="0"/>
-            </a:endParaRPr>
-          </a:p>
-          <a:p>
-            <a:pPr marL="0" marR="0" algn="just">
-              <a:lnSpc>
-                <a:spcPct val="150000"/>
-              </a:lnSpc>
-              <a:spcBef>
-                <a:spcPts val="0"/>
-              </a:spcBef>
-              <a:spcAft>
-                <a:spcPts val="800"/>
-              </a:spcAft>
-            </a:pPr>
-            <a:r>
-              <a:rPr lang="el-GR" sz="1200" dirty="0">
-                <a:effectLst/>
-                <a:latin typeface="Arial" panose="020B0604020202020204" pitchFamily="34" charset="0"/>
-                <a:ea typeface="Calibri" panose="020F0502020204030204" pitchFamily="34" charset="0"/>
-                <a:cs typeface="Arial" panose="020B0604020202020204" pitchFamily="34" charset="0"/>
-              </a:rPr>
-              <a:t>Εν τέλη τα παραπάνω βήματα επικεντρώνονται σε έναν </a:t>
-            </a:r>
-            <a:r>
-              <a:rPr lang="en-US" sz="1200" dirty="0">
-                <a:effectLst/>
-                <a:latin typeface="Arial" panose="020B0604020202020204" pitchFamily="34" charset="0"/>
-                <a:ea typeface="Calibri" panose="020F0502020204030204" pitchFamily="34" charset="0"/>
-                <a:cs typeface="Arial" panose="020B0604020202020204" pitchFamily="34" charset="0"/>
-              </a:rPr>
-              <a:t>fast paced marketing</a:t>
-            </a:r>
-            <a:r>
-              <a:rPr lang="el-GR" sz="1200" dirty="0">
-                <a:effectLst/>
-                <a:latin typeface="Arial" panose="020B0604020202020204" pitchFamily="34" charset="0"/>
-                <a:ea typeface="Calibri" panose="020F0502020204030204" pitchFamily="34" charset="0"/>
-                <a:cs typeface="Arial" panose="020B0604020202020204" pitchFamily="34" charset="0"/>
-              </a:rPr>
-              <a:t> ρυθμό ανάπτυξης καθώς χρησιμοποιούνται ήδη υπάρχουσες έτοιμες τεχνολογίες για την δόμηση συστημάτων καθώς αυτό δεν είναι προκαθορισμένο διότι μπορεί για να γίνει η επιθυμία “</a:t>
-            </a:r>
-            <a:r>
-              <a:rPr lang="en-US" sz="1200" i="1" dirty="0">
-                <a:effectLst/>
-                <a:latin typeface="Arial" panose="020B0604020202020204" pitchFamily="34" charset="0"/>
-                <a:ea typeface="Calibri" panose="020F0502020204030204" pitchFamily="34" charset="0"/>
-                <a:cs typeface="Arial" panose="020B0604020202020204" pitchFamily="34" charset="0"/>
-              </a:rPr>
-              <a:t>re</a:t>
-            </a:r>
-            <a:r>
-              <a:rPr lang="el-GR" sz="1200" i="1" dirty="0">
-                <a:effectLst/>
-                <a:latin typeface="Arial" panose="020B0604020202020204" pitchFamily="34" charset="0"/>
-                <a:ea typeface="Calibri" panose="020F0502020204030204" pitchFamily="34" charset="0"/>
-                <a:cs typeface="Arial" panose="020B0604020202020204" pitchFamily="34" charset="0"/>
-              </a:rPr>
-              <a:t>-</a:t>
-            </a:r>
-            <a:r>
-              <a:rPr lang="en-US" sz="1200" i="1" dirty="0">
-                <a:effectLst/>
-                <a:latin typeface="Arial" panose="020B0604020202020204" pitchFamily="34" charset="0"/>
-                <a:ea typeface="Calibri" panose="020F0502020204030204" pitchFamily="34" charset="0"/>
-                <a:cs typeface="Arial" panose="020B0604020202020204" pitchFamily="34" charset="0"/>
-              </a:rPr>
-              <a:t>invent the wheel</a:t>
-            </a:r>
-            <a:r>
-              <a:rPr lang="el-GR" sz="1200" dirty="0">
-                <a:effectLst/>
-                <a:latin typeface="Arial" panose="020B0604020202020204" pitchFamily="34" charset="0"/>
-                <a:ea typeface="Calibri" panose="020F0502020204030204" pitchFamily="34" charset="0"/>
-                <a:cs typeface="Arial" panose="020B0604020202020204" pitchFamily="34" charset="0"/>
-              </a:rPr>
-              <a:t>” με την δημιουργία από την αρχή των τεχνολογιών από </a:t>
-            </a:r>
-            <a:r>
-              <a:rPr lang="en-US" sz="1200" dirty="0">
-                <a:effectLst/>
-                <a:latin typeface="Arial" panose="020B0604020202020204" pitchFamily="34" charset="0"/>
-                <a:ea typeface="Calibri" panose="020F0502020204030204" pitchFamily="34" charset="0"/>
-                <a:cs typeface="Arial" panose="020B0604020202020204" pitchFamily="34" charset="0"/>
-              </a:rPr>
-              <a:t>Low level</a:t>
-            </a:r>
-            <a:r>
-              <a:rPr lang="el-GR" sz="1200" dirty="0">
-                <a:effectLst/>
-                <a:latin typeface="Arial" panose="020B0604020202020204" pitchFamily="34" charset="0"/>
-                <a:ea typeface="Calibri" panose="020F0502020204030204" pitchFamily="34" charset="0"/>
-                <a:cs typeface="Arial" panose="020B0604020202020204" pitchFamily="34" charset="0"/>
-              </a:rPr>
-              <a:t>.</a:t>
-            </a:r>
-            <a:endParaRPr lang="en-US" sz="1200" dirty="0">
-              <a:effectLst/>
-              <a:latin typeface="Arial" panose="020B0604020202020204" pitchFamily="34" charset="0"/>
-              <a:ea typeface="Calibri" panose="020F0502020204030204" pitchFamily="34" charset="0"/>
-              <a:cs typeface="Times New Roman" panose="02020603050405020304" pitchFamily="18" charset="0"/>
-            </a:endParaRPr>
+            <a:endParaRPr lang="en-US" dirty="0"/>
           </a:p>
         </p:txBody>
       </p:sp>
@@ -18620,7 +18599,7 @@
     </p:spTree>
     <p:extLst>
       <p:ext uri="{BB962C8B-B14F-4D97-AF65-F5344CB8AC3E}">
-        <p14:creationId xmlns:p14="http://schemas.microsoft.com/office/powerpoint/2010/main" val="903801522"/>
+        <p14:creationId xmlns:p14="http://schemas.microsoft.com/office/powerpoint/2010/main" val="347017491"/>
       </p:ext>
     </p:extLst>
   </p:cSld>
@@ -18674,795 +18653,187 @@
           <a:bodyPr/>
           <a:lstStyle/>
           <a:p>
-            <a:pPr marL="0" marR="0" lvl="0" indent="0" algn="l" defTabSz="457200" rtl="0" eaLnBrk="1" fontAlgn="auto" latinLnBrk="0" hangingPunct="1">
+            <a:pPr marL="0" marR="0" algn="just">
               <a:lnSpc>
-                <a:spcPct val="100000"/>
+                <a:spcPct val="150000"/>
               </a:lnSpc>
               <a:spcBef>
                 <a:spcPts val="0"/>
               </a:spcBef>
               <a:spcAft>
-                <a:spcPts val="0"/>
+                <a:spcPts val="800"/>
               </a:spcAft>
-              <a:buClrTx/>
-              <a:buSzTx/>
-              <a:buFontTx/>
-              <a:buNone/>
-              <a:tabLst/>
-              <a:defRPr/>
             </a:pPr>
             <a:r>
-              <a:rPr kumimoji="0" lang="el-GR" sz="1200" b="0" i="0" u="none" strike="noStrike" kern="0" cap="none" spc="0" normalizeH="0" baseline="0" noProof="0" dirty="0">
-                <a:ln>
-                  <a:noFill/>
-                </a:ln>
-                <a:solidFill>
-                  <a:srgbClr val="FFFFFF"/>
-                </a:solidFill>
+              <a:rPr lang="el-GR" sz="1200" dirty="0">
                 <a:effectLst/>
-                <a:uLnTx/>
-                <a:uFillTx/>
                 <a:latin typeface="Arial" panose="020B0604020202020204" pitchFamily="34" charset="0"/>
+                <a:ea typeface="Calibri" panose="020F0502020204030204" pitchFamily="34" charset="0"/>
                 <a:cs typeface="Arial" panose="020B0604020202020204" pitchFamily="34" charset="0"/>
-                <a:sym typeface="Sora"/>
               </a:rPr>
-              <a:t>Τι εξετάζει το </a:t>
-            </a:r>
-            <a:r>
-              <a:rPr kumimoji="0" lang="en-US" sz="1200" b="0" i="0" u="none" strike="noStrike" kern="0" cap="none" spc="0" normalizeH="0" baseline="0" noProof="0" dirty="0">
-                <a:ln>
-                  <a:noFill/>
-                </a:ln>
-                <a:solidFill>
-                  <a:srgbClr val="FFFFFF"/>
-                </a:solidFill>
+              <a:t>Τα βήματα στην δημιουργία συστημάτων εικονικού κόσμου πριν από την διαδικασία έναρξης δόμησης </a:t>
+            </a:r>
+            <a:r>
+              <a:rPr lang="en-US" sz="1200" dirty="0">
                 <a:effectLst/>
-                <a:uLnTx/>
-                <a:uFillTx/>
                 <a:latin typeface="Arial" panose="020B0604020202020204" pitchFamily="34" charset="0"/>
+                <a:ea typeface="Calibri" panose="020F0502020204030204" pitchFamily="34" charset="0"/>
                 <a:cs typeface="Arial" panose="020B0604020202020204" pitchFamily="34" charset="0"/>
-                <a:sym typeface="Sora"/>
               </a:rPr>
-              <a:t>project </a:t>
-            </a:r>
-            <a:r>
-              <a:rPr kumimoji="0" lang="el-GR" sz="1200" b="0" i="0" u="none" strike="noStrike" kern="0" cap="none" spc="0" normalizeH="0" baseline="0" noProof="0" dirty="0">
-                <a:ln>
-                  <a:noFill/>
-                </a:ln>
-                <a:solidFill>
-                  <a:srgbClr val="FFFFFF"/>
-                </a:solidFill>
+              <a:t>business model</a:t>
+            </a:r>
+            <a:r>
+              <a:rPr lang="el-GR" sz="1200" dirty="0">
                 <a:effectLst/>
-                <a:uLnTx/>
-                <a:uFillTx/>
                 <a:latin typeface="Arial" panose="020B0604020202020204" pitchFamily="34" charset="0"/>
+                <a:ea typeface="Calibri" panose="020F0502020204030204" pitchFamily="34" charset="0"/>
                 <a:cs typeface="Arial" panose="020B0604020202020204" pitchFamily="34" charset="0"/>
-                <a:sym typeface="Sora"/>
               </a:rPr>
-              <a:t>για σωστή διεκπεραίωση των απαιτήσεων προδιαγραφών?</a:t>
-            </a:r>
-          </a:p>
-          <a:p>
-            <a:pPr marL="0" marR="0" lvl="0" indent="0" algn="l" defTabSz="457200" rtl="0" eaLnBrk="1" fontAlgn="auto" latinLnBrk="0" hangingPunct="1">
+              <a:t> &amp; </a:t>
+            </a:r>
+            <a:r>
+              <a:rPr lang="en-US" sz="1200" dirty="0">
+                <a:effectLst/>
+                <a:latin typeface="Arial" panose="020B0604020202020204" pitchFamily="34" charset="0"/>
+                <a:ea typeface="Calibri" panose="020F0502020204030204" pitchFamily="34" charset="0"/>
+                <a:cs typeface="Arial" panose="020B0604020202020204" pitchFamily="34" charset="0"/>
+              </a:rPr>
+              <a:t>logic</a:t>
+            </a:r>
+            <a:r>
+              <a:rPr lang="el-GR" sz="1200" dirty="0">
+                <a:effectLst/>
+                <a:latin typeface="Arial" panose="020B0604020202020204" pitchFamily="34" charset="0"/>
+                <a:ea typeface="Calibri" panose="020F0502020204030204" pitchFamily="34" charset="0"/>
+                <a:cs typeface="Arial" panose="020B0604020202020204" pitchFamily="34" charset="0"/>
+              </a:rPr>
+              <a:t> είναι αλγοριθμικά προσεγμένα, τα εξής: </a:t>
+            </a:r>
+            <a:endParaRPr lang="en-US" sz="1200" dirty="0">
+              <a:effectLst/>
+              <a:latin typeface="Arial" panose="020B0604020202020204" pitchFamily="34" charset="0"/>
+              <a:ea typeface="Calibri" panose="020F0502020204030204" pitchFamily="34" charset="0"/>
+              <a:cs typeface="Times New Roman" panose="02020603050405020304" pitchFamily="18" charset="0"/>
+            </a:endParaRPr>
+          </a:p>
+          <a:p>
+            <a:pPr marL="0" marR="0" algn="just">
               <a:lnSpc>
-                <a:spcPct val="100000"/>
+                <a:spcPct val="150000"/>
               </a:lnSpc>
               <a:spcBef>
                 <a:spcPts val="0"/>
               </a:spcBef>
               <a:spcAft>
-                <a:spcPts val="0"/>
+                <a:spcPts val="800"/>
               </a:spcAft>
-              <a:buClrTx/>
-              <a:buSzTx/>
-              <a:buFontTx/>
-              <a:buNone/>
-              <a:tabLst/>
-              <a:defRPr/>
             </a:pPr>
-            <a:endParaRPr kumimoji="0" lang="en-US" sz="1200" b="0" i="0" u="none" strike="noStrike" kern="0" cap="none" spc="0" normalizeH="0" baseline="0" noProof="0" dirty="0">
-              <a:ln>
-                <a:noFill/>
-              </a:ln>
-              <a:solidFill>
-                <a:srgbClr val="FFFFFF"/>
-              </a:solidFill>
+            <a:endParaRPr lang="en-US" sz="1200" dirty="0">
               <a:effectLst/>
-              <a:uLnTx/>
-              <a:uFillTx/>
               <a:latin typeface="Arial" panose="020B0604020202020204" pitchFamily="34" charset="0"/>
+              <a:ea typeface="Calibri" panose="020F0502020204030204" pitchFamily="34" charset="0"/>
               <a:cs typeface="Arial" panose="020B0604020202020204" pitchFamily="34" charset="0"/>
-              <a:sym typeface="Sora"/>
             </a:endParaRPr>
           </a:p>
           <a:p>
-            <a:pPr marL="0" marR="0" lvl="0" indent="0" algn="l" defTabSz="457200" rtl="0" eaLnBrk="1" fontAlgn="auto" latinLnBrk="0" hangingPunct="1">
+            <a:pPr marL="0" marR="0" algn="just">
               <a:lnSpc>
-                <a:spcPct val="100000"/>
+                <a:spcPct val="150000"/>
               </a:lnSpc>
               <a:spcBef>
                 <a:spcPts val="0"/>
               </a:spcBef>
               <a:spcAft>
-                <a:spcPts val="0"/>
+                <a:spcPts val="800"/>
               </a:spcAft>
-              <a:buClrTx/>
-              <a:buSzTx/>
-              <a:buFontTx/>
-              <a:buNone/>
-              <a:tabLst/>
-              <a:defRPr/>
             </a:pPr>
             <a:r>
-              <a:rPr kumimoji="0" lang="en-US" sz="1200" b="0" i="0" u="none" strike="noStrike" kern="0" cap="none" spc="0" normalizeH="0" baseline="0" noProof="0" dirty="0">
-                <a:ln>
-                  <a:noFill/>
-                </a:ln>
-                <a:solidFill>
-                  <a:srgbClr val="FFFFFF"/>
-                </a:solidFill>
+              <a:rPr lang="el-GR" sz="1200" dirty="0">
                 <a:effectLst/>
-                <a:uLnTx/>
-                <a:uFillTx/>
                 <a:latin typeface="Arial" panose="020B0604020202020204" pitchFamily="34" charset="0"/>
-                <a:cs typeface="Arial" panose="020B0604020202020204" pitchFamily="34" charset="0"/>
-                <a:sym typeface="Sora"/>
-              </a:rPr>
-              <a:t>Metaverse: </a:t>
-            </a:r>
-            <a:r>
-              <a:rPr kumimoji="0" lang="el-GR" sz="1200" b="0" i="0" u="none" strike="noStrike" kern="0" cap="none" spc="0" normalizeH="0" baseline="0" noProof="0" dirty="0">
-                <a:ln>
-                  <a:noFill/>
-                </a:ln>
-                <a:solidFill>
-                  <a:srgbClr val="FFFFFF"/>
-                </a:solidFill>
-                <a:effectLst/>
-                <a:uLnTx/>
-                <a:uFillTx/>
-                <a:latin typeface="Arial" panose="020B0604020202020204" pitchFamily="34" charset="0"/>
-                <a:cs typeface="Arial" panose="020B0604020202020204" pitchFamily="34" charset="0"/>
-                <a:sym typeface="Sora"/>
-              </a:rPr>
-              <a:t>Το μέλλον της εξέλιξης του Διαδικτύου, γνωστό ως δεύτερη ζωή, επεκτείνεται σε προσομοιώσεις λογισμικού πολλαπλών ζωών σε φυσικό και εικονικό κόσμο</a:t>
-            </a:r>
-          </a:p>
-          <a:p>
-            <a:pPr marL="0" marR="0" lvl="0" indent="0" algn="l" defTabSz="457200" rtl="0" eaLnBrk="1" fontAlgn="auto" latinLnBrk="0" hangingPunct="1">
-              <a:lnSpc>
-                <a:spcPct val="100000"/>
-              </a:lnSpc>
-              <a:spcBef>
-                <a:spcPts val="0"/>
-              </a:spcBef>
-              <a:spcAft>
-                <a:spcPts val="0"/>
-              </a:spcAft>
-              <a:buClrTx/>
-              <a:buSzTx/>
-              <a:buFontTx/>
-              <a:buNone/>
-              <a:tabLst/>
-              <a:defRPr/>
-            </a:pPr>
-            <a:r>
-              <a:rPr kumimoji="0" lang="el-GR" sz="1200" b="0" i="0" u="none" strike="noStrike" kern="0" cap="none" spc="0" normalizeH="0" baseline="0" noProof="0" dirty="0">
-                <a:ln>
-                  <a:noFill/>
-                </a:ln>
-                <a:solidFill>
-                  <a:srgbClr val="FFFFFF"/>
-                </a:solidFill>
-                <a:effectLst/>
-                <a:uLnTx/>
-                <a:uFillTx/>
-                <a:latin typeface="Arial" panose="020B0604020202020204" pitchFamily="34" charset="0"/>
-                <a:cs typeface="Arial" panose="020B0604020202020204" pitchFamily="34" charset="0"/>
-                <a:sym typeface="Sora"/>
-              </a:rPr>
-              <a:t>Δεν είναι εντελώς υλοποιήσιμη λόγο έλλειψη τεχνολογιών όμως η ιδέα του ήταν πάντα εδώ και ιδίως ξεκίνησε σιωπηρά το 1970 με τα πρώτα </a:t>
-            </a:r>
-            <a:r>
-              <a:rPr kumimoji="0" lang="en-US" sz="1200" b="0" i="0" u="none" strike="noStrike" kern="0" cap="none" spc="0" normalizeH="0" baseline="0" noProof="0" dirty="0">
-                <a:ln>
-                  <a:noFill/>
-                </a:ln>
-                <a:solidFill>
-                  <a:srgbClr val="FFFFFF"/>
-                </a:solidFill>
-                <a:effectLst/>
-                <a:uLnTx/>
-                <a:uFillTx/>
-                <a:latin typeface="Arial" panose="020B0604020202020204" pitchFamily="34" charset="0"/>
-                <a:cs typeface="Arial" panose="020B0604020202020204" pitchFamily="34" charset="0"/>
-                <a:sym typeface="Sora"/>
-              </a:rPr>
-              <a:t>arcade games</a:t>
-            </a:r>
-            <a:endParaRPr kumimoji="0" lang="el-GR" sz="1200" b="0" i="0" u="none" strike="noStrike" kern="0" cap="none" spc="0" normalizeH="0" baseline="0" noProof="0" dirty="0">
-              <a:ln>
-                <a:noFill/>
-              </a:ln>
-              <a:solidFill>
-                <a:srgbClr val="FFFFFF"/>
-              </a:solidFill>
-              <a:effectLst/>
-              <a:uLnTx/>
-              <a:uFillTx/>
-              <a:latin typeface="Arial" panose="020B0604020202020204" pitchFamily="34" charset="0"/>
-              <a:cs typeface="Arial" panose="020B0604020202020204" pitchFamily="34" charset="0"/>
-              <a:sym typeface="Sora"/>
-            </a:endParaRPr>
-          </a:p>
-          <a:p>
-            <a:pPr marL="0" marR="0" lvl="0" indent="0" algn="l" defTabSz="457200" rtl="0" eaLnBrk="1" fontAlgn="auto" latinLnBrk="0" hangingPunct="1">
-              <a:lnSpc>
-                <a:spcPct val="100000"/>
-              </a:lnSpc>
-              <a:spcBef>
-                <a:spcPts val="0"/>
-              </a:spcBef>
-              <a:spcAft>
-                <a:spcPts val="0"/>
-              </a:spcAft>
-              <a:buClrTx/>
-              <a:buSzTx/>
-              <a:buFontTx/>
-              <a:buNone/>
-              <a:tabLst/>
-              <a:defRPr/>
-            </a:pPr>
-            <a:r>
-              <a:rPr kumimoji="0" lang="el-GR" sz="1200" b="0" i="0" u="none" strike="noStrike" kern="0" cap="none" spc="0" normalizeH="0" baseline="0" noProof="0" dirty="0">
-                <a:ln>
-                  <a:noFill/>
-                </a:ln>
-                <a:solidFill>
-                  <a:srgbClr val="FFFFFF"/>
-                </a:solidFill>
-                <a:effectLst/>
-                <a:uLnTx/>
-                <a:uFillTx/>
-                <a:latin typeface="Arial" panose="020B0604020202020204" pitchFamily="34" charset="0"/>
-                <a:cs typeface="Arial" panose="020B0604020202020204" pitchFamily="34" charset="0"/>
-                <a:sym typeface="Sora"/>
-              </a:rPr>
-              <a:t>Ένα μέρος για συγκέντρωση ανθρώπων και δια-δραστικότητα  φυσικού και εικονικού κόσμου.</a:t>
-            </a:r>
-          </a:p>
-          <a:p>
-            <a:pPr marL="0" marR="0" lvl="0" indent="0" algn="l" defTabSz="457200" rtl="0" eaLnBrk="1" fontAlgn="auto" latinLnBrk="0" hangingPunct="1">
-              <a:lnSpc>
-                <a:spcPct val="100000"/>
-              </a:lnSpc>
-              <a:spcBef>
-                <a:spcPts val="0"/>
-              </a:spcBef>
-              <a:spcAft>
-                <a:spcPts val="0"/>
-              </a:spcAft>
-              <a:buClrTx/>
-              <a:buSzTx/>
-              <a:buFontTx/>
-              <a:buNone/>
-              <a:tabLst/>
-              <a:defRPr/>
-            </a:pPr>
-            <a:r>
-              <a:rPr kumimoji="0" lang="en-US" sz="1200" b="0" i="0" u="none" strike="noStrike" kern="0" cap="none" spc="0" normalizeH="0" baseline="0" noProof="0" dirty="0">
-                <a:ln>
-                  <a:noFill/>
-                </a:ln>
-                <a:solidFill>
-                  <a:srgbClr val="FFFFFF"/>
-                </a:solidFill>
-                <a:effectLst/>
-                <a:uLnTx/>
-                <a:uFillTx/>
-                <a:latin typeface="Arial" panose="020B0604020202020204" pitchFamily="34" charset="0"/>
-                <a:cs typeface="Arial" panose="020B0604020202020204" pitchFamily="34" charset="0"/>
-                <a:sym typeface="Sora"/>
-              </a:rPr>
-              <a:t>(o </a:t>
-            </a:r>
-            <a:r>
-              <a:rPr kumimoji="0" lang="el-GR" sz="1200" b="0" i="0" u="none" strike="noStrike" kern="0" cap="none" spc="0" normalizeH="0" baseline="0" noProof="0" dirty="0">
-                <a:ln>
-                  <a:noFill/>
-                </a:ln>
-                <a:solidFill>
-                  <a:srgbClr val="FFFFFF"/>
-                </a:solidFill>
-                <a:effectLst/>
-                <a:uLnTx/>
-                <a:uFillTx/>
-                <a:latin typeface="Arial" panose="020B0604020202020204" pitchFamily="34" charset="0"/>
-                <a:cs typeface="Arial" panose="020B0604020202020204" pitchFamily="34" charset="0"/>
-                <a:sym typeface="Sora"/>
-              </a:rPr>
-              <a:t>άνθρωπος στο επίκεντρο)</a:t>
-            </a:r>
-            <a:endParaRPr kumimoji="0" lang="en-US" sz="1200" b="0" i="0" u="none" strike="noStrike" kern="0" cap="none" spc="0" normalizeH="0" baseline="0" noProof="0" dirty="0">
-              <a:ln>
-                <a:noFill/>
-              </a:ln>
-              <a:solidFill>
-                <a:srgbClr val="FFFFFF"/>
-              </a:solidFill>
-              <a:effectLst/>
-              <a:uLnTx/>
-              <a:uFillTx/>
-              <a:latin typeface="Arial" panose="020B0604020202020204" pitchFamily="34" charset="0"/>
-              <a:cs typeface="Arial" panose="020B0604020202020204" pitchFamily="34" charset="0"/>
-              <a:sym typeface="Sora"/>
-            </a:endParaRPr>
-          </a:p>
-          <a:p>
-            <a:endParaRPr lang="en-US" dirty="0"/>
-          </a:p>
-          <a:p>
-            <a:pPr marL="0" marR="0" lvl="0" indent="0" algn="l" defTabSz="457200" rtl="0" eaLnBrk="1" fontAlgn="auto" latinLnBrk="0" hangingPunct="1">
-              <a:lnSpc>
-                <a:spcPct val="100000"/>
-              </a:lnSpc>
-              <a:spcBef>
-                <a:spcPts val="0"/>
-              </a:spcBef>
-              <a:spcAft>
-                <a:spcPts val="0"/>
-              </a:spcAft>
-              <a:buClrTx/>
-              <a:buSzTx/>
-              <a:buFontTx/>
-              <a:buNone/>
-              <a:tabLst/>
-              <a:defRPr/>
-            </a:pPr>
-            <a:r>
-              <a:rPr lang="en-US" dirty="0"/>
-              <a:t>AR/VR: </a:t>
-            </a:r>
-            <a:r>
-              <a:rPr lang="el-GR" sz="1200" kern="0" dirty="0" err="1">
-                <a:solidFill>
-                  <a:srgbClr val="FFFFFF"/>
-                </a:solidFill>
-                <a:latin typeface="Arial" panose="020B0604020202020204" pitchFamily="34" charset="0"/>
+                <a:ea typeface="Calibri" panose="020F0502020204030204" pitchFamily="34" charset="0"/>
                 <a:cs typeface="Arial" panose="020B0604020202020204" pitchFamily="34" charset="0"/>
               </a:rPr>
-              <a:t>Διεπαφές</a:t>
-            </a:r>
-            <a:r>
-              <a:rPr lang="el-GR" sz="1200" kern="0" dirty="0">
-                <a:solidFill>
-                  <a:srgbClr val="FFFFFF"/>
-                </a:solidFill>
+              <a:t>Εν τέλη τα παραπάνω βήματα επικεντρώνονται σε έναν </a:t>
+            </a:r>
+            <a:r>
+              <a:rPr lang="en-US" sz="1200" dirty="0">
+                <a:effectLst/>
                 <a:latin typeface="Arial" panose="020B0604020202020204" pitchFamily="34" charset="0"/>
+                <a:ea typeface="Calibri" panose="020F0502020204030204" pitchFamily="34" charset="0"/>
                 <a:cs typeface="Arial" panose="020B0604020202020204" pitchFamily="34" charset="0"/>
               </a:rPr>
-              <a:t> υλικού για αλληλεπίδραση με τους καθηλωτικούς κόσμους που προσομοιώνουν την καθημερινή ζωή</a:t>
-            </a:r>
-            <a:endParaRPr kumimoji="0" lang="en-US" sz="1200" b="0" i="0" u="none" strike="noStrike" kern="0" cap="none" spc="0" normalizeH="0" baseline="0" noProof="0" dirty="0">
-              <a:ln>
-                <a:noFill/>
-              </a:ln>
-              <a:solidFill>
-                <a:srgbClr val="FFFFFF"/>
-              </a:solidFill>
+              <a:t>fast paced marketing</a:t>
+            </a:r>
+            <a:r>
+              <a:rPr lang="el-GR" sz="1200" dirty="0">
+                <a:effectLst/>
+                <a:latin typeface="Arial" panose="020B0604020202020204" pitchFamily="34" charset="0"/>
+                <a:ea typeface="Calibri" panose="020F0502020204030204" pitchFamily="34" charset="0"/>
+                <a:cs typeface="Arial" panose="020B0604020202020204" pitchFamily="34" charset="0"/>
+              </a:rPr>
+              <a:t> ρυθμό ανάπτυξης καθώς χρησιμοποιούνται ήδη υπάρχουσες έτοιμες τεχνολογίες για την δόμηση συστημάτων καθώς αυτό δεν είναι προκαθορισμένο διότι μπορεί για να γίνει η επιθυμία “</a:t>
+            </a:r>
+            <a:r>
+              <a:rPr lang="en-US" sz="1200" i="1" dirty="0">
+                <a:effectLst/>
+                <a:latin typeface="Arial" panose="020B0604020202020204" pitchFamily="34" charset="0"/>
+                <a:ea typeface="Calibri" panose="020F0502020204030204" pitchFamily="34" charset="0"/>
+                <a:cs typeface="Arial" panose="020B0604020202020204" pitchFamily="34" charset="0"/>
+              </a:rPr>
+              <a:t>re</a:t>
+            </a:r>
+            <a:r>
+              <a:rPr lang="el-GR" sz="1200" i="1" dirty="0">
+                <a:effectLst/>
+                <a:latin typeface="Arial" panose="020B0604020202020204" pitchFamily="34" charset="0"/>
+                <a:ea typeface="Calibri" panose="020F0502020204030204" pitchFamily="34" charset="0"/>
+                <a:cs typeface="Arial" panose="020B0604020202020204" pitchFamily="34" charset="0"/>
+              </a:rPr>
+              <a:t>-</a:t>
+            </a:r>
+            <a:r>
+              <a:rPr lang="en-US" sz="1200" i="1" dirty="0">
+                <a:effectLst/>
+                <a:latin typeface="Arial" panose="020B0604020202020204" pitchFamily="34" charset="0"/>
+                <a:ea typeface="Calibri" panose="020F0502020204030204" pitchFamily="34" charset="0"/>
+                <a:cs typeface="Arial" panose="020B0604020202020204" pitchFamily="34" charset="0"/>
+              </a:rPr>
+              <a:t>invent the wheel</a:t>
+            </a:r>
+            <a:r>
+              <a:rPr lang="el-GR" sz="1200" dirty="0">
+                <a:effectLst/>
+                <a:latin typeface="Arial" panose="020B0604020202020204" pitchFamily="34" charset="0"/>
+                <a:ea typeface="Calibri" panose="020F0502020204030204" pitchFamily="34" charset="0"/>
+                <a:cs typeface="Arial" panose="020B0604020202020204" pitchFamily="34" charset="0"/>
+              </a:rPr>
+              <a:t>” με την δημιουργία από την αρχή των τεχνολογιών από </a:t>
+            </a:r>
+            <a:r>
+              <a:rPr lang="en-US" sz="1200" dirty="0">
+                <a:effectLst/>
+                <a:latin typeface="Arial" panose="020B0604020202020204" pitchFamily="34" charset="0"/>
+                <a:ea typeface="Calibri" panose="020F0502020204030204" pitchFamily="34" charset="0"/>
+                <a:cs typeface="Arial" panose="020B0604020202020204" pitchFamily="34" charset="0"/>
+              </a:rPr>
+              <a:t>Low level</a:t>
+            </a:r>
+            <a:r>
+              <a:rPr lang="el-GR" sz="1200" dirty="0">
+                <a:effectLst/>
+                <a:latin typeface="Arial" panose="020B0604020202020204" pitchFamily="34" charset="0"/>
+                <a:ea typeface="Calibri" panose="020F0502020204030204" pitchFamily="34" charset="0"/>
+                <a:cs typeface="Arial" panose="020B0604020202020204" pitchFamily="34" charset="0"/>
+              </a:rPr>
+              <a:t>.</a:t>
+            </a:r>
+            <a:endParaRPr lang="en-US" sz="1200" dirty="0">
               <a:effectLst/>
-              <a:uLnTx/>
-              <a:uFillTx/>
               <a:latin typeface="Arial" panose="020B0604020202020204" pitchFamily="34" charset="0"/>
-              <a:cs typeface="Arial" panose="020B0604020202020204" pitchFamily="34" charset="0"/>
-              <a:sym typeface="Sora"/>
+              <a:ea typeface="Calibri" panose="020F0502020204030204" pitchFamily="34" charset="0"/>
+              <a:cs typeface="Times New Roman" panose="02020603050405020304" pitchFamily="18" charset="0"/>
             </a:endParaRPr>
-          </a:p>
-          <a:p>
-            <a:endParaRPr lang="en-US" dirty="0"/>
-          </a:p>
-          <a:p>
-            <a:pPr marL="0" marR="0" lvl="0" indent="0" algn="l" defTabSz="457200" rtl="0" eaLnBrk="1" fontAlgn="auto" latinLnBrk="0" hangingPunct="1">
-              <a:lnSpc>
-                <a:spcPct val="100000"/>
-              </a:lnSpc>
-              <a:spcBef>
-                <a:spcPts val="0"/>
-              </a:spcBef>
-              <a:spcAft>
-                <a:spcPts val="0"/>
-              </a:spcAft>
-              <a:buClrTx/>
-              <a:buSzTx/>
-              <a:buFontTx/>
-              <a:buNone/>
-              <a:tabLst/>
-              <a:defRPr/>
-            </a:pPr>
-            <a:r>
-              <a:rPr lang="el-GR" dirty="0"/>
-              <a:t>Πως σχετίζονται με τα </a:t>
-            </a:r>
-            <a:r>
-              <a:rPr lang="en-US" dirty="0"/>
-              <a:t>Gameplay Mechanics: </a:t>
-            </a:r>
-            <a:r>
-              <a:rPr kumimoji="0" lang="el-GR" sz="1200" b="0" i="0" u="none" strike="noStrike" kern="0" cap="none" spc="0" normalizeH="0" baseline="0" noProof="0" dirty="0">
-                <a:ln>
-                  <a:noFill/>
-                </a:ln>
-                <a:solidFill>
-                  <a:srgbClr val="FFFFFF"/>
-                </a:solidFill>
-                <a:effectLst/>
-                <a:uLnTx/>
-                <a:uFillTx/>
-                <a:latin typeface="Arial" panose="020B0604020202020204" pitchFamily="34" charset="0"/>
-                <a:cs typeface="Arial" panose="020B0604020202020204" pitchFamily="34" charset="0"/>
-                <a:sym typeface="Sora"/>
-              </a:rPr>
-              <a:t>Τα API λογισμικού του AR/VR</a:t>
-            </a:r>
-            <a:r>
-              <a:rPr kumimoji="0" lang="en-US" sz="1200" b="0" i="0" u="none" strike="noStrike" kern="0" cap="none" spc="0" normalizeH="0" baseline="0" noProof="0" dirty="0">
-                <a:ln>
-                  <a:noFill/>
-                </a:ln>
-                <a:solidFill>
-                  <a:srgbClr val="FFFFFF"/>
-                </a:solidFill>
-                <a:effectLst/>
-                <a:uLnTx/>
-                <a:uFillTx/>
-                <a:latin typeface="Arial" panose="020B0604020202020204" pitchFamily="34" charset="0"/>
-                <a:cs typeface="Arial" panose="020B0604020202020204" pitchFamily="34" charset="0"/>
-                <a:sym typeface="Sora"/>
-              </a:rPr>
-              <a:t>/classic</a:t>
-            </a:r>
-            <a:r>
-              <a:rPr kumimoji="0" lang="el-GR" sz="1200" b="0" i="0" u="none" strike="noStrike" kern="0" cap="none" spc="0" normalizeH="0" baseline="0" noProof="0" dirty="0">
-                <a:ln>
-                  <a:noFill/>
-                </a:ln>
-                <a:solidFill>
-                  <a:srgbClr val="FFFFFF"/>
-                </a:solidFill>
-                <a:effectLst/>
-                <a:uLnTx/>
-                <a:uFillTx/>
-                <a:latin typeface="Arial" panose="020B0604020202020204" pitchFamily="34" charset="0"/>
-                <a:cs typeface="Arial" panose="020B0604020202020204" pitchFamily="34" charset="0"/>
-                <a:sym typeface="Sora"/>
-              </a:rPr>
-              <a:t> για τη γεφύρωση του υλικού με την αλληλεπίδραση χρήστη λογισμικού μέσα στο </a:t>
-            </a:r>
-            <a:r>
-              <a:rPr kumimoji="0" lang="el-GR" sz="1200" b="0" i="0" u="none" strike="noStrike" kern="0" cap="none" spc="0" normalizeH="0" baseline="0" noProof="0" dirty="0" err="1">
-                <a:ln>
-                  <a:noFill/>
-                </a:ln>
-                <a:solidFill>
-                  <a:srgbClr val="FFFFFF"/>
-                </a:solidFill>
-                <a:effectLst/>
-                <a:uLnTx/>
-                <a:uFillTx/>
-                <a:latin typeface="Arial" panose="020B0604020202020204" pitchFamily="34" charset="0"/>
-                <a:cs typeface="Arial" panose="020B0604020202020204" pitchFamily="34" charset="0"/>
-                <a:sym typeface="Sora"/>
-              </a:rPr>
-              <a:t>metaverse</a:t>
-            </a:r>
-            <a:r>
-              <a:rPr kumimoji="0" lang="el-GR" sz="1200" b="0" i="0" u="none" strike="noStrike" kern="0" cap="none" spc="0" normalizeH="0" baseline="0" noProof="0" dirty="0">
-                <a:ln>
-                  <a:noFill/>
-                </a:ln>
-                <a:solidFill>
-                  <a:srgbClr val="FFFFFF"/>
-                </a:solidFill>
-                <a:effectLst/>
-                <a:uLnTx/>
-                <a:uFillTx/>
-                <a:latin typeface="Arial" panose="020B0604020202020204" pitchFamily="34" charset="0"/>
-                <a:cs typeface="Arial" panose="020B0604020202020204" pitchFamily="34" charset="0"/>
-                <a:sym typeface="Sora"/>
-              </a:rPr>
-              <a:t> </a:t>
-            </a:r>
-            <a:r>
-              <a:rPr kumimoji="0" lang="el-GR" sz="1200" b="0" i="0" u="none" strike="noStrike" kern="0" cap="none" spc="0" normalizeH="0" baseline="0" noProof="0" dirty="0">
-                <a:ln>
-                  <a:noFill/>
-                </a:ln>
-                <a:solidFill>
-                  <a:srgbClr val="FFC000"/>
-                </a:solidFill>
-                <a:effectLst/>
-                <a:uLnTx/>
-                <a:uFillTx/>
-                <a:latin typeface="Arial" panose="020B0604020202020204" pitchFamily="34" charset="0"/>
-                <a:cs typeface="Arial" panose="020B0604020202020204" pitchFamily="34" charset="0"/>
-                <a:sym typeface="Sora"/>
-              </a:rPr>
-              <a:t>καθώς και πολλά περισσότερο από αυτό.</a:t>
-            </a:r>
-          </a:p>
-          <a:p>
-            <a:pPr marL="0" marR="0" lvl="0" indent="0" algn="l" defTabSz="457200" rtl="0" eaLnBrk="1" fontAlgn="auto" latinLnBrk="0" hangingPunct="1">
-              <a:lnSpc>
-                <a:spcPct val="100000"/>
-              </a:lnSpc>
-              <a:spcBef>
-                <a:spcPts val="0"/>
-              </a:spcBef>
-              <a:spcAft>
-                <a:spcPts val="0"/>
-              </a:spcAft>
-              <a:buClrTx/>
-              <a:buSzTx/>
-              <a:buFontTx/>
-              <a:buNone/>
-              <a:tabLst/>
-              <a:defRPr/>
-            </a:pPr>
-            <a:endParaRPr kumimoji="0" lang="el-GR" sz="1200" b="0" i="0" u="none" strike="noStrike" kern="0" cap="none" spc="0" normalizeH="0" baseline="0" noProof="0" dirty="0">
-              <a:ln>
-                <a:noFill/>
-              </a:ln>
-              <a:solidFill>
-                <a:srgbClr val="FFC000"/>
-              </a:solidFill>
-              <a:effectLst/>
-              <a:uLnTx/>
-              <a:uFillTx/>
-              <a:latin typeface="Arial" panose="020B0604020202020204" pitchFamily="34" charset="0"/>
-              <a:cs typeface="Arial" panose="020B0604020202020204" pitchFamily="34" charset="0"/>
-              <a:sym typeface="Sora"/>
-            </a:endParaRPr>
-          </a:p>
-          <a:p>
-            <a:pPr marL="0" marR="0" lvl="0" indent="0" algn="l" defTabSz="457200" rtl="0" eaLnBrk="1" fontAlgn="auto" latinLnBrk="0" hangingPunct="1">
-              <a:lnSpc>
-                <a:spcPct val="100000"/>
-              </a:lnSpc>
-              <a:spcBef>
-                <a:spcPts val="0"/>
-              </a:spcBef>
-              <a:spcAft>
-                <a:spcPts val="0"/>
-              </a:spcAft>
-              <a:buClrTx/>
-              <a:buSzTx/>
-              <a:buFontTx/>
-              <a:buNone/>
-              <a:tabLst/>
-              <a:defRPr/>
-            </a:pPr>
-            <a:r>
-              <a:rPr kumimoji="0" lang="el-GR" sz="1200" b="0" i="0" u="none" strike="noStrike" kern="0" cap="none" spc="0" normalizeH="0" baseline="0" noProof="0" dirty="0">
-                <a:ln>
-                  <a:noFill/>
-                </a:ln>
-                <a:solidFill>
-                  <a:srgbClr val="FFFFFF"/>
-                </a:solidFill>
-                <a:effectLst/>
-                <a:uLnTx/>
-                <a:uFillTx/>
-                <a:latin typeface="Arial" panose="020B0604020202020204" pitchFamily="34" charset="0"/>
-                <a:cs typeface="Arial" panose="020B0604020202020204" pitchFamily="34" charset="0"/>
-                <a:sym typeface="Sora"/>
-              </a:rPr>
-              <a:t>Εταιρείες μεγάλης τεχνολογίας κολοσσοί</a:t>
-            </a:r>
-            <a:r>
-              <a:rPr kumimoji="0" lang="en-US" sz="1200" b="0" i="0" u="none" strike="noStrike" kern="0" cap="none" spc="0" normalizeH="0" baseline="0" noProof="0" dirty="0">
-                <a:ln>
-                  <a:noFill/>
-                </a:ln>
-                <a:solidFill>
-                  <a:srgbClr val="FFFFFF"/>
-                </a:solidFill>
-                <a:effectLst/>
-                <a:uLnTx/>
-                <a:uFillTx/>
-                <a:latin typeface="Arial" panose="020B0604020202020204" pitchFamily="34" charset="0"/>
-                <a:cs typeface="Arial" panose="020B0604020202020204" pitchFamily="34" charset="0"/>
-                <a:sym typeface="Sora"/>
-              </a:rPr>
-              <a:t> </a:t>
-            </a:r>
-            <a:r>
-              <a:rPr kumimoji="0" lang="el-GR" sz="1200" b="0" i="0" u="none" strike="noStrike" kern="0" cap="none" spc="0" normalizeH="0" baseline="0" noProof="0" dirty="0">
-                <a:ln>
-                  <a:noFill/>
-                </a:ln>
-                <a:solidFill>
-                  <a:srgbClr val="FFFFFF"/>
-                </a:solidFill>
-                <a:effectLst/>
-                <a:uLnTx/>
-                <a:uFillTx/>
-                <a:latin typeface="Arial" panose="020B0604020202020204" pitchFamily="34" charset="0"/>
-                <a:cs typeface="Arial" panose="020B0604020202020204" pitchFamily="34" charset="0"/>
-                <a:sym typeface="Sora"/>
-              </a:rPr>
-              <a:t>και όραμα ενιαίας ανάπτυξης (κοινά πρότυπα λογισμικού)</a:t>
-            </a:r>
-            <a:r>
-              <a:rPr kumimoji="0" lang="en-US" sz="1200" b="0" i="0" u="none" strike="noStrike" kern="0" cap="none" spc="0" normalizeH="0" baseline="0" noProof="0" dirty="0">
-                <a:ln>
-                  <a:noFill/>
-                </a:ln>
-                <a:solidFill>
-                  <a:srgbClr val="FFFFFF"/>
-                </a:solidFill>
-                <a:effectLst/>
-                <a:uLnTx/>
-                <a:uFillTx/>
-                <a:latin typeface="Arial" panose="020B0604020202020204" pitchFamily="34" charset="0"/>
-                <a:cs typeface="Arial" panose="020B0604020202020204" pitchFamily="34" charset="0"/>
-                <a:sym typeface="Sora"/>
-              </a:rPr>
-              <a:t> = </a:t>
-            </a:r>
-            <a:r>
-              <a:rPr lang="el-GR" dirty="0"/>
-              <a:t>Κοινά πρότυπα </a:t>
-            </a:r>
-            <a:r>
-              <a:rPr lang="en-US" dirty="0"/>
-              <a:t>business processes </a:t>
-            </a:r>
-            <a:r>
-              <a:rPr lang="el-GR" dirty="0"/>
-              <a:t>δηλαδή</a:t>
-            </a:r>
-            <a:r>
-              <a:rPr lang="en-US" dirty="0"/>
-              <a:t> </a:t>
-            </a:r>
-            <a:r>
-              <a:rPr lang="el-GR" dirty="0"/>
-              <a:t>δεν</a:t>
-            </a:r>
-            <a:r>
-              <a:rPr lang="en-US" dirty="0"/>
-              <a:t> </a:t>
-            </a:r>
-            <a:r>
-              <a:rPr lang="el-GR" dirty="0"/>
-              <a:t>χρειάζεσαι</a:t>
-            </a:r>
-            <a:r>
-              <a:rPr lang="en-US" dirty="0"/>
-              <a:t> </a:t>
-            </a:r>
-            <a:r>
-              <a:rPr lang="el-GR" dirty="0"/>
-              <a:t>μόνο</a:t>
-            </a:r>
-            <a:r>
-              <a:rPr lang="en-US" dirty="0"/>
-              <a:t> </a:t>
-            </a:r>
-            <a:r>
-              <a:rPr lang="el-GR" dirty="0"/>
-              <a:t>κάποια</a:t>
-            </a:r>
-            <a:r>
-              <a:rPr lang="en-US" dirty="0"/>
-              <a:t> </a:t>
-            </a:r>
-            <a:r>
-              <a:rPr lang="el-GR" dirty="0"/>
-              <a:t>εταιρεία</a:t>
-            </a:r>
-            <a:r>
-              <a:rPr lang="en-US" dirty="0"/>
-              <a:t> </a:t>
-            </a:r>
-            <a:r>
-              <a:rPr lang="el-GR" dirty="0"/>
-              <a:t>αλλά</a:t>
-            </a:r>
-            <a:r>
-              <a:rPr lang="en-US" dirty="0"/>
-              <a:t> </a:t>
-            </a:r>
-            <a:r>
-              <a:rPr lang="el-GR" dirty="0"/>
-              <a:t>και όλα τα κομμάτια τις</a:t>
-            </a:r>
-            <a:r>
-              <a:rPr lang="en-US" dirty="0"/>
-              <a:t> </a:t>
-            </a:r>
-            <a:r>
-              <a:rPr lang="el-GR" dirty="0"/>
-              <a:t>σε διοικητικό και</a:t>
-            </a:r>
-            <a:r>
-              <a:rPr lang="en-US" dirty="0"/>
-              <a:t> development </a:t>
-            </a:r>
-            <a:r>
-              <a:rPr lang="el-GR" dirty="0"/>
-              <a:t>να</a:t>
-            </a:r>
-            <a:r>
-              <a:rPr lang="en-US" dirty="0"/>
-              <a:t> </a:t>
-            </a:r>
-            <a:r>
-              <a:rPr lang="el-GR" dirty="0"/>
-              <a:t>επικοινωνούν</a:t>
-            </a:r>
-            <a:r>
-              <a:rPr lang="en-US" dirty="0"/>
-              <a:t> </a:t>
-            </a:r>
-            <a:r>
-              <a:rPr lang="el-GR" dirty="0"/>
-              <a:t>μεταξύ τους προχωρούν μεταξύ τους γνωρίζοντας</a:t>
-            </a:r>
-            <a:r>
-              <a:rPr lang="en-US" dirty="0"/>
-              <a:t> </a:t>
-            </a:r>
-            <a:r>
-              <a:rPr lang="el-GR" dirty="0"/>
-              <a:t>τα</a:t>
-            </a:r>
-            <a:r>
-              <a:rPr lang="en-US" dirty="0"/>
-              <a:t> impediments (</a:t>
-            </a:r>
-            <a:r>
-              <a:rPr lang="el-GR" dirty="0"/>
-              <a:t>τα</a:t>
-            </a:r>
-            <a:r>
-              <a:rPr lang="en-US" dirty="0"/>
-              <a:t> </a:t>
-            </a:r>
-            <a:r>
-              <a:rPr lang="el-GR" dirty="0"/>
-              <a:t>εμπόδια</a:t>
-            </a:r>
-            <a:r>
-              <a:rPr lang="en-US" dirty="0"/>
-              <a:t>) </a:t>
-            </a:r>
-            <a:r>
-              <a:rPr lang="el-GR" dirty="0"/>
-              <a:t>και πώς να τα ξεπεράσουν χρησιμοποιώντας τεχνικές πχ, </a:t>
-            </a:r>
-            <a:r>
-              <a:rPr lang="en-US" dirty="0"/>
-              <a:t>agile-scrum, GitHub, Jira, tickets etc.</a:t>
-            </a:r>
-            <a:endParaRPr kumimoji="0" lang="en-US" sz="1200" b="0" i="0" u="none" strike="noStrike" kern="0" cap="none" spc="0" normalizeH="0" baseline="0" noProof="0" dirty="0">
-              <a:ln>
-                <a:noFill/>
-              </a:ln>
-              <a:solidFill>
-                <a:srgbClr val="D5FA68"/>
-              </a:solidFill>
-              <a:effectLst/>
-              <a:uLnTx/>
-              <a:uFillTx/>
-              <a:latin typeface="Arial" panose="020B0604020202020204" pitchFamily="34" charset="0"/>
-              <a:cs typeface="Arial" panose="020B0604020202020204" pitchFamily="34" charset="0"/>
-              <a:sym typeface="Sora"/>
-            </a:endParaRPr>
-          </a:p>
-          <a:p>
-            <a:endParaRPr lang="en-US" dirty="0"/>
           </a:p>
         </p:txBody>
       </p:sp>
@@ -19493,7 +18864,7 @@
     </p:spTree>
     <p:extLst>
       <p:ext uri="{BB962C8B-B14F-4D97-AF65-F5344CB8AC3E}">
-        <p14:creationId xmlns:p14="http://schemas.microsoft.com/office/powerpoint/2010/main" val="1192721217"/>
+        <p14:creationId xmlns:p14="http://schemas.microsoft.com/office/powerpoint/2010/main" val="903801522"/>
       </p:ext>
     </p:extLst>
   </p:cSld>
@@ -19547,68 +18918,795 @@
           <a:bodyPr/>
           <a:lstStyle/>
           <a:p>
+            <a:pPr marL="0" marR="0" lvl="0" indent="0" algn="l" defTabSz="457200" rtl="0" eaLnBrk="1" fontAlgn="auto" latinLnBrk="0" hangingPunct="1">
+              <a:lnSpc>
+                <a:spcPct val="100000"/>
+              </a:lnSpc>
+              <a:spcBef>
+                <a:spcPts val="0"/>
+              </a:spcBef>
+              <a:spcAft>
+                <a:spcPts val="0"/>
+              </a:spcAft>
+              <a:buClrTx/>
+              <a:buSzTx/>
+              <a:buFontTx/>
+              <a:buNone/>
+              <a:tabLst/>
+              <a:defRPr/>
+            </a:pPr>
+            <a:r>
+              <a:rPr kumimoji="0" lang="el-GR" sz="1200" b="0" i="0" u="none" strike="noStrike" kern="0" cap="none" spc="0" normalizeH="0" baseline="0" noProof="0" dirty="0">
+                <a:ln>
+                  <a:noFill/>
+                </a:ln>
+                <a:solidFill>
+                  <a:srgbClr val="FFFFFF"/>
+                </a:solidFill>
+                <a:effectLst/>
+                <a:uLnTx/>
+                <a:uFillTx/>
+                <a:latin typeface="Arial" panose="020B0604020202020204" pitchFamily="34" charset="0"/>
+                <a:cs typeface="Arial" panose="020B0604020202020204" pitchFamily="34" charset="0"/>
+                <a:sym typeface="Sora"/>
+              </a:rPr>
+              <a:t>Τι εξετάζει το </a:t>
+            </a:r>
+            <a:r>
+              <a:rPr kumimoji="0" lang="en-US" sz="1200" b="0" i="0" u="none" strike="noStrike" kern="0" cap="none" spc="0" normalizeH="0" baseline="0" noProof="0" dirty="0">
+                <a:ln>
+                  <a:noFill/>
+                </a:ln>
+                <a:solidFill>
+                  <a:srgbClr val="FFFFFF"/>
+                </a:solidFill>
+                <a:effectLst/>
+                <a:uLnTx/>
+                <a:uFillTx/>
+                <a:latin typeface="Arial" panose="020B0604020202020204" pitchFamily="34" charset="0"/>
+                <a:cs typeface="Arial" panose="020B0604020202020204" pitchFamily="34" charset="0"/>
+                <a:sym typeface="Sora"/>
+              </a:rPr>
+              <a:t>project </a:t>
+            </a:r>
+            <a:r>
+              <a:rPr kumimoji="0" lang="el-GR" sz="1200" b="0" i="0" u="none" strike="noStrike" kern="0" cap="none" spc="0" normalizeH="0" baseline="0" noProof="0" dirty="0">
+                <a:ln>
+                  <a:noFill/>
+                </a:ln>
+                <a:solidFill>
+                  <a:srgbClr val="FFFFFF"/>
+                </a:solidFill>
+                <a:effectLst/>
+                <a:uLnTx/>
+                <a:uFillTx/>
+                <a:latin typeface="Arial" panose="020B0604020202020204" pitchFamily="34" charset="0"/>
+                <a:cs typeface="Arial" panose="020B0604020202020204" pitchFamily="34" charset="0"/>
+                <a:sym typeface="Sora"/>
+              </a:rPr>
+              <a:t>για σωστή διεκπεραίωση των απαιτήσεων προδιαγραφών?</a:t>
+            </a:r>
+          </a:p>
+          <a:p>
+            <a:pPr marL="0" marR="0" lvl="0" indent="0" algn="l" defTabSz="457200" rtl="0" eaLnBrk="1" fontAlgn="auto" latinLnBrk="0" hangingPunct="1">
+              <a:lnSpc>
+                <a:spcPct val="100000"/>
+              </a:lnSpc>
+              <a:spcBef>
+                <a:spcPts val="0"/>
+              </a:spcBef>
+              <a:spcAft>
+                <a:spcPts val="0"/>
+              </a:spcAft>
+              <a:buClrTx/>
+              <a:buSzTx/>
+              <a:buFontTx/>
+              <a:buNone/>
+              <a:tabLst/>
+              <a:defRPr/>
+            </a:pPr>
+            <a:endParaRPr kumimoji="0" lang="en-US" sz="1200" b="0" i="0" u="none" strike="noStrike" kern="0" cap="none" spc="0" normalizeH="0" baseline="0" noProof="0" dirty="0">
+              <a:ln>
+                <a:noFill/>
+              </a:ln>
+              <a:solidFill>
+                <a:srgbClr val="FFFFFF"/>
+              </a:solidFill>
+              <a:effectLst/>
+              <a:uLnTx/>
+              <a:uFillTx/>
+              <a:latin typeface="Arial" panose="020B0604020202020204" pitchFamily="34" charset="0"/>
+              <a:cs typeface="Arial" panose="020B0604020202020204" pitchFamily="34" charset="0"/>
+              <a:sym typeface="Sora"/>
+            </a:endParaRPr>
+          </a:p>
+          <a:p>
+            <a:pPr marL="0" marR="0" lvl="0" indent="0" algn="l" defTabSz="457200" rtl="0" eaLnBrk="1" fontAlgn="auto" latinLnBrk="0" hangingPunct="1">
+              <a:lnSpc>
+                <a:spcPct val="100000"/>
+              </a:lnSpc>
+              <a:spcBef>
+                <a:spcPts val="0"/>
+              </a:spcBef>
+              <a:spcAft>
+                <a:spcPts val="0"/>
+              </a:spcAft>
+              <a:buClrTx/>
+              <a:buSzTx/>
+              <a:buFontTx/>
+              <a:buNone/>
+              <a:tabLst/>
+              <a:defRPr/>
+            </a:pPr>
+            <a:r>
+              <a:rPr kumimoji="0" lang="en-US" sz="1200" b="0" i="0" u="none" strike="noStrike" kern="0" cap="none" spc="0" normalizeH="0" baseline="0" noProof="0" dirty="0">
+                <a:ln>
+                  <a:noFill/>
+                </a:ln>
+                <a:solidFill>
+                  <a:srgbClr val="FFFFFF"/>
+                </a:solidFill>
+                <a:effectLst/>
+                <a:uLnTx/>
+                <a:uFillTx/>
+                <a:latin typeface="Arial" panose="020B0604020202020204" pitchFamily="34" charset="0"/>
+                <a:cs typeface="Arial" panose="020B0604020202020204" pitchFamily="34" charset="0"/>
+                <a:sym typeface="Sora"/>
+              </a:rPr>
+              <a:t>Metaverse: </a:t>
+            </a:r>
+            <a:r>
+              <a:rPr kumimoji="0" lang="el-GR" sz="1200" b="0" i="0" u="none" strike="noStrike" kern="0" cap="none" spc="0" normalizeH="0" baseline="0" noProof="0" dirty="0">
+                <a:ln>
+                  <a:noFill/>
+                </a:ln>
+                <a:solidFill>
+                  <a:srgbClr val="FFFFFF"/>
+                </a:solidFill>
+                <a:effectLst/>
+                <a:uLnTx/>
+                <a:uFillTx/>
+                <a:latin typeface="Arial" panose="020B0604020202020204" pitchFamily="34" charset="0"/>
+                <a:cs typeface="Arial" panose="020B0604020202020204" pitchFamily="34" charset="0"/>
+                <a:sym typeface="Sora"/>
+              </a:rPr>
+              <a:t>Το μέλλον της εξέλιξης του Διαδικτύου, γνωστό ως δεύτερη ζωή, επεκτείνεται σε προσομοιώσεις λογισμικού πολλαπλών ζωών σε φυσικό και εικονικό κόσμο</a:t>
+            </a:r>
+          </a:p>
+          <a:p>
+            <a:pPr marL="0" marR="0" lvl="0" indent="0" algn="l" defTabSz="457200" rtl="0" eaLnBrk="1" fontAlgn="auto" latinLnBrk="0" hangingPunct="1">
+              <a:lnSpc>
+                <a:spcPct val="100000"/>
+              </a:lnSpc>
+              <a:spcBef>
+                <a:spcPts val="0"/>
+              </a:spcBef>
+              <a:spcAft>
+                <a:spcPts val="0"/>
+              </a:spcAft>
+              <a:buClrTx/>
+              <a:buSzTx/>
+              <a:buFontTx/>
+              <a:buNone/>
+              <a:tabLst/>
+              <a:defRPr/>
+            </a:pPr>
+            <a:r>
+              <a:rPr kumimoji="0" lang="el-GR" sz="1200" b="0" i="0" u="none" strike="noStrike" kern="0" cap="none" spc="0" normalizeH="0" baseline="0" noProof="0" dirty="0">
+                <a:ln>
+                  <a:noFill/>
+                </a:ln>
+                <a:solidFill>
+                  <a:srgbClr val="FFFFFF"/>
+                </a:solidFill>
+                <a:effectLst/>
+                <a:uLnTx/>
+                <a:uFillTx/>
+                <a:latin typeface="Arial" panose="020B0604020202020204" pitchFamily="34" charset="0"/>
+                <a:cs typeface="Arial" panose="020B0604020202020204" pitchFamily="34" charset="0"/>
+                <a:sym typeface="Sora"/>
+              </a:rPr>
+              <a:t>Δεν είναι εντελώς υλοποιήσιμη λόγο έλλειψη τεχνολογιών όμως η ιδέα του ήταν πάντα εδώ και ιδίως ξεκίνησε σιωπηρά το 1970 με τα πρώτα </a:t>
+            </a:r>
+            <a:r>
+              <a:rPr kumimoji="0" lang="en-US" sz="1200" b="0" i="0" u="none" strike="noStrike" kern="0" cap="none" spc="0" normalizeH="0" baseline="0" noProof="0" dirty="0">
+                <a:ln>
+                  <a:noFill/>
+                </a:ln>
+                <a:solidFill>
+                  <a:srgbClr val="FFFFFF"/>
+                </a:solidFill>
+                <a:effectLst/>
+                <a:uLnTx/>
+                <a:uFillTx/>
+                <a:latin typeface="Arial" panose="020B0604020202020204" pitchFamily="34" charset="0"/>
+                <a:cs typeface="Arial" panose="020B0604020202020204" pitchFamily="34" charset="0"/>
+                <a:sym typeface="Sora"/>
+              </a:rPr>
+              <a:t>arcade games</a:t>
+            </a:r>
+            <a:endParaRPr kumimoji="0" lang="el-GR" sz="1200" b="0" i="0" u="none" strike="noStrike" kern="0" cap="none" spc="0" normalizeH="0" baseline="0" noProof="0" dirty="0">
+              <a:ln>
+                <a:noFill/>
+              </a:ln>
+              <a:solidFill>
+                <a:srgbClr val="FFFFFF"/>
+              </a:solidFill>
+              <a:effectLst/>
+              <a:uLnTx/>
+              <a:uFillTx/>
+              <a:latin typeface="Arial" panose="020B0604020202020204" pitchFamily="34" charset="0"/>
+              <a:cs typeface="Arial" panose="020B0604020202020204" pitchFamily="34" charset="0"/>
+              <a:sym typeface="Sora"/>
+            </a:endParaRPr>
+          </a:p>
+          <a:p>
+            <a:pPr marL="0" marR="0" lvl="0" indent="0" algn="l" defTabSz="457200" rtl="0" eaLnBrk="1" fontAlgn="auto" latinLnBrk="0" hangingPunct="1">
+              <a:lnSpc>
+                <a:spcPct val="100000"/>
+              </a:lnSpc>
+              <a:spcBef>
+                <a:spcPts val="0"/>
+              </a:spcBef>
+              <a:spcAft>
+                <a:spcPts val="0"/>
+              </a:spcAft>
+              <a:buClrTx/>
+              <a:buSzTx/>
+              <a:buFontTx/>
+              <a:buNone/>
+              <a:tabLst/>
+              <a:defRPr/>
+            </a:pPr>
+            <a:r>
+              <a:rPr kumimoji="0" lang="el-GR" sz="1200" b="0" i="0" u="none" strike="noStrike" kern="0" cap="none" spc="0" normalizeH="0" baseline="0" noProof="0" dirty="0">
+                <a:ln>
+                  <a:noFill/>
+                </a:ln>
+                <a:solidFill>
+                  <a:srgbClr val="FFFFFF"/>
+                </a:solidFill>
+                <a:effectLst/>
+                <a:uLnTx/>
+                <a:uFillTx/>
+                <a:latin typeface="Arial" panose="020B0604020202020204" pitchFamily="34" charset="0"/>
+                <a:cs typeface="Arial" panose="020B0604020202020204" pitchFamily="34" charset="0"/>
+                <a:sym typeface="Sora"/>
+              </a:rPr>
+              <a:t>Ένα μέρος για συγκέντρωση ανθρώπων και δια-δραστικότητα  φυσικού και εικονικού κόσμου.</a:t>
+            </a:r>
+          </a:p>
+          <a:p>
+            <a:pPr marL="0" marR="0" lvl="0" indent="0" algn="l" defTabSz="457200" rtl="0" eaLnBrk="1" fontAlgn="auto" latinLnBrk="0" hangingPunct="1">
+              <a:lnSpc>
+                <a:spcPct val="100000"/>
+              </a:lnSpc>
+              <a:spcBef>
+                <a:spcPts val="0"/>
+              </a:spcBef>
+              <a:spcAft>
+                <a:spcPts val="0"/>
+              </a:spcAft>
+              <a:buClrTx/>
+              <a:buSzTx/>
+              <a:buFontTx/>
+              <a:buNone/>
+              <a:tabLst/>
+              <a:defRPr/>
+            </a:pPr>
+            <a:r>
+              <a:rPr kumimoji="0" lang="en-US" sz="1200" b="0" i="0" u="none" strike="noStrike" kern="0" cap="none" spc="0" normalizeH="0" baseline="0" noProof="0" dirty="0">
+                <a:ln>
+                  <a:noFill/>
+                </a:ln>
+                <a:solidFill>
+                  <a:srgbClr val="FFFFFF"/>
+                </a:solidFill>
+                <a:effectLst/>
+                <a:uLnTx/>
+                <a:uFillTx/>
+                <a:latin typeface="Arial" panose="020B0604020202020204" pitchFamily="34" charset="0"/>
+                <a:cs typeface="Arial" panose="020B0604020202020204" pitchFamily="34" charset="0"/>
+                <a:sym typeface="Sora"/>
+              </a:rPr>
+              <a:t>(o </a:t>
+            </a:r>
+            <a:r>
+              <a:rPr kumimoji="0" lang="el-GR" sz="1200" b="0" i="0" u="none" strike="noStrike" kern="0" cap="none" spc="0" normalizeH="0" baseline="0" noProof="0" dirty="0">
+                <a:ln>
+                  <a:noFill/>
+                </a:ln>
+                <a:solidFill>
+                  <a:srgbClr val="FFFFFF"/>
+                </a:solidFill>
+                <a:effectLst/>
+                <a:uLnTx/>
+                <a:uFillTx/>
+                <a:latin typeface="Arial" panose="020B0604020202020204" pitchFamily="34" charset="0"/>
+                <a:cs typeface="Arial" panose="020B0604020202020204" pitchFamily="34" charset="0"/>
+                <a:sym typeface="Sora"/>
+              </a:rPr>
+              <a:t>άνθρωπος στο επίκεντρο)</a:t>
+            </a:r>
+            <a:endParaRPr kumimoji="0" lang="en-US" sz="1200" b="0" i="0" u="none" strike="noStrike" kern="0" cap="none" spc="0" normalizeH="0" baseline="0" noProof="0" dirty="0">
+              <a:ln>
+                <a:noFill/>
+              </a:ln>
+              <a:solidFill>
+                <a:srgbClr val="FFFFFF"/>
+              </a:solidFill>
+              <a:effectLst/>
+              <a:uLnTx/>
+              <a:uFillTx/>
+              <a:latin typeface="Arial" panose="020B0604020202020204" pitchFamily="34" charset="0"/>
+              <a:cs typeface="Arial" panose="020B0604020202020204" pitchFamily="34" charset="0"/>
+              <a:sym typeface="Sora"/>
+            </a:endParaRPr>
+          </a:p>
+          <a:p>
+            <a:endParaRPr lang="en-US" dirty="0"/>
+          </a:p>
+          <a:p>
+            <a:pPr marL="0" marR="0" lvl="0" indent="0" algn="l" defTabSz="457200" rtl="0" eaLnBrk="1" fontAlgn="auto" latinLnBrk="0" hangingPunct="1">
+              <a:lnSpc>
+                <a:spcPct val="100000"/>
+              </a:lnSpc>
+              <a:spcBef>
+                <a:spcPts val="0"/>
+              </a:spcBef>
+              <a:spcAft>
+                <a:spcPts val="0"/>
+              </a:spcAft>
+              <a:buClrTx/>
+              <a:buSzTx/>
+              <a:buFontTx/>
+              <a:buNone/>
+              <a:tabLst/>
+              <a:defRPr/>
+            </a:pPr>
+            <a:r>
+              <a:rPr lang="en-US" dirty="0"/>
+              <a:t>AR/VR: </a:t>
+            </a:r>
+            <a:r>
+              <a:rPr lang="el-GR" sz="1200" kern="0" dirty="0" err="1">
+                <a:solidFill>
+                  <a:srgbClr val="FFFFFF"/>
+                </a:solidFill>
+                <a:latin typeface="Arial" panose="020B0604020202020204" pitchFamily="34" charset="0"/>
+                <a:cs typeface="Arial" panose="020B0604020202020204" pitchFamily="34" charset="0"/>
+              </a:rPr>
+              <a:t>Διεπαφές</a:t>
+            </a:r>
+            <a:r>
+              <a:rPr lang="el-GR" sz="1200" kern="0" dirty="0">
+                <a:solidFill>
+                  <a:srgbClr val="FFFFFF"/>
+                </a:solidFill>
+                <a:latin typeface="Arial" panose="020B0604020202020204" pitchFamily="34" charset="0"/>
+                <a:cs typeface="Arial" panose="020B0604020202020204" pitchFamily="34" charset="0"/>
+              </a:rPr>
+              <a:t> υλικού για αλληλεπίδραση με τους καθηλωτικούς κόσμους που προσομοιώνουν την καθημερινή ζωή</a:t>
+            </a:r>
+            <a:endParaRPr kumimoji="0" lang="en-US" sz="1200" b="0" i="0" u="none" strike="noStrike" kern="0" cap="none" spc="0" normalizeH="0" baseline="0" noProof="0" dirty="0">
+              <a:ln>
+                <a:noFill/>
+              </a:ln>
+              <a:solidFill>
+                <a:srgbClr val="FFFFFF"/>
+              </a:solidFill>
+              <a:effectLst/>
+              <a:uLnTx/>
+              <a:uFillTx/>
+              <a:latin typeface="Arial" panose="020B0604020202020204" pitchFamily="34" charset="0"/>
+              <a:cs typeface="Arial" panose="020B0604020202020204" pitchFamily="34" charset="0"/>
+              <a:sym typeface="Sora"/>
+            </a:endParaRPr>
+          </a:p>
+          <a:p>
+            <a:endParaRPr lang="en-US" dirty="0"/>
+          </a:p>
+          <a:p>
+            <a:pPr marL="0" marR="0" lvl="0" indent="0" algn="l" defTabSz="457200" rtl="0" eaLnBrk="1" fontAlgn="auto" latinLnBrk="0" hangingPunct="1">
+              <a:lnSpc>
+                <a:spcPct val="100000"/>
+              </a:lnSpc>
+              <a:spcBef>
+                <a:spcPts val="0"/>
+              </a:spcBef>
+              <a:spcAft>
+                <a:spcPts val="0"/>
+              </a:spcAft>
+              <a:buClrTx/>
+              <a:buSzTx/>
+              <a:buFontTx/>
+              <a:buNone/>
+              <a:tabLst/>
+              <a:defRPr/>
+            </a:pPr>
             <a:r>
               <a:rPr lang="el-GR" dirty="0"/>
-              <a:t>Στο </a:t>
+              <a:t>Πως σχετίζονται με τα </a:t>
             </a:r>
             <a:r>
               <a:rPr lang="en-US" dirty="0"/>
-              <a:t>flow of gaming simulation evolution </a:t>
+              <a:t>Gameplay Mechanics: </a:t>
+            </a:r>
+            <a:r>
+              <a:rPr kumimoji="0" lang="el-GR" sz="1200" b="0" i="0" u="none" strike="noStrike" kern="0" cap="none" spc="0" normalizeH="0" baseline="0" noProof="0" dirty="0">
+                <a:ln>
+                  <a:noFill/>
+                </a:ln>
+                <a:solidFill>
+                  <a:srgbClr val="FFFFFF"/>
+                </a:solidFill>
+                <a:effectLst/>
+                <a:uLnTx/>
+                <a:uFillTx/>
+                <a:latin typeface="Arial" panose="020B0604020202020204" pitchFamily="34" charset="0"/>
+                <a:cs typeface="Arial" panose="020B0604020202020204" pitchFamily="34" charset="0"/>
+                <a:sym typeface="Sora"/>
+              </a:rPr>
+              <a:t>Τα API λογισμικού του AR/VR</a:t>
+            </a:r>
+            <a:r>
+              <a:rPr kumimoji="0" lang="en-US" sz="1200" b="0" i="0" u="none" strike="noStrike" kern="0" cap="none" spc="0" normalizeH="0" baseline="0" noProof="0" dirty="0">
+                <a:ln>
+                  <a:noFill/>
+                </a:ln>
+                <a:solidFill>
+                  <a:srgbClr val="FFFFFF"/>
+                </a:solidFill>
+                <a:effectLst/>
+                <a:uLnTx/>
+                <a:uFillTx/>
+                <a:latin typeface="Arial" panose="020B0604020202020204" pitchFamily="34" charset="0"/>
+                <a:cs typeface="Arial" panose="020B0604020202020204" pitchFamily="34" charset="0"/>
+                <a:sym typeface="Sora"/>
+              </a:rPr>
+              <a:t>/classic</a:t>
+            </a:r>
+            <a:r>
+              <a:rPr kumimoji="0" lang="el-GR" sz="1200" b="0" i="0" u="none" strike="noStrike" kern="0" cap="none" spc="0" normalizeH="0" baseline="0" noProof="0" dirty="0">
+                <a:ln>
+                  <a:noFill/>
+                </a:ln>
+                <a:solidFill>
+                  <a:srgbClr val="FFFFFF"/>
+                </a:solidFill>
+                <a:effectLst/>
+                <a:uLnTx/>
+                <a:uFillTx/>
+                <a:latin typeface="Arial" panose="020B0604020202020204" pitchFamily="34" charset="0"/>
+                <a:cs typeface="Arial" panose="020B0604020202020204" pitchFamily="34" charset="0"/>
+                <a:sym typeface="Sora"/>
+              </a:rPr>
+              <a:t> για τη γεφύρωση του υλικού με την αλληλεπίδραση χρήστη λογισμικού μέσα στο </a:t>
+            </a:r>
+            <a:r>
+              <a:rPr kumimoji="0" lang="el-GR" sz="1200" b="0" i="0" u="none" strike="noStrike" kern="0" cap="none" spc="0" normalizeH="0" baseline="0" noProof="0" dirty="0" err="1">
+                <a:ln>
+                  <a:noFill/>
+                </a:ln>
+                <a:solidFill>
+                  <a:srgbClr val="FFFFFF"/>
+                </a:solidFill>
+                <a:effectLst/>
+                <a:uLnTx/>
+                <a:uFillTx/>
+                <a:latin typeface="Arial" panose="020B0604020202020204" pitchFamily="34" charset="0"/>
+                <a:cs typeface="Arial" panose="020B0604020202020204" pitchFamily="34" charset="0"/>
+                <a:sym typeface="Sora"/>
+              </a:rPr>
+              <a:t>metaverse</a:t>
+            </a:r>
+            <a:r>
+              <a:rPr kumimoji="0" lang="el-GR" sz="1200" b="0" i="0" u="none" strike="noStrike" kern="0" cap="none" spc="0" normalizeH="0" baseline="0" noProof="0" dirty="0">
+                <a:ln>
+                  <a:noFill/>
+                </a:ln>
+                <a:solidFill>
+                  <a:srgbClr val="FFFFFF"/>
+                </a:solidFill>
+                <a:effectLst/>
+                <a:uLnTx/>
+                <a:uFillTx/>
+                <a:latin typeface="Arial" panose="020B0604020202020204" pitchFamily="34" charset="0"/>
+                <a:cs typeface="Arial" panose="020B0604020202020204" pitchFamily="34" charset="0"/>
+                <a:sym typeface="Sora"/>
+              </a:rPr>
+              <a:t> </a:t>
+            </a:r>
+            <a:r>
+              <a:rPr kumimoji="0" lang="el-GR" sz="1200" b="0" i="0" u="none" strike="noStrike" kern="0" cap="none" spc="0" normalizeH="0" baseline="0" noProof="0" dirty="0">
+                <a:ln>
+                  <a:noFill/>
+                </a:ln>
+                <a:solidFill>
+                  <a:srgbClr val="FFC000"/>
+                </a:solidFill>
+                <a:effectLst/>
+                <a:uLnTx/>
+                <a:uFillTx/>
+                <a:latin typeface="Arial" panose="020B0604020202020204" pitchFamily="34" charset="0"/>
+                <a:cs typeface="Arial" panose="020B0604020202020204" pitchFamily="34" charset="0"/>
+                <a:sym typeface="Sora"/>
+              </a:rPr>
+              <a:t>καθώς και πολλά περισσότερο από αυτό.</a:t>
+            </a:r>
+          </a:p>
+          <a:p>
+            <a:pPr marL="0" marR="0" lvl="0" indent="0" algn="l" defTabSz="457200" rtl="0" eaLnBrk="1" fontAlgn="auto" latinLnBrk="0" hangingPunct="1">
+              <a:lnSpc>
+                <a:spcPct val="100000"/>
+              </a:lnSpc>
+              <a:spcBef>
+                <a:spcPts val="0"/>
+              </a:spcBef>
+              <a:spcAft>
+                <a:spcPts val="0"/>
+              </a:spcAft>
+              <a:buClrTx/>
+              <a:buSzTx/>
+              <a:buFontTx/>
+              <a:buNone/>
+              <a:tabLst/>
+              <a:defRPr/>
+            </a:pPr>
+            <a:endParaRPr kumimoji="0" lang="el-GR" sz="1200" b="0" i="0" u="none" strike="noStrike" kern="0" cap="none" spc="0" normalizeH="0" baseline="0" noProof="0" dirty="0">
+              <a:ln>
+                <a:noFill/>
+              </a:ln>
+              <a:solidFill>
+                <a:srgbClr val="FFC000"/>
+              </a:solidFill>
+              <a:effectLst/>
+              <a:uLnTx/>
+              <a:uFillTx/>
+              <a:latin typeface="Arial" panose="020B0604020202020204" pitchFamily="34" charset="0"/>
+              <a:cs typeface="Arial" panose="020B0604020202020204" pitchFamily="34" charset="0"/>
+              <a:sym typeface="Sora"/>
+            </a:endParaRPr>
+          </a:p>
+          <a:p>
+            <a:pPr marL="0" marR="0" lvl="0" indent="0" algn="l" defTabSz="457200" rtl="0" eaLnBrk="1" fontAlgn="auto" latinLnBrk="0" hangingPunct="1">
+              <a:lnSpc>
+                <a:spcPct val="100000"/>
+              </a:lnSpc>
+              <a:spcBef>
+                <a:spcPts val="0"/>
+              </a:spcBef>
+              <a:spcAft>
+                <a:spcPts val="0"/>
+              </a:spcAft>
+              <a:buClrTx/>
+              <a:buSzTx/>
+              <a:buFontTx/>
+              <a:buNone/>
+              <a:tabLst/>
+              <a:defRPr/>
+            </a:pPr>
+            <a:r>
+              <a:rPr kumimoji="0" lang="el-GR" sz="1200" b="0" i="0" u="none" strike="noStrike" kern="0" cap="none" spc="0" normalizeH="0" baseline="0" noProof="0" dirty="0">
+                <a:ln>
+                  <a:noFill/>
+                </a:ln>
+                <a:solidFill>
+                  <a:srgbClr val="FFFFFF"/>
+                </a:solidFill>
+                <a:effectLst/>
+                <a:uLnTx/>
+                <a:uFillTx/>
+                <a:latin typeface="Arial" panose="020B0604020202020204" pitchFamily="34" charset="0"/>
+                <a:cs typeface="Arial" panose="020B0604020202020204" pitchFamily="34" charset="0"/>
+                <a:sym typeface="Sora"/>
+              </a:rPr>
+              <a:t>Εταιρείες μεγάλης τεχνολογίας κολοσσοί</a:t>
+            </a:r>
+            <a:r>
+              <a:rPr kumimoji="0" lang="en-US" sz="1200" b="0" i="0" u="none" strike="noStrike" kern="0" cap="none" spc="0" normalizeH="0" baseline="0" noProof="0" dirty="0">
+                <a:ln>
+                  <a:noFill/>
+                </a:ln>
+                <a:solidFill>
+                  <a:srgbClr val="FFFFFF"/>
+                </a:solidFill>
+                <a:effectLst/>
+                <a:uLnTx/>
+                <a:uFillTx/>
+                <a:latin typeface="Arial" panose="020B0604020202020204" pitchFamily="34" charset="0"/>
+                <a:cs typeface="Arial" panose="020B0604020202020204" pitchFamily="34" charset="0"/>
+                <a:sym typeface="Sora"/>
+              </a:rPr>
+              <a:t> </a:t>
+            </a:r>
+            <a:r>
+              <a:rPr kumimoji="0" lang="el-GR" sz="1200" b="0" i="0" u="none" strike="noStrike" kern="0" cap="none" spc="0" normalizeH="0" baseline="0" noProof="0" dirty="0">
+                <a:ln>
+                  <a:noFill/>
+                </a:ln>
+                <a:solidFill>
+                  <a:srgbClr val="FFFFFF"/>
+                </a:solidFill>
+                <a:effectLst/>
+                <a:uLnTx/>
+                <a:uFillTx/>
+                <a:latin typeface="Arial" panose="020B0604020202020204" pitchFamily="34" charset="0"/>
+                <a:cs typeface="Arial" panose="020B0604020202020204" pitchFamily="34" charset="0"/>
+                <a:sym typeface="Sora"/>
+              </a:rPr>
+              <a:t>και όραμα ενιαίας ανάπτυξης (κοινά πρότυπα λογισμικού)</a:t>
+            </a:r>
+            <a:r>
+              <a:rPr kumimoji="0" lang="en-US" sz="1200" b="0" i="0" u="none" strike="noStrike" kern="0" cap="none" spc="0" normalizeH="0" baseline="0" noProof="0" dirty="0">
+                <a:ln>
+                  <a:noFill/>
+                </a:ln>
+                <a:solidFill>
+                  <a:srgbClr val="FFFFFF"/>
+                </a:solidFill>
+                <a:effectLst/>
+                <a:uLnTx/>
+                <a:uFillTx/>
+                <a:latin typeface="Arial" panose="020B0604020202020204" pitchFamily="34" charset="0"/>
+                <a:cs typeface="Arial" panose="020B0604020202020204" pitchFamily="34" charset="0"/>
+                <a:sym typeface="Sora"/>
+              </a:rPr>
+              <a:t> = </a:t>
             </a:r>
             <a:r>
               <a:rPr lang="el-GR" dirty="0"/>
-              <a:t>υπάρχει η ακολουθία </a:t>
+              <a:t>Κοινά πρότυπα </a:t>
             </a:r>
             <a:r>
               <a:rPr lang="en-US" dirty="0"/>
-              <a:t>hardware </a:t>
+              <a:t>business processes </a:t>
             </a:r>
             <a:r>
               <a:rPr lang="el-GR" dirty="0"/>
-              <a:t>με τα αντίστοιχα </a:t>
+              <a:t>δηλαδή</a:t>
             </a:r>
             <a:r>
               <a:rPr lang="en-US" dirty="0"/>
-              <a:t>software’s</a:t>
-            </a:r>
+              <a:t> </a:t>
+            </a:r>
+            <a:r>
+              <a:rPr lang="el-GR" dirty="0"/>
+              <a:t>δεν</a:t>
+            </a:r>
+            <a:r>
+              <a:rPr lang="en-US" dirty="0"/>
+              <a:t> </a:t>
+            </a:r>
+            <a:r>
+              <a:rPr lang="el-GR" dirty="0"/>
+              <a:t>χρειάζεσαι</a:t>
+            </a:r>
+            <a:r>
+              <a:rPr lang="en-US" dirty="0"/>
+              <a:t> </a:t>
+            </a:r>
+            <a:r>
+              <a:rPr lang="el-GR" dirty="0"/>
+              <a:t>μόνο</a:t>
+            </a:r>
+            <a:r>
+              <a:rPr lang="en-US" dirty="0"/>
+              <a:t> </a:t>
+            </a:r>
+            <a:r>
+              <a:rPr lang="el-GR" dirty="0"/>
+              <a:t>κάποια</a:t>
+            </a:r>
+            <a:r>
+              <a:rPr lang="en-US" dirty="0"/>
+              <a:t> </a:t>
+            </a:r>
+            <a:r>
+              <a:rPr lang="el-GR" dirty="0"/>
+              <a:t>εταιρεία</a:t>
+            </a:r>
+            <a:r>
+              <a:rPr lang="en-US" dirty="0"/>
+              <a:t> </a:t>
+            </a:r>
+            <a:r>
+              <a:rPr lang="el-GR" dirty="0"/>
+              <a:t>αλλά</a:t>
+            </a:r>
+            <a:r>
+              <a:rPr lang="en-US" dirty="0"/>
+              <a:t> </a:t>
+            </a:r>
+            <a:r>
+              <a:rPr lang="el-GR" dirty="0"/>
+              <a:t>και όλα τα κομμάτια τις</a:t>
+            </a:r>
+            <a:r>
+              <a:rPr lang="en-US" dirty="0"/>
+              <a:t> </a:t>
+            </a:r>
+            <a:r>
+              <a:rPr lang="el-GR" dirty="0"/>
+              <a:t>σε διοικητικό και</a:t>
+            </a:r>
+            <a:r>
+              <a:rPr lang="en-US" dirty="0"/>
+              <a:t> development </a:t>
+            </a:r>
+            <a:r>
+              <a:rPr lang="el-GR" dirty="0"/>
+              <a:t>να</a:t>
+            </a:r>
+            <a:r>
+              <a:rPr lang="en-US" dirty="0"/>
+              <a:t> </a:t>
+            </a:r>
+            <a:r>
+              <a:rPr lang="el-GR" dirty="0"/>
+              <a:t>επικοινωνούν</a:t>
+            </a:r>
+            <a:r>
+              <a:rPr lang="en-US" dirty="0"/>
+              <a:t> </a:t>
+            </a:r>
+            <a:r>
+              <a:rPr lang="el-GR" dirty="0"/>
+              <a:t>μεταξύ τους προχωρούν μεταξύ τους γνωρίζοντας</a:t>
+            </a:r>
+            <a:r>
+              <a:rPr lang="en-US" dirty="0"/>
+              <a:t> </a:t>
+            </a:r>
+            <a:r>
+              <a:rPr lang="el-GR" dirty="0"/>
+              <a:t>τα</a:t>
+            </a:r>
+            <a:r>
+              <a:rPr lang="en-US" dirty="0"/>
+              <a:t> impediments (</a:t>
+            </a:r>
+            <a:r>
+              <a:rPr lang="el-GR" dirty="0"/>
+              <a:t>τα</a:t>
+            </a:r>
+            <a:r>
+              <a:rPr lang="en-US" dirty="0"/>
+              <a:t> </a:t>
+            </a:r>
+            <a:r>
+              <a:rPr lang="el-GR" dirty="0"/>
+              <a:t>εμπόδια</a:t>
+            </a:r>
+            <a:r>
+              <a:rPr lang="en-US" dirty="0"/>
+              <a:t>) </a:t>
+            </a:r>
+            <a:r>
+              <a:rPr lang="el-GR" dirty="0"/>
+              <a:t>και πώς να τα ξεπεράσουν χρησιμοποιώντας τεχνικές πχ, </a:t>
+            </a:r>
+            <a:r>
+              <a:rPr lang="en-US" dirty="0"/>
+              <a:t>agile-scrum, GitHub, Jira, tickets etc.</a:t>
+            </a:r>
+            <a:endParaRPr kumimoji="0" lang="en-US" sz="1200" b="0" i="0" u="none" strike="noStrike" kern="0" cap="none" spc="0" normalizeH="0" baseline="0" noProof="0" dirty="0">
+              <a:ln>
+                <a:noFill/>
+              </a:ln>
+              <a:solidFill>
+                <a:srgbClr val="D5FA68"/>
+              </a:solidFill>
+              <a:effectLst/>
+              <a:uLnTx/>
+              <a:uFillTx/>
+              <a:latin typeface="Arial" panose="020B0604020202020204" pitchFamily="34" charset="0"/>
+              <a:cs typeface="Arial" panose="020B0604020202020204" pitchFamily="34" charset="0"/>
+              <a:sym typeface="Sora"/>
+            </a:endParaRPr>
           </a:p>
           <a:p>
             <a:endParaRPr lang="en-US" dirty="0"/>
-          </a:p>
-          <a:p>
-            <a:r>
-              <a:rPr lang="el-GR" dirty="0"/>
-              <a:t>Στο </a:t>
-            </a:r>
-            <a:r>
-              <a:rPr lang="en-US" dirty="0"/>
-              <a:t>mobile </a:t>
-            </a:r>
-            <a:r>
-              <a:rPr lang="el-GR" dirty="0"/>
-              <a:t>παρουσιάστηκαν οι πιο μεγάλες αλλαγές του </a:t>
-            </a:r>
-            <a:r>
-              <a:rPr lang="en-US" dirty="0"/>
-              <a:t>gaming industry </a:t>
-            </a:r>
-            <a:r>
-              <a:rPr lang="el-GR" dirty="0"/>
-              <a:t>λόγο </a:t>
-            </a:r>
-            <a:r>
-              <a:rPr lang="el-GR" dirty="0" err="1"/>
-              <a:t>φορητότητας</a:t>
-            </a:r>
-            <a:r>
-              <a:rPr lang="el-GR" dirty="0"/>
-              <a:t> αλλά και δυνατότητες επαυξημένης πραγματικότητας σε βιντεοπαιχνίδια είτε </a:t>
-            </a:r>
-            <a:r>
-              <a:rPr lang="en-US" dirty="0"/>
-              <a:t>social media camera filters</a:t>
-            </a:r>
-            <a:endParaRPr lang="el-GR" dirty="0"/>
           </a:p>
         </p:txBody>
       </p:sp>
@@ -19639,7 +19737,7 @@
     </p:spTree>
     <p:extLst>
       <p:ext uri="{BB962C8B-B14F-4D97-AF65-F5344CB8AC3E}">
-        <p14:creationId xmlns:p14="http://schemas.microsoft.com/office/powerpoint/2010/main" val="1120880429"/>
+        <p14:creationId xmlns:p14="http://schemas.microsoft.com/office/powerpoint/2010/main" val="1192721217"/>
       </p:ext>
     </p:extLst>
   </p:cSld>
@@ -19695,25 +19793,66 @@
           <a:p>
             <a:r>
               <a:rPr lang="el-GR" dirty="0"/>
-              <a:t>Η επιχείρηση υλοποιήσεις </a:t>
+              <a:t>Στο </a:t>
             </a:r>
             <a:r>
               <a:rPr lang="en-US" dirty="0"/>
-              <a:t>VR </a:t>
+              <a:t>flow of gaming simulation evolution </a:t>
             </a:r>
             <a:r>
               <a:rPr lang="el-GR" dirty="0"/>
-              <a:t>και </a:t>
+              <a:t>υπάρχει η ακολουθία </a:t>
             </a:r>
             <a:r>
               <a:rPr lang="en-US" dirty="0"/>
-              <a:t>metaverse </a:t>
+              <a:t>hardware </a:t>
             </a:r>
             <a:r>
               <a:rPr lang="el-GR" dirty="0"/>
-              <a:t>είναι πρόσφατη λόγο μεγέθους επεξεργαστικού ισχύος σε περιορισμένο χώρο αλλά και οικοσυστημάτων υποδομής.</a:t>
-            </a:r>
+              <a:t>με τα αντίστοιχα </a:t>
+            </a:r>
+            <a:r>
+              <a:rPr lang="en-US" dirty="0"/>
+              <a:t>software’s</a:t>
+            </a:r>
+          </a:p>
+          <a:p>
             <a:endParaRPr lang="en-US" dirty="0"/>
+          </a:p>
+          <a:p>
+            <a:r>
+              <a:rPr lang="el-GR" dirty="0"/>
+              <a:t>Στο </a:t>
+            </a:r>
+            <a:r>
+              <a:rPr lang="en-US" dirty="0"/>
+              <a:t>mobile </a:t>
+            </a:r>
+            <a:r>
+              <a:rPr lang="el-GR" dirty="0"/>
+              <a:t>παρουσιάστηκαν οι πιο μεγάλες αλλαγές του </a:t>
+            </a:r>
+            <a:r>
+              <a:rPr lang="en-US" dirty="0"/>
+              <a:t>gaming industry </a:t>
+            </a:r>
+            <a:r>
+              <a:rPr lang="el-GR" dirty="0"/>
+              <a:t>λόγο </a:t>
+            </a:r>
+            <a:r>
+              <a:rPr lang="el-GR" dirty="0" err="1"/>
+              <a:t>φορητότητας</a:t>
+            </a:r>
+            <a:r>
+              <a:rPr lang="el-GR" dirty="0"/>
+              <a:t> αλλά και δυνατότητες επαυξημένης πραγματικότητας σε βιντεοπαιχνίδια είτε </a:t>
+            </a:r>
+            <a:r>
+              <a:rPr lang="en-US" dirty="0"/>
+              <a:t>social media camera filters</a:t>
+            </a:r>
+            <a:endParaRPr lang="el-GR" dirty="0"/>
           </a:p>
         </p:txBody>
       </p:sp>
@@ -19744,7 +19883,7 @@
     </p:spTree>
     <p:extLst>
       <p:ext uri="{BB962C8B-B14F-4D97-AF65-F5344CB8AC3E}">
-        <p14:creationId xmlns:p14="http://schemas.microsoft.com/office/powerpoint/2010/main" val="4228776886"/>
+        <p14:creationId xmlns:p14="http://schemas.microsoft.com/office/powerpoint/2010/main" val="1120880429"/>
       </p:ext>
     </p:extLst>
   </p:cSld>
@@ -19800,24 +19939,23 @@
           <a:p>
             <a:r>
               <a:rPr lang="el-GR" dirty="0"/>
-              <a:t>Το </a:t>
+              <a:t>Η επιχείρηση υλοποιήσεις </a:t>
             </a:r>
             <a:r>
               <a:rPr lang="en-US" dirty="0"/>
-              <a:t>roadmap </a:t>
+              <a:t>VR </a:t>
             </a:r>
             <a:r>
               <a:rPr lang="el-GR" dirty="0"/>
-              <a:t>της τεχνολογίας</a:t>
-            </a:r>
-          </a:p>
-          <a:p>
-            <a:endParaRPr lang="el-GR" dirty="0"/>
-          </a:p>
-          <a:p>
+              <a:t>και </a:t>
+            </a:r>
+            <a:r>
+              <a:rPr lang="en-US" dirty="0"/>
+              <a:t>metaverse </a:t>
+            </a:r>
             <a:r>
               <a:rPr lang="el-GR" dirty="0"/>
-              <a:t>Για να γίνει αυτό πραγματικότητα πρέπει να υπάρξει και η αντίστοιχη υποδομή και τεχνολογίες από οικοσυστήματα</a:t>
+              <a:t>είναι πρόσφατη λόγο μεγέθους επεξεργαστικού ισχύος σε περιορισμένο χώρο αλλά και οικοσυστημάτων υποδομής.</a:t>
             </a:r>
             <a:endParaRPr lang="en-US" dirty="0"/>
           </a:p>
@@ -19850,7 +19988,7 @@
     </p:spTree>
     <p:extLst>
       <p:ext uri="{BB962C8B-B14F-4D97-AF65-F5344CB8AC3E}">
-        <p14:creationId xmlns:p14="http://schemas.microsoft.com/office/powerpoint/2010/main" val="437758119"/>
+        <p14:creationId xmlns:p14="http://schemas.microsoft.com/office/powerpoint/2010/main" val="4228776886"/>
       </p:ext>
     </p:extLst>
   </p:cSld>
@@ -19906,147 +20044,26 @@
           <a:p>
             <a:r>
               <a:rPr lang="el-GR" dirty="0"/>
-              <a:t>Το συνολικό </a:t>
-            </a:r>
-            <a:r>
-              <a:rPr lang="el-GR" dirty="0" err="1"/>
-              <a:t>υπερσύνολο</a:t>
+              <a:t>Το </a:t>
+            </a:r>
+            <a:r>
+              <a:rPr lang="en-US" dirty="0"/>
+              <a:t>roadmap </a:t>
             </a:r>
             <a:r>
               <a:rPr lang="el-GR" dirty="0"/>
-              <a:t> που αποτελεί το </a:t>
-            </a:r>
-            <a:r>
-              <a:rPr lang="en-US" dirty="0"/>
-              <a:t>metaverse </a:t>
-            </a:r>
+              <a:t>της τεχνολογίας</a:t>
+            </a:r>
+          </a:p>
+          <a:p>
+            <a:endParaRPr lang="el-GR" dirty="0"/>
+          </a:p>
+          <a:p>
             <a:r>
               <a:rPr lang="el-GR" dirty="0"/>
-              <a:t>και ποια κομμάτια πρέπει να συνυπάρξουν ώστε να λειτουργήσει. Βλέπουμε την ένωση όλων των υποδομών</a:t>
-            </a:r>
-            <a:r>
-              <a:rPr lang="en-US" dirty="0"/>
-              <a:t>(infrastructures)</a:t>
-            </a:r>
-            <a:r>
-              <a:rPr lang="el-GR" dirty="0"/>
-              <a:t> σε δράση</a:t>
-            </a:r>
-            <a:r>
-              <a:rPr lang="en-US" dirty="0"/>
-              <a:t> </a:t>
-            </a:r>
-            <a:r>
-              <a:rPr lang="el-GR" dirty="0"/>
-              <a:t>μεταξύ τους τόσο σε </a:t>
-            </a:r>
-            <a:r>
-              <a:rPr lang="en-US" dirty="0"/>
-              <a:t>proactive </a:t>
-            </a:r>
-            <a:r>
-              <a:rPr lang="el-GR" dirty="0"/>
-              <a:t>όσο και </a:t>
-            </a:r>
-            <a:r>
-              <a:rPr lang="en-US" dirty="0"/>
-              <a:t>reactive </a:t>
-            </a:r>
-            <a:r>
-              <a:rPr lang="el-GR" dirty="0"/>
-              <a:t>κατάσταση.</a:t>
-            </a:r>
-          </a:p>
-          <a:p>
-            <a:endParaRPr lang="el-GR" dirty="0"/>
-          </a:p>
-          <a:p>
-            <a:r>
-              <a:rPr lang="el-GR" dirty="0"/>
-              <a:t>Επίσης στις ασύρματες και </a:t>
-            </a:r>
-            <a:r>
-              <a:rPr lang="en-US" dirty="0"/>
-              <a:t>Fixed </a:t>
-            </a:r>
-            <a:r>
-              <a:rPr lang="el-GR" dirty="0"/>
-              <a:t>τεχνολογίες παροχών υπηρεσιών </a:t>
-            </a:r>
-            <a:r>
-              <a:rPr lang="en-US" dirty="0"/>
-              <a:t>(SP) </a:t>
-            </a:r>
-            <a:r>
-              <a:rPr lang="el-GR" dirty="0"/>
-              <a:t>με </a:t>
-            </a:r>
-            <a:r>
-              <a:rPr lang="en-US" dirty="0"/>
-              <a:t>5G </a:t>
-            </a:r>
-            <a:r>
-              <a:rPr lang="el-GR" dirty="0"/>
-              <a:t>και</a:t>
-            </a:r>
-            <a:r>
-              <a:rPr lang="en-US" dirty="0"/>
-              <a:t> FTTH (fiber to the home)</a:t>
-            </a:r>
-            <a:r>
-              <a:rPr lang="el-GR" dirty="0"/>
-              <a:t> δίκτυα τα χρειαζόμαστε για </a:t>
-            </a:r>
-            <a:r>
-              <a:rPr lang="en-US" dirty="0"/>
-              <a:t>Low latency </a:t>
-            </a:r>
-            <a:r>
-              <a:rPr lang="el-GR" dirty="0"/>
-              <a:t>ώστε τα </a:t>
-            </a:r>
-            <a:r>
-              <a:rPr lang="en-US" dirty="0"/>
-              <a:t>mission critical </a:t>
-            </a:r>
-            <a:r>
-              <a:rPr lang="el-GR" dirty="0"/>
-              <a:t>να έχουν απόλυτη ακεραιότητα. </a:t>
-            </a:r>
-          </a:p>
-          <a:p>
-            <a:r>
-              <a:rPr lang="el-GR" dirty="0"/>
-              <a:t>Επίσης σε </a:t>
-            </a:r>
-            <a:r>
-              <a:rPr lang="en-US" dirty="0"/>
-              <a:t>Mounted headset device (HMD) </a:t>
-            </a:r>
-            <a:r>
-              <a:rPr lang="el-GR" dirty="0"/>
-              <a:t>για </a:t>
-            </a:r>
-            <a:r>
-              <a:rPr lang="en-US" dirty="0"/>
-              <a:t>VR</a:t>
-            </a:r>
-            <a:r>
-              <a:rPr lang="el-GR" dirty="0"/>
-              <a:t>/</a:t>
-            </a:r>
-            <a:r>
-              <a:rPr lang="en-US" dirty="0"/>
-              <a:t>MR </a:t>
-            </a:r>
-            <a:r>
-              <a:rPr lang="el-GR" dirty="0"/>
-              <a:t>αποφεύγουμε το </a:t>
-            </a:r>
-            <a:r>
-              <a:rPr lang="en-US" dirty="0"/>
-              <a:t>motion sickness</a:t>
-            </a:r>
+              <a:t>Για να γίνει αυτό πραγματικότητα πρέπει να υπάρξει και η αντίστοιχη υποδομή και τεχνολογίες από οικοσυστήματα</a:t>
+            </a:r>
+            <a:endParaRPr lang="en-US" dirty="0"/>
           </a:p>
         </p:txBody>
       </p:sp>
@@ -20077,7 +20094,7 @@
     </p:spTree>
     <p:extLst>
       <p:ext uri="{BB962C8B-B14F-4D97-AF65-F5344CB8AC3E}">
-        <p14:creationId xmlns:p14="http://schemas.microsoft.com/office/powerpoint/2010/main" val="547921947"/>
+        <p14:creationId xmlns:p14="http://schemas.microsoft.com/office/powerpoint/2010/main" val="437758119"/>
       </p:ext>
     </p:extLst>
   </p:cSld>
@@ -20133,11 +20150,122 @@
           <a:p>
             <a:r>
               <a:rPr lang="el-GR" dirty="0"/>
-              <a:t>Υποδομή από αρχιτεκτονικές προδιαγραφές πληροφοριών πχ., </a:t>
+              <a:t>Το συνολικό </a:t>
+            </a:r>
+            <a:r>
+              <a:rPr lang="el-GR" dirty="0" err="1"/>
+              <a:t>υπερσύνολο</a:t>
+            </a:r>
+            <a:r>
+              <a:rPr lang="el-GR" dirty="0"/>
+              <a:t> που αποτελεί το </a:t>
             </a:r>
             <a:r>
               <a:rPr lang="en-US" dirty="0"/>
-              <a:t>TOGAF (enterprise architecture framework) &amp; ITIL library </a:t>
+              <a:t>metaverse </a:t>
+            </a:r>
+            <a:r>
+              <a:rPr lang="el-GR" dirty="0"/>
+              <a:t>και ποια κομμάτια πρέπει να συνυπάρξουν ώστε να λειτουργήσει. Βλέπουμε την ένωση όλων των υποδομών</a:t>
+            </a:r>
+            <a:r>
+              <a:rPr lang="en-US" dirty="0"/>
+              <a:t>(infrastructures)</a:t>
+            </a:r>
+            <a:r>
+              <a:rPr lang="el-GR" dirty="0"/>
+              <a:t> σε δράση</a:t>
+            </a:r>
+            <a:r>
+              <a:rPr lang="en-US" dirty="0"/>
+              <a:t> </a:t>
+            </a:r>
+            <a:r>
+              <a:rPr lang="el-GR" dirty="0"/>
+              <a:t>μεταξύ τους τόσο σε </a:t>
+            </a:r>
+            <a:r>
+              <a:rPr lang="en-US" dirty="0"/>
+              <a:t>proactive </a:t>
+            </a:r>
+            <a:r>
+              <a:rPr lang="el-GR" dirty="0"/>
+              <a:t>όσο και </a:t>
+            </a:r>
+            <a:r>
+              <a:rPr lang="en-US" dirty="0"/>
+              <a:t>reactive </a:t>
+            </a:r>
+            <a:r>
+              <a:rPr lang="el-GR" dirty="0"/>
+              <a:t>κατάσταση.</a:t>
+            </a:r>
+          </a:p>
+          <a:p>
+            <a:endParaRPr lang="el-GR" dirty="0"/>
+          </a:p>
+          <a:p>
+            <a:r>
+              <a:rPr lang="el-GR" dirty="0"/>
+              <a:t>Επίσης στις ασύρματες και </a:t>
+            </a:r>
+            <a:r>
+              <a:rPr lang="en-US" dirty="0"/>
+              <a:t>Fixed </a:t>
+            </a:r>
+            <a:r>
+              <a:rPr lang="el-GR" dirty="0"/>
+              <a:t>τεχνολογίες παροχών υπηρεσιών </a:t>
+            </a:r>
+            <a:r>
+              <a:rPr lang="en-US" dirty="0"/>
+              <a:t>(SP) </a:t>
+            </a:r>
+            <a:r>
+              <a:rPr lang="el-GR" dirty="0"/>
+              <a:t>με </a:t>
+            </a:r>
+            <a:r>
+              <a:rPr lang="en-US" dirty="0"/>
+              <a:t>5G </a:t>
+            </a:r>
+            <a:r>
+              <a:rPr lang="el-GR" dirty="0"/>
+              <a:t>και</a:t>
+            </a:r>
+            <a:r>
+              <a:rPr lang="en-US" dirty="0"/>
+              <a:t> FTTH (fiber to the home)</a:t>
+            </a:r>
+            <a:r>
+              <a:rPr lang="el-GR" dirty="0"/>
+              <a:t> δίκτυα τα χρειαζόμαστε για </a:t>
+            </a:r>
+            <a:r>
+              <a:rPr lang="en-US" dirty="0"/>
+              <a:t>Low latency </a:t>
+            </a:r>
+            <a:r>
+              <a:rPr lang="el-GR" dirty="0"/>
+              <a:t>ώστε τα </a:t>
+            </a:r>
+            <a:r>
+              <a:rPr lang="en-US" dirty="0"/>
+              <a:t>mission critical </a:t>
+            </a:r>
+            <a:r>
+              <a:rPr lang="el-GR" dirty="0"/>
+              <a:t>να έχουν απόλυτη ακεραιότητα. </a:t>
+            </a:r>
+          </a:p>
+          <a:p>
+            <a:r>
+              <a:rPr lang="el-GR" dirty="0"/>
+              <a:t>Επίσης σε </a:t>
+            </a:r>
+            <a:r>
+              <a:rPr lang="en-US" dirty="0"/>
+              <a:t>Mounted headset device (HMD) </a:t>
             </a:r>
             <a:r>
               <a:rPr lang="el-GR" dirty="0"/>
@@ -20145,79 +20273,24 @@
             </a:r>
             <a:r>
               <a:rPr lang="en-US" dirty="0"/>
-              <a:t>best practices </a:t>
+              <a:t>VR</a:t>
             </a:r>
             <a:r>
               <a:rPr lang="el-GR" dirty="0"/>
-              <a:t>στο </a:t>
+              <a:t>/</a:t>
             </a:r>
             <a:r>
               <a:rPr lang="en-US" dirty="0"/>
-              <a:t>Information Technology </a:t>
+              <a:t>MR </a:t>
             </a:r>
             <a:r>
               <a:rPr lang="el-GR" dirty="0"/>
-              <a:t>ώστε να υπάρξουν τα </a:t>
+              <a:t>αποφεύγουμε το </a:t>
             </a:r>
             <a:r>
               <a:rPr lang="en-US" dirty="0"/>
-              <a:t>Information Technology service management</a:t>
-            </a:r>
-            <a:r>
-              <a:rPr lang="el-GR" dirty="0"/>
-              <a:t> </a:t>
-            </a:r>
-            <a:r>
-              <a:rPr lang="en-US" dirty="0"/>
-              <a:t>services (ITSM services) </a:t>
-            </a:r>
-            <a:r>
-              <a:rPr lang="el-GR" dirty="0"/>
-              <a:t>για ένα </a:t>
-            </a:r>
-            <a:r>
-              <a:rPr lang="en-US" dirty="0"/>
-              <a:t>business.</a:t>
-            </a:r>
-          </a:p>
-          <a:p>
-            <a:r>
-              <a:rPr lang="el-GR" dirty="0"/>
-              <a:t>Σε τεχνολογικό τομέα αλλά και οικοσυστήματα που το περιβάλουν ώστε να υπάρξουν </a:t>
-            </a:r>
-            <a:r>
-              <a:rPr lang="el-GR" dirty="0" err="1"/>
-              <a:t>διεπαφές</a:t>
-            </a:r>
-            <a:r>
-              <a:rPr lang="el-GR" dirty="0"/>
-              <a:t> επικοινωνίας μεταξύ τους αλλά και </a:t>
-            </a:r>
-            <a:r>
-              <a:rPr lang="en-US" dirty="0"/>
-              <a:t>streamlined workflows </a:t>
-            </a:r>
-            <a:r>
-              <a:rPr lang="el-GR" dirty="0"/>
-              <a:t>λειτουργείας τους από χρήστες και αυτοματισμοί διεργασιών (</a:t>
-            </a:r>
-            <a:r>
-              <a:rPr lang="en-US" dirty="0"/>
-              <a:t>automation processes). </a:t>
-            </a:r>
-            <a:r>
-              <a:rPr lang="el-GR" dirty="0"/>
-              <a:t>Δηλαδή να υπάρχει έλεγχος </a:t>
-            </a:r>
-            <a:r>
-              <a:rPr lang="en-US" dirty="0"/>
-              <a:t>proactive </a:t>
-            </a:r>
-            <a:r>
-              <a:rPr lang="el-GR" dirty="0"/>
-              <a:t>κατάσταση</a:t>
-            </a:r>
-            <a:endParaRPr lang="en-US" dirty="0"/>
+              <a:t>motion sickness</a:t>
+            </a:r>
           </a:p>
         </p:txBody>
       </p:sp>
@@ -20248,7 +20321,7 @@
     </p:spTree>
     <p:extLst>
       <p:ext uri="{BB962C8B-B14F-4D97-AF65-F5344CB8AC3E}">
-        <p14:creationId xmlns:p14="http://schemas.microsoft.com/office/powerpoint/2010/main" val="2729025747"/>
+        <p14:creationId xmlns:p14="http://schemas.microsoft.com/office/powerpoint/2010/main" val="547921947"/>
       </p:ext>
     </p:extLst>
   </p:cSld>
@@ -20304,71 +20377,89 @@
           <a:p>
             <a:r>
               <a:rPr lang="el-GR" dirty="0"/>
-              <a:t>Για την υλοποίηση </a:t>
+              <a:t>Υποδομή από αρχιτεκτονικές προδιαγραφές πληροφοριών πχ., </a:t>
             </a:r>
             <a:r>
               <a:rPr lang="en-US" dirty="0"/>
-              <a:t>gameplay mechanics </a:t>
+              <a:t>TOGAF (enterprise architecture framework) &amp; ITIL library </a:t>
             </a:r>
             <a:r>
               <a:rPr lang="el-GR" dirty="0"/>
-              <a:t>και </a:t>
+              <a:t>για </a:t>
             </a:r>
             <a:r>
               <a:rPr lang="en-US" dirty="0"/>
-              <a:t>deploy </a:t>
+              <a:t>best practices </a:t>
             </a:r>
             <a:r>
               <a:rPr lang="el-GR" dirty="0"/>
-              <a:t>στο</a:t>
+              <a:t>στο </a:t>
             </a:r>
             <a:r>
               <a:rPr lang="en-US" dirty="0"/>
-              <a:t> public cloud </a:t>
+              <a:t>Information Technology </a:t>
             </a:r>
             <a:r>
               <a:rPr lang="el-GR" dirty="0"/>
-              <a:t>θα χρειαστεί προφανώς να γίνει </a:t>
+              <a:t>ώστε να υπάρξουν τα </a:t>
             </a:r>
             <a:r>
               <a:rPr lang="en-US" dirty="0"/>
-              <a:t>host </a:t>
+              <a:t>Information Technology service management</a:t>
             </a:r>
             <a:r>
               <a:rPr lang="el-GR" dirty="0"/>
-              <a:t>σε διακομιστή με δυναμική απαιτήσει πόρων σύμφωνα με τις απαιτήσεις χρηστών. Επιπλέον θα χρειαστούν βάσεις δεδομένων για αποθηκεύσει δεδομένων και εξόρυξή τους ώστε να φτιαχτούν μοντέλα πρόβλεψης και </a:t>
+              <a:t> </a:t>
             </a:r>
             <a:r>
               <a:rPr lang="en-US" dirty="0"/>
-              <a:t>analytics</a:t>
+              <a:t>services (ITSM services) </a:t>
             </a:r>
             <a:r>
               <a:rPr lang="el-GR" dirty="0"/>
-              <a:t> άρα θα πρέπει να υπάρχει Εμπιστευτικότητα Ακεραιότητα και Διαθεσιμότητα </a:t>
+              <a:t>για ένα </a:t>
             </a:r>
             <a:r>
               <a:rPr lang="en-US" dirty="0"/>
-              <a:t>(CIA triad). </a:t>
-            </a:r>
+              <a:t>business.</a:t>
+            </a:r>
+          </a:p>
+          <a:p>
             <a:r>
               <a:rPr lang="el-GR" dirty="0"/>
-              <a:t>Επίσης όλα αυτά θα λαμβάνουν χώρο σε </a:t>
+              <a:t>Σε τεχνολογικό τομέα αλλά και οικοσυστήματα που το περιβάλουν ώστε να υπάρξουν </a:t>
+            </a:r>
+            <a:r>
+              <a:rPr lang="el-GR" dirty="0" err="1"/>
+              <a:t>διεπαφές</a:t>
+            </a:r>
+            <a:r>
+              <a:rPr lang="el-GR" dirty="0"/>
+              <a:t> επικοινωνίας μεταξύ τους αλλά και </a:t>
             </a:r>
             <a:r>
               <a:rPr lang="en-US" dirty="0"/>
-              <a:t>Data center </a:t>
+              <a:t>streamlined workflows </a:t>
             </a:r>
             <a:r>
               <a:rPr lang="el-GR" dirty="0"/>
-              <a:t>και κατά πάσα πιθανότητα όχι </a:t>
+              <a:t>λειτουργείας τους από χρήστες και αυτοματισμοί διεργασιών (</a:t>
             </a:r>
             <a:r>
               <a:rPr lang="en-US" dirty="0"/>
-              <a:t>on-premises </a:t>
+              <a:t>automation processes). </a:t>
             </a:r>
             <a:r>
               <a:rPr lang="el-GR" dirty="0"/>
-              <a:t>πλέον.</a:t>
+              <a:t>Δηλαδή να υπάρχει έλεγχος </a:t>
+            </a:r>
+            <a:r>
+              <a:rPr lang="en-US" dirty="0"/>
+              <a:t>proactive </a:t>
+            </a:r>
+            <a:r>
+              <a:rPr lang="el-GR" dirty="0"/>
+              <a:t>κατάσταση</a:t>
             </a:r>
             <a:endParaRPr lang="en-US" dirty="0"/>
           </a:p>
@@ -20401,7 +20492,7 @@
     </p:spTree>
     <p:extLst>
       <p:ext uri="{BB962C8B-B14F-4D97-AF65-F5344CB8AC3E}">
-        <p14:creationId xmlns:p14="http://schemas.microsoft.com/office/powerpoint/2010/main" val="3511860544"/>
+        <p14:creationId xmlns:p14="http://schemas.microsoft.com/office/powerpoint/2010/main" val="2729025747"/>
       </p:ext>
     </p:extLst>
   </p:cSld>
@@ -20457,40 +20548,7 @@
           <a:p>
             <a:r>
               <a:rPr lang="el-GR" dirty="0"/>
-              <a:t>Ένα </a:t>
-            </a:r>
-            <a:r>
-              <a:rPr lang="en-US" dirty="0"/>
-              <a:t>Venn diagram </a:t>
-            </a:r>
-            <a:r>
-              <a:rPr lang="el-GR" dirty="0"/>
-              <a:t>για σχέση μεταξύ </a:t>
-            </a:r>
-            <a:r>
-              <a:rPr lang="en-US" dirty="0"/>
-              <a:t>Extended Reality </a:t>
-            </a:r>
-            <a:r>
-              <a:rPr lang="el-GR" dirty="0"/>
-              <a:t>και το </a:t>
-            </a:r>
-            <a:r>
-              <a:rPr lang="el-GR" dirty="0" err="1"/>
-              <a:t>υπερσύνολο</a:t>
-            </a:r>
-            <a:r>
-              <a:rPr lang="en-US" dirty="0"/>
-              <a:t> metaverse</a:t>
-            </a:r>
-          </a:p>
-          <a:p>
-            <a:endParaRPr lang="en-US" dirty="0"/>
-          </a:p>
-          <a:p>
-            <a:r>
-              <a:rPr lang="el-GR" dirty="0"/>
-              <a:t>Παρατηρούμε ότι τα </a:t>
+              <a:t>Για την υλοποίηση </a:t>
             </a:r>
             <a:r>
               <a:rPr lang="en-US" dirty="0"/>
@@ -20498,16 +20556,65 @@
             </a:r>
             <a:r>
               <a:rPr lang="el-GR" dirty="0"/>
-              <a:t>είναι το </a:t>
+              <a:t>και </a:t>
             </a:r>
             <a:r>
               <a:rPr lang="en-US" dirty="0"/>
-              <a:t>core </a:t>
+              <a:t>deploy </a:t>
             </a:r>
             <a:r>
               <a:rPr lang="el-GR" dirty="0"/>
-              <a:t>κομμάτι παντού</a:t>
-            </a:r>
+              <a:t>στο</a:t>
+            </a:r>
+            <a:r>
+              <a:rPr lang="en-US" dirty="0"/>
+              <a:t> public cloud </a:t>
+            </a:r>
+            <a:r>
+              <a:rPr lang="el-GR" dirty="0"/>
+              <a:t>θα χρειαστεί προφανώς να γίνει </a:t>
+            </a:r>
+            <a:r>
+              <a:rPr lang="en-US" dirty="0"/>
+              <a:t>host </a:t>
+            </a:r>
+            <a:r>
+              <a:rPr lang="el-GR" dirty="0"/>
+              <a:t>σε διακομιστή με δυναμική απαιτήσει πόρων σύμφωνα με τις απαιτήσεις χρηστών. Επιπλέον θα χρειαστούν βάσεις δεδομένων για αποθηκεύσει δεδομένων και εξόρυξή τους ώστε να φτιαχτούν μοντέλα πρόβλεψης και </a:t>
+            </a:r>
+            <a:r>
+              <a:rPr lang="en-US" dirty="0"/>
+              <a:t>analytics</a:t>
+            </a:r>
+            <a:r>
+              <a:rPr lang="el-GR" dirty="0"/>
+              <a:t> άρα θα πρέπει να υπάρχει Εμπιστευτικότητα Ακεραιότητα και Διαθεσιμότητα </a:t>
+            </a:r>
+            <a:r>
+              <a:rPr lang="en-US" dirty="0"/>
+              <a:t>(CIA triad). </a:t>
+            </a:r>
+            <a:r>
+              <a:rPr lang="el-GR" dirty="0"/>
+              <a:t>Επίσης όλα αυτά θα λαμβάνουν χώρο σε </a:t>
+            </a:r>
+            <a:r>
+              <a:rPr lang="en-US" dirty="0"/>
+              <a:t>Data center </a:t>
+            </a:r>
+            <a:r>
+              <a:rPr lang="el-GR" dirty="0"/>
+              <a:t>και κατά πάσα πιθανότητα όχι </a:t>
+            </a:r>
+            <a:r>
+              <a:rPr lang="en-US" dirty="0"/>
+              <a:t>on-premises </a:t>
+            </a:r>
+            <a:r>
+              <a:rPr lang="el-GR" dirty="0"/>
+              <a:t>πλέον.</a:t>
+            </a:r>
+            <a:endParaRPr lang="en-US" dirty="0"/>
           </a:p>
         </p:txBody>
       </p:sp>
@@ -20538,7 +20645,7 @@
     </p:spTree>
     <p:extLst>
       <p:ext uri="{BB962C8B-B14F-4D97-AF65-F5344CB8AC3E}">
-        <p14:creationId xmlns:p14="http://schemas.microsoft.com/office/powerpoint/2010/main" val="239941111"/>
+        <p14:creationId xmlns:p14="http://schemas.microsoft.com/office/powerpoint/2010/main" val="3511860544"/>
       </p:ext>
     </p:extLst>
   </p:cSld>
@@ -20594,17 +20701,57 @@
           <a:p>
             <a:r>
               <a:rPr lang="el-GR" dirty="0"/>
-              <a:t>Παρατηρούμε τα δεδομένα από την </a:t>
+              <a:t>Ένα </a:t>
             </a:r>
             <a:r>
               <a:rPr lang="en-US" dirty="0"/>
-              <a:t>ISFE (Europe's video game industry)</a:t>
+              <a:t>Venn diagram </a:t>
             </a:r>
             <a:r>
               <a:rPr lang="el-GR" dirty="0"/>
-              <a:t> για την γραμμική αύξηση των τελευταίων ετών ιδίως λόγο την πανδημίας</a:t>
-            </a:r>
+              <a:t>για σχέση μεταξύ </a:t>
+            </a:r>
+            <a:r>
+              <a:rPr lang="en-US" dirty="0"/>
+              <a:t>Extended Reality </a:t>
+            </a:r>
+            <a:r>
+              <a:rPr lang="el-GR" dirty="0"/>
+              <a:t>και το </a:t>
+            </a:r>
+            <a:r>
+              <a:rPr lang="el-GR" dirty="0" err="1"/>
+              <a:t>υπερσύνολο</a:t>
+            </a:r>
+            <a:r>
+              <a:rPr lang="en-US" dirty="0"/>
+              <a:t> metaverse</a:t>
+            </a:r>
+          </a:p>
+          <a:p>
             <a:endParaRPr lang="en-US" dirty="0"/>
+          </a:p>
+          <a:p>
+            <a:r>
+              <a:rPr lang="el-GR" dirty="0"/>
+              <a:t>Παρατηρούμε ότι τα </a:t>
+            </a:r>
+            <a:r>
+              <a:rPr lang="en-US" dirty="0"/>
+              <a:t>gameplay mechanics </a:t>
+            </a:r>
+            <a:r>
+              <a:rPr lang="el-GR" dirty="0"/>
+              <a:t>είναι το </a:t>
+            </a:r>
+            <a:r>
+              <a:rPr lang="en-US" dirty="0"/>
+              <a:t>core </a:t>
+            </a:r>
+            <a:r>
+              <a:rPr lang="el-GR" dirty="0"/>
+              <a:t>κομμάτι παντού</a:t>
+            </a:r>
           </a:p>
         </p:txBody>
       </p:sp>
@@ -20635,7 +20782,7 @@
     </p:spTree>
     <p:extLst>
       <p:ext uri="{BB962C8B-B14F-4D97-AF65-F5344CB8AC3E}">
-        <p14:creationId xmlns:p14="http://schemas.microsoft.com/office/powerpoint/2010/main" val="2583888266"/>
+        <p14:creationId xmlns:p14="http://schemas.microsoft.com/office/powerpoint/2010/main" val="239941111"/>
       </p:ext>
     </p:extLst>
   </p:cSld>
@@ -20866,74 +21013,16 @@
           <a:p>
             <a:r>
               <a:rPr lang="el-GR" dirty="0"/>
-              <a:t>Ο κύκλος της εξελίξεις που η κάθε ενότητα είναι προϊόν τις προηγούμενης που σημαίνει δεν είναι </a:t>
+              <a:t>Παρατηρούμε τα δεδομένα από την </a:t>
             </a:r>
             <a:r>
               <a:rPr lang="en-US" dirty="0"/>
-              <a:t>standalone </a:t>
+              <a:t>ISFE (Europe's video game industry)</a:t>
             </a:r>
             <a:r>
               <a:rPr lang="el-GR" dirty="0"/>
-              <a:t>αλλά όλα συνδέονται μεταξύ τους όπως και τα </a:t>
-            </a:r>
-            <a:r>
-              <a:rPr lang="en-US" dirty="0"/>
-              <a:t>application programmable interfaces (API).</a:t>
-            </a:r>
-          </a:p>
-          <a:p>
-            <a:endParaRPr lang="en-US" dirty="0"/>
-          </a:p>
-          <a:p>
-            <a:pPr marL="0" marR="0" lvl="0" indent="0" algn="l" defTabSz="457200" rtl="0" eaLnBrk="1" fontAlgn="auto" latinLnBrk="0" hangingPunct="1">
-              <a:lnSpc>
-                <a:spcPct val="100000"/>
-              </a:lnSpc>
-              <a:spcBef>
-                <a:spcPts val="0"/>
-              </a:spcBef>
-              <a:spcAft>
-                <a:spcPts val="0"/>
-              </a:spcAft>
-              <a:buClrTx/>
-              <a:buSzTx/>
-              <a:buFontTx/>
-              <a:buNone/>
-              <a:tabLst/>
-              <a:defRPr/>
-            </a:pPr>
-            <a:r>
-              <a:rPr lang="en-US" dirty="0"/>
-              <a:t>Observation!! </a:t>
-            </a:r>
-            <a:r>
-              <a:rPr lang="el-GR" dirty="0"/>
-              <a:t>όπως είπε και ο μαθηματικός αλλά και παίχτης σκάκι </a:t>
-            </a:r>
-            <a:r>
-              <a:rPr lang="en-US" dirty="0"/>
-              <a:t>MAX EUWE </a:t>
-            </a:r>
-            <a:r>
-              <a:rPr lang="el-GR" dirty="0"/>
-              <a:t>Η στρατηγική θέλει σκέψη, η τακτική θέλει παρατήρηση.</a:t>
-            </a:r>
-            <a:r>
-              <a:rPr lang="en-US" dirty="0"/>
-              <a:t> - </a:t>
-            </a:r>
-            <a:r>
-              <a:rPr lang="en-US" sz="1800" b="0" i="0" u="none" strike="sngStrike" dirty="0">
-                <a:solidFill>
-                  <a:srgbClr val="101010"/>
-                </a:solidFill>
-                <a:effectLst/>
-                <a:latin typeface="Arial" panose="020B0604020202020204" pitchFamily="34" charset="0"/>
-              </a:rPr>
-              <a:t>Strategy requires thought, tactics require observation.</a:t>
-            </a:r>
-          </a:p>
-          <a:p>
+              <a:t> για την γραμμική αύξηση των τελευταίων ετών ιδίως λόγο την πανδημίας</a:t>
+            </a:r>
             <a:endParaRPr lang="en-US" dirty="0"/>
           </a:p>
         </p:txBody>
@@ -20965,7 +21054,7 @@
     </p:spTree>
     <p:extLst>
       <p:ext uri="{BB962C8B-B14F-4D97-AF65-F5344CB8AC3E}">
-        <p14:creationId xmlns:p14="http://schemas.microsoft.com/office/powerpoint/2010/main" val="3952626509"/>
+        <p14:creationId xmlns:p14="http://schemas.microsoft.com/office/powerpoint/2010/main" val="2583888266"/>
       </p:ext>
     </p:extLst>
   </p:cSld>
@@ -21021,50 +21110,69 @@
           <a:p>
             <a:r>
               <a:rPr lang="el-GR" dirty="0"/>
-              <a:t>Κατανόηση απαιτήσεων με έρευνα διαθέσιμων εργαλείων</a:t>
-            </a:r>
-          </a:p>
-          <a:p>
-            <a:endParaRPr lang="el-GR" dirty="0"/>
-          </a:p>
-          <a:p>
+              <a:t>Ο κύκλος της εξελίξεις που η κάθε ενότητα είναι προϊόν τις προηγούμενης που σημαίνει δεν είναι </a:t>
+            </a:r>
+            <a:r>
+              <a:rPr lang="en-US" dirty="0"/>
+              <a:t>standalone </a:t>
+            </a:r>
             <a:r>
               <a:rPr lang="el-GR" dirty="0"/>
-              <a:t>Ποιες είναι οι βασικές απαιτήσεις διεκπεραιώσεις ενός </a:t>
+              <a:t>αλλά όλα συνδέονται μεταξύ τους όπως και τα </a:t>
             </a:r>
             <a:r>
               <a:rPr lang="en-US" dirty="0"/>
-              <a:t>project? </a:t>
-            </a:r>
+              <a:t>application programmable interfaces (API).</a:t>
+            </a:r>
+          </a:p>
+          <a:p>
+            <a:endParaRPr lang="en-US" dirty="0"/>
           </a:p>
           <a:p>
             <a:r>
               <a:rPr lang="el-GR" dirty="0"/>
-              <a:t>Ξεκινώντας κάνοντας έρευνα στα εργαλεία που υπάρχουν και ποιο οφέλη περισσότερο την συγκεκριμένη δουλειά? </a:t>
-            </a:r>
-            <a:endParaRPr lang="en-US" dirty="0"/>
-          </a:p>
-          <a:p>
+              <a:t>Κρητική σκέψη και Παρατήρηση (όπως αναφέρθηκε από τους ομιλητές στην στρογγυλή τράπεζα</a:t>
+            </a:r>
+            <a:r>
+              <a:rPr lang="en-US" dirty="0"/>
+              <a:t> </a:t>
+            </a:r>
             <a:r>
               <a:rPr lang="el-GR" dirty="0"/>
-              <a:t>Σύμφωνα με τις δυνατότητες </a:t>
+              <a:t>που παρουσιάστηκε εχθές)</a:t>
             </a:r>
             <a:r>
               <a:rPr lang="en-US" dirty="0"/>
-              <a:t>stability</a:t>
+              <a:t>!! </a:t>
             </a:r>
             <a:r>
               <a:rPr lang="el-GR" dirty="0"/>
-              <a:t> του εργαλείου, </a:t>
+              <a:t>Αλλά όπως είπε και ο μαθηματικός αλλά και παίχτης σκάκι </a:t>
             </a:r>
             <a:r>
               <a:rPr lang="en-US" dirty="0"/>
-              <a:t>community (help, tutorials), streamlined workflow </a:t>
+              <a:t>MAX EUWE </a:t>
             </a:r>
             <a:r>
               <a:rPr lang="el-GR" dirty="0"/>
-              <a:t>και οικοσύστημα για τον χρήστη.</a:t>
-            </a:r>
+              <a:t>Η στρατηγική θέλει σκέψη, η τακτική θέλει παρατήρηση.</a:t>
+            </a:r>
+            <a:r>
+              <a:rPr lang="en-US" dirty="0"/>
+              <a:t> - </a:t>
+            </a:r>
+            <a:r>
+              <a:rPr lang="en-US" sz="1800" b="0" i="0" u="none" strike="sngStrike" dirty="0">
+                <a:solidFill>
+                  <a:srgbClr val="101010"/>
+                </a:solidFill>
+                <a:effectLst/>
+                <a:latin typeface="Arial" panose="020B0604020202020204" pitchFamily="34" charset="0"/>
+              </a:rPr>
+              <a:t>Strategy requires thought, tactics require observation.</a:t>
+            </a:r>
+          </a:p>
+          <a:p>
             <a:endParaRPr lang="en-US" dirty="0"/>
           </a:p>
         </p:txBody>
@@ -21096,7 +21204,7 @@
     </p:spTree>
     <p:extLst>
       <p:ext uri="{BB962C8B-B14F-4D97-AF65-F5344CB8AC3E}">
-        <p14:creationId xmlns:p14="http://schemas.microsoft.com/office/powerpoint/2010/main" val="1497768080"/>
+        <p14:creationId xmlns:p14="http://schemas.microsoft.com/office/powerpoint/2010/main" val="3952626509"/>
       </p:ext>
     </p:extLst>
   </p:cSld>
@@ -21152,71 +21260,51 @@
           <a:p>
             <a:r>
               <a:rPr lang="el-GR" dirty="0"/>
-              <a:t>Στο παρελθόν ο παραδοσιακός τρόπος </a:t>
+              <a:t>Κατανόηση απαιτήσεων με έρευνα διαθέσιμων εργαλείων</a:t>
+            </a:r>
+          </a:p>
+          <a:p>
+            <a:endParaRPr lang="el-GR" dirty="0"/>
+          </a:p>
+          <a:p>
+            <a:r>
+              <a:rPr lang="el-GR" dirty="0"/>
+              <a:t>Ποιες είναι οι βασικές απαιτήσεις διεκπεραιώσεις ενός </a:t>
             </a:r>
             <a:r>
               <a:rPr lang="en-US" dirty="0"/>
-              <a:t>rendering </a:t>
-            </a:r>
+              <a:t>project? </a:t>
+            </a:r>
+          </a:p>
+          <a:p>
             <a:r>
               <a:rPr lang="el-GR" dirty="0"/>
-              <a:t>σε εποχές 1990 γινόταν με </a:t>
+              <a:t>Ξεκινώντας κάνοντας έρευνα στα εργαλεία που υπάρχουν και ποιο οφέλη περισσότερο την συγκεκριμένη δουλειά? </a:t>
+            </a:r>
+            <a:endParaRPr lang="en-US" dirty="0"/>
+          </a:p>
+          <a:p>
+            <a:r>
+              <a:rPr lang="el-GR" dirty="0"/>
+              <a:t>Σύμφωνα με τις δυνατότητες </a:t>
             </a:r>
             <a:r>
               <a:rPr lang="en-US" dirty="0"/>
-              <a:t>ray-cast</a:t>
-            </a:r>
-            <a:endParaRPr lang="el-GR" dirty="0"/>
-          </a:p>
-          <a:p>
-            <a:endParaRPr lang="el-GR" dirty="0"/>
-          </a:p>
-          <a:p>
+              <a:t>stability</a:t>
+            </a:r>
             <a:r>
               <a:rPr lang="el-GR" dirty="0"/>
-              <a:t>Τα παιχνίδια ήταν 90 μοιρών γωνίες του εδάφους με το τοίχο και δημιουργούνταν από </a:t>
+              <a:t> του εργαλείου, </a:t>
             </a:r>
             <a:r>
               <a:rPr lang="en-US" dirty="0"/>
-              <a:t>2D Plane Projection </a:t>
+              <a:t>community (help, tutorials), streamlined workflow </a:t>
             </a:r>
             <a:r>
               <a:rPr lang="el-GR" dirty="0"/>
-              <a:t>ένα </a:t>
-            </a:r>
-            <a:r>
-              <a:rPr lang="en-US" dirty="0"/>
-              <a:t>3D</a:t>
-            </a:r>
-            <a:r>
-              <a:rPr lang="el-GR" dirty="0"/>
-              <a:t> </a:t>
-            </a:r>
-            <a:r>
-              <a:rPr lang="en-US" dirty="0"/>
-              <a:t>environment</a:t>
-            </a:r>
-          </a:p>
-          <a:p>
+              <a:t>και οικοσύστημα για τον χρήστη.</a:t>
+            </a:r>
             <a:endParaRPr lang="en-US" dirty="0"/>
-          </a:p>
-          <a:p>
-            <a:r>
-              <a:rPr lang="el-GR" dirty="0"/>
-              <a:t>Πλέον λόγο ισχυρότερου υλικού αλλά και αλγορίθμων έχουμε το </a:t>
-            </a:r>
-            <a:r>
-              <a:rPr lang="en-US" dirty="0"/>
-              <a:t>ray trace </a:t>
-            </a:r>
-            <a:r>
-              <a:rPr lang="el-GR" dirty="0"/>
-              <a:t>με περισσότερα </a:t>
-            </a:r>
-            <a:r>
-              <a:rPr lang="en-US" dirty="0"/>
-              <a:t>rays.</a:t>
-            </a:r>
           </a:p>
         </p:txBody>
       </p:sp>
@@ -21247,7 +21335,7 @@
     </p:spTree>
     <p:extLst>
       <p:ext uri="{BB962C8B-B14F-4D97-AF65-F5344CB8AC3E}">
-        <p14:creationId xmlns:p14="http://schemas.microsoft.com/office/powerpoint/2010/main" val="2216904772"/>
+        <p14:creationId xmlns:p14="http://schemas.microsoft.com/office/powerpoint/2010/main" val="1497768080"/>
       </p:ext>
     </p:extLst>
   </p:cSld>
@@ -21303,77 +21391,71 @@
           <a:p>
             <a:r>
               <a:rPr lang="el-GR" dirty="0"/>
-              <a:t>Στο συγκεκριμένο </a:t>
+              <a:t>Στο παρελθόν ο παραδοσιακός τρόπος </a:t>
             </a:r>
             <a:r>
               <a:rPr lang="en-US" dirty="0"/>
-              <a:t>project</a:t>
+              <a:t>rendering </a:t>
             </a:r>
             <a:r>
               <a:rPr lang="el-GR" dirty="0"/>
-              <a:t> επιλέχτηκε η </a:t>
+              <a:t>σε εποχές 1990 γινόταν με </a:t>
             </a:r>
             <a:r>
               <a:rPr lang="en-US" dirty="0"/>
-              <a:t>Unreal Engine 5 </a:t>
-            </a:r>
+              <a:t>ray-cast</a:t>
+            </a:r>
+            <a:endParaRPr lang="el-GR" dirty="0"/>
+          </a:p>
+          <a:p>
+            <a:endParaRPr lang="el-GR" dirty="0"/>
+          </a:p>
+          <a:p>
             <a:r>
               <a:rPr lang="el-GR" dirty="0"/>
-              <a:t>και είναι </a:t>
+              <a:t>Τα παιχνίδια ήταν 90 μοιρών γωνίες του εδάφους με το τοίχο και δημιουργούνταν από </a:t>
             </a:r>
             <a:r>
               <a:rPr lang="en-US" dirty="0"/>
-              <a:t>source available </a:t>
+              <a:t>2D Plane Projection </a:t>
             </a:r>
             <a:r>
               <a:rPr lang="el-GR" dirty="0"/>
-              <a:t>αλλά όχι </a:t>
+              <a:t>ένα </a:t>
             </a:r>
             <a:r>
               <a:rPr lang="en-US" dirty="0"/>
-              <a:t>open-source </a:t>
+              <a:t>3D</a:t>
             </a:r>
             <a:r>
               <a:rPr lang="el-GR" dirty="0"/>
-              <a:t>αυτό φέρνει πολλά πλεονεκτήματα και για τους </a:t>
+              <a:t> </a:t>
             </a:r>
             <a:r>
               <a:rPr lang="en-US" dirty="0"/>
-              <a:t>contributors </a:t>
-            </a:r>
+              <a:t>environment</a:t>
+            </a:r>
+          </a:p>
+          <a:p>
+            <a:endParaRPr lang="en-US" dirty="0"/>
+          </a:p>
+          <a:p>
             <a:r>
               <a:rPr lang="el-GR" dirty="0"/>
-              <a:t>αλλά και για το μέλλον της.</a:t>
-            </a:r>
-          </a:p>
-          <a:p>
-            <a:endParaRPr lang="el-GR" dirty="0"/>
-          </a:p>
-          <a:p>
+              <a:t>Πλέον λόγο ισχυρότερου υλικού αλλά και αλγορίθμων έχουμε το </a:t>
+            </a:r>
+            <a:r>
+              <a:rPr lang="en-US" dirty="0"/>
+              <a:t>ray trace </a:t>
+            </a:r>
             <a:r>
               <a:rPr lang="el-GR" dirty="0"/>
-              <a:t>Καθώς η δυνατότητες της έχουν ξεχωρίσει τα τελευταία χρόνια ιδίως με την έλευση της έκδοσης 5 πριν λίγους μήνες, όλοι οι κολοσσοί της ΑΑΑ </a:t>
+              <a:t>με περισσότερα </a:t>
             </a:r>
             <a:r>
               <a:rPr lang="en-US" dirty="0"/>
-              <a:t>gaming </a:t>
-            </a:r>
-            <a:r>
-              <a:rPr lang="el-GR" dirty="0"/>
-              <a:t>βιομηχανίας πλέον άρχισαν να την χρησιμοποιούν.</a:t>
-            </a:r>
-          </a:p>
-          <a:p>
-            <a:endParaRPr lang="el-GR" dirty="0"/>
-          </a:p>
-          <a:p>
-            <a:endParaRPr lang="el-GR" dirty="0"/>
-          </a:p>
-          <a:p>
-            <a:endParaRPr lang="el-GR" dirty="0"/>
-          </a:p>
-          <a:p>
-            <a:endParaRPr lang="en-US" dirty="0"/>
+              <a:t>rays.</a:t>
+            </a:r>
           </a:p>
         </p:txBody>
       </p:sp>
@@ -21404,7 +21486,7 @@
     </p:spTree>
     <p:extLst>
       <p:ext uri="{BB962C8B-B14F-4D97-AF65-F5344CB8AC3E}">
-        <p14:creationId xmlns:p14="http://schemas.microsoft.com/office/powerpoint/2010/main" val="2623692385"/>
+        <p14:creationId xmlns:p14="http://schemas.microsoft.com/office/powerpoint/2010/main" val="2216904772"/>
       </p:ext>
     </p:extLst>
   </p:cSld>
@@ -21460,72 +21542,77 @@
           <a:p>
             <a:r>
               <a:rPr lang="el-GR" dirty="0"/>
-              <a:t>Παρατηρούμε κάποια </a:t>
+              <a:t>Στο συγκεκριμένο </a:t>
             </a:r>
             <a:r>
               <a:rPr lang="en-US" dirty="0"/>
-              <a:t>gameplay mechanics </a:t>
+              <a:t>project</a:t>
             </a:r>
             <a:r>
               <a:rPr lang="el-GR" dirty="0"/>
-              <a:t>από τίτλους παιχνιδιού που κουβαλούν την έννοια του </a:t>
+              <a:t> επιλέχτηκε η </a:t>
             </a:r>
             <a:r>
               <a:rPr lang="en-US" dirty="0"/>
-              <a:t>metaverse</a:t>
+              <a:t>Unreal Engine 5 </a:t>
             </a:r>
             <a:r>
               <a:rPr lang="el-GR" dirty="0"/>
-              <a:t> εν μέρη.</a:t>
-            </a:r>
+              <a:t>και είναι </a:t>
+            </a:r>
+            <a:r>
+              <a:rPr lang="en-US" dirty="0"/>
+              <a:t>source available </a:t>
+            </a:r>
+            <a:r>
+              <a:rPr lang="el-GR" dirty="0"/>
+              <a:t>αλλά όχι </a:t>
+            </a:r>
+            <a:r>
+              <a:rPr lang="en-US" dirty="0"/>
+              <a:t>open-source </a:t>
+            </a:r>
+            <a:r>
+              <a:rPr lang="el-GR" dirty="0"/>
+              <a:t>αυτό φέρνει πολλά πλεονεκτήματα και για τους </a:t>
+            </a:r>
+            <a:r>
+              <a:rPr lang="en-US" dirty="0"/>
+              <a:t>contributors </a:t>
+            </a:r>
+            <a:r>
+              <a:rPr lang="el-GR" dirty="0"/>
+              <a:t>αλλά και για το μέλλον της.</a:t>
+            </a:r>
+          </a:p>
+          <a:p>
+            <a:endParaRPr lang="el-GR" dirty="0"/>
+          </a:p>
+          <a:p>
+            <a:r>
+              <a:rPr lang="el-GR" dirty="0"/>
+              <a:t>Καθώς η δυνατότητες της έχουν ξεχωρίσει τα τελευταία χρόνια ιδίως με την έλευση της έκδοσης 5 πριν λίγους μήνες, όλοι οι κολοσσοί της ΑΑΑ </a:t>
+            </a:r>
+            <a:r>
+              <a:rPr lang="en-US" dirty="0"/>
+              <a:t>gaming </a:t>
+            </a:r>
+            <a:r>
+              <a:rPr lang="el-GR" dirty="0"/>
+              <a:t>βιομηχανίας πλέον άρχισαν να την χρησιμοποιούν.</a:t>
+            </a:r>
+          </a:p>
+          <a:p>
+            <a:endParaRPr lang="el-GR" dirty="0"/>
+          </a:p>
+          <a:p>
+            <a:endParaRPr lang="el-GR" dirty="0"/>
+          </a:p>
+          <a:p>
+            <a:endParaRPr lang="el-GR" dirty="0"/>
+          </a:p>
+          <a:p>
             <a:endParaRPr lang="en-US" dirty="0"/>
-          </a:p>
-          <a:p>
-            <a:endParaRPr lang="en-US" dirty="0"/>
-          </a:p>
-          <a:p>
-            <a:pPr marL="0" marR="0" lvl="0" indent="0" algn="l" defTabSz="457200" rtl="0" eaLnBrk="1" fontAlgn="auto" latinLnBrk="0" hangingPunct="1">
-              <a:lnSpc>
-                <a:spcPct val="100000"/>
-              </a:lnSpc>
-              <a:spcBef>
-                <a:spcPts val="0"/>
-              </a:spcBef>
-              <a:spcAft>
-                <a:spcPts val="0"/>
-              </a:spcAft>
-              <a:buClrTx/>
-              <a:buSzTx/>
-              <a:buFontTx/>
-              <a:buNone/>
-              <a:tabLst/>
-              <a:defRPr/>
-            </a:pPr>
-            <a:r>
-              <a:rPr lang="el-GR" sz="1200" strike="sngStrike" dirty="0">
-                <a:latin typeface="Arial" panose="020B0604020202020204" pitchFamily="34" charset="0"/>
-                <a:cs typeface="Arial" panose="020B0604020202020204" pitchFamily="34" charset="0"/>
-              </a:rPr>
-              <a:t>Ένα </a:t>
-            </a:r>
-            <a:r>
-              <a:rPr lang="en-US" sz="1200" strike="sngStrike" dirty="0">
-                <a:latin typeface="Arial" panose="020B0604020202020204" pitchFamily="34" charset="0"/>
-                <a:cs typeface="Arial" panose="020B0604020202020204" pitchFamily="34" charset="0"/>
-              </a:rPr>
-              <a:t>multi-platform</a:t>
-            </a:r>
-            <a:r>
-              <a:rPr lang="el-GR" sz="1200" strike="sngStrike" dirty="0">
-                <a:latin typeface="Arial" panose="020B0604020202020204" pitchFamily="34" charset="0"/>
-                <a:cs typeface="Arial" panose="020B0604020202020204" pitchFamily="34" charset="0"/>
-              </a:rPr>
-              <a:t> κεντρικό μέρος για παρέα με φίλους/οικογένειες, εξερεύνηση, ψυχαγωγία, μάθηση και το πιο σημαντικό είναι συνεπές με την τεράστια εξέλιξη και ανάπτυξη για τα επόμενα χρόνια. Δεν είναι απλώς ένα παιχνίδι, είναι ένα μέρος. Ένα εικονικό σύμπαν.</a:t>
-            </a:r>
-            <a:endParaRPr lang="en-US" sz="1200" strike="sngStrike" dirty="0">
-              <a:latin typeface="Arial" panose="020B0604020202020204" pitchFamily="34" charset="0"/>
-              <a:cs typeface="Arial" panose="020B0604020202020204" pitchFamily="34" charset="0"/>
-            </a:endParaRPr>
           </a:p>
         </p:txBody>
       </p:sp>
@@ -21556,7 +21643,7 @@
     </p:spTree>
     <p:extLst>
       <p:ext uri="{BB962C8B-B14F-4D97-AF65-F5344CB8AC3E}">
-        <p14:creationId xmlns:p14="http://schemas.microsoft.com/office/powerpoint/2010/main" val="2196702233"/>
+        <p14:creationId xmlns:p14="http://schemas.microsoft.com/office/powerpoint/2010/main" val="2623692385"/>
       </p:ext>
     </p:extLst>
   </p:cSld>
@@ -21611,76 +21698,73 @@
           <a:lstStyle/>
           <a:p>
             <a:r>
-              <a:rPr lang="en-US" strike="sngStrike" dirty="0"/>
-              <a:t>Game population Charts</a:t>
-            </a:r>
-          </a:p>
-          <a:p>
+              <a:rPr lang="el-GR" dirty="0"/>
+              <a:t>Παρατηρούμε κάποια </a:t>
+            </a:r>
+            <a:r>
+              <a:rPr lang="en-US" dirty="0"/>
+              <a:t>gameplay mechanics </a:t>
+            </a:r>
+            <a:r>
+              <a:rPr lang="el-GR" dirty="0"/>
+              <a:t>από τίτλους παιχνιδιού που κουβαλούν την έννοια του </a:t>
+            </a:r>
+            <a:r>
+              <a:rPr lang="en-US" dirty="0"/>
+              <a:t>metaverse</a:t>
+            </a:r>
+            <a:r>
+              <a:rPr lang="el-GR" dirty="0"/>
+              <a:t> εν μέρη.</a:t>
+            </a:r>
             <a:endParaRPr lang="en-US" dirty="0"/>
           </a:p>
           <a:p>
-            <a:r>
-              <a:rPr lang="el-GR" dirty="0"/>
-              <a:t>Όταν αναφερόμαστε ότι οι αριθμοί δεν πολλοί μετράν είναι διότι υπάρχουν πολλοί παράγοντας επιτυχίας ενός προϊόντος πέρα από την μηχανική. Για να πετύχει πρέπει σε επίπεδο </a:t>
-            </a:r>
-            <a:r>
-              <a:rPr lang="en-US" dirty="0"/>
-              <a:t>Product, Engineer, Market </a:t>
-            </a:r>
-            <a:r>
-              <a:rPr lang="el-GR" dirty="0"/>
-              <a:t>να είναι άριστο</a:t>
-            </a:r>
-          </a:p>
-          <a:p>
-            <a:endParaRPr lang="el-GR" dirty="0"/>
-          </a:p>
-          <a:p>
-            <a:r>
-              <a:rPr lang="el-GR" dirty="0"/>
-              <a:t>Δηλαδή το προϊόν να είναι χρήσιμο να έχει καλή προσεγγίσει στην λύση του προβλήματος αλγοριθμικά και αρχιτεκτονικά, συνδυάζοντας το με το </a:t>
-            </a:r>
-            <a:r>
-              <a:rPr lang="en-US" dirty="0"/>
-              <a:t>user experience </a:t>
-            </a:r>
-            <a:r>
-              <a:rPr lang="el-GR" dirty="0"/>
-              <a:t>για μια θετική </a:t>
-            </a:r>
-            <a:r>
-              <a:rPr lang="en-US" dirty="0"/>
-              <a:t>streamlined</a:t>
-            </a:r>
-            <a:r>
-              <a:rPr lang="el-GR" dirty="0"/>
-              <a:t> εμπειρία από τον χρήστη και </a:t>
-            </a:r>
-            <a:r>
-              <a:rPr lang="en-US" dirty="0"/>
-              <a:t>marketing target </a:t>
-            </a:r>
-            <a:r>
-              <a:rPr lang="el-GR" dirty="0"/>
-              <a:t>ως προς την προώθηση &amp; </a:t>
-            </a:r>
-            <a:r>
-              <a:rPr lang="en-US" dirty="0"/>
-              <a:t>Feedback </a:t>
-            </a:r>
-            <a:r>
-              <a:rPr lang="el-GR" dirty="0"/>
-              <a:t>αλλά και μέσα από αυτό</a:t>
-            </a:r>
-            <a:r>
-              <a:rPr lang="en-US" dirty="0"/>
-              <a:t> continual improvement</a:t>
-            </a:r>
-            <a:r>
-              <a:rPr lang="el-GR" dirty="0"/>
-              <a:t>.</a:t>
-            </a:r>
             <a:endParaRPr lang="en-US" dirty="0"/>
+          </a:p>
+          <a:p>
+            <a:pPr marL="0" marR="0" lvl="0" indent="0" algn="l" defTabSz="457200" rtl="0" eaLnBrk="1" fontAlgn="auto" latinLnBrk="0" hangingPunct="1">
+              <a:lnSpc>
+                <a:spcPct val="100000"/>
+              </a:lnSpc>
+              <a:spcBef>
+                <a:spcPts val="0"/>
+              </a:spcBef>
+              <a:spcAft>
+                <a:spcPts val="0"/>
+              </a:spcAft>
+              <a:buClrTx/>
+              <a:buSzTx/>
+              <a:buFontTx/>
+              <a:buNone/>
+              <a:tabLst/>
+              <a:defRPr/>
+            </a:pPr>
+            <a:r>
+              <a:rPr lang="el-GR" sz="1200" strike="sngStrike" dirty="0">
+                <a:latin typeface="Arial" panose="020B0604020202020204" pitchFamily="34" charset="0"/>
+                <a:cs typeface="Arial" panose="020B0604020202020204" pitchFamily="34" charset="0"/>
+              </a:rPr>
+              <a:t>Ένα </a:t>
+            </a:r>
+            <a:r>
+              <a:rPr lang="en-US" sz="1200" strike="sngStrike" dirty="0">
+                <a:latin typeface="Arial" panose="020B0604020202020204" pitchFamily="34" charset="0"/>
+                <a:cs typeface="Arial" panose="020B0604020202020204" pitchFamily="34" charset="0"/>
+              </a:rPr>
+              <a:t>multi-platform</a:t>
+            </a:r>
+            <a:r>
+              <a:rPr lang="el-GR" sz="1200" strike="sngStrike" dirty="0">
+                <a:latin typeface="Arial" panose="020B0604020202020204" pitchFamily="34" charset="0"/>
+                <a:cs typeface="Arial" panose="020B0604020202020204" pitchFamily="34" charset="0"/>
+              </a:rPr>
+              <a:t> κεντρικό μέρος για παρέα με φίλους/οικογένειες, εξερεύνηση, ψυχαγωγία, μάθηση και το πιο σημαντικό είναι συνεπές με την τεράστια εξέλιξη και ανάπτυξη για τα επόμενα χρόνια. Δεν είναι απλώς ένα παιχνίδι, είναι ένα μέρος. Ένα εικονικό σύμπαν.</a:t>
+            </a:r>
+            <a:endParaRPr lang="en-US" sz="1200" strike="sngStrike" dirty="0">
+              <a:latin typeface="Arial" panose="020B0604020202020204" pitchFamily="34" charset="0"/>
+              <a:cs typeface="Arial" panose="020B0604020202020204" pitchFamily="34" charset="0"/>
+            </a:endParaRPr>
           </a:p>
         </p:txBody>
       </p:sp>
@@ -21711,7 +21795,7 @@
     </p:spTree>
     <p:extLst>
       <p:ext uri="{BB962C8B-B14F-4D97-AF65-F5344CB8AC3E}">
-        <p14:creationId xmlns:p14="http://schemas.microsoft.com/office/powerpoint/2010/main" val="701762417"/>
+        <p14:creationId xmlns:p14="http://schemas.microsoft.com/office/powerpoint/2010/main" val="2196702233"/>
       </p:ext>
     </p:extLst>
   </p:cSld>
@@ -21766,26 +21850,74 @@
           <a:lstStyle/>
           <a:p>
             <a:r>
+              <a:rPr lang="en-US" strike="sngStrike" dirty="0"/>
+              <a:t>Game population Charts</a:t>
+            </a:r>
+          </a:p>
+          <a:p>
+            <a:endParaRPr lang="en-US" dirty="0"/>
+          </a:p>
+          <a:p>
+            <a:r>
               <a:rPr lang="el-GR" dirty="0"/>
-              <a:t>Όπως είχαμε αναφέρει κάνοντας «παρατήρηση» των επιτυχημένων παιχνιδιών και μηχανισμών μπορούμε να αποσυνθέσουμε και να προβούμε σε καινοτομίες ακολουθώντας δοκιμές μέσο χρήσης </a:t>
+              <a:t>Όταν αναφερόμαστε ότι οι αριθμοί δεν πολλοί μετράν είναι διότι υπάρχουν πολλοί παράγοντας επιτυχίας ενός προϊόντος πέρα από την μηχανική. Για να πετύχει πρέπει σε επίπεδο </a:t>
             </a:r>
             <a:r>
               <a:rPr lang="en-US" dirty="0"/>
-              <a:t>product reverse engineering.</a:t>
-            </a:r>
-          </a:p>
-          <a:p>
+              <a:t>Product, Engineer, Market </a:t>
+            </a:r>
             <a:r>
               <a:rPr lang="el-GR" dirty="0"/>
-              <a:t>Εύρεση </a:t>
+              <a:t>να είναι άριστο</a:t>
+            </a:r>
+          </a:p>
+          <a:p>
+            <a:endParaRPr lang="el-GR" dirty="0"/>
+          </a:p>
+          <a:p>
+            <a:r>
+              <a:rPr lang="el-GR" dirty="0"/>
+              <a:t>Δηλαδή το προϊόν να είναι χρήσιμο να έχει καλή προσεγγίσει στην λύση του προβλήματος αλγοριθμικά και αρχιτεκτονικά, συνδυάζοντας το με το </a:t>
             </a:r>
             <a:r>
               <a:rPr lang="en-US" dirty="0"/>
-              <a:t>formulas = </a:t>
+              <a:t>user experience </a:t>
             </a:r>
             <a:r>
               <a:rPr lang="el-GR" dirty="0"/>
-              <a:t>τροποποίηση</a:t>
+              <a:t>για μια θετική </a:t>
+            </a:r>
+            <a:r>
+              <a:rPr lang="en-US" dirty="0"/>
+              <a:t>streamlined</a:t>
+            </a:r>
+            <a:r>
+              <a:rPr lang="el-GR" dirty="0"/>
+              <a:t> εμπειρία από τον χρήστη και </a:t>
+            </a:r>
+            <a:r>
+              <a:rPr lang="en-US" dirty="0"/>
+              <a:t>marketing target </a:t>
+            </a:r>
+            <a:r>
+              <a:rPr lang="el-GR" dirty="0"/>
+              <a:t>ως προς την προώθηση &amp; </a:t>
+            </a:r>
+            <a:r>
+              <a:rPr lang="en-US" dirty="0"/>
+              <a:t>Feedback </a:t>
+            </a:r>
+            <a:r>
+              <a:rPr lang="el-GR" dirty="0"/>
+              <a:t>αλλά και μέσα από αυτό</a:t>
+            </a:r>
+            <a:r>
+              <a:rPr lang="en-US" dirty="0"/>
+              <a:t> continual improvement</a:t>
+            </a:r>
+            <a:r>
+              <a:rPr lang="el-GR" dirty="0"/>
+              <a:t>.</a:t>
             </a:r>
             <a:endParaRPr lang="en-US" dirty="0"/>
           </a:p>
@@ -21818,7 +21950,7 @@
     </p:spTree>
     <p:extLst>
       <p:ext uri="{BB962C8B-B14F-4D97-AF65-F5344CB8AC3E}">
-        <p14:creationId xmlns:p14="http://schemas.microsoft.com/office/powerpoint/2010/main" val="2031345537"/>
+        <p14:creationId xmlns:p14="http://schemas.microsoft.com/office/powerpoint/2010/main" val="701762417"/>
       </p:ext>
     </p:extLst>
   </p:cSld>
@@ -21874,74 +22006,26 @@
           <a:p>
             <a:r>
               <a:rPr lang="el-GR" dirty="0"/>
-              <a:t>«Στην εποχή της ψηφιακής τεχνολογίας, κάθε επιχείρηση είναι μια επιχείρηση λογισμικού.</a:t>
+              <a:t>Όπως είχαμε αναφέρει κάνοντας «παρατήρηση» των επιτυχημένων παιχνιδιών και μηχανισμών μπορούμε να αποσυνθέσουμε και να προβούμε σε καινοτομίες ακολουθώντας δοκιμές μέσο χρήσης </a:t>
+            </a:r>
+            <a:r>
+              <a:rPr lang="en-US" dirty="0"/>
+              <a:t>product reverse engineering.</a:t>
             </a:r>
           </a:p>
           <a:p>
             <a:r>
               <a:rPr lang="el-GR" dirty="0"/>
-              <a:t>Η ευελιξία δεν είναι επιλογή ή κάτι μόνο για τεχνικές ομάδες, είναι </a:t>
+              <a:t>Εύρεση </a:t>
             </a:r>
             <a:r>
               <a:rPr lang="en-US" dirty="0"/>
-              <a:t>business imperative</a:t>
+              <a:t>formulas = </a:t>
             </a:r>
             <a:r>
               <a:rPr lang="el-GR" dirty="0"/>
-              <a:t>».</a:t>
-            </a:r>
-            <a:endParaRPr lang="en-US" dirty="0"/>
-          </a:p>
-          <a:p>
-            <a:endParaRPr lang="en-US" dirty="0"/>
-          </a:p>
-          <a:p>
-            <a:r>
-              <a:rPr lang="el-GR" dirty="0" err="1"/>
-              <a:t>Δηλαδη</a:t>
-            </a:r>
-            <a:r>
-              <a:rPr lang="el-GR" dirty="0"/>
-              <a:t> πρέπει να υπάρξει </a:t>
-            </a:r>
-            <a:r>
-              <a:rPr lang="en-US" dirty="0"/>
-              <a:t>agility </a:t>
-            </a:r>
-            <a:r>
-              <a:rPr lang="el-GR" dirty="0"/>
-              <a:t>και το να </a:t>
-            </a:r>
-            <a:r>
-              <a:rPr lang="el-GR" dirty="0" err="1"/>
-              <a:t>υπαρξει</a:t>
-            </a:r>
-            <a:r>
-              <a:rPr lang="el-GR" dirty="0"/>
-              <a:t> </a:t>
-            </a:r>
-            <a:r>
-              <a:rPr lang="el-GR" dirty="0" err="1"/>
-              <a:t>εννούμε</a:t>
-            </a:r>
-            <a:r>
-              <a:rPr lang="el-GR" dirty="0"/>
-              <a:t> </a:t>
-            </a:r>
-            <a:r>
-              <a:rPr lang="el-GR" dirty="0" err="1"/>
-              <a:t>ριζικα</a:t>
-            </a:r>
-            <a:r>
-              <a:rPr lang="el-GR" dirty="0"/>
-              <a:t> λειτουργική ώστε να προχωρήσει από </a:t>
-            </a:r>
-            <a:r>
-              <a:rPr lang="en-US" dirty="0"/>
-              <a:t>idea -&gt; reality to project vision.</a:t>
-            </a:r>
-          </a:p>
-          <a:p>
+              <a:t>τροποποίηση</a:t>
+            </a:r>
             <a:endParaRPr lang="en-US" dirty="0"/>
           </a:p>
         </p:txBody>
@@ -21973,7 +22057,7 @@
     </p:spTree>
     <p:extLst>
       <p:ext uri="{BB962C8B-B14F-4D97-AF65-F5344CB8AC3E}">
-        <p14:creationId xmlns:p14="http://schemas.microsoft.com/office/powerpoint/2010/main" val="2778896229"/>
+        <p14:creationId xmlns:p14="http://schemas.microsoft.com/office/powerpoint/2010/main" val="2031345537"/>
       </p:ext>
     </p:extLst>
   </p:cSld>
@@ -22029,8 +22113,74 @@
           <a:p>
             <a:r>
               <a:rPr lang="el-GR" dirty="0"/>
-              <a:t>Ευχαριστούμε!</a:t>
-            </a:r>
+              <a:t>«Στην εποχή της ψηφιακής τεχνολογίας, κάθε επιχείρηση είναι μια επιχείρηση λογισμικού.</a:t>
+            </a:r>
+          </a:p>
+          <a:p>
+            <a:r>
+              <a:rPr lang="el-GR" dirty="0"/>
+              <a:t>Η ευελιξία δεν είναι επιλογή ή κάτι μόνο για τεχνικές ομάδες, είναι </a:t>
+            </a:r>
+            <a:r>
+              <a:rPr lang="en-US" dirty="0"/>
+              <a:t>business imperative</a:t>
+            </a:r>
+            <a:r>
+              <a:rPr lang="el-GR" dirty="0"/>
+              <a:t>».</a:t>
+            </a:r>
+            <a:endParaRPr lang="en-US" dirty="0"/>
+          </a:p>
+          <a:p>
+            <a:endParaRPr lang="en-US" dirty="0"/>
+          </a:p>
+          <a:p>
+            <a:r>
+              <a:rPr lang="el-GR" dirty="0" err="1"/>
+              <a:t>Δηλαδη</a:t>
+            </a:r>
+            <a:r>
+              <a:rPr lang="el-GR" dirty="0"/>
+              <a:t> πρέπει να υπάρξει </a:t>
+            </a:r>
+            <a:r>
+              <a:rPr lang="en-US" dirty="0"/>
+              <a:t>agility </a:t>
+            </a:r>
+            <a:r>
+              <a:rPr lang="el-GR" dirty="0"/>
+              <a:t>και το να </a:t>
+            </a:r>
+            <a:r>
+              <a:rPr lang="el-GR" dirty="0" err="1"/>
+              <a:t>υπαρξει</a:t>
+            </a:r>
+            <a:r>
+              <a:rPr lang="el-GR" dirty="0"/>
+              <a:t> </a:t>
+            </a:r>
+            <a:r>
+              <a:rPr lang="el-GR" dirty="0" err="1"/>
+              <a:t>εννούμε</a:t>
+            </a:r>
+            <a:r>
+              <a:rPr lang="el-GR" dirty="0"/>
+              <a:t> </a:t>
+            </a:r>
+            <a:r>
+              <a:rPr lang="el-GR" dirty="0" err="1"/>
+              <a:t>ριζικα</a:t>
+            </a:r>
+            <a:r>
+              <a:rPr lang="el-GR" dirty="0"/>
+              <a:t> λειτουργική ώστε να προχωρήσει από </a:t>
+            </a:r>
+            <a:r>
+              <a:rPr lang="en-US" dirty="0"/>
+              <a:t>idea -&gt; reality to project vision.</a:t>
+            </a:r>
+          </a:p>
+          <a:p>
             <a:endParaRPr lang="en-US" dirty="0"/>
           </a:p>
         </p:txBody>
@@ -22054,6 +22204,95 @@
               <a:rPr lang="en-US" smtClean="0"/>
               <a:pPr/>
               <a:t>28</a:t>
+            </a:fld>
+            <a:endParaRPr lang="en-US" dirty="0"/>
+          </a:p>
+        </p:txBody>
+      </p:sp>
+    </p:spTree>
+    <p:extLst>
+      <p:ext uri="{BB962C8B-B14F-4D97-AF65-F5344CB8AC3E}">
+        <p14:creationId xmlns:p14="http://schemas.microsoft.com/office/powerpoint/2010/main" val="2778896229"/>
+      </p:ext>
+    </p:extLst>
+  </p:cSld>
+  <p:clrMapOvr>
+    <a:masterClrMapping/>
+  </p:clrMapOvr>
+</p:notes>
+</file>
+
+<file path=ppt/notesSlides/notesSlide29.xml><?xml version="1.0" encoding="utf-8"?>
+<p:notes xmlns:a="http://schemas.openxmlformats.org/drawingml/2006/main" xmlns:r="http://schemas.openxmlformats.org/officeDocument/2006/relationships" xmlns:p="http://schemas.openxmlformats.org/presentationml/2006/main">
+  <p:cSld>
+    <p:spTree>
+      <p:nvGrpSpPr>
+        <p:cNvPr id="1" name=""/>
+        <p:cNvGrpSpPr/>
+        <p:nvPr/>
+      </p:nvGrpSpPr>
+      <p:grpSpPr>
+        <a:xfrm>
+          <a:off x="0" y="0"/>
+          <a:ext cx="0" cy="0"/>
+          <a:chOff x="0" y="0"/>
+          <a:chExt cx="0" cy="0"/>
+        </a:xfrm>
+      </p:grpSpPr>
+      <p:sp>
+        <p:nvSpPr>
+          <p:cNvPr id="2" name="Slide Image Placeholder 1"/>
+          <p:cNvSpPr>
+            <a:spLocks noGrp="1" noRot="1" noChangeAspect="1"/>
+          </p:cNvSpPr>
+          <p:nvPr>
+            <p:ph type="sldImg"/>
+          </p:nvPr>
+        </p:nvSpPr>
+        <p:spPr/>
+      </p:sp>
+      <p:sp>
+        <p:nvSpPr>
+          <p:cNvPr id="3" name="Notes Placeholder 2"/>
+          <p:cNvSpPr>
+            <a:spLocks noGrp="1"/>
+          </p:cNvSpPr>
+          <p:nvPr>
+            <p:ph type="body" idx="1"/>
+          </p:nvPr>
+        </p:nvSpPr>
+        <p:spPr/>
+        <p:txBody>
+          <a:bodyPr/>
+          <a:lstStyle/>
+          <a:p>
+            <a:r>
+              <a:rPr lang="el-GR" dirty="0"/>
+              <a:t>Ευχαριστούμε!</a:t>
+            </a:r>
+            <a:endParaRPr lang="en-US" dirty="0"/>
+          </a:p>
+        </p:txBody>
+      </p:sp>
+      <p:sp>
+        <p:nvSpPr>
+          <p:cNvPr id="4" name="Slide Number Placeholder 3"/>
+          <p:cNvSpPr>
+            <a:spLocks noGrp="1"/>
+          </p:cNvSpPr>
+          <p:nvPr>
+            <p:ph type="sldNum" sz="quarter" idx="5"/>
+          </p:nvPr>
+        </p:nvSpPr>
+        <p:spPr/>
+        <p:txBody>
+          <a:bodyPr/>
+          <a:lstStyle/>
+          <a:p>
+            <a:fld id="{93322314-975C-554B-8A12-FD962E3F8AC7}" type="slidenum">
+              <a:rPr lang="en-US" smtClean="0"/>
+              <a:pPr/>
+              <a:t>29</a:t>
             </a:fld>
             <a:endParaRPr lang="en-US" dirty="0"/>
           </a:p>
@@ -22756,12 +22995,9 @@
           <a:p>
             <a:r>
               <a:rPr lang="el-GR" dirty="0"/>
-              <a:t>Εδώ θα βρείτε σχετικά βίντεο με το </a:t>
-            </a:r>
-            <a:r>
-              <a:rPr lang="en-US" dirty="0"/>
-              <a:t>Project</a:t>
-            </a:r>
+              <a:t>Διάφορα χαρακτηριστικά του συστήματος</a:t>
+            </a:r>
+            <a:endParaRPr lang="en-US" dirty="0"/>
           </a:p>
         </p:txBody>
       </p:sp>
@@ -22792,7 +23028,7 @@
     </p:spTree>
     <p:extLst>
       <p:ext uri="{BB962C8B-B14F-4D97-AF65-F5344CB8AC3E}">
-        <p14:creationId xmlns:p14="http://schemas.microsoft.com/office/powerpoint/2010/main" val="1964823117"/>
+        <p14:creationId xmlns:p14="http://schemas.microsoft.com/office/powerpoint/2010/main" val="2584540128"/>
       </p:ext>
     </p:extLst>
   </p:cSld>
@@ -22846,355 +23082,14 @@
           <a:bodyPr/>
           <a:lstStyle/>
           <a:p>
-            <a:pPr marL="0" marR="0" lvl="0" indent="0" algn="l" defTabSz="914400" rtl="0" eaLnBrk="1" fontAlgn="auto" latinLnBrk="0" hangingPunct="1">
-              <a:lnSpc>
-                <a:spcPct val="100000"/>
-              </a:lnSpc>
-              <a:spcBef>
-                <a:spcPts val="0"/>
-              </a:spcBef>
-              <a:spcAft>
-                <a:spcPts val="0"/>
-              </a:spcAft>
-              <a:buClrTx/>
-              <a:buSzTx/>
-              <a:buFontTx/>
-              <a:buNone/>
-              <a:tabLst/>
-              <a:defRPr/>
-            </a:pPr>
-            <a:r>
-              <a:rPr lang="el-GR" sz="1200" b="1" dirty="0"/>
-              <a:t>ΠΕΡΙΛΗΨΗ</a:t>
-            </a:r>
-            <a:endParaRPr lang="en-US" sz="1200" b="1" dirty="0"/>
-          </a:p>
-          <a:p>
-            <a:pPr marL="0" marR="0" lvl="0" indent="0" algn="l" defTabSz="914400" rtl="0" eaLnBrk="1" fontAlgn="auto" latinLnBrk="0" hangingPunct="1">
-              <a:lnSpc>
-                <a:spcPct val="100000"/>
-              </a:lnSpc>
-              <a:spcBef>
-                <a:spcPts val="0"/>
-              </a:spcBef>
-              <a:spcAft>
-                <a:spcPts val="0"/>
-              </a:spcAft>
-              <a:buClrTx/>
-              <a:buSzTx/>
-              <a:buFontTx/>
-              <a:buNone/>
-              <a:tabLst/>
-              <a:defRPr/>
-            </a:pPr>
-            <a:endParaRPr lang="en-US" sz="1200" b="1" dirty="0"/>
-          </a:p>
-          <a:p>
-            <a:pPr marL="0" marR="0" lvl="0" indent="0" algn="l" defTabSz="914400" rtl="0" eaLnBrk="1" fontAlgn="auto" latinLnBrk="0" hangingPunct="1">
-              <a:lnSpc>
-                <a:spcPct val="100000"/>
-              </a:lnSpc>
-              <a:spcBef>
-                <a:spcPts val="0"/>
-              </a:spcBef>
-              <a:spcAft>
-                <a:spcPts val="0"/>
-              </a:spcAft>
-              <a:buClrTx/>
-              <a:buSzTx/>
-              <a:buFontTx/>
-              <a:buNone/>
-              <a:tabLst/>
-              <a:defRPr/>
-            </a:pPr>
-            <a:r>
-              <a:rPr lang="el-GR" dirty="0">
-                <a:effectLst/>
-                <a:latin typeface="Arial" panose="020B0604020202020204" pitchFamily="34" charset="0"/>
-                <a:ea typeface="Calibri" panose="020F0502020204030204" pitchFamily="34" charset="0"/>
-                <a:cs typeface="Arial" panose="020B0604020202020204" pitchFamily="34" charset="0"/>
-              </a:rPr>
-              <a:t>Ο ψηφιακός κόσμος είναι προϊόν υψηλής συμμετοχής που τείνει να διατηρεί τους χρήστες του καθ' όλη τη διάρκεια/την αφήγηση ή τον αντικειμενικό στόχο. Στον πυρήνα της εφαρμογής του, από τους επιχειρηματικούς στόχους έως την παράδοση προϊόντος, βρίσκονται τα συστήματα βίντεο-παιχνιδιού. Η έρευνα επικεντρώνεται στα δημογραφικά δεδομένα προτιμήσεις εικονικών κόσμων καθώς και την καθηλωτική εμπειρία τους συγκρίνοντας το με αντίστοιχους τίτλους εμπορικής επιτυχίας στα υπερ. και τα κατά. Το σύστημα ανάπτυξης της παρούσας εργασίας είναι επικεντρωμένο στο </a:t>
-            </a:r>
-            <a:r>
-              <a:rPr lang="en-US" dirty="0">
-                <a:effectLst/>
-                <a:latin typeface="Arial" panose="020B0604020202020204" pitchFamily="34" charset="0"/>
-                <a:ea typeface="Calibri" panose="020F0502020204030204" pitchFamily="34" charset="0"/>
-                <a:cs typeface="Arial" panose="020B0604020202020204" pitchFamily="34" charset="0"/>
-              </a:rPr>
-              <a:t>multiplayer survival horror experience </a:t>
-            </a:r>
-            <a:r>
-              <a:rPr lang="el-GR" dirty="0">
-                <a:effectLst/>
-                <a:latin typeface="Arial" panose="020B0604020202020204" pitchFamily="34" charset="0"/>
-                <a:ea typeface="Calibri" panose="020F0502020204030204" pitchFamily="34" charset="0"/>
-                <a:cs typeface="Arial" panose="020B0604020202020204" pitchFamily="34" charset="0"/>
-              </a:rPr>
-              <a:t>όπως περιβαλλοντικές αλληλεπιδράσεις παίχτη και </a:t>
-            </a:r>
-            <a:r>
-              <a:rPr lang="en-US" dirty="0">
-                <a:effectLst/>
-                <a:latin typeface="Arial" panose="020B0604020202020204" pitchFamily="34" charset="0"/>
-                <a:ea typeface="Calibri" panose="020F0502020204030204" pitchFamily="34" charset="0"/>
-                <a:cs typeface="Arial" panose="020B0604020202020204" pitchFamily="34" charset="0"/>
-              </a:rPr>
-              <a:t>real time communications</a:t>
-            </a:r>
-            <a:r>
-              <a:rPr lang="el-GR" dirty="0">
-                <a:effectLst/>
-                <a:latin typeface="Arial" panose="020B0604020202020204" pitchFamily="34" charset="0"/>
-                <a:ea typeface="Calibri" panose="020F0502020204030204" pitchFamily="34" charset="0"/>
-                <a:cs typeface="Arial" panose="020B0604020202020204" pitchFamily="34" charset="0"/>
-              </a:rPr>
-              <a:t> (</a:t>
-            </a:r>
-            <a:r>
-              <a:rPr lang="en-US" i="1" dirty="0">
-                <a:effectLst/>
-                <a:latin typeface="Arial" panose="020B0604020202020204" pitchFamily="34" charset="0"/>
-                <a:ea typeface="Calibri" panose="020F0502020204030204" pitchFamily="34" charset="0"/>
-                <a:cs typeface="Arial" panose="020B0604020202020204" pitchFamily="34" charset="0"/>
-              </a:rPr>
-              <a:t>Voice over IP</a:t>
-            </a:r>
-            <a:r>
-              <a:rPr lang="el-GR" i="1" dirty="0">
-                <a:effectLst/>
-                <a:latin typeface="Arial" panose="020B0604020202020204" pitchFamily="34" charset="0"/>
-                <a:ea typeface="Calibri" panose="020F0502020204030204" pitchFamily="34" charset="0"/>
-                <a:cs typeface="Arial" panose="020B0604020202020204" pitchFamily="34" charset="0"/>
-              </a:rPr>
-              <a:t> - </a:t>
-            </a:r>
-            <a:r>
-              <a:rPr lang="en-US" i="1" dirty="0">
-                <a:effectLst/>
-                <a:latin typeface="Arial" panose="020B0604020202020204" pitchFamily="34" charset="0"/>
-                <a:ea typeface="Calibri" panose="020F0502020204030204" pitchFamily="34" charset="0"/>
-                <a:cs typeface="Arial" panose="020B0604020202020204" pitchFamily="34" charset="0"/>
-              </a:rPr>
-              <a:t>VOIP</a:t>
-            </a:r>
-            <a:r>
-              <a:rPr lang="el-GR" dirty="0">
-                <a:effectLst/>
-                <a:latin typeface="Arial" panose="020B0604020202020204" pitchFamily="34" charset="0"/>
-                <a:ea typeface="Calibri" panose="020F0502020204030204" pitchFamily="34" charset="0"/>
-                <a:cs typeface="Arial" panose="020B0604020202020204" pitchFamily="34" charset="0"/>
-              </a:rPr>
-              <a:t>) καθώς και την αρχιτεκτονική των συστημάτων δημιουργίας τους προγραμματιστικά αλλά και από άλλες πτυχές συμβάλλουσες όπως 3</a:t>
-            </a:r>
-            <a:r>
-              <a:rPr lang="en-US" dirty="0">
-                <a:effectLst/>
-                <a:latin typeface="Arial" panose="020B0604020202020204" pitchFamily="34" charset="0"/>
-                <a:ea typeface="Calibri" panose="020F0502020204030204" pitchFamily="34" charset="0"/>
-                <a:cs typeface="Arial" panose="020B0604020202020204" pitchFamily="34" charset="0"/>
-              </a:rPr>
-              <a:t>D Architectural Visualization</a:t>
-            </a:r>
-            <a:r>
-              <a:rPr lang="el-GR" dirty="0">
-                <a:effectLst/>
-                <a:latin typeface="Arial" panose="020B0604020202020204" pitchFamily="34" charset="0"/>
-                <a:ea typeface="Calibri" panose="020F0502020204030204" pitchFamily="34" charset="0"/>
-                <a:cs typeface="Arial" panose="020B0604020202020204" pitchFamily="34" charset="0"/>
-              </a:rPr>
-              <a:t>, </a:t>
-            </a:r>
-            <a:r>
-              <a:rPr lang="en-US" dirty="0">
-                <a:effectLst/>
-                <a:latin typeface="Arial" panose="020B0604020202020204" pitchFamily="34" charset="0"/>
-                <a:ea typeface="Calibri" panose="020F0502020204030204" pitchFamily="34" charset="0"/>
-                <a:cs typeface="Arial" panose="020B0604020202020204" pitchFamily="34" charset="0"/>
-              </a:rPr>
-              <a:t>Sound Design</a:t>
-            </a:r>
-            <a:r>
-              <a:rPr lang="el-GR" dirty="0">
-                <a:effectLst/>
-                <a:latin typeface="Arial" panose="020B0604020202020204" pitchFamily="34" charset="0"/>
-                <a:ea typeface="Calibri" panose="020F0502020204030204" pitchFamily="34" charset="0"/>
-                <a:cs typeface="Arial" panose="020B0604020202020204" pitchFamily="34" charset="0"/>
-              </a:rPr>
-              <a:t>. Η </a:t>
-            </a:r>
-            <a:r>
-              <a:rPr lang="el-GR" dirty="0" err="1">
-                <a:effectLst/>
-                <a:latin typeface="Arial" panose="020B0604020202020204" pitchFamily="34" charset="0"/>
-                <a:ea typeface="Calibri" panose="020F0502020204030204" pitchFamily="34" charset="0"/>
-                <a:cs typeface="Arial" panose="020B0604020202020204" pitchFamily="34" charset="0"/>
-              </a:rPr>
-              <a:t>δοθουσες</a:t>
-            </a:r>
-            <a:r>
-              <a:rPr lang="el-GR" dirty="0">
-                <a:effectLst/>
-                <a:latin typeface="Arial" panose="020B0604020202020204" pitchFamily="34" charset="0"/>
-                <a:ea typeface="Calibri" panose="020F0502020204030204" pitchFamily="34" charset="0"/>
-                <a:cs typeface="Arial" panose="020B0604020202020204" pitchFamily="34" charset="0"/>
-              </a:rPr>
-              <a:t> τεχνικές είναι </a:t>
-            </a:r>
-            <a:r>
-              <a:rPr lang="en-US" dirty="0">
-                <a:effectLst/>
-                <a:latin typeface="Arial" panose="020B0604020202020204" pitchFamily="34" charset="0"/>
-                <a:ea typeface="Calibri" panose="020F0502020204030204" pitchFamily="34" charset="0"/>
-                <a:cs typeface="Arial" panose="020B0604020202020204" pitchFamily="34" charset="0"/>
-              </a:rPr>
-              <a:t>abstracted</a:t>
-            </a:r>
-            <a:r>
-              <a:rPr lang="el-GR" dirty="0">
-                <a:effectLst/>
-                <a:latin typeface="Arial" panose="020B0604020202020204" pitchFamily="34" charset="0"/>
-                <a:ea typeface="Calibri" panose="020F0502020204030204" pitchFamily="34" charset="0"/>
-                <a:cs typeface="Arial" panose="020B0604020202020204" pitchFamily="34" charset="0"/>
-              </a:rPr>
-              <a:t> και μπορεί να συμβάλουν σαν </a:t>
-            </a:r>
-            <a:r>
-              <a:rPr lang="en-US" dirty="0">
-                <a:effectLst/>
-                <a:latin typeface="Arial" panose="020B0604020202020204" pitchFamily="34" charset="0"/>
-                <a:ea typeface="Calibri" panose="020F0502020204030204" pitchFamily="34" charset="0"/>
-                <a:cs typeface="Arial" panose="020B0604020202020204" pitchFamily="34" charset="0"/>
-              </a:rPr>
-              <a:t>concept</a:t>
-            </a:r>
-            <a:r>
-              <a:rPr lang="el-GR" dirty="0">
-                <a:effectLst/>
-                <a:latin typeface="Arial" panose="020B0604020202020204" pitchFamily="34" charset="0"/>
-                <a:ea typeface="Calibri" panose="020F0502020204030204" pitchFamily="34" charset="0"/>
-                <a:cs typeface="Arial" panose="020B0604020202020204" pitchFamily="34" charset="0"/>
-              </a:rPr>
-              <a:t> για κάθε είδους </a:t>
-            </a:r>
-            <a:r>
-              <a:rPr lang="en-US" dirty="0">
-                <a:effectLst/>
-                <a:latin typeface="Arial" panose="020B0604020202020204" pitchFamily="34" charset="0"/>
-                <a:ea typeface="Calibri" panose="020F0502020204030204" pitchFamily="34" charset="0"/>
-                <a:cs typeface="Arial" panose="020B0604020202020204" pitchFamily="34" charset="0"/>
-              </a:rPr>
-              <a:t>genre game</a:t>
-            </a:r>
-            <a:r>
-              <a:rPr lang="el-GR" dirty="0">
-                <a:effectLst/>
-                <a:latin typeface="Arial" panose="020B0604020202020204" pitchFamily="34" charset="0"/>
-                <a:ea typeface="Calibri" panose="020F0502020204030204" pitchFamily="34" charset="0"/>
-                <a:cs typeface="Arial" panose="020B0604020202020204" pitchFamily="34" charset="0"/>
-              </a:rPr>
-              <a:t> (</a:t>
-            </a:r>
-            <a:r>
-              <a:rPr lang="en-US" i="1" dirty="0">
-                <a:effectLst/>
-                <a:latin typeface="Arial" panose="020B0604020202020204" pitchFamily="34" charset="0"/>
-                <a:ea typeface="Calibri" panose="020F0502020204030204" pitchFamily="34" charset="0"/>
-                <a:cs typeface="Arial" panose="020B0604020202020204" pitchFamily="34" charset="0"/>
-              </a:rPr>
-              <a:t>virtual world</a:t>
-            </a:r>
-            <a:r>
-              <a:rPr lang="el-GR" dirty="0">
-                <a:effectLst/>
-                <a:latin typeface="Arial" panose="020B0604020202020204" pitchFamily="34" charset="0"/>
-                <a:ea typeface="Calibri" panose="020F0502020204030204" pitchFamily="34" charset="0"/>
-                <a:cs typeface="Arial" panose="020B0604020202020204" pitchFamily="34" charset="0"/>
-              </a:rPr>
-              <a:t>) </a:t>
-            </a:r>
-            <a:r>
-              <a:rPr lang="en-US" dirty="0">
-                <a:effectLst/>
-                <a:latin typeface="Arial" panose="020B0604020202020204" pitchFamily="34" charset="0"/>
-                <a:ea typeface="Calibri" panose="020F0502020204030204" pitchFamily="34" charset="0"/>
-                <a:cs typeface="Arial" panose="020B0604020202020204" pitchFamily="34" charset="0"/>
-              </a:rPr>
-              <a:t>mechanic </a:t>
-            </a:r>
-            <a:r>
-              <a:rPr lang="el-GR" dirty="0">
-                <a:effectLst/>
-                <a:latin typeface="Arial" panose="020B0604020202020204" pitchFamily="34" charset="0"/>
-                <a:ea typeface="Calibri" panose="020F0502020204030204" pitchFamily="34" charset="0"/>
-                <a:cs typeface="Arial" panose="020B0604020202020204" pitchFamily="34" charset="0"/>
-              </a:rPr>
-              <a:t>αλλά και σε κάθε είδους πλατφόρμας </a:t>
-            </a:r>
-            <a:r>
-              <a:rPr lang="en-US" dirty="0">
-                <a:effectLst/>
-                <a:latin typeface="Arial" panose="020B0604020202020204" pitchFamily="34" charset="0"/>
-                <a:ea typeface="Calibri" panose="020F0502020204030204" pitchFamily="34" charset="0"/>
-                <a:cs typeface="Arial" panose="020B0604020202020204" pitchFamily="34" charset="0"/>
-              </a:rPr>
-              <a:t>AR</a:t>
-            </a:r>
-            <a:r>
-              <a:rPr lang="el-GR" dirty="0">
-                <a:effectLst/>
-                <a:latin typeface="Arial" panose="020B0604020202020204" pitchFamily="34" charset="0"/>
-                <a:ea typeface="Calibri" panose="020F0502020204030204" pitchFamily="34" charset="0"/>
-                <a:cs typeface="Arial" panose="020B0604020202020204" pitchFamily="34" charset="0"/>
-              </a:rPr>
-              <a:t>/</a:t>
-            </a:r>
-            <a:r>
-              <a:rPr lang="en-US" dirty="0">
-                <a:effectLst/>
-                <a:latin typeface="Arial" panose="020B0604020202020204" pitchFamily="34" charset="0"/>
-                <a:ea typeface="Calibri" panose="020F0502020204030204" pitchFamily="34" charset="0"/>
-                <a:cs typeface="Arial" panose="020B0604020202020204" pitchFamily="34" charset="0"/>
-              </a:rPr>
-              <a:t>VR</a:t>
-            </a:r>
-            <a:r>
-              <a:rPr lang="el-GR" dirty="0">
-                <a:effectLst/>
-                <a:latin typeface="Arial" panose="020B0604020202020204" pitchFamily="34" charset="0"/>
-                <a:ea typeface="Calibri" panose="020F0502020204030204" pitchFamily="34" charset="0"/>
-                <a:cs typeface="Arial" panose="020B0604020202020204" pitchFamily="34" charset="0"/>
-              </a:rPr>
-              <a:t> &amp; </a:t>
-            </a:r>
-            <a:r>
-              <a:rPr lang="en-US" dirty="0">
-                <a:effectLst/>
-                <a:latin typeface="Arial" panose="020B0604020202020204" pitchFamily="34" charset="0"/>
-                <a:ea typeface="Calibri" panose="020F0502020204030204" pitchFamily="34" charset="0"/>
-                <a:cs typeface="Arial" panose="020B0604020202020204" pitchFamily="34" charset="0"/>
-              </a:rPr>
-              <a:t>metaverse</a:t>
-            </a:r>
-            <a:r>
-              <a:rPr lang="el-GR" dirty="0">
-                <a:effectLst/>
-                <a:latin typeface="Arial" panose="020B0604020202020204" pitchFamily="34" charset="0"/>
-                <a:ea typeface="Calibri" panose="020F0502020204030204" pitchFamily="34" charset="0"/>
-                <a:cs typeface="Arial" panose="020B0604020202020204" pitchFamily="34" charset="0"/>
-              </a:rPr>
-              <a:t>.</a:t>
-            </a:r>
-            <a:endParaRPr lang="en-US" dirty="0">
-              <a:effectLst/>
-              <a:latin typeface="Arial" panose="020B0604020202020204" pitchFamily="34" charset="0"/>
-              <a:ea typeface="Calibri" panose="020F0502020204030204" pitchFamily="34" charset="0"/>
-              <a:cs typeface="Arial" panose="020B0604020202020204" pitchFamily="34" charset="0"/>
-            </a:endParaRPr>
-          </a:p>
-          <a:p>
-            <a:endParaRPr lang="en-US" dirty="0"/>
+            <a:r>
+              <a:rPr lang="el-GR" dirty="0"/>
+              <a:t>Εδώ θα βρείτε σχετικά βίντεο με το </a:t>
+            </a:r>
+            <a:r>
+              <a:rPr lang="en-US" dirty="0"/>
+              <a:t>Project</a:t>
+            </a:r>
           </a:p>
         </p:txBody>
       </p:sp>
@@ -23225,7 +23120,7 @@
     </p:spTree>
     <p:extLst>
       <p:ext uri="{BB962C8B-B14F-4D97-AF65-F5344CB8AC3E}">
-        <p14:creationId xmlns:p14="http://schemas.microsoft.com/office/powerpoint/2010/main" val="2475791698"/>
+        <p14:creationId xmlns:p14="http://schemas.microsoft.com/office/powerpoint/2010/main" val="1964823117"/>
       </p:ext>
     </p:extLst>
   </p:cSld>
@@ -23279,161 +23174,351 @@
           <a:bodyPr/>
           <a:lstStyle/>
           <a:p>
-            <a:r>
-              <a:rPr lang="el-GR" sz="1200" dirty="0">
+            <a:pPr marL="0" marR="0" lvl="0" indent="0" algn="l" defTabSz="914400" rtl="0" eaLnBrk="1" fontAlgn="auto" latinLnBrk="0" hangingPunct="1">
+              <a:lnSpc>
+                <a:spcPct val="100000"/>
+              </a:lnSpc>
+              <a:spcBef>
+                <a:spcPts val="0"/>
+              </a:spcBef>
+              <a:spcAft>
+                <a:spcPts val="0"/>
+              </a:spcAft>
+              <a:buClrTx/>
+              <a:buSzTx/>
+              <a:buFontTx/>
+              <a:buNone/>
+              <a:tabLst/>
+              <a:defRPr/>
+            </a:pPr>
+            <a:r>
+              <a:rPr lang="el-GR" sz="1200" b="1" dirty="0"/>
+              <a:t>ΠΕΡΙΛΗΨΗ</a:t>
+            </a:r>
+            <a:endParaRPr lang="en-US" sz="1200" b="1" dirty="0"/>
+          </a:p>
+          <a:p>
+            <a:pPr marL="0" marR="0" lvl="0" indent="0" algn="l" defTabSz="914400" rtl="0" eaLnBrk="1" fontAlgn="auto" latinLnBrk="0" hangingPunct="1">
+              <a:lnSpc>
+                <a:spcPct val="100000"/>
+              </a:lnSpc>
+              <a:spcBef>
+                <a:spcPts val="0"/>
+              </a:spcBef>
+              <a:spcAft>
+                <a:spcPts val="0"/>
+              </a:spcAft>
+              <a:buClrTx/>
+              <a:buSzTx/>
+              <a:buFontTx/>
+              <a:buNone/>
+              <a:tabLst/>
+              <a:defRPr/>
+            </a:pPr>
+            <a:endParaRPr lang="en-US" sz="1200" b="1" dirty="0"/>
+          </a:p>
+          <a:p>
+            <a:pPr marL="0" marR="0" lvl="0" indent="0" algn="l" defTabSz="914400" rtl="0" eaLnBrk="1" fontAlgn="auto" latinLnBrk="0" hangingPunct="1">
+              <a:lnSpc>
+                <a:spcPct val="100000"/>
+              </a:lnSpc>
+              <a:spcBef>
+                <a:spcPts val="0"/>
+              </a:spcBef>
+              <a:spcAft>
+                <a:spcPts val="0"/>
+              </a:spcAft>
+              <a:buClrTx/>
+              <a:buSzTx/>
+              <a:buFontTx/>
+              <a:buNone/>
+              <a:tabLst/>
+              <a:defRPr/>
+            </a:pPr>
+            <a:r>
+              <a:rPr lang="el-GR" dirty="0">
                 <a:effectLst/>
                 <a:latin typeface="Arial" panose="020B0604020202020204" pitchFamily="34" charset="0"/>
                 <a:ea typeface="Calibri" panose="020F0502020204030204" pitchFamily="34" charset="0"/>
                 <a:cs typeface="Arial" panose="020B0604020202020204" pitchFamily="34" charset="0"/>
               </a:rPr>
-              <a:t>Η παρούσα εργασία συστημάτων παιχνιδιού</a:t>
-            </a:r>
-            <a:r>
-              <a:rPr lang="en-US" sz="1200" dirty="0">
+              <a:t>Ο ψηφιακός κόσμος είναι προϊόν υψηλής συμμετοχής που τείνει να διατηρεί τους χρήστες του καθ' όλη τη διάρκεια/την αφήγηση ή τον αντικειμενικό στόχο. Στον πυρήνα της εφαρμογής του, από τους επιχειρηματικούς στόχους έως την παράδοση προϊόντος, βρίσκονται τα συστήματα βίντεο-παιχνιδιού. Η έρευνα επικεντρώνεται στα δημογραφικά δεδομένα προτιμήσεις εικονικών κόσμων καθώς και την καθηλωτική εμπειρία τους συγκρίνοντας το με αντίστοιχους τίτλους εμπορικής επιτυχίας στα υπερ. και τα κατά. Το σύστημα ανάπτυξης της παρούσας εργασίας είναι επικεντρωμένο στο </a:t>
+            </a:r>
+            <a:r>
+              <a:rPr lang="en-US" dirty="0">
                 <a:effectLst/>
                 <a:latin typeface="Arial" panose="020B0604020202020204" pitchFamily="34" charset="0"/>
                 <a:ea typeface="Calibri" panose="020F0502020204030204" pitchFamily="34" charset="0"/>
                 <a:cs typeface="Arial" panose="020B0604020202020204" pitchFamily="34" charset="0"/>
               </a:rPr>
-              <a:t> </a:t>
-            </a:r>
-            <a:r>
-              <a:rPr lang="el-GR" sz="1200" dirty="0">
+              <a:t>multiplayer survival horror experience </a:t>
+            </a:r>
+            <a:r>
+              <a:rPr lang="el-GR" dirty="0">
                 <a:effectLst/>
                 <a:latin typeface="Arial" panose="020B0604020202020204" pitchFamily="34" charset="0"/>
                 <a:ea typeface="Calibri" panose="020F0502020204030204" pitchFamily="34" charset="0"/>
                 <a:cs typeface="Arial" panose="020B0604020202020204" pitchFamily="34" charset="0"/>
               </a:rPr>
-              <a:t>δεν είναι </a:t>
-            </a:r>
-            <a:r>
-              <a:rPr lang="en-US" sz="1200" dirty="0">
+              <a:t>όπως περιβαλλοντικές αλληλεπιδράσεις παίχτη και </a:t>
+            </a:r>
+            <a:r>
+              <a:rPr lang="en-US" dirty="0">
                 <a:effectLst/>
                 <a:latin typeface="Arial" panose="020B0604020202020204" pitchFamily="34" charset="0"/>
                 <a:ea typeface="Calibri" panose="020F0502020204030204" pitchFamily="34" charset="0"/>
                 <a:cs typeface="Arial" panose="020B0604020202020204" pitchFamily="34" charset="0"/>
               </a:rPr>
-              <a:t>prototype </a:t>
-            </a:r>
-            <a:r>
-              <a:rPr lang="el-GR" sz="1200" dirty="0">
+              <a:t>real time communications</a:t>
+            </a:r>
+            <a:r>
+              <a:rPr lang="el-GR" dirty="0">
                 <a:effectLst/>
                 <a:latin typeface="Arial" panose="020B0604020202020204" pitchFamily="34" charset="0"/>
                 <a:ea typeface="Calibri" panose="020F0502020204030204" pitchFamily="34" charset="0"/>
                 <a:cs typeface="Arial" panose="020B0604020202020204" pitchFamily="34" charset="0"/>
               </a:rPr>
-              <a:t>μοντέλο αλλά τελικό καθώς εγκρίθηκε και δημοσιεύτηκε στην επίσημη πλατφόρμα της </a:t>
-            </a:r>
-            <a:r>
-              <a:rPr lang="en-US" sz="1200" u="sng" dirty="0">
-                <a:solidFill>
-                  <a:srgbClr val="0563C1"/>
-                </a:solidFill>
-                <a:effectLst/>
-                <a:latin typeface="Arial" panose="020B0604020202020204" pitchFamily="34" charset="0"/>
-                <a:ea typeface="Calibri" panose="020F0502020204030204" pitchFamily="34" charset="0"/>
-                <a:cs typeface="Arial" panose="020B0604020202020204" pitchFamily="34" charset="0"/>
-                <a:hlinkClick r:id="rId3"/>
-              </a:rPr>
-              <a:t>Unreal Engine Marketplace</a:t>
-            </a:r>
-            <a:r>
-              <a:rPr lang="el-GR" sz="1200" dirty="0">
+              <a:t> (</a:t>
+            </a:r>
+            <a:r>
+              <a:rPr lang="en-US" i="1" dirty="0">
                 <a:effectLst/>
                 <a:latin typeface="Arial" panose="020B0604020202020204" pitchFamily="34" charset="0"/>
                 <a:ea typeface="Calibri" panose="020F0502020204030204" pitchFamily="34" charset="0"/>
                 <a:cs typeface="Arial" panose="020B0604020202020204" pitchFamily="34" charset="0"/>
               </a:rPr>
-              <a:t> ώστε </a:t>
-            </a:r>
-          </a:p>
-          <a:p>
-            <a:r>
-              <a:rPr lang="el-GR" sz="1200" dirty="0">
+              <a:t>Voice over IP</a:t>
+            </a:r>
+            <a:r>
+              <a:rPr lang="el-GR" i="1" dirty="0">
                 <a:effectLst/>
                 <a:latin typeface="Arial" panose="020B0604020202020204" pitchFamily="34" charset="0"/>
                 <a:ea typeface="Calibri" panose="020F0502020204030204" pitchFamily="34" charset="0"/>
                 <a:cs typeface="Arial" panose="020B0604020202020204" pitchFamily="34" charset="0"/>
               </a:rPr>
-              <a:t>Λαμβάνοντας τα σωστά βήματα/</a:t>
-            </a:r>
-            <a:r>
-              <a:rPr lang="en-US" sz="1200" dirty="0">
+              <a:t> - </a:t>
+            </a:r>
+            <a:r>
+              <a:rPr lang="en-US" i="1" dirty="0">
                 <a:effectLst/>
                 <a:latin typeface="Arial" panose="020B0604020202020204" pitchFamily="34" charset="0"/>
                 <a:ea typeface="Calibri" panose="020F0502020204030204" pitchFamily="34" charset="0"/>
                 <a:cs typeface="Arial" panose="020B0604020202020204" pitchFamily="34" charset="0"/>
               </a:rPr>
-              <a:t>Guidelines</a:t>
-            </a:r>
-            <a:r>
-              <a:rPr lang="el-GR" sz="1200" dirty="0">
+              <a:t>VOIP</a:t>
+            </a:r>
+            <a:r>
+              <a:rPr lang="el-GR" dirty="0">
                 <a:effectLst/>
                 <a:latin typeface="Arial" panose="020B0604020202020204" pitchFamily="34" charset="0"/>
                 <a:ea typeface="Calibri" panose="020F0502020204030204" pitchFamily="34" charset="0"/>
                 <a:cs typeface="Arial" panose="020B0604020202020204" pitchFamily="34" charset="0"/>
               </a:rPr>
-              <a:t> που θα συνοψίσουμε παρακάτω για να έρθει εις πέρας ένα </a:t>
-            </a:r>
-            <a:r>
-              <a:rPr lang="en-US" sz="1200" dirty="0">
+              <a:t>) καθώς και την αρχιτεκτονική των συστημάτων δημιουργίας τους προγραμματιστικά αλλά και από άλλες πτυχές συμβάλλουσες όπως 3</a:t>
+            </a:r>
+            <a:r>
+              <a:rPr lang="en-US" dirty="0">
                 <a:effectLst/>
                 <a:latin typeface="Arial" panose="020B0604020202020204" pitchFamily="34" charset="0"/>
                 <a:ea typeface="Calibri" panose="020F0502020204030204" pitchFamily="34" charset="0"/>
                 <a:cs typeface="Arial" panose="020B0604020202020204" pitchFamily="34" charset="0"/>
               </a:rPr>
-              <a:t>project </a:t>
-            </a:r>
-            <a:r>
-              <a:rPr lang="el-GR" sz="1200" dirty="0">
+              <a:t>D Architectural Visualization</a:t>
+            </a:r>
+            <a:r>
+              <a:rPr lang="el-GR" dirty="0">
                 <a:effectLst/>
                 <a:latin typeface="Arial" panose="020B0604020202020204" pitchFamily="34" charset="0"/>
                 <a:ea typeface="Calibri" panose="020F0502020204030204" pitchFamily="34" charset="0"/>
                 <a:cs typeface="Arial" panose="020B0604020202020204" pitchFamily="34" charset="0"/>
               </a:rPr>
-              <a:t>κομμάτι </a:t>
-            </a:r>
-            <a:r>
-              <a:rPr lang="en-US" sz="1200" dirty="0">
+              <a:t>, </a:t>
+            </a:r>
+            <a:r>
+              <a:rPr lang="en-US" dirty="0">
                 <a:effectLst/>
                 <a:latin typeface="Arial" panose="020B0604020202020204" pitchFamily="34" charset="0"/>
                 <a:ea typeface="Calibri" panose="020F0502020204030204" pitchFamily="34" charset="0"/>
                 <a:cs typeface="Arial" panose="020B0604020202020204" pitchFamily="34" charset="0"/>
               </a:rPr>
-              <a:t>video</a:t>
-            </a:r>
-            <a:r>
-              <a:rPr lang="el-GR" sz="1200" dirty="0">
+              <a:t>Sound Design</a:t>
+            </a:r>
+            <a:r>
+              <a:rPr lang="el-GR" dirty="0">
                 <a:effectLst/>
                 <a:latin typeface="Arial" panose="020B0604020202020204" pitchFamily="34" charset="0"/>
                 <a:ea typeface="Calibri" panose="020F0502020204030204" pitchFamily="34" charset="0"/>
                 <a:cs typeface="Arial" panose="020B0604020202020204" pitchFamily="34" charset="0"/>
               </a:rPr>
-              <a:t>-</a:t>
-            </a:r>
-            <a:r>
-              <a:rPr lang="en-US" sz="1200" dirty="0">
+              <a:t>. Η </a:t>
+            </a:r>
+            <a:r>
+              <a:rPr lang="el-GR" dirty="0" err="1">
                 <a:effectLst/>
                 <a:latin typeface="Arial" panose="020B0604020202020204" pitchFamily="34" charset="0"/>
                 <a:ea typeface="Calibri" panose="020F0502020204030204" pitchFamily="34" charset="0"/>
                 <a:cs typeface="Arial" panose="020B0604020202020204" pitchFamily="34" charset="0"/>
               </a:rPr>
-              <a:t>game</a:t>
-            </a:r>
-            <a:r>
-              <a:rPr lang="el-GR" sz="1200" dirty="0">
+              <a:t>δοθουσες</a:t>
+            </a:r>
+            <a:r>
+              <a:rPr lang="el-GR" dirty="0">
                 <a:effectLst/>
                 <a:latin typeface="Arial" panose="020B0604020202020204" pitchFamily="34" charset="0"/>
                 <a:ea typeface="Calibri" panose="020F0502020204030204" pitchFamily="34" charset="0"/>
                 <a:cs typeface="Arial" panose="020B0604020202020204" pitchFamily="34" charset="0"/>
               </a:rPr>
-              <a:t> με σωστή ροή από ιδέα -&gt; υλοποίηση.</a:t>
-            </a:r>
-            <a:endParaRPr lang="en-US" sz="1200" dirty="0">
+              <a:t> τεχνικές είναι </a:t>
+            </a:r>
+            <a:r>
+              <a:rPr lang="en-US" dirty="0">
+                <a:effectLst/>
+                <a:latin typeface="Arial" panose="020B0604020202020204" pitchFamily="34" charset="0"/>
+                <a:ea typeface="Calibri" panose="020F0502020204030204" pitchFamily="34" charset="0"/>
+                <a:cs typeface="Arial" panose="020B0604020202020204" pitchFamily="34" charset="0"/>
+              </a:rPr>
+              <a:t>abstracted</a:t>
+            </a:r>
+            <a:r>
+              <a:rPr lang="el-GR" dirty="0">
+                <a:effectLst/>
+                <a:latin typeface="Arial" panose="020B0604020202020204" pitchFamily="34" charset="0"/>
+                <a:ea typeface="Calibri" panose="020F0502020204030204" pitchFamily="34" charset="0"/>
+                <a:cs typeface="Arial" panose="020B0604020202020204" pitchFamily="34" charset="0"/>
+              </a:rPr>
+              <a:t> και μπορεί να συμβάλουν σαν </a:t>
+            </a:r>
+            <a:r>
+              <a:rPr lang="en-US" dirty="0">
+                <a:effectLst/>
+                <a:latin typeface="Arial" panose="020B0604020202020204" pitchFamily="34" charset="0"/>
+                <a:ea typeface="Calibri" panose="020F0502020204030204" pitchFamily="34" charset="0"/>
+                <a:cs typeface="Arial" panose="020B0604020202020204" pitchFamily="34" charset="0"/>
+              </a:rPr>
+              <a:t>concept</a:t>
+            </a:r>
+            <a:r>
+              <a:rPr lang="el-GR" dirty="0">
+                <a:effectLst/>
+                <a:latin typeface="Arial" panose="020B0604020202020204" pitchFamily="34" charset="0"/>
+                <a:ea typeface="Calibri" panose="020F0502020204030204" pitchFamily="34" charset="0"/>
+                <a:cs typeface="Arial" panose="020B0604020202020204" pitchFamily="34" charset="0"/>
+              </a:rPr>
+              <a:t> για κάθε είδους </a:t>
+            </a:r>
+            <a:r>
+              <a:rPr lang="en-US" dirty="0">
+                <a:effectLst/>
+                <a:latin typeface="Arial" panose="020B0604020202020204" pitchFamily="34" charset="0"/>
+                <a:ea typeface="Calibri" panose="020F0502020204030204" pitchFamily="34" charset="0"/>
+                <a:cs typeface="Arial" panose="020B0604020202020204" pitchFamily="34" charset="0"/>
+              </a:rPr>
+              <a:t>genre game</a:t>
+            </a:r>
+            <a:r>
+              <a:rPr lang="el-GR" dirty="0">
+                <a:effectLst/>
+                <a:latin typeface="Arial" panose="020B0604020202020204" pitchFamily="34" charset="0"/>
+                <a:ea typeface="Calibri" panose="020F0502020204030204" pitchFamily="34" charset="0"/>
+                <a:cs typeface="Arial" panose="020B0604020202020204" pitchFamily="34" charset="0"/>
+              </a:rPr>
+              <a:t> (</a:t>
+            </a:r>
+            <a:r>
+              <a:rPr lang="en-US" i="1" dirty="0">
+                <a:effectLst/>
+                <a:latin typeface="Arial" panose="020B0604020202020204" pitchFamily="34" charset="0"/>
+                <a:ea typeface="Calibri" panose="020F0502020204030204" pitchFamily="34" charset="0"/>
+                <a:cs typeface="Arial" panose="020B0604020202020204" pitchFamily="34" charset="0"/>
+              </a:rPr>
+              <a:t>virtual world</a:t>
+            </a:r>
+            <a:r>
+              <a:rPr lang="el-GR" dirty="0">
+                <a:effectLst/>
+                <a:latin typeface="Arial" panose="020B0604020202020204" pitchFamily="34" charset="0"/>
+                <a:ea typeface="Calibri" panose="020F0502020204030204" pitchFamily="34" charset="0"/>
+                <a:cs typeface="Arial" panose="020B0604020202020204" pitchFamily="34" charset="0"/>
+              </a:rPr>
+              <a:t>) </a:t>
+            </a:r>
+            <a:r>
+              <a:rPr lang="en-US" dirty="0">
+                <a:effectLst/>
+                <a:latin typeface="Arial" panose="020B0604020202020204" pitchFamily="34" charset="0"/>
+                <a:ea typeface="Calibri" panose="020F0502020204030204" pitchFamily="34" charset="0"/>
+                <a:cs typeface="Arial" panose="020B0604020202020204" pitchFamily="34" charset="0"/>
+              </a:rPr>
+              <a:t>mechanic </a:t>
+            </a:r>
+            <a:r>
+              <a:rPr lang="el-GR" dirty="0">
+                <a:effectLst/>
+                <a:latin typeface="Arial" panose="020B0604020202020204" pitchFamily="34" charset="0"/>
+                <a:ea typeface="Calibri" panose="020F0502020204030204" pitchFamily="34" charset="0"/>
+                <a:cs typeface="Arial" panose="020B0604020202020204" pitchFamily="34" charset="0"/>
+              </a:rPr>
+              <a:t>αλλά και σε κάθε είδους πλατφόρμας </a:t>
+            </a:r>
+            <a:r>
+              <a:rPr lang="en-US" dirty="0">
+                <a:effectLst/>
+                <a:latin typeface="Arial" panose="020B0604020202020204" pitchFamily="34" charset="0"/>
+                <a:ea typeface="Calibri" panose="020F0502020204030204" pitchFamily="34" charset="0"/>
+                <a:cs typeface="Arial" panose="020B0604020202020204" pitchFamily="34" charset="0"/>
+              </a:rPr>
+              <a:t>AR</a:t>
+            </a:r>
+            <a:r>
+              <a:rPr lang="el-GR" dirty="0">
+                <a:effectLst/>
+                <a:latin typeface="Arial" panose="020B0604020202020204" pitchFamily="34" charset="0"/>
+                <a:ea typeface="Calibri" panose="020F0502020204030204" pitchFamily="34" charset="0"/>
+                <a:cs typeface="Arial" panose="020B0604020202020204" pitchFamily="34" charset="0"/>
+              </a:rPr>
+              <a:t>/</a:t>
+            </a:r>
+            <a:r>
+              <a:rPr lang="en-US" dirty="0">
+                <a:effectLst/>
+                <a:latin typeface="Arial" panose="020B0604020202020204" pitchFamily="34" charset="0"/>
+                <a:ea typeface="Calibri" panose="020F0502020204030204" pitchFamily="34" charset="0"/>
+                <a:cs typeface="Arial" panose="020B0604020202020204" pitchFamily="34" charset="0"/>
+              </a:rPr>
+              <a:t>VR</a:t>
+            </a:r>
+            <a:r>
+              <a:rPr lang="el-GR" dirty="0">
+                <a:effectLst/>
+                <a:latin typeface="Arial" panose="020B0604020202020204" pitchFamily="34" charset="0"/>
+                <a:ea typeface="Calibri" panose="020F0502020204030204" pitchFamily="34" charset="0"/>
+                <a:cs typeface="Arial" panose="020B0604020202020204" pitchFamily="34" charset="0"/>
+              </a:rPr>
+              <a:t> &amp; </a:t>
+            </a:r>
+            <a:r>
+              <a:rPr lang="en-US" dirty="0">
+                <a:effectLst/>
+                <a:latin typeface="Arial" panose="020B0604020202020204" pitchFamily="34" charset="0"/>
+                <a:ea typeface="Calibri" panose="020F0502020204030204" pitchFamily="34" charset="0"/>
+                <a:cs typeface="Arial" panose="020B0604020202020204" pitchFamily="34" charset="0"/>
+              </a:rPr>
+              <a:t>metaverse</a:t>
+            </a:r>
+            <a:r>
+              <a:rPr lang="el-GR" dirty="0">
+                <a:effectLst/>
+                <a:latin typeface="Arial" panose="020B0604020202020204" pitchFamily="34" charset="0"/>
+                <a:ea typeface="Calibri" panose="020F0502020204030204" pitchFamily="34" charset="0"/>
+                <a:cs typeface="Arial" panose="020B0604020202020204" pitchFamily="34" charset="0"/>
+              </a:rPr>
+              <a:t>.</a:t>
+            </a:r>
+            <a:endParaRPr lang="en-US" dirty="0">
               <a:effectLst/>
               <a:latin typeface="Arial" panose="020B0604020202020204" pitchFamily="34" charset="0"/>
               <a:ea typeface="Calibri" panose="020F0502020204030204" pitchFamily="34" charset="0"/>
-              <a:cs typeface="Times New Roman" panose="02020603050405020304" pitchFamily="18" charset="0"/>
+              <a:cs typeface="Arial" panose="020B0604020202020204" pitchFamily="34" charset="0"/>
             </a:endParaRPr>
           </a:p>
           <a:p>
@@ -23468,7 +23553,7 @@
     </p:spTree>
     <p:extLst>
       <p:ext uri="{BB962C8B-B14F-4D97-AF65-F5344CB8AC3E}">
-        <p14:creationId xmlns:p14="http://schemas.microsoft.com/office/powerpoint/2010/main" val="347017491"/>
+        <p14:creationId xmlns:p14="http://schemas.microsoft.com/office/powerpoint/2010/main" val="2475791698"/>
       </p:ext>
     </p:extLst>
   </p:cSld>
@@ -30559,6 +30644,243 @@
           <p:cNvPr id="2" name="Title 1">
             <a:extLst>
               <a:ext uri="{FF2B5EF4-FFF2-40B4-BE49-F238E27FC236}">
+                <a16:creationId xmlns:a16="http://schemas.microsoft.com/office/drawing/2014/main" id="{165479F6-9370-4948-ACA1-C8BC7A0BF4ED}"/>
+              </a:ext>
+            </a:extLst>
+          </p:cNvPr>
+          <p:cNvSpPr>
+            <a:spLocks noGrp="1"/>
+          </p:cNvSpPr>
+          <p:nvPr>
+            <p:ph type="title"/>
+          </p:nvPr>
+        </p:nvSpPr>
+        <p:spPr>
+          <a:xfrm>
+            <a:off x="0" y="347790"/>
+            <a:ext cx="7034784" cy="1249362"/>
+          </a:xfrm>
+        </p:spPr>
+        <p:txBody>
+          <a:bodyPr/>
+          <a:lstStyle/>
+          <a:p>
+            <a:r>
+              <a:rPr lang="el-GR" sz="4400" b="1" dirty="0">
+                <a:latin typeface="Arial" panose="020B0604020202020204" pitchFamily="34" charset="0"/>
+                <a:cs typeface="Arial" panose="020B0604020202020204" pitchFamily="34" charset="0"/>
+              </a:rPr>
+              <a:t>Η τρέχουσα υλοποίηση του έργου</a:t>
+            </a:r>
+            <a:br>
+              <a:rPr lang="en-US" sz="4400" b="1" dirty="0">
+                <a:latin typeface="Arial" panose="020B0604020202020204" pitchFamily="34" charset="0"/>
+                <a:cs typeface="Arial" panose="020B0604020202020204" pitchFamily="34" charset="0"/>
+              </a:rPr>
+            </a:br>
+            <a:endParaRPr lang="en-US" dirty="0"/>
+          </a:p>
+        </p:txBody>
+      </p:sp>
+      <p:sp>
+        <p:nvSpPr>
+          <p:cNvPr id="3" name="TextBox 2">
+            <a:extLst>
+              <a:ext uri="{FF2B5EF4-FFF2-40B4-BE49-F238E27FC236}">
+                <a16:creationId xmlns:a16="http://schemas.microsoft.com/office/drawing/2014/main" id="{CF72E4F5-9305-4C09-9DE7-E6FCBA3AA565}"/>
+              </a:ext>
+            </a:extLst>
+          </p:cNvPr>
+          <p:cNvSpPr txBox="1"/>
+          <p:nvPr/>
+        </p:nvSpPr>
+        <p:spPr>
+          <a:xfrm>
+            <a:off x="0" y="1827401"/>
+            <a:ext cx="8644128" cy="2800767"/>
+          </a:xfrm>
+          <a:prstGeom prst="rect">
+            <a:avLst/>
+          </a:prstGeom>
+          <a:noFill/>
+        </p:spPr>
+        <p:txBody>
+          <a:bodyPr wrap="square" rtlCol="0">
+            <a:spAutoFit/>
+          </a:bodyPr>
+          <a:lstStyle/>
+          <a:p>
+            <a:r>
+              <a:rPr lang="el-GR" sz="2400" dirty="0">
+                <a:effectLst/>
+                <a:latin typeface="Arial" panose="020B0604020202020204" pitchFamily="34" charset="0"/>
+                <a:ea typeface="Calibri" panose="020F0502020204030204" pitchFamily="34" charset="0"/>
+                <a:cs typeface="Arial" panose="020B0604020202020204" pitchFamily="34" charset="0"/>
+              </a:rPr>
+              <a:t>Η παρούσα εργασία συστημάτων παιχνιδιού εγκρίθηκε και δημοσιεύτηκε στην επίσημη πλατφόρμα της </a:t>
+            </a:r>
+            <a:r>
+              <a:rPr lang="en-US" sz="2400" u="sng" dirty="0">
+                <a:solidFill>
+                  <a:srgbClr val="0563C1"/>
+                </a:solidFill>
+                <a:effectLst/>
+                <a:latin typeface="Arial" panose="020B0604020202020204" pitchFamily="34" charset="0"/>
+                <a:ea typeface="Calibri" panose="020F0502020204030204" pitchFamily="34" charset="0"/>
+                <a:cs typeface="Arial" panose="020B0604020202020204" pitchFamily="34" charset="0"/>
+                <a:hlinkClick r:id="rId3"/>
+              </a:rPr>
+              <a:t>Unreal Engine Marketplace</a:t>
+            </a:r>
+            <a:r>
+              <a:rPr lang="el-GR" sz="2400" dirty="0">
+                <a:effectLst/>
+                <a:latin typeface="Arial" panose="020B0604020202020204" pitchFamily="34" charset="0"/>
+                <a:ea typeface="Calibri" panose="020F0502020204030204" pitchFamily="34" charset="0"/>
+                <a:cs typeface="Arial" panose="020B0604020202020204" pitchFamily="34" charset="0"/>
+              </a:rPr>
+              <a:t> καθώς </a:t>
+            </a:r>
+          </a:p>
+          <a:p>
+            <a:r>
+              <a:rPr lang="el-GR" sz="2400" dirty="0">
+                <a:effectLst/>
+                <a:latin typeface="Arial" panose="020B0604020202020204" pitchFamily="34" charset="0"/>
+                <a:ea typeface="Calibri" panose="020F0502020204030204" pitchFamily="34" charset="0"/>
+                <a:cs typeface="Arial" panose="020B0604020202020204" pitchFamily="34" charset="0"/>
+              </a:rPr>
+              <a:t>έλαβε τα σωστά βήματα/</a:t>
+            </a:r>
+            <a:r>
+              <a:rPr lang="en-US" sz="2400" dirty="0">
+                <a:effectLst/>
+                <a:latin typeface="Arial" panose="020B0604020202020204" pitchFamily="34" charset="0"/>
+                <a:ea typeface="Calibri" panose="020F0502020204030204" pitchFamily="34" charset="0"/>
+                <a:cs typeface="Arial" panose="020B0604020202020204" pitchFamily="34" charset="0"/>
+              </a:rPr>
+              <a:t>Guidelines</a:t>
+            </a:r>
+            <a:r>
+              <a:rPr lang="el-GR" sz="2400" dirty="0">
+                <a:effectLst/>
+                <a:latin typeface="Arial" panose="020B0604020202020204" pitchFamily="34" charset="0"/>
+                <a:ea typeface="Calibri" panose="020F0502020204030204" pitchFamily="34" charset="0"/>
+                <a:cs typeface="Arial" panose="020B0604020202020204" pitchFamily="34" charset="0"/>
+              </a:rPr>
+              <a:t> που θα συνοψίσουμε παρακάτω για να έρθει εις πέρας ένα </a:t>
+            </a:r>
+            <a:r>
+              <a:rPr lang="en-US" sz="2400" dirty="0">
+                <a:effectLst/>
+                <a:latin typeface="Arial" panose="020B0604020202020204" pitchFamily="34" charset="0"/>
+                <a:ea typeface="Calibri" panose="020F0502020204030204" pitchFamily="34" charset="0"/>
+                <a:cs typeface="Arial" panose="020B0604020202020204" pitchFamily="34" charset="0"/>
+              </a:rPr>
+              <a:t>project </a:t>
+            </a:r>
+            <a:r>
+              <a:rPr lang="el-GR" sz="2400" dirty="0">
+                <a:effectLst/>
+                <a:latin typeface="Arial" panose="020B0604020202020204" pitchFamily="34" charset="0"/>
+                <a:ea typeface="Calibri" panose="020F0502020204030204" pitchFamily="34" charset="0"/>
+                <a:cs typeface="Arial" panose="020B0604020202020204" pitchFamily="34" charset="0"/>
+              </a:rPr>
+              <a:t>κομμάτι </a:t>
+            </a:r>
+            <a:r>
+              <a:rPr lang="en-US" sz="2400" dirty="0">
+                <a:effectLst/>
+                <a:latin typeface="Arial" panose="020B0604020202020204" pitchFamily="34" charset="0"/>
+                <a:ea typeface="Calibri" panose="020F0502020204030204" pitchFamily="34" charset="0"/>
+                <a:cs typeface="Arial" panose="020B0604020202020204" pitchFamily="34" charset="0"/>
+              </a:rPr>
+              <a:t>video</a:t>
+            </a:r>
+            <a:r>
+              <a:rPr lang="el-GR" sz="2400" dirty="0">
+                <a:effectLst/>
+                <a:latin typeface="Arial" panose="020B0604020202020204" pitchFamily="34" charset="0"/>
+                <a:ea typeface="Calibri" panose="020F0502020204030204" pitchFamily="34" charset="0"/>
+                <a:cs typeface="Arial" panose="020B0604020202020204" pitchFamily="34" charset="0"/>
+              </a:rPr>
+              <a:t>-</a:t>
+            </a:r>
+            <a:r>
+              <a:rPr lang="en-US" sz="2400" dirty="0">
+                <a:effectLst/>
+                <a:latin typeface="Arial" panose="020B0604020202020204" pitchFamily="34" charset="0"/>
+                <a:ea typeface="Calibri" panose="020F0502020204030204" pitchFamily="34" charset="0"/>
+                <a:cs typeface="Arial" panose="020B0604020202020204" pitchFamily="34" charset="0"/>
+              </a:rPr>
+              <a:t>game</a:t>
+            </a:r>
+            <a:r>
+              <a:rPr lang="el-GR" sz="2400" dirty="0">
+                <a:effectLst/>
+                <a:latin typeface="Arial" panose="020B0604020202020204" pitchFamily="34" charset="0"/>
+                <a:ea typeface="Calibri" panose="020F0502020204030204" pitchFamily="34" charset="0"/>
+                <a:cs typeface="Arial" panose="020B0604020202020204" pitchFamily="34" charset="0"/>
+              </a:rPr>
+              <a:t> με σωστή ροή από ιδέα -&gt; υλοποίηση.</a:t>
+            </a:r>
+            <a:endParaRPr lang="en-US" sz="2400" dirty="0">
+              <a:effectLst/>
+              <a:latin typeface="Arial" panose="020B0604020202020204" pitchFamily="34" charset="0"/>
+              <a:ea typeface="Calibri" panose="020F0502020204030204" pitchFamily="34" charset="0"/>
+              <a:cs typeface="Times New Roman" panose="02020603050405020304" pitchFamily="18" charset="0"/>
+            </a:endParaRPr>
+          </a:p>
+          <a:p>
+            <a:r>
+              <a:rPr lang="el-GR" sz="3200" dirty="0">
+                <a:latin typeface="Arial" panose="020B0604020202020204" pitchFamily="34" charset="0"/>
+                <a:cs typeface="Arial" panose="020B0604020202020204" pitchFamily="34" charset="0"/>
+              </a:rPr>
+              <a:t> </a:t>
+            </a:r>
+            <a:endParaRPr lang="en-US" sz="3200" dirty="0">
+              <a:latin typeface="Arial" panose="020B0604020202020204" pitchFamily="34" charset="0"/>
+              <a:cs typeface="Arial" panose="020B0604020202020204" pitchFamily="34" charset="0"/>
+            </a:endParaRPr>
+          </a:p>
+        </p:txBody>
+      </p:sp>
+    </p:spTree>
+    <p:extLst>
+      <p:ext uri="{BB962C8B-B14F-4D97-AF65-F5344CB8AC3E}">
+        <p14:creationId xmlns:p14="http://schemas.microsoft.com/office/powerpoint/2010/main" val="1017473068"/>
+      </p:ext>
+    </p:extLst>
+  </p:cSld>
+  <p:clrMapOvr>
+    <a:masterClrMapping/>
+  </p:clrMapOvr>
+</p:sld>
+</file>
+
+<file path=ppt/slides/slide11.xml><?xml version="1.0" encoding="utf-8"?>
+<p:sld xmlns:a="http://schemas.openxmlformats.org/drawingml/2006/main" xmlns:r="http://schemas.openxmlformats.org/officeDocument/2006/relationships" xmlns:p="http://schemas.openxmlformats.org/presentationml/2006/main">
+  <p:cSld>
+    <p:spTree>
+      <p:nvGrpSpPr>
+        <p:cNvPr id="1" name=""/>
+        <p:cNvGrpSpPr/>
+        <p:nvPr/>
+      </p:nvGrpSpPr>
+      <p:grpSpPr>
+        <a:xfrm>
+          <a:off x="0" y="0"/>
+          <a:ext cx="0" cy="0"/>
+          <a:chOff x="0" y="0"/>
+          <a:chExt cx="0" cy="0"/>
+        </a:xfrm>
+      </p:grpSpPr>
+      <p:sp>
+        <p:nvSpPr>
+          <p:cNvPr id="2" name="Title 1">
+            <a:extLst>
+              <a:ext uri="{FF2B5EF4-FFF2-40B4-BE49-F238E27FC236}">
                 <a16:creationId xmlns:a16="http://schemas.microsoft.com/office/drawing/2014/main" id="{47682B62-17F9-4577-96F0-2F0BCC61F5B8}"/>
               </a:ext>
             </a:extLst>
@@ -31214,7 +31536,7 @@
 </p:sld>
 </file>
 
-<file path=ppt/slides/slide11.xml><?xml version="1.0" encoding="utf-8"?>
+<file path=ppt/slides/slide12.xml><?xml version="1.0" encoding="utf-8"?>
 <p:sld xmlns:a="http://schemas.openxmlformats.org/drawingml/2006/main" xmlns:r="http://schemas.openxmlformats.org/officeDocument/2006/relationships" xmlns:p="http://schemas.openxmlformats.org/presentationml/2006/main">
   <p:cSld>
     <p:spTree>
@@ -31501,7 +31823,7 @@
 </p:sld>
 </file>
 
-<file path=ppt/slides/slide12.xml><?xml version="1.0" encoding="utf-8"?>
+<file path=ppt/slides/slide13.xml><?xml version="1.0" encoding="utf-8"?>
 <p:sld xmlns:a="http://schemas.openxmlformats.org/drawingml/2006/main" xmlns:r="http://schemas.openxmlformats.org/officeDocument/2006/relationships" xmlns:p="http://schemas.openxmlformats.org/presentationml/2006/main">
   <p:cSld>
     <p:spTree>
@@ -32448,7 +32770,7 @@
 </p:sld>
 </file>
 
-<file path=ppt/slides/slide13.xml><?xml version="1.0" encoding="utf-8"?>
+<file path=ppt/slides/slide14.xml><?xml version="1.0" encoding="utf-8"?>
 <p:sld xmlns:a="http://schemas.openxmlformats.org/drawingml/2006/main" xmlns:r="http://schemas.openxmlformats.org/officeDocument/2006/relationships" xmlns:p="http://schemas.openxmlformats.org/presentationml/2006/main">
   <p:cSld>
     <p:spTree>
@@ -33395,7 +33717,7 @@
 </p:sld>
 </file>
 
-<file path=ppt/slides/slide14.xml><?xml version="1.0" encoding="utf-8"?>
+<file path=ppt/slides/slide15.xml><?xml version="1.0" encoding="utf-8"?>
 <p:sld xmlns:a="http://schemas.openxmlformats.org/drawingml/2006/main" xmlns:r="http://schemas.openxmlformats.org/officeDocument/2006/relationships" xmlns:p="http://schemas.openxmlformats.org/presentationml/2006/main">
   <p:cSld>
     <p:spTree>
@@ -33755,7 +34077,7 @@
 </p:sld>
 </file>
 
-<file path=ppt/slides/slide15.xml><?xml version="1.0" encoding="utf-8"?>
+<file path=ppt/slides/slide16.xml><?xml version="1.0" encoding="utf-8"?>
 <p:sld xmlns:a="http://schemas.openxmlformats.org/drawingml/2006/main" xmlns:r="http://schemas.openxmlformats.org/officeDocument/2006/relationships" xmlns:p="http://schemas.openxmlformats.org/presentationml/2006/main">
   <p:cSld>
     <p:spTree>
@@ -33900,7 +34222,7 @@
 </p:sld>
 </file>
 
-<file path=ppt/slides/slide16.xml><?xml version="1.0" encoding="utf-8"?>
+<file path=ppt/slides/slide17.xml><?xml version="1.0" encoding="utf-8"?>
 <p:sld xmlns:a="http://schemas.openxmlformats.org/drawingml/2006/main" xmlns:r="http://schemas.openxmlformats.org/officeDocument/2006/relationships" xmlns:p="http://schemas.openxmlformats.org/presentationml/2006/main">
   <p:cSld>
     <p:spTree>
@@ -34063,7 +34385,7 @@
 </p:sld>
 </file>
 
-<file path=ppt/slides/slide17.xml><?xml version="1.0" encoding="utf-8"?>
+<file path=ppt/slides/slide18.xml><?xml version="1.0" encoding="utf-8"?>
 <p:sld xmlns:a="http://schemas.openxmlformats.org/drawingml/2006/main" xmlns:r="http://schemas.openxmlformats.org/officeDocument/2006/relationships" xmlns:p="http://schemas.openxmlformats.org/presentationml/2006/main">
   <p:cSld>
     <p:spTree>
@@ -34179,7 +34501,7 @@
           </a:lstStyle>
           <a:p>
             <a:r>
-              <a:rPr lang="el-GR" sz="2800" b="1" dirty="0">
+              <a:rPr lang="el-GR" sz="2800" dirty="0">
                 <a:effectLst/>
                 <a:latin typeface="Arial" panose="020B0604020202020204" pitchFamily="34" charset="0"/>
                 <a:cs typeface="Arial" panose="020B0604020202020204" pitchFamily="34" charset="0"/>
@@ -34187,7 +34509,7 @@
               <a:t>ΠΡΕΠΕΙ ΝΑ ΛΗΦΘΟΥΝ ΥΠΟΨΗ για το</a:t>
             </a:r>
             <a:r>
-              <a:rPr lang="en-US" sz="2800" b="1" dirty="0">
+              <a:rPr lang="en-US" sz="2800" dirty="0">
                 <a:effectLst/>
                 <a:latin typeface="Arial" panose="020B0604020202020204" pitchFamily="34" charset="0"/>
                 <a:cs typeface="Arial" panose="020B0604020202020204" pitchFamily="34" charset="0"/>
@@ -34342,7 +34664,7 @@
 </p:sld>
 </file>
 
-<file path=ppt/slides/slide18.xml><?xml version="1.0" encoding="utf-8"?>
+<file path=ppt/slides/slide19.xml><?xml version="1.0" encoding="utf-8"?>
 <p:sld xmlns:a="http://schemas.openxmlformats.org/drawingml/2006/main" xmlns:r="http://schemas.openxmlformats.org/officeDocument/2006/relationships" xmlns:p="http://schemas.openxmlformats.org/presentationml/2006/main">
   <p:cSld>
     <p:spTree>
@@ -36650,7 +36972,401 @@
 </p:sld>
 </file>
 
-<file path=ppt/slides/slide19.xml><?xml version="1.0" encoding="utf-8"?>
+<file path=ppt/slides/slide2.xml><?xml version="1.0" encoding="utf-8"?>
+<p:sld xmlns:a="http://schemas.openxmlformats.org/drawingml/2006/main" xmlns:r="http://schemas.openxmlformats.org/officeDocument/2006/relationships" xmlns:p="http://schemas.openxmlformats.org/presentationml/2006/main">
+  <p:cSld>
+    <p:spTree>
+      <p:nvGrpSpPr>
+        <p:cNvPr id="1" name=""/>
+        <p:cNvGrpSpPr/>
+        <p:nvPr/>
+      </p:nvGrpSpPr>
+      <p:grpSpPr>
+        <a:xfrm>
+          <a:off x="0" y="0"/>
+          <a:ext cx="0" cy="0"/>
+          <a:chOff x="0" y="0"/>
+          <a:chExt cx="0" cy="0"/>
+        </a:xfrm>
+      </p:grpSpPr>
+      <p:sp>
+        <p:nvSpPr>
+          <p:cNvPr id="2" name="Title 1">
+            <a:extLst>
+              <a:ext uri="{FF2B5EF4-FFF2-40B4-BE49-F238E27FC236}">
+                <a16:creationId xmlns:a16="http://schemas.microsoft.com/office/drawing/2014/main" id="{097E51FA-115A-4C6B-A05D-3A8EC2DF1D8F}"/>
+              </a:ext>
+            </a:extLst>
+          </p:cNvPr>
+          <p:cNvSpPr>
+            <a:spLocks noGrp="1"/>
+          </p:cNvSpPr>
+          <p:nvPr>
+            <p:ph type="title"/>
+          </p:nvPr>
+        </p:nvSpPr>
+        <p:spPr/>
+        <p:txBody>
+          <a:bodyPr/>
+          <a:lstStyle/>
+          <a:p>
+            <a:pPr algn="l"/>
+            <a:r>
+              <a:rPr lang="el-GR" sz="4400" b="1" dirty="0">
+                <a:latin typeface="Arial" panose="020B0604020202020204" pitchFamily="34" charset="0"/>
+                <a:cs typeface="Arial" panose="020B0604020202020204" pitchFamily="34" charset="0"/>
+              </a:rPr>
+              <a:t>Σχετικά με εμένα:</a:t>
+            </a:r>
+            <a:br>
+              <a:rPr lang="en-US" sz="4400" b="1" dirty="0">
+                <a:latin typeface="Arial" panose="020B0604020202020204" pitchFamily="34" charset="0"/>
+                <a:cs typeface="Arial" panose="020B0604020202020204" pitchFamily="34" charset="0"/>
+              </a:rPr>
+            </a:br>
+            <a:endParaRPr lang="en-US" dirty="0"/>
+          </a:p>
+        </p:txBody>
+      </p:sp>
+      <p:sp>
+        <p:nvSpPr>
+          <p:cNvPr id="3" name="TextBox 2">
+            <a:extLst>
+              <a:ext uri="{FF2B5EF4-FFF2-40B4-BE49-F238E27FC236}">
+                <a16:creationId xmlns:a16="http://schemas.microsoft.com/office/drawing/2014/main" id="{5CF12085-6FAE-4E43-9418-A1962A245D9F}"/>
+              </a:ext>
+            </a:extLst>
+          </p:cNvPr>
+          <p:cNvSpPr txBox="1"/>
+          <p:nvPr/>
+        </p:nvSpPr>
+        <p:spPr>
+          <a:xfrm>
+            <a:off x="457200" y="5460898"/>
+            <a:ext cx="7073537" cy="1200329"/>
+          </a:xfrm>
+          <a:prstGeom prst="rect">
+            <a:avLst/>
+          </a:prstGeom>
+          <a:noFill/>
+        </p:spPr>
+        <p:txBody>
+          <a:bodyPr wrap="square">
+            <a:spAutoFit/>
+          </a:bodyPr>
+          <a:lstStyle/>
+          <a:p>
+            <a:r>
+              <a:rPr lang="en-US" sz="2400" dirty="0">
+                <a:latin typeface="Arial" panose="020B0604020202020204" pitchFamily="34" charset="0"/>
+                <a:cs typeface="Arial" panose="020B0604020202020204" pitchFamily="34" charset="0"/>
+              </a:rPr>
+              <a:t>Portfolio: </a:t>
+            </a:r>
+            <a:r>
+              <a:rPr lang="en-US" sz="2400" dirty="0">
+                <a:latin typeface="Arial" panose="020B0604020202020204" pitchFamily="34" charset="0"/>
+                <a:cs typeface="Arial" panose="020B0604020202020204" pitchFamily="34" charset="0"/>
+                <a:hlinkClick r:id="rId3"/>
+              </a:rPr>
+              <a:t>https://github.com/michailmarkou1995</a:t>
+            </a:r>
+            <a:endParaRPr lang="en-US" sz="2400" dirty="0">
+              <a:latin typeface="Arial" panose="020B0604020202020204" pitchFamily="34" charset="0"/>
+              <a:cs typeface="Arial" panose="020B0604020202020204" pitchFamily="34" charset="0"/>
+            </a:endParaRPr>
+          </a:p>
+          <a:p>
+            <a:r>
+              <a:rPr lang="en-US" sz="2400" dirty="0">
+                <a:latin typeface="Arial" panose="020B0604020202020204" pitchFamily="34" charset="0"/>
+                <a:cs typeface="Arial" panose="020B0604020202020204" pitchFamily="34" charset="0"/>
+              </a:rPr>
+              <a:t>E-mail: </a:t>
+            </a:r>
+            <a:r>
+              <a:rPr lang="en-US" sz="2400" dirty="0">
+                <a:latin typeface="Arial" panose="020B0604020202020204" pitchFamily="34" charset="0"/>
+                <a:cs typeface="Arial" panose="020B0604020202020204" pitchFamily="34" charset="0"/>
+                <a:hlinkClick r:id="rId4"/>
+              </a:rPr>
+              <a:t>mmarkou19b@amcstudent.edu.gr</a:t>
+            </a:r>
+            <a:endParaRPr lang="en-US" sz="2400" dirty="0">
+              <a:latin typeface="Arial" panose="020B0604020202020204" pitchFamily="34" charset="0"/>
+              <a:cs typeface="Arial" panose="020B0604020202020204" pitchFamily="34" charset="0"/>
+            </a:endParaRPr>
+          </a:p>
+          <a:p>
+            <a:endParaRPr lang="en-US" sz="2400" dirty="0">
+              <a:latin typeface="Arial" panose="020B0604020202020204" pitchFamily="34" charset="0"/>
+              <a:cs typeface="Arial" panose="020B0604020202020204" pitchFamily="34" charset="0"/>
+            </a:endParaRPr>
+          </a:p>
+        </p:txBody>
+      </p:sp>
+      <p:sp>
+        <p:nvSpPr>
+          <p:cNvPr id="4" name="TextBox 3">
+            <a:extLst>
+              <a:ext uri="{FF2B5EF4-FFF2-40B4-BE49-F238E27FC236}">
+                <a16:creationId xmlns:a16="http://schemas.microsoft.com/office/drawing/2014/main" id="{E5C26AE8-FCA4-42D6-96C7-AC583D28A14B}"/>
+              </a:ext>
+            </a:extLst>
+          </p:cNvPr>
+          <p:cNvSpPr txBox="1"/>
+          <p:nvPr/>
+        </p:nvSpPr>
+        <p:spPr>
+          <a:xfrm>
+            <a:off x="279400" y="1305914"/>
+            <a:ext cx="8585200" cy="4154984"/>
+          </a:xfrm>
+          <a:prstGeom prst="rect">
+            <a:avLst/>
+          </a:prstGeom>
+          <a:noFill/>
+        </p:spPr>
+        <p:txBody>
+          <a:bodyPr wrap="square" rtlCol="0">
+            <a:spAutoFit/>
+          </a:bodyPr>
+          <a:lstStyle/>
+          <a:p>
+            <a:pPr marL="342900" indent="-342900">
+              <a:buFont typeface="Arial" panose="020B0604020202020204" pitchFamily="34" charset="0"/>
+              <a:buChar char="•"/>
+            </a:pPr>
+            <a:r>
+              <a:rPr lang="en-US" sz="2400" dirty="0">
+                <a:latin typeface="Arial" panose="020B0604020202020204" pitchFamily="34" charset="0"/>
+                <a:cs typeface="Arial" panose="020B0604020202020204" pitchFamily="34" charset="0"/>
+              </a:rPr>
+              <a:t>3</a:t>
+            </a:r>
+            <a:r>
+              <a:rPr lang="el-GR" sz="2400" baseline="30000" dirty="0">
+                <a:latin typeface="Arial" panose="020B0604020202020204" pitchFamily="34" charset="0"/>
+                <a:cs typeface="Arial" panose="020B0604020202020204" pitchFamily="34" charset="0"/>
+              </a:rPr>
+              <a:t>ο</a:t>
+            </a:r>
+            <a:r>
+              <a:rPr lang="el-GR" sz="2400" dirty="0">
+                <a:latin typeface="Arial" panose="020B0604020202020204" pitchFamily="34" charset="0"/>
+                <a:cs typeface="Arial" panose="020B0604020202020204" pitchFamily="34" charset="0"/>
+              </a:rPr>
+              <a:t> έτος</a:t>
+            </a:r>
+            <a:r>
+              <a:rPr lang="en-US" sz="2400" dirty="0">
+                <a:latin typeface="Arial" panose="020B0604020202020204" pitchFamily="34" charset="0"/>
+                <a:cs typeface="Arial" panose="020B0604020202020204" pitchFamily="34" charset="0"/>
+              </a:rPr>
+              <a:t> BSc Computer Science </a:t>
+            </a:r>
+            <a:r>
+              <a:rPr lang="el-GR" sz="2400" dirty="0">
+                <a:latin typeface="Arial" panose="020B0604020202020204" pitchFamily="34" charset="0"/>
+                <a:cs typeface="Arial" panose="020B0604020202020204" pitchFamily="34" charset="0"/>
+              </a:rPr>
+              <a:t>στο Μητροπολιτικό κολλέγιο</a:t>
+            </a:r>
+            <a:endParaRPr lang="en-US" sz="2400" dirty="0">
+              <a:latin typeface="Arial" panose="020B0604020202020204" pitchFamily="34" charset="0"/>
+              <a:cs typeface="Arial" panose="020B0604020202020204" pitchFamily="34" charset="0"/>
+            </a:endParaRPr>
+          </a:p>
+          <a:p>
+            <a:pPr marL="342900" indent="-342900">
+              <a:buFont typeface="Arial" panose="020B0604020202020204" pitchFamily="34" charset="0"/>
+              <a:buChar char="•"/>
+            </a:pPr>
+            <a:r>
+              <a:rPr lang="en-US" sz="2400" dirty="0">
+                <a:latin typeface="Arial" panose="020B0604020202020204" pitchFamily="34" charset="0"/>
+                <a:cs typeface="Arial" panose="020B0604020202020204" pitchFamily="34" charset="0"/>
+              </a:rPr>
+              <a:t>Internship </a:t>
+            </a:r>
+            <a:r>
+              <a:rPr lang="el-GR" sz="2400" dirty="0">
+                <a:latin typeface="Arial" panose="020B0604020202020204" pitchFamily="34" charset="0"/>
+                <a:cs typeface="Arial" panose="020B0604020202020204" pitchFamily="34" charset="0"/>
+              </a:rPr>
+              <a:t>«</a:t>
+            </a:r>
+            <a:r>
+              <a:rPr lang="en-US" sz="2400" dirty="0">
+                <a:latin typeface="Arial" panose="020B0604020202020204" pitchFamily="34" charset="0"/>
+                <a:cs typeface="Arial" panose="020B0604020202020204" pitchFamily="34" charset="0"/>
+              </a:rPr>
+              <a:t>Internet Service Provider Network Engineer</a:t>
+            </a:r>
+            <a:r>
+              <a:rPr lang="el-GR" sz="2400" dirty="0">
+                <a:latin typeface="Arial" panose="020B0604020202020204" pitchFamily="34" charset="0"/>
+                <a:cs typeface="Arial" panose="020B0604020202020204" pitchFamily="34" charset="0"/>
+              </a:rPr>
+              <a:t>»</a:t>
+            </a:r>
+            <a:endParaRPr lang="en-US" sz="2400" dirty="0">
+              <a:latin typeface="Arial" panose="020B0604020202020204" pitchFamily="34" charset="0"/>
+              <a:cs typeface="Arial" panose="020B0604020202020204" pitchFamily="34" charset="0"/>
+            </a:endParaRPr>
+          </a:p>
+          <a:p>
+            <a:pPr marL="342900" indent="-342900">
+              <a:buFont typeface="Arial" panose="020B0604020202020204" pitchFamily="34" charset="0"/>
+              <a:buChar char="•"/>
+            </a:pPr>
+            <a:r>
+              <a:rPr lang="en-US" sz="2400" dirty="0">
+                <a:latin typeface="Arial" panose="020B0604020202020204" pitchFamily="34" charset="0"/>
+                <a:cs typeface="Arial" panose="020B0604020202020204" pitchFamily="34" charset="0"/>
+              </a:rPr>
+              <a:t>Unreal Engine Game Developer</a:t>
+            </a:r>
+          </a:p>
+          <a:p>
+            <a:pPr marL="342900" indent="-342900">
+              <a:buFont typeface="Arial" panose="020B0604020202020204" pitchFamily="34" charset="0"/>
+              <a:buChar char="•"/>
+            </a:pPr>
+            <a:r>
+              <a:rPr lang="en-US" sz="2400" dirty="0">
+                <a:latin typeface="Arial" panose="020B0604020202020204" pitchFamily="34" charset="0"/>
+                <a:cs typeface="Arial" panose="020B0604020202020204" pitchFamily="34" charset="0"/>
+              </a:rPr>
+              <a:t>VR/AR</a:t>
+            </a:r>
+          </a:p>
+          <a:p>
+            <a:pPr marL="342900" indent="-342900">
+              <a:buFont typeface="Arial" panose="020B0604020202020204" pitchFamily="34" charset="0"/>
+              <a:buChar char="•"/>
+            </a:pPr>
+            <a:r>
+              <a:rPr lang="en-US" sz="2400" dirty="0">
+                <a:latin typeface="Arial" panose="020B0604020202020204" pitchFamily="34" charset="0"/>
+                <a:cs typeface="Arial" panose="020B0604020202020204" pitchFamily="34" charset="0"/>
+              </a:rPr>
+              <a:t>Multiplayer driven</a:t>
+            </a:r>
+          </a:p>
+          <a:p>
+            <a:pPr marL="342900" indent="-342900">
+              <a:buFont typeface="Arial" panose="020B0604020202020204" pitchFamily="34" charset="0"/>
+              <a:buChar char="•"/>
+            </a:pPr>
+            <a:r>
+              <a:rPr lang="en-US" sz="2400" dirty="0">
+                <a:latin typeface="Arial" panose="020B0604020202020204" pitchFamily="34" charset="0"/>
+                <a:cs typeface="Arial" panose="020B0604020202020204" pitchFamily="34" charset="0"/>
+              </a:rPr>
+              <a:t>Gameplay Mechanics</a:t>
+            </a:r>
+          </a:p>
+          <a:p>
+            <a:pPr marL="342900" indent="-342900">
+              <a:buFont typeface="Arial" panose="020B0604020202020204" pitchFamily="34" charset="0"/>
+              <a:buChar char="•"/>
+            </a:pPr>
+            <a:r>
+              <a:rPr lang="en-US" sz="2400" dirty="0">
+                <a:latin typeface="Arial" panose="020B0604020202020204" pitchFamily="34" charset="0"/>
+                <a:cs typeface="Arial" panose="020B0604020202020204" pitchFamily="34" charset="0"/>
+              </a:rPr>
+              <a:t>Sound Effect Artist</a:t>
+            </a:r>
+          </a:p>
+          <a:p>
+            <a:pPr marL="342900" indent="-342900">
+              <a:buFont typeface="Arial" panose="020B0604020202020204" pitchFamily="34" charset="0"/>
+              <a:buChar char="•"/>
+            </a:pPr>
+            <a:r>
+              <a:rPr lang="en-US" sz="2400" dirty="0">
+                <a:latin typeface="Arial" panose="020B0604020202020204" pitchFamily="34" charset="0"/>
+                <a:cs typeface="Arial" panose="020B0604020202020204" pitchFamily="34" charset="0"/>
+              </a:rPr>
+              <a:t>Visual Effect Artist</a:t>
+            </a:r>
+          </a:p>
+          <a:p>
+            <a:pPr marL="342900" indent="-342900">
+              <a:buFont typeface="Arial" panose="020B0604020202020204" pitchFamily="34" charset="0"/>
+              <a:buChar char="•"/>
+            </a:pPr>
+            <a:r>
+              <a:rPr lang="en-US" sz="2400" dirty="0">
+                <a:latin typeface="Arial" panose="020B0604020202020204" pitchFamily="34" charset="0"/>
+                <a:cs typeface="Arial" panose="020B0604020202020204" pitchFamily="34" charset="0"/>
+              </a:rPr>
+              <a:t>3D Architectural Visualization &amp; modeling</a:t>
+            </a:r>
+          </a:p>
+          <a:p>
+            <a:pPr marL="342900" indent="-342900">
+              <a:buFont typeface="Arial" panose="020B0604020202020204" pitchFamily="34" charset="0"/>
+              <a:buChar char="•"/>
+            </a:pPr>
+            <a:r>
+              <a:rPr lang="en-US" sz="2400" dirty="0">
+                <a:latin typeface="Arial" panose="020B0604020202020204" pitchFamily="34" charset="0"/>
+                <a:cs typeface="Arial" panose="020B0604020202020204" pitchFamily="34" charset="0"/>
+              </a:rPr>
+              <a:t>Producer &amp; Digital Content Creator</a:t>
+            </a:r>
+            <a:r>
+              <a:rPr lang="el-GR" sz="2400" dirty="0">
+                <a:latin typeface="Arial" panose="020B0604020202020204" pitchFamily="34" charset="0"/>
+                <a:cs typeface="Arial" panose="020B0604020202020204" pitchFamily="34" charset="0"/>
+              </a:rPr>
+              <a:t> </a:t>
+            </a:r>
+            <a:r>
+              <a:rPr lang="el-GR" sz="2000" dirty="0">
+                <a:latin typeface="Arial" panose="020B0604020202020204" pitchFamily="34" charset="0"/>
+                <a:cs typeface="Arial" panose="020B0604020202020204" pitchFamily="34" charset="0"/>
+              </a:rPr>
+              <a:t>(</a:t>
+            </a:r>
+            <a:r>
+              <a:rPr lang="en-US" sz="2000" i="1" dirty="0">
+                <a:latin typeface="Arial" panose="020B0604020202020204" pitchFamily="34" charset="0"/>
+                <a:cs typeface="Arial" panose="020B0604020202020204" pitchFamily="34" charset="0"/>
+              </a:rPr>
+              <a:t>Unreal Engine &amp; Google Play marketplace</a:t>
+            </a:r>
+            <a:r>
+              <a:rPr lang="el-GR" sz="2000" i="1" dirty="0">
+                <a:latin typeface="Arial" panose="020B0604020202020204" pitchFamily="34" charset="0"/>
+                <a:cs typeface="Arial" panose="020B0604020202020204" pitchFamily="34" charset="0"/>
+              </a:rPr>
+              <a:t>)</a:t>
+            </a:r>
+            <a:endParaRPr lang="en-US" sz="2400" dirty="0">
+              <a:latin typeface="Arial" panose="020B0604020202020204" pitchFamily="34" charset="0"/>
+              <a:cs typeface="Arial" panose="020B0604020202020204" pitchFamily="34" charset="0"/>
+            </a:endParaRPr>
+          </a:p>
+        </p:txBody>
+      </p:sp>
+    </p:spTree>
+    <p:extLst>
+      <p:ext uri="{BB962C8B-B14F-4D97-AF65-F5344CB8AC3E}">
+        <p14:creationId xmlns:p14="http://schemas.microsoft.com/office/powerpoint/2010/main" val="1217886583"/>
+      </p:ext>
+    </p:extLst>
+  </p:cSld>
+  <p:clrMapOvr>
+    <a:masterClrMapping/>
+  </p:clrMapOvr>
+</p:sld>
+</file>
+
+<file path=ppt/slides/slide20.xml><?xml version="1.0" encoding="utf-8"?>
 <p:sld xmlns:a="http://schemas.openxmlformats.org/drawingml/2006/main" xmlns:r="http://schemas.openxmlformats.org/officeDocument/2006/relationships" xmlns:p="http://schemas.openxmlformats.org/presentationml/2006/main">
   <p:cSld>
     <p:spTree>
@@ -36742,401 +37458,7 @@
 </p:sld>
 </file>
 
-<file path=ppt/slides/slide2.xml><?xml version="1.0" encoding="utf-8"?>
-<p:sld xmlns:a="http://schemas.openxmlformats.org/drawingml/2006/main" xmlns:r="http://schemas.openxmlformats.org/officeDocument/2006/relationships" xmlns:p="http://schemas.openxmlformats.org/presentationml/2006/main">
-  <p:cSld>
-    <p:spTree>
-      <p:nvGrpSpPr>
-        <p:cNvPr id="1" name=""/>
-        <p:cNvGrpSpPr/>
-        <p:nvPr/>
-      </p:nvGrpSpPr>
-      <p:grpSpPr>
-        <a:xfrm>
-          <a:off x="0" y="0"/>
-          <a:ext cx="0" cy="0"/>
-          <a:chOff x="0" y="0"/>
-          <a:chExt cx="0" cy="0"/>
-        </a:xfrm>
-      </p:grpSpPr>
-      <p:sp>
-        <p:nvSpPr>
-          <p:cNvPr id="2" name="Title 1">
-            <a:extLst>
-              <a:ext uri="{FF2B5EF4-FFF2-40B4-BE49-F238E27FC236}">
-                <a16:creationId xmlns:a16="http://schemas.microsoft.com/office/drawing/2014/main" id="{097E51FA-115A-4C6B-A05D-3A8EC2DF1D8F}"/>
-              </a:ext>
-            </a:extLst>
-          </p:cNvPr>
-          <p:cNvSpPr>
-            <a:spLocks noGrp="1"/>
-          </p:cNvSpPr>
-          <p:nvPr>
-            <p:ph type="title"/>
-          </p:nvPr>
-        </p:nvSpPr>
-        <p:spPr/>
-        <p:txBody>
-          <a:bodyPr/>
-          <a:lstStyle/>
-          <a:p>
-            <a:pPr algn="l"/>
-            <a:r>
-              <a:rPr lang="el-GR" sz="4400" b="1" dirty="0">
-                <a:latin typeface="Arial" panose="020B0604020202020204" pitchFamily="34" charset="0"/>
-                <a:cs typeface="Arial" panose="020B0604020202020204" pitchFamily="34" charset="0"/>
-              </a:rPr>
-              <a:t>Σχετικά με εμένα:</a:t>
-            </a:r>
-            <a:br>
-              <a:rPr lang="en-US" sz="4400" b="1" dirty="0">
-                <a:latin typeface="Arial" panose="020B0604020202020204" pitchFamily="34" charset="0"/>
-                <a:cs typeface="Arial" panose="020B0604020202020204" pitchFamily="34" charset="0"/>
-              </a:rPr>
-            </a:br>
-            <a:endParaRPr lang="en-US" dirty="0"/>
-          </a:p>
-        </p:txBody>
-      </p:sp>
-      <p:sp>
-        <p:nvSpPr>
-          <p:cNvPr id="3" name="TextBox 2">
-            <a:extLst>
-              <a:ext uri="{FF2B5EF4-FFF2-40B4-BE49-F238E27FC236}">
-                <a16:creationId xmlns:a16="http://schemas.microsoft.com/office/drawing/2014/main" id="{5CF12085-6FAE-4E43-9418-A1962A245D9F}"/>
-              </a:ext>
-            </a:extLst>
-          </p:cNvPr>
-          <p:cNvSpPr txBox="1"/>
-          <p:nvPr/>
-        </p:nvSpPr>
-        <p:spPr>
-          <a:xfrm>
-            <a:off x="457200" y="5460898"/>
-            <a:ext cx="7073537" cy="1200329"/>
-          </a:xfrm>
-          <a:prstGeom prst="rect">
-            <a:avLst/>
-          </a:prstGeom>
-          <a:noFill/>
-        </p:spPr>
-        <p:txBody>
-          <a:bodyPr wrap="square">
-            <a:spAutoFit/>
-          </a:bodyPr>
-          <a:lstStyle/>
-          <a:p>
-            <a:r>
-              <a:rPr lang="en-US" sz="2400" dirty="0">
-                <a:latin typeface="Arial" panose="020B0604020202020204" pitchFamily="34" charset="0"/>
-                <a:cs typeface="Arial" panose="020B0604020202020204" pitchFamily="34" charset="0"/>
-              </a:rPr>
-              <a:t>Portfolio: </a:t>
-            </a:r>
-            <a:r>
-              <a:rPr lang="en-US" sz="2400" dirty="0">
-                <a:latin typeface="Arial" panose="020B0604020202020204" pitchFamily="34" charset="0"/>
-                <a:cs typeface="Arial" panose="020B0604020202020204" pitchFamily="34" charset="0"/>
-                <a:hlinkClick r:id="rId3"/>
-              </a:rPr>
-              <a:t>https://github.com/michailmarkou1995</a:t>
-            </a:r>
-            <a:endParaRPr lang="en-US" sz="2400" dirty="0">
-              <a:latin typeface="Arial" panose="020B0604020202020204" pitchFamily="34" charset="0"/>
-              <a:cs typeface="Arial" panose="020B0604020202020204" pitchFamily="34" charset="0"/>
-            </a:endParaRPr>
-          </a:p>
-          <a:p>
-            <a:r>
-              <a:rPr lang="en-US" sz="2400" dirty="0">
-                <a:latin typeface="Arial" panose="020B0604020202020204" pitchFamily="34" charset="0"/>
-                <a:cs typeface="Arial" panose="020B0604020202020204" pitchFamily="34" charset="0"/>
-              </a:rPr>
-              <a:t>E-mail: </a:t>
-            </a:r>
-            <a:r>
-              <a:rPr lang="en-US" sz="2400" dirty="0">
-                <a:latin typeface="Arial" panose="020B0604020202020204" pitchFamily="34" charset="0"/>
-                <a:cs typeface="Arial" panose="020B0604020202020204" pitchFamily="34" charset="0"/>
-                <a:hlinkClick r:id="rId4"/>
-              </a:rPr>
-              <a:t>mmarkou19b@amcstudent.edu.gr</a:t>
-            </a:r>
-            <a:endParaRPr lang="en-US" sz="2400" dirty="0">
-              <a:latin typeface="Arial" panose="020B0604020202020204" pitchFamily="34" charset="0"/>
-              <a:cs typeface="Arial" panose="020B0604020202020204" pitchFamily="34" charset="0"/>
-            </a:endParaRPr>
-          </a:p>
-          <a:p>
-            <a:endParaRPr lang="en-US" sz="2400" dirty="0">
-              <a:latin typeface="Arial" panose="020B0604020202020204" pitchFamily="34" charset="0"/>
-              <a:cs typeface="Arial" panose="020B0604020202020204" pitchFamily="34" charset="0"/>
-            </a:endParaRPr>
-          </a:p>
-        </p:txBody>
-      </p:sp>
-      <p:sp>
-        <p:nvSpPr>
-          <p:cNvPr id="4" name="TextBox 3">
-            <a:extLst>
-              <a:ext uri="{FF2B5EF4-FFF2-40B4-BE49-F238E27FC236}">
-                <a16:creationId xmlns:a16="http://schemas.microsoft.com/office/drawing/2014/main" id="{E5C26AE8-FCA4-42D6-96C7-AC583D28A14B}"/>
-              </a:ext>
-            </a:extLst>
-          </p:cNvPr>
-          <p:cNvSpPr txBox="1"/>
-          <p:nvPr/>
-        </p:nvSpPr>
-        <p:spPr>
-          <a:xfrm>
-            <a:off x="279400" y="1305914"/>
-            <a:ext cx="8585200" cy="4154984"/>
-          </a:xfrm>
-          <a:prstGeom prst="rect">
-            <a:avLst/>
-          </a:prstGeom>
-          <a:noFill/>
-        </p:spPr>
-        <p:txBody>
-          <a:bodyPr wrap="square" rtlCol="0">
-            <a:spAutoFit/>
-          </a:bodyPr>
-          <a:lstStyle/>
-          <a:p>
-            <a:pPr marL="342900" indent="-342900">
-              <a:buFont typeface="Arial" panose="020B0604020202020204" pitchFamily="34" charset="0"/>
-              <a:buChar char="•"/>
-            </a:pPr>
-            <a:r>
-              <a:rPr lang="en-US" sz="2400" dirty="0">
-                <a:latin typeface="Arial" panose="020B0604020202020204" pitchFamily="34" charset="0"/>
-                <a:cs typeface="Arial" panose="020B0604020202020204" pitchFamily="34" charset="0"/>
-              </a:rPr>
-              <a:t>3</a:t>
-            </a:r>
-            <a:r>
-              <a:rPr lang="el-GR" sz="2400" baseline="30000" dirty="0">
-                <a:latin typeface="Arial" panose="020B0604020202020204" pitchFamily="34" charset="0"/>
-                <a:cs typeface="Arial" panose="020B0604020202020204" pitchFamily="34" charset="0"/>
-              </a:rPr>
-              <a:t>ο</a:t>
-            </a:r>
-            <a:r>
-              <a:rPr lang="el-GR" sz="2400" dirty="0">
-                <a:latin typeface="Arial" panose="020B0604020202020204" pitchFamily="34" charset="0"/>
-                <a:cs typeface="Arial" panose="020B0604020202020204" pitchFamily="34" charset="0"/>
-              </a:rPr>
-              <a:t> έτος</a:t>
-            </a:r>
-            <a:r>
-              <a:rPr lang="en-US" sz="2400" dirty="0">
-                <a:latin typeface="Arial" panose="020B0604020202020204" pitchFamily="34" charset="0"/>
-                <a:cs typeface="Arial" panose="020B0604020202020204" pitchFamily="34" charset="0"/>
-              </a:rPr>
-              <a:t> BSc Computer Science </a:t>
-            </a:r>
-            <a:r>
-              <a:rPr lang="el-GR" sz="2400" dirty="0">
-                <a:latin typeface="Arial" panose="020B0604020202020204" pitchFamily="34" charset="0"/>
-                <a:cs typeface="Arial" panose="020B0604020202020204" pitchFamily="34" charset="0"/>
-              </a:rPr>
-              <a:t>στο Μητροπολιτικό κολλέγιο</a:t>
-            </a:r>
-            <a:endParaRPr lang="en-US" sz="2400" dirty="0">
-              <a:latin typeface="Arial" panose="020B0604020202020204" pitchFamily="34" charset="0"/>
-              <a:cs typeface="Arial" panose="020B0604020202020204" pitchFamily="34" charset="0"/>
-            </a:endParaRPr>
-          </a:p>
-          <a:p>
-            <a:pPr marL="342900" indent="-342900">
-              <a:buFont typeface="Arial" panose="020B0604020202020204" pitchFamily="34" charset="0"/>
-              <a:buChar char="•"/>
-            </a:pPr>
-            <a:r>
-              <a:rPr lang="en-US" sz="2400" dirty="0">
-                <a:latin typeface="Arial" panose="020B0604020202020204" pitchFamily="34" charset="0"/>
-                <a:cs typeface="Arial" panose="020B0604020202020204" pitchFamily="34" charset="0"/>
-              </a:rPr>
-              <a:t>Internship </a:t>
-            </a:r>
-            <a:r>
-              <a:rPr lang="el-GR" sz="2400" dirty="0">
-                <a:latin typeface="Arial" panose="020B0604020202020204" pitchFamily="34" charset="0"/>
-                <a:cs typeface="Arial" panose="020B0604020202020204" pitchFamily="34" charset="0"/>
-              </a:rPr>
-              <a:t>«</a:t>
-            </a:r>
-            <a:r>
-              <a:rPr lang="en-US" sz="2400" dirty="0">
-                <a:latin typeface="Arial" panose="020B0604020202020204" pitchFamily="34" charset="0"/>
-                <a:cs typeface="Arial" panose="020B0604020202020204" pitchFamily="34" charset="0"/>
-              </a:rPr>
-              <a:t>Internet Service Provider Network Engineer</a:t>
-            </a:r>
-            <a:r>
-              <a:rPr lang="el-GR" sz="2400" dirty="0">
-                <a:latin typeface="Arial" panose="020B0604020202020204" pitchFamily="34" charset="0"/>
-                <a:cs typeface="Arial" panose="020B0604020202020204" pitchFamily="34" charset="0"/>
-              </a:rPr>
-              <a:t>»</a:t>
-            </a:r>
-            <a:endParaRPr lang="en-US" sz="2400" dirty="0">
-              <a:latin typeface="Arial" panose="020B0604020202020204" pitchFamily="34" charset="0"/>
-              <a:cs typeface="Arial" panose="020B0604020202020204" pitchFamily="34" charset="0"/>
-            </a:endParaRPr>
-          </a:p>
-          <a:p>
-            <a:pPr marL="342900" indent="-342900">
-              <a:buFont typeface="Arial" panose="020B0604020202020204" pitchFamily="34" charset="0"/>
-              <a:buChar char="•"/>
-            </a:pPr>
-            <a:r>
-              <a:rPr lang="en-US" sz="2400" dirty="0">
-                <a:latin typeface="Arial" panose="020B0604020202020204" pitchFamily="34" charset="0"/>
-                <a:cs typeface="Arial" panose="020B0604020202020204" pitchFamily="34" charset="0"/>
-              </a:rPr>
-              <a:t>Unreal Engine Game Developer</a:t>
-            </a:r>
-          </a:p>
-          <a:p>
-            <a:pPr marL="342900" indent="-342900">
-              <a:buFont typeface="Arial" panose="020B0604020202020204" pitchFamily="34" charset="0"/>
-              <a:buChar char="•"/>
-            </a:pPr>
-            <a:r>
-              <a:rPr lang="en-US" sz="2400" dirty="0">
-                <a:latin typeface="Arial" panose="020B0604020202020204" pitchFamily="34" charset="0"/>
-                <a:cs typeface="Arial" panose="020B0604020202020204" pitchFamily="34" charset="0"/>
-              </a:rPr>
-              <a:t>VR/AR</a:t>
-            </a:r>
-          </a:p>
-          <a:p>
-            <a:pPr marL="342900" indent="-342900">
-              <a:buFont typeface="Arial" panose="020B0604020202020204" pitchFamily="34" charset="0"/>
-              <a:buChar char="•"/>
-            </a:pPr>
-            <a:r>
-              <a:rPr lang="en-US" sz="2400" dirty="0">
-                <a:latin typeface="Arial" panose="020B0604020202020204" pitchFamily="34" charset="0"/>
-                <a:cs typeface="Arial" panose="020B0604020202020204" pitchFamily="34" charset="0"/>
-              </a:rPr>
-              <a:t>Multiplayer driven</a:t>
-            </a:r>
-          </a:p>
-          <a:p>
-            <a:pPr marL="342900" indent="-342900">
-              <a:buFont typeface="Arial" panose="020B0604020202020204" pitchFamily="34" charset="0"/>
-              <a:buChar char="•"/>
-            </a:pPr>
-            <a:r>
-              <a:rPr lang="en-US" sz="2400" dirty="0">
-                <a:latin typeface="Arial" panose="020B0604020202020204" pitchFamily="34" charset="0"/>
-                <a:cs typeface="Arial" panose="020B0604020202020204" pitchFamily="34" charset="0"/>
-              </a:rPr>
-              <a:t>Gameplay Mechanics</a:t>
-            </a:r>
-          </a:p>
-          <a:p>
-            <a:pPr marL="342900" indent="-342900">
-              <a:buFont typeface="Arial" panose="020B0604020202020204" pitchFamily="34" charset="0"/>
-              <a:buChar char="•"/>
-            </a:pPr>
-            <a:r>
-              <a:rPr lang="en-US" sz="2400" dirty="0">
-                <a:latin typeface="Arial" panose="020B0604020202020204" pitchFamily="34" charset="0"/>
-                <a:cs typeface="Arial" panose="020B0604020202020204" pitchFamily="34" charset="0"/>
-              </a:rPr>
-              <a:t>Sound Effect Artist</a:t>
-            </a:r>
-          </a:p>
-          <a:p>
-            <a:pPr marL="342900" indent="-342900">
-              <a:buFont typeface="Arial" panose="020B0604020202020204" pitchFamily="34" charset="0"/>
-              <a:buChar char="•"/>
-            </a:pPr>
-            <a:r>
-              <a:rPr lang="en-US" sz="2400" dirty="0">
-                <a:latin typeface="Arial" panose="020B0604020202020204" pitchFamily="34" charset="0"/>
-                <a:cs typeface="Arial" panose="020B0604020202020204" pitchFamily="34" charset="0"/>
-              </a:rPr>
-              <a:t>Visual Effect Artist</a:t>
-            </a:r>
-          </a:p>
-          <a:p>
-            <a:pPr marL="342900" indent="-342900">
-              <a:buFont typeface="Arial" panose="020B0604020202020204" pitchFamily="34" charset="0"/>
-              <a:buChar char="•"/>
-            </a:pPr>
-            <a:r>
-              <a:rPr lang="en-US" sz="2400" dirty="0">
-                <a:latin typeface="Arial" panose="020B0604020202020204" pitchFamily="34" charset="0"/>
-                <a:cs typeface="Arial" panose="020B0604020202020204" pitchFamily="34" charset="0"/>
-              </a:rPr>
-              <a:t>3D Architectural Visualization &amp; modeling</a:t>
-            </a:r>
-          </a:p>
-          <a:p>
-            <a:pPr marL="342900" indent="-342900">
-              <a:buFont typeface="Arial" panose="020B0604020202020204" pitchFamily="34" charset="0"/>
-              <a:buChar char="•"/>
-            </a:pPr>
-            <a:r>
-              <a:rPr lang="en-US" sz="2400" dirty="0">
-                <a:latin typeface="Arial" panose="020B0604020202020204" pitchFamily="34" charset="0"/>
-                <a:cs typeface="Arial" panose="020B0604020202020204" pitchFamily="34" charset="0"/>
-              </a:rPr>
-              <a:t>Producer &amp; Digital Content Creator</a:t>
-            </a:r>
-            <a:r>
-              <a:rPr lang="el-GR" sz="2400" dirty="0">
-                <a:latin typeface="Arial" panose="020B0604020202020204" pitchFamily="34" charset="0"/>
-                <a:cs typeface="Arial" panose="020B0604020202020204" pitchFamily="34" charset="0"/>
-              </a:rPr>
-              <a:t> </a:t>
-            </a:r>
-            <a:r>
-              <a:rPr lang="el-GR" sz="2000" dirty="0">
-                <a:latin typeface="Arial" panose="020B0604020202020204" pitchFamily="34" charset="0"/>
-                <a:cs typeface="Arial" panose="020B0604020202020204" pitchFamily="34" charset="0"/>
-              </a:rPr>
-              <a:t>(</a:t>
-            </a:r>
-            <a:r>
-              <a:rPr lang="en-US" sz="2000" i="1" dirty="0">
-                <a:latin typeface="Arial" panose="020B0604020202020204" pitchFamily="34" charset="0"/>
-                <a:cs typeface="Arial" panose="020B0604020202020204" pitchFamily="34" charset="0"/>
-              </a:rPr>
-              <a:t>Unreal Engine &amp; Google Play marketplace</a:t>
-            </a:r>
-            <a:r>
-              <a:rPr lang="el-GR" sz="2000" i="1" dirty="0">
-                <a:latin typeface="Arial" panose="020B0604020202020204" pitchFamily="34" charset="0"/>
-                <a:cs typeface="Arial" panose="020B0604020202020204" pitchFamily="34" charset="0"/>
-              </a:rPr>
-              <a:t>)</a:t>
-            </a:r>
-            <a:endParaRPr lang="en-US" sz="2400" dirty="0">
-              <a:latin typeface="Arial" panose="020B0604020202020204" pitchFamily="34" charset="0"/>
-              <a:cs typeface="Arial" panose="020B0604020202020204" pitchFamily="34" charset="0"/>
-            </a:endParaRPr>
-          </a:p>
-        </p:txBody>
-      </p:sp>
-    </p:spTree>
-    <p:extLst>
-      <p:ext uri="{BB962C8B-B14F-4D97-AF65-F5344CB8AC3E}">
-        <p14:creationId xmlns:p14="http://schemas.microsoft.com/office/powerpoint/2010/main" val="1217886583"/>
-      </p:ext>
-    </p:extLst>
-  </p:cSld>
-  <p:clrMapOvr>
-    <a:masterClrMapping/>
-  </p:clrMapOvr>
-</p:sld>
-</file>
-
-<file path=ppt/slides/slide20.xml><?xml version="1.0" encoding="utf-8"?>
+<file path=ppt/slides/slide21.xml><?xml version="1.0" encoding="utf-8"?>
 <p:sld xmlns:a="http://schemas.openxmlformats.org/drawingml/2006/main" xmlns:r="http://schemas.openxmlformats.org/officeDocument/2006/relationships" xmlns:p="http://schemas.openxmlformats.org/presentationml/2006/main">
   <p:cSld>
     <p:spTree>
@@ -38538,7 +38860,7 @@
 </p:sld>
 </file>
 
-<file path=ppt/slides/slide21.xml><?xml version="1.0" encoding="utf-8"?>
+<file path=ppt/slides/slide22.xml><?xml version="1.0" encoding="utf-8"?>
 <p:sld xmlns:a="http://schemas.openxmlformats.org/drawingml/2006/main" xmlns:r="http://schemas.openxmlformats.org/officeDocument/2006/relationships" xmlns:p="http://schemas.openxmlformats.org/presentationml/2006/main">
   <p:cSld>
     <p:spTree>
@@ -38774,7 +39096,7 @@
 </p:sld>
 </file>
 
-<file path=ppt/slides/slide22.xml><?xml version="1.0" encoding="utf-8"?>
+<file path=ppt/slides/slide23.xml><?xml version="1.0" encoding="utf-8"?>
 <p:sld xmlns:a="http://schemas.openxmlformats.org/drawingml/2006/main" xmlns:r="http://schemas.openxmlformats.org/officeDocument/2006/relationships" xmlns:p="http://schemas.openxmlformats.org/presentationml/2006/main">
   <p:cSld>
     <p:spTree>
@@ -39731,7 +40053,7 @@
 </p:sld>
 </file>
 
-<file path=ppt/slides/slide23.xml><?xml version="1.0" encoding="utf-8"?>
+<file path=ppt/slides/slide24.xml><?xml version="1.0" encoding="utf-8"?>
 <p:sld xmlns:a="http://schemas.openxmlformats.org/drawingml/2006/main" xmlns:r="http://schemas.openxmlformats.org/officeDocument/2006/relationships" xmlns:p="http://schemas.openxmlformats.org/presentationml/2006/main">
   <p:cSld>
     <p:spTree>
@@ -40495,7 +40817,7 @@
 </p:sld>
 </file>
 
-<file path=ppt/slides/slide24.xml><?xml version="1.0" encoding="utf-8"?>
+<file path=ppt/slides/slide25.xml><?xml version="1.0" encoding="utf-8"?>
 <p:sld xmlns:a="http://schemas.openxmlformats.org/drawingml/2006/main" xmlns:r="http://schemas.openxmlformats.org/officeDocument/2006/relationships" xmlns:p="http://schemas.openxmlformats.org/presentationml/2006/main">
   <p:cSld>
     <p:spTree>
@@ -41336,7 +41658,7 @@
 </p:sld>
 </file>
 
-<file path=ppt/slides/slide25.xml><?xml version="1.0" encoding="utf-8"?>
+<file path=ppt/slides/slide26.xml><?xml version="1.0" encoding="utf-8"?>
 <p:sld xmlns:a="http://schemas.openxmlformats.org/drawingml/2006/main" xmlns:r="http://schemas.openxmlformats.org/officeDocument/2006/relationships" xmlns:p="http://schemas.openxmlformats.org/presentationml/2006/main">
   <p:cSld>
     <p:spTree>
@@ -41759,7 +42081,7 @@
 </p:sld>
 </file>
 
-<file path=ppt/slides/slide26.xml><?xml version="1.0" encoding="utf-8"?>
+<file path=ppt/slides/slide27.xml><?xml version="1.0" encoding="utf-8"?>
 <p:sld xmlns:a="http://schemas.openxmlformats.org/drawingml/2006/main" xmlns:r="http://schemas.openxmlformats.org/officeDocument/2006/relationships" xmlns:p="http://schemas.openxmlformats.org/presentationml/2006/main">
   <p:cSld>
     <p:spTree>
@@ -41909,7 +42231,7 @@
 </p:sld>
 </file>
 
-<file path=ppt/slides/slide27.xml><?xml version="1.0" encoding="utf-8"?>
+<file path=ppt/slides/slide28.xml><?xml version="1.0" encoding="utf-8"?>
 <p:sld xmlns:a="http://schemas.openxmlformats.org/drawingml/2006/main" xmlns:r="http://schemas.openxmlformats.org/officeDocument/2006/relationships" xmlns:p="http://schemas.openxmlformats.org/presentationml/2006/main">
   <p:cSld>
     <p:spTree>
@@ -44932,7 +45254,7 @@
 </p:sld>
 </file>
 
-<file path=ppt/slides/slide28.xml><?xml version="1.0" encoding="utf-8"?>
+<file path=ppt/slides/slide29.xml><?xml version="1.0" encoding="utf-8"?>
 <p:sld xmlns:a="http://schemas.openxmlformats.org/drawingml/2006/main" xmlns:r="http://schemas.openxmlformats.org/officeDocument/2006/relationships" xmlns:p="http://schemas.openxmlformats.org/presentationml/2006/main">
   <p:cSld>
     <p:spTree>
@@ -44989,369 +45311,6 @@
     <p:extLst>
       <p:ext uri="{BB962C8B-B14F-4D97-AF65-F5344CB8AC3E}">
         <p14:creationId xmlns:p14="http://schemas.microsoft.com/office/powerpoint/2010/main" val="1301389684"/>
-      </p:ext>
-    </p:extLst>
-  </p:cSld>
-  <p:clrMapOvr>
-    <a:masterClrMapping/>
-  </p:clrMapOvr>
-</p:sld>
-</file>
-
-<file path=ppt/slides/slide29.xml><?xml version="1.0" encoding="utf-8"?>
-<p:sld xmlns:a="http://schemas.openxmlformats.org/drawingml/2006/main" xmlns:r="http://schemas.openxmlformats.org/officeDocument/2006/relationships" xmlns:p="http://schemas.openxmlformats.org/presentationml/2006/main">
-  <p:cSld>
-    <p:spTree>
-      <p:nvGrpSpPr>
-        <p:cNvPr id="1" name=""/>
-        <p:cNvGrpSpPr/>
-        <p:nvPr/>
-      </p:nvGrpSpPr>
-      <p:grpSpPr>
-        <a:xfrm>
-          <a:off x="0" y="0"/>
-          <a:ext cx="0" cy="0"/>
-          <a:chOff x="0" y="0"/>
-          <a:chExt cx="0" cy="0"/>
-        </a:xfrm>
-      </p:grpSpPr>
-      <p:sp>
-        <p:nvSpPr>
-          <p:cNvPr id="2" name="Title 1">
-            <a:extLst>
-              <a:ext uri="{FF2B5EF4-FFF2-40B4-BE49-F238E27FC236}">
-                <a16:creationId xmlns:a16="http://schemas.microsoft.com/office/drawing/2014/main" id="{E51B5492-4654-47BA-AE42-C4E8FB9124D9}"/>
-              </a:ext>
-            </a:extLst>
-          </p:cNvPr>
-          <p:cNvSpPr>
-            <a:spLocks noGrp="1"/>
-          </p:cNvSpPr>
-          <p:nvPr>
-            <p:ph type="title"/>
-          </p:nvPr>
-        </p:nvSpPr>
-        <p:spPr/>
-        <p:txBody>
-          <a:bodyPr/>
-          <a:lstStyle/>
-          <a:p>
-            <a:r>
-              <a:rPr lang="en-US" b="1" dirty="0">
-                <a:latin typeface="Arial" panose="020B0604020202020204" pitchFamily="34" charset="0"/>
-                <a:cs typeface="Arial" panose="020B0604020202020204" pitchFamily="34" charset="0"/>
-              </a:rPr>
-              <a:t>BIBLIOGRAPHY</a:t>
-            </a:r>
-          </a:p>
-        </p:txBody>
-      </p:sp>
-      <p:sp>
-        <p:nvSpPr>
-          <p:cNvPr id="3" name="TextBox 2">
-            <a:extLst>
-              <a:ext uri="{FF2B5EF4-FFF2-40B4-BE49-F238E27FC236}">
-                <a16:creationId xmlns:a16="http://schemas.microsoft.com/office/drawing/2014/main" id="{28FFA89E-B156-40FC-B084-B27AE0B3F67E}"/>
-              </a:ext>
-            </a:extLst>
-          </p:cNvPr>
-          <p:cNvSpPr txBox="1"/>
-          <p:nvPr/>
-        </p:nvSpPr>
-        <p:spPr>
-          <a:xfrm>
-            <a:off x="0" y="1005116"/>
-            <a:ext cx="8906933" cy="5668218"/>
-          </a:xfrm>
-          <a:prstGeom prst="rect">
-            <a:avLst/>
-          </a:prstGeom>
-          <a:noFill/>
-        </p:spPr>
-        <p:txBody>
-          <a:bodyPr wrap="square">
-            <a:spAutoFit/>
-          </a:bodyPr>
-          <a:lstStyle/>
-          <a:p>
-            <a:pPr marL="457200" marR="0" indent="-457200" algn="l">
-              <a:lnSpc>
-                <a:spcPct val="150000"/>
-              </a:lnSpc>
-              <a:spcBef>
-                <a:spcPts val="0"/>
-              </a:spcBef>
-              <a:spcAft>
-                <a:spcPts val="800"/>
-              </a:spcAft>
-            </a:pPr>
-            <a:r>
-              <a:rPr lang="en-US" sz="1600" dirty="0">
-                <a:effectLst/>
-                <a:latin typeface="Arial" panose="020B0604020202020204" pitchFamily="34" charset="0"/>
-                <a:ea typeface="Calibri" panose="020F0502020204030204" pitchFamily="34" charset="0"/>
-                <a:cs typeface="Times New Roman" panose="02020603050405020304" pitchFamily="18" charset="0"/>
-              </a:rPr>
-              <a:t>docs.unrealengine.com, n.d. Multiplayer Programming Quick Start. [Online] </a:t>
-            </a:r>
-            <a:br>
-              <a:rPr lang="en-US" sz="1600" dirty="0">
-                <a:effectLst/>
-                <a:latin typeface="Arial" panose="020B0604020202020204" pitchFamily="34" charset="0"/>
-                <a:ea typeface="Calibri" panose="020F0502020204030204" pitchFamily="34" charset="0"/>
-                <a:cs typeface="Times New Roman" panose="02020603050405020304" pitchFamily="18" charset="0"/>
-              </a:rPr>
-            </a:br>
-            <a:r>
-              <a:rPr lang="en-US" sz="1600" dirty="0">
-                <a:effectLst/>
-                <a:latin typeface="Arial" panose="020B0604020202020204" pitchFamily="34" charset="0"/>
-                <a:ea typeface="Calibri" panose="020F0502020204030204" pitchFamily="34" charset="0"/>
-                <a:cs typeface="Times New Roman" panose="02020603050405020304" pitchFamily="18" charset="0"/>
-              </a:rPr>
-              <a:t>Available at: </a:t>
-            </a:r>
-            <a:r>
-              <a:rPr lang="en-US" sz="1600" u="sng" dirty="0">
-                <a:effectLst/>
-                <a:latin typeface="Arial" panose="020B0604020202020204" pitchFamily="34" charset="0"/>
-                <a:ea typeface="Calibri" panose="020F0502020204030204" pitchFamily="34" charset="0"/>
-                <a:cs typeface="Times New Roman" panose="02020603050405020304" pitchFamily="18" charset="0"/>
-              </a:rPr>
-              <a:t>https://docs.unrealengine.com/4.27/en-US/InteractiveExperiences/Networking/QuickStart/</a:t>
-            </a:r>
-            <a:br>
-              <a:rPr lang="en-US" sz="1600" dirty="0">
-                <a:effectLst/>
-                <a:latin typeface="Arial" panose="020B0604020202020204" pitchFamily="34" charset="0"/>
-                <a:ea typeface="Calibri" panose="020F0502020204030204" pitchFamily="34" charset="0"/>
-                <a:cs typeface="Times New Roman" panose="02020603050405020304" pitchFamily="18" charset="0"/>
-              </a:rPr>
-            </a:br>
-            <a:r>
-              <a:rPr lang="en-US" sz="1600" dirty="0">
-                <a:effectLst/>
-                <a:latin typeface="Arial" panose="020B0604020202020204" pitchFamily="34" charset="0"/>
-                <a:ea typeface="Calibri" panose="020F0502020204030204" pitchFamily="34" charset="0"/>
-                <a:cs typeface="Times New Roman" panose="02020603050405020304" pitchFamily="18" charset="0"/>
-              </a:rPr>
-              <a:t>[Accessed 01 April 2022].</a:t>
-            </a:r>
-          </a:p>
-          <a:p>
-            <a:pPr marL="457200" marR="0" indent="-457200" algn="l">
-              <a:lnSpc>
-                <a:spcPct val="150000"/>
-              </a:lnSpc>
-              <a:spcBef>
-                <a:spcPts val="0"/>
-              </a:spcBef>
-              <a:spcAft>
-                <a:spcPts val="800"/>
-              </a:spcAft>
-            </a:pPr>
-            <a:r>
-              <a:rPr lang="en-US" sz="1600" dirty="0">
-                <a:effectLst/>
-                <a:latin typeface="Arial" panose="020B0604020202020204" pitchFamily="34" charset="0"/>
-                <a:ea typeface="Calibri" panose="020F0502020204030204" pitchFamily="34" charset="0"/>
-                <a:cs typeface="Times New Roman" panose="02020603050405020304" pitchFamily="18" charset="0"/>
-              </a:rPr>
-              <a:t>docs.unrealengine.com, n.d. Nanite Virtualized Geometry. [Online] </a:t>
-            </a:r>
-            <a:br>
-              <a:rPr lang="en-US" sz="1600" dirty="0">
-                <a:effectLst/>
-                <a:latin typeface="Arial" panose="020B0604020202020204" pitchFamily="34" charset="0"/>
-                <a:ea typeface="Calibri" panose="020F0502020204030204" pitchFamily="34" charset="0"/>
-                <a:cs typeface="Times New Roman" panose="02020603050405020304" pitchFamily="18" charset="0"/>
-              </a:rPr>
-            </a:br>
-            <a:r>
-              <a:rPr lang="en-US" sz="1600" dirty="0">
-                <a:effectLst/>
-                <a:latin typeface="Arial" panose="020B0604020202020204" pitchFamily="34" charset="0"/>
-                <a:ea typeface="Calibri" panose="020F0502020204030204" pitchFamily="34" charset="0"/>
-                <a:cs typeface="Times New Roman" panose="02020603050405020304" pitchFamily="18" charset="0"/>
-              </a:rPr>
-              <a:t>Available at: </a:t>
-            </a:r>
-            <a:r>
-              <a:rPr lang="en-US" sz="1600" u="sng" dirty="0">
-                <a:effectLst/>
-                <a:latin typeface="Arial" panose="020B0604020202020204" pitchFamily="34" charset="0"/>
-                <a:ea typeface="Calibri" panose="020F0502020204030204" pitchFamily="34" charset="0"/>
-                <a:cs typeface="Times New Roman" panose="02020603050405020304" pitchFamily="18" charset="0"/>
-              </a:rPr>
-              <a:t>https://docs.unrealengine.com/5.0/en-US/RenderingFeatures/Nanite/</a:t>
-            </a:r>
-            <a:br>
-              <a:rPr lang="en-US" sz="1600" dirty="0">
-                <a:effectLst/>
-                <a:latin typeface="Arial" panose="020B0604020202020204" pitchFamily="34" charset="0"/>
-                <a:ea typeface="Calibri" panose="020F0502020204030204" pitchFamily="34" charset="0"/>
-                <a:cs typeface="Times New Roman" panose="02020603050405020304" pitchFamily="18" charset="0"/>
-              </a:rPr>
-            </a:br>
-            <a:r>
-              <a:rPr lang="en-US" sz="1600" dirty="0">
-                <a:effectLst/>
-                <a:latin typeface="Arial" panose="020B0604020202020204" pitchFamily="34" charset="0"/>
-                <a:ea typeface="Calibri" panose="020F0502020204030204" pitchFamily="34" charset="0"/>
-                <a:cs typeface="Times New Roman" panose="02020603050405020304" pitchFamily="18" charset="0"/>
-              </a:rPr>
-              <a:t>[Accessed 01 April 2022].</a:t>
-            </a:r>
-          </a:p>
-          <a:p>
-            <a:pPr marL="457200" indent="-457200">
-              <a:lnSpc>
-                <a:spcPct val="150000"/>
-              </a:lnSpc>
-              <a:spcAft>
-                <a:spcPts val="800"/>
-              </a:spcAft>
-            </a:pPr>
-            <a:r>
-              <a:rPr lang="en-US" sz="1600" dirty="0">
-                <a:effectLst/>
-                <a:latin typeface="Arial" panose="020B0604020202020204" pitchFamily="34" charset="0"/>
-                <a:ea typeface="Calibri" panose="020F0502020204030204" pitchFamily="34" charset="0"/>
-                <a:cs typeface="Times New Roman" panose="02020603050405020304" pitchFamily="18" charset="0"/>
-              </a:rPr>
-              <a:t>Wikipedia, C., 2019. Blockchain. [Online] </a:t>
-            </a:r>
-            <a:br>
-              <a:rPr lang="en-US" sz="1600" dirty="0">
-                <a:effectLst/>
-                <a:latin typeface="Arial" panose="020B0604020202020204" pitchFamily="34" charset="0"/>
-                <a:ea typeface="Calibri" panose="020F0502020204030204" pitchFamily="34" charset="0"/>
-                <a:cs typeface="Times New Roman" panose="02020603050405020304" pitchFamily="18" charset="0"/>
-              </a:rPr>
-            </a:br>
-            <a:r>
-              <a:rPr lang="en-US" sz="1600" dirty="0">
-                <a:effectLst/>
-                <a:latin typeface="Arial" panose="020B0604020202020204" pitchFamily="34" charset="0"/>
-                <a:ea typeface="Calibri" panose="020F0502020204030204" pitchFamily="34" charset="0"/>
-                <a:cs typeface="Times New Roman" panose="02020603050405020304" pitchFamily="18" charset="0"/>
-              </a:rPr>
-              <a:t>Available at: </a:t>
-            </a:r>
-            <a:r>
-              <a:rPr lang="en-US" sz="1600" u="sng" dirty="0">
-                <a:effectLst/>
-                <a:latin typeface="Arial" panose="020B0604020202020204" pitchFamily="34" charset="0"/>
-                <a:ea typeface="Calibri" panose="020F0502020204030204" pitchFamily="34" charset="0"/>
-                <a:cs typeface="Times New Roman" panose="02020603050405020304" pitchFamily="18" charset="0"/>
-              </a:rPr>
-              <a:t>https://en.wikipedia.org/wiki/Blockchain</a:t>
-            </a:r>
-            <a:br>
-              <a:rPr lang="en-US" sz="1600" dirty="0">
-                <a:effectLst/>
-                <a:latin typeface="Arial" panose="020B0604020202020204" pitchFamily="34" charset="0"/>
-                <a:ea typeface="Calibri" panose="020F0502020204030204" pitchFamily="34" charset="0"/>
-                <a:cs typeface="Times New Roman" panose="02020603050405020304" pitchFamily="18" charset="0"/>
-              </a:rPr>
-            </a:br>
-            <a:r>
-              <a:rPr lang="en-US" sz="1600" dirty="0">
-                <a:effectLst/>
-                <a:latin typeface="Arial" panose="020B0604020202020204" pitchFamily="34" charset="0"/>
-                <a:ea typeface="Calibri" panose="020F0502020204030204" pitchFamily="34" charset="0"/>
-                <a:cs typeface="Times New Roman" panose="02020603050405020304" pitchFamily="18" charset="0"/>
-              </a:rPr>
-              <a:t>[Accessed 01 April 2022].</a:t>
-            </a:r>
-          </a:p>
-          <a:p>
-            <a:pPr marL="457200" indent="-457200">
-              <a:lnSpc>
-                <a:spcPct val="150000"/>
-              </a:lnSpc>
-              <a:spcAft>
-                <a:spcPts val="800"/>
-              </a:spcAft>
-            </a:pPr>
-            <a:r>
-              <a:rPr lang="en-US" sz="1600" dirty="0">
-                <a:effectLst/>
-                <a:latin typeface="Arial" panose="020B0604020202020204" pitchFamily="34" charset="0"/>
-                <a:ea typeface="Calibri" panose="020F0502020204030204" pitchFamily="34" charset="0"/>
-                <a:cs typeface="Times New Roman" panose="02020603050405020304" pitchFamily="18" charset="0"/>
-              </a:rPr>
-              <a:t>Wikipedia, C., 2019. Computer graphics. [Online] </a:t>
-            </a:r>
-            <a:br>
-              <a:rPr lang="en-US" sz="1600" dirty="0">
-                <a:effectLst/>
-                <a:latin typeface="Arial" panose="020B0604020202020204" pitchFamily="34" charset="0"/>
-                <a:ea typeface="Calibri" panose="020F0502020204030204" pitchFamily="34" charset="0"/>
-                <a:cs typeface="Times New Roman" panose="02020603050405020304" pitchFamily="18" charset="0"/>
-              </a:rPr>
-            </a:br>
-            <a:r>
-              <a:rPr lang="en-US" sz="1600" dirty="0">
-                <a:effectLst/>
-                <a:latin typeface="Arial" panose="020B0604020202020204" pitchFamily="34" charset="0"/>
-                <a:ea typeface="Calibri" panose="020F0502020204030204" pitchFamily="34" charset="0"/>
-                <a:cs typeface="Times New Roman" panose="02020603050405020304" pitchFamily="18" charset="0"/>
-              </a:rPr>
-              <a:t>Available at: </a:t>
-            </a:r>
-            <a:r>
-              <a:rPr lang="en-US" sz="1600" u="sng" dirty="0">
-                <a:effectLst/>
-                <a:latin typeface="Arial" panose="020B0604020202020204" pitchFamily="34" charset="0"/>
-                <a:ea typeface="Calibri" panose="020F0502020204030204" pitchFamily="34" charset="0"/>
-                <a:cs typeface="Times New Roman" panose="02020603050405020304" pitchFamily="18" charset="0"/>
-              </a:rPr>
-              <a:t>https://en.wikipedia.org/wiki/Computer_graphics</a:t>
-            </a:r>
-            <a:br>
-              <a:rPr lang="en-US" sz="1600" dirty="0">
-                <a:effectLst/>
-                <a:latin typeface="Arial" panose="020B0604020202020204" pitchFamily="34" charset="0"/>
-                <a:ea typeface="Calibri" panose="020F0502020204030204" pitchFamily="34" charset="0"/>
-                <a:cs typeface="Times New Roman" panose="02020603050405020304" pitchFamily="18" charset="0"/>
-              </a:rPr>
-            </a:br>
-            <a:r>
-              <a:rPr lang="en-US" sz="1600" dirty="0">
-                <a:effectLst/>
-                <a:latin typeface="Arial" panose="020B0604020202020204" pitchFamily="34" charset="0"/>
-                <a:ea typeface="Calibri" panose="020F0502020204030204" pitchFamily="34" charset="0"/>
-                <a:cs typeface="Times New Roman" panose="02020603050405020304" pitchFamily="18" charset="0"/>
-              </a:rPr>
-              <a:t>[Accessed 01 April 2022].</a:t>
-            </a:r>
-          </a:p>
-          <a:p>
-            <a:pPr marL="457200" marR="0" indent="-457200" algn="l">
-              <a:lnSpc>
-                <a:spcPct val="150000"/>
-              </a:lnSpc>
-              <a:spcBef>
-                <a:spcPts val="0"/>
-              </a:spcBef>
-              <a:spcAft>
-                <a:spcPts val="800"/>
-              </a:spcAft>
-            </a:pPr>
-            <a:endParaRPr lang="en-US" sz="1800" dirty="0">
-              <a:effectLst/>
-              <a:latin typeface="Arial" panose="020B0604020202020204" pitchFamily="34" charset="0"/>
-              <a:ea typeface="Calibri" panose="020F0502020204030204" pitchFamily="34" charset="0"/>
-              <a:cs typeface="Times New Roman" panose="02020603050405020304" pitchFamily="18" charset="0"/>
-            </a:endParaRPr>
-          </a:p>
-        </p:txBody>
-      </p:sp>
-    </p:spTree>
-    <p:extLst>
-      <p:ext uri="{BB962C8B-B14F-4D97-AF65-F5344CB8AC3E}">
-        <p14:creationId xmlns:p14="http://schemas.microsoft.com/office/powerpoint/2010/main" val="4128740720"/>
       </p:ext>
     </p:extLst>
   </p:cSld>
@@ -45570,6 +45529,369 @@
     <p:extLst>
       <p:ext uri="{BB962C8B-B14F-4D97-AF65-F5344CB8AC3E}">
         <p14:creationId xmlns:p14="http://schemas.microsoft.com/office/powerpoint/2010/main" val="3509470717"/>
+      </p:ext>
+    </p:extLst>
+  </p:cSld>
+  <p:clrMapOvr>
+    <a:masterClrMapping/>
+  </p:clrMapOvr>
+</p:sld>
+</file>
+
+<file path=ppt/slides/slide30.xml><?xml version="1.0" encoding="utf-8"?>
+<p:sld xmlns:a="http://schemas.openxmlformats.org/drawingml/2006/main" xmlns:r="http://schemas.openxmlformats.org/officeDocument/2006/relationships" xmlns:p="http://schemas.openxmlformats.org/presentationml/2006/main">
+  <p:cSld>
+    <p:spTree>
+      <p:nvGrpSpPr>
+        <p:cNvPr id="1" name=""/>
+        <p:cNvGrpSpPr/>
+        <p:nvPr/>
+      </p:nvGrpSpPr>
+      <p:grpSpPr>
+        <a:xfrm>
+          <a:off x="0" y="0"/>
+          <a:ext cx="0" cy="0"/>
+          <a:chOff x="0" y="0"/>
+          <a:chExt cx="0" cy="0"/>
+        </a:xfrm>
+      </p:grpSpPr>
+      <p:sp>
+        <p:nvSpPr>
+          <p:cNvPr id="2" name="Title 1">
+            <a:extLst>
+              <a:ext uri="{FF2B5EF4-FFF2-40B4-BE49-F238E27FC236}">
+                <a16:creationId xmlns:a16="http://schemas.microsoft.com/office/drawing/2014/main" id="{E51B5492-4654-47BA-AE42-C4E8FB9124D9}"/>
+              </a:ext>
+            </a:extLst>
+          </p:cNvPr>
+          <p:cNvSpPr>
+            <a:spLocks noGrp="1"/>
+          </p:cNvSpPr>
+          <p:nvPr>
+            <p:ph type="title"/>
+          </p:nvPr>
+        </p:nvSpPr>
+        <p:spPr/>
+        <p:txBody>
+          <a:bodyPr/>
+          <a:lstStyle/>
+          <a:p>
+            <a:r>
+              <a:rPr lang="en-US" b="1" dirty="0">
+                <a:latin typeface="Arial" panose="020B0604020202020204" pitchFamily="34" charset="0"/>
+                <a:cs typeface="Arial" panose="020B0604020202020204" pitchFamily="34" charset="0"/>
+              </a:rPr>
+              <a:t>BIBLIOGRAPHY</a:t>
+            </a:r>
+          </a:p>
+        </p:txBody>
+      </p:sp>
+      <p:sp>
+        <p:nvSpPr>
+          <p:cNvPr id="3" name="TextBox 2">
+            <a:extLst>
+              <a:ext uri="{FF2B5EF4-FFF2-40B4-BE49-F238E27FC236}">
+                <a16:creationId xmlns:a16="http://schemas.microsoft.com/office/drawing/2014/main" id="{28FFA89E-B156-40FC-B084-B27AE0B3F67E}"/>
+              </a:ext>
+            </a:extLst>
+          </p:cNvPr>
+          <p:cNvSpPr txBox="1"/>
+          <p:nvPr/>
+        </p:nvSpPr>
+        <p:spPr>
+          <a:xfrm>
+            <a:off x="0" y="1005116"/>
+            <a:ext cx="8906933" cy="5668218"/>
+          </a:xfrm>
+          <a:prstGeom prst="rect">
+            <a:avLst/>
+          </a:prstGeom>
+          <a:noFill/>
+        </p:spPr>
+        <p:txBody>
+          <a:bodyPr wrap="square">
+            <a:spAutoFit/>
+          </a:bodyPr>
+          <a:lstStyle/>
+          <a:p>
+            <a:pPr marL="457200" marR="0" indent="-457200" algn="l">
+              <a:lnSpc>
+                <a:spcPct val="150000"/>
+              </a:lnSpc>
+              <a:spcBef>
+                <a:spcPts val="0"/>
+              </a:spcBef>
+              <a:spcAft>
+                <a:spcPts val="800"/>
+              </a:spcAft>
+            </a:pPr>
+            <a:r>
+              <a:rPr lang="en-US" sz="1600" dirty="0">
+                <a:effectLst/>
+                <a:latin typeface="Arial" panose="020B0604020202020204" pitchFamily="34" charset="0"/>
+                <a:ea typeface="Calibri" panose="020F0502020204030204" pitchFamily="34" charset="0"/>
+                <a:cs typeface="Times New Roman" panose="02020603050405020304" pitchFamily="18" charset="0"/>
+              </a:rPr>
+              <a:t>docs.unrealengine.com, n.d. Multiplayer Programming Quick Start. [Online] </a:t>
+            </a:r>
+            <a:br>
+              <a:rPr lang="en-US" sz="1600" dirty="0">
+                <a:effectLst/>
+                <a:latin typeface="Arial" panose="020B0604020202020204" pitchFamily="34" charset="0"/>
+                <a:ea typeface="Calibri" panose="020F0502020204030204" pitchFamily="34" charset="0"/>
+                <a:cs typeface="Times New Roman" panose="02020603050405020304" pitchFamily="18" charset="0"/>
+              </a:rPr>
+            </a:br>
+            <a:r>
+              <a:rPr lang="en-US" sz="1600" dirty="0">
+                <a:effectLst/>
+                <a:latin typeface="Arial" panose="020B0604020202020204" pitchFamily="34" charset="0"/>
+                <a:ea typeface="Calibri" panose="020F0502020204030204" pitchFamily="34" charset="0"/>
+                <a:cs typeface="Times New Roman" panose="02020603050405020304" pitchFamily="18" charset="0"/>
+              </a:rPr>
+              <a:t>Available at: </a:t>
+            </a:r>
+            <a:r>
+              <a:rPr lang="en-US" sz="1600" u="sng" dirty="0">
+                <a:effectLst/>
+                <a:latin typeface="Arial" panose="020B0604020202020204" pitchFamily="34" charset="0"/>
+                <a:ea typeface="Calibri" panose="020F0502020204030204" pitchFamily="34" charset="0"/>
+                <a:cs typeface="Times New Roman" panose="02020603050405020304" pitchFamily="18" charset="0"/>
+              </a:rPr>
+              <a:t>https://docs.unrealengine.com/4.27/en-US/InteractiveExperiences/Networking/QuickStart/</a:t>
+            </a:r>
+            <a:br>
+              <a:rPr lang="en-US" sz="1600" dirty="0">
+                <a:effectLst/>
+                <a:latin typeface="Arial" panose="020B0604020202020204" pitchFamily="34" charset="0"/>
+                <a:ea typeface="Calibri" panose="020F0502020204030204" pitchFamily="34" charset="0"/>
+                <a:cs typeface="Times New Roman" panose="02020603050405020304" pitchFamily="18" charset="0"/>
+              </a:rPr>
+            </a:br>
+            <a:r>
+              <a:rPr lang="en-US" sz="1600" dirty="0">
+                <a:effectLst/>
+                <a:latin typeface="Arial" panose="020B0604020202020204" pitchFamily="34" charset="0"/>
+                <a:ea typeface="Calibri" panose="020F0502020204030204" pitchFamily="34" charset="0"/>
+                <a:cs typeface="Times New Roman" panose="02020603050405020304" pitchFamily="18" charset="0"/>
+              </a:rPr>
+              <a:t>[Accessed 01 April 2022].</a:t>
+            </a:r>
+          </a:p>
+          <a:p>
+            <a:pPr marL="457200" marR="0" indent="-457200" algn="l">
+              <a:lnSpc>
+                <a:spcPct val="150000"/>
+              </a:lnSpc>
+              <a:spcBef>
+                <a:spcPts val="0"/>
+              </a:spcBef>
+              <a:spcAft>
+                <a:spcPts val="800"/>
+              </a:spcAft>
+            </a:pPr>
+            <a:r>
+              <a:rPr lang="en-US" sz="1600" dirty="0">
+                <a:effectLst/>
+                <a:latin typeface="Arial" panose="020B0604020202020204" pitchFamily="34" charset="0"/>
+                <a:ea typeface="Calibri" panose="020F0502020204030204" pitchFamily="34" charset="0"/>
+                <a:cs typeface="Times New Roman" panose="02020603050405020304" pitchFamily="18" charset="0"/>
+              </a:rPr>
+              <a:t>docs.unrealengine.com, n.d. Nanite Virtualized Geometry. [Online] </a:t>
+            </a:r>
+            <a:br>
+              <a:rPr lang="en-US" sz="1600" dirty="0">
+                <a:effectLst/>
+                <a:latin typeface="Arial" panose="020B0604020202020204" pitchFamily="34" charset="0"/>
+                <a:ea typeface="Calibri" panose="020F0502020204030204" pitchFamily="34" charset="0"/>
+                <a:cs typeface="Times New Roman" panose="02020603050405020304" pitchFamily="18" charset="0"/>
+              </a:rPr>
+            </a:br>
+            <a:r>
+              <a:rPr lang="en-US" sz="1600" dirty="0">
+                <a:effectLst/>
+                <a:latin typeface="Arial" panose="020B0604020202020204" pitchFamily="34" charset="0"/>
+                <a:ea typeface="Calibri" panose="020F0502020204030204" pitchFamily="34" charset="0"/>
+                <a:cs typeface="Times New Roman" panose="02020603050405020304" pitchFamily="18" charset="0"/>
+              </a:rPr>
+              <a:t>Available at: </a:t>
+            </a:r>
+            <a:r>
+              <a:rPr lang="en-US" sz="1600" u="sng" dirty="0">
+                <a:effectLst/>
+                <a:latin typeface="Arial" panose="020B0604020202020204" pitchFamily="34" charset="0"/>
+                <a:ea typeface="Calibri" panose="020F0502020204030204" pitchFamily="34" charset="0"/>
+                <a:cs typeface="Times New Roman" panose="02020603050405020304" pitchFamily="18" charset="0"/>
+              </a:rPr>
+              <a:t>https://docs.unrealengine.com/5.0/en-US/RenderingFeatures/Nanite/</a:t>
+            </a:r>
+            <a:br>
+              <a:rPr lang="en-US" sz="1600" dirty="0">
+                <a:effectLst/>
+                <a:latin typeface="Arial" panose="020B0604020202020204" pitchFamily="34" charset="0"/>
+                <a:ea typeface="Calibri" panose="020F0502020204030204" pitchFamily="34" charset="0"/>
+                <a:cs typeface="Times New Roman" panose="02020603050405020304" pitchFamily="18" charset="0"/>
+              </a:rPr>
+            </a:br>
+            <a:r>
+              <a:rPr lang="en-US" sz="1600" dirty="0">
+                <a:effectLst/>
+                <a:latin typeface="Arial" panose="020B0604020202020204" pitchFamily="34" charset="0"/>
+                <a:ea typeface="Calibri" panose="020F0502020204030204" pitchFamily="34" charset="0"/>
+                <a:cs typeface="Times New Roman" panose="02020603050405020304" pitchFamily="18" charset="0"/>
+              </a:rPr>
+              <a:t>[Accessed 01 April 2022].</a:t>
+            </a:r>
+          </a:p>
+          <a:p>
+            <a:pPr marL="457200" indent="-457200">
+              <a:lnSpc>
+                <a:spcPct val="150000"/>
+              </a:lnSpc>
+              <a:spcAft>
+                <a:spcPts val="800"/>
+              </a:spcAft>
+            </a:pPr>
+            <a:r>
+              <a:rPr lang="en-US" sz="1600" dirty="0">
+                <a:effectLst/>
+                <a:latin typeface="Arial" panose="020B0604020202020204" pitchFamily="34" charset="0"/>
+                <a:ea typeface="Calibri" panose="020F0502020204030204" pitchFamily="34" charset="0"/>
+                <a:cs typeface="Times New Roman" panose="02020603050405020304" pitchFamily="18" charset="0"/>
+              </a:rPr>
+              <a:t>Wikipedia, C., 2019. Blockchain. [Online] </a:t>
+            </a:r>
+            <a:br>
+              <a:rPr lang="en-US" sz="1600" dirty="0">
+                <a:effectLst/>
+                <a:latin typeface="Arial" panose="020B0604020202020204" pitchFamily="34" charset="0"/>
+                <a:ea typeface="Calibri" panose="020F0502020204030204" pitchFamily="34" charset="0"/>
+                <a:cs typeface="Times New Roman" panose="02020603050405020304" pitchFamily="18" charset="0"/>
+              </a:rPr>
+            </a:br>
+            <a:r>
+              <a:rPr lang="en-US" sz="1600" dirty="0">
+                <a:effectLst/>
+                <a:latin typeface="Arial" panose="020B0604020202020204" pitchFamily="34" charset="0"/>
+                <a:ea typeface="Calibri" panose="020F0502020204030204" pitchFamily="34" charset="0"/>
+                <a:cs typeface="Times New Roman" panose="02020603050405020304" pitchFamily="18" charset="0"/>
+              </a:rPr>
+              <a:t>Available at: </a:t>
+            </a:r>
+            <a:r>
+              <a:rPr lang="en-US" sz="1600" u="sng" dirty="0">
+                <a:effectLst/>
+                <a:latin typeface="Arial" panose="020B0604020202020204" pitchFamily="34" charset="0"/>
+                <a:ea typeface="Calibri" panose="020F0502020204030204" pitchFamily="34" charset="0"/>
+                <a:cs typeface="Times New Roman" panose="02020603050405020304" pitchFamily="18" charset="0"/>
+              </a:rPr>
+              <a:t>https://en.wikipedia.org/wiki/Blockchain</a:t>
+            </a:r>
+            <a:br>
+              <a:rPr lang="en-US" sz="1600" dirty="0">
+                <a:effectLst/>
+                <a:latin typeface="Arial" panose="020B0604020202020204" pitchFamily="34" charset="0"/>
+                <a:ea typeface="Calibri" panose="020F0502020204030204" pitchFamily="34" charset="0"/>
+                <a:cs typeface="Times New Roman" panose="02020603050405020304" pitchFamily="18" charset="0"/>
+              </a:rPr>
+            </a:br>
+            <a:r>
+              <a:rPr lang="en-US" sz="1600" dirty="0">
+                <a:effectLst/>
+                <a:latin typeface="Arial" panose="020B0604020202020204" pitchFamily="34" charset="0"/>
+                <a:ea typeface="Calibri" panose="020F0502020204030204" pitchFamily="34" charset="0"/>
+                <a:cs typeface="Times New Roman" panose="02020603050405020304" pitchFamily="18" charset="0"/>
+              </a:rPr>
+              <a:t>[Accessed 01 April 2022].</a:t>
+            </a:r>
+          </a:p>
+          <a:p>
+            <a:pPr marL="457200" indent="-457200">
+              <a:lnSpc>
+                <a:spcPct val="150000"/>
+              </a:lnSpc>
+              <a:spcAft>
+                <a:spcPts val="800"/>
+              </a:spcAft>
+            </a:pPr>
+            <a:r>
+              <a:rPr lang="en-US" sz="1600" dirty="0">
+                <a:effectLst/>
+                <a:latin typeface="Arial" panose="020B0604020202020204" pitchFamily="34" charset="0"/>
+                <a:ea typeface="Calibri" panose="020F0502020204030204" pitchFamily="34" charset="0"/>
+                <a:cs typeface="Times New Roman" panose="02020603050405020304" pitchFamily="18" charset="0"/>
+              </a:rPr>
+              <a:t>Wikipedia, C., 2019. Computer graphics. [Online] </a:t>
+            </a:r>
+            <a:br>
+              <a:rPr lang="en-US" sz="1600" dirty="0">
+                <a:effectLst/>
+                <a:latin typeface="Arial" panose="020B0604020202020204" pitchFamily="34" charset="0"/>
+                <a:ea typeface="Calibri" panose="020F0502020204030204" pitchFamily="34" charset="0"/>
+                <a:cs typeface="Times New Roman" panose="02020603050405020304" pitchFamily="18" charset="0"/>
+              </a:rPr>
+            </a:br>
+            <a:r>
+              <a:rPr lang="en-US" sz="1600" dirty="0">
+                <a:effectLst/>
+                <a:latin typeface="Arial" panose="020B0604020202020204" pitchFamily="34" charset="0"/>
+                <a:ea typeface="Calibri" panose="020F0502020204030204" pitchFamily="34" charset="0"/>
+                <a:cs typeface="Times New Roman" panose="02020603050405020304" pitchFamily="18" charset="0"/>
+              </a:rPr>
+              <a:t>Available at: </a:t>
+            </a:r>
+            <a:r>
+              <a:rPr lang="en-US" sz="1600" u="sng" dirty="0">
+                <a:effectLst/>
+                <a:latin typeface="Arial" panose="020B0604020202020204" pitchFamily="34" charset="0"/>
+                <a:ea typeface="Calibri" panose="020F0502020204030204" pitchFamily="34" charset="0"/>
+                <a:cs typeface="Times New Roman" panose="02020603050405020304" pitchFamily="18" charset="0"/>
+              </a:rPr>
+              <a:t>https://en.wikipedia.org/wiki/Computer_graphics</a:t>
+            </a:r>
+            <a:br>
+              <a:rPr lang="en-US" sz="1600" dirty="0">
+                <a:effectLst/>
+                <a:latin typeface="Arial" panose="020B0604020202020204" pitchFamily="34" charset="0"/>
+                <a:ea typeface="Calibri" panose="020F0502020204030204" pitchFamily="34" charset="0"/>
+                <a:cs typeface="Times New Roman" panose="02020603050405020304" pitchFamily="18" charset="0"/>
+              </a:rPr>
+            </a:br>
+            <a:r>
+              <a:rPr lang="en-US" sz="1600" dirty="0">
+                <a:effectLst/>
+                <a:latin typeface="Arial" panose="020B0604020202020204" pitchFamily="34" charset="0"/>
+                <a:ea typeface="Calibri" panose="020F0502020204030204" pitchFamily="34" charset="0"/>
+                <a:cs typeface="Times New Roman" panose="02020603050405020304" pitchFamily="18" charset="0"/>
+              </a:rPr>
+              <a:t>[Accessed 01 April 2022].</a:t>
+            </a:r>
+          </a:p>
+          <a:p>
+            <a:pPr marL="457200" marR="0" indent="-457200" algn="l">
+              <a:lnSpc>
+                <a:spcPct val="150000"/>
+              </a:lnSpc>
+              <a:spcBef>
+                <a:spcPts val="0"/>
+              </a:spcBef>
+              <a:spcAft>
+                <a:spcPts val="800"/>
+              </a:spcAft>
+            </a:pPr>
+            <a:endParaRPr lang="en-US" sz="1800" dirty="0">
+              <a:effectLst/>
+              <a:latin typeface="Arial" panose="020B0604020202020204" pitchFamily="34" charset="0"/>
+              <a:ea typeface="Calibri" panose="020F0502020204030204" pitchFamily="34" charset="0"/>
+              <a:cs typeface="Times New Roman" panose="02020603050405020304" pitchFamily="18" charset="0"/>
+            </a:endParaRPr>
+          </a:p>
+        </p:txBody>
+      </p:sp>
+    </p:spTree>
+    <p:extLst>
+      <p:ext uri="{BB962C8B-B14F-4D97-AF65-F5344CB8AC3E}">
+        <p14:creationId xmlns:p14="http://schemas.microsoft.com/office/powerpoint/2010/main" val="4128740720"/>
       </p:ext>
     </p:extLst>
   </p:cSld>
@@ -46021,6 +46343,314 @@
       </p:grpSpPr>
       <p:sp>
         <p:nvSpPr>
+          <p:cNvPr id="2" name="TextBox 1">
+            <a:extLst>
+              <a:ext uri="{FF2B5EF4-FFF2-40B4-BE49-F238E27FC236}">
+                <a16:creationId xmlns:a16="http://schemas.microsoft.com/office/drawing/2014/main" id="{ECEA71D4-1FBA-473A-8337-B30297766B9A}"/>
+              </a:ext>
+            </a:extLst>
+          </p:cNvPr>
+          <p:cNvSpPr txBox="1"/>
+          <p:nvPr/>
+        </p:nvSpPr>
+        <p:spPr>
+          <a:xfrm>
+            <a:off x="978009" y="1087143"/>
+            <a:ext cx="7187982" cy="5632311"/>
+          </a:xfrm>
+          <a:prstGeom prst="rect">
+            <a:avLst/>
+          </a:prstGeom>
+          <a:noFill/>
+        </p:spPr>
+        <p:txBody>
+          <a:bodyPr wrap="square" rtlCol="0">
+            <a:spAutoFit/>
+          </a:bodyPr>
+          <a:lstStyle/>
+          <a:p>
+            <a:pPr marL="285750" indent="-285750">
+              <a:buFont typeface="Arial" panose="020B0604020202020204" pitchFamily="34" charset="0"/>
+              <a:buChar char="•"/>
+            </a:pPr>
+            <a:r>
+              <a:rPr lang="en-US" sz="2400" dirty="0">
+                <a:latin typeface="Arial" panose="020B0604020202020204" pitchFamily="34" charset="0"/>
+                <a:cs typeface="Arial" panose="020B0604020202020204" pitchFamily="34" charset="0"/>
+              </a:rPr>
+              <a:t>Survival horror genre experience T/FPP</a:t>
+            </a:r>
+          </a:p>
+          <a:p>
+            <a:pPr marL="285750" indent="-285750">
+              <a:buFont typeface="Arial" panose="020B0604020202020204" pitchFamily="34" charset="0"/>
+              <a:buChar char="•"/>
+            </a:pPr>
+            <a:r>
+              <a:rPr lang="en-US" sz="2400" dirty="0">
+                <a:latin typeface="Arial" panose="020B0604020202020204" pitchFamily="34" charset="0"/>
+                <a:cs typeface="Arial" panose="020B0604020202020204" pitchFamily="34" charset="0"/>
+              </a:rPr>
+              <a:t>Actor in-place Animations / Locomotion’s</a:t>
+            </a:r>
+          </a:p>
+          <a:p>
+            <a:pPr marL="285750" indent="-285750">
+              <a:buFont typeface="Arial" panose="020B0604020202020204" pitchFamily="34" charset="0"/>
+              <a:buChar char="•"/>
+            </a:pPr>
+            <a:r>
+              <a:rPr lang="en-US" sz="2400" dirty="0">
+                <a:latin typeface="Arial" panose="020B0604020202020204" pitchFamily="34" charset="0"/>
+                <a:cs typeface="Arial" panose="020B0604020202020204" pitchFamily="34" charset="0"/>
+              </a:rPr>
+              <a:t>Character Mannequin / Body appearance</a:t>
+            </a:r>
+          </a:p>
+          <a:p>
+            <a:pPr marL="285750" indent="-285750">
+              <a:buFont typeface="Arial" panose="020B0604020202020204" pitchFamily="34" charset="0"/>
+              <a:buChar char="•"/>
+            </a:pPr>
+            <a:r>
+              <a:rPr lang="en-US" sz="2400" dirty="0">
+                <a:latin typeface="Arial" panose="020B0604020202020204" pitchFamily="34" charset="0"/>
+                <a:cs typeface="Arial" panose="020B0604020202020204" pitchFamily="34" charset="0"/>
+              </a:rPr>
+              <a:t>Survival Gear for a ghost hunt</a:t>
+            </a:r>
+          </a:p>
+          <a:p>
+            <a:pPr marL="285750" indent="-285750">
+              <a:buFont typeface="Arial" panose="020B0604020202020204" pitchFamily="34" charset="0"/>
+              <a:buChar char="•"/>
+            </a:pPr>
+            <a:r>
+              <a:rPr lang="en-US" sz="2400" dirty="0">
+                <a:latin typeface="Arial" panose="020B0604020202020204" pitchFamily="34" charset="0"/>
+                <a:cs typeface="Arial" panose="020B0604020202020204" pitchFamily="34" charset="0"/>
+              </a:rPr>
+              <a:t>Diary – Quest/events System</a:t>
+            </a:r>
+          </a:p>
+          <a:p>
+            <a:pPr marL="285750" indent="-285750">
+              <a:buFont typeface="Arial" panose="020B0604020202020204" pitchFamily="34" charset="0"/>
+              <a:buChar char="•"/>
+            </a:pPr>
+            <a:r>
+              <a:rPr lang="en-US" sz="2400" dirty="0">
+                <a:latin typeface="Arial" panose="020B0604020202020204" pitchFamily="34" charset="0"/>
+                <a:cs typeface="Arial" panose="020B0604020202020204" pitchFamily="34" charset="0"/>
+              </a:rPr>
+              <a:t>Inventory</a:t>
+            </a:r>
+          </a:p>
+          <a:p>
+            <a:pPr marL="285750" indent="-285750">
+              <a:buFont typeface="Arial" panose="020B0604020202020204" pitchFamily="34" charset="0"/>
+              <a:buChar char="•"/>
+            </a:pPr>
+            <a:r>
+              <a:rPr lang="en-US" sz="2400" dirty="0">
+                <a:latin typeface="Arial" panose="020B0604020202020204" pitchFamily="34" charset="0"/>
+                <a:cs typeface="Arial" panose="020B0604020202020204" pitchFamily="34" charset="0"/>
+              </a:rPr>
+              <a:t>Save System</a:t>
+            </a:r>
+          </a:p>
+          <a:p>
+            <a:pPr marL="285750" indent="-285750">
+              <a:buFont typeface="Arial" panose="020B0604020202020204" pitchFamily="34" charset="0"/>
+              <a:buChar char="•"/>
+            </a:pPr>
+            <a:r>
+              <a:rPr lang="en-US" sz="2400" dirty="0">
+                <a:latin typeface="Arial" panose="020B0604020202020204" pitchFamily="34" charset="0"/>
+                <a:cs typeface="Arial" panose="020B0604020202020204" pitchFamily="34" charset="0"/>
+              </a:rPr>
+              <a:t>Inspection System</a:t>
+            </a:r>
+          </a:p>
+          <a:p>
+            <a:pPr marL="285750" indent="-285750">
+              <a:buFont typeface="Arial" panose="020B0604020202020204" pitchFamily="34" charset="0"/>
+              <a:buChar char="•"/>
+            </a:pPr>
+            <a:r>
+              <a:rPr lang="en-US" sz="2400" dirty="0">
+                <a:latin typeface="Arial" panose="020B0604020202020204" pitchFamily="34" charset="0"/>
+                <a:cs typeface="Arial" panose="020B0604020202020204" pitchFamily="34" charset="0"/>
+              </a:rPr>
+              <a:t>Footstep Sound System</a:t>
+            </a:r>
+          </a:p>
+          <a:p>
+            <a:pPr marL="285750" indent="-285750">
+              <a:buFont typeface="Arial" panose="020B0604020202020204" pitchFamily="34" charset="0"/>
+              <a:buChar char="•"/>
+            </a:pPr>
+            <a:r>
+              <a:rPr lang="en-US" sz="2400" dirty="0">
+                <a:latin typeface="Arial" panose="020B0604020202020204" pitchFamily="34" charset="0"/>
+                <a:cs typeface="Arial" panose="020B0604020202020204" pitchFamily="34" charset="0"/>
+              </a:rPr>
+              <a:t>NPC hunt mode</a:t>
+            </a:r>
+          </a:p>
+          <a:p>
+            <a:pPr marL="285750" indent="-285750">
+              <a:buFont typeface="Arial" panose="020B0604020202020204" pitchFamily="34" charset="0"/>
+              <a:buChar char="•"/>
+            </a:pPr>
+            <a:r>
+              <a:rPr lang="en-US" sz="2400" dirty="0">
+                <a:latin typeface="Arial" panose="020B0604020202020204" pitchFamily="34" charset="0"/>
+                <a:cs typeface="Arial" panose="020B0604020202020204" pitchFamily="34" charset="0"/>
+              </a:rPr>
+              <a:t>Network Replicated / Multiplayer Ready</a:t>
+            </a:r>
+            <a:endParaRPr lang="el-GR" sz="2400" dirty="0">
+              <a:latin typeface="Arial" panose="020B0604020202020204" pitchFamily="34" charset="0"/>
+              <a:cs typeface="Arial" panose="020B0604020202020204" pitchFamily="34" charset="0"/>
+            </a:endParaRPr>
+          </a:p>
+          <a:p>
+            <a:pPr marL="285750" indent="-285750">
+              <a:buFont typeface="Arial" panose="020B0604020202020204" pitchFamily="34" charset="0"/>
+              <a:buChar char="•"/>
+            </a:pPr>
+            <a:r>
+              <a:rPr lang="en-US" sz="2400" dirty="0">
+                <a:latin typeface="Arial" panose="020B0604020202020204" pitchFamily="34" charset="0"/>
+                <a:cs typeface="Arial" panose="020B0604020202020204" pitchFamily="34" charset="0"/>
+              </a:rPr>
+              <a:t>VoIP</a:t>
+            </a:r>
+          </a:p>
+          <a:p>
+            <a:pPr marL="285750" indent="-285750">
+              <a:buFont typeface="Arial" panose="020B0604020202020204" pitchFamily="34" charset="0"/>
+              <a:buChar char="•"/>
+            </a:pPr>
+            <a:r>
+              <a:rPr lang="en-US" sz="2400" dirty="0">
+                <a:latin typeface="Arial" panose="020B0604020202020204" pitchFamily="34" charset="0"/>
+                <a:cs typeface="Arial" panose="020B0604020202020204" pitchFamily="34" charset="0"/>
+              </a:rPr>
+              <a:t>3D Sounds and attenuations</a:t>
+            </a:r>
+          </a:p>
+          <a:p>
+            <a:pPr marL="285750" indent="-285750">
+              <a:buFont typeface="Arial" panose="020B0604020202020204" pitchFamily="34" charset="0"/>
+              <a:buChar char="•"/>
+            </a:pPr>
+            <a:r>
+              <a:rPr lang="en-US" sz="2400" dirty="0">
+                <a:latin typeface="Arial" panose="020B0604020202020204" pitchFamily="34" charset="0"/>
+                <a:cs typeface="Arial" panose="020B0604020202020204" pitchFamily="34" charset="0"/>
+              </a:rPr>
+              <a:t>Any many much more ..</a:t>
+            </a:r>
+          </a:p>
+          <a:p>
+            <a:pPr marL="285750" indent="-285750">
+              <a:buFont typeface="Arial" panose="020B0604020202020204" pitchFamily="34" charset="0"/>
+              <a:buChar char="•"/>
+            </a:pPr>
+            <a:endParaRPr lang="en-US" sz="2400" dirty="0">
+              <a:latin typeface="Arial" panose="020B0604020202020204" pitchFamily="34" charset="0"/>
+              <a:cs typeface="Arial" panose="020B0604020202020204" pitchFamily="34" charset="0"/>
+            </a:endParaRPr>
+          </a:p>
+        </p:txBody>
+      </p:sp>
+      <p:sp>
+        <p:nvSpPr>
+          <p:cNvPr id="3" name="Title 1">
+            <a:extLst>
+              <a:ext uri="{FF2B5EF4-FFF2-40B4-BE49-F238E27FC236}">
+                <a16:creationId xmlns:a16="http://schemas.microsoft.com/office/drawing/2014/main" id="{F91B5DA2-9F84-4357-986E-ECDEFC9DF9D7}"/>
+              </a:ext>
+            </a:extLst>
+          </p:cNvPr>
+          <p:cNvSpPr txBox="1">
+            <a:spLocks/>
+          </p:cNvSpPr>
+          <p:nvPr/>
+        </p:nvSpPr>
+        <p:spPr>
+          <a:xfrm>
+            <a:off x="-401782" y="320633"/>
+            <a:ext cx="8229600" cy="1143000"/>
+          </a:xfrm>
+          <a:prstGeom prst="rect">
+            <a:avLst/>
+          </a:prstGeom>
+        </p:spPr>
+        <p:txBody>
+          <a:bodyPr/>
+          <a:lstStyle>
+            <a:lvl1pPr algn="ctr" defTabSz="914400" rtl="0" eaLnBrk="1" latinLnBrk="0" hangingPunct="1">
+              <a:spcBef>
+                <a:spcPct val="0"/>
+              </a:spcBef>
+              <a:buNone/>
+              <a:defRPr sz="4400" kern="1200">
+                <a:solidFill>
+                  <a:schemeClr val="tx1"/>
+                </a:solidFill>
+                <a:latin typeface="+mj-lt"/>
+                <a:ea typeface="+mj-ea"/>
+                <a:cs typeface="+mj-cs"/>
+              </a:defRPr>
+            </a:lvl1pPr>
+          </a:lstStyle>
+          <a:p>
+            <a:r>
+              <a:rPr lang="el-GR" b="1" dirty="0">
+                <a:latin typeface="Arial" panose="020B0604020202020204" pitchFamily="34" charset="0"/>
+                <a:cs typeface="Arial" panose="020B0604020202020204" pitchFamily="34" charset="0"/>
+              </a:rPr>
+              <a:t>Χαρακτηρίστηκα</a:t>
+            </a:r>
+            <a:endParaRPr lang="en-US" dirty="0"/>
+          </a:p>
+        </p:txBody>
+      </p:sp>
+    </p:spTree>
+    <p:extLst>
+      <p:ext uri="{BB962C8B-B14F-4D97-AF65-F5344CB8AC3E}">
+        <p14:creationId xmlns:p14="http://schemas.microsoft.com/office/powerpoint/2010/main" val="1047825672"/>
+      </p:ext>
+    </p:extLst>
+  </p:cSld>
+  <p:clrMapOvr>
+    <a:masterClrMapping/>
+  </p:clrMapOvr>
+</p:sld>
+</file>
+
+<file path=ppt/slides/slide8.xml><?xml version="1.0" encoding="utf-8"?>
+<p:sld xmlns:a="http://schemas.openxmlformats.org/drawingml/2006/main" xmlns:r="http://schemas.openxmlformats.org/officeDocument/2006/relationships" xmlns:p="http://schemas.openxmlformats.org/presentationml/2006/main">
+  <p:cSld>
+    <p:spTree>
+      <p:nvGrpSpPr>
+        <p:cNvPr id="1" name=""/>
+        <p:cNvGrpSpPr/>
+        <p:nvPr/>
+      </p:nvGrpSpPr>
+      <p:grpSpPr>
+        <a:xfrm>
+          <a:off x="0" y="0"/>
+          <a:ext cx="0" cy="0"/>
+          <a:chOff x="0" y="0"/>
+          <a:chExt cx="0" cy="0"/>
+        </a:xfrm>
+      </p:grpSpPr>
+      <p:sp>
+        <p:nvSpPr>
           <p:cNvPr id="2" name="Title 1">
             <a:extLst>
               <a:ext uri="{FF2B5EF4-FFF2-40B4-BE49-F238E27FC236}">
@@ -46239,7 +46869,7 @@
 </p:sld>
 </file>
 
-<file path=ppt/slides/slide8.xml><?xml version="1.0" encoding="utf-8"?>
+<file path=ppt/slides/slide9.xml><?xml version="1.0" encoding="utf-8"?>
 <p:sld xmlns:a="http://schemas.openxmlformats.org/drawingml/2006/main" xmlns:r="http://schemas.openxmlformats.org/officeDocument/2006/relationships" xmlns:p="http://schemas.openxmlformats.org/presentationml/2006/main">
   <p:cSld>
     <p:spTree>
@@ -46599,243 +47229,6 @@
     <p:extLst>
       <p:ext uri="{BB962C8B-B14F-4D97-AF65-F5344CB8AC3E}">
         <p14:creationId xmlns:p14="http://schemas.microsoft.com/office/powerpoint/2010/main" val="1891340158"/>
-      </p:ext>
-    </p:extLst>
-  </p:cSld>
-  <p:clrMapOvr>
-    <a:masterClrMapping/>
-  </p:clrMapOvr>
-</p:sld>
-</file>
-
-<file path=ppt/slides/slide9.xml><?xml version="1.0" encoding="utf-8"?>
-<p:sld xmlns:a="http://schemas.openxmlformats.org/drawingml/2006/main" xmlns:r="http://schemas.openxmlformats.org/officeDocument/2006/relationships" xmlns:p="http://schemas.openxmlformats.org/presentationml/2006/main">
-  <p:cSld>
-    <p:spTree>
-      <p:nvGrpSpPr>
-        <p:cNvPr id="1" name=""/>
-        <p:cNvGrpSpPr/>
-        <p:nvPr/>
-      </p:nvGrpSpPr>
-      <p:grpSpPr>
-        <a:xfrm>
-          <a:off x="0" y="0"/>
-          <a:ext cx="0" cy="0"/>
-          <a:chOff x="0" y="0"/>
-          <a:chExt cx="0" cy="0"/>
-        </a:xfrm>
-      </p:grpSpPr>
-      <p:sp>
-        <p:nvSpPr>
-          <p:cNvPr id="2" name="Title 1">
-            <a:extLst>
-              <a:ext uri="{FF2B5EF4-FFF2-40B4-BE49-F238E27FC236}">
-                <a16:creationId xmlns:a16="http://schemas.microsoft.com/office/drawing/2014/main" id="{165479F6-9370-4948-ACA1-C8BC7A0BF4ED}"/>
-              </a:ext>
-            </a:extLst>
-          </p:cNvPr>
-          <p:cNvSpPr>
-            <a:spLocks noGrp="1"/>
-          </p:cNvSpPr>
-          <p:nvPr>
-            <p:ph type="title"/>
-          </p:nvPr>
-        </p:nvSpPr>
-        <p:spPr>
-          <a:xfrm>
-            <a:off x="0" y="347790"/>
-            <a:ext cx="7034784" cy="1249362"/>
-          </a:xfrm>
-        </p:spPr>
-        <p:txBody>
-          <a:bodyPr/>
-          <a:lstStyle/>
-          <a:p>
-            <a:r>
-              <a:rPr lang="el-GR" sz="4400" b="1" dirty="0">
-                <a:latin typeface="Arial" panose="020B0604020202020204" pitchFamily="34" charset="0"/>
-                <a:cs typeface="Arial" panose="020B0604020202020204" pitchFamily="34" charset="0"/>
-              </a:rPr>
-              <a:t>Η τρέχουσα υλοποίηση του έργου</a:t>
-            </a:r>
-            <a:br>
-              <a:rPr lang="en-US" sz="4400" b="1" dirty="0">
-                <a:latin typeface="Arial" panose="020B0604020202020204" pitchFamily="34" charset="0"/>
-                <a:cs typeface="Arial" panose="020B0604020202020204" pitchFamily="34" charset="0"/>
-              </a:rPr>
-            </a:br>
-            <a:endParaRPr lang="en-US" dirty="0"/>
-          </a:p>
-        </p:txBody>
-      </p:sp>
-      <p:sp>
-        <p:nvSpPr>
-          <p:cNvPr id="3" name="TextBox 2">
-            <a:extLst>
-              <a:ext uri="{FF2B5EF4-FFF2-40B4-BE49-F238E27FC236}">
-                <a16:creationId xmlns:a16="http://schemas.microsoft.com/office/drawing/2014/main" id="{CF72E4F5-9305-4C09-9DE7-E6FCBA3AA565}"/>
-              </a:ext>
-            </a:extLst>
-          </p:cNvPr>
-          <p:cNvSpPr txBox="1"/>
-          <p:nvPr/>
-        </p:nvSpPr>
-        <p:spPr>
-          <a:xfrm>
-            <a:off x="0" y="1827401"/>
-            <a:ext cx="8644128" cy="2800767"/>
-          </a:xfrm>
-          <a:prstGeom prst="rect">
-            <a:avLst/>
-          </a:prstGeom>
-          <a:noFill/>
-        </p:spPr>
-        <p:txBody>
-          <a:bodyPr wrap="square" rtlCol="0">
-            <a:spAutoFit/>
-          </a:bodyPr>
-          <a:lstStyle/>
-          <a:p>
-            <a:r>
-              <a:rPr lang="el-GR" sz="2400" dirty="0">
-                <a:effectLst/>
-                <a:latin typeface="Arial" panose="020B0604020202020204" pitchFamily="34" charset="0"/>
-                <a:ea typeface="Calibri" panose="020F0502020204030204" pitchFamily="34" charset="0"/>
-                <a:cs typeface="Arial" panose="020B0604020202020204" pitchFamily="34" charset="0"/>
-              </a:rPr>
-              <a:t>Η παρούσα εργασία συστημάτων παιχνιδιού εγκρίθηκε και δημοσιεύτηκε στην επίσημη πλατφόρμα της </a:t>
-            </a:r>
-            <a:r>
-              <a:rPr lang="en-US" sz="2400" u="sng" dirty="0">
-                <a:solidFill>
-                  <a:srgbClr val="0563C1"/>
-                </a:solidFill>
-                <a:effectLst/>
-                <a:latin typeface="Arial" panose="020B0604020202020204" pitchFamily="34" charset="0"/>
-                <a:ea typeface="Calibri" panose="020F0502020204030204" pitchFamily="34" charset="0"/>
-                <a:cs typeface="Arial" panose="020B0604020202020204" pitchFamily="34" charset="0"/>
-                <a:hlinkClick r:id="rId3"/>
-              </a:rPr>
-              <a:t>Unreal Engine Marketplace</a:t>
-            </a:r>
-            <a:r>
-              <a:rPr lang="el-GR" sz="2400" dirty="0">
-                <a:effectLst/>
-                <a:latin typeface="Arial" panose="020B0604020202020204" pitchFamily="34" charset="0"/>
-                <a:ea typeface="Calibri" panose="020F0502020204030204" pitchFamily="34" charset="0"/>
-                <a:cs typeface="Arial" panose="020B0604020202020204" pitchFamily="34" charset="0"/>
-              </a:rPr>
-              <a:t> καθώς </a:t>
-            </a:r>
-          </a:p>
-          <a:p>
-            <a:r>
-              <a:rPr lang="el-GR" sz="2400" dirty="0">
-                <a:effectLst/>
-                <a:latin typeface="Arial" panose="020B0604020202020204" pitchFamily="34" charset="0"/>
-                <a:ea typeface="Calibri" panose="020F0502020204030204" pitchFamily="34" charset="0"/>
-                <a:cs typeface="Arial" panose="020B0604020202020204" pitchFamily="34" charset="0"/>
-              </a:rPr>
-              <a:t>έλαβε τα σωστά βήματα/</a:t>
-            </a:r>
-            <a:r>
-              <a:rPr lang="en-US" sz="2400" dirty="0">
-                <a:effectLst/>
-                <a:latin typeface="Arial" panose="020B0604020202020204" pitchFamily="34" charset="0"/>
-                <a:ea typeface="Calibri" panose="020F0502020204030204" pitchFamily="34" charset="0"/>
-                <a:cs typeface="Arial" panose="020B0604020202020204" pitchFamily="34" charset="0"/>
-              </a:rPr>
-              <a:t>Guidelines</a:t>
-            </a:r>
-            <a:r>
-              <a:rPr lang="el-GR" sz="2400" dirty="0">
-                <a:effectLst/>
-                <a:latin typeface="Arial" panose="020B0604020202020204" pitchFamily="34" charset="0"/>
-                <a:ea typeface="Calibri" panose="020F0502020204030204" pitchFamily="34" charset="0"/>
-                <a:cs typeface="Arial" panose="020B0604020202020204" pitchFamily="34" charset="0"/>
-              </a:rPr>
-              <a:t> που θα συνοψίσουμε παρακάτω για να έρθει εις πέρας ένα </a:t>
-            </a:r>
-            <a:r>
-              <a:rPr lang="en-US" sz="2400" dirty="0">
-                <a:effectLst/>
-                <a:latin typeface="Arial" panose="020B0604020202020204" pitchFamily="34" charset="0"/>
-                <a:ea typeface="Calibri" panose="020F0502020204030204" pitchFamily="34" charset="0"/>
-                <a:cs typeface="Arial" panose="020B0604020202020204" pitchFamily="34" charset="0"/>
-              </a:rPr>
-              <a:t>project </a:t>
-            </a:r>
-            <a:r>
-              <a:rPr lang="el-GR" sz="2400" dirty="0">
-                <a:effectLst/>
-                <a:latin typeface="Arial" panose="020B0604020202020204" pitchFamily="34" charset="0"/>
-                <a:ea typeface="Calibri" panose="020F0502020204030204" pitchFamily="34" charset="0"/>
-                <a:cs typeface="Arial" panose="020B0604020202020204" pitchFamily="34" charset="0"/>
-              </a:rPr>
-              <a:t>κομμάτι </a:t>
-            </a:r>
-            <a:r>
-              <a:rPr lang="en-US" sz="2400" dirty="0">
-                <a:effectLst/>
-                <a:latin typeface="Arial" panose="020B0604020202020204" pitchFamily="34" charset="0"/>
-                <a:ea typeface="Calibri" panose="020F0502020204030204" pitchFamily="34" charset="0"/>
-                <a:cs typeface="Arial" panose="020B0604020202020204" pitchFamily="34" charset="0"/>
-              </a:rPr>
-              <a:t>video</a:t>
-            </a:r>
-            <a:r>
-              <a:rPr lang="el-GR" sz="2400" dirty="0">
-                <a:effectLst/>
-                <a:latin typeface="Arial" panose="020B0604020202020204" pitchFamily="34" charset="0"/>
-                <a:ea typeface="Calibri" panose="020F0502020204030204" pitchFamily="34" charset="0"/>
-                <a:cs typeface="Arial" panose="020B0604020202020204" pitchFamily="34" charset="0"/>
-              </a:rPr>
-              <a:t>-</a:t>
-            </a:r>
-            <a:r>
-              <a:rPr lang="en-US" sz="2400" dirty="0">
-                <a:effectLst/>
-                <a:latin typeface="Arial" panose="020B0604020202020204" pitchFamily="34" charset="0"/>
-                <a:ea typeface="Calibri" panose="020F0502020204030204" pitchFamily="34" charset="0"/>
-                <a:cs typeface="Arial" panose="020B0604020202020204" pitchFamily="34" charset="0"/>
-              </a:rPr>
-              <a:t>game</a:t>
-            </a:r>
-            <a:r>
-              <a:rPr lang="el-GR" sz="2400" dirty="0">
-                <a:effectLst/>
-                <a:latin typeface="Arial" panose="020B0604020202020204" pitchFamily="34" charset="0"/>
-                <a:ea typeface="Calibri" panose="020F0502020204030204" pitchFamily="34" charset="0"/>
-                <a:cs typeface="Arial" panose="020B0604020202020204" pitchFamily="34" charset="0"/>
-              </a:rPr>
-              <a:t> με σωστή ροή από ιδέα -&gt; υλοποίηση.</a:t>
-            </a:r>
-            <a:endParaRPr lang="en-US" sz="2400" dirty="0">
-              <a:effectLst/>
-              <a:latin typeface="Arial" panose="020B0604020202020204" pitchFamily="34" charset="0"/>
-              <a:ea typeface="Calibri" panose="020F0502020204030204" pitchFamily="34" charset="0"/>
-              <a:cs typeface="Times New Roman" panose="02020603050405020304" pitchFamily="18" charset="0"/>
-            </a:endParaRPr>
-          </a:p>
-          <a:p>
-            <a:r>
-              <a:rPr lang="el-GR" sz="3200" dirty="0">
-                <a:latin typeface="Arial" panose="020B0604020202020204" pitchFamily="34" charset="0"/>
-                <a:cs typeface="Arial" panose="020B0604020202020204" pitchFamily="34" charset="0"/>
-              </a:rPr>
-              <a:t> </a:t>
-            </a:r>
-            <a:endParaRPr lang="en-US" sz="3200" dirty="0">
-              <a:latin typeface="Arial" panose="020B0604020202020204" pitchFamily="34" charset="0"/>
-              <a:cs typeface="Arial" panose="020B0604020202020204" pitchFamily="34" charset="0"/>
-            </a:endParaRPr>
-          </a:p>
-        </p:txBody>
-      </p:sp>
-    </p:spTree>
-    <p:extLst>
-      <p:ext uri="{BB962C8B-B14F-4D97-AF65-F5344CB8AC3E}">
-        <p14:creationId xmlns:p14="http://schemas.microsoft.com/office/powerpoint/2010/main" val="1017473068"/>
       </p:ext>
     </p:extLst>
   </p:cSld>
